--- a/AWSPresentation1.pptx
+++ b/AWSPresentation1.pptx
@@ -15,6 +15,8 @@
     <p:sldId id="260" r:id="rId9"/>
     <p:sldId id="263" r:id="rId10"/>
     <p:sldId id="264" r:id="rId11"/>
+    <p:sldId id="266" r:id="rId12"/>
+    <p:sldId id="267" r:id="rId13"/>
   </p:sldIdLst>
   <p:sldSz cx="12192000" cy="6858000"/>
   <p:notesSz cx="6858000" cy="9144000"/>
@@ -113,6 +115,35 @@
       </a:defRPr>
     </a:lvl9pPr>
   </p:defaultTextStyle>
+  <p:extLst>
+    <p:ext uri="{521415D9-36F7-43E2-AB2F-B90AF26B5E84}">
+      <p14:sectionLst xmlns:p14="http://schemas.microsoft.com/office/powerpoint/2010/main">
+        <p14:section name="Default Section" id="{F0872BD1-9CFA-4390-BADB-FDD0514A6F99}">
+          <p14:sldIdLst>
+            <p14:sldId id="256"/>
+            <p14:sldId id="257"/>
+            <p14:sldId id="258"/>
+            <p14:sldId id="262"/>
+            <p14:sldId id="261"/>
+            <p14:sldId id="259"/>
+            <p14:sldId id="265"/>
+            <p14:sldId id="260"/>
+            <p14:sldId id="263"/>
+            <p14:sldId id="264"/>
+          </p14:sldIdLst>
+        </p14:section>
+        <p14:section name="Untitled Section" id="{1A9EC3E1-90F5-4FD1-AB2E-DD4788508655}">
+          <p14:sldIdLst>
+            <p14:sldId id="266"/>
+            <p14:sldId id="267"/>
+          </p14:sldIdLst>
+        </p14:section>
+      </p14:sectionLst>
+    </p:ext>
+    <p:ext uri="{EFAFB233-063F-42B5-8137-9DF3F51BA10A}">
+      <p15:sldGuideLst xmlns:p15="http://schemas.microsoft.com/office/powerpoint/2012/main"/>
+    </p:ext>
+  </p:extLst>
 </p:presentation>
 </file>
 
@@ -263,7 +294,7 @@
           <a:p>
             <a:fld id="{514B463D-3EF5-4A22-BC21-7B63AB95E5E7}" type="datetimeFigureOut">
               <a:rPr lang="en-US" smtClean="0"/>
-              <a:t>6/23/2020</a:t>
+              <a:t>6/25/2020</a:t>
             </a:fld>
             <a:endParaRPr lang="en-US"/>
           </a:p>
@@ -461,7 +492,7 @@
           <a:p>
             <a:fld id="{514B463D-3EF5-4A22-BC21-7B63AB95E5E7}" type="datetimeFigureOut">
               <a:rPr lang="en-US" smtClean="0"/>
-              <a:t>6/23/2020</a:t>
+              <a:t>6/25/2020</a:t>
             </a:fld>
             <a:endParaRPr lang="en-US"/>
           </a:p>
@@ -669,7 +700,7 @@
           <a:p>
             <a:fld id="{514B463D-3EF5-4A22-BC21-7B63AB95E5E7}" type="datetimeFigureOut">
               <a:rPr lang="en-US" smtClean="0"/>
-              <a:t>6/23/2020</a:t>
+              <a:t>6/25/2020</a:t>
             </a:fld>
             <a:endParaRPr lang="en-US"/>
           </a:p>
@@ -867,7 +898,7 @@
           <a:p>
             <a:fld id="{514B463D-3EF5-4A22-BC21-7B63AB95E5E7}" type="datetimeFigureOut">
               <a:rPr lang="en-US" smtClean="0"/>
-              <a:t>6/23/2020</a:t>
+              <a:t>6/25/2020</a:t>
             </a:fld>
             <a:endParaRPr lang="en-US"/>
           </a:p>
@@ -1142,7 +1173,7 @@
           <a:p>
             <a:fld id="{514B463D-3EF5-4A22-BC21-7B63AB95E5E7}" type="datetimeFigureOut">
               <a:rPr lang="en-US" smtClean="0"/>
-              <a:t>6/23/2020</a:t>
+              <a:t>6/25/2020</a:t>
             </a:fld>
             <a:endParaRPr lang="en-US"/>
           </a:p>
@@ -1407,7 +1438,7 @@
           <a:p>
             <a:fld id="{514B463D-3EF5-4A22-BC21-7B63AB95E5E7}" type="datetimeFigureOut">
               <a:rPr lang="en-US" smtClean="0"/>
-              <a:t>6/23/2020</a:t>
+              <a:t>6/25/2020</a:t>
             </a:fld>
             <a:endParaRPr lang="en-US"/>
           </a:p>
@@ -1819,7 +1850,7 @@
           <a:p>
             <a:fld id="{514B463D-3EF5-4A22-BC21-7B63AB95E5E7}" type="datetimeFigureOut">
               <a:rPr lang="en-US" smtClean="0"/>
-              <a:t>6/23/2020</a:t>
+              <a:t>6/25/2020</a:t>
             </a:fld>
             <a:endParaRPr lang="en-US"/>
           </a:p>
@@ -1960,7 +1991,7 @@
           <a:p>
             <a:fld id="{514B463D-3EF5-4A22-BC21-7B63AB95E5E7}" type="datetimeFigureOut">
               <a:rPr lang="en-US" smtClean="0"/>
-              <a:t>6/23/2020</a:t>
+              <a:t>6/25/2020</a:t>
             </a:fld>
             <a:endParaRPr lang="en-US"/>
           </a:p>
@@ -2073,7 +2104,7 @@
           <a:p>
             <a:fld id="{514B463D-3EF5-4A22-BC21-7B63AB95E5E7}" type="datetimeFigureOut">
               <a:rPr lang="en-US" smtClean="0"/>
-              <a:t>6/23/2020</a:t>
+              <a:t>6/25/2020</a:t>
             </a:fld>
             <a:endParaRPr lang="en-US"/>
           </a:p>
@@ -2384,7 +2415,7 @@
           <a:p>
             <a:fld id="{514B463D-3EF5-4A22-BC21-7B63AB95E5E7}" type="datetimeFigureOut">
               <a:rPr lang="en-US" smtClean="0"/>
-              <a:t>6/23/2020</a:t>
+              <a:t>6/25/2020</a:t>
             </a:fld>
             <a:endParaRPr lang="en-US"/>
           </a:p>
@@ -2672,7 +2703,7 @@
           <a:p>
             <a:fld id="{514B463D-3EF5-4A22-BC21-7B63AB95E5E7}" type="datetimeFigureOut">
               <a:rPr lang="en-US" smtClean="0"/>
-              <a:t>6/23/2020</a:t>
+              <a:t>6/25/2020</a:t>
             </a:fld>
             <a:endParaRPr lang="en-US"/>
           </a:p>
@@ -2913,7 +2944,7 @@
           <a:p>
             <a:fld id="{514B463D-3EF5-4A22-BC21-7B63AB95E5E7}" type="datetimeFigureOut">
               <a:rPr lang="en-US" smtClean="0"/>
-              <a:t>6/23/2020</a:t>
+              <a:t>6/25/2020</a:t>
             </a:fld>
             <a:endParaRPr lang="en-US"/>
           </a:p>
@@ -3735,6 +3766,2889 @@
 </p:sld>
 </file>
 
+<file path=ppt/slides/slide11.xml><?xml version="1.0" encoding="utf-8"?>
+<p:sld xmlns:a="http://schemas.openxmlformats.org/drawingml/2006/main" xmlns:r="http://schemas.openxmlformats.org/officeDocument/2006/relationships" xmlns:p="http://schemas.openxmlformats.org/presentationml/2006/main">
+  <p:cSld>
+    <p:spTree>
+      <p:nvGrpSpPr>
+        <p:cNvPr id="1" name=""/>
+        <p:cNvGrpSpPr/>
+        <p:nvPr/>
+      </p:nvGrpSpPr>
+      <p:grpSpPr>
+        <a:xfrm>
+          <a:off x="0" y="0"/>
+          <a:ext cx="0" cy="0"/>
+          <a:chOff x="0" y="0"/>
+          <a:chExt cx="0" cy="0"/>
+        </a:xfrm>
+      </p:grpSpPr>
+      <p:grpSp>
+        <p:nvGrpSpPr>
+          <p:cNvPr id="80" name="Group 79">
+            <a:extLst>
+              <a:ext uri="{FF2B5EF4-FFF2-40B4-BE49-F238E27FC236}">
+                <a16:creationId xmlns:a16="http://schemas.microsoft.com/office/drawing/2014/main" id="{3AF2260D-3619-448E-9EE2-BB600A164DC0}"/>
+              </a:ext>
+            </a:extLst>
+          </p:cNvPr>
+          <p:cNvGrpSpPr/>
+          <p:nvPr/>
+        </p:nvGrpSpPr>
+        <p:grpSpPr>
+          <a:xfrm>
+            <a:off x="-1874981" y="152405"/>
+            <a:ext cx="10972801" cy="6486228"/>
+            <a:chOff x="1182253" y="200894"/>
+            <a:chExt cx="10972801" cy="6486228"/>
+          </a:xfrm>
+        </p:grpSpPr>
+        <p:sp>
+          <p:nvSpPr>
+            <p:cNvPr id="4" name="Rectangle 3">
+              <a:extLst>
+                <a:ext uri="{FF2B5EF4-FFF2-40B4-BE49-F238E27FC236}">
+                  <a16:creationId xmlns:a16="http://schemas.microsoft.com/office/drawing/2014/main" id="{DD47803A-1A40-42DC-8485-DDC3A4CC0392}"/>
+                </a:ext>
+              </a:extLst>
+            </p:cNvPr>
+            <p:cNvSpPr/>
+            <p:nvPr/>
+          </p:nvSpPr>
+          <p:spPr>
+            <a:xfrm>
+              <a:off x="1921163" y="1801091"/>
+              <a:ext cx="2429164" cy="1533237"/>
+            </a:xfrm>
+            <a:prstGeom prst="rect">
+              <a:avLst/>
+            </a:prstGeom>
+          </p:spPr>
+          <p:style>
+            <a:lnRef idx="2">
+              <a:schemeClr val="accent1">
+                <a:shade val="50000"/>
+              </a:schemeClr>
+            </a:lnRef>
+            <a:fillRef idx="1">
+              <a:schemeClr val="accent1"/>
+            </a:fillRef>
+            <a:effectRef idx="0">
+              <a:schemeClr val="accent1"/>
+            </a:effectRef>
+            <a:fontRef idx="minor">
+              <a:schemeClr val="lt1"/>
+            </a:fontRef>
+          </p:style>
+          <p:txBody>
+            <a:bodyPr rtlCol="0" anchor="ctr"/>
+            <a:lstStyle/>
+            <a:p>
+              <a:pPr algn="ctr"/>
+              <a:r>
+                <a:rPr lang="en-US" dirty="0"/>
+                <a:t>HTML5</a:t>
+              </a:r>
+            </a:p>
+            <a:p>
+              <a:pPr algn="ctr"/>
+              <a:r>
+                <a:rPr lang="en-US" dirty="0"/>
+                <a:t>Angular</a:t>
+              </a:r>
+            </a:p>
+            <a:p>
+              <a:pPr algn="ctr"/>
+              <a:r>
+                <a:rPr lang="en-US" dirty="0"/>
+                <a:t>React</a:t>
+              </a:r>
+            </a:p>
+          </p:txBody>
+        </p:sp>
+        <p:cxnSp>
+          <p:nvCxnSpPr>
+            <p:cNvPr id="6" name="Straight Arrow Connector 5">
+              <a:extLst>
+                <a:ext uri="{FF2B5EF4-FFF2-40B4-BE49-F238E27FC236}">
+                  <a16:creationId xmlns:a16="http://schemas.microsoft.com/office/drawing/2014/main" id="{384E9642-DD1E-4625-8685-1532BA0866FA}"/>
+                </a:ext>
+              </a:extLst>
+            </p:cNvPr>
+            <p:cNvCxnSpPr>
+              <a:cxnSpLocks/>
+              <a:stCxn id="4" idx="3"/>
+              <a:endCxn id="7" idx="1"/>
+            </p:cNvCxnSpPr>
+            <p:nvPr/>
+          </p:nvCxnSpPr>
+          <p:spPr>
+            <a:xfrm flipV="1">
+              <a:off x="4350327" y="2558473"/>
+              <a:ext cx="1450110" cy="9237"/>
+            </a:xfrm>
+            <a:prstGeom prst="straightConnector1">
+              <a:avLst/>
+            </a:prstGeom>
+            <a:ln>
+              <a:tailEnd type="triangle"/>
+            </a:ln>
+          </p:spPr>
+          <p:style>
+            <a:lnRef idx="1">
+              <a:schemeClr val="accent1"/>
+            </a:lnRef>
+            <a:fillRef idx="0">
+              <a:schemeClr val="accent1"/>
+            </a:fillRef>
+            <a:effectRef idx="0">
+              <a:schemeClr val="accent1"/>
+            </a:effectRef>
+            <a:fontRef idx="minor">
+              <a:schemeClr val="tx1"/>
+            </a:fontRef>
+          </p:style>
+        </p:cxnSp>
+        <p:sp>
+          <p:nvSpPr>
+            <p:cNvPr id="7" name="Rectangle 6">
+              <a:extLst>
+                <a:ext uri="{FF2B5EF4-FFF2-40B4-BE49-F238E27FC236}">
+                  <a16:creationId xmlns:a16="http://schemas.microsoft.com/office/drawing/2014/main" id="{E33D0B21-FE25-40A2-9D54-F15604E681D8}"/>
+                </a:ext>
+              </a:extLst>
+            </p:cNvPr>
+            <p:cNvSpPr/>
+            <p:nvPr/>
+          </p:nvSpPr>
+          <p:spPr>
+            <a:xfrm>
+              <a:off x="5800437" y="1283855"/>
+              <a:ext cx="969818" cy="2549236"/>
+            </a:xfrm>
+            <a:prstGeom prst="rect">
+              <a:avLst/>
+            </a:prstGeom>
+          </p:spPr>
+          <p:style>
+            <a:lnRef idx="2">
+              <a:schemeClr val="accent1">
+                <a:shade val="50000"/>
+              </a:schemeClr>
+            </a:lnRef>
+            <a:fillRef idx="1">
+              <a:schemeClr val="accent1"/>
+            </a:fillRef>
+            <a:effectRef idx="0">
+              <a:schemeClr val="accent1"/>
+            </a:effectRef>
+            <a:fontRef idx="minor">
+              <a:schemeClr val="lt1"/>
+            </a:fontRef>
+          </p:style>
+          <p:txBody>
+            <a:bodyPr rtlCol="0" anchor="ctr"/>
+            <a:lstStyle/>
+            <a:p>
+              <a:pPr algn="ctr"/>
+              <a:r>
+                <a:rPr lang="en-US" dirty="0"/>
+                <a:t>API</a:t>
+              </a:r>
+            </a:p>
+            <a:p>
+              <a:pPr algn="ctr"/>
+              <a:r>
+                <a:rPr lang="en-US" dirty="0"/>
+                <a:t>Gateway</a:t>
+              </a:r>
+            </a:p>
+          </p:txBody>
+        </p:sp>
+        <p:sp>
+          <p:nvSpPr>
+            <p:cNvPr id="8" name="Rectangle 7">
+              <a:extLst>
+                <a:ext uri="{FF2B5EF4-FFF2-40B4-BE49-F238E27FC236}">
+                  <a16:creationId xmlns:a16="http://schemas.microsoft.com/office/drawing/2014/main" id="{CE354355-013E-4625-82E0-8EC7D5B25EAD}"/>
+                </a:ext>
+              </a:extLst>
+            </p:cNvPr>
+            <p:cNvSpPr/>
+            <p:nvPr/>
+          </p:nvSpPr>
+          <p:spPr>
+            <a:xfrm>
+              <a:off x="7847445" y="1893455"/>
+              <a:ext cx="1378525" cy="1440872"/>
+            </a:xfrm>
+            <a:prstGeom prst="rect">
+              <a:avLst/>
+            </a:prstGeom>
+          </p:spPr>
+          <p:style>
+            <a:lnRef idx="2">
+              <a:schemeClr val="accent1">
+                <a:shade val="50000"/>
+              </a:schemeClr>
+            </a:lnRef>
+            <a:fillRef idx="1">
+              <a:schemeClr val="accent1"/>
+            </a:fillRef>
+            <a:effectRef idx="0">
+              <a:schemeClr val="accent1"/>
+            </a:effectRef>
+            <a:fontRef idx="minor">
+              <a:schemeClr val="lt1"/>
+            </a:fontRef>
+          </p:style>
+          <p:txBody>
+            <a:bodyPr rtlCol="0" anchor="ctr"/>
+            <a:lstStyle/>
+            <a:p>
+              <a:pPr algn="ctr"/>
+              <a:endParaRPr lang="en-US" sz="1100" dirty="0"/>
+            </a:p>
+            <a:p>
+              <a:pPr algn="ctr"/>
+              <a:r>
+                <a:rPr lang="en-US" sz="1200" dirty="0"/>
+                <a:t>EC2</a:t>
+              </a:r>
+            </a:p>
+            <a:p>
+              <a:pPr algn="ctr"/>
+              <a:r>
+                <a:rPr lang="en-US" sz="1200" dirty="0"/>
+                <a:t>Lambda</a:t>
+              </a:r>
+            </a:p>
+            <a:p>
+              <a:pPr algn="ctr"/>
+              <a:r>
+                <a:rPr lang="en-US" sz="1200" dirty="0" err="1"/>
+                <a:t>BeanStalk</a:t>
+              </a:r>
+              <a:endParaRPr lang="en-US" sz="1200" dirty="0"/>
+            </a:p>
+            <a:p>
+              <a:pPr algn="ctr"/>
+              <a:r>
+                <a:rPr lang="en-US" sz="1200" dirty="0"/>
+                <a:t>EKS /ECS</a:t>
+              </a:r>
+            </a:p>
+          </p:txBody>
+        </p:sp>
+        <p:cxnSp>
+          <p:nvCxnSpPr>
+            <p:cNvPr id="10" name="Connector: Elbow 9">
+              <a:extLst>
+                <a:ext uri="{FF2B5EF4-FFF2-40B4-BE49-F238E27FC236}">
+                  <a16:creationId xmlns:a16="http://schemas.microsoft.com/office/drawing/2014/main" id="{2EE1A188-5CEB-422E-9F16-DC21BB17F52D}"/>
+                </a:ext>
+              </a:extLst>
+            </p:cNvPr>
+            <p:cNvCxnSpPr>
+              <a:cxnSpLocks/>
+              <a:stCxn id="7" idx="3"/>
+              <a:endCxn id="8" idx="1"/>
+            </p:cNvCxnSpPr>
+            <p:nvPr/>
+          </p:nvCxnSpPr>
+          <p:spPr>
+            <a:xfrm>
+              <a:off x="6770255" y="2558473"/>
+              <a:ext cx="1077190" cy="55418"/>
+            </a:xfrm>
+            <a:prstGeom prst="bentConnector3">
+              <a:avLst/>
+            </a:prstGeom>
+            <a:ln>
+              <a:tailEnd type="triangle"/>
+            </a:ln>
+          </p:spPr>
+          <p:style>
+            <a:lnRef idx="1">
+              <a:schemeClr val="accent1"/>
+            </a:lnRef>
+            <a:fillRef idx="0">
+              <a:schemeClr val="accent1"/>
+            </a:fillRef>
+            <a:effectRef idx="0">
+              <a:schemeClr val="accent1"/>
+            </a:effectRef>
+            <a:fontRef idx="minor">
+              <a:schemeClr val="tx1"/>
+            </a:fontRef>
+          </p:style>
+        </p:cxnSp>
+        <p:sp>
+          <p:nvSpPr>
+            <p:cNvPr id="16" name="Flowchart: Magnetic Disk 15">
+              <a:extLst>
+                <a:ext uri="{FF2B5EF4-FFF2-40B4-BE49-F238E27FC236}">
+                  <a16:creationId xmlns:a16="http://schemas.microsoft.com/office/drawing/2014/main" id="{99091731-7629-4196-9ABF-3E64F4980B26}"/>
+                </a:ext>
+              </a:extLst>
+            </p:cNvPr>
+            <p:cNvSpPr/>
+            <p:nvPr/>
+          </p:nvSpPr>
+          <p:spPr>
+            <a:xfrm>
+              <a:off x="10880437" y="452582"/>
+              <a:ext cx="849745" cy="729673"/>
+            </a:xfrm>
+            <a:prstGeom prst="flowChartMagneticDisk">
+              <a:avLst/>
+            </a:prstGeom>
+          </p:spPr>
+          <p:style>
+            <a:lnRef idx="2">
+              <a:schemeClr val="accent1">
+                <a:shade val="50000"/>
+              </a:schemeClr>
+            </a:lnRef>
+            <a:fillRef idx="1">
+              <a:schemeClr val="accent1"/>
+            </a:fillRef>
+            <a:effectRef idx="0">
+              <a:schemeClr val="accent1"/>
+            </a:effectRef>
+            <a:fontRef idx="minor">
+              <a:schemeClr val="lt1"/>
+            </a:fontRef>
+          </p:style>
+          <p:txBody>
+            <a:bodyPr rtlCol="0" anchor="ctr"/>
+            <a:lstStyle/>
+            <a:p>
+              <a:pPr algn="ctr"/>
+              <a:r>
+                <a:rPr lang="en-US" sz="1400" dirty="0"/>
+                <a:t>RDS</a:t>
+              </a:r>
+            </a:p>
+          </p:txBody>
+        </p:sp>
+        <p:sp>
+          <p:nvSpPr>
+            <p:cNvPr id="17" name="Flowchart: Magnetic Disk 16">
+              <a:extLst>
+                <a:ext uri="{FF2B5EF4-FFF2-40B4-BE49-F238E27FC236}">
+                  <a16:creationId xmlns:a16="http://schemas.microsoft.com/office/drawing/2014/main" id="{8FCB2EB0-4D94-4ED4-B5A3-3582EBB3FF14}"/>
+                </a:ext>
+              </a:extLst>
+            </p:cNvPr>
+            <p:cNvSpPr/>
+            <p:nvPr/>
+          </p:nvSpPr>
+          <p:spPr>
+            <a:xfrm>
+              <a:off x="10880437" y="1778000"/>
+              <a:ext cx="849745" cy="729673"/>
+            </a:xfrm>
+            <a:prstGeom prst="flowChartMagneticDisk">
+              <a:avLst/>
+            </a:prstGeom>
+          </p:spPr>
+          <p:style>
+            <a:lnRef idx="2">
+              <a:schemeClr val="accent1">
+                <a:shade val="50000"/>
+              </a:schemeClr>
+            </a:lnRef>
+            <a:fillRef idx="1">
+              <a:schemeClr val="accent1"/>
+            </a:fillRef>
+            <a:effectRef idx="0">
+              <a:schemeClr val="accent1"/>
+            </a:effectRef>
+            <a:fontRef idx="minor">
+              <a:schemeClr val="lt1"/>
+            </a:fontRef>
+          </p:style>
+          <p:txBody>
+            <a:bodyPr rtlCol="0" anchor="ctr"/>
+            <a:lstStyle/>
+            <a:p>
+              <a:pPr algn="ctr"/>
+              <a:r>
+                <a:rPr lang="en-US" sz="1400" dirty="0"/>
+                <a:t>Dynamo</a:t>
+              </a:r>
+            </a:p>
+          </p:txBody>
+        </p:sp>
+        <p:sp>
+          <p:nvSpPr>
+            <p:cNvPr id="18" name="Flowchart: Magnetic Disk 17">
+              <a:extLst>
+                <a:ext uri="{FF2B5EF4-FFF2-40B4-BE49-F238E27FC236}">
+                  <a16:creationId xmlns:a16="http://schemas.microsoft.com/office/drawing/2014/main" id="{1F9E5712-CD3C-419F-841E-1F1A47F5CD50}"/>
+                </a:ext>
+              </a:extLst>
+            </p:cNvPr>
+            <p:cNvSpPr/>
+            <p:nvPr/>
+          </p:nvSpPr>
+          <p:spPr>
+            <a:xfrm>
+              <a:off x="10880437" y="3195782"/>
+              <a:ext cx="849745" cy="729673"/>
+            </a:xfrm>
+            <a:prstGeom prst="flowChartMagneticDisk">
+              <a:avLst/>
+            </a:prstGeom>
+          </p:spPr>
+          <p:style>
+            <a:lnRef idx="2">
+              <a:schemeClr val="accent1">
+                <a:shade val="50000"/>
+              </a:schemeClr>
+            </a:lnRef>
+            <a:fillRef idx="1">
+              <a:schemeClr val="accent1"/>
+            </a:fillRef>
+            <a:effectRef idx="0">
+              <a:schemeClr val="accent1"/>
+            </a:effectRef>
+            <a:fontRef idx="minor">
+              <a:schemeClr val="lt1"/>
+            </a:fontRef>
+          </p:style>
+          <p:txBody>
+            <a:bodyPr rtlCol="0" anchor="ctr"/>
+            <a:lstStyle/>
+            <a:p>
+              <a:pPr algn="ctr"/>
+              <a:r>
+                <a:rPr lang="en-US" sz="1400" dirty="0" err="1"/>
+                <a:t>DocDB</a:t>
+              </a:r>
+              <a:endParaRPr lang="en-US" sz="1400" dirty="0"/>
+            </a:p>
+          </p:txBody>
+        </p:sp>
+        <p:cxnSp>
+          <p:nvCxnSpPr>
+            <p:cNvPr id="24" name="Connector: Elbow 23">
+              <a:extLst>
+                <a:ext uri="{FF2B5EF4-FFF2-40B4-BE49-F238E27FC236}">
+                  <a16:creationId xmlns:a16="http://schemas.microsoft.com/office/drawing/2014/main" id="{99BA5B54-FB40-4584-BD35-62C515E79ED9}"/>
+                </a:ext>
+              </a:extLst>
+            </p:cNvPr>
+            <p:cNvCxnSpPr>
+              <a:cxnSpLocks/>
+              <a:stCxn id="8" idx="3"/>
+              <a:endCxn id="16" idx="2"/>
+            </p:cNvCxnSpPr>
+            <p:nvPr/>
+          </p:nvCxnSpPr>
+          <p:spPr>
+            <a:xfrm flipV="1">
+              <a:off x="9225970" y="817419"/>
+              <a:ext cx="1654467" cy="1796472"/>
+            </a:xfrm>
+            <a:prstGeom prst="bentConnector3">
+              <a:avLst/>
+            </a:prstGeom>
+            <a:ln>
+              <a:tailEnd type="triangle"/>
+            </a:ln>
+          </p:spPr>
+          <p:style>
+            <a:lnRef idx="1">
+              <a:schemeClr val="accent1"/>
+            </a:lnRef>
+            <a:fillRef idx="0">
+              <a:schemeClr val="accent1"/>
+            </a:fillRef>
+            <a:effectRef idx="0">
+              <a:schemeClr val="accent1"/>
+            </a:effectRef>
+            <a:fontRef idx="minor">
+              <a:schemeClr val="tx1"/>
+            </a:fontRef>
+          </p:style>
+        </p:cxnSp>
+        <p:cxnSp>
+          <p:nvCxnSpPr>
+            <p:cNvPr id="27" name="Connector: Elbow 26">
+              <a:extLst>
+                <a:ext uri="{FF2B5EF4-FFF2-40B4-BE49-F238E27FC236}">
+                  <a16:creationId xmlns:a16="http://schemas.microsoft.com/office/drawing/2014/main" id="{93347E15-CC14-4CDD-8396-AB1E0885E223}"/>
+                </a:ext>
+              </a:extLst>
+            </p:cNvPr>
+            <p:cNvCxnSpPr>
+              <a:cxnSpLocks/>
+              <a:stCxn id="8" idx="3"/>
+              <a:endCxn id="17" idx="2"/>
+            </p:cNvCxnSpPr>
+            <p:nvPr/>
+          </p:nvCxnSpPr>
+          <p:spPr>
+            <a:xfrm flipV="1">
+              <a:off x="9225970" y="2142837"/>
+              <a:ext cx="1654467" cy="471054"/>
+            </a:xfrm>
+            <a:prstGeom prst="bentConnector3">
+              <a:avLst/>
+            </a:prstGeom>
+            <a:ln>
+              <a:tailEnd type="triangle"/>
+            </a:ln>
+          </p:spPr>
+          <p:style>
+            <a:lnRef idx="1">
+              <a:schemeClr val="accent1"/>
+            </a:lnRef>
+            <a:fillRef idx="0">
+              <a:schemeClr val="accent1"/>
+            </a:fillRef>
+            <a:effectRef idx="0">
+              <a:schemeClr val="accent1"/>
+            </a:effectRef>
+            <a:fontRef idx="minor">
+              <a:schemeClr val="tx1"/>
+            </a:fontRef>
+          </p:style>
+        </p:cxnSp>
+        <p:cxnSp>
+          <p:nvCxnSpPr>
+            <p:cNvPr id="29" name="Connector: Elbow 28">
+              <a:extLst>
+                <a:ext uri="{FF2B5EF4-FFF2-40B4-BE49-F238E27FC236}">
+                  <a16:creationId xmlns:a16="http://schemas.microsoft.com/office/drawing/2014/main" id="{89115D99-9ABC-483E-83AA-56B17A375AEF}"/>
+                </a:ext>
+              </a:extLst>
+            </p:cNvPr>
+            <p:cNvCxnSpPr>
+              <a:cxnSpLocks/>
+              <a:stCxn id="8" idx="3"/>
+              <a:endCxn id="18" idx="2"/>
+            </p:cNvCxnSpPr>
+            <p:nvPr/>
+          </p:nvCxnSpPr>
+          <p:spPr>
+            <a:xfrm>
+              <a:off x="9225970" y="2613891"/>
+              <a:ext cx="1654467" cy="946728"/>
+            </a:xfrm>
+            <a:prstGeom prst="bentConnector3">
+              <a:avLst/>
+            </a:prstGeom>
+            <a:ln>
+              <a:tailEnd type="triangle"/>
+            </a:ln>
+          </p:spPr>
+          <p:style>
+            <a:lnRef idx="1">
+              <a:schemeClr val="accent1"/>
+            </a:lnRef>
+            <a:fillRef idx="0">
+              <a:schemeClr val="accent1"/>
+            </a:fillRef>
+            <a:effectRef idx="0">
+              <a:schemeClr val="accent1"/>
+            </a:effectRef>
+            <a:fontRef idx="minor">
+              <a:schemeClr val="tx1"/>
+            </a:fontRef>
+          </p:style>
+        </p:cxnSp>
+        <p:sp>
+          <p:nvSpPr>
+            <p:cNvPr id="30" name="Rectangle: Rounded Corners 29">
+              <a:extLst>
+                <a:ext uri="{FF2B5EF4-FFF2-40B4-BE49-F238E27FC236}">
+                  <a16:creationId xmlns:a16="http://schemas.microsoft.com/office/drawing/2014/main" id="{4BD270B9-59B6-46C8-BDE8-52EF8D66FCCF}"/>
+                </a:ext>
+              </a:extLst>
+            </p:cNvPr>
+            <p:cNvSpPr/>
+            <p:nvPr/>
+          </p:nvSpPr>
+          <p:spPr>
+            <a:xfrm>
+              <a:off x="5056910" y="6303816"/>
+              <a:ext cx="2207491" cy="383306"/>
+            </a:xfrm>
+            <a:prstGeom prst="roundRect">
+              <a:avLst/>
+            </a:prstGeom>
+          </p:spPr>
+          <p:style>
+            <a:lnRef idx="2">
+              <a:schemeClr val="accent1">
+                <a:shade val="50000"/>
+              </a:schemeClr>
+            </a:lnRef>
+            <a:fillRef idx="1">
+              <a:schemeClr val="accent1"/>
+            </a:fillRef>
+            <a:effectRef idx="0">
+              <a:schemeClr val="accent1"/>
+            </a:effectRef>
+            <a:fontRef idx="minor">
+              <a:schemeClr val="lt1"/>
+            </a:fontRef>
+          </p:style>
+          <p:txBody>
+            <a:bodyPr rtlCol="0" anchor="ctr"/>
+            <a:lstStyle/>
+            <a:p>
+              <a:pPr algn="ctr"/>
+              <a:r>
+                <a:rPr lang="en-US" dirty="0"/>
+                <a:t>CloudWatch</a:t>
+              </a:r>
+            </a:p>
+          </p:txBody>
+        </p:sp>
+        <p:sp>
+          <p:nvSpPr>
+            <p:cNvPr id="31" name="Rectangle: Rounded Corners 30">
+              <a:extLst>
+                <a:ext uri="{FF2B5EF4-FFF2-40B4-BE49-F238E27FC236}">
+                  <a16:creationId xmlns:a16="http://schemas.microsoft.com/office/drawing/2014/main" id="{BF95689C-B542-4E03-AC4A-0B4D12B6B556}"/>
+                </a:ext>
+              </a:extLst>
+            </p:cNvPr>
+            <p:cNvSpPr/>
+            <p:nvPr/>
+          </p:nvSpPr>
+          <p:spPr>
+            <a:xfrm>
+              <a:off x="3902364" y="5370946"/>
+              <a:ext cx="1662546" cy="549563"/>
+            </a:xfrm>
+            <a:prstGeom prst="roundRect">
+              <a:avLst/>
+            </a:prstGeom>
+          </p:spPr>
+          <p:style>
+            <a:lnRef idx="2">
+              <a:schemeClr val="accent1">
+                <a:shade val="50000"/>
+              </a:schemeClr>
+            </a:lnRef>
+            <a:fillRef idx="1">
+              <a:schemeClr val="accent1"/>
+            </a:fillRef>
+            <a:effectRef idx="0">
+              <a:schemeClr val="accent1"/>
+            </a:effectRef>
+            <a:fontRef idx="minor">
+              <a:schemeClr val="lt1"/>
+            </a:fontRef>
+          </p:style>
+          <p:txBody>
+            <a:bodyPr rtlCol="0" anchor="ctr"/>
+            <a:lstStyle/>
+            <a:p>
+              <a:pPr algn="ctr"/>
+              <a:r>
+                <a:rPr lang="en-US" sz="1400" dirty="0"/>
+                <a:t>Logs</a:t>
+              </a:r>
+            </a:p>
+          </p:txBody>
+        </p:sp>
+        <p:sp>
+          <p:nvSpPr>
+            <p:cNvPr id="32" name="Rectangle: Rounded Corners 31">
+              <a:extLst>
+                <a:ext uri="{FF2B5EF4-FFF2-40B4-BE49-F238E27FC236}">
+                  <a16:creationId xmlns:a16="http://schemas.microsoft.com/office/drawing/2014/main" id="{F470C6FE-C49A-46A9-8C9B-D62F1776F1D0}"/>
+                </a:ext>
+              </a:extLst>
+            </p:cNvPr>
+            <p:cNvSpPr/>
+            <p:nvPr/>
+          </p:nvSpPr>
+          <p:spPr>
+            <a:xfrm>
+              <a:off x="6063672" y="5186220"/>
+              <a:ext cx="1958109" cy="549562"/>
+            </a:xfrm>
+            <a:prstGeom prst="roundRect">
+              <a:avLst/>
+            </a:prstGeom>
+          </p:spPr>
+          <p:style>
+            <a:lnRef idx="2">
+              <a:schemeClr val="accent1">
+                <a:shade val="50000"/>
+              </a:schemeClr>
+            </a:lnRef>
+            <a:fillRef idx="1">
+              <a:schemeClr val="accent1"/>
+            </a:fillRef>
+            <a:effectRef idx="0">
+              <a:schemeClr val="accent1"/>
+            </a:effectRef>
+            <a:fontRef idx="minor">
+              <a:schemeClr val="lt1"/>
+            </a:fontRef>
+          </p:style>
+          <p:txBody>
+            <a:bodyPr rtlCol="0" anchor="ctr"/>
+            <a:lstStyle/>
+            <a:p>
+              <a:pPr algn="ctr"/>
+              <a:r>
+                <a:rPr lang="en-US" sz="1400" dirty="0"/>
+                <a:t>Dashboards &amp; Metrics</a:t>
+              </a:r>
+            </a:p>
+          </p:txBody>
+        </p:sp>
+        <p:cxnSp>
+          <p:nvCxnSpPr>
+            <p:cNvPr id="34" name="Connector: Elbow 33">
+              <a:extLst>
+                <a:ext uri="{FF2B5EF4-FFF2-40B4-BE49-F238E27FC236}">
+                  <a16:creationId xmlns:a16="http://schemas.microsoft.com/office/drawing/2014/main" id="{6AA5F358-3D06-4A43-B514-F9BFE7F8ECEE}"/>
+                </a:ext>
+              </a:extLst>
+            </p:cNvPr>
+            <p:cNvCxnSpPr>
+              <a:cxnSpLocks/>
+              <a:stCxn id="31" idx="2"/>
+              <a:endCxn id="30" idx="0"/>
+            </p:cNvCxnSpPr>
+            <p:nvPr/>
+          </p:nvCxnSpPr>
+          <p:spPr>
+            <a:xfrm rot="16200000" flipH="1">
+              <a:off x="5255493" y="5398652"/>
+              <a:ext cx="383307" cy="1427019"/>
+            </a:xfrm>
+            <a:prstGeom prst="bentConnector3">
+              <a:avLst>
+                <a:gd name="adj1" fmla="val 50000"/>
+              </a:avLst>
+            </a:prstGeom>
+            <a:ln>
+              <a:tailEnd type="triangle"/>
+            </a:ln>
+          </p:spPr>
+          <p:style>
+            <a:lnRef idx="1">
+              <a:schemeClr val="accent1"/>
+            </a:lnRef>
+            <a:fillRef idx="0">
+              <a:schemeClr val="accent1"/>
+            </a:fillRef>
+            <a:effectRef idx="0">
+              <a:schemeClr val="accent1"/>
+            </a:effectRef>
+            <a:fontRef idx="minor">
+              <a:schemeClr val="tx1"/>
+            </a:fontRef>
+          </p:style>
+        </p:cxnSp>
+        <p:cxnSp>
+          <p:nvCxnSpPr>
+            <p:cNvPr id="37" name="Connector: Elbow 36">
+              <a:extLst>
+                <a:ext uri="{FF2B5EF4-FFF2-40B4-BE49-F238E27FC236}">
+                  <a16:creationId xmlns:a16="http://schemas.microsoft.com/office/drawing/2014/main" id="{AABE17FD-5FDF-4E9A-9B0B-F892DAA787AA}"/>
+                </a:ext>
+              </a:extLst>
+            </p:cNvPr>
+            <p:cNvCxnSpPr>
+              <a:stCxn id="7" idx="2"/>
+              <a:endCxn id="31" idx="0"/>
+            </p:cNvCxnSpPr>
+            <p:nvPr/>
+          </p:nvCxnSpPr>
+          <p:spPr>
+            <a:xfrm rot="5400000">
+              <a:off x="4740565" y="3826164"/>
+              <a:ext cx="1537855" cy="1551709"/>
+            </a:xfrm>
+            <a:prstGeom prst="bentConnector3">
+              <a:avLst/>
+            </a:prstGeom>
+            <a:ln>
+              <a:tailEnd type="triangle"/>
+            </a:ln>
+          </p:spPr>
+          <p:style>
+            <a:lnRef idx="1">
+              <a:schemeClr val="accent1"/>
+            </a:lnRef>
+            <a:fillRef idx="0">
+              <a:schemeClr val="accent1"/>
+            </a:fillRef>
+            <a:effectRef idx="0">
+              <a:schemeClr val="accent1"/>
+            </a:effectRef>
+            <a:fontRef idx="minor">
+              <a:schemeClr val="tx1"/>
+            </a:fontRef>
+          </p:style>
+        </p:cxnSp>
+        <p:cxnSp>
+          <p:nvCxnSpPr>
+            <p:cNvPr id="39" name="Connector: Elbow 38">
+              <a:extLst>
+                <a:ext uri="{FF2B5EF4-FFF2-40B4-BE49-F238E27FC236}">
+                  <a16:creationId xmlns:a16="http://schemas.microsoft.com/office/drawing/2014/main" id="{725E3137-6B57-4DDF-B888-C21218BBE1B6}"/>
+                </a:ext>
+              </a:extLst>
+            </p:cNvPr>
+            <p:cNvCxnSpPr>
+              <a:cxnSpLocks/>
+              <a:stCxn id="8" idx="2"/>
+              <a:endCxn id="31" idx="0"/>
+            </p:cNvCxnSpPr>
+            <p:nvPr/>
+          </p:nvCxnSpPr>
+          <p:spPr>
+            <a:xfrm rot="5400000">
+              <a:off x="5616864" y="2451101"/>
+              <a:ext cx="2036619" cy="3803071"/>
+            </a:xfrm>
+            <a:prstGeom prst="bentConnector3">
+              <a:avLst/>
+            </a:prstGeom>
+            <a:ln>
+              <a:tailEnd type="triangle"/>
+            </a:ln>
+          </p:spPr>
+          <p:style>
+            <a:lnRef idx="1">
+              <a:schemeClr val="accent1"/>
+            </a:lnRef>
+            <a:fillRef idx="0">
+              <a:schemeClr val="accent1"/>
+            </a:fillRef>
+            <a:effectRef idx="0">
+              <a:schemeClr val="accent1"/>
+            </a:effectRef>
+            <a:fontRef idx="minor">
+              <a:schemeClr val="tx1"/>
+            </a:fontRef>
+          </p:style>
+        </p:cxnSp>
+        <p:cxnSp>
+          <p:nvCxnSpPr>
+            <p:cNvPr id="41" name="Connector: Elbow 40">
+              <a:extLst>
+                <a:ext uri="{FF2B5EF4-FFF2-40B4-BE49-F238E27FC236}">
+                  <a16:creationId xmlns:a16="http://schemas.microsoft.com/office/drawing/2014/main" id="{A5A290E7-6F8A-4048-97AC-012FCA9DF618}"/>
+                </a:ext>
+              </a:extLst>
+            </p:cNvPr>
+            <p:cNvCxnSpPr>
+              <a:cxnSpLocks/>
+              <a:stCxn id="4" idx="2"/>
+              <a:endCxn id="31" idx="0"/>
+            </p:cNvCxnSpPr>
+            <p:nvPr/>
+          </p:nvCxnSpPr>
+          <p:spPr>
+            <a:xfrm rot="16200000" flipH="1">
+              <a:off x="2916382" y="3553691"/>
+              <a:ext cx="2036618" cy="1597892"/>
+            </a:xfrm>
+            <a:prstGeom prst="bentConnector3">
+              <a:avLst>
+                <a:gd name="adj1" fmla="val 50000"/>
+              </a:avLst>
+            </a:prstGeom>
+            <a:ln>
+              <a:tailEnd type="triangle"/>
+            </a:ln>
+          </p:spPr>
+          <p:style>
+            <a:lnRef idx="1">
+              <a:schemeClr val="accent1"/>
+            </a:lnRef>
+            <a:fillRef idx="0">
+              <a:schemeClr val="accent1"/>
+            </a:fillRef>
+            <a:effectRef idx="0">
+              <a:schemeClr val="accent1"/>
+            </a:effectRef>
+            <a:fontRef idx="minor">
+              <a:schemeClr val="tx1"/>
+            </a:fontRef>
+          </p:style>
+        </p:cxnSp>
+        <p:cxnSp>
+          <p:nvCxnSpPr>
+            <p:cNvPr id="43" name="Connector: Elbow 42">
+              <a:extLst>
+                <a:ext uri="{FF2B5EF4-FFF2-40B4-BE49-F238E27FC236}">
+                  <a16:creationId xmlns:a16="http://schemas.microsoft.com/office/drawing/2014/main" id="{93A5BBB5-0472-47C0-A8D1-6CFA90E36CBA}"/>
+                </a:ext>
+              </a:extLst>
+            </p:cNvPr>
+            <p:cNvCxnSpPr>
+              <a:endCxn id="31" idx="0"/>
+            </p:cNvCxnSpPr>
+            <p:nvPr/>
+          </p:nvCxnSpPr>
+          <p:spPr>
+            <a:xfrm rot="10800000" flipV="1">
+              <a:off x="4733638" y="2821710"/>
+              <a:ext cx="3288145" cy="2549236"/>
+            </a:xfrm>
+            <a:prstGeom prst="bentConnector2">
+              <a:avLst/>
+            </a:prstGeom>
+            <a:ln>
+              <a:tailEnd type="triangle"/>
+            </a:ln>
+          </p:spPr>
+          <p:style>
+            <a:lnRef idx="1">
+              <a:schemeClr val="accent1"/>
+            </a:lnRef>
+            <a:fillRef idx="0">
+              <a:schemeClr val="accent1"/>
+            </a:fillRef>
+            <a:effectRef idx="0">
+              <a:schemeClr val="accent1"/>
+            </a:effectRef>
+            <a:fontRef idx="minor">
+              <a:schemeClr val="tx1"/>
+            </a:fontRef>
+          </p:style>
+        </p:cxnSp>
+        <p:cxnSp>
+          <p:nvCxnSpPr>
+            <p:cNvPr id="45" name="Connector: Elbow 44">
+              <a:extLst>
+                <a:ext uri="{FF2B5EF4-FFF2-40B4-BE49-F238E27FC236}">
+                  <a16:creationId xmlns:a16="http://schemas.microsoft.com/office/drawing/2014/main" id="{A72CCBFA-E204-45BF-89D2-E3584245C3BF}"/>
+                </a:ext>
+              </a:extLst>
+            </p:cNvPr>
+            <p:cNvCxnSpPr>
+              <a:cxnSpLocks/>
+              <a:stCxn id="32" idx="2"/>
+              <a:endCxn id="30" idx="0"/>
+            </p:cNvCxnSpPr>
+            <p:nvPr/>
+          </p:nvCxnSpPr>
+          <p:spPr>
+            <a:xfrm rot="5400000">
+              <a:off x="6317675" y="5578764"/>
+              <a:ext cx="568034" cy="882071"/>
+            </a:xfrm>
+            <a:prstGeom prst="bentConnector3">
+              <a:avLst/>
+            </a:prstGeom>
+            <a:ln>
+              <a:tailEnd type="triangle"/>
+            </a:ln>
+          </p:spPr>
+          <p:style>
+            <a:lnRef idx="1">
+              <a:schemeClr val="accent1"/>
+            </a:lnRef>
+            <a:fillRef idx="0">
+              <a:schemeClr val="accent1"/>
+            </a:fillRef>
+            <a:effectRef idx="0">
+              <a:schemeClr val="accent1"/>
+            </a:effectRef>
+            <a:fontRef idx="minor">
+              <a:schemeClr val="tx1"/>
+            </a:fontRef>
+          </p:style>
+        </p:cxnSp>
+        <p:sp>
+          <p:nvSpPr>
+            <p:cNvPr id="47" name="Rectangle 46">
+              <a:extLst>
+                <a:ext uri="{FF2B5EF4-FFF2-40B4-BE49-F238E27FC236}">
+                  <a16:creationId xmlns:a16="http://schemas.microsoft.com/office/drawing/2014/main" id="{FF60BF08-4101-4014-B8C4-0A9B4427397D}"/>
+                </a:ext>
+              </a:extLst>
+            </p:cNvPr>
+            <p:cNvSpPr/>
+            <p:nvPr/>
+          </p:nvSpPr>
+          <p:spPr>
+            <a:xfrm>
+              <a:off x="8021781" y="6008252"/>
+              <a:ext cx="1191494" cy="401781"/>
+            </a:xfrm>
+            <a:prstGeom prst="rect">
+              <a:avLst/>
+            </a:prstGeom>
+          </p:spPr>
+          <p:style>
+            <a:lnRef idx="2">
+              <a:schemeClr val="accent1">
+                <a:shade val="50000"/>
+              </a:schemeClr>
+            </a:lnRef>
+            <a:fillRef idx="1">
+              <a:schemeClr val="accent1"/>
+            </a:fillRef>
+            <a:effectRef idx="0">
+              <a:schemeClr val="accent1"/>
+            </a:effectRef>
+            <a:fontRef idx="minor">
+              <a:schemeClr val="lt1"/>
+            </a:fontRef>
+          </p:style>
+          <p:txBody>
+            <a:bodyPr rtlCol="0" anchor="ctr"/>
+            <a:lstStyle/>
+            <a:p>
+              <a:pPr algn="ctr"/>
+              <a:r>
+                <a:rPr lang="en-US" dirty="0"/>
+                <a:t>Event-Rule</a:t>
+              </a:r>
+            </a:p>
+          </p:txBody>
+        </p:sp>
+        <p:cxnSp>
+          <p:nvCxnSpPr>
+            <p:cNvPr id="49" name="Connector: Elbow 48">
+              <a:extLst>
+                <a:ext uri="{FF2B5EF4-FFF2-40B4-BE49-F238E27FC236}">
+                  <a16:creationId xmlns:a16="http://schemas.microsoft.com/office/drawing/2014/main" id="{6F2A841E-3882-459F-997D-7724D38A60B6}"/>
+                </a:ext>
+              </a:extLst>
+            </p:cNvPr>
+            <p:cNvCxnSpPr>
+              <a:stCxn id="32" idx="3"/>
+              <a:endCxn id="47" idx="0"/>
+            </p:cNvCxnSpPr>
+            <p:nvPr/>
+          </p:nvCxnSpPr>
+          <p:spPr>
+            <a:xfrm>
+              <a:off x="8021781" y="5461001"/>
+              <a:ext cx="595747" cy="547251"/>
+            </a:xfrm>
+            <a:prstGeom prst="bentConnector2">
+              <a:avLst/>
+            </a:prstGeom>
+            <a:ln>
+              <a:tailEnd type="triangle"/>
+            </a:ln>
+          </p:spPr>
+          <p:style>
+            <a:lnRef idx="1">
+              <a:schemeClr val="accent1"/>
+            </a:lnRef>
+            <a:fillRef idx="0">
+              <a:schemeClr val="accent1"/>
+            </a:fillRef>
+            <a:effectRef idx="0">
+              <a:schemeClr val="accent1"/>
+            </a:effectRef>
+            <a:fontRef idx="minor">
+              <a:schemeClr val="tx1"/>
+            </a:fontRef>
+          </p:style>
+        </p:cxnSp>
+        <p:sp>
+          <p:nvSpPr>
+            <p:cNvPr id="59" name="Rectangle: Rounded Corners 58">
+              <a:extLst>
+                <a:ext uri="{FF2B5EF4-FFF2-40B4-BE49-F238E27FC236}">
+                  <a16:creationId xmlns:a16="http://schemas.microsoft.com/office/drawing/2014/main" id="{58F35DF2-79AF-4202-95CE-024DBC966C06}"/>
+                </a:ext>
+              </a:extLst>
+            </p:cNvPr>
+            <p:cNvSpPr/>
+            <p:nvPr/>
+          </p:nvSpPr>
+          <p:spPr>
+            <a:xfrm>
+              <a:off x="9467274" y="4826005"/>
+              <a:ext cx="1584037" cy="350982"/>
+            </a:xfrm>
+            <a:prstGeom prst="roundRect">
+              <a:avLst/>
+            </a:prstGeom>
+          </p:spPr>
+          <p:style>
+            <a:lnRef idx="2">
+              <a:schemeClr val="accent1">
+                <a:shade val="50000"/>
+              </a:schemeClr>
+            </a:lnRef>
+            <a:fillRef idx="1">
+              <a:schemeClr val="accent1"/>
+            </a:fillRef>
+            <a:effectRef idx="0">
+              <a:schemeClr val="accent1"/>
+            </a:effectRef>
+            <a:fontRef idx="minor">
+              <a:schemeClr val="lt1"/>
+            </a:fontRef>
+          </p:style>
+          <p:txBody>
+            <a:bodyPr rtlCol="0" anchor="ctr"/>
+            <a:lstStyle/>
+            <a:p>
+              <a:pPr algn="ctr"/>
+              <a:r>
+                <a:rPr lang="en-US" dirty="0"/>
+                <a:t>SNS</a:t>
+              </a:r>
+            </a:p>
+          </p:txBody>
+        </p:sp>
+        <p:cxnSp>
+          <p:nvCxnSpPr>
+            <p:cNvPr id="61" name="Connector: Elbow 60">
+              <a:extLst>
+                <a:ext uri="{FF2B5EF4-FFF2-40B4-BE49-F238E27FC236}">
+                  <a16:creationId xmlns:a16="http://schemas.microsoft.com/office/drawing/2014/main" id="{0AA0B814-1721-4632-AD7C-E4A3497C1131}"/>
+                </a:ext>
+              </a:extLst>
+            </p:cNvPr>
+            <p:cNvCxnSpPr>
+              <a:stCxn id="47" idx="3"/>
+              <a:endCxn id="59" idx="1"/>
+            </p:cNvCxnSpPr>
+            <p:nvPr/>
+          </p:nvCxnSpPr>
+          <p:spPr>
+            <a:xfrm flipV="1">
+              <a:off x="9213275" y="5001496"/>
+              <a:ext cx="253999" cy="1207647"/>
+            </a:xfrm>
+            <a:prstGeom prst="bentConnector3">
+              <a:avLst/>
+            </a:prstGeom>
+            <a:ln>
+              <a:tailEnd type="triangle"/>
+            </a:ln>
+          </p:spPr>
+          <p:style>
+            <a:lnRef idx="1">
+              <a:schemeClr val="accent1"/>
+            </a:lnRef>
+            <a:fillRef idx="0">
+              <a:schemeClr val="accent1"/>
+            </a:fillRef>
+            <a:effectRef idx="0">
+              <a:schemeClr val="accent1"/>
+            </a:effectRef>
+            <a:fontRef idx="minor">
+              <a:schemeClr val="tx1"/>
+            </a:fontRef>
+          </p:style>
+        </p:cxnSp>
+        <p:sp>
+          <p:nvSpPr>
+            <p:cNvPr id="65" name="Rectangle 64">
+              <a:extLst>
+                <a:ext uri="{FF2B5EF4-FFF2-40B4-BE49-F238E27FC236}">
+                  <a16:creationId xmlns:a16="http://schemas.microsoft.com/office/drawing/2014/main" id="{7832CD35-E42E-4C63-B734-3C1EC959C020}"/>
+                </a:ext>
+              </a:extLst>
+            </p:cNvPr>
+            <p:cNvSpPr/>
+            <p:nvPr/>
+          </p:nvSpPr>
+          <p:spPr>
+            <a:xfrm>
+              <a:off x="11212945" y="4562763"/>
+              <a:ext cx="942109" cy="623458"/>
+            </a:xfrm>
+            <a:prstGeom prst="rect">
+              <a:avLst/>
+            </a:prstGeom>
+          </p:spPr>
+          <p:style>
+            <a:lnRef idx="2">
+              <a:schemeClr val="accent1">
+                <a:shade val="50000"/>
+              </a:schemeClr>
+            </a:lnRef>
+            <a:fillRef idx="1">
+              <a:schemeClr val="accent1"/>
+            </a:fillRef>
+            <a:effectRef idx="0">
+              <a:schemeClr val="accent1"/>
+            </a:effectRef>
+            <a:fontRef idx="minor">
+              <a:schemeClr val="lt1"/>
+            </a:fontRef>
+          </p:style>
+          <p:txBody>
+            <a:bodyPr rtlCol="0" anchor="ctr"/>
+            <a:lstStyle/>
+            <a:p>
+              <a:pPr algn="ctr"/>
+              <a:r>
+                <a:rPr lang="en-US" sz="1200" dirty="0"/>
+                <a:t>SMS/Email</a:t>
+              </a:r>
+            </a:p>
+          </p:txBody>
+        </p:sp>
+        <p:sp>
+          <p:nvSpPr>
+            <p:cNvPr id="66" name="Rectangle: Rounded Corners 65">
+              <a:extLst>
+                <a:ext uri="{FF2B5EF4-FFF2-40B4-BE49-F238E27FC236}">
+                  <a16:creationId xmlns:a16="http://schemas.microsoft.com/office/drawing/2014/main" id="{F1B60C5F-E28B-46DB-941F-CB418E321759}"/>
+                </a:ext>
+              </a:extLst>
+            </p:cNvPr>
+            <p:cNvSpPr/>
+            <p:nvPr/>
+          </p:nvSpPr>
+          <p:spPr>
+            <a:xfrm>
+              <a:off x="3251198" y="200894"/>
+              <a:ext cx="2272146" cy="341745"/>
+            </a:xfrm>
+            <a:prstGeom prst="roundRect">
+              <a:avLst/>
+            </a:prstGeom>
+          </p:spPr>
+          <p:style>
+            <a:lnRef idx="2">
+              <a:schemeClr val="accent1">
+                <a:shade val="50000"/>
+              </a:schemeClr>
+            </a:lnRef>
+            <a:fillRef idx="1">
+              <a:schemeClr val="accent1"/>
+            </a:fillRef>
+            <a:effectRef idx="0">
+              <a:schemeClr val="accent1"/>
+            </a:effectRef>
+            <a:fontRef idx="minor">
+              <a:schemeClr val="lt1"/>
+            </a:fontRef>
+          </p:style>
+          <p:txBody>
+            <a:bodyPr rtlCol="0" anchor="ctr"/>
+            <a:lstStyle/>
+            <a:p>
+              <a:pPr algn="ctr"/>
+              <a:r>
+                <a:rPr lang="en-US" dirty="0"/>
+                <a:t>S3</a:t>
+              </a:r>
+            </a:p>
+          </p:txBody>
+        </p:sp>
+        <p:cxnSp>
+          <p:nvCxnSpPr>
+            <p:cNvPr id="70" name="Connector: Elbow 69">
+              <a:extLst>
+                <a:ext uri="{FF2B5EF4-FFF2-40B4-BE49-F238E27FC236}">
+                  <a16:creationId xmlns:a16="http://schemas.microsoft.com/office/drawing/2014/main" id="{4BF61E8C-C040-4829-82CA-FD439C10FEC8}"/>
+                </a:ext>
+              </a:extLst>
+            </p:cNvPr>
+            <p:cNvCxnSpPr>
+              <a:cxnSpLocks/>
+              <a:stCxn id="16" idx="2"/>
+              <a:endCxn id="66" idx="3"/>
+            </p:cNvCxnSpPr>
+            <p:nvPr/>
+          </p:nvCxnSpPr>
+          <p:spPr>
+            <a:xfrm rot="10800000">
+              <a:off x="5523345" y="371767"/>
+              <a:ext cx="5357093" cy="445652"/>
+            </a:xfrm>
+            <a:prstGeom prst="bentConnector3">
+              <a:avLst/>
+            </a:prstGeom>
+            <a:ln>
+              <a:tailEnd type="triangle"/>
+            </a:ln>
+          </p:spPr>
+          <p:style>
+            <a:lnRef idx="1">
+              <a:schemeClr val="accent1"/>
+            </a:lnRef>
+            <a:fillRef idx="0">
+              <a:schemeClr val="accent1"/>
+            </a:fillRef>
+            <a:effectRef idx="0">
+              <a:schemeClr val="accent1"/>
+            </a:effectRef>
+            <a:fontRef idx="minor">
+              <a:schemeClr val="tx1"/>
+            </a:fontRef>
+          </p:style>
+        </p:cxnSp>
+        <p:cxnSp>
+          <p:nvCxnSpPr>
+            <p:cNvPr id="73" name="Connector: Elbow 72">
+              <a:extLst>
+                <a:ext uri="{FF2B5EF4-FFF2-40B4-BE49-F238E27FC236}">
+                  <a16:creationId xmlns:a16="http://schemas.microsoft.com/office/drawing/2014/main" id="{DB8ECC33-2465-45B5-919D-341A537EABE4}"/>
+                </a:ext>
+              </a:extLst>
+            </p:cNvPr>
+            <p:cNvCxnSpPr>
+              <a:cxnSpLocks/>
+              <a:endCxn id="66" idx="1"/>
+            </p:cNvCxnSpPr>
+            <p:nvPr/>
+          </p:nvCxnSpPr>
+          <p:spPr>
+            <a:xfrm flipV="1">
+              <a:off x="1182253" y="371767"/>
+              <a:ext cx="2068945" cy="103908"/>
+            </a:xfrm>
+            <a:prstGeom prst="bentConnector3">
+              <a:avLst/>
+            </a:prstGeom>
+            <a:ln>
+              <a:tailEnd type="triangle"/>
+            </a:ln>
+          </p:spPr>
+          <p:style>
+            <a:lnRef idx="1">
+              <a:schemeClr val="accent1"/>
+            </a:lnRef>
+            <a:fillRef idx="0">
+              <a:schemeClr val="accent1"/>
+            </a:fillRef>
+            <a:effectRef idx="0">
+              <a:schemeClr val="accent1"/>
+            </a:effectRef>
+            <a:fontRef idx="minor">
+              <a:schemeClr val="tx1"/>
+            </a:fontRef>
+          </p:style>
+        </p:cxnSp>
+        <p:cxnSp>
+          <p:nvCxnSpPr>
+            <p:cNvPr id="75" name="Connector: Elbow 74">
+              <a:extLst>
+                <a:ext uri="{FF2B5EF4-FFF2-40B4-BE49-F238E27FC236}">
+                  <a16:creationId xmlns:a16="http://schemas.microsoft.com/office/drawing/2014/main" id="{71C4035B-EAEE-450E-AD57-90A1252FDC89}"/>
+                </a:ext>
+              </a:extLst>
+            </p:cNvPr>
+            <p:cNvCxnSpPr>
+              <a:cxnSpLocks/>
+              <a:stCxn id="66" idx="3"/>
+              <a:endCxn id="8" idx="0"/>
+            </p:cNvCxnSpPr>
+            <p:nvPr/>
+          </p:nvCxnSpPr>
+          <p:spPr>
+            <a:xfrm>
+              <a:off x="5523344" y="371767"/>
+              <a:ext cx="3013364" cy="1521688"/>
+            </a:xfrm>
+            <a:prstGeom prst="bentConnector2">
+              <a:avLst/>
+            </a:prstGeom>
+            <a:ln>
+              <a:tailEnd type="triangle"/>
+            </a:ln>
+          </p:spPr>
+          <p:style>
+            <a:lnRef idx="1">
+              <a:schemeClr val="accent1"/>
+            </a:lnRef>
+            <a:fillRef idx="0">
+              <a:schemeClr val="accent1"/>
+            </a:fillRef>
+            <a:effectRef idx="0">
+              <a:schemeClr val="accent1"/>
+            </a:effectRef>
+            <a:fontRef idx="minor">
+              <a:schemeClr val="tx1"/>
+            </a:fontRef>
+          </p:style>
+        </p:cxnSp>
+        <p:cxnSp>
+          <p:nvCxnSpPr>
+            <p:cNvPr id="79" name="Connector: Elbow 78">
+              <a:extLst>
+                <a:ext uri="{FF2B5EF4-FFF2-40B4-BE49-F238E27FC236}">
+                  <a16:creationId xmlns:a16="http://schemas.microsoft.com/office/drawing/2014/main" id="{D05C9587-C190-4D13-A59B-FE787CAD5731}"/>
+                </a:ext>
+              </a:extLst>
+            </p:cNvPr>
+            <p:cNvCxnSpPr>
+              <a:cxnSpLocks/>
+              <a:endCxn id="8" idx="2"/>
+            </p:cNvCxnSpPr>
+            <p:nvPr/>
+          </p:nvCxnSpPr>
+          <p:spPr>
+            <a:xfrm rot="16200000" flipV="1">
+              <a:off x="7289223" y="4581812"/>
+              <a:ext cx="2724728" cy="229758"/>
+            </a:xfrm>
+            <a:prstGeom prst="bentConnector3">
+              <a:avLst/>
+            </a:prstGeom>
+            <a:ln>
+              <a:tailEnd type="triangle"/>
+            </a:ln>
+          </p:spPr>
+          <p:style>
+            <a:lnRef idx="1">
+              <a:schemeClr val="accent1"/>
+            </a:lnRef>
+            <a:fillRef idx="0">
+              <a:schemeClr val="accent1"/>
+            </a:fillRef>
+            <a:effectRef idx="0">
+              <a:schemeClr val="accent1"/>
+            </a:effectRef>
+            <a:fontRef idx="minor">
+              <a:schemeClr val="tx1"/>
+            </a:fontRef>
+          </p:style>
+        </p:cxnSp>
+        <p:sp>
+          <p:nvSpPr>
+            <p:cNvPr id="222" name="Rectangle: Rounded Corners 221">
+              <a:extLst>
+                <a:ext uri="{FF2B5EF4-FFF2-40B4-BE49-F238E27FC236}">
+                  <a16:creationId xmlns:a16="http://schemas.microsoft.com/office/drawing/2014/main" id="{79532223-C9B7-4649-B077-CEFF9406BF4A}"/>
+                </a:ext>
+              </a:extLst>
+            </p:cNvPr>
+            <p:cNvSpPr/>
+            <p:nvPr/>
+          </p:nvSpPr>
+          <p:spPr>
+            <a:xfrm>
+              <a:off x="5634182" y="233220"/>
+              <a:ext cx="2272146" cy="341745"/>
+            </a:xfrm>
+            <a:prstGeom prst="roundRect">
+              <a:avLst/>
+            </a:prstGeom>
+          </p:spPr>
+          <p:style>
+            <a:lnRef idx="2">
+              <a:schemeClr val="accent1">
+                <a:shade val="50000"/>
+              </a:schemeClr>
+            </a:lnRef>
+            <a:fillRef idx="1">
+              <a:schemeClr val="accent1"/>
+            </a:fillRef>
+            <a:effectRef idx="0">
+              <a:schemeClr val="accent1"/>
+            </a:effectRef>
+            <a:fontRef idx="minor">
+              <a:schemeClr val="lt1"/>
+            </a:fontRef>
+          </p:style>
+          <p:txBody>
+            <a:bodyPr rtlCol="0" anchor="ctr"/>
+            <a:lstStyle/>
+            <a:p>
+              <a:pPr algn="ctr"/>
+              <a:r>
+                <a:rPr lang="en-US" dirty="0"/>
+                <a:t>EBS</a:t>
+              </a:r>
+            </a:p>
+          </p:txBody>
+        </p:sp>
+        <p:sp>
+          <p:nvSpPr>
+            <p:cNvPr id="223" name="Rectangle: Rounded Corners 222">
+              <a:extLst>
+                <a:ext uri="{FF2B5EF4-FFF2-40B4-BE49-F238E27FC236}">
+                  <a16:creationId xmlns:a16="http://schemas.microsoft.com/office/drawing/2014/main" id="{5C2C28A4-3D4D-4592-B7A9-7E4D44D5A716}"/>
+                </a:ext>
+              </a:extLst>
+            </p:cNvPr>
+            <p:cNvSpPr/>
+            <p:nvPr/>
+          </p:nvSpPr>
+          <p:spPr>
+            <a:xfrm>
+              <a:off x="3251197" y="613066"/>
+              <a:ext cx="2272146" cy="341745"/>
+            </a:xfrm>
+            <a:prstGeom prst="roundRect">
+              <a:avLst/>
+            </a:prstGeom>
+          </p:spPr>
+          <p:style>
+            <a:lnRef idx="2">
+              <a:schemeClr val="accent1">
+                <a:shade val="50000"/>
+              </a:schemeClr>
+            </a:lnRef>
+            <a:fillRef idx="1">
+              <a:schemeClr val="accent1"/>
+            </a:fillRef>
+            <a:effectRef idx="0">
+              <a:schemeClr val="accent1"/>
+            </a:effectRef>
+            <a:fontRef idx="minor">
+              <a:schemeClr val="lt1"/>
+            </a:fontRef>
+          </p:style>
+          <p:txBody>
+            <a:bodyPr rtlCol="0" anchor="ctr"/>
+            <a:lstStyle/>
+            <a:p>
+              <a:pPr algn="ctr"/>
+              <a:r>
+                <a:rPr lang="en-US" dirty="0"/>
+                <a:t>EFS</a:t>
+              </a:r>
+            </a:p>
+          </p:txBody>
+        </p:sp>
+        <p:sp>
+          <p:nvSpPr>
+            <p:cNvPr id="257" name="Rectangle: Rounded Corners 256">
+              <a:extLst>
+                <a:ext uri="{FF2B5EF4-FFF2-40B4-BE49-F238E27FC236}">
+                  <a16:creationId xmlns:a16="http://schemas.microsoft.com/office/drawing/2014/main" id="{4BE0A71A-097E-4989-8068-A2D9283FEBD9}"/>
+                </a:ext>
+              </a:extLst>
+            </p:cNvPr>
+            <p:cNvSpPr/>
+            <p:nvPr/>
+          </p:nvSpPr>
+          <p:spPr>
+            <a:xfrm>
+              <a:off x="5645724" y="616527"/>
+              <a:ext cx="2272146" cy="341745"/>
+            </a:xfrm>
+            <a:prstGeom prst="roundRect">
+              <a:avLst/>
+            </a:prstGeom>
+          </p:spPr>
+          <p:style>
+            <a:lnRef idx="2">
+              <a:schemeClr val="accent1">
+                <a:shade val="50000"/>
+              </a:schemeClr>
+            </a:lnRef>
+            <a:fillRef idx="1">
+              <a:schemeClr val="accent1"/>
+            </a:fillRef>
+            <a:effectRef idx="0">
+              <a:schemeClr val="accent1"/>
+            </a:effectRef>
+            <a:fontRef idx="minor">
+              <a:schemeClr val="lt1"/>
+            </a:fontRef>
+          </p:style>
+          <p:txBody>
+            <a:bodyPr rtlCol="0" anchor="ctr"/>
+            <a:lstStyle/>
+            <a:p>
+              <a:pPr algn="ctr"/>
+              <a:r>
+                <a:rPr lang="en-US" dirty="0"/>
+                <a:t>SG</a:t>
+              </a:r>
+            </a:p>
+          </p:txBody>
+        </p:sp>
+      </p:grpSp>
+      <p:sp>
+        <p:nvSpPr>
+          <p:cNvPr id="81" name="Rectangle 80">
+            <a:extLst>
+              <a:ext uri="{FF2B5EF4-FFF2-40B4-BE49-F238E27FC236}">
+                <a16:creationId xmlns:a16="http://schemas.microsoft.com/office/drawing/2014/main" id="{44535639-28E2-45A0-A899-CF20998D24CA}"/>
+              </a:ext>
+            </a:extLst>
+          </p:cNvPr>
+          <p:cNvSpPr/>
+          <p:nvPr/>
+        </p:nvSpPr>
+        <p:spPr>
+          <a:xfrm>
+            <a:off x="9448797" y="282865"/>
+            <a:ext cx="1034470" cy="1657927"/>
+          </a:xfrm>
+          <a:prstGeom prst="rect">
+            <a:avLst/>
+          </a:prstGeom>
+        </p:spPr>
+        <p:style>
+          <a:lnRef idx="2">
+            <a:schemeClr val="accent1">
+              <a:shade val="50000"/>
+            </a:schemeClr>
+          </a:lnRef>
+          <a:fillRef idx="1">
+            <a:schemeClr val="accent1"/>
+          </a:fillRef>
+          <a:effectRef idx="0">
+            <a:schemeClr val="accent1"/>
+          </a:effectRef>
+          <a:fontRef idx="minor">
+            <a:schemeClr val="lt1"/>
+          </a:fontRef>
+        </p:style>
+        <p:txBody>
+          <a:bodyPr rtlCol="0" anchor="ctr"/>
+          <a:lstStyle/>
+          <a:p>
+            <a:pPr algn="ctr"/>
+            <a:r>
+              <a:rPr lang="en-US" dirty="0"/>
+              <a:t>EMR</a:t>
+            </a:r>
+          </a:p>
+        </p:txBody>
+      </p:sp>
+      <p:cxnSp>
+        <p:nvCxnSpPr>
+          <p:cNvPr id="83" name="Connector: Elbow 82">
+            <a:extLst>
+              <a:ext uri="{FF2B5EF4-FFF2-40B4-BE49-F238E27FC236}">
+                <a16:creationId xmlns:a16="http://schemas.microsoft.com/office/drawing/2014/main" id="{7DEEE424-D5A5-4898-B145-EDDDA6BA8537}"/>
+              </a:ext>
+            </a:extLst>
+          </p:cNvPr>
+          <p:cNvCxnSpPr>
+            <a:cxnSpLocks/>
+            <a:stCxn id="16" idx="4"/>
+            <a:endCxn id="81" idx="1"/>
+          </p:cNvCxnSpPr>
+          <p:nvPr/>
+        </p:nvCxnSpPr>
+        <p:spPr>
+          <a:xfrm>
+            <a:off x="8672948" y="768930"/>
+            <a:ext cx="775849" cy="342899"/>
+          </a:xfrm>
+          <a:prstGeom prst="bentConnector3">
+            <a:avLst/>
+          </a:prstGeom>
+          <a:ln>
+            <a:tailEnd type="triangle"/>
+          </a:ln>
+        </p:spPr>
+        <p:style>
+          <a:lnRef idx="1">
+            <a:schemeClr val="accent1"/>
+          </a:lnRef>
+          <a:fillRef idx="0">
+            <a:schemeClr val="accent1"/>
+          </a:fillRef>
+          <a:effectRef idx="0">
+            <a:schemeClr val="accent1"/>
+          </a:effectRef>
+          <a:fontRef idx="minor">
+            <a:schemeClr val="tx1"/>
+          </a:fontRef>
+        </p:style>
+      </p:cxnSp>
+      <p:cxnSp>
+        <p:nvCxnSpPr>
+          <p:cNvPr id="85" name="Connector: Elbow 84">
+            <a:extLst>
+              <a:ext uri="{FF2B5EF4-FFF2-40B4-BE49-F238E27FC236}">
+                <a16:creationId xmlns:a16="http://schemas.microsoft.com/office/drawing/2014/main" id="{FF6BFEE9-B404-41CD-8963-9CFE6D4B2444}"/>
+              </a:ext>
+            </a:extLst>
+          </p:cNvPr>
+          <p:cNvCxnSpPr>
+            <a:cxnSpLocks/>
+            <a:stCxn id="17" idx="4"/>
+            <a:endCxn id="81" idx="1"/>
+          </p:cNvCxnSpPr>
+          <p:nvPr/>
+        </p:nvCxnSpPr>
+        <p:spPr>
+          <a:xfrm flipV="1">
+            <a:off x="8672948" y="1111829"/>
+            <a:ext cx="775849" cy="982519"/>
+          </a:xfrm>
+          <a:prstGeom prst="bentConnector3">
+            <a:avLst/>
+          </a:prstGeom>
+          <a:ln>
+            <a:tailEnd type="triangle"/>
+          </a:ln>
+        </p:spPr>
+        <p:style>
+          <a:lnRef idx="1">
+            <a:schemeClr val="accent1"/>
+          </a:lnRef>
+          <a:fillRef idx="0">
+            <a:schemeClr val="accent1"/>
+          </a:fillRef>
+          <a:effectRef idx="0">
+            <a:schemeClr val="accent1"/>
+          </a:effectRef>
+          <a:fontRef idx="minor">
+            <a:schemeClr val="tx1"/>
+          </a:fontRef>
+        </p:style>
+      </p:cxnSp>
+      <p:cxnSp>
+        <p:nvCxnSpPr>
+          <p:cNvPr id="87" name="Connector: Elbow 86">
+            <a:extLst>
+              <a:ext uri="{FF2B5EF4-FFF2-40B4-BE49-F238E27FC236}">
+                <a16:creationId xmlns:a16="http://schemas.microsoft.com/office/drawing/2014/main" id="{2D56FC01-E9EA-48A5-B837-B157530224D8}"/>
+              </a:ext>
+            </a:extLst>
+          </p:cNvPr>
+          <p:cNvCxnSpPr>
+            <a:cxnSpLocks/>
+            <a:stCxn id="18" idx="4"/>
+            <a:endCxn id="81" idx="1"/>
+          </p:cNvCxnSpPr>
+          <p:nvPr/>
+        </p:nvCxnSpPr>
+        <p:spPr>
+          <a:xfrm flipV="1">
+            <a:off x="8672948" y="1111829"/>
+            <a:ext cx="775849" cy="2400301"/>
+          </a:xfrm>
+          <a:prstGeom prst="bentConnector3">
+            <a:avLst/>
+          </a:prstGeom>
+          <a:ln>
+            <a:tailEnd type="triangle"/>
+          </a:ln>
+        </p:spPr>
+        <p:style>
+          <a:lnRef idx="1">
+            <a:schemeClr val="accent1"/>
+          </a:lnRef>
+          <a:fillRef idx="0">
+            <a:schemeClr val="accent1"/>
+          </a:fillRef>
+          <a:effectRef idx="0">
+            <a:schemeClr val="accent1"/>
+          </a:effectRef>
+          <a:fontRef idx="minor">
+            <a:schemeClr val="tx1"/>
+          </a:fontRef>
+        </p:style>
+      </p:cxnSp>
+      <p:sp>
+        <p:nvSpPr>
+          <p:cNvPr id="94" name="Rectangle: Rounded Corners 93">
+            <a:extLst>
+              <a:ext uri="{FF2B5EF4-FFF2-40B4-BE49-F238E27FC236}">
+                <a16:creationId xmlns:a16="http://schemas.microsoft.com/office/drawing/2014/main" id="{3B3C9E7F-657C-4AA5-8826-F6CC15E79C8F}"/>
+              </a:ext>
+            </a:extLst>
+          </p:cNvPr>
+          <p:cNvSpPr/>
+          <p:nvPr/>
+        </p:nvSpPr>
+        <p:spPr>
+          <a:xfrm>
+            <a:off x="9739749" y="4059382"/>
+            <a:ext cx="1260764" cy="529646"/>
+          </a:xfrm>
+          <a:prstGeom prst="roundRect">
+            <a:avLst/>
+          </a:prstGeom>
+        </p:spPr>
+        <p:style>
+          <a:lnRef idx="2">
+            <a:schemeClr val="accent1">
+              <a:shade val="50000"/>
+            </a:schemeClr>
+          </a:lnRef>
+          <a:fillRef idx="1">
+            <a:schemeClr val="accent1"/>
+          </a:fillRef>
+          <a:effectRef idx="0">
+            <a:schemeClr val="accent1"/>
+          </a:effectRef>
+          <a:fontRef idx="minor">
+            <a:schemeClr val="lt1"/>
+          </a:fontRef>
+        </p:style>
+        <p:txBody>
+          <a:bodyPr rtlCol="0" anchor="ctr"/>
+          <a:lstStyle/>
+          <a:p>
+            <a:pPr algn="ctr"/>
+            <a:r>
+              <a:rPr lang="en-US" sz="1400" dirty="0" err="1"/>
+              <a:t>AmazonMQ</a:t>
+            </a:r>
+            <a:endParaRPr lang="en-US" dirty="0"/>
+          </a:p>
+        </p:txBody>
+      </p:sp>
+      <p:sp>
+        <p:nvSpPr>
+          <p:cNvPr id="98" name="Rectangle: Rounded Corners 97">
+            <a:extLst>
+              <a:ext uri="{FF2B5EF4-FFF2-40B4-BE49-F238E27FC236}">
+                <a16:creationId xmlns:a16="http://schemas.microsoft.com/office/drawing/2014/main" id="{23D00CD0-7916-4A7D-9B7C-D4DA4227F23B}"/>
+              </a:ext>
+            </a:extLst>
+          </p:cNvPr>
+          <p:cNvSpPr/>
+          <p:nvPr/>
+        </p:nvSpPr>
+        <p:spPr>
+          <a:xfrm>
+            <a:off x="11517745" y="2872509"/>
+            <a:ext cx="471055" cy="556491"/>
+          </a:xfrm>
+          <a:prstGeom prst="roundRect">
+            <a:avLst/>
+          </a:prstGeom>
+        </p:spPr>
+        <p:style>
+          <a:lnRef idx="2">
+            <a:schemeClr val="accent1">
+              <a:shade val="50000"/>
+            </a:schemeClr>
+          </a:lnRef>
+          <a:fillRef idx="1">
+            <a:schemeClr val="accent1"/>
+          </a:fillRef>
+          <a:effectRef idx="0">
+            <a:schemeClr val="accent1"/>
+          </a:effectRef>
+          <a:fontRef idx="minor">
+            <a:schemeClr val="lt1"/>
+          </a:fontRef>
+        </p:style>
+        <p:txBody>
+          <a:bodyPr rtlCol="0" anchor="ctr"/>
+          <a:lstStyle/>
+          <a:p>
+            <a:pPr algn="ctr"/>
+            <a:endParaRPr lang="en-US"/>
+          </a:p>
+        </p:txBody>
+      </p:sp>
+      <p:sp>
+        <p:nvSpPr>
+          <p:cNvPr id="99" name="Rectangle: Rounded Corners 98">
+            <a:extLst>
+              <a:ext uri="{FF2B5EF4-FFF2-40B4-BE49-F238E27FC236}">
+                <a16:creationId xmlns:a16="http://schemas.microsoft.com/office/drawing/2014/main" id="{82E3AAE7-4B0D-4DD0-BABE-052AE59A56D4}"/>
+              </a:ext>
+            </a:extLst>
+          </p:cNvPr>
+          <p:cNvSpPr/>
+          <p:nvPr/>
+        </p:nvSpPr>
+        <p:spPr>
+          <a:xfrm>
+            <a:off x="11517744" y="3598720"/>
+            <a:ext cx="471055" cy="556491"/>
+          </a:xfrm>
+          <a:prstGeom prst="roundRect">
+            <a:avLst/>
+          </a:prstGeom>
+        </p:spPr>
+        <p:style>
+          <a:lnRef idx="2">
+            <a:schemeClr val="accent1">
+              <a:shade val="50000"/>
+            </a:schemeClr>
+          </a:lnRef>
+          <a:fillRef idx="1">
+            <a:schemeClr val="accent1"/>
+          </a:fillRef>
+          <a:effectRef idx="0">
+            <a:schemeClr val="accent1"/>
+          </a:effectRef>
+          <a:fontRef idx="minor">
+            <a:schemeClr val="lt1"/>
+          </a:fontRef>
+        </p:style>
+        <p:txBody>
+          <a:bodyPr rtlCol="0" anchor="ctr"/>
+          <a:lstStyle/>
+          <a:p>
+            <a:pPr algn="ctr"/>
+            <a:endParaRPr lang="en-US"/>
+          </a:p>
+        </p:txBody>
+      </p:sp>
+      <p:sp>
+        <p:nvSpPr>
+          <p:cNvPr id="100" name="Rectangle: Rounded Corners 99">
+            <a:extLst>
+              <a:ext uri="{FF2B5EF4-FFF2-40B4-BE49-F238E27FC236}">
+                <a16:creationId xmlns:a16="http://schemas.microsoft.com/office/drawing/2014/main" id="{68318F6E-E3C2-4333-84AB-150AB26A8407}"/>
+              </a:ext>
+            </a:extLst>
+          </p:cNvPr>
+          <p:cNvSpPr/>
+          <p:nvPr/>
+        </p:nvSpPr>
+        <p:spPr>
+          <a:xfrm>
+            <a:off x="11536214" y="4348022"/>
+            <a:ext cx="471055" cy="556491"/>
+          </a:xfrm>
+          <a:prstGeom prst="roundRect">
+            <a:avLst/>
+          </a:prstGeom>
+        </p:spPr>
+        <p:style>
+          <a:lnRef idx="2">
+            <a:schemeClr val="accent1">
+              <a:shade val="50000"/>
+            </a:schemeClr>
+          </a:lnRef>
+          <a:fillRef idx="1">
+            <a:schemeClr val="accent1"/>
+          </a:fillRef>
+          <a:effectRef idx="0">
+            <a:schemeClr val="accent1"/>
+          </a:effectRef>
+          <a:fontRef idx="minor">
+            <a:schemeClr val="lt1"/>
+          </a:fontRef>
+        </p:style>
+        <p:txBody>
+          <a:bodyPr rtlCol="0" anchor="ctr"/>
+          <a:lstStyle/>
+          <a:p>
+            <a:pPr algn="ctr"/>
+            <a:endParaRPr lang="en-US"/>
+          </a:p>
+        </p:txBody>
+      </p:sp>
+      <p:sp>
+        <p:nvSpPr>
+          <p:cNvPr id="101" name="Rectangle: Rounded Corners 100">
+            <a:extLst>
+              <a:ext uri="{FF2B5EF4-FFF2-40B4-BE49-F238E27FC236}">
+                <a16:creationId xmlns:a16="http://schemas.microsoft.com/office/drawing/2014/main" id="{0B191252-FB82-4A9E-AEC4-3AC0A39E504E}"/>
+              </a:ext>
+            </a:extLst>
+          </p:cNvPr>
+          <p:cNvSpPr/>
+          <p:nvPr/>
+        </p:nvSpPr>
+        <p:spPr>
+          <a:xfrm>
+            <a:off x="11536214" y="5044211"/>
+            <a:ext cx="471055" cy="556491"/>
+          </a:xfrm>
+          <a:prstGeom prst="roundRect">
+            <a:avLst/>
+          </a:prstGeom>
+        </p:spPr>
+        <p:style>
+          <a:lnRef idx="2">
+            <a:schemeClr val="accent1">
+              <a:shade val="50000"/>
+            </a:schemeClr>
+          </a:lnRef>
+          <a:fillRef idx="1">
+            <a:schemeClr val="accent1"/>
+          </a:fillRef>
+          <a:effectRef idx="0">
+            <a:schemeClr val="accent1"/>
+          </a:effectRef>
+          <a:fontRef idx="minor">
+            <a:schemeClr val="lt1"/>
+          </a:fontRef>
+        </p:style>
+        <p:txBody>
+          <a:bodyPr rtlCol="0" anchor="ctr"/>
+          <a:lstStyle/>
+          <a:p>
+            <a:pPr algn="ctr"/>
+            <a:endParaRPr lang="en-US"/>
+          </a:p>
+        </p:txBody>
+      </p:sp>
+      <p:sp>
+        <p:nvSpPr>
+          <p:cNvPr id="102" name="Rectangle: Rounded Corners 101">
+            <a:extLst>
+              <a:ext uri="{FF2B5EF4-FFF2-40B4-BE49-F238E27FC236}">
+                <a16:creationId xmlns:a16="http://schemas.microsoft.com/office/drawing/2014/main" id="{3BF6D796-C41A-4D1E-8B82-5809BB15B023}"/>
+              </a:ext>
+            </a:extLst>
+          </p:cNvPr>
+          <p:cNvSpPr/>
+          <p:nvPr/>
+        </p:nvSpPr>
+        <p:spPr>
+          <a:xfrm>
+            <a:off x="11550070" y="5800436"/>
+            <a:ext cx="471055" cy="556491"/>
+          </a:xfrm>
+          <a:prstGeom prst="roundRect">
+            <a:avLst/>
+          </a:prstGeom>
+        </p:spPr>
+        <p:style>
+          <a:lnRef idx="2">
+            <a:schemeClr val="accent1">
+              <a:shade val="50000"/>
+            </a:schemeClr>
+          </a:lnRef>
+          <a:fillRef idx="1">
+            <a:schemeClr val="accent1"/>
+          </a:fillRef>
+          <a:effectRef idx="0">
+            <a:schemeClr val="accent1"/>
+          </a:effectRef>
+          <a:fontRef idx="minor">
+            <a:schemeClr val="lt1"/>
+          </a:fontRef>
+        </p:style>
+        <p:txBody>
+          <a:bodyPr rtlCol="0" anchor="ctr"/>
+          <a:lstStyle/>
+          <a:p>
+            <a:pPr algn="ctr"/>
+            <a:endParaRPr lang="en-US"/>
+          </a:p>
+        </p:txBody>
+      </p:sp>
+      <p:cxnSp>
+        <p:nvCxnSpPr>
+          <p:cNvPr id="104" name="Connector: Elbow 103">
+            <a:extLst>
+              <a:ext uri="{FF2B5EF4-FFF2-40B4-BE49-F238E27FC236}">
+                <a16:creationId xmlns:a16="http://schemas.microsoft.com/office/drawing/2014/main" id="{7D1EA4B2-4B4D-4EDC-A873-BF546DB39A78}"/>
+              </a:ext>
+            </a:extLst>
+          </p:cNvPr>
+          <p:cNvCxnSpPr>
+            <a:cxnSpLocks/>
+            <a:stCxn id="94" idx="3"/>
+            <a:endCxn id="98" idx="1"/>
+          </p:cNvCxnSpPr>
+          <p:nvPr/>
+        </p:nvCxnSpPr>
+        <p:spPr>
+          <a:xfrm flipV="1">
+            <a:off x="11000513" y="3150755"/>
+            <a:ext cx="517232" cy="1173450"/>
+          </a:xfrm>
+          <a:prstGeom prst="bentConnector3">
+            <a:avLst/>
+          </a:prstGeom>
+          <a:ln>
+            <a:tailEnd type="triangle"/>
+          </a:ln>
+        </p:spPr>
+        <p:style>
+          <a:lnRef idx="1">
+            <a:schemeClr val="accent1"/>
+          </a:lnRef>
+          <a:fillRef idx="0">
+            <a:schemeClr val="accent1"/>
+          </a:fillRef>
+          <a:effectRef idx="0">
+            <a:schemeClr val="accent1"/>
+          </a:effectRef>
+          <a:fontRef idx="minor">
+            <a:schemeClr val="tx1"/>
+          </a:fontRef>
+        </p:style>
+      </p:cxnSp>
+      <p:cxnSp>
+        <p:nvCxnSpPr>
+          <p:cNvPr id="106" name="Connector: Elbow 105">
+            <a:extLst>
+              <a:ext uri="{FF2B5EF4-FFF2-40B4-BE49-F238E27FC236}">
+                <a16:creationId xmlns:a16="http://schemas.microsoft.com/office/drawing/2014/main" id="{B71A3B94-CC8E-4CC1-B3ED-C26F55956ADD}"/>
+              </a:ext>
+            </a:extLst>
+          </p:cNvPr>
+          <p:cNvCxnSpPr>
+            <a:cxnSpLocks/>
+            <a:stCxn id="94" idx="3"/>
+            <a:endCxn id="99" idx="1"/>
+          </p:cNvCxnSpPr>
+          <p:nvPr/>
+        </p:nvCxnSpPr>
+        <p:spPr>
+          <a:xfrm flipV="1">
+            <a:off x="11000513" y="3876966"/>
+            <a:ext cx="517231" cy="447239"/>
+          </a:xfrm>
+          <a:prstGeom prst="bentConnector3">
+            <a:avLst/>
+          </a:prstGeom>
+          <a:ln>
+            <a:tailEnd type="triangle"/>
+          </a:ln>
+        </p:spPr>
+        <p:style>
+          <a:lnRef idx="1">
+            <a:schemeClr val="accent1"/>
+          </a:lnRef>
+          <a:fillRef idx="0">
+            <a:schemeClr val="accent1"/>
+          </a:fillRef>
+          <a:effectRef idx="0">
+            <a:schemeClr val="accent1"/>
+          </a:effectRef>
+          <a:fontRef idx="minor">
+            <a:schemeClr val="tx1"/>
+          </a:fontRef>
+        </p:style>
+      </p:cxnSp>
+      <p:cxnSp>
+        <p:nvCxnSpPr>
+          <p:cNvPr id="108" name="Connector: Elbow 107">
+            <a:extLst>
+              <a:ext uri="{FF2B5EF4-FFF2-40B4-BE49-F238E27FC236}">
+                <a16:creationId xmlns:a16="http://schemas.microsoft.com/office/drawing/2014/main" id="{B0B61D51-6120-45ED-80FF-D65121FFB50D}"/>
+              </a:ext>
+            </a:extLst>
+          </p:cNvPr>
+          <p:cNvCxnSpPr>
+            <a:cxnSpLocks/>
+            <a:stCxn id="94" idx="3"/>
+            <a:endCxn id="100" idx="1"/>
+          </p:cNvCxnSpPr>
+          <p:nvPr/>
+        </p:nvCxnSpPr>
+        <p:spPr>
+          <a:xfrm>
+            <a:off x="11000513" y="4324205"/>
+            <a:ext cx="535701" cy="302063"/>
+          </a:xfrm>
+          <a:prstGeom prst="bentConnector3">
+            <a:avLst/>
+          </a:prstGeom>
+          <a:ln>
+            <a:tailEnd type="triangle"/>
+          </a:ln>
+        </p:spPr>
+        <p:style>
+          <a:lnRef idx="1">
+            <a:schemeClr val="accent1"/>
+          </a:lnRef>
+          <a:fillRef idx="0">
+            <a:schemeClr val="accent1"/>
+          </a:fillRef>
+          <a:effectRef idx="0">
+            <a:schemeClr val="accent1"/>
+          </a:effectRef>
+          <a:fontRef idx="minor">
+            <a:schemeClr val="tx1"/>
+          </a:fontRef>
+        </p:style>
+      </p:cxnSp>
+      <p:cxnSp>
+        <p:nvCxnSpPr>
+          <p:cNvPr id="110" name="Connector: Elbow 109">
+            <a:extLst>
+              <a:ext uri="{FF2B5EF4-FFF2-40B4-BE49-F238E27FC236}">
+                <a16:creationId xmlns:a16="http://schemas.microsoft.com/office/drawing/2014/main" id="{C15BE9E3-D8DE-4B98-82D1-EB4B9A558848}"/>
+              </a:ext>
+            </a:extLst>
+          </p:cNvPr>
+          <p:cNvCxnSpPr>
+            <a:cxnSpLocks/>
+            <a:stCxn id="94" idx="3"/>
+            <a:endCxn id="101" idx="1"/>
+          </p:cNvCxnSpPr>
+          <p:nvPr/>
+        </p:nvCxnSpPr>
+        <p:spPr>
+          <a:xfrm>
+            <a:off x="11000513" y="4324205"/>
+            <a:ext cx="535701" cy="998252"/>
+          </a:xfrm>
+          <a:prstGeom prst="bentConnector3">
+            <a:avLst/>
+          </a:prstGeom>
+          <a:ln>
+            <a:tailEnd type="triangle"/>
+          </a:ln>
+        </p:spPr>
+        <p:style>
+          <a:lnRef idx="1">
+            <a:schemeClr val="accent1"/>
+          </a:lnRef>
+          <a:fillRef idx="0">
+            <a:schemeClr val="accent1"/>
+          </a:fillRef>
+          <a:effectRef idx="0">
+            <a:schemeClr val="accent1"/>
+          </a:effectRef>
+          <a:fontRef idx="minor">
+            <a:schemeClr val="tx1"/>
+          </a:fontRef>
+        </p:style>
+      </p:cxnSp>
+      <p:cxnSp>
+        <p:nvCxnSpPr>
+          <p:cNvPr id="112" name="Connector: Elbow 111">
+            <a:extLst>
+              <a:ext uri="{FF2B5EF4-FFF2-40B4-BE49-F238E27FC236}">
+                <a16:creationId xmlns:a16="http://schemas.microsoft.com/office/drawing/2014/main" id="{53328890-B43B-43B6-82FC-FE8F22DC4E0D}"/>
+              </a:ext>
+            </a:extLst>
+          </p:cNvPr>
+          <p:cNvCxnSpPr>
+            <a:cxnSpLocks/>
+            <a:stCxn id="94" idx="3"/>
+            <a:endCxn id="102" idx="1"/>
+          </p:cNvCxnSpPr>
+          <p:nvPr/>
+        </p:nvCxnSpPr>
+        <p:spPr>
+          <a:xfrm>
+            <a:off x="11000513" y="4324205"/>
+            <a:ext cx="549557" cy="1754477"/>
+          </a:xfrm>
+          <a:prstGeom prst="bentConnector3">
+            <a:avLst/>
+          </a:prstGeom>
+          <a:ln>
+            <a:tailEnd type="triangle"/>
+          </a:ln>
+        </p:spPr>
+        <p:style>
+          <a:lnRef idx="1">
+            <a:schemeClr val="accent1"/>
+          </a:lnRef>
+          <a:fillRef idx="0">
+            <a:schemeClr val="accent1"/>
+          </a:fillRef>
+          <a:effectRef idx="0">
+            <a:schemeClr val="accent1"/>
+          </a:effectRef>
+          <a:fontRef idx="minor">
+            <a:schemeClr val="tx1"/>
+          </a:fontRef>
+        </p:style>
+      </p:cxnSp>
+      <p:cxnSp>
+        <p:nvCxnSpPr>
+          <p:cNvPr id="114" name="Connector: Elbow 113">
+            <a:extLst>
+              <a:ext uri="{FF2B5EF4-FFF2-40B4-BE49-F238E27FC236}">
+                <a16:creationId xmlns:a16="http://schemas.microsoft.com/office/drawing/2014/main" id="{73C0CB9E-E4E4-4999-9AE0-19C0BC4B8971}"/>
+              </a:ext>
+            </a:extLst>
+          </p:cNvPr>
+          <p:cNvCxnSpPr>
+            <a:cxnSpLocks/>
+            <a:stCxn id="8" idx="3"/>
+            <a:endCxn id="94" idx="1"/>
+          </p:cNvCxnSpPr>
+          <p:nvPr/>
+        </p:nvCxnSpPr>
+        <p:spPr>
+          <a:xfrm>
+            <a:off x="6168736" y="2565402"/>
+            <a:ext cx="3571013" cy="1758803"/>
+          </a:xfrm>
+          <a:prstGeom prst="bentConnector3">
+            <a:avLst/>
+          </a:prstGeom>
+          <a:ln>
+            <a:tailEnd type="triangle"/>
+          </a:ln>
+        </p:spPr>
+        <p:style>
+          <a:lnRef idx="1">
+            <a:schemeClr val="accent1"/>
+          </a:lnRef>
+          <a:fillRef idx="0">
+            <a:schemeClr val="accent1"/>
+          </a:fillRef>
+          <a:effectRef idx="0">
+            <a:schemeClr val="accent1"/>
+          </a:effectRef>
+          <a:fontRef idx="minor">
+            <a:schemeClr val="tx1"/>
+          </a:fontRef>
+        </p:style>
+      </p:cxnSp>
+      <p:sp>
+        <p:nvSpPr>
+          <p:cNvPr id="115" name="Rectangle: Rounded Corners 114">
+            <a:extLst>
+              <a:ext uri="{FF2B5EF4-FFF2-40B4-BE49-F238E27FC236}">
+                <a16:creationId xmlns:a16="http://schemas.microsoft.com/office/drawing/2014/main" id="{47F64251-3BE9-433F-A774-A3CB84CB466B}"/>
+              </a:ext>
+            </a:extLst>
+          </p:cNvPr>
+          <p:cNvSpPr/>
+          <p:nvPr/>
+        </p:nvSpPr>
+        <p:spPr>
+          <a:xfrm>
+            <a:off x="-782780" y="4886042"/>
+            <a:ext cx="1293093" cy="725055"/>
+          </a:xfrm>
+          <a:prstGeom prst="roundRect">
+            <a:avLst/>
+          </a:prstGeom>
+        </p:spPr>
+        <p:style>
+          <a:lnRef idx="2">
+            <a:schemeClr val="accent1">
+              <a:shade val="50000"/>
+            </a:schemeClr>
+          </a:lnRef>
+          <a:fillRef idx="1">
+            <a:schemeClr val="accent1"/>
+          </a:fillRef>
+          <a:effectRef idx="0">
+            <a:schemeClr val="accent1"/>
+          </a:effectRef>
+          <a:fontRef idx="minor">
+            <a:schemeClr val="lt1"/>
+          </a:fontRef>
+        </p:style>
+        <p:txBody>
+          <a:bodyPr rtlCol="0" anchor="ctr"/>
+          <a:lstStyle/>
+          <a:p>
+            <a:pPr algn="ctr"/>
+            <a:r>
+              <a:rPr lang="en-US" dirty="0"/>
+              <a:t>DNS</a:t>
+            </a:r>
+          </a:p>
+          <a:p>
+            <a:pPr algn="ctr"/>
+            <a:r>
+              <a:rPr lang="en-US" dirty="0"/>
+              <a:t>Route53</a:t>
+            </a:r>
+          </a:p>
+        </p:txBody>
+      </p:sp>
+      <p:cxnSp>
+        <p:nvCxnSpPr>
+          <p:cNvPr id="117" name="Connector: Elbow 116">
+            <a:extLst>
+              <a:ext uri="{FF2B5EF4-FFF2-40B4-BE49-F238E27FC236}">
+                <a16:creationId xmlns:a16="http://schemas.microsoft.com/office/drawing/2014/main" id="{58C46EE0-B05F-4342-9DAD-35AA4D209B47}"/>
+              </a:ext>
+            </a:extLst>
+          </p:cNvPr>
+          <p:cNvCxnSpPr>
+            <a:stCxn id="4" idx="2"/>
+            <a:endCxn id="115" idx="0"/>
+          </p:cNvCxnSpPr>
+          <p:nvPr/>
+        </p:nvCxnSpPr>
+        <p:spPr>
+          <a:xfrm rot="5400000">
+            <a:off x="-828962" y="3978568"/>
+            <a:ext cx="1600203" cy="214744"/>
+          </a:xfrm>
+          <a:prstGeom prst="bentConnector3">
+            <a:avLst/>
+          </a:prstGeom>
+          <a:ln>
+            <a:tailEnd type="triangle"/>
+          </a:ln>
+        </p:spPr>
+        <p:style>
+          <a:lnRef idx="1">
+            <a:schemeClr val="accent1"/>
+          </a:lnRef>
+          <a:fillRef idx="0">
+            <a:schemeClr val="accent1"/>
+          </a:fillRef>
+          <a:effectRef idx="0">
+            <a:schemeClr val="accent1"/>
+          </a:effectRef>
+          <a:fontRef idx="minor">
+            <a:schemeClr val="tx1"/>
+          </a:fontRef>
+        </p:style>
+      </p:cxnSp>
+      <p:cxnSp>
+        <p:nvCxnSpPr>
+          <p:cNvPr id="120" name="Straight Arrow Connector 119">
+            <a:extLst>
+              <a:ext uri="{FF2B5EF4-FFF2-40B4-BE49-F238E27FC236}">
+                <a16:creationId xmlns:a16="http://schemas.microsoft.com/office/drawing/2014/main" id="{4EDCDC71-636D-4629-AC42-3D89CE2AF249}"/>
+              </a:ext>
+            </a:extLst>
+          </p:cNvPr>
+          <p:cNvCxnSpPr>
+            <a:endCxn id="115" idx="2"/>
+          </p:cNvCxnSpPr>
+          <p:nvPr/>
+        </p:nvCxnSpPr>
+        <p:spPr>
+          <a:xfrm flipH="1" flipV="1">
+            <a:off x="-136233" y="5611097"/>
+            <a:ext cx="330197" cy="549556"/>
+          </a:xfrm>
+          <a:prstGeom prst="straightConnector1">
+            <a:avLst/>
+          </a:prstGeom>
+          <a:ln>
+            <a:tailEnd type="triangle"/>
+          </a:ln>
+        </p:spPr>
+        <p:style>
+          <a:lnRef idx="1">
+            <a:schemeClr val="accent1"/>
+          </a:lnRef>
+          <a:fillRef idx="0">
+            <a:schemeClr val="accent1"/>
+          </a:fillRef>
+          <a:effectRef idx="0">
+            <a:schemeClr val="accent1"/>
+          </a:effectRef>
+          <a:fontRef idx="minor">
+            <a:schemeClr val="tx1"/>
+          </a:fontRef>
+        </p:style>
+      </p:cxnSp>
+      <p:sp>
+        <p:nvSpPr>
+          <p:cNvPr id="146" name="Rectangle: Rounded Corners 145">
+            <a:extLst>
+              <a:ext uri="{FF2B5EF4-FFF2-40B4-BE49-F238E27FC236}">
+                <a16:creationId xmlns:a16="http://schemas.microsoft.com/office/drawing/2014/main" id="{65181115-7B63-4019-9327-D0DD622150E0}"/>
+              </a:ext>
+            </a:extLst>
+          </p:cNvPr>
+          <p:cNvSpPr/>
+          <p:nvPr/>
+        </p:nvSpPr>
+        <p:spPr>
+          <a:xfrm>
+            <a:off x="10723420" y="64657"/>
+            <a:ext cx="1330035" cy="436416"/>
+          </a:xfrm>
+          <a:prstGeom prst="roundRect">
+            <a:avLst/>
+          </a:prstGeom>
+        </p:spPr>
+        <p:style>
+          <a:lnRef idx="2">
+            <a:schemeClr val="accent1">
+              <a:shade val="50000"/>
+            </a:schemeClr>
+          </a:lnRef>
+          <a:fillRef idx="1">
+            <a:schemeClr val="accent1"/>
+          </a:fillRef>
+          <a:effectRef idx="0">
+            <a:schemeClr val="accent1"/>
+          </a:effectRef>
+          <a:fontRef idx="minor">
+            <a:schemeClr val="lt1"/>
+          </a:fontRef>
+        </p:style>
+        <p:txBody>
+          <a:bodyPr rtlCol="0" anchor="ctr"/>
+          <a:lstStyle/>
+          <a:p>
+            <a:pPr algn="ctr"/>
+            <a:r>
+              <a:rPr lang="en-US" dirty="0"/>
+              <a:t>IAM</a:t>
+            </a:r>
+          </a:p>
+        </p:txBody>
+      </p:sp>
+      <p:sp>
+        <p:nvSpPr>
+          <p:cNvPr id="147" name="Rectangle: Rounded Corners 146">
+            <a:extLst>
+              <a:ext uri="{FF2B5EF4-FFF2-40B4-BE49-F238E27FC236}">
+                <a16:creationId xmlns:a16="http://schemas.microsoft.com/office/drawing/2014/main" id="{12F6FBEC-C3CA-4A48-9B8F-218166094DDF}"/>
+              </a:ext>
+            </a:extLst>
+          </p:cNvPr>
+          <p:cNvSpPr/>
+          <p:nvPr/>
+        </p:nvSpPr>
+        <p:spPr>
+          <a:xfrm>
+            <a:off x="10723420" y="561111"/>
+            <a:ext cx="1330035" cy="436416"/>
+          </a:xfrm>
+          <a:prstGeom prst="roundRect">
+            <a:avLst/>
+          </a:prstGeom>
+        </p:spPr>
+        <p:style>
+          <a:lnRef idx="2">
+            <a:schemeClr val="accent1">
+              <a:shade val="50000"/>
+            </a:schemeClr>
+          </a:lnRef>
+          <a:fillRef idx="1">
+            <a:schemeClr val="accent1"/>
+          </a:fillRef>
+          <a:effectRef idx="0">
+            <a:schemeClr val="accent1"/>
+          </a:effectRef>
+          <a:fontRef idx="minor">
+            <a:schemeClr val="lt1"/>
+          </a:fontRef>
+        </p:style>
+        <p:txBody>
+          <a:bodyPr rtlCol="0" anchor="ctr"/>
+          <a:lstStyle/>
+          <a:p>
+            <a:pPr algn="ctr"/>
+            <a:r>
+              <a:rPr lang="en-US" dirty="0"/>
+              <a:t>VPC</a:t>
+            </a:r>
+          </a:p>
+        </p:txBody>
+      </p:sp>
+      <p:sp>
+        <p:nvSpPr>
+          <p:cNvPr id="148" name="Rectangle: Rounded Corners 147">
+            <a:extLst>
+              <a:ext uri="{FF2B5EF4-FFF2-40B4-BE49-F238E27FC236}">
+                <a16:creationId xmlns:a16="http://schemas.microsoft.com/office/drawing/2014/main" id="{A432F4C4-9327-472B-B7E8-0F16C9CA04A7}"/>
+              </a:ext>
+            </a:extLst>
+          </p:cNvPr>
+          <p:cNvSpPr/>
+          <p:nvPr/>
+        </p:nvSpPr>
+        <p:spPr>
+          <a:xfrm>
+            <a:off x="-2449943" y="1879602"/>
+            <a:ext cx="888999" cy="1233042"/>
+          </a:xfrm>
+          <a:prstGeom prst="roundRect">
+            <a:avLst/>
+          </a:prstGeom>
+        </p:spPr>
+        <p:style>
+          <a:lnRef idx="2">
+            <a:schemeClr val="accent1">
+              <a:shade val="50000"/>
+            </a:schemeClr>
+          </a:lnRef>
+          <a:fillRef idx="1">
+            <a:schemeClr val="accent1"/>
+          </a:fillRef>
+          <a:effectRef idx="0">
+            <a:schemeClr val="accent1"/>
+          </a:effectRef>
+          <a:fontRef idx="minor">
+            <a:schemeClr val="lt1"/>
+          </a:fontRef>
+        </p:style>
+        <p:txBody>
+          <a:bodyPr rtlCol="0" anchor="ctr"/>
+          <a:lstStyle/>
+          <a:p>
+            <a:pPr algn="ctr"/>
+            <a:r>
+              <a:rPr lang="en-US" dirty="0"/>
+              <a:t>CloudFront</a:t>
+            </a:r>
+          </a:p>
+        </p:txBody>
+      </p:sp>
+      <p:cxnSp>
+        <p:nvCxnSpPr>
+          <p:cNvPr id="153" name="Straight Arrow Connector 152">
+            <a:extLst>
+              <a:ext uri="{FF2B5EF4-FFF2-40B4-BE49-F238E27FC236}">
+                <a16:creationId xmlns:a16="http://schemas.microsoft.com/office/drawing/2014/main" id="{EC76D0E4-9318-4E95-87CD-9762E0A539A3}"/>
+              </a:ext>
+            </a:extLst>
+          </p:cNvPr>
+          <p:cNvCxnSpPr>
+            <a:cxnSpLocks/>
+            <a:endCxn id="115" idx="1"/>
+          </p:cNvCxnSpPr>
+          <p:nvPr/>
+        </p:nvCxnSpPr>
+        <p:spPr>
+          <a:xfrm>
+            <a:off x="-2299851" y="5248570"/>
+            <a:ext cx="1517071" cy="0"/>
+          </a:xfrm>
+          <a:prstGeom prst="straightConnector1">
+            <a:avLst/>
+          </a:prstGeom>
+          <a:ln>
+            <a:tailEnd type="triangle"/>
+          </a:ln>
+        </p:spPr>
+        <p:style>
+          <a:lnRef idx="1">
+            <a:schemeClr val="accent1"/>
+          </a:lnRef>
+          <a:fillRef idx="0">
+            <a:schemeClr val="accent1"/>
+          </a:fillRef>
+          <a:effectRef idx="0">
+            <a:schemeClr val="accent1"/>
+          </a:effectRef>
+          <a:fontRef idx="minor">
+            <a:schemeClr val="tx1"/>
+          </a:fontRef>
+        </p:style>
+      </p:cxnSp>
+      <p:sp>
+        <p:nvSpPr>
+          <p:cNvPr id="158" name="Rectangle: Rounded Corners 157">
+            <a:extLst>
+              <a:ext uri="{FF2B5EF4-FFF2-40B4-BE49-F238E27FC236}">
+                <a16:creationId xmlns:a16="http://schemas.microsoft.com/office/drawing/2014/main" id="{7E67A1E9-2E13-474D-8A88-41CD093FF548}"/>
+              </a:ext>
+            </a:extLst>
+          </p:cNvPr>
+          <p:cNvSpPr/>
+          <p:nvPr/>
+        </p:nvSpPr>
+        <p:spPr>
+          <a:xfrm>
+            <a:off x="9458035" y="2017281"/>
+            <a:ext cx="1066800" cy="688974"/>
+          </a:xfrm>
+          <a:prstGeom prst="roundRect">
+            <a:avLst/>
+          </a:prstGeom>
+        </p:spPr>
+        <p:style>
+          <a:lnRef idx="2">
+            <a:schemeClr val="accent1">
+              <a:shade val="50000"/>
+            </a:schemeClr>
+          </a:lnRef>
+          <a:fillRef idx="1">
+            <a:schemeClr val="accent1"/>
+          </a:fillRef>
+          <a:effectRef idx="0">
+            <a:schemeClr val="accent1"/>
+          </a:effectRef>
+          <a:fontRef idx="minor">
+            <a:schemeClr val="lt1"/>
+          </a:fontRef>
+        </p:style>
+        <p:txBody>
+          <a:bodyPr rtlCol="0" anchor="ctr"/>
+          <a:lstStyle/>
+          <a:p>
+            <a:pPr algn="ctr"/>
+            <a:r>
+              <a:rPr lang="en-US" sz="1400" dirty="0"/>
+              <a:t>RedShift</a:t>
+            </a:r>
+          </a:p>
+        </p:txBody>
+      </p:sp>
+      <p:sp>
+        <p:nvSpPr>
+          <p:cNvPr id="159" name="Rectangle: Rounded Corners 158">
+            <a:extLst>
+              <a:ext uri="{FF2B5EF4-FFF2-40B4-BE49-F238E27FC236}">
+                <a16:creationId xmlns:a16="http://schemas.microsoft.com/office/drawing/2014/main" id="{730DC5A2-7A17-48B2-AEF2-948FB159F421}"/>
+              </a:ext>
+            </a:extLst>
+          </p:cNvPr>
+          <p:cNvSpPr/>
+          <p:nvPr/>
+        </p:nvSpPr>
+        <p:spPr>
+          <a:xfrm>
+            <a:off x="9404930" y="2898924"/>
+            <a:ext cx="1318490" cy="529646"/>
+          </a:xfrm>
+          <a:prstGeom prst="roundRect">
+            <a:avLst/>
+          </a:prstGeom>
+        </p:spPr>
+        <p:style>
+          <a:lnRef idx="2">
+            <a:schemeClr val="accent1">
+              <a:shade val="50000"/>
+            </a:schemeClr>
+          </a:lnRef>
+          <a:fillRef idx="1">
+            <a:schemeClr val="accent1"/>
+          </a:fillRef>
+          <a:effectRef idx="0">
+            <a:schemeClr val="accent1"/>
+          </a:effectRef>
+          <a:fontRef idx="minor">
+            <a:schemeClr val="lt1"/>
+          </a:fontRef>
+        </p:style>
+        <p:txBody>
+          <a:bodyPr rtlCol="0" anchor="ctr"/>
+          <a:lstStyle/>
+          <a:p>
+            <a:pPr algn="ctr"/>
+            <a:r>
+              <a:rPr lang="en-US" sz="1400" dirty="0"/>
+              <a:t>Elastic-Cache</a:t>
+            </a:r>
+          </a:p>
+        </p:txBody>
+      </p:sp>
+      <p:sp>
+        <p:nvSpPr>
+          <p:cNvPr id="178" name="Rectangle: Rounded Corners 177">
+            <a:extLst>
+              <a:ext uri="{FF2B5EF4-FFF2-40B4-BE49-F238E27FC236}">
+                <a16:creationId xmlns:a16="http://schemas.microsoft.com/office/drawing/2014/main" id="{CD9FCD17-F83B-4233-96D3-19EFE1F7908C}"/>
+              </a:ext>
+            </a:extLst>
+          </p:cNvPr>
+          <p:cNvSpPr/>
+          <p:nvPr/>
+        </p:nvSpPr>
+        <p:spPr>
+          <a:xfrm>
+            <a:off x="9742064" y="4750663"/>
+            <a:ext cx="1260764" cy="529646"/>
+          </a:xfrm>
+          <a:prstGeom prst="roundRect">
+            <a:avLst/>
+          </a:prstGeom>
+        </p:spPr>
+        <p:style>
+          <a:lnRef idx="2">
+            <a:schemeClr val="accent1">
+              <a:shade val="50000"/>
+            </a:schemeClr>
+          </a:lnRef>
+          <a:fillRef idx="1">
+            <a:schemeClr val="accent1"/>
+          </a:fillRef>
+          <a:effectRef idx="0">
+            <a:schemeClr val="accent1"/>
+          </a:effectRef>
+          <a:fontRef idx="minor">
+            <a:schemeClr val="lt1"/>
+          </a:fontRef>
+        </p:style>
+        <p:txBody>
+          <a:bodyPr rtlCol="0" anchor="ctr"/>
+          <a:lstStyle/>
+          <a:p>
+            <a:pPr algn="ctr"/>
+            <a:r>
+              <a:rPr lang="en-US" sz="1400" dirty="0"/>
+              <a:t>AWS IoT</a:t>
+            </a:r>
+            <a:endParaRPr lang="en-US" dirty="0"/>
+          </a:p>
+        </p:txBody>
+      </p:sp>
+    </p:spTree>
+    <p:extLst>
+      <p:ext uri="{BB962C8B-B14F-4D97-AF65-F5344CB8AC3E}">
+        <p14:creationId xmlns:p14="http://schemas.microsoft.com/office/powerpoint/2010/main" val="157611441"/>
+      </p:ext>
+    </p:extLst>
+  </p:cSld>
+  <p:clrMapOvr>
+    <a:masterClrMapping/>
+  </p:clrMapOvr>
+</p:sld>
+</file>
+
+<file path=ppt/slides/slide12.xml><?xml version="1.0" encoding="utf-8"?>
+<p:sld xmlns:a="http://schemas.openxmlformats.org/drawingml/2006/main" xmlns:r="http://schemas.openxmlformats.org/officeDocument/2006/relationships" xmlns:p="http://schemas.openxmlformats.org/presentationml/2006/main">
+  <p:cSld>
+    <p:spTree>
+      <p:nvGrpSpPr>
+        <p:cNvPr id="1" name=""/>
+        <p:cNvGrpSpPr/>
+        <p:nvPr/>
+      </p:nvGrpSpPr>
+      <p:grpSpPr>
+        <a:xfrm>
+          <a:off x="0" y="0"/>
+          <a:ext cx="0" cy="0"/>
+          <a:chOff x="0" y="0"/>
+          <a:chExt cx="0" cy="0"/>
+        </a:xfrm>
+      </p:grpSpPr>
+      <p:sp>
+        <p:nvSpPr>
+          <p:cNvPr id="2" name="Title 1">
+            <a:extLst>
+              <a:ext uri="{FF2B5EF4-FFF2-40B4-BE49-F238E27FC236}">
+                <a16:creationId xmlns:a16="http://schemas.microsoft.com/office/drawing/2014/main" id="{31D44928-DCB0-4EC6-9A48-508E01454C70}"/>
+              </a:ext>
+            </a:extLst>
+          </p:cNvPr>
+          <p:cNvSpPr>
+            <a:spLocks noGrp="1"/>
+          </p:cNvSpPr>
+          <p:nvPr>
+            <p:ph type="title"/>
+          </p:nvPr>
+        </p:nvSpPr>
+        <p:spPr/>
+        <p:txBody>
+          <a:bodyPr/>
+          <a:lstStyle/>
+          <a:p>
+            <a:endParaRPr lang="en-US"/>
+          </a:p>
+        </p:txBody>
+      </p:sp>
+      <p:sp>
+        <p:nvSpPr>
+          <p:cNvPr id="3" name="Content Placeholder 2">
+            <a:extLst>
+              <a:ext uri="{FF2B5EF4-FFF2-40B4-BE49-F238E27FC236}">
+                <a16:creationId xmlns:a16="http://schemas.microsoft.com/office/drawing/2014/main" id="{FD1FA29C-63AF-4F13-899D-C3FB39933758}"/>
+              </a:ext>
+            </a:extLst>
+          </p:cNvPr>
+          <p:cNvSpPr>
+            <a:spLocks noGrp="1"/>
+          </p:cNvSpPr>
+          <p:nvPr>
+            <p:ph idx="1"/>
+          </p:nvPr>
+        </p:nvSpPr>
+        <p:spPr/>
+        <p:txBody>
+          <a:bodyPr/>
+          <a:lstStyle/>
+          <a:p>
+            <a:endParaRPr lang="en-US"/>
+          </a:p>
+        </p:txBody>
+      </p:sp>
+    </p:spTree>
+    <p:extLst>
+      <p:ext uri="{BB962C8B-B14F-4D97-AF65-F5344CB8AC3E}">
+        <p14:creationId xmlns:p14="http://schemas.microsoft.com/office/powerpoint/2010/main" val="1149983128"/>
+      </p:ext>
+    </p:extLst>
+  </p:cSld>
+  <p:clrMapOvr>
+    <a:masterClrMapping/>
+  </p:clrMapOvr>
+</p:sld>
+</file>
+
 <file path=ppt/slides/slide2.xml><?xml version="1.0" encoding="utf-8"?>
 <p:sld xmlns:a="http://schemas.openxmlformats.org/drawingml/2006/main" xmlns:r="http://schemas.openxmlformats.org/officeDocument/2006/relationships" xmlns:p="http://schemas.openxmlformats.org/presentationml/2006/main">
   <p:cSld>

--- a/AWSPresentation1.pptx
+++ b/AWSPresentation1.pptx
@@ -16,7 +16,8 @@
     <p:sldId id="263" r:id="rId10"/>
     <p:sldId id="264" r:id="rId11"/>
     <p:sldId id="266" r:id="rId12"/>
-    <p:sldId id="267" r:id="rId13"/>
+    <p:sldId id="268" r:id="rId13"/>
+    <p:sldId id="267" r:id="rId14"/>
   </p:sldIdLst>
   <p:sldSz cx="12192000" cy="6858000"/>
   <p:notesSz cx="6858000" cy="9144000"/>
@@ -135,6 +136,7 @@
         <p14:section name="Untitled Section" id="{1A9EC3E1-90F5-4FD1-AB2E-DD4788508655}">
           <p14:sldIdLst>
             <p14:sldId id="266"/>
+            <p14:sldId id="268"/>
             <p14:sldId id="267"/>
           </p14:sldIdLst>
         </p14:section>
@@ -3826,15 +3828,15 @@
           </p:spPr>
           <p:style>
             <a:lnRef idx="2">
-              <a:schemeClr val="accent1">
+              <a:schemeClr val="accent6">
                 <a:shade val="50000"/>
               </a:schemeClr>
             </a:lnRef>
             <a:fillRef idx="1">
-              <a:schemeClr val="accent1"/>
+              <a:schemeClr val="accent6"/>
             </a:fillRef>
             <a:effectRef idx="0">
-              <a:schemeClr val="accent1"/>
+              <a:schemeClr val="accent6"/>
             </a:effectRef>
             <a:fontRef idx="minor">
               <a:schemeClr val="lt1"/>
@@ -3932,15 +3934,15 @@
           </p:spPr>
           <p:style>
             <a:lnRef idx="2">
-              <a:schemeClr val="accent1">
+              <a:schemeClr val="accent6">
                 <a:shade val="50000"/>
               </a:schemeClr>
             </a:lnRef>
             <a:fillRef idx="1">
-              <a:schemeClr val="accent1"/>
+              <a:schemeClr val="accent6"/>
             </a:fillRef>
             <a:effectRef idx="0">
-              <a:schemeClr val="accent1"/>
+              <a:schemeClr val="accent6"/>
             </a:effectRef>
             <a:fontRef idx="minor">
               <a:schemeClr val="lt1"/>
@@ -3979,36 +3981,30 @@
           </p:nvSpPr>
           <p:spPr>
             <a:xfrm>
-              <a:off x="7847445" y="1893455"/>
-              <a:ext cx="1378525" cy="1440872"/>
+              <a:off x="7847445" y="2112819"/>
+              <a:ext cx="1378525" cy="1221507"/>
             </a:xfrm>
             <a:prstGeom prst="rect">
               <a:avLst/>
             </a:prstGeom>
           </p:spPr>
           <p:style>
-            <a:lnRef idx="2">
-              <a:schemeClr val="accent1">
-                <a:shade val="50000"/>
-              </a:schemeClr>
+            <a:lnRef idx="1">
+              <a:schemeClr val="accent6"/>
             </a:lnRef>
-            <a:fillRef idx="1">
-              <a:schemeClr val="accent1"/>
+            <a:fillRef idx="2">
+              <a:schemeClr val="accent6"/>
             </a:fillRef>
-            <a:effectRef idx="0">
-              <a:schemeClr val="accent1"/>
+            <a:effectRef idx="1">
+              <a:schemeClr val="accent6"/>
             </a:effectRef>
             <a:fontRef idx="minor">
-              <a:schemeClr val="lt1"/>
+              <a:schemeClr val="dk1"/>
             </a:fontRef>
           </p:style>
           <p:txBody>
             <a:bodyPr rtlCol="0" anchor="ctr"/>
             <a:lstStyle/>
-            <a:p>
-              <a:pPr algn="ctr"/>
-              <a:endParaRPr lang="en-US" sz="1100" dirty="0"/>
-            </a:p>
             <a:p>
               <a:pPr algn="ctr"/>
               <a:r>
@@ -4026,10 +4022,9 @@
             <a:p>
               <a:pPr algn="ctr"/>
               <a:r>
-                <a:rPr lang="en-US" sz="1200" dirty="0" err="1"/>
-                <a:t>BeanStalk</a:t>
+                <a:rPr lang="en-US" sz="1200" dirty="0"/>
+                <a:t>Bean-Stalk</a:t>
               </a:r>
-              <a:endParaRPr lang="en-US" sz="1200" dirty="0"/>
             </a:p>
             <a:p>
               <a:pPr algn="ctr"/>
@@ -4059,7 +4054,7 @@
           <p:spPr>
             <a:xfrm>
               <a:off x="6770255" y="2558473"/>
-              <a:ext cx="1077190" cy="55418"/>
+              <a:ext cx="1077190" cy="165100"/>
             </a:xfrm>
             <a:prstGeom prst="bentConnector3">
               <a:avLst/>
@@ -4106,15 +4101,15 @@
           </p:spPr>
           <p:style>
             <a:lnRef idx="2">
-              <a:schemeClr val="accent1">
+              <a:schemeClr val="accent6">
                 <a:shade val="50000"/>
               </a:schemeClr>
             </a:lnRef>
             <a:fillRef idx="1">
-              <a:schemeClr val="accent1"/>
+              <a:schemeClr val="accent6"/>
             </a:fillRef>
             <a:effectRef idx="0">
-              <a:schemeClr val="accent1"/>
+              <a:schemeClr val="accent6"/>
             </a:effectRef>
             <a:fontRef idx="minor">
               <a:schemeClr val="lt1"/>
@@ -4250,7 +4245,7 @@
           <p:spPr>
             <a:xfrm flipV="1">
               <a:off x="9225970" y="817419"/>
-              <a:ext cx="1654467" cy="1796472"/>
+              <a:ext cx="1654467" cy="1906154"/>
             </a:xfrm>
             <a:prstGeom prst="bentConnector3">
               <a:avLst/>
@@ -4293,7 +4288,7 @@
           <p:spPr>
             <a:xfrm flipV="1">
               <a:off x="9225970" y="2142837"/>
-              <a:ext cx="1654467" cy="471054"/>
+              <a:ext cx="1654467" cy="580736"/>
             </a:xfrm>
             <a:prstGeom prst="bentConnector3">
               <a:avLst/>
@@ -4335,8 +4330,8 @@
           </p:nvCxnSpPr>
           <p:spPr>
             <a:xfrm>
-              <a:off x="9225970" y="2613891"/>
-              <a:ext cx="1654467" cy="946728"/>
+              <a:off x="9225970" y="2723573"/>
+              <a:ext cx="1654467" cy="837046"/>
             </a:xfrm>
             <a:prstGeom prst="bentConnector3">
               <a:avLst/>
@@ -4382,19 +4377,17 @@
             </a:prstGeom>
           </p:spPr>
           <p:style>
-            <a:lnRef idx="2">
-              <a:schemeClr val="accent1">
-                <a:shade val="50000"/>
-              </a:schemeClr>
+            <a:lnRef idx="1">
+              <a:schemeClr val="accent6"/>
             </a:lnRef>
-            <a:fillRef idx="1">
-              <a:schemeClr val="accent1"/>
+            <a:fillRef idx="2">
+              <a:schemeClr val="accent6"/>
             </a:fillRef>
-            <a:effectRef idx="0">
-              <a:schemeClr val="accent1"/>
+            <a:effectRef idx="1">
+              <a:schemeClr val="accent6"/>
             </a:effectRef>
             <a:fontRef idx="minor">
-              <a:schemeClr val="lt1"/>
+              <a:schemeClr val="dk1"/>
             </a:fontRef>
           </p:style>
           <p:txBody>
@@ -4431,19 +4424,17 @@
             </a:prstGeom>
           </p:spPr>
           <p:style>
-            <a:lnRef idx="2">
-              <a:schemeClr val="accent1">
-                <a:shade val="50000"/>
-              </a:schemeClr>
+            <a:lnRef idx="1">
+              <a:schemeClr val="accent6"/>
             </a:lnRef>
-            <a:fillRef idx="1">
-              <a:schemeClr val="accent1"/>
+            <a:fillRef idx="2">
+              <a:schemeClr val="accent6"/>
             </a:fillRef>
-            <a:effectRef idx="0">
-              <a:schemeClr val="accent1"/>
+            <a:effectRef idx="1">
+              <a:schemeClr val="accent6"/>
             </a:effectRef>
             <a:fontRef idx="minor">
-              <a:schemeClr val="lt1"/>
+              <a:schemeClr val="dk1"/>
             </a:fontRef>
           </p:style>
           <p:txBody>
@@ -4612,8 +4603,8 @@
           </p:nvCxnSpPr>
           <p:spPr>
             <a:xfrm rot="5400000">
-              <a:off x="5616864" y="2451101"/>
-              <a:ext cx="2036619" cy="3803071"/>
+              <a:off x="5616863" y="2451101"/>
+              <a:ext cx="2036620" cy="3803071"/>
             </a:xfrm>
             <a:prstGeom prst="bentConnector3">
               <a:avLst/>
@@ -5020,15 +5011,15 @@
           </p:spPr>
           <p:style>
             <a:lnRef idx="2">
-              <a:schemeClr val="accent1">
+              <a:schemeClr val="accent6">
                 <a:shade val="50000"/>
               </a:schemeClr>
             </a:lnRef>
             <a:fillRef idx="1">
-              <a:schemeClr val="accent1"/>
+              <a:schemeClr val="accent6"/>
             </a:fillRef>
             <a:effectRef idx="0">
-              <a:schemeClr val="accent1"/>
+              <a:schemeClr val="accent6"/>
             </a:effectRef>
             <a:fontRef idx="minor">
               <a:schemeClr val="lt1"/>
@@ -5150,7 +5141,7 @@
           <p:spPr>
             <a:xfrm>
               <a:off x="5523344" y="371767"/>
-              <a:ext cx="3013364" cy="1521688"/>
+              <a:ext cx="3013364" cy="1741052"/>
             </a:xfrm>
             <a:prstGeom prst="bentConnector2">
               <a:avLst/>
@@ -5191,8 +5182,8 @@
           </p:nvCxnSpPr>
           <p:spPr>
             <a:xfrm rot="16200000" flipV="1">
-              <a:off x="7289223" y="4581812"/>
-              <a:ext cx="2724728" cy="229758"/>
+              <a:off x="7289223" y="4581811"/>
+              <a:ext cx="2724730" cy="229759"/>
             </a:xfrm>
             <a:prstGeom prst="bentConnector3">
               <a:avLst/>
@@ -5614,19 +5605,17 @@
           </a:prstGeom>
         </p:spPr>
         <p:style>
-          <a:lnRef idx="2">
-            <a:schemeClr val="accent1">
-              <a:shade val="50000"/>
-            </a:schemeClr>
+          <a:lnRef idx="1">
+            <a:schemeClr val="dk1"/>
           </a:lnRef>
-          <a:fillRef idx="1">
-            <a:schemeClr val="accent1"/>
+          <a:fillRef idx="2">
+            <a:schemeClr val="dk1"/>
           </a:fillRef>
-          <a:effectRef idx="0">
-            <a:schemeClr val="accent1"/>
+          <a:effectRef idx="1">
+            <a:schemeClr val="dk1"/>
           </a:effectRef>
           <a:fontRef idx="minor">
-            <a:schemeClr val="lt1"/>
+            <a:schemeClr val="dk1"/>
           </a:fontRef>
         </p:style>
         <p:txBody>
@@ -5660,19 +5649,17 @@
           </a:prstGeom>
         </p:spPr>
         <p:style>
-          <a:lnRef idx="2">
-            <a:schemeClr val="accent1">
-              <a:shade val="50000"/>
-            </a:schemeClr>
+          <a:lnRef idx="1">
+            <a:schemeClr val="dk1"/>
           </a:lnRef>
-          <a:fillRef idx="1">
-            <a:schemeClr val="accent1"/>
+          <a:fillRef idx="2">
+            <a:schemeClr val="dk1"/>
           </a:fillRef>
-          <a:effectRef idx="0">
-            <a:schemeClr val="accent1"/>
+          <a:effectRef idx="1">
+            <a:schemeClr val="dk1"/>
           </a:effectRef>
           <a:fontRef idx="minor">
-            <a:schemeClr val="lt1"/>
+            <a:schemeClr val="dk1"/>
           </a:fontRef>
         </p:style>
         <p:txBody>
@@ -5706,19 +5693,17 @@
           </a:prstGeom>
         </p:spPr>
         <p:style>
-          <a:lnRef idx="2">
-            <a:schemeClr val="accent1">
-              <a:shade val="50000"/>
-            </a:schemeClr>
+          <a:lnRef idx="1">
+            <a:schemeClr val="dk1"/>
           </a:lnRef>
-          <a:fillRef idx="1">
-            <a:schemeClr val="accent1"/>
+          <a:fillRef idx="2">
+            <a:schemeClr val="dk1"/>
           </a:fillRef>
-          <a:effectRef idx="0">
-            <a:schemeClr val="accent1"/>
+          <a:effectRef idx="1">
+            <a:schemeClr val="dk1"/>
           </a:effectRef>
           <a:fontRef idx="minor">
-            <a:schemeClr val="lt1"/>
+            <a:schemeClr val="dk1"/>
           </a:fontRef>
         </p:style>
         <p:txBody>
@@ -5752,19 +5737,17 @@
           </a:prstGeom>
         </p:spPr>
         <p:style>
-          <a:lnRef idx="2">
-            <a:schemeClr val="accent1">
-              <a:shade val="50000"/>
-            </a:schemeClr>
+          <a:lnRef idx="1">
+            <a:schemeClr val="dk1"/>
           </a:lnRef>
-          <a:fillRef idx="1">
-            <a:schemeClr val="accent1"/>
+          <a:fillRef idx="2">
+            <a:schemeClr val="dk1"/>
           </a:fillRef>
-          <a:effectRef idx="0">
-            <a:schemeClr val="accent1"/>
+          <a:effectRef idx="1">
+            <a:schemeClr val="dk1"/>
           </a:effectRef>
           <a:fontRef idx="minor">
-            <a:schemeClr val="lt1"/>
+            <a:schemeClr val="dk1"/>
           </a:fontRef>
         </p:style>
         <p:txBody>
@@ -5798,19 +5781,17 @@
           </a:prstGeom>
         </p:spPr>
         <p:style>
-          <a:lnRef idx="2">
-            <a:schemeClr val="accent1">
-              <a:shade val="50000"/>
-            </a:schemeClr>
+          <a:lnRef idx="1">
+            <a:schemeClr val="dk1"/>
           </a:lnRef>
-          <a:fillRef idx="1">
-            <a:schemeClr val="accent1"/>
+          <a:fillRef idx="2">
+            <a:schemeClr val="dk1"/>
           </a:fillRef>
-          <a:effectRef idx="0">
-            <a:schemeClr val="accent1"/>
+          <a:effectRef idx="1">
+            <a:schemeClr val="dk1"/>
           </a:effectRef>
           <a:fontRef idx="minor">
-            <a:schemeClr val="lt1"/>
+            <a:schemeClr val="dk1"/>
           </a:fontRef>
         </p:style>
         <p:txBody>
@@ -6055,8 +6036,8 @@
         </p:nvCxnSpPr>
         <p:spPr>
           <a:xfrm>
-            <a:off x="6168736" y="2565402"/>
-            <a:ext cx="3571013" cy="1758803"/>
+            <a:off x="6168736" y="2675084"/>
+            <a:ext cx="3571013" cy="1649121"/>
           </a:xfrm>
           <a:prstGeom prst="bentConnector3">
             <a:avLst/>
@@ -6410,10 +6391,10 @@
       </p:cxnSp>
       <p:sp>
         <p:nvSpPr>
-          <p:cNvPr id="158" name="Rectangle: Rounded Corners 157">
-            <a:extLst>
-              <a:ext uri="{FF2B5EF4-FFF2-40B4-BE49-F238E27FC236}">
-                <a16:creationId xmlns:a16="http://schemas.microsoft.com/office/drawing/2014/main" id="{7E67A1E9-2E13-474D-8A88-41CD093FF548}"/>
+          <p:cNvPr id="159" name="Rectangle: Rounded Corners 158">
+            <a:extLst>
+              <a:ext uri="{FF2B5EF4-FFF2-40B4-BE49-F238E27FC236}">
+                <a16:creationId xmlns:a16="http://schemas.microsoft.com/office/drawing/2014/main" id="{730DC5A2-7A17-48B2-AEF2-948FB159F421}"/>
               </a:ext>
             </a:extLst>
           </p:cNvPr>
@@ -6422,8 +6403,8 @@
         </p:nvSpPr>
         <p:spPr>
           <a:xfrm>
-            <a:off x="9458035" y="2017281"/>
-            <a:ext cx="1066800" cy="688974"/>
+            <a:off x="9306787" y="2382259"/>
+            <a:ext cx="1318490" cy="529646"/>
           </a:xfrm>
           <a:prstGeom prst="roundRect">
             <a:avLst/>
@@ -6452,17 +6433,17 @@
             <a:pPr algn="ctr"/>
             <a:r>
               <a:rPr lang="en-US" sz="1400" dirty="0"/>
-              <a:t>RedShift</a:t>
-            </a:r>
-          </a:p>
-        </p:txBody>
-      </p:sp>
-      <p:sp>
-        <p:nvSpPr>
-          <p:cNvPr id="159" name="Rectangle: Rounded Corners 158">
-            <a:extLst>
-              <a:ext uri="{FF2B5EF4-FFF2-40B4-BE49-F238E27FC236}">
-                <a16:creationId xmlns:a16="http://schemas.microsoft.com/office/drawing/2014/main" id="{730DC5A2-7A17-48B2-AEF2-948FB159F421}"/>
+              <a:t>Elastic-Cache</a:t>
+            </a:r>
+          </a:p>
+        </p:txBody>
+      </p:sp>
+      <p:sp>
+        <p:nvSpPr>
+          <p:cNvPr id="15" name="Rectangle 14">
+            <a:extLst>
+              <a:ext uri="{FF2B5EF4-FFF2-40B4-BE49-F238E27FC236}">
+                <a16:creationId xmlns:a16="http://schemas.microsoft.com/office/drawing/2014/main" id="{71D592A0-F8ED-48D0-A0EC-C94001EFB50E}"/>
               </a:ext>
             </a:extLst>
           </p:cNvPr>
@@ -6471,10 +6452,10 @@
         </p:nvSpPr>
         <p:spPr>
           <a:xfrm>
-            <a:off x="9404930" y="2898924"/>
-            <a:ext cx="1318490" cy="529646"/>
-          </a:xfrm>
-          <a:prstGeom prst="roundRect">
+            <a:off x="7546109" y="6078682"/>
+            <a:ext cx="2937158" cy="623458"/>
+          </a:xfrm>
+          <a:prstGeom prst="rect">
             <a:avLst/>
           </a:prstGeom>
         </p:spPr>
@@ -6500,57 +6481,8 @@
           <a:p>
             <a:pPr algn="ctr"/>
             <a:r>
-              <a:rPr lang="en-US" sz="1400" dirty="0"/>
-              <a:t>Elastic-Cache</a:t>
-            </a:r>
-          </a:p>
-        </p:txBody>
-      </p:sp>
-      <p:sp>
-        <p:nvSpPr>
-          <p:cNvPr id="178" name="Rectangle: Rounded Corners 177">
-            <a:extLst>
-              <a:ext uri="{FF2B5EF4-FFF2-40B4-BE49-F238E27FC236}">
-                <a16:creationId xmlns:a16="http://schemas.microsoft.com/office/drawing/2014/main" id="{CD9FCD17-F83B-4233-96D3-19EFE1F7908C}"/>
-              </a:ext>
-            </a:extLst>
-          </p:cNvPr>
-          <p:cNvSpPr/>
-          <p:nvPr/>
-        </p:nvSpPr>
-        <p:spPr>
-          <a:xfrm>
-            <a:off x="9742064" y="4750663"/>
-            <a:ext cx="1260764" cy="529646"/>
-          </a:xfrm>
-          <a:prstGeom prst="roundRect">
-            <a:avLst/>
-          </a:prstGeom>
-        </p:spPr>
-        <p:style>
-          <a:lnRef idx="2">
-            <a:schemeClr val="accent1">
-              <a:shade val="50000"/>
-            </a:schemeClr>
-          </a:lnRef>
-          <a:fillRef idx="1">
-            <a:schemeClr val="accent1"/>
-          </a:fillRef>
-          <a:effectRef idx="0">
-            <a:schemeClr val="accent1"/>
-          </a:effectRef>
-          <a:fontRef idx="minor">
-            <a:schemeClr val="lt1"/>
-          </a:fontRef>
-        </p:style>
-        <p:txBody>
-          <a:bodyPr rtlCol="0" anchor="ctr"/>
-          <a:lstStyle/>
-          <a:p>
-            <a:pPr algn="ctr"/>
-            <a:r>
-              <a:rPr lang="en-US" sz="1400" dirty="0"/>
-              <a:t>AWS IoT</a:t>
+              <a:rPr lang="en-IN" dirty="0"/>
+              <a:t>Terraform</a:t>
             </a:r>
             <a:endParaRPr lang="en-US" dirty="0"/>
           </a:p>
@@ -6570,6 +6502,132 @@
 </file>
 
 <file path=ppt/slides/slide12.xml><?xml version="1.0" encoding="utf-8"?>
+<p:sld xmlns:a="http://schemas.openxmlformats.org/drawingml/2006/main" xmlns:r="http://schemas.openxmlformats.org/officeDocument/2006/relationships" xmlns:p="http://schemas.openxmlformats.org/presentationml/2006/main">
+  <p:cSld>
+    <p:spTree>
+      <p:nvGrpSpPr>
+        <p:cNvPr id="1" name=""/>
+        <p:cNvGrpSpPr/>
+        <p:nvPr/>
+      </p:nvGrpSpPr>
+      <p:grpSpPr>
+        <a:xfrm>
+          <a:off x="0" y="0"/>
+          <a:ext cx="0" cy="0"/>
+          <a:chOff x="0" y="0"/>
+          <a:chExt cx="0" cy="0"/>
+        </a:xfrm>
+      </p:grpSpPr>
+      <p:sp>
+        <p:nvSpPr>
+          <p:cNvPr id="4" name="Rectangle 3">
+            <a:extLst>
+              <a:ext uri="{FF2B5EF4-FFF2-40B4-BE49-F238E27FC236}">
+                <a16:creationId xmlns:a16="http://schemas.microsoft.com/office/drawing/2014/main" id="{351F27EC-2DB3-4B9B-9C66-DCCAF55CE8D4}"/>
+              </a:ext>
+            </a:extLst>
+          </p:cNvPr>
+          <p:cNvSpPr/>
+          <p:nvPr/>
+        </p:nvSpPr>
+        <p:spPr>
+          <a:xfrm>
+            <a:off x="4313382" y="2096655"/>
+            <a:ext cx="2927927" cy="1209963"/>
+          </a:xfrm>
+          <a:prstGeom prst="rect">
+            <a:avLst/>
+          </a:prstGeom>
+        </p:spPr>
+        <p:style>
+          <a:lnRef idx="2">
+            <a:schemeClr val="accent1">
+              <a:shade val="50000"/>
+            </a:schemeClr>
+          </a:lnRef>
+          <a:fillRef idx="1">
+            <a:schemeClr val="accent1"/>
+          </a:fillRef>
+          <a:effectRef idx="0">
+            <a:schemeClr val="accent1"/>
+          </a:effectRef>
+          <a:fontRef idx="minor">
+            <a:schemeClr val="lt1"/>
+          </a:fontRef>
+        </p:style>
+        <p:txBody>
+          <a:bodyPr rtlCol="0" anchor="ctr"/>
+          <a:lstStyle/>
+          <a:p>
+            <a:pPr algn="ctr"/>
+            <a:endParaRPr lang="en-US"/>
+          </a:p>
+        </p:txBody>
+      </p:sp>
+      <p:sp>
+        <p:nvSpPr>
+          <p:cNvPr id="5" name="Rectangle 4">
+            <a:extLst>
+              <a:ext uri="{FF2B5EF4-FFF2-40B4-BE49-F238E27FC236}">
+                <a16:creationId xmlns:a16="http://schemas.microsoft.com/office/drawing/2014/main" id="{DACE17DD-508C-4BF1-B57D-74D48DE13845}"/>
+              </a:ext>
+            </a:extLst>
+          </p:cNvPr>
+          <p:cNvSpPr/>
+          <p:nvPr/>
+        </p:nvSpPr>
+        <p:spPr>
+          <a:xfrm>
+            <a:off x="4313381" y="3429001"/>
+            <a:ext cx="2927927" cy="477982"/>
+          </a:xfrm>
+          <a:prstGeom prst="rect">
+            <a:avLst/>
+          </a:prstGeom>
+        </p:spPr>
+        <p:style>
+          <a:lnRef idx="2">
+            <a:schemeClr val="accent1">
+              <a:shade val="50000"/>
+            </a:schemeClr>
+          </a:lnRef>
+          <a:fillRef idx="1">
+            <a:schemeClr val="accent1"/>
+          </a:fillRef>
+          <a:effectRef idx="0">
+            <a:schemeClr val="accent1"/>
+          </a:effectRef>
+          <a:fontRef idx="minor">
+            <a:schemeClr val="lt1"/>
+          </a:fontRef>
+        </p:style>
+        <p:txBody>
+          <a:bodyPr rtlCol="0" anchor="ctr"/>
+          <a:lstStyle/>
+          <a:p>
+            <a:pPr algn="ctr"/>
+            <a:r>
+              <a:rPr lang="en-IN" dirty="0"/>
+              <a:t>Library</a:t>
+            </a:r>
+            <a:endParaRPr lang="en-US" dirty="0"/>
+          </a:p>
+        </p:txBody>
+      </p:sp>
+    </p:spTree>
+    <p:extLst>
+      <p:ext uri="{BB962C8B-B14F-4D97-AF65-F5344CB8AC3E}">
+        <p14:creationId xmlns:p14="http://schemas.microsoft.com/office/powerpoint/2010/main" val="141393587"/>
+      </p:ext>
+    </p:extLst>
+  </p:cSld>
+  <p:clrMapOvr>
+    <a:masterClrMapping/>
+  </p:clrMapOvr>
+</p:sld>
+</file>
+
+<file path=ppt/slides/slide13.xml><?xml version="1.0" encoding="utf-8"?>
 <p:sld xmlns:a="http://schemas.openxmlformats.org/drawingml/2006/main" xmlns:r="http://schemas.openxmlformats.org/officeDocument/2006/relationships" xmlns:p="http://schemas.openxmlformats.org/presentationml/2006/main">
   <p:cSld>
     <p:spTree>

--- a/AWSPresentation1.pptx
+++ b/AWSPresentation1.pptx
@@ -16,8 +16,9 @@
     <p:sldId id="263" r:id="rId10"/>
     <p:sldId id="264" r:id="rId11"/>
     <p:sldId id="266" r:id="rId12"/>
-    <p:sldId id="268" r:id="rId13"/>
-    <p:sldId id="267" r:id="rId14"/>
+    <p:sldId id="269" r:id="rId13"/>
+    <p:sldId id="268" r:id="rId14"/>
+    <p:sldId id="267" r:id="rId15"/>
   </p:sldIdLst>
   <p:sldSz cx="12192000" cy="6858000"/>
   <p:notesSz cx="6858000" cy="9144000"/>
@@ -136,6 +137,7 @@
         <p14:section name="Untitled Section" id="{1A9EC3E1-90F5-4FD1-AB2E-DD4788508655}">
           <p14:sldIdLst>
             <p14:sldId id="266"/>
+            <p14:sldId id="269"/>
             <p14:sldId id="268"/>
             <p14:sldId id="267"/>
           </p14:sldIdLst>
@@ -4008,30 +4010,36 @@
             <a:p>
               <a:pPr algn="ctr"/>
               <a:r>
-                <a:rPr lang="en-US" sz="1200" dirty="0"/>
-                <a:t>EC2</a:t>
+                <a:rPr lang="en-US" sz="1100" b="1" dirty="0"/>
+                <a:t>EC2 (IaaS)</a:t>
               </a:r>
             </a:p>
             <a:p>
               <a:pPr algn="ctr"/>
               <a:r>
-                <a:rPr lang="en-US" sz="1200" dirty="0"/>
-                <a:t>Lambda</a:t>
+                <a:rPr lang="en-US" sz="1100" b="1" dirty="0"/>
+                <a:t>Lambda (SAM)</a:t>
               </a:r>
             </a:p>
             <a:p>
               <a:pPr algn="ctr"/>
               <a:r>
-                <a:rPr lang="en-US" sz="1200" dirty="0"/>
-                <a:t>Bean-Stalk</a:t>
+                <a:rPr lang="en-US" sz="1100" b="1" dirty="0"/>
+                <a:t>Bean-Stalk (SAM</a:t>
               </a:r>
+              <a:r>
+                <a:rPr lang="en-US" sz="1050" b="1" dirty="0"/>
+                <a:t>)</a:t>
+              </a:r>
+              <a:endParaRPr lang="en-US" sz="900" b="1" dirty="0"/>
             </a:p>
             <a:p>
               <a:pPr algn="ctr"/>
               <a:r>
-                <a:rPr lang="en-US" sz="1200" dirty="0"/>
-                <a:t>EKS /ECS</a:t>
+                <a:rPr lang="en-US" sz="1050" b="1" dirty="0"/>
+                <a:t>EKS /ECS (Container)</a:t>
               </a:r>
+              <a:endParaRPr lang="en-US" sz="1200" b="1" dirty="0"/>
             </a:p>
           </p:txBody>
         </p:sp>
@@ -4150,15 +4158,15 @@
           </p:spPr>
           <p:style>
             <a:lnRef idx="2">
-              <a:schemeClr val="accent1">
+              <a:schemeClr val="accent6">
                 <a:shade val="50000"/>
               </a:schemeClr>
             </a:lnRef>
             <a:fillRef idx="1">
-              <a:schemeClr val="accent1"/>
+              <a:schemeClr val="accent6"/>
             </a:fillRef>
             <a:effectRef idx="0">
-              <a:schemeClr val="accent1"/>
+              <a:schemeClr val="accent6"/>
             </a:effectRef>
             <a:fontRef idx="minor">
               <a:schemeClr val="lt1"/>
@@ -4190,7 +4198,7 @@
           </p:nvSpPr>
           <p:spPr>
             <a:xfrm>
-              <a:off x="10880437" y="3195782"/>
+              <a:off x="10936436" y="2936732"/>
               <a:ext cx="849745" cy="729673"/>
             </a:xfrm>
             <a:prstGeom prst="flowChartMagneticDisk">
@@ -4331,7 +4339,7 @@
           <p:spPr>
             <a:xfrm>
               <a:off x="9225970" y="2723573"/>
-              <a:ext cx="1654467" cy="837046"/>
+              <a:ext cx="1710466" cy="577996"/>
             </a:xfrm>
             <a:prstGeom prst="bentConnector3">
               <a:avLst/>
@@ -4870,16 +4878,14 @@
             </a:prstGeom>
           </p:spPr>
           <p:style>
-            <a:lnRef idx="2">
-              <a:schemeClr val="accent1">
-                <a:shade val="50000"/>
-              </a:schemeClr>
+            <a:lnRef idx="3">
+              <a:schemeClr val="lt1"/>
             </a:lnRef>
             <a:fillRef idx="1">
-              <a:schemeClr val="accent1"/>
+              <a:schemeClr val="accent6"/>
             </a:fillRef>
-            <a:effectRef idx="0">
-              <a:schemeClr val="accent1"/>
+            <a:effectRef idx="1">
+              <a:schemeClr val="accent6"/>
             </a:effectRef>
             <a:fontRef idx="minor">
               <a:schemeClr val="lt1"/>
@@ -4962,15 +4968,15 @@
           </p:spPr>
           <p:style>
             <a:lnRef idx="2">
-              <a:schemeClr val="accent1">
+              <a:schemeClr val="accent6">
                 <a:shade val="50000"/>
               </a:schemeClr>
             </a:lnRef>
             <a:fillRef idx="1">
-              <a:schemeClr val="accent1"/>
+              <a:schemeClr val="accent6"/>
             </a:fillRef>
             <a:effectRef idx="0">
-              <a:schemeClr val="accent1"/>
+              <a:schemeClr val="accent6"/>
             </a:effectRef>
             <a:fontRef idx="minor">
               <a:schemeClr val="lt1"/>
@@ -5369,7 +5375,7 @@
         </p:nvSpPr>
         <p:spPr>
           <a:xfrm>
-            <a:off x="9448797" y="282865"/>
+            <a:off x="9388768" y="488377"/>
             <a:ext cx="1034470" cy="1657927"/>
           </a:xfrm>
           <a:prstGeom prst="rect">
@@ -5423,7 +5429,7 @@
         <p:spPr>
           <a:xfrm>
             <a:off x="8672948" y="768930"/>
-            <a:ext cx="775849" cy="342899"/>
+            <a:ext cx="715820" cy="548411"/>
           </a:xfrm>
           <a:prstGeom prst="bentConnector3">
             <a:avLst/>
@@ -5465,8 +5471,8 @@
         </p:nvCxnSpPr>
         <p:spPr>
           <a:xfrm flipV="1">
-            <a:off x="8672948" y="1111829"/>
-            <a:ext cx="775849" cy="982519"/>
+            <a:off x="8672948" y="1317341"/>
+            <a:ext cx="715820" cy="777007"/>
           </a:xfrm>
           <a:prstGeom prst="bentConnector3">
             <a:avLst/>
@@ -5508,8 +5514,8 @@
         </p:nvCxnSpPr>
         <p:spPr>
           <a:xfrm flipV="1">
-            <a:off x="8672948" y="1111829"/>
-            <a:ext cx="775849" cy="2400301"/>
+            <a:off x="8728947" y="1317341"/>
+            <a:ext cx="659821" cy="1935739"/>
           </a:xfrm>
           <a:prstGeom prst="bentConnector3">
             <a:avLst/>
@@ -6223,15 +6229,15 @@
         </p:spPr>
         <p:style>
           <a:lnRef idx="2">
-            <a:schemeClr val="accent1">
+            <a:schemeClr val="accent6">
               <a:shade val="50000"/>
             </a:schemeClr>
           </a:lnRef>
           <a:fillRef idx="1">
-            <a:schemeClr val="accent1"/>
+            <a:schemeClr val="accent6"/>
           </a:fillRef>
           <a:effectRef idx="0">
-            <a:schemeClr val="accent1"/>
+            <a:schemeClr val="accent6"/>
           </a:effectRef>
           <a:fontRef idx="minor">
             <a:schemeClr val="lt1"/>
@@ -6265,6 +6271,55 @@
           <a:xfrm>
             <a:off x="10723420" y="561111"/>
             <a:ext cx="1330035" cy="436416"/>
+          </a:xfrm>
+          <a:prstGeom prst="roundRect">
+            <a:avLst/>
+          </a:prstGeom>
+        </p:spPr>
+        <p:style>
+          <a:lnRef idx="2">
+            <a:schemeClr val="accent6">
+              <a:shade val="50000"/>
+            </a:schemeClr>
+          </a:lnRef>
+          <a:fillRef idx="1">
+            <a:schemeClr val="accent6"/>
+          </a:fillRef>
+          <a:effectRef idx="0">
+            <a:schemeClr val="accent6"/>
+          </a:effectRef>
+          <a:fontRef idx="minor">
+            <a:schemeClr val="lt1"/>
+          </a:fontRef>
+        </p:style>
+        <p:txBody>
+          <a:bodyPr rtlCol="0" anchor="ctr"/>
+          <a:lstStyle/>
+          <a:p>
+            <a:pPr algn="ctr"/>
+            <a:r>
+              <a:rPr lang="en-US" dirty="0"/>
+              <a:t>VPC</a:t>
+            </a:r>
+          </a:p>
+        </p:txBody>
+      </p:sp>
+      <p:sp>
+        <p:nvSpPr>
+          <p:cNvPr id="148" name="Rectangle: Rounded Corners 147">
+            <a:extLst>
+              <a:ext uri="{FF2B5EF4-FFF2-40B4-BE49-F238E27FC236}">
+                <a16:creationId xmlns:a16="http://schemas.microsoft.com/office/drawing/2014/main" id="{A432F4C4-9327-472B-B7E8-0F16C9CA04A7}"/>
+              </a:ext>
+            </a:extLst>
+          </p:cNvPr>
+          <p:cNvSpPr/>
+          <p:nvPr/>
+        </p:nvSpPr>
+        <p:spPr>
+          <a:xfrm>
+            <a:off x="-2552110" y="1868049"/>
+            <a:ext cx="888999" cy="1233042"/>
           </a:xfrm>
           <a:prstGeom prst="roundRect">
             <a:avLst/>
@@ -6293,17 +6348,59 @@
             <a:pPr algn="ctr"/>
             <a:r>
               <a:rPr lang="en-US" dirty="0"/>
-              <a:t>VPC</a:t>
-            </a:r>
-          </a:p>
-        </p:txBody>
-      </p:sp>
-      <p:sp>
-        <p:nvSpPr>
-          <p:cNvPr id="148" name="Rectangle: Rounded Corners 147">
-            <a:extLst>
-              <a:ext uri="{FF2B5EF4-FFF2-40B4-BE49-F238E27FC236}">
-                <a16:creationId xmlns:a16="http://schemas.microsoft.com/office/drawing/2014/main" id="{A432F4C4-9327-472B-B7E8-0F16C9CA04A7}"/>
+              <a:t>CloudFront</a:t>
+            </a:r>
+          </a:p>
+        </p:txBody>
+      </p:sp>
+      <p:cxnSp>
+        <p:nvCxnSpPr>
+          <p:cNvPr id="153" name="Straight Arrow Connector 152">
+            <a:extLst>
+              <a:ext uri="{FF2B5EF4-FFF2-40B4-BE49-F238E27FC236}">
+                <a16:creationId xmlns:a16="http://schemas.microsoft.com/office/drawing/2014/main" id="{EC76D0E4-9318-4E95-87CD-9762E0A539A3}"/>
+              </a:ext>
+            </a:extLst>
+          </p:cNvPr>
+          <p:cNvCxnSpPr>
+            <a:cxnSpLocks/>
+            <a:endCxn id="115" idx="1"/>
+          </p:cNvCxnSpPr>
+          <p:nvPr/>
+        </p:nvCxnSpPr>
+        <p:spPr>
+          <a:xfrm>
+            <a:off x="-2299851" y="5248570"/>
+            <a:ext cx="1517071" cy="0"/>
+          </a:xfrm>
+          <a:prstGeom prst="straightConnector1">
+            <a:avLst/>
+          </a:prstGeom>
+          <a:ln>
+            <a:tailEnd type="triangle"/>
+          </a:ln>
+        </p:spPr>
+        <p:style>
+          <a:lnRef idx="1">
+            <a:schemeClr val="accent1"/>
+          </a:lnRef>
+          <a:fillRef idx="0">
+            <a:schemeClr val="accent1"/>
+          </a:fillRef>
+          <a:effectRef idx="0">
+            <a:schemeClr val="accent1"/>
+          </a:effectRef>
+          <a:fontRef idx="minor">
+            <a:schemeClr val="tx1"/>
+          </a:fontRef>
+        </p:style>
+      </p:cxnSp>
+      <p:sp>
+        <p:nvSpPr>
+          <p:cNvPr id="159" name="Rectangle: Rounded Corners 158">
+            <a:extLst>
+              <a:ext uri="{FF2B5EF4-FFF2-40B4-BE49-F238E27FC236}">
+                <a16:creationId xmlns:a16="http://schemas.microsoft.com/office/drawing/2014/main" id="{730DC5A2-7A17-48B2-AEF2-948FB159F421}"/>
               </a:ext>
             </a:extLst>
           </p:cNvPr>
@@ -6312,8 +6409,8 @@
         </p:nvSpPr>
         <p:spPr>
           <a:xfrm>
-            <a:off x="-2449943" y="1879602"/>
-            <a:ext cx="888999" cy="1233042"/>
+            <a:off x="9306787" y="2382259"/>
+            <a:ext cx="1318490" cy="529646"/>
           </a:xfrm>
           <a:prstGeom prst="roundRect">
             <a:avLst/>
@@ -6341,60 +6438,18 @@
           <a:p>
             <a:pPr algn="ctr"/>
             <a:r>
-              <a:rPr lang="en-US" dirty="0"/>
-              <a:t>CloudFront</a:t>
-            </a:r>
-          </a:p>
-        </p:txBody>
-      </p:sp>
-      <p:cxnSp>
-        <p:nvCxnSpPr>
-          <p:cNvPr id="153" name="Straight Arrow Connector 152">
-            <a:extLst>
-              <a:ext uri="{FF2B5EF4-FFF2-40B4-BE49-F238E27FC236}">
-                <a16:creationId xmlns:a16="http://schemas.microsoft.com/office/drawing/2014/main" id="{EC76D0E4-9318-4E95-87CD-9762E0A539A3}"/>
-              </a:ext>
-            </a:extLst>
-          </p:cNvPr>
-          <p:cNvCxnSpPr>
-            <a:cxnSpLocks/>
-            <a:endCxn id="115" idx="1"/>
-          </p:cNvCxnSpPr>
-          <p:nvPr/>
-        </p:nvCxnSpPr>
-        <p:spPr>
-          <a:xfrm>
-            <a:off x="-2299851" y="5248570"/>
-            <a:ext cx="1517071" cy="0"/>
-          </a:xfrm>
-          <a:prstGeom prst="straightConnector1">
-            <a:avLst/>
-          </a:prstGeom>
-          <a:ln>
-            <a:tailEnd type="triangle"/>
-          </a:ln>
-        </p:spPr>
-        <p:style>
-          <a:lnRef idx="1">
-            <a:schemeClr val="accent1"/>
-          </a:lnRef>
-          <a:fillRef idx="0">
-            <a:schemeClr val="accent1"/>
-          </a:fillRef>
-          <a:effectRef idx="0">
-            <a:schemeClr val="accent1"/>
-          </a:effectRef>
-          <a:fontRef idx="minor">
-            <a:schemeClr val="tx1"/>
-          </a:fontRef>
-        </p:style>
-      </p:cxnSp>
-      <p:sp>
-        <p:nvSpPr>
-          <p:cNvPr id="159" name="Rectangle: Rounded Corners 158">
-            <a:extLst>
-              <a:ext uri="{FF2B5EF4-FFF2-40B4-BE49-F238E27FC236}">
-                <a16:creationId xmlns:a16="http://schemas.microsoft.com/office/drawing/2014/main" id="{730DC5A2-7A17-48B2-AEF2-948FB159F421}"/>
+              <a:rPr lang="en-US" sz="1400" dirty="0"/>
+              <a:t>Elastic-Cache</a:t>
+            </a:r>
+          </a:p>
+        </p:txBody>
+      </p:sp>
+      <p:sp>
+        <p:nvSpPr>
+          <p:cNvPr id="15" name="Rectangle 14">
+            <a:extLst>
+              <a:ext uri="{FF2B5EF4-FFF2-40B4-BE49-F238E27FC236}">
+                <a16:creationId xmlns:a16="http://schemas.microsoft.com/office/drawing/2014/main" id="{71D592A0-F8ED-48D0-A0EC-C94001EFB50E}"/>
               </a:ext>
             </a:extLst>
           </p:cNvPr>
@@ -6403,10 +6458,10 @@
         </p:nvSpPr>
         <p:spPr>
           <a:xfrm>
-            <a:off x="9306787" y="2382259"/>
-            <a:ext cx="1318490" cy="529646"/>
-          </a:xfrm>
-          <a:prstGeom prst="roundRect">
+            <a:off x="7546109" y="6078682"/>
+            <a:ext cx="2937158" cy="623458"/>
+          </a:xfrm>
+          <a:prstGeom prst="rect">
             <a:avLst/>
           </a:prstGeom>
         </p:spPr>
@@ -6432,18 +6487,216 @@
           <a:p>
             <a:pPr algn="ctr"/>
             <a:r>
+              <a:rPr lang="en-IN" dirty="0"/>
+              <a:t>Terraform</a:t>
+            </a:r>
+            <a:endParaRPr lang="en-US" dirty="0"/>
+          </a:p>
+        </p:txBody>
+      </p:sp>
+      <p:sp>
+        <p:nvSpPr>
+          <p:cNvPr id="2" name="TextBox 1">
+            <a:extLst>
+              <a:ext uri="{FF2B5EF4-FFF2-40B4-BE49-F238E27FC236}">
+                <a16:creationId xmlns:a16="http://schemas.microsoft.com/office/drawing/2014/main" id="{1008EE60-EF46-44A8-ADE7-E5140C575E50}"/>
+              </a:ext>
+            </a:extLst>
+          </p:cNvPr>
+          <p:cNvSpPr txBox="1"/>
+          <p:nvPr/>
+        </p:nvSpPr>
+        <p:spPr>
+          <a:xfrm>
+            <a:off x="6759871" y="2216121"/>
+            <a:ext cx="849745" cy="369332"/>
+          </a:xfrm>
+          <a:prstGeom prst="rect">
+            <a:avLst/>
+          </a:prstGeom>
+          <a:noFill/>
+        </p:spPr>
+        <p:txBody>
+          <a:bodyPr wrap="square" rtlCol="0">
+            <a:spAutoFit/>
+          </a:bodyPr>
+          <a:lstStyle/>
+          <a:p>
+            <a:r>
+              <a:rPr lang="en-US" dirty="0" err="1"/>
+              <a:t>sdk</a:t>
+            </a:r>
+            <a:endParaRPr lang="en-US" dirty="0"/>
+          </a:p>
+        </p:txBody>
+      </p:sp>
+      <p:sp>
+        <p:nvSpPr>
+          <p:cNvPr id="62" name="TextBox 61">
+            <a:extLst>
+              <a:ext uri="{FF2B5EF4-FFF2-40B4-BE49-F238E27FC236}">
+                <a16:creationId xmlns:a16="http://schemas.microsoft.com/office/drawing/2014/main" id="{F21DF119-F5A5-4A1D-B88D-B90A55FAB299}"/>
+              </a:ext>
+            </a:extLst>
+          </p:cNvPr>
+          <p:cNvSpPr txBox="1"/>
+          <p:nvPr/>
+        </p:nvSpPr>
+        <p:spPr>
+          <a:xfrm>
+            <a:off x="6796237" y="3017528"/>
+            <a:ext cx="849745" cy="369332"/>
+          </a:xfrm>
+          <a:prstGeom prst="rect">
+            <a:avLst/>
+          </a:prstGeom>
+          <a:noFill/>
+        </p:spPr>
+        <p:txBody>
+          <a:bodyPr wrap="square" rtlCol="0">
+            <a:spAutoFit/>
+          </a:bodyPr>
+          <a:lstStyle/>
+          <a:p>
+            <a:r>
+              <a:rPr lang="en-US" dirty="0" err="1"/>
+              <a:t>sdk</a:t>
+            </a:r>
+            <a:endParaRPr lang="en-US" dirty="0"/>
+          </a:p>
+        </p:txBody>
+      </p:sp>
+      <p:sp>
+        <p:nvSpPr>
+          <p:cNvPr id="63" name="TextBox 62">
+            <a:extLst>
+              <a:ext uri="{FF2B5EF4-FFF2-40B4-BE49-F238E27FC236}">
+                <a16:creationId xmlns:a16="http://schemas.microsoft.com/office/drawing/2014/main" id="{A05F37AD-E702-45EC-8A1D-661FEEF3EF63}"/>
+              </a:ext>
+            </a:extLst>
+          </p:cNvPr>
+          <p:cNvSpPr txBox="1"/>
+          <p:nvPr/>
+        </p:nvSpPr>
+        <p:spPr>
+          <a:xfrm>
+            <a:off x="6672127" y="997527"/>
+            <a:ext cx="1034469" cy="307777"/>
+          </a:xfrm>
+          <a:prstGeom prst="rect">
+            <a:avLst/>
+          </a:prstGeom>
+          <a:noFill/>
+        </p:spPr>
+        <p:txBody>
+          <a:bodyPr wrap="square" rtlCol="0">
+            <a:spAutoFit/>
+          </a:bodyPr>
+          <a:lstStyle/>
+          <a:p>
+            <a:r>
+              <a:rPr lang="en-US" sz="1400" dirty="0" err="1"/>
+              <a:t>Sql</a:t>
+            </a:r>
+            <a:r>
               <a:rPr lang="en-US" sz="1400" dirty="0"/>
-              <a:t>Elastic-Cache</a:t>
-            </a:r>
-          </a:p>
-        </p:txBody>
-      </p:sp>
-      <p:sp>
-        <p:nvSpPr>
-          <p:cNvPr id="15" name="Rectangle 14">
-            <a:extLst>
-              <a:ext uri="{FF2B5EF4-FFF2-40B4-BE49-F238E27FC236}">
-                <a16:creationId xmlns:a16="http://schemas.microsoft.com/office/drawing/2014/main" id="{71D592A0-F8ED-48D0-A0EC-C94001EFB50E}"/>
+              <a:t>-client</a:t>
+            </a:r>
+          </a:p>
+        </p:txBody>
+      </p:sp>
+      <p:cxnSp>
+        <p:nvCxnSpPr>
+          <p:cNvPr id="25" name="Connector: Elbow 24">
+            <a:extLst>
+              <a:ext uri="{FF2B5EF4-FFF2-40B4-BE49-F238E27FC236}">
+                <a16:creationId xmlns:a16="http://schemas.microsoft.com/office/drawing/2014/main" id="{DE431EDE-72AF-44EE-8274-5B07D2A526FE}"/>
+              </a:ext>
+            </a:extLst>
+          </p:cNvPr>
+          <p:cNvCxnSpPr>
+            <a:cxnSpLocks/>
+            <a:stCxn id="94" idx="2"/>
+            <a:endCxn id="30" idx="2"/>
+          </p:cNvCxnSpPr>
+          <p:nvPr/>
+        </p:nvCxnSpPr>
+        <p:spPr>
+          <a:xfrm rot="5400000">
+            <a:off x="5711975" y="1980476"/>
+            <a:ext cx="2049605" cy="7266709"/>
+          </a:xfrm>
+          <a:prstGeom prst="bentConnector3">
+            <a:avLst>
+              <a:gd name="adj1" fmla="val 107548"/>
+            </a:avLst>
+          </a:prstGeom>
+          <a:ln>
+            <a:tailEnd type="triangle"/>
+          </a:ln>
+        </p:spPr>
+        <p:style>
+          <a:lnRef idx="1">
+            <a:schemeClr val="accent1"/>
+          </a:lnRef>
+          <a:fillRef idx="0">
+            <a:schemeClr val="accent1"/>
+          </a:fillRef>
+          <a:effectRef idx="0">
+            <a:schemeClr val="accent1"/>
+          </a:effectRef>
+          <a:fontRef idx="minor">
+            <a:schemeClr val="tx1"/>
+          </a:fontRef>
+        </p:style>
+      </p:cxnSp>
+      <p:cxnSp>
+        <p:nvCxnSpPr>
+          <p:cNvPr id="38" name="Connector: Elbow 37">
+            <a:extLst>
+              <a:ext uri="{FF2B5EF4-FFF2-40B4-BE49-F238E27FC236}">
+                <a16:creationId xmlns:a16="http://schemas.microsoft.com/office/drawing/2014/main" id="{10BC945D-9305-4710-83E5-6C062BE6487D}"/>
+              </a:ext>
+            </a:extLst>
+          </p:cNvPr>
+          <p:cNvCxnSpPr>
+            <a:stCxn id="8" idx="1"/>
+          </p:cNvCxnSpPr>
+          <p:nvPr/>
+        </p:nvCxnSpPr>
+        <p:spPr>
+          <a:xfrm rot="10800000" flipV="1">
+            <a:off x="-1604811" y="2675084"/>
+            <a:ext cx="6395023" cy="1469804"/>
+          </a:xfrm>
+          <a:prstGeom prst="bentConnector3">
+            <a:avLst/>
+          </a:prstGeom>
+          <a:ln>
+            <a:tailEnd type="triangle"/>
+          </a:ln>
+        </p:spPr>
+        <p:style>
+          <a:lnRef idx="1">
+            <a:schemeClr val="accent1"/>
+          </a:lnRef>
+          <a:fillRef idx="0">
+            <a:schemeClr val="accent1"/>
+          </a:fillRef>
+          <a:effectRef idx="0">
+            <a:schemeClr val="accent1"/>
+          </a:effectRef>
+          <a:fontRef idx="minor">
+            <a:schemeClr val="tx1"/>
+          </a:fontRef>
+        </p:style>
+      </p:cxnSp>
+      <p:sp>
+        <p:nvSpPr>
+          <p:cNvPr id="40" name="Rectangle 39">
+            <a:extLst>
+              <a:ext uri="{FF2B5EF4-FFF2-40B4-BE49-F238E27FC236}">
+                <a16:creationId xmlns:a16="http://schemas.microsoft.com/office/drawing/2014/main" id="{A7534D6F-9212-4FC4-A5C2-D575D2E6FDBF}"/>
               </a:ext>
             </a:extLst>
           </p:cNvPr>
@@ -6452,8 +6705,8 @@
         </p:nvSpPr>
         <p:spPr>
           <a:xfrm>
-            <a:off x="7546109" y="6078682"/>
-            <a:ext cx="2937158" cy="623458"/>
+            <a:off x="-2632357" y="3784602"/>
+            <a:ext cx="1067953" cy="780457"/>
           </a:xfrm>
           <a:prstGeom prst="rect">
             <a:avLst/>
@@ -6481,10 +6734,62 @@
           <a:p>
             <a:pPr algn="ctr"/>
             <a:r>
-              <a:rPr lang="en-IN" dirty="0"/>
-              <a:t>Terraform</a:t>
-            </a:r>
-            <a:endParaRPr lang="en-US" dirty="0"/>
+              <a:rPr lang="en-US" dirty="0"/>
+              <a:t>Load</a:t>
+            </a:r>
+          </a:p>
+          <a:p>
+            <a:pPr algn="ctr"/>
+            <a:r>
+              <a:rPr lang="en-US" dirty="0"/>
+              <a:t>Balancer</a:t>
+            </a:r>
+          </a:p>
+        </p:txBody>
+      </p:sp>
+      <p:sp>
+        <p:nvSpPr>
+          <p:cNvPr id="42" name="Rectangle 41">
+            <a:extLst>
+              <a:ext uri="{FF2B5EF4-FFF2-40B4-BE49-F238E27FC236}">
+                <a16:creationId xmlns:a16="http://schemas.microsoft.com/office/drawing/2014/main" id="{A9649BBE-A555-42F4-B000-59E7B78890B0}"/>
+              </a:ext>
+            </a:extLst>
+          </p:cNvPr>
+          <p:cNvSpPr/>
+          <p:nvPr/>
+        </p:nvSpPr>
+        <p:spPr>
+          <a:xfrm>
+            <a:off x="-1519381" y="40998"/>
+            <a:ext cx="308266" cy="6776004"/>
+          </a:xfrm>
+          <a:prstGeom prst="rect">
+            <a:avLst/>
+          </a:prstGeom>
+        </p:spPr>
+        <p:style>
+          <a:lnRef idx="2">
+            <a:schemeClr val="accent1">
+              <a:shade val="50000"/>
+            </a:schemeClr>
+          </a:lnRef>
+          <a:fillRef idx="1">
+            <a:schemeClr val="accent1"/>
+          </a:fillRef>
+          <a:effectRef idx="0">
+            <a:schemeClr val="accent1"/>
+          </a:effectRef>
+          <a:fontRef idx="minor">
+            <a:schemeClr val="lt1"/>
+          </a:fontRef>
+        </p:style>
+        <p:txBody>
+          <a:bodyPr rtlCol="0" anchor="ctr"/>
+          <a:lstStyle/>
+          <a:p>
+            <a:pPr algn="ctr"/>
+            <a:endParaRPr lang="en-US"/>
           </a:p>
         </p:txBody>
       </p:sp>
@@ -6523,6 +6828,965 @@
           <p:cNvPr id="4" name="Rectangle 3">
             <a:extLst>
               <a:ext uri="{FF2B5EF4-FFF2-40B4-BE49-F238E27FC236}">
+                <a16:creationId xmlns:a16="http://schemas.microsoft.com/office/drawing/2014/main" id="{E8EB2CF6-6744-4659-9A3D-E33889B64F05}"/>
+              </a:ext>
+            </a:extLst>
+          </p:cNvPr>
+          <p:cNvSpPr/>
+          <p:nvPr/>
+        </p:nvSpPr>
+        <p:spPr>
+          <a:xfrm>
+            <a:off x="1801091" y="1948873"/>
+            <a:ext cx="1339273" cy="960582"/>
+          </a:xfrm>
+          <a:prstGeom prst="rect">
+            <a:avLst/>
+          </a:prstGeom>
+        </p:spPr>
+        <p:style>
+          <a:lnRef idx="2">
+            <a:schemeClr val="accent1">
+              <a:shade val="50000"/>
+            </a:schemeClr>
+          </a:lnRef>
+          <a:fillRef idx="1">
+            <a:schemeClr val="accent1"/>
+          </a:fillRef>
+          <a:effectRef idx="0">
+            <a:schemeClr val="accent1"/>
+          </a:effectRef>
+          <a:fontRef idx="minor">
+            <a:schemeClr val="lt1"/>
+          </a:fontRef>
+        </p:style>
+        <p:txBody>
+          <a:bodyPr rtlCol="0" anchor="ctr"/>
+          <a:lstStyle/>
+          <a:p>
+            <a:pPr algn="ctr"/>
+            <a:endParaRPr lang="en-US"/>
+          </a:p>
+        </p:txBody>
+      </p:sp>
+      <p:sp>
+        <p:nvSpPr>
+          <p:cNvPr id="5" name="Rectangle 4">
+            <a:extLst>
+              <a:ext uri="{FF2B5EF4-FFF2-40B4-BE49-F238E27FC236}">
+                <a16:creationId xmlns:a16="http://schemas.microsoft.com/office/drawing/2014/main" id="{04C845CF-25FE-4A3E-8589-FDB0D68A6158}"/>
+              </a:ext>
+            </a:extLst>
+          </p:cNvPr>
+          <p:cNvSpPr/>
+          <p:nvPr/>
+        </p:nvSpPr>
+        <p:spPr>
+          <a:xfrm>
+            <a:off x="9180945" y="1948873"/>
+            <a:ext cx="1339273" cy="960582"/>
+          </a:xfrm>
+          <a:prstGeom prst="rect">
+            <a:avLst/>
+          </a:prstGeom>
+        </p:spPr>
+        <p:style>
+          <a:lnRef idx="2">
+            <a:schemeClr val="accent1">
+              <a:shade val="50000"/>
+            </a:schemeClr>
+          </a:lnRef>
+          <a:fillRef idx="1">
+            <a:schemeClr val="accent1"/>
+          </a:fillRef>
+          <a:effectRef idx="0">
+            <a:schemeClr val="accent1"/>
+          </a:effectRef>
+          <a:fontRef idx="minor">
+            <a:schemeClr val="lt1"/>
+          </a:fontRef>
+        </p:style>
+        <p:txBody>
+          <a:bodyPr rtlCol="0" anchor="ctr"/>
+          <a:lstStyle/>
+          <a:p>
+            <a:pPr algn="ctr"/>
+            <a:endParaRPr lang="en-US"/>
+          </a:p>
+        </p:txBody>
+      </p:sp>
+      <p:sp>
+        <p:nvSpPr>
+          <p:cNvPr id="6" name="Rectangle 5">
+            <a:extLst>
+              <a:ext uri="{FF2B5EF4-FFF2-40B4-BE49-F238E27FC236}">
+                <a16:creationId xmlns:a16="http://schemas.microsoft.com/office/drawing/2014/main" id="{8B2B6697-2311-4730-A6CC-2CAE89D08285}"/>
+              </a:ext>
+            </a:extLst>
+          </p:cNvPr>
+          <p:cNvSpPr/>
+          <p:nvPr/>
+        </p:nvSpPr>
+        <p:spPr>
+          <a:xfrm>
+            <a:off x="1801091" y="3611419"/>
+            <a:ext cx="1339273" cy="960582"/>
+          </a:xfrm>
+          <a:prstGeom prst="rect">
+            <a:avLst/>
+          </a:prstGeom>
+        </p:spPr>
+        <p:style>
+          <a:lnRef idx="2">
+            <a:schemeClr val="accent1">
+              <a:shade val="50000"/>
+            </a:schemeClr>
+          </a:lnRef>
+          <a:fillRef idx="1">
+            <a:schemeClr val="accent1"/>
+          </a:fillRef>
+          <a:effectRef idx="0">
+            <a:schemeClr val="accent1"/>
+          </a:effectRef>
+          <a:fontRef idx="minor">
+            <a:schemeClr val="lt1"/>
+          </a:fontRef>
+        </p:style>
+        <p:txBody>
+          <a:bodyPr rtlCol="0" anchor="ctr"/>
+          <a:lstStyle/>
+          <a:p>
+            <a:pPr algn="ctr"/>
+            <a:endParaRPr lang="en-US"/>
+          </a:p>
+        </p:txBody>
+      </p:sp>
+      <p:sp>
+        <p:nvSpPr>
+          <p:cNvPr id="7" name="Rectangle 6">
+            <a:extLst>
+              <a:ext uri="{FF2B5EF4-FFF2-40B4-BE49-F238E27FC236}">
+                <a16:creationId xmlns:a16="http://schemas.microsoft.com/office/drawing/2014/main" id="{3A3E4F28-FAF8-46DE-BF34-AB14706A1486}"/>
+              </a:ext>
+            </a:extLst>
+          </p:cNvPr>
+          <p:cNvSpPr/>
+          <p:nvPr/>
+        </p:nvSpPr>
+        <p:spPr>
+          <a:xfrm>
+            <a:off x="1801090" y="5273965"/>
+            <a:ext cx="1339273" cy="960582"/>
+          </a:xfrm>
+          <a:prstGeom prst="rect">
+            <a:avLst/>
+          </a:prstGeom>
+        </p:spPr>
+        <p:style>
+          <a:lnRef idx="2">
+            <a:schemeClr val="accent1">
+              <a:shade val="50000"/>
+            </a:schemeClr>
+          </a:lnRef>
+          <a:fillRef idx="1">
+            <a:schemeClr val="accent1"/>
+          </a:fillRef>
+          <a:effectRef idx="0">
+            <a:schemeClr val="accent1"/>
+          </a:effectRef>
+          <a:fontRef idx="minor">
+            <a:schemeClr val="lt1"/>
+          </a:fontRef>
+        </p:style>
+        <p:txBody>
+          <a:bodyPr rtlCol="0" anchor="ctr"/>
+          <a:lstStyle/>
+          <a:p>
+            <a:pPr algn="ctr"/>
+            <a:endParaRPr lang="en-US"/>
+          </a:p>
+        </p:txBody>
+      </p:sp>
+      <p:sp>
+        <p:nvSpPr>
+          <p:cNvPr id="8" name="Rectangle 7">
+            <a:extLst>
+              <a:ext uri="{FF2B5EF4-FFF2-40B4-BE49-F238E27FC236}">
+                <a16:creationId xmlns:a16="http://schemas.microsoft.com/office/drawing/2014/main" id="{B6176296-083E-4FE4-8957-1890223DA1FF}"/>
+              </a:ext>
+            </a:extLst>
+          </p:cNvPr>
+          <p:cNvSpPr/>
+          <p:nvPr/>
+        </p:nvSpPr>
+        <p:spPr>
+          <a:xfrm>
+            <a:off x="1801090" y="286327"/>
+            <a:ext cx="1339273" cy="960582"/>
+          </a:xfrm>
+          <a:prstGeom prst="rect">
+            <a:avLst/>
+          </a:prstGeom>
+        </p:spPr>
+        <p:style>
+          <a:lnRef idx="2">
+            <a:schemeClr val="accent1">
+              <a:shade val="50000"/>
+            </a:schemeClr>
+          </a:lnRef>
+          <a:fillRef idx="1">
+            <a:schemeClr val="accent1"/>
+          </a:fillRef>
+          <a:effectRef idx="0">
+            <a:schemeClr val="accent1"/>
+          </a:effectRef>
+          <a:fontRef idx="minor">
+            <a:schemeClr val="lt1"/>
+          </a:fontRef>
+        </p:style>
+        <p:txBody>
+          <a:bodyPr rtlCol="0" anchor="ctr"/>
+          <a:lstStyle/>
+          <a:p>
+            <a:pPr algn="ctr"/>
+            <a:endParaRPr lang="en-US"/>
+          </a:p>
+        </p:txBody>
+      </p:sp>
+      <p:sp>
+        <p:nvSpPr>
+          <p:cNvPr id="9" name="Rectangle 8">
+            <a:extLst>
+              <a:ext uri="{FF2B5EF4-FFF2-40B4-BE49-F238E27FC236}">
+                <a16:creationId xmlns:a16="http://schemas.microsoft.com/office/drawing/2014/main" id="{4CBE0B4F-0F7A-4847-9F18-4AA24FCC9914}"/>
+              </a:ext>
+            </a:extLst>
+          </p:cNvPr>
+          <p:cNvSpPr/>
+          <p:nvPr/>
+        </p:nvSpPr>
+        <p:spPr>
+          <a:xfrm>
+            <a:off x="9051637" y="249382"/>
+            <a:ext cx="1339273" cy="960582"/>
+          </a:xfrm>
+          <a:prstGeom prst="rect">
+            <a:avLst/>
+          </a:prstGeom>
+        </p:spPr>
+        <p:style>
+          <a:lnRef idx="2">
+            <a:schemeClr val="accent1">
+              <a:shade val="50000"/>
+            </a:schemeClr>
+          </a:lnRef>
+          <a:fillRef idx="1">
+            <a:schemeClr val="accent1"/>
+          </a:fillRef>
+          <a:effectRef idx="0">
+            <a:schemeClr val="accent1"/>
+          </a:effectRef>
+          <a:fontRef idx="minor">
+            <a:schemeClr val="lt1"/>
+          </a:fontRef>
+        </p:style>
+        <p:txBody>
+          <a:bodyPr rtlCol="0" anchor="ctr"/>
+          <a:lstStyle/>
+          <a:p>
+            <a:pPr algn="ctr"/>
+            <a:endParaRPr lang="en-US"/>
+          </a:p>
+        </p:txBody>
+      </p:sp>
+      <p:sp>
+        <p:nvSpPr>
+          <p:cNvPr id="10" name="Rectangle 9">
+            <a:extLst>
+              <a:ext uri="{FF2B5EF4-FFF2-40B4-BE49-F238E27FC236}">
+                <a16:creationId xmlns:a16="http://schemas.microsoft.com/office/drawing/2014/main" id="{0DC833A0-2CEF-4627-B2A6-B377D2138ACA}"/>
+              </a:ext>
+            </a:extLst>
+          </p:cNvPr>
+          <p:cNvSpPr/>
+          <p:nvPr/>
+        </p:nvSpPr>
+        <p:spPr>
+          <a:xfrm>
+            <a:off x="1671782" y="-1413164"/>
+            <a:ext cx="1339273" cy="960582"/>
+          </a:xfrm>
+          <a:prstGeom prst="rect">
+            <a:avLst/>
+          </a:prstGeom>
+        </p:spPr>
+        <p:style>
+          <a:lnRef idx="2">
+            <a:schemeClr val="accent1">
+              <a:shade val="50000"/>
+            </a:schemeClr>
+          </a:lnRef>
+          <a:fillRef idx="1">
+            <a:schemeClr val="accent1"/>
+          </a:fillRef>
+          <a:effectRef idx="0">
+            <a:schemeClr val="accent1"/>
+          </a:effectRef>
+          <a:fontRef idx="minor">
+            <a:schemeClr val="lt1"/>
+          </a:fontRef>
+        </p:style>
+        <p:txBody>
+          <a:bodyPr rtlCol="0" anchor="ctr"/>
+          <a:lstStyle/>
+          <a:p>
+            <a:pPr algn="ctr"/>
+            <a:endParaRPr lang="en-US"/>
+          </a:p>
+        </p:txBody>
+      </p:sp>
+      <p:sp>
+        <p:nvSpPr>
+          <p:cNvPr id="13" name="Rectangle 12">
+            <a:extLst>
+              <a:ext uri="{FF2B5EF4-FFF2-40B4-BE49-F238E27FC236}">
+                <a16:creationId xmlns:a16="http://schemas.microsoft.com/office/drawing/2014/main" id="{B036B0BA-20E3-4F1E-AAD2-4D737826707D}"/>
+              </a:ext>
+            </a:extLst>
+          </p:cNvPr>
+          <p:cNvSpPr/>
+          <p:nvPr/>
+        </p:nvSpPr>
+        <p:spPr>
+          <a:xfrm>
+            <a:off x="9254836" y="5098472"/>
+            <a:ext cx="1339273" cy="960582"/>
+          </a:xfrm>
+          <a:prstGeom prst="rect">
+            <a:avLst/>
+          </a:prstGeom>
+        </p:spPr>
+        <p:style>
+          <a:lnRef idx="2">
+            <a:schemeClr val="accent1">
+              <a:shade val="50000"/>
+            </a:schemeClr>
+          </a:lnRef>
+          <a:fillRef idx="1">
+            <a:schemeClr val="accent1"/>
+          </a:fillRef>
+          <a:effectRef idx="0">
+            <a:schemeClr val="accent1"/>
+          </a:effectRef>
+          <a:fontRef idx="minor">
+            <a:schemeClr val="lt1"/>
+          </a:fontRef>
+        </p:style>
+        <p:txBody>
+          <a:bodyPr rtlCol="0" anchor="ctr"/>
+          <a:lstStyle/>
+          <a:p>
+            <a:pPr algn="ctr"/>
+            <a:endParaRPr lang="en-US"/>
+          </a:p>
+        </p:txBody>
+      </p:sp>
+      <p:sp>
+        <p:nvSpPr>
+          <p:cNvPr id="14" name="Rectangle 13">
+            <a:extLst>
+              <a:ext uri="{FF2B5EF4-FFF2-40B4-BE49-F238E27FC236}">
+                <a16:creationId xmlns:a16="http://schemas.microsoft.com/office/drawing/2014/main" id="{4F867152-8A33-4F9D-8BB0-0A0CF6CE891A}"/>
+              </a:ext>
+            </a:extLst>
+          </p:cNvPr>
+          <p:cNvSpPr/>
+          <p:nvPr/>
+        </p:nvSpPr>
+        <p:spPr>
+          <a:xfrm>
+            <a:off x="1801090" y="-1376219"/>
+            <a:ext cx="1339273" cy="960582"/>
+          </a:xfrm>
+          <a:prstGeom prst="rect">
+            <a:avLst/>
+          </a:prstGeom>
+        </p:spPr>
+        <p:style>
+          <a:lnRef idx="2">
+            <a:schemeClr val="accent1">
+              <a:shade val="50000"/>
+            </a:schemeClr>
+          </a:lnRef>
+          <a:fillRef idx="1">
+            <a:schemeClr val="accent1"/>
+          </a:fillRef>
+          <a:effectRef idx="0">
+            <a:schemeClr val="accent1"/>
+          </a:effectRef>
+          <a:fontRef idx="minor">
+            <a:schemeClr val="lt1"/>
+          </a:fontRef>
+        </p:style>
+        <p:txBody>
+          <a:bodyPr rtlCol="0" anchor="ctr"/>
+          <a:lstStyle/>
+          <a:p>
+            <a:pPr algn="ctr"/>
+            <a:endParaRPr lang="en-US"/>
+          </a:p>
+        </p:txBody>
+      </p:sp>
+      <p:sp>
+        <p:nvSpPr>
+          <p:cNvPr id="17" name="Rectangle 16">
+            <a:extLst>
+              <a:ext uri="{FF2B5EF4-FFF2-40B4-BE49-F238E27FC236}">
+                <a16:creationId xmlns:a16="http://schemas.microsoft.com/office/drawing/2014/main" id="{A8AF25A8-82B6-4D9C-940B-D93A7D087106}"/>
+              </a:ext>
+            </a:extLst>
+          </p:cNvPr>
+          <p:cNvSpPr/>
+          <p:nvPr/>
+        </p:nvSpPr>
+        <p:spPr>
+          <a:xfrm>
+            <a:off x="9180945" y="3468255"/>
+            <a:ext cx="1339273" cy="960582"/>
+          </a:xfrm>
+          <a:prstGeom prst="rect">
+            <a:avLst/>
+          </a:prstGeom>
+        </p:spPr>
+        <p:style>
+          <a:lnRef idx="2">
+            <a:schemeClr val="accent1">
+              <a:shade val="50000"/>
+            </a:schemeClr>
+          </a:lnRef>
+          <a:fillRef idx="1">
+            <a:schemeClr val="accent1"/>
+          </a:fillRef>
+          <a:effectRef idx="0">
+            <a:schemeClr val="accent1"/>
+          </a:effectRef>
+          <a:fontRef idx="minor">
+            <a:schemeClr val="lt1"/>
+          </a:fontRef>
+        </p:style>
+        <p:txBody>
+          <a:bodyPr rtlCol="0" anchor="ctr"/>
+          <a:lstStyle/>
+          <a:p>
+            <a:pPr algn="ctr"/>
+            <a:endParaRPr lang="en-US"/>
+          </a:p>
+        </p:txBody>
+      </p:sp>
+      <p:sp>
+        <p:nvSpPr>
+          <p:cNvPr id="39" name="Rectangle 38">
+            <a:extLst>
+              <a:ext uri="{FF2B5EF4-FFF2-40B4-BE49-F238E27FC236}">
+                <a16:creationId xmlns:a16="http://schemas.microsoft.com/office/drawing/2014/main" id="{285BBFFD-D6C6-4932-A620-DD2148DDEF8A}"/>
+              </a:ext>
+            </a:extLst>
+          </p:cNvPr>
+          <p:cNvSpPr/>
+          <p:nvPr/>
+        </p:nvSpPr>
+        <p:spPr>
+          <a:xfrm>
+            <a:off x="5426363" y="1168399"/>
+            <a:ext cx="1339273" cy="4442691"/>
+          </a:xfrm>
+          <a:prstGeom prst="rect">
+            <a:avLst/>
+          </a:prstGeom>
+        </p:spPr>
+        <p:style>
+          <a:lnRef idx="2">
+            <a:schemeClr val="accent1">
+              <a:shade val="50000"/>
+            </a:schemeClr>
+          </a:lnRef>
+          <a:fillRef idx="1">
+            <a:schemeClr val="accent1"/>
+          </a:fillRef>
+          <a:effectRef idx="0">
+            <a:schemeClr val="accent1"/>
+          </a:effectRef>
+          <a:fontRef idx="minor">
+            <a:schemeClr val="lt1"/>
+          </a:fontRef>
+        </p:style>
+        <p:txBody>
+          <a:bodyPr rtlCol="0" anchor="ctr"/>
+          <a:lstStyle/>
+          <a:p>
+            <a:pPr algn="ctr"/>
+            <a:r>
+              <a:rPr lang="en-US" dirty="0"/>
+              <a:t>B</a:t>
+            </a:r>
+          </a:p>
+          <a:p>
+            <a:pPr algn="ctr"/>
+            <a:r>
+              <a:rPr lang="en-US" dirty="0"/>
+              <a:t>R</a:t>
+            </a:r>
+            <a:br>
+              <a:rPr lang="en-US" dirty="0"/>
+            </a:br>
+            <a:r>
+              <a:rPr lang="en-US" dirty="0"/>
+              <a:t>O</a:t>
+            </a:r>
+          </a:p>
+          <a:p>
+            <a:pPr algn="ctr"/>
+            <a:r>
+              <a:rPr lang="en-US" dirty="0"/>
+              <a:t>K</a:t>
+            </a:r>
+          </a:p>
+          <a:p>
+            <a:pPr algn="ctr"/>
+            <a:r>
+              <a:rPr lang="en-US" dirty="0"/>
+              <a:t>E</a:t>
+            </a:r>
+          </a:p>
+          <a:p>
+            <a:pPr algn="ctr"/>
+            <a:r>
+              <a:rPr lang="en-US" dirty="0"/>
+              <a:t>R</a:t>
+            </a:r>
+          </a:p>
+        </p:txBody>
+      </p:sp>
+      <p:sp>
+        <p:nvSpPr>
+          <p:cNvPr id="40" name="Rectangle 39">
+            <a:extLst>
+              <a:ext uri="{FF2B5EF4-FFF2-40B4-BE49-F238E27FC236}">
+                <a16:creationId xmlns:a16="http://schemas.microsoft.com/office/drawing/2014/main" id="{9104EC30-632B-476D-9EA9-02F9A1739172}"/>
+              </a:ext>
+            </a:extLst>
+          </p:cNvPr>
+          <p:cNvSpPr/>
+          <p:nvPr/>
+        </p:nvSpPr>
+        <p:spPr>
+          <a:xfrm>
+            <a:off x="5232400" y="2087417"/>
+            <a:ext cx="1685636" cy="434109"/>
+          </a:xfrm>
+          <a:prstGeom prst="rect">
+            <a:avLst/>
+          </a:prstGeom>
+        </p:spPr>
+        <p:style>
+          <a:lnRef idx="2">
+            <a:schemeClr val="accent3">
+              <a:shade val="50000"/>
+            </a:schemeClr>
+          </a:lnRef>
+          <a:fillRef idx="1">
+            <a:schemeClr val="accent3"/>
+          </a:fillRef>
+          <a:effectRef idx="0">
+            <a:schemeClr val="accent3"/>
+          </a:effectRef>
+          <a:fontRef idx="minor">
+            <a:schemeClr val="lt1"/>
+          </a:fontRef>
+        </p:style>
+        <p:txBody>
+          <a:bodyPr rtlCol="0" anchor="ctr"/>
+          <a:lstStyle/>
+          <a:p>
+            <a:pPr algn="ctr"/>
+            <a:r>
+              <a:rPr lang="en-US" dirty="0"/>
+              <a:t>TOPIC</a:t>
+            </a:r>
+          </a:p>
+        </p:txBody>
+      </p:sp>
+      <p:cxnSp>
+        <p:nvCxnSpPr>
+          <p:cNvPr id="42" name="Straight Arrow Connector 41">
+            <a:extLst>
+              <a:ext uri="{FF2B5EF4-FFF2-40B4-BE49-F238E27FC236}">
+                <a16:creationId xmlns:a16="http://schemas.microsoft.com/office/drawing/2014/main" id="{E0B9334E-639C-457C-88CB-B4E3C35161ED}"/>
+              </a:ext>
+            </a:extLst>
+          </p:cNvPr>
+          <p:cNvCxnSpPr>
+            <a:stCxn id="8" idx="3"/>
+            <a:endCxn id="40" idx="1"/>
+          </p:cNvCxnSpPr>
+          <p:nvPr/>
+        </p:nvCxnSpPr>
+        <p:spPr>
+          <a:xfrm>
+            <a:off x="3140363" y="766618"/>
+            <a:ext cx="2092037" cy="1537854"/>
+          </a:xfrm>
+          <a:prstGeom prst="straightConnector1">
+            <a:avLst/>
+          </a:prstGeom>
+          <a:ln>
+            <a:tailEnd type="triangle"/>
+          </a:ln>
+        </p:spPr>
+        <p:style>
+          <a:lnRef idx="1">
+            <a:schemeClr val="accent1"/>
+          </a:lnRef>
+          <a:fillRef idx="0">
+            <a:schemeClr val="accent1"/>
+          </a:fillRef>
+          <a:effectRef idx="0">
+            <a:schemeClr val="accent1"/>
+          </a:effectRef>
+          <a:fontRef idx="minor">
+            <a:schemeClr val="tx1"/>
+          </a:fontRef>
+        </p:style>
+      </p:cxnSp>
+      <p:cxnSp>
+        <p:nvCxnSpPr>
+          <p:cNvPr id="44" name="Straight Arrow Connector 43">
+            <a:extLst>
+              <a:ext uri="{FF2B5EF4-FFF2-40B4-BE49-F238E27FC236}">
+                <a16:creationId xmlns:a16="http://schemas.microsoft.com/office/drawing/2014/main" id="{69D3D947-5283-444A-A396-2BE053403D28}"/>
+              </a:ext>
+            </a:extLst>
+          </p:cNvPr>
+          <p:cNvCxnSpPr>
+            <a:stCxn id="9" idx="1"/>
+            <a:endCxn id="40" idx="3"/>
+          </p:cNvCxnSpPr>
+          <p:nvPr/>
+        </p:nvCxnSpPr>
+        <p:spPr>
+          <a:xfrm flipH="1">
+            <a:off x="6918036" y="729673"/>
+            <a:ext cx="2133601" cy="1574799"/>
+          </a:xfrm>
+          <a:prstGeom prst="straightConnector1">
+            <a:avLst/>
+          </a:prstGeom>
+          <a:ln>
+            <a:tailEnd type="triangle"/>
+          </a:ln>
+        </p:spPr>
+        <p:style>
+          <a:lnRef idx="1">
+            <a:schemeClr val="accent1"/>
+          </a:lnRef>
+          <a:fillRef idx="0">
+            <a:schemeClr val="accent1"/>
+          </a:fillRef>
+          <a:effectRef idx="0">
+            <a:schemeClr val="accent1"/>
+          </a:effectRef>
+          <a:fontRef idx="minor">
+            <a:schemeClr val="tx1"/>
+          </a:fontRef>
+        </p:style>
+      </p:cxnSp>
+      <p:cxnSp>
+        <p:nvCxnSpPr>
+          <p:cNvPr id="46" name="Straight Arrow Connector 45">
+            <a:extLst>
+              <a:ext uri="{FF2B5EF4-FFF2-40B4-BE49-F238E27FC236}">
+                <a16:creationId xmlns:a16="http://schemas.microsoft.com/office/drawing/2014/main" id="{34ABD8D5-8BB1-44B5-AADA-79F39D1249D1}"/>
+              </a:ext>
+            </a:extLst>
+          </p:cNvPr>
+          <p:cNvCxnSpPr>
+            <a:stCxn id="5" idx="1"/>
+            <a:endCxn id="40" idx="3"/>
+          </p:cNvCxnSpPr>
+          <p:nvPr/>
+        </p:nvCxnSpPr>
+        <p:spPr>
+          <a:xfrm flipH="1" flipV="1">
+            <a:off x="6918036" y="2304472"/>
+            <a:ext cx="2262909" cy="124692"/>
+          </a:xfrm>
+          <a:prstGeom prst="straightConnector1">
+            <a:avLst/>
+          </a:prstGeom>
+          <a:ln>
+            <a:tailEnd type="triangle"/>
+          </a:ln>
+        </p:spPr>
+        <p:style>
+          <a:lnRef idx="1">
+            <a:schemeClr val="accent1"/>
+          </a:lnRef>
+          <a:fillRef idx="0">
+            <a:schemeClr val="accent1"/>
+          </a:fillRef>
+          <a:effectRef idx="0">
+            <a:schemeClr val="accent1"/>
+          </a:effectRef>
+          <a:fontRef idx="minor">
+            <a:schemeClr val="tx1"/>
+          </a:fontRef>
+        </p:style>
+      </p:cxnSp>
+      <p:cxnSp>
+        <p:nvCxnSpPr>
+          <p:cNvPr id="48" name="Straight Arrow Connector 47">
+            <a:extLst>
+              <a:ext uri="{FF2B5EF4-FFF2-40B4-BE49-F238E27FC236}">
+                <a16:creationId xmlns:a16="http://schemas.microsoft.com/office/drawing/2014/main" id="{BBB89E3E-1D58-4135-AC2E-E9946713D023}"/>
+              </a:ext>
+            </a:extLst>
+          </p:cNvPr>
+          <p:cNvCxnSpPr>
+            <a:stCxn id="17" idx="1"/>
+            <a:endCxn id="40" idx="3"/>
+          </p:cNvCxnSpPr>
+          <p:nvPr/>
+        </p:nvCxnSpPr>
+        <p:spPr>
+          <a:xfrm flipH="1" flipV="1">
+            <a:off x="6918036" y="2304472"/>
+            <a:ext cx="2262909" cy="1644074"/>
+          </a:xfrm>
+          <a:prstGeom prst="straightConnector1">
+            <a:avLst/>
+          </a:prstGeom>
+          <a:ln>
+            <a:tailEnd type="triangle"/>
+          </a:ln>
+        </p:spPr>
+        <p:style>
+          <a:lnRef idx="1">
+            <a:schemeClr val="accent1"/>
+          </a:lnRef>
+          <a:fillRef idx="0">
+            <a:schemeClr val="accent1"/>
+          </a:fillRef>
+          <a:effectRef idx="0">
+            <a:schemeClr val="accent1"/>
+          </a:effectRef>
+          <a:fontRef idx="minor">
+            <a:schemeClr val="tx1"/>
+          </a:fontRef>
+        </p:style>
+      </p:cxnSp>
+      <p:cxnSp>
+        <p:nvCxnSpPr>
+          <p:cNvPr id="50" name="Straight Arrow Connector 49">
+            <a:extLst>
+              <a:ext uri="{FF2B5EF4-FFF2-40B4-BE49-F238E27FC236}">
+                <a16:creationId xmlns:a16="http://schemas.microsoft.com/office/drawing/2014/main" id="{5A91D659-54EA-49CE-A112-10CCA51CE62B}"/>
+              </a:ext>
+            </a:extLst>
+          </p:cNvPr>
+          <p:cNvCxnSpPr>
+            <a:stCxn id="13" idx="1"/>
+            <a:endCxn id="40" idx="3"/>
+          </p:cNvCxnSpPr>
+          <p:nvPr/>
+        </p:nvCxnSpPr>
+        <p:spPr>
+          <a:xfrm flipH="1" flipV="1">
+            <a:off x="6918036" y="2304472"/>
+            <a:ext cx="2336800" cy="3274291"/>
+          </a:xfrm>
+          <a:prstGeom prst="straightConnector1">
+            <a:avLst/>
+          </a:prstGeom>
+          <a:ln>
+            <a:tailEnd type="triangle"/>
+          </a:ln>
+        </p:spPr>
+        <p:style>
+          <a:lnRef idx="1">
+            <a:schemeClr val="accent1"/>
+          </a:lnRef>
+          <a:fillRef idx="0">
+            <a:schemeClr val="accent1"/>
+          </a:fillRef>
+          <a:effectRef idx="0">
+            <a:schemeClr val="accent1"/>
+          </a:effectRef>
+          <a:fontRef idx="minor">
+            <a:schemeClr val="tx1"/>
+          </a:fontRef>
+        </p:style>
+      </p:cxnSp>
+      <p:cxnSp>
+        <p:nvCxnSpPr>
+          <p:cNvPr id="57" name="Straight Arrow Connector 56">
+            <a:extLst>
+              <a:ext uri="{FF2B5EF4-FFF2-40B4-BE49-F238E27FC236}">
+                <a16:creationId xmlns:a16="http://schemas.microsoft.com/office/drawing/2014/main" id="{2F9190B3-9DDF-4857-826C-757737427EAB}"/>
+              </a:ext>
+            </a:extLst>
+          </p:cNvPr>
+          <p:cNvCxnSpPr>
+            <a:stCxn id="4" idx="3"/>
+            <a:endCxn id="40" idx="1"/>
+          </p:cNvCxnSpPr>
+          <p:nvPr/>
+        </p:nvCxnSpPr>
+        <p:spPr>
+          <a:xfrm flipV="1">
+            <a:off x="3140364" y="2304472"/>
+            <a:ext cx="2092036" cy="124692"/>
+          </a:xfrm>
+          <a:prstGeom prst="straightConnector1">
+            <a:avLst/>
+          </a:prstGeom>
+          <a:ln>
+            <a:tailEnd type="triangle"/>
+          </a:ln>
+        </p:spPr>
+        <p:style>
+          <a:lnRef idx="1">
+            <a:schemeClr val="accent1"/>
+          </a:lnRef>
+          <a:fillRef idx="0">
+            <a:schemeClr val="accent1"/>
+          </a:fillRef>
+          <a:effectRef idx="0">
+            <a:schemeClr val="accent1"/>
+          </a:effectRef>
+          <a:fontRef idx="minor">
+            <a:schemeClr val="tx1"/>
+          </a:fontRef>
+        </p:style>
+      </p:cxnSp>
+      <p:cxnSp>
+        <p:nvCxnSpPr>
+          <p:cNvPr id="59" name="Straight Arrow Connector 58">
+            <a:extLst>
+              <a:ext uri="{FF2B5EF4-FFF2-40B4-BE49-F238E27FC236}">
+                <a16:creationId xmlns:a16="http://schemas.microsoft.com/office/drawing/2014/main" id="{8C6FCFB1-6C81-45AE-9C59-54184CBA9018}"/>
+              </a:ext>
+            </a:extLst>
+          </p:cNvPr>
+          <p:cNvCxnSpPr>
+            <a:stCxn id="6" idx="3"/>
+            <a:endCxn id="40" idx="1"/>
+          </p:cNvCxnSpPr>
+          <p:nvPr/>
+        </p:nvCxnSpPr>
+        <p:spPr>
+          <a:xfrm flipV="1">
+            <a:off x="3140364" y="2304472"/>
+            <a:ext cx="2092036" cy="1787238"/>
+          </a:xfrm>
+          <a:prstGeom prst="straightConnector1">
+            <a:avLst/>
+          </a:prstGeom>
+          <a:ln>
+            <a:tailEnd type="triangle"/>
+          </a:ln>
+        </p:spPr>
+        <p:style>
+          <a:lnRef idx="1">
+            <a:schemeClr val="accent1"/>
+          </a:lnRef>
+          <a:fillRef idx="0">
+            <a:schemeClr val="accent1"/>
+          </a:fillRef>
+          <a:effectRef idx="0">
+            <a:schemeClr val="accent1"/>
+          </a:effectRef>
+          <a:fontRef idx="minor">
+            <a:schemeClr val="tx1"/>
+          </a:fontRef>
+        </p:style>
+      </p:cxnSp>
+      <p:cxnSp>
+        <p:nvCxnSpPr>
+          <p:cNvPr id="61" name="Straight Arrow Connector 60">
+            <a:extLst>
+              <a:ext uri="{FF2B5EF4-FFF2-40B4-BE49-F238E27FC236}">
+                <a16:creationId xmlns:a16="http://schemas.microsoft.com/office/drawing/2014/main" id="{42226737-E8DE-4009-A90A-56B6FAAA81A6}"/>
+              </a:ext>
+            </a:extLst>
+          </p:cNvPr>
+          <p:cNvCxnSpPr>
+            <a:stCxn id="7" idx="3"/>
+            <a:endCxn id="40" idx="1"/>
+          </p:cNvCxnSpPr>
+          <p:nvPr/>
+        </p:nvCxnSpPr>
+        <p:spPr>
+          <a:xfrm flipV="1">
+            <a:off x="3140363" y="2304472"/>
+            <a:ext cx="2092037" cy="3449784"/>
+          </a:xfrm>
+          <a:prstGeom prst="straightConnector1">
+            <a:avLst/>
+          </a:prstGeom>
+          <a:ln>
+            <a:tailEnd type="triangle"/>
+          </a:ln>
+        </p:spPr>
+        <p:style>
+          <a:lnRef idx="1">
+            <a:schemeClr val="accent1"/>
+          </a:lnRef>
+          <a:fillRef idx="0">
+            <a:schemeClr val="accent1"/>
+          </a:fillRef>
+          <a:effectRef idx="0">
+            <a:schemeClr val="accent1"/>
+          </a:effectRef>
+          <a:fontRef idx="minor">
+            <a:schemeClr val="tx1"/>
+          </a:fontRef>
+        </p:style>
+      </p:cxnSp>
+    </p:spTree>
+    <p:extLst>
+      <p:ext uri="{BB962C8B-B14F-4D97-AF65-F5344CB8AC3E}">
+        <p14:creationId xmlns:p14="http://schemas.microsoft.com/office/powerpoint/2010/main" val="1941979558"/>
+      </p:ext>
+    </p:extLst>
+  </p:cSld>
+  <p:clrMapOvr>
+    <a:masterClrMapping/>
+  </p:clrMapOvr>
+</p:sld>
+</file>
+
+<file path=ppt/slides/slide13.xml><?xml version="1.0" encoding="utf-8"?>
+<p:sld xmlns:a="http://schemas.openxmlformats.org/drawingml/2006/main" xmlns:r="http://schemas.openxmlformats.org/officeDocument/2006/relationships" xmlns:p="http://schemas.openxmlformats.org/presentationml/2006/main">
+  <p:cSld>
+    <p:spTree>
+      <p:nvGrpSpPr>
+        <p:cNvPr id="1" name=""/>
+        <p:cNvGrpSpPr/>
+        <p:nvPr/>
+      </p:nvGrpSpPr>
+      <p:grpSpPr>
+        <a:xfrm>
+          <a:off x="0" y="0"/>
+          <a:ext cx="0" cy="0"/>
+          <a:chOff x="0" y="0"/>
+          <a:chExt cx="0" cy="0"/>
+        </a:xfrm>
+      </p:grpSpPr>
+      <p:sp>
+        <p:nvSpPr>
+          <p:cNvPr id="4" name="Rectangle 3">
+            <a:extLst>
+              <a:ext uri="{FF2B5EF4-FFF2-40B4-BE49-F238E27FC236}">
                 <a16:creationId xmlns:a16="http://schemas.microsoft.com/office/drawing/2014/main" id="{351F27EC-2DB3-4B9B-9C66-DCCAF55CE8D4}"/>
               </a:ext>
             </a:extLst>
@@ -6627,7 +7891,7 @@
 </p:sld>
 </file>
 
-<file path=ppt/slides/slide13.xml><?xml version="1.0" encoding="utf-8"?>
+<file path=ppt/slides/slide14.xml><?xml version="1.0" encoding="utf-8"?>
 <p:sld xmlns:a="http://schemas.openxmlformats.org/drawingml/2006/main" xmlns:r="http://schemas.openxmlformats.org/officeDocument/2006/relationships" xmlns:p="http://schemas.openxmlformats.org/presentationml/2006/main">
   <p:cSld>
     <p:spTree>

--- a/AWSPresentation1.pptx
+++ b/AWSPresentation1.pptx
@@ -16,9 +16,10 @@
     <p:sldId id="263" r:id="rId10"/>
     <p:sldId id="264" r:id="rId11"/>
     <p:sldId id="266" r:id="rId12"/>
-    <p:sldId id="269" r:id="rId13"/>
-    <p:sldId id="268" r:id="rId14"/>
-    <p:sldId id="267" r:id="rId15"/>
+    <p:sldId id="270" r:id="rId13"/>
+    <p:sldId id="269" r:id="rId14"/>
+    <p:sldId id="268" r:id="rId15"/>
+    <p:sldId id="267" r:id="rId16"/>
   </p:sldIdLst>
   <p:sldSz cx="12192000" cy="6858000"/>
   <p:notesSz cx="6858000" cy="9144000"/>
@@ -137,6 +138,7 @@
         <p14:section name="Untitled Section" id="{1A9EC3E1-90F5-4FD1-AB2E-DD4788508655}">
           <p14:sldIdLst>
             <p14:sldId id="266"/>
+            <p14:sldId id="270"/>
             <p14:sldId id="269"/>
             <p14:sldId id="268"/>
             <p14:sldId id="267"/>
@@ -298,7 +300,7 @@
           <a:p>
             <a:fld id="{514B463D-3EF5-4A22-BC21-7B63AB95E5E7}" type="datetimeFigureOut">
               <a:rPr lang="en-US" smtClean="0"/>
-              <a:t>6/25/2020</a:t>
+              <a:t>6/26/2020</a:t>
             </a:fld>
             <a:endParaRPr lang="en-US"/>
           </a:p>
@@ -496,7 +498,7 @@
           <a:p>
             <a:fld id="{514B463D-3EF5-4A22-BC21-7B63AB95E5E7}" type="datetimeFigureOut">
               <a:rPr lang="en-US" smtClean="0"/>
-              <a:t>6/25/2020</a:t>
+              <a:t>6/26/2020</a:t>
             </a:fld>
             <a:endParaRPr lang="en-US"/>
           </a:p>
@@ -704,7 +706,7 @@
           <a:p>
             <a:fld id="{514B463D-3EF5-4A22-BC21-7B63AB95E5E7}" type="datetimeFigureOut">
               <a:rPr lang="en-US" smtClean="0"/>
-              <a:t>6/25/2020</a:t>
+              <a:t>6/26/2020</a:t>
             </a:fld>
             <a:endParaRPr lang="en-US"/>
           </a:p>
@@ -902,7 +904,7 @@
           <a:p>
             <a:fld id="{514B463D-3EF5-4A22-BC21-7B63AB95E5E7}" type="datetimeFigureOut">
               <a:rPr lang="en-US" smtClean="0"/>
-              <a:t>6/25/2020</a:t>
+              <a:t>6/26/2020</a:t>
             </a:fld>
             <a:endParaRPr lang="en-US"/>
           </a:p>
@@ -1177,7 +1179,7 @@
           <a:p>
             <a:fld id="{514B463D-3EF5-4A22-BC21-7B63AB95E5E7}" type="datetimeFigureOut">
               <a:rPr lang="en-US" smtClean="0"/>
-              <a:t>6/25/2020</a:t>
+              <a:t>6/26/2020</a:t>
             </a:fld>
             <a:endParaRPr lang="en-US"/>
           </a:p>
@@ -1442,7 +1444,7 @@
           <a:p>
             <a:fld id="{514B463D-3EF5-4A22-BC21-7B63AB95E5E7}" type="datetimeFigureOut">
               <a:rPr lang="en-US" smtClean="0"/>
-              <a:t>6/25/2020</a:t>
+              <a:t>6/26/2020</a:t>
             </a:fld>
             <a:endParaRPr lang="en-US"/>
           </a:p>
@@ -1854,7 +1856,7 @@
           <a:p>
             <a:fld id="{514B463D-3EF5-4A22-BC21-7B63AB95E5E7}" type="datetimeFigureOut">
               <a:rPr lang="en-US" smtClean="0"/>
-              <a:t>6/25/2020</a:t>
+              <a:t>6/26/2020</a:t>
             </a:fld>
             <a:endParaRPr lang="en-US"/>
           </a:p>
@@ -1995,7 +1997,7 @@
           <a:p>
             <a:fld id="{514B463D-3EF5-4A22-BC21-7B63AB95E5E7}" type="datetimeFigureOut">
               <a:rPr lang="en-US" smtClean="0"/>
-              <a:t>6/25/2020</a:t>
+              <a:t>6/26/2020</a:t>
             </a:fld>
             <a:endParaRPr lang="en-US"/>
           </a:p>
@@ -2108,7 +2110,7 @@
           <a:p>
             <a:fld id="{514B463D-3EF5-4A22-BC21-7B63AB95E5E7}" type="datetimeFigureOut">
               <a:rPr lang="en-US" smtClean="0"/>
-              <a:t>6/25/2020</a:t>
+              <a:t>6/26/2020</a:t>
             </a:fld>
             <a:endParaRPr lang="en-US"/>
           </a:p>
@@ -2419,7 +2421,7 @@
           <a:p>
             <a:fld id="{514B463D-3EF5-4A22-BC21-7B63AB95E5E7}" type="datetimeFigureOut">
               <a:rPr lang="en-US" smtClean="0"/>
-              <a:t>6/25/2020</a:t>
+              <a:t>6/26/2020</a:t>
             </a:fld>
             <a:endParaRPr lang="en-US"/>
           </a:p>
@@ -2707,7 +2709,7 @@
           <a:p>
             <a:fld id="{514B463D-3EF5-4A22-BC21-7B63AB95E5E7}" type="datetimeFigureOut">
               <a:rPr lang="en-US" smtClean="0"/>
-              <a:t>6/25/2020</a:t>
+              <a:t>6/26/2020</a:t>
             </a:fld>
             <a:endParaRPr lang="en-US"/>
           </a:p>
@@ -2948,7 +2950,7 @@
           <a:p>
             <a:fld id="{514B463D-3EF5-4A22-BC21-7B63AB95E5E7}" type="datetimeFigureOut">
               <a:rPr lang="en-US" smtClean="0"/>
-              <a:t>6/25/2020</a:t>
+              <a:t>6/26/2020</a:t>
             </a:fld>
             <a:endParaRPr lang="en-US"/>
           </a:p>
@@ -5236,15 +5238,15 @@
           </p:spPr>
           <p:style>
             <a:lnRef idx="2">
-              <a:schemeClr val="accent1">
+              <a:schemeClr val="accent6">
                 <a:shade val="50000"/>
               </a:schemeClr>
             </a:lnRef>
             <a:fillRef idx="1">
-              <a:schemeClr val="accent1"/>
+              <a:schemeClr val="accent6"/>
             </a:fillRef>
             <a:effectRef idx="0">
-              <a:schemeClr val="accent1"/>
+              <a:schemeClr val="accent6"/>
             </a:effectRef>
             <a:fontRef idx="minor">
               <a:schemeClr val="lt1"/>
@@ -5284,16 +5286,14 @@
             </a:prstGeom>
           </p:spPr>
           <p:style>
-            <a:lnRef idx="2">
-              <a:schemeClr val="accent1">
-                <a:shade val="50000"/>
-              </a:schemeClr>
+            <a:lnRef idx="3">
+              <a:schemeClr val="lt1"/>
             </a:lnRef>
             <a:fillRef idx="1">
-              <a:schemeClr val="accent1"/>
+              <a:schemeClr val="accent6"/>
             </a:fillRef>
-            <a:effectRef idx="0">
-              <a:schemeClr val="accent1"/>
+            <a:effectRef idx="1">
+              <a:schemeClr val="accent6"/>
             </a:effectRef>
             <a:fontRef idx="minor">
               <a:schemeClr val="lt1"/>
@@ -5562,15 +5562,15 @@
         </p:spPr>
         <p:style>
           <a:lnRef idx="2">
-            <a:schemeClr val="accent1">
+            <a:schemeClr val="accent6">
               <a:shade val="50000"/>
             </a:schemeClr>
           </a:lnRef>
           <a:fillRef idx="1">
-            <a:schemeClr val="accent1"/>
+            <a:schemeClr val="accent6"/>
           </a:fillRef>
           <a:effectRef idx="0">
-            <a:schemeClr val="accent1"/>
+            <a:schemeClr val="accent6"/>
           </a:effectRef>
           <a:fontRef idx="minor">
             <a:schemeClr val="lt1"/>
@@ -5611,17 +5611,17 @@
           </a:prstGeom>
         </p:spPr>
         <p:style>
-          <a:lnRef idx="1">
-            <a:schemeClr val="dk1"/>
+          <a:lnRef idx="3">
+            <a:schemeClr val="lt1"/>
           </a:lnRef>
-          <a:fillRef idx="2">
-            <a:schemeClr val="dk1"/>
+          <a:fillRef idx="1">
+            <a:schemeClr val="accent6"/>
           </a:fillRef>
           <a:effectRef idx="1">
-            <a:schemeClr val="dk1"/>
+            <a:schemeClr val="accent6"/>
           </a:effectRef>
           <a:fontRef idx="minor">
-            <a:schemeClr val="dk1"/>
+            <a:schemeClr val="lt1"/>
           </a:fontRef>
         </p:style>
         <p:txBody>
@@ -5655,17 +5655,17 @@
           </a:prstGeom>
         </p:spPr>
         <p:style>
-          <a:lnRef idx="1">
-            <a:schemeClr val="dk1"/>
+          <a:lnRef idx="3">
+            <a:schemeClr val="lt1"/>
           </a:lnRef>
-          <a:fillRef idx="2">
-            <a:schemeClr val="dk1"/>
+          <a:fillRef idx="1">
+            <a:schemeClr val="accent6"/>
           </a:fillRef>
           <a:effectRef idx="1">
-            <a:schemeClr val="dk1"/>
+            <a:schemeClr val="accent6"/>
           </a:effectRef>
           <a:fontRef idx="minor">
-            <a:schemeClr val="dk1"/>
+            <a:schemeClr val="lt1"/>
           </a:fontRef>
         </p:style>
         <p:txBody>
@@ -5699,17 +5699,17 @@
           </a:prstGeom>
         </p:spPr>
         <p:style>
-          <a:lnRef idx="1">
-            <a:schemeClr val="dk1"/>
+          <a:lnRef idx="3">
+            <a:schemeClr val="lt1"/>
           </a:lnRef>
-          <a:fillRef idx="2">
-            <a:schemeClr val="dk1"/>
+          <a:fillRef idx="1">
+            <a:schemeClr val="accent6"/>
           </a:fillRef>
           <a:effectRef idx="1">
-            <a:schemeClr val="dk1"/>
+            <a:schemeClr val="accent6"/>
           </a:effectRef>
           <a:fontRef idx="minor">
-            <a:schemeClr val="dk1"/>
+            <a:schemeClr val="lt1"/>
           </a:fontRef>
         </p:style>
         <p:txBody>
@@ -5743,17 +5743,17 @@
           </a:prstGeom>
         </p:spPr>
         <p:style>
-          <a:lnRef idx="1">
-            <a:schemeClr val="dk1"/>
+          <a:lnRef idx="3">
+            <a:schemeClr val="lt1"/>
           </a:lnRef>
-          <a:fillRef idx="2">
-            <a:schemeClr val="dk1"/>
+          <a:fillRef idx="1">
+            <a:schemeClr val="accent6"/>
           </a:fillRef>
           <a:effectRef idx="1">
-            <a:schemeClr val="dk1"/>
+            <a:schemeClr val="accent6"/>
           </a:effectRef>
           <a:fontRef idx="minor">
-            <a:schemeClr val="dk1"/>
+            <a:schemeClr val="lt1"/>
           </a:fontRef>
         </p:style>
         <p:txBody>
@@ -5787,17 +5787,17 @@
           </a:prstGeom>
         </p:spPr>
         <p:style>
-          <a:lnRef idx="1">
-            <a:schemeClr val="dk1"/>
+          <a:lnRef idx="3">
+            <a:schemeClr val="lt1"/>
           </a:lnRef>
-          <a:fillRef idx="2">
-            <a:schemeClr val="dk1"/>
+          <a:fillRef idx="1">
+            <a:schemeClr val="accent6"/>
           </a:fillRef>
           <a:effectRef idx="1">
-            <a:schemeClr val="dk1"/>
+            <a:schemeClr val="accent6"/>
           </a:effectRef>
           <a:fontRef idx="minor">
-            <a:schemeClr val="dk1"/>
+            <a:schemeClr val="lt1"/>
           </a:fontRef>
         </p:style>
         <p:txBody>
@@ -6458,7 +6458,7 @@
         </p:nvSpPr>
         <p:spPr>
           <a:xfrm>
-            <a:off x="7546109" y="6078682"/>
+            <a:off x="7184743" y="5860473"/>
             <a:ext cx="2937158" cy="623458"/>
           </a:xfrm>
           <a:prstGeom prst="rect">
@@ -6761,8 +6761,8 @@
         </p:nvSpPr>
         <p:spPr>
           <a:xfrm>
-            <a:off x="-1519381" y="40998"/>
-            <a:ext cx="308266" cy="6776004"/>
+            <a:off x="-1519382" y="-42126"/>
+            <a:ext cx="337127" cy="6776004"/>
           </a:xfrm>
           <a:prstGeom prst="rect">
             <a:avLst/>
@@ -6825,10 +6825,10 @@
       </p:grpSpPr>
       <p:sp>
         <p:nvSpPr>
-          <p:cNvPr id="4" name="Rectangle 3">
-            <a:extLst>
-              <a:ext uri="{FF2B5EF4-FFF2-40B4-BE49-F238E27FC236}">
-                <a16:creationId xmlns:a16="http://schemas.microsoft.com/office/drawing/2014/main" id="{E8EB2CF6-6744-4659-9A3D-E33889B64F05}"/>
+          <p:cNvPr id="9" name="Rectangle 8">
+            <a:extLst>
+              <a:ext uri="{FF2B5EF4-FFF2-40B4-BE49-F238E27FC236}">
+                <a16:creationId xmlns:a16="http://schemas.microsoft.com/office/drawing/2014/main" id="{B46D9659-AD2B-46AD-B544-4CC3A3B90B7F}"/>
               </a:ext>
             </a:extLst>
           </p:cNvPr>
@@ -6837,8 +6837,8 @@
         </p:nvSpPr>
         <p:spPr>
           <a:xfrm>
-            <a:off x="1801091" y="1948873"/>
-            <a:ext cx="1339273" cy="960582"/>
+            <a:off x="2132441" y="588815"/>
+            <a:ext cx="1193801" cy="584202"/>
           </a:xfrm>
           <a:prstGeom prst="rect">
             <a:avLst/>
@@ -6865,16 +6865,19 @@
           <a:lstStyle/>
           <a:p>
             <a:pPr algn="ctr"/>
-            <a:endParaRPr lang="en-US"/>
-          </a:p>
-        </p:txBody>
-      </p:sp>
-      <p:sp>
-        <p:nvSpPr>
-          <p:cNvPr id="5" name="Rectangle 4">
-            <a:extLst>
-              <a:ext uri="{FF2B5EF4-FFF2-40B4-BE49-F238E27FC236}">
-                <a16:creationId xmlns:a16="http://schemas.microsoft.com/office/drawing/2014/main" id="{04C845CF-25FE-4A3E-8589-FDB0D68A6158}"/>
+            <a:r>
+              <a:rPr lang="en-US" dirty="0"/>
+              <a:t>Terraform</a:t>
+            </a:r>
+          </a:p>
+        </p:txBody>
+      </p:sp>
+      <p:sp>
+        <p:nvSpPr>
+          <p:cNvPr id="10" name="Rectangle 9">
+            <a:extLst>
+              <a:ext uri="{FF2B5EF4-FFF2-40B4-BE49-F238E27FC236}">
+                <a16:creationId xmlns:a16="http://schemas.microsoft.com/office/drawing/2014/main" id="{EE740112-B22D-4392-BB01-A75D8479E8D5}"/>
               </a:ext>
             </a:extLst>
           </p:cNvPr>
@@ -6883,10 +6886,902 @@
         </p:nvSpPr>
         <p:spPr>
           <a:xfrm>
-            <a:off x="9180945" y="1948873"/>
-            <a:ext cx="1339273" cy="960582"/>
+            <a:off x="1106925" y="1590934"/>
+            <a:ext cx="1193801" cy="263234"/>
           </a:xfrm>
           <a:prstGeom prst="rect">
+            <a:avLst/>
+          </a:prstGeom>
+        </p:spPr>
+        <p:style>
+          <a:lnRef idx="2">
+            <a:schemeClr val="accent4">
+              <a:shade val="50000"/>
+            </a:schemeClr>
+          </a:lnRef>
+          <a:fillRef idx="1">
+            <a:schemeClr val="accent4"/>
+          </a:fillRef>
+          <a:effectRef idx="0">
+            <a:schemeClr val="accent4"/>
+          </a:effectRef>
+          <a:fontRef idx="minor">
+            <a:schemeClr val="lt1"/>
+          </a:fontRef>
+        </p:style>
+        <p:txBody>
+          <a:bodyPr rtlCol="0" anchor="ctr"/>
+          <a:lstStyle/>
+          <a:p>
+            <a:pPr algn="ctr"/>
+            <a:r>
+              <a:rPr lang="en-US" sz="1200" dirty="0"/>
+              <a:t>Start point (.</a:t>
+            </a:r>
+            <a:r>
+              <a:rPr lang="en-US" sz="1200" dirty="0" err="1"/>
+              <a:t>tf</a:t>
+            </a:r>
+            <a:r>
+              <a:rPr lang="en-US" sz="1200" dirty="0"/>
+              <a:t>)</a:t>
+            </a:r>
+          </a:p>
+        </p:txBody>
+      </p:sp>
+      <p:cxnSp>
+        <p:nvCxnSpPr>
+          <p:cNvPr id="12" name="Straight Arrow Connector 11">
+            <a:extLst>
+              <a:ext uri="{FF2B5EF4-FFF2-40B4-BE49-F238E27FC236}">
+                <a16:creationId xmlns:a16="http://schemas.microsoft.com/office/drawing/2014/main" id="{819A900E-8DB7-406D-87CD-B934CD100AED}"/>
+              </a:ext>
+            </a:extLst>
+          </p:cNvPr>
+          <p:cNvCxnSpPr>
+            <a:cxnSpLocks/>
+            <a:stCxn id="9" idx="2"/>
+            <a:endCxn id="10" idx="0"/>
+          </p:cNvCxnSpPr>
+          <p:nvPr/>
+        </p:nvCxnSpPr>
+        <p:spPr>
+          <a:xfrm flipH="1">
+            <a:off x="1703826" y="1173017"/>
+            <a:ext cx="1025516" cy="417917"/>
+          </a:xfrm>
+          <a:prstGeom prst="straightConnector1">
+            <a:avLst/>
+          </a:prstGeom>
+          <a:ln>
+            <a:tailEnd type="triangle"/>
+          </a:ln>
+        </p:spPr>
+        <p:style>
+          <a:lnRef idx="1">
+            <a:schemeClr val="accent1"/>
+          </a:lnRef>
+          <a:fillRef idx="0">
+            <a:schemeClr val="accent1"/>
+          </a:fillRef>
+          <a:effectRef idx="0">
+            <a:schemeClr val="accent1"/>
+          </a:effectRef>
+          <a:fontRef idx="minor">
+            <a:schemeClr val="tx1"/>
+          </a:fontRef>
+        </p:style>
+      </p:cxnSp>
+      <p:sp>
+        <p:nvSpPr>
+          <p:cNvPr id="15" name="Rectangle 14">
+            <a:extLst>
+              <a:ext uri="{FF2B5EF4-FFF2-40B4-BE49-F238E27FC236}">
+                <a16:creationId xmlns:a16="http://schemas.microsoft.com/office/drawing/2014/main" id="{15F6295D-0F91-4E04-B3CA-9B6838F0B5F2}"/>
+              </a:ext>
+            </a:extLst>
+          </p:cNvPr>
+          <p:cNvSpPr/>
+          <p:nvPr/>
+        </p:nvSpPr>
+        <p:spPr>
+          <a:xfrm>
+            <a:off x="2432636" y="1609407"/>
+            <a:ext cx="1496850" cy="263235"/>
+          </a:xfrm>
+          <a:prstGeom prst="rect">
+            <a:avLst/>
+          </a:prstGeom>
+        </p:spPr>
+        <p:style>
+          <a:lnRef idx="2">
+            <a:schemeClr val="accent4">
+              <a:shade val="50000"/>
+            </a:schemeClr>
+          </a:lnRef>
+          <a:fillRef idx="1">
+            <a:schemeClr val="accent4"/>
+          </a:fillRef>
+          <a:effectRef idx="0">
+            <a:schemeClr val="accent4"/>
+          </a:effectRef>
+          <a:fontRef idx="minor">
+            <a:schemeClr val="lt1"/>
+          </a:fontRef>
+        </p:style>
+        <p:txBody>
+          <a:bodyPr rtlCol="0" anchor="ctr"/>
+          <a:lstStyle/>
+          <a:p>
+            <a:pPr algn="ctr"/>
+            <a:r>
+              <a:rPr lang="en-US" sz="1200" dirty="0"/>
+              <a:t>Start point (.</a:t>
+            </a:r>
+            <a:r>
+              <a:rPr lang="en-US" sz="1200" dirty="0" err="1"/>
+              <a:t>tfvars</a:t>
+            </a:r>
+            <a:r>
+              <a:rPr lang="en-US" sz="1200" dirty="0"/>
+              <a:t>)</a:t>
+            </a:r>
+          </a:p>
+        </p:txBody>
+      </p:sp>
+      <p:cxnSp>
+        <p:nvCxnSpPr>
+          <p:cNvPr id="17" name="Straight Arrow Connector 16">
+            <a:extLst>
+              <a:ext uri="{FF2B5EF4-FFF2-40B4-BE49-F238E27FC236}">
+                <a16:creationId xmlns:a16="http://schemas.microsoft.com/office/drawing/2014/main" id="{0E1324DA-5412-44A7-9E38-1EFD4F9586C3}"/>
+              </a:ext>
+            </a:extLst>
+          </p:cNvPr>
+          <p:cNvCxnSpPr>
+            <a:cxnSpLocks/>
+            <a:stCxn id="9" idx="2"/>
+            <a:endCxn id="15" idx="0"/>
+          </p:cNvCxnSpPr>
+          <p:nvPr/>
+        </p:nvCxnSpPr>
+        <p:spPr>
+          <a:xfrm>
+            <a:off x="2729342" y="1173017"/>
+            <a:ext cx="451719" cy="436390"/>
+          </a:xfrm>
+          <a:prstGeom prst="straightConnector1">
+            <a:avLst/>
+          </a:prstGeom>
+          <a:ln>
+            <a:tailEnd type="triangle"/>
+          </a:ln>
+        </p:spPr>
+        <p:style>
+          <a:lnRef idx="1">
+            <a:schemeClr val="accent1"/>
+          </a:lnRef>
+          <a:fillRef idx="0">
+            <a:schemeClr val="accent1"/>
+          </a:fillRef>
+          <a:effectRef idx="0">
+            <a:schemeClr val="accent1"/>
+          </a:effectRef>
+          <a:fontRef idx="minor">
+            <a:schemeClr val="tx1"/>
+          </a:fontRef>
+        </p:style>
+      </p:cxnSp>
+      <p:grpSp>
+        <p:nvGrpSpPr>
+          <p:cNvPr id="129" name="Group 128">
+            <a:extLst>
+              <a:ext uri="{FF2B5EF4-FFF2-40B4-BE49-F238E27FC236}">
+                <a16:creationId xmlns:a16="http://schemas.microsoft.com/office/drawing/2014/main" id="{07D92A59-4AEE-4A1F-966E-431FBB98D03E}"/>
+              </a:ext>
+            </a:extLst>
+          </p:cNvPr>
+          <p:cNvGrpSpPr/>
+          <p:nvPr/>
+        </p:nvGrpSpPr>
+        <p:grpSpPr>
+          <a:xfrm>
+            <a:off x="3832229" y="1406754"/>
+            <a:ext cx="1433066" cy="697406"/>
+            <a:chOff x="5089236" y="3306619"/>
+            <a:chExt cx="1939636" cy="697406"/>
+          </a:xfrm>
+        </p:grpSpPr>
+        <p:sp>
+          <p:nvSpPr>
+            <p:cNvPr id="18" name="Rectangle 17">
+              <a:extLst>
+                <a:ext uri="{FF2B5EF4-FFF2-40B4-BE49-F238E27FC236}">
+                  <a16:creationId xmlns:a16="http://schemas.microsoft.com/office/drawing/2014/main" id="{92301100-3E34-4B1C-B01E-1F953F7F976F}"/>
+                </a:ext>
+              </a:extLst>
+            </p:cNvPr>
+            <p:cNvSpPr/>
+            <p:nvPr/>
+          </p:nvSpPr>
+          <p:spPr>
+            <a:xfrm>
+              <a:off x="5089236" y="3306619"/>
+              <a:ext cx="1939636" cy="184728"/>
+            </a:xfrm>
+            <a:prstGeom prst="rect">
+              <a:avLst/>
+            </a:prstGeom>
+          </p:spPr>
+          <p:style>
+            <a:lnRef idx="2">
+              <a:schemeClr val="accent1">
+                <a:shade val="50000"/>
+              </a:schemeClr>
+            </a:lnRef>
+            <a:fillRef idx="1">
+              <a:schemeClr val="accent1"/>
+            </a:fillRef>
+            <a:effectRef idx="0">
+              <a:schemeClr val="accent1"/>
+            </a:effectRef>
+            <a:fontRef idx="minor">
+              <a:schemeClr val="lt1"/>
+            </a:fontRef>
+          </p:style>
+          <p:txBody>
+            <a:bodyPr rtlCol="0" anchor="ctr"/>
+            <a:lstStyle/>
+            <a:p>
+              <a:pPr algn="ctr"/>
+              <a:r>
+                <a:rPr lang="en-US" dirty="0" err="1"/>
+                <a:t>Uat.tfvars</a:t>
+              </a:r>
+              <a:endParaRPr lang="en-US" dirty="0"/>
+            </a:p>
+          </p:txBody>
+        </p:sp>
+        <p:sp>
+          <p:nvSpPr>
+            <p:cNvPr id="19" name="Rectangle 18">
+              <a:extLst>
+                <a:ext uri="{FF2B5EF4-FFF2-40B4-BE49-F238E27FC236}">
+                  <a16:creationId xmlns:a16="http://schemas.microsoft.com/office/drawing/2014/main" id="{24587AFC-0B63-4FE7-9779-7D41206372CB}"/>
+                </a:ext>
+              </a:extLst>
+            </p:cNvPr>
+            <p:cNvSpPr/>
+            <p:nvPr/>
+          </p:nvSpPr>
+          <p:spPr>
+            <a:xfrm>
+              <a:off x="5089236" y="3565236"/>
+              <a:ext cx="1939636" cy="184728"/>
+            </a:xfrm>
+            <a:prstGeom prst="rect">
+              <a:avLst/>
+            </a:prstGeom>
+          </p:spPr>
+          <p:style>
+            <a:lnRef idx="2">
+              <a:schemeClr val="accent1">
+                <a:shade val="50000"/>
+              </a:schemeClr>
+            </a:lnRef>
+            <a:fillRef idx="1">
+              <a:schemeClr val="accent1"/>
+            </a:fillRef>
+            <a:effectRef idx="0">
+              <a:schemeClr val="accent1"/>
+            </a:effectRef>
+            <a:fontRef idx="minor">
+              <a:schemeClr val="lt1"/>
+            </a:fontRef>
+          </p:style>
+          <p:txBody>
+            <a:bodyPr rtlCol="0" anchor="ctr"/>
+            <a:lstStyle/>
+            <a:p>
+              <a:pPr algn="ctr"/>
+              <a:r>
+                <a:rPr lang="en-US" dirty="0" err="1"/>
+                <a:t>Dev.tfvars</a:t>
+              </a:r>
+              <a:endParaRPr lang="en-US" dirty="0"/>
+            </a:p>
+          </p:txBody>
+        </p:sp>
+        <p:sp>
+          <p:nvSpPr>
+            <p:cNvPr id="20" name="Rectangle 19">
+              <a:extLst>
+                <a:ext uri="{FF2B5EF4-FFF2-40B4-BE49-F238E27FC236}">
+                  <a16:creationId xmlns:a16="http://schemas.microsoft.com/office/drawing/2014/main" id="{BA96D5EA-3139-4165-AB98-B4C96C7BBDA7}"/>
+                </a:ext>
+              </a:extLst>
+            </p:cNvPr>
+            <p:cNvSpPr/>
+            <p:nvPr/>
+          </p:nvSpPr>
+          <p:spPr>
+            <a:xfrm>
+              <a:off x="5089236" y="3819297"/>
+              <a:ext cx="1939636" cy="184728"/>
+            </a:xfrm>
+            <a:prstGeom prst="rect">
+              <a:avLst/>
+            </a:prstGeom>
+          </p:spPr>
+          <p:style>
+            <a:lnRef idx="2">
+              <a:schemeClr val="accent1">
+                <a:shade val="50000"/>
+              </a:schemeClr>
+            </a:lnRef>
+            <a:fillRef idx="1">
+              <a:schemeClr val="accent1"/>
+            </a:fillRef>
+            <a:effectRef idx="0">
+              <a:schemeClr val="accent1"/>
+            </a:effectRef>
+            <a:fontRef idx="minor">
+              <a:schemeClr val="lt1"/>
+            </a:fontRef>
+          </p:style>
+          <p:txBody>
+            <a:bodyPr rtlCol="0" anchor="ctr"/>
+            <a:lstStyle/>
+            <a:p>
+              <a:pPr algn="ctr"/>
+              <a:r>
+                <a:rPr lang="en-US" dirty="0" err="1"/>
+                <a:t>Prod.tfvar</a:t>
+              </a:r>
+              <a:endParaRPr lang="en-US" dirty="0"/>
+            </a:p>
+          </p:txBody>
+        </p:sp>
+      </p:grpSp>
+      <p:sp>
+        <p:nvSpPr>
+          <p:cNvPr id="24" name="Rectangle 23">
+            <a:extLst>
+              <a:ext uri="{FF2B5EF4-FFF2-40B4-BE49-F238E27FC236}">
+                <a16:creationId xmlns:a16="http://schemas.microsoft.com/office/drawing/2014/main" id="{49E930F3-8AE6-4B6B-AF45-4201C791CA5A}"/>
+              </a:ext>
+            </a:extLst>
+          </p:cNvPr>
+          <p:cNvSpPr/>
+          <p:nvPr/>
+        </p:nvSpPr>
+        <p:spPr>
+          <a:xfrm>
+            <a:off x="672831" y="2401132"/>
+            <a:ext cx="1302328" cy="260878"/>
+          </a:xfrm>
+          <a:prstGeom prst="rect">
+            <a:avLst/>
+          </a:prstGeom>
+        </p:spPr>
+        <p:style>
+          <a:lnRef idx="2">
+            <a:schemeClr val="accent6">
+              <a:shade val="50000"/>
+            </a:schemeClr>
+          </a:lnRef>
+          <a:fillRef idx="1">
+            <a:schemeClr val="accent6"/>
+          </a:fillRef>
+          <a:effectRef idx="0">
+            <a:schemeClr val="accent6"/>
+          </a:effectRef>
+          <a:fontRef idx="minor">
+            <a:schemeClr val="lt1"/>
+          </a:fontRef>
+        </p:style>
+        <p:txBody>
+          <a:bodyPr rtlCol="0" anchor="ctr"/>
+          <a:lstStyle/>
+          <a:p>
+            <a:pPr algn="ctr"/>
+            <a:r>
+              <a:rPr lang="en-US" dirty="0"/>
+              <a:t>Provider  ? </a:t>
+            </a:r>
+          </a:p>
+        </p:txBody>
+      </p:sp>
+      <p:grpSp>
+        <p:nvGrpSpPr>
+          <p:cNvPr id="49" name="Group 48">
+            <a:extLst>
+              <a:ext uri="{FF2B5EF4-FFF2-40B4-BE49-F238E27FC236}">
+                <a16:creationId xmlns:a16="http://schemas.microsoft.com/office/drawing/2014/main" id="{502C55B1-9796-4F07-8F84-394639FA0300}"/>
+              </a:ext>
+            </a:extLst>
+          </p:cNvPr>
+          <p:cNvGrpSpPr/>
+          <p:nvPr/>
+        </p:nvGrpSpPr>
+        <p:grpSpPr>
+          <a:xfrm>
+            <a:off x="373783" y="2662009"/>
+            <a:ext cx="3618345" cy="2482646"/>
+            <a:chOff x="461818" y="2001609"/>
+            <a:chExt cx="3618345" cy="2482646"/>
+          </a:xfrm>
+        </p:grpSpPr>
+        <p:sp>
+          <p:nvSpPr>
+            <p:cNvPr id="25" name="Rectangle 24">
+              <a:extLst>
+                <a:ext uri="{FF2B5EF4-FFF2-40B4-BE49-F238E27FC236}">
+                  <a16:creationId xmlns:a16="http://schemas.microsoft.com/office/drawing/2014/main" id="{8D10DE80-118F-42F8-B96C-6BCC3FDD8756}"/>
+                </a:ext>
+              </a:extLst>
+            </p:cNvPr>
+            <p:cNvSpPr/>
+            <p:nvPr/>
+          </p:nvSpPr>
+          <p:spPr>
+            <a:xfrm>
+              <a:off x="461818" y="4184073"/>
+              <a:ext cx="535709" cy="300182"/>
+            </a:xfrm>
+            <a:prstGeom prst="rect">
+              <a:avLst/>
+            </a:prstGeom>
+          </p:spPr>
+          <p:style>
+            <a:lnRef idx="2">
+              <a:schemeClr val="accent1">
+                <a:shade val="50000"/>
+              </a:schemeClr>
+            </a:lnRef>
+            <a:fillRef idx="1">
+              <a:schemeClr val="accent1"/>
+            </a:fillRef>
+            <a:effectRef idx="0">
+              <a:schemeClr val="accent1"/>
+            </a:effectRef>
+            <a:fontRef idx="minor">
+              <a:schemeClr val="lt1"/>
+            </a:fontRef>
+          </p:style>
+          <p:txBody>
+            <a:bodyPr rtlCol="0" anchor="ctr"/>
+            <a:lstStyle/>
+            <a:p>
+              <a:pPr algn="ctr"/>
+              <a:r>
+                <a:rPr lang="en-US" sz="1400" dirty="0" err="1"/>
+                <a:t>aws</a:t>
+              </a:r>
+              <a:endParaRPr lang="en-US" sz="1400" dirty="0"/>
+            </a:p>
+          </p:txBody>
+        </p:sp>
+        <p:sp>
+          <p:nvSpPr>
+            <p:cNvPr id="26" name="Rectangle 25">
+              <a:extLst>
+                <a:ext uri="{FF2B5EF4-FFF2-40B4-BE49-F238E27FC236}">
+                  <a16:creationId xmlns:a16="http://schemas.microsoft.com/office/drawing/2014/main" id="{9D2B0462-B41E-4FFC-A6B0-07BD125BE90A}"/>
+                </a:ext>
+              </a:extLst>
+            </p:cNvPr>
+            <p:cNvSpPr/>
+            <p:nvPr/>
+          </p:nvSpPr>
+          <p:spPr>
+            <a:xfrm>
+              <a:off x="1249217" y="4184073"/>
+              <a:ext cx="535709" cy="300182"/>
+            </a:xfrm>
+            <a:prstGeom prst="rect">
+              <a:avLst/>
+            </a:prstGeom>
+          </p:spPr>
+          <p:style>
+            <a:lnRef idx="2">
+              <a:schemeClr val="accent1">
+                <a:shade val="50000"/>
+              </a:schemeClr>
+            </a:lnRef>
+            <a:fillRef idx="1">
+              <a:schemeClr val="accent1"/>
+            </a:fillRef>
+            <a:effectRef idx="0">
+              <a:schemeClr val="accent1"/>
+            </a:effectRef>
+            <a:fontRef idx="minor">
+              <a:schemeClr val="lt1"/>
+            </a:fontRef>
+          </p:style>
+          <p:txBody>
+            <a:bodyPr rtlCol="0" anchor="ctr"/>
+            <a:lstStyle/>
+            <a:p>
+              <a:pPr algn="ctr"/>
+              <a:endParaRPr lang="en-US"/>
+            </a:p>
+          </p:txBody>
+        </p:sp>
+        <p:sp>
+          <p:nvSpPr>
+            <p:cNvPr id="27" name="Rectangle 26">
+              <a:extLst>
+                <a:ext uri="{FF2B5EF4-FFF2-40B4-BE49-F238E27FC236}">
+                  <a16:creationId xmlns:a16="http://schemas.microsoft.com/office/drawing/2014/main" id="{63840FD0-D924-404B-82FE-259FAC3A9D77}"/>
+                </a:ext>
+              </a:extLst>
+            </p:cNvPr>
+            <p:cNvSpPr/>
+            <p:nvPr/>
+          </p:nvSpPr>
+          <p:spPr>
+            <a:xfrm>
+              <a:off x="2036616" y="4184073"/>
+              <a:ext cx="535709" cy="300182"/>
+            </a:xfrm>
+            <a:prstGeom prst="rect">
+              <a:avLst/>
+            </a:prstGeom>
+          </p:spPr>
+          <p:style>
+            <a:lnRef idx="2">
+              <a:schemeClr val="accent1">
+                <a:shade val="50000"/>
+              </a:schemeClr>
+            </a:lnRef>
+            <a:fillRef idx="1">
+              <a:schemeClr val="accent1"/>
+            </a:fillRef>
+            <a:effectRef idx="0">
+              <a:schemeClr val="accent1"/>
+            </a:effectRef>
+            <a:fontRef idx="minor">
+              <a:schemeClr val="lt1"/>
+            </a:fontRef>
+          </p:style>
+          <p:txBody>
+            <a:bodyPr rtlCol="0" anchor="ctr"/>
+            <a:lstStyle/>
+            <a:p>
+              <a:pPr algn="ctr"/>
+              <a:endParaRPr lang="en-US"/>
+            </a:p>
+          </p:txBody>
+        </p:sp>
+        <p:sp>
+          <p:nvSpPr>
+            <p:cNvPr id="28" name="Rectangle 27">
+              <a:extLst>
+                <a:ext uri="{FF2B5EF4-FFF2-40B4-BE49-F238E27FC236}">
+                  <a16:creationId xmlns:a16="http://schemas.microsoft.com/office/drawing/2014/main" id="{FDFFF3BB-84FF-458C-9325-190B0A16B124}"/>
+                </a:ext>
+              </a:extLst>
+            </p:cNvPr>
+            <p:cNvSpPr/>
+            <p:nvPr/>
+          </p:nvSpPr>
+          <p:spPr>
+            <a:xfrm>
+              <a:off x="2824015" y="4184073"/>
+              <a:ext cx="535709" cy="300182"/>
+            </a:xfrm>
+            <a:prstGeom prst="rect">
+              <a:avLst/>
+            </a:prstGeom>
+          </p:spPr>
+          <p:style>
+            <a:lnRef idx="2">
+              <a:schemeClr val="accent1">
+                <a:shade val="50000"/>
+              </a:schemeClr>
+            </a:lnRef>
+            <a:fillRef idx="1">
+              <a:schemeClr val="accent1"/>
+            </a:fillRef>
+            <a:effectRef idx="0">
+              <a:schemeClr val="accent1"/>
+            </a:effectRef>
+            <a:fontRef idx="minor">
+              <a:schemeClr val="lt1"/>
+            </a:fontRef>
+          </p:style>
+          <p:txBody>
+            <a:bodyPr rtlCol="0" anchor="ctr"/>
+            <a:lstStyle/>
+            <a:p>
+              <a:pPr algn="ctr"/>
+              <a:endParaRPr lang="en-US"/>
+            </a:p>
+          </p:txBody>
+        </p:sp>
+        <p:sp>
+          <p:nvSpPr>
+            <p:cNvPr id="29" name="Rectangle 28">
+              <a:extLst>
+                <a:ext uri="{FF2B5EF4-FFF2-40B4-BE49-F238E27FC236}">
+                  <a16:creationId xmlns:a16="http://schemas.microsoft.com/office/drawing/2014/main" id="{E62A7C75-43F8-489F-A7F2-237EC74B1BF4}"/>
+                </a:ext>
+              </a:extLst>
+            </p:cNvPr>
+            <p:cNvSpPr/>
+            <p:nvPr/>
+          </p:nvSpPr>
+          <p:spPr>
+            <a:xfrm>
+              <a:off x="3544454" y="4184073"/>
+              <a:ext cx="535709" cy="300182"/>
+            </a:xfrm>
+            <a:prstGeom prst="rect">
+              <a:avLst/>
+            </a:prstGeom>
+          </p:spPr>
+          <p:style>
+            <a:lnRef idx="2">
+              <a:schemeClr val="accent1">
+                <a:shade val="50000"/>
+              </a:schemeClr>
+            </a:lnRef>
+            <a:fillRef idx="1">
+              <a:schemeClr val="accent1"/>
+            </a:fillRef>
+            <a:effectRef idx="0">
+              <a:schemeClr val="accent1"/>
+            </a:effectRef>
+            <a:fontRef idx="minor">
+              <a:schemeClr val="lt1"/>
+            </a:fontRef>
+          </p:style>
+          <p:txBody>
+            <a:bodyPr rtlCol="0" anchor="ctr"/>
+            <a:lstStyle/>
+            <a:p>
+              <a:pPr algn="ctr"/>
+              <a:endParaRPr lang="en-US"/>
+            </a:p>
+          </p:txBody>
+        </p:sp>
+        <p:cxnSp>
+          <p:nvCxnSpPr>
+            <p:cNvPr id="31" name="Connector: Elbow 30">
+              <a:extLst>
+                <a:ext uri="{FF2B5EF4-FFF2-40B4-BE49-F238E27FC236}">
+                  <a16:creationId xmlns:a16="http://schemas.microsoft.com/office/drawing/2014/main" id="{EDD9AAA3-0AE7-4123-9949-DBD32C5D17F8}"/>
+                </a:ext>
+              </a:extLst>
+            </p:cNvPr>
+            <p:cNvCxnSpPr>
+              <a:cxnSpLocks/>
+              <a:stCxn id="24" idx="2"/>
+              <a:endCxn id="25" idx="0"/>
+            </p:cNvCxnSpPr>
+            <p:nvPr/>
+          </p:nvCxnSpPr>
+          <p:spPr>
+            <a:xfrm rot="5400000">
+              <a:off x="-20379" y="2751663"/>
+              <a:ext cx="2182463" cy="682357"/>
+            </a:xfrm>
+            <a:prstGeom prst="bentConnector3">
+              <a:avLst>
+                <a:gd name="adj1" fmla="val 50000"/>
+              </a:avLst>
+            </a:prstGeom>
+            <a:ln>
+              <a:tailEnd type="triangle"/>
+            </a:ln>
+          </p:spPr>
+          <p:style>
+            <a:lnRef idx="1">
+              <a:schemeClr val="accent1"/>
+            </a:lnRef>
+            <a:fillRef idx="0">
+              <a:schemeClr val="accent1"/>
+            </a:fillRef>
+            <a:effectRef idx="0">
+              <a:schemeClr val="accent1"/>
+            </a:effectRef>
+            <a:fontRef idx="minor">
+              <a:schemeClr val="tx1"/>
+            </a:fontRef>
+          </p:style>
+        </p:cxnSp>
+        <p:cxnSp>
+          <p:nvCxnSpPr>
+            <p:cNvPr id="34" name="Connector: Elbow 33">
+              <a:extLst>
+                <a:ext uri="{FF2B5EF4-FFF2-40B4-BE49-F238E27FC236}">
+                  <a16:creationId xmlns:a16="http://schemas.microsoft.com/office/drawing/2014/main" id="{B0A032A6-4F08-4C71-A10B-EFD80816F1E3}"/>
+                </a:ext>
+              </a:extLst>
+            </p:cNvPr>
+            <p:cNvCxnSpPr>
+              <a:cxnSpLocks/>
+              <a:stCxn id="24" idx="2"/>
+              <a:endCxn id="26" idx="0"/>
+            </p:cNvCxnSpPr>
+            <p:nvPr/>
+          </p:nvCxnSpPr>
+          <p:spPr>
+            <a:xfrm rot="16200000" flipH="1">
+              <a:off x="373320" y="3040320"/>
+              <a:ext cx="2182463" cy="105042"/>
+            </a:xfrm>
+            <a:prstGeom prst="bentConnector3">
+              <a:avLst/>
+            </a:prstGeom>
+            <a:ln>
+              <a:tailEnd type="triangle"/>
+            </a:ln>
+          </p:spPr>
+          <p:style>
+            <a:lnRef idx="1">
+              <a:schemeClr val="accent1"/>
+            </a:lnRef>
+            <a:fillRef idx="0">
+              <a:schemeClr val="accent1"/>
+            </a:fillRef>
+            <a:effectRef idx="0">
+              <a:schemeClr val="accent1"/>
+            </a:effectRef>
+            <a:fontRef idx="minor">
+              <a:schemeClr val="tx1"/>
+            </a:fontRef>
+          </p:style>
+        </p:cxnSp>
+        <p:cxnSp>
+          <p:nvCxnSpPr>
+            <p:cNvPr id="36" name="Connector: Elbow 35">
+              <a:extLst>
+                <a:ext uri="{FF2B5EF4-FFF2-40B4-BE49-F238E27FC236}">
+                  <a16:creationId xmlns:a16="http://schemas.microsoft.com/office/drawing/2014/main" id="{079C4E3B-3CDD-42CF-80E5-9FBC641ECB66}"/>
+                </a:ext>
+              </a:extLst>
+            </p:cNvPr>
+            <p:cNvCxnSpPr>
+              <a:cxnSpLocks/>
+              <a:stCxn id="24" idx="2"/>
+              <a:endCxn id="27" idx="0"/>
+            </p:cNvCxnSpPr>
+            <p:nvPr/>
+          </p:nvCxnSpPr>
+          <p:spPr>
+            <a:xfrm rot="16200000" flipH="1">
+              <a:off x="767019" y="2646620"/>
+              <a:ext cx="2182463" cy="892441"/>
+            </a:xfrm>
+            <a:prstGeom prst="bentConnector3">
+              <a:avLst/>
+            </a:prstGeom>
+            <a:ln>
+              <a:tailEnd type="triangle"/>
+            </a:ln>
+          </p:spPr>
+          <p:style>
+            <a:lnRef idx="1">
+              <a:schemeClr val="accent1"/>
+            </a:lnRef>
+            <a:fillRef idx="0">
+              <a:schemeClr val="accent1"/>
+            </a:fillRef>
+            <a:effectRef idx="0">
+              <a:schemeClr val="accent1"/>
+            </a:effectRef>
+            <a:fontRef idx="minor">
+              <a:schemeClr val="tx1"/>
+            </a:fontRef>
+          </p:style>
+        </p:cxnSp>
+        <p:cxnSp>
+          <p:nvCxnSpPr>
+            <p:cNvPr id="38" name="Connector: Elbow 37">
+              <a:extLst>
+                <a:ext uri="{FF2B5EF4-FFF2-40B4-BE49-F238E27FC236}">
+                  <a16:creationId xmlns:a16="http://schemas.microsoft.com/office/drawing/2014/main" id="{2DBF1F64-DF1E-4C1B-9CBF-BD84F2AD6D78}"/>
+                </a:ext>
+              </a:extLst>
+            </p:cNvPr>
+            <p:cNvCxnSpPr>
+              <a:cxnSpLocks/>
+              <a:stCxn id="24" idx="2"/>
+              <a:endCxn id="28" idx="0"/>
+            </p:cNvCxnSpPr>
+            <p:nvPr/>
+          </p:nvCxnSpPr>
+          <p:spPr>
+            <a:xfrm rot="16200000" flipH="1">
+              <a:off x="1160719" y="2252921"/>
+              <a:ext cx="2182463" cy="1679840"/>
+            </a:xfrm>
+            <a:prstGeom prst="bentConnector3">
+              <a:avLst/>
+            </a:prstGeom>
+            <a:ln>
+              <a:tailEnd type="triangle"/>
+            </a:ln>
+          </p:spPr>
+          <p:style>
+            <a:lnRef idx="1">
+              <a:schemeClr val="accent1"/>
+            </a:lnRef>
+            <a:fillRef idx="0">
+              <a:schemeClr val="accent1"/>
+            </a:fillRef>
+            <a:effectRef idx="0">
+              <a:schemeClr val="accent1"/>
+            </a:effectRef>
+            <a:fontRef idx="minor">
+              <a:schemeClr val="tx1"/>
+            </a:fontRef>
+          </p:style>
+        </p:cxnSp>
+        <p:cxnSp>
+          <p:nvCxnSpPr>
+            <p:cNvPr id="40" name="Connector: Elbow 39">
+              <a:extLst>
+                <a:ext uri="{FF2B5EF4-FFF2-40B4-BE49-F238E27FC236}">
+                  <a16:creationId xmlns:a16="http://schemas.microsoft.com/office/drawing/2014/main" id="{F3A8EC81-1ED4-4378-9785-78CBA1767830}"/>
+                </a:ext>
+              </a:extLst>
+            </p:cNvPr>
+            <p:cNvCxnSpPr>
+              <a:cxnSpLocks/>
+              <a:stCxn id="24" idx="2"/>
+              <a:endCxn id="29" idx="0"/>
+            </p:cNvCxnSpPr>
+            <p:nvPr/>
+          </p:nvCxnSpPr>
+          <p:spPr>
+            <a:xfrm rot="16200000" flipH="1">
+              <a:off x="1520938" y="1892701"/>
+              <a:ext cx="2182463" cy="2400279"/>
+            </a:xfrm>
+            <a:prstGeom prst="bentConnector3">
+              <a:avLst/>
+            </a:prstGeom>
+            <a:ln>
+              <a:tailEnd type="triangle"/>
+            </a:ln>
+          </p:spPr>
+          <p:style>
+            <a:lnRef idx="1">
+              <a:schemeClr val="accent1"/>
+            </a:lnRef>
+            <a:fillRef idx="0">
+              <a:schemeClr val="accent1"/>
+            </a:fillRef>
+            <a:effectRef idx="0">
+              <a:schemeClr val="accent1"/>
+            </a:effectRef>
+            <a:fontRef idx="minor">
+              <a:schemeClr val="tx1"/>
+            </a:fontRef>
+          </p:style>
+        </p:cxnSp>
+      </p:grpSp>
+      <p:sp>
+        <p:nvSpPr>
+          <p:cNvPr id="41" name="Thought Bubble: Cloud 40">
+            <a:extLst>
+              <a:ext uri="{FF2B5EF4-FFF2-40B4-BE49-F238E27FC236}">
+                <a16:creationId xmlns:a16="http://schemas.microsoft.com/office/drawing/2014/main" id="{5FF7934B-A16B-4C7E-8354-4CDB23EE6FDA}"/>
+              </a:ext>
+            </a:extLst>
+          </p:cNvPr>
+          <p:cNvSpPr/>
+          <p:nvPr/>
+        </p:nvSpPr>
+        <p:spPr>
+          <a:xfrm>
+            <a:off x="378691" y="5735782"/>
+            <a:ext cx="1302327" cy="803563"/>
+          </a:xfrm>
+          <a:prstGeom prst="cloudCallout">
             <a:avLst/>
           </a:prstGeom>
         </p:spPr>
@@ -6911,16 +7806,61 @@
           <a:lstStyle/>
           <a:p>
             <a:pPr algn="ctr"/>
-            <a:endParaRPr lang="en-US"/>
-          </a:p>
-        </p:txBody>
-      </p:sp>
-      <p:sp>
-        <p:nvSpPr>
-          <p:cNvPr id="6" name="Rectangle 5">
-            <a:extLst>
-              <a:ext uri="{FF2B5EF4-FFF2-40B4-BE49-F238E27FC236}">
-                <a16:creationId xmlns:a16="http://schemas.microsoft.com/office/drawing/2014/main" id="{8B2B6697-2311-4730-A6CC-2CAE89D08285}"/>
+            <a:r>
+              <a:rPr lang="en-US" dirty="0"/>
+              <a:t>Repo</a:t>
+            </a:r>
+          </a:p>
+        </p:txBody>
+      </p:sp>
+      <p:cxnSp>
+        <p:nvCxnSpPr>
+          <p:cNvPr id="43" name="Connector: Elbow 42">
+            <a:extLst>
+              <a:ext uri="{FF2B5EF4-FFF2-40B4-BE49-F238E27FC236}">
+                <a16:creationId xmlns:a16="http://schemas.microsoft.com/office/drawing/2014/main" id="{709AF927-D7D4-447E-8B1B-660FECDA04D8}"/>
+              </a:ext>
+            </a:extLst>
+          </p:cNvPr>
+          <p:cNvCxnSpPr>
+            <a:cxnSpLocks/>
+            <a:stCxn id="25" idx="2"/>
+          </p:cNvCxnSpPr>
+          <p:nvPr/>
+        </p:nvCxnSpPr>
+        <p:spPr>
+          <a:xfrm rot="16200000" flipH="1">
+            <a:off x="780303" y="5005989"/>
+            <a:ext cx="117525" cy="394855"/>
+          </a:xfrm>
+          <a:prstGeom prst="bentConnector3">
+            <a:avLst/>
+          </a:prstGeom>
+          <a:ln>
+            <a:tailEnd type="triangle"/>
+          </a:ln>
+        </p:spPr>
+        <p:style>
+          <a:lnRef idx="1">
+            <a:schemeClr val="accent1"/>
+          </a:lnRef>
+          <a:fillRef idx="0">
+            <a:schemeClr val="accent1"/>
+          </a:fillRef>
+          <a:effectRef idx="0">
+            <a:schemeClr val="accent1"/>
+          </a:effectRef>
+          <a:fontRef idx="minor">
+            <a:schemeClr val="tx1"/>
+          </a:fontRef>
+        </p:style>
+      </p:cxnSp>
+      <p:sp>
+        <p:nvSpPr>
+          <p:cNvPr id="44" name="Rectangle 43">
+            <a:extLst>
+              <a:ext uri="{FF2B5EF4-FFF2-40B4-BE49-F238E27FC236}">
+                <a16:creationId xmlns:a16="http://schemas.microsoft.com/office/drawing/2014/main" id="{35B0AC57-F47B-42FE-9A5E-54A9DB6B2A76}"/>
               </a:ext>
             </a:extLst>
           </p:cNvPr>
@@ -6929,8 +7869,8 @@
         </p:nvSpPr>
         <p:spPr>
           <a:xfrm>
-            <a:off x="1801091" y="3611419"/>
-            <a:ext cx="1339273" cy="960582"/>
+            <a:off x="60615" y="1052363"/>
+            <a:ext cx="914400" cy="1094509"/>
           </a:xfrm>
           <a:prstGeom prst="rect">
             <a:avLst/>
@@ -6957,487 +7897,59 @@
           <a:lstStyle/>
           <a:p>
             <a:pPr algn="ctr"/>
-            <a:endParaRPr lang="en-US"/>
-          </a:p>
-        </p:txBody>
-      </p:sp>
-      <p:sp>
-        <p:nvSpPr>
-          <p:cNvPr id="7" name="Rectangle 6">
-            <a:extLst>
-              <a:ext uri="{FF2B5EF4-FFF2-40B4-BE49-F238E27FC236}">
-                <a16:creationId xmlns:a16="http://schemas.microsoft.com/office/drawing/2014/main" id="{3A3E4F28-FAF8-46DE-BF34-AB14706A1486}"/>
-              </a:ext>
-            </a:extLst>
-          </p:cNvPr>
-          <p:cNvSpPr/>
-          <p:nvPr/>
-        </p:nvSpPr>
-        <p:spPr>
-          <a:xfrm>
-            <a:off x="1801090" y="5273965"/>
-            <a:ext cx="1339273" cy="960582"/>
-          </a:xfrm>
-          <a:prstGeom prst="rect">
-            <a:avLst/>
-          </a:prstGeom>
-        </p:spPr>
-        <p:style>
-          <a:lnRef idx="2">
-            <a:schemeClr val="accent1">
-              <a:shade val="50000"/>
-            </a:schemeClr>
-          </a:lnRef>
-          <a:fillRef idx="1">
-            <a:schemeClr val="accent1"/>
-          </a:fillRef>
-          <a:effectRef idx="0">
-            <a:schemeClr val="accent1"/>
-          </a:effectRef>
-          <a:fontRef idx="minor">
-            <a:schemeClr val="lt1"/>
-          </a:fontRef>
-        </p:style>
-        <p:txBody>
-          <a:bodyPr rtlCol="0" anchor="ctr"/>
-          <a:lstStyle/>
+            <a:r>
+              <a:rPr lang="en-US" sz="1200" dirty="0"/>
+              <a:t>AWS</a:t>
+            </a:r>
+          </a:p>
           <a:p>
             <a:pPr algn="ctr"/>
-            <a:endParaRPr lang="en-US"/>
-          </a:p>
-        </p:txBody>
-      </p:sp>
-      <p:sp>
-        <p:nvSpPr>
-          <p:cNvPr id="8" name="Rectangle 7">
-            <a:extLst>
-              <a:ext uri="{FF2B5EF4-FFF2-40B4-BE49-F238E27FC236}">
-                <a16:creationId xmlns:a16="http://schemas.microsoft.com/office/drawing/2014/main" id="{B6176296-083E-4FE4-8957-1890223DA1FF}"/>
-              </a:ext>
-            </a:extLst>
-          </p:cNvPr>
-          <p:cNvSpPr/>
-          <p:nvPr/>
-        </p:nvSpPr>
-        <p:spPr>
-          <a:xfrm>
-            <a:off x="1801090" y="286327"/>
-            <a:ext cx="1339273" cy="960582"/>
-          </a:xfrm>
-          <a:prstGeom prst="rect">
-            <a:avLst/>
-          </a:prstGeom>
-        </p:spPr>
-        <p:style>
-          <a:lnRef idx="2">
-            <a:schemeClr val="accent1">
-              <a:shade val="50000"/>
-            </a:schemeClr>
-          </a:lnRef>
-          <a:fillRef idx="1">
-            <a:schemeClr val="accent1"/>
-          </a:fillRef>
-          <a:effectRef idx="0">
-            <a:schemeClr val="accent1"/>
-          </a:effectRef>
-          <a:fontRef idx="minor">
-            <a:schemeClr val="lt1"/>
-          </a:fontRef>
-        </p:style>
-        <p:txBody>
-          <a:bodyPr rtlCol="0" anchor="ctr"/>
-          <a:lstStyle/>
+            <a:r>
+              <a:rPr lang="en-US" sz="1200" dirty="0"/>
+              <a:t>Provider</a:t>
+            </a:r>
+          </a:p>
           <a:p>
             <a:pPr algn="ctr"/>
-            <a:endParaRPr lang="en-US"/>
-          </a:p>
-        </p:txBody>
-      </p:sp>
-      <p:sp>
-        <p:nvSpPr>
-          <p:cNvPr id="9" name="Rectangle 8">
-            <a:extLst>
-              <a:ext uri="{FF2B5EF4-FFF2-40B4-BE49-F238E27FC236}">
-                <a16:creationId xmlns:a16="http://schemas.microsoft.com/office/drawing/2014/main" id="{4CBE0B4F-0F7A-4847-9F18-4AA24FCC9914}"/>
-              </a:ext>
-            </a:extLst>
-          </p:cNvPr>
-          <p:cNvSpPr/>
-          <p:nvPr/>
-        </p:nvSpPr>
-        <p:spPr>
-          <a:xfrm>
-            <a:off x="9051637" y="249382"/>
-            <a:ext cx="1339273" cy="960582"/>
-          </a:xfrm>
-          <a:prstGeom prst="rect">
-            <a:avLst/>
-          </a:prstGeom>
-        </p:spPr>
-        <p:style>
-          <a:lnRef idx="2">
-            <a:schemeClr val="accent1">
-              <a:shade val="50000"/>
-            </a:schemeClr>
-          </a:lnRef>
-          <a:fillRef idx="1">
-            <a:schemeClr val="accent1"/>
-          </a:fillRef>
-          <a:effectRef idx="0">
-            <a:schemeClr val="accent1"/>
-          </a:effectRef>
-          <a:fontRef idx="minor">
-            <a:schemeClr val="lt1"/>
-          </a:fontRef>
-        </p:style>
-        <p:txBody>
-          <a:bodyPr rtlCol="0" anchor="ctr"/>
-          <a:lstStyle/>
+            <a:r>
+              <a:rPr lang="en-US" sz="1200" dirty="0"/>
+              <a:t>Plugin</a:t>
+            </a:r>
+          </a:p>
           <a:p>
             <a:pPr algn="ctr"/>
-            <a:endParaRPr lang="en-US"/>
-          </a:p>
-        </p:txBody>
-      </p:sp>
-      <p:sp>
-        <p:nvSpPr>
-          <p:cNvPr id="10" name="Rectangle 9">
-            <a:extLst>
-              <a:ext uri="{FF2B5EF4-FFF2-40B4-BE49-F238E27FC236}">
-                <a16:creationId xmlns:a16="http://schemas.microsoft.com/office/drawing/2014/main" id="{0DC833A0-2CEF-4627-B2A6-B377D2138ACA}"/>
-              </a:ext>
-            </a:extLst>
-          </p:cNvPr>
-          <p:cNvSpPr/>
-          <p:nvPr/>
-        </p:nvSpPr>
-        <p:spPr>
-          <a:xfrm>
-            <a:off x="1671782" y="-1413164"/>
-            <a:ext cx="1339273" cy="960582"/>
-          </a:xfrm>
-          <a:prstGeom prst="rect">
-            <a:avLst/>
-          </a:prstGeom>
-        </p:spPr>
-        <p:style>
-          <a:lnRef idx="2">
-            <a:schemeClr val="accent1">
-              <a:shade val="50000"/>
-            </a:schemeClr>
-          </a:lnRef>
-          <a:fillRef idx="1">
-            <a:schemeClr val="accent1"/>
-          </a:fillRef>
-          <a:effectRef idx="0">
-            <a:schemeClr val="accent1"/>
-          </a:effectRef>
-          <a:fontRef idx="minor">
-            <a:schemeClr val="lt1"/>
-          </a:fontRef>
-        </p:style>
-        <p:txBody>
-          <a:bodyPr rtlCol="0" anchor="ctr"/>
-          <a:lstStyle/>
-          <a:p>
-            <a:pPr algn="ctr"/>
-            <a:endParaRPr lang="en-US"/>
-          </a:p>
-        </p:txBody>
-      </p:sp>
-      <p:sp>
-        <p:nvSpPr>
-          <p:cNvPr id="13" name="Rectangle 12">
-            <a:extLst>
-              <a:ext uri="{FF2B5EF4-FFF2-40B4-BE49-F238E27FC236}">
-                <a16:creationId xmlns:a16="http://schemas.microsoft.com/office/drawing/2014/main" id="{B036B0BA-20E3-4F1E-AAD2-4D737826707D}"/>
-              </a:ext>
-            </a:extLst>
-          </p:cNvPr>
-          <p:cNvSpPr/>
-          <p:nvPr/>
-        </p:nvSpPr>
-        <p:spPr>
-          <a:xfrm>
-            <a:off x="9254836" y="5098472"/>
-            <a:ext cx="1339273" cy="960582"/>
-          </a:xfrm>
-          <a:prstGeom prst="rect">
-            <a:avLst/>
-          </a:prstGeom>
-        </p:spPr>
-        <p:style>
-          <a:lnRef idx="2">
-            <a:schemeClr val="accent1">
-              <a:shade val="50000"/>
-            </a:schemeClr>
-          </a:lnRef>
-          <a:fillRef idx="1">
-            <a:schemeClr val="accent1"/>
-          </a:fillRef>
-          <a:effectRef idx="0">
-            <a:schemeClr val="accent1"/>
-          </a:effectRef>
-          <a:fontRef idx="minor">
-            <a:schemeClr val="lt1"/>
-          </a:fontRef>
-        </p:style>
-        <p:txBody>
-          <a:bodyPr rtlCol="0" anchor="ctr"/>
-          <a:lstStyle/>
-          <a:p>
-            <a:pPr algn="ctr"/>
-            <a:endParaRPr lang="en-US"/>
-          </a:p>
-        </p:txBody>
-      </p:sp>
-      <p:sp>
-        <p:nvSpPr>
-          <p:cNvPr id="14" name="Rectangle 13">
-            <a:extLst>
-              <a:ext uri="{FF2B5EF4-FFF2-40B4-BE49-F238E27FC236}">
-                <a16:creationId xmlns:a16="http://schemas.microsoft.com/office/drawing/2014/main" id="{4F867152-8A33-4F9D-8BB0-0A0CF6CE891A}"/>
-              </a:ext>
-            </a:extLst>
-          </p:cNvPr>
-          <p:cNvSpPr/>
-          <p:nvPr/>
-        </p:nvSpPr>
-        <p:spPr>
-          <a:xfrm>
-            <a:off x="1801090" y="-1376219"/>
-            <a:ext cx="1339273" cy="960582"/>
-          </a:xfrm>
-          <a:prstGeom prst="rect">
-            <a:avLst/>
-          </a:prstGeom>
-        </p:spPr>
-        <p:style>
-          <a:lnRef idx="2">
-            <a:schemeClr val="accent1">
-              <a:shade val="50000"/>
-            </a:schemeClr>
-          </a:lnRef>
-          <a:fillRef idx="1">
-            <a:schemeClr val="accent1"/>
-          </a:fillRef>
-          <a:effectRef idx="0">
-            <a:schemeClr val="accent1"/>
-          </a:effectRef>
-          <a:fontRef idx="minor">
-            <a:schemeClr val="lt1"/>
-          </a:fontRef>
-        </p:style>
-        <p:txBody>
-          <a:bodyPr rtlCol="0" anchor="ctr"/>
-          <a:lstStyle/>
-          <a:p>
-            <a:pPr algn="ctr"/>
-            <a:endParaRPr lang="en-US"/>
-          </a:p>
-        </p:txBody>
-      </p:sp>
-      <p:sp>
-        <p:nvSpPr>
-          <p:cNvPr id="17" name="Rectangle 16">
-            <a:extLst>
-              <a:ext uri="{FF2B5EF4-FFF2-40B4-BE49-F238E27FC236}">
-                <a16:creationId xmlns:a16="http://schemas.microsoft.com/office/drawing/2014/main" id="{A8AF25A8-82B6-4D9C-940B-D93A7D087106}"/>
-              </a:ext>
-            </a:extLst>
-          </p:cNvPr>
-          <p:cNvSpPr/>
-          <p:nvPr/>
-        </p:nvSpPr>
-        <p:spPr>
-          <a:xfrm>
-            <a:off x="9180945" y="3468255"/>
-            <a:ext cx="1339273" cy="960582"/>
-          </a:xfrm>
-          <a:prstGeom prst="rect">
-            <a:avLst/>
-          </a:prstGeom>
-        </p:spPr>
-        <p:style>
-          <a:lnRef idx="2">
-            <a:schemeClr val="accent1">
-              <a:shade val="50000"/>
-            </a:schemeClr>
-          </a:lnRef>
-          <a:fillRef idx="1">
-            <a:schemeClr val="accent1"/>
-          </a:fillRef>
-          <a:effectRef idx="0">
-            <a:schemeClr val="accent1"/>
-          </a:effectRef>
-          <a:fontRef idx="minor">
-            <a:schemeClr val="lt1"/>
-          </a:fontRef>
-        </p:style>
-        <p:txBody>
-          <a:bodyPr rtlCol="0" anchor="ctr"/>
-          <a:lstStyle/>
-          <a:p>
-            <a:pPr algn="ctr"/>
-            <a:endParaRPr lang="en-US"/>
-          </a:p>
-        </p:txBody>
-      </p:sp>
-      <p:sp>
-        <p:nvSpPr>
-          <p:cNvPr id="39" name="Rectangle 38">
-            <a:extLst>
-              <a:ext uri="{FF2B5EF4-FFF2-40B4-BE49-F238E27FC236}">
-                <a16:creationId xmlns:a16="http://schemas.microsoft.com/office/drawing/2014/main" id="{285BBFFD-D6C6-4932-A620-DD2148DDEF8A}"/>
-              </a:ext>
-            </a:extLst>
-          </p:cNvPr>
-          <p:cNvSpPr/>
-          <p:nvPr/>
-        </p:nvSpPr>
-        <p:spPr>
-          <a:xfrm>
-            <a:off x="5426363" y="1168399"/>
-            <a:ext cx="1339273" cy="4442691"/>
-          </a:xfrm>
-          <a:prstGeom prst="rect">
-            <a:avLst/>
-          </a:prstGeom>
-        </p:spPr>
-        <p:style>
-          <a:lnRef idx="2">
-            <a:schemeClr val="accent1">
-              <a:shade val="50000"/>
-            </a:schemeClr>
-          </a:lnRef>
-          <a:fillRef idx="1">
-            <a:schemeClr val="accent1"/>
-          </a:fillRef>
-          <a:effectRef idx="0">
-            <a:schemeClr val="accent1"/>
-          </a:effectRef>
-          <a:fontRef idx="minor">
-            <a:schemeClr val="lt1"/>
-          </a:fontRef>
-        </p:style>
-        <p:txBody>
-          <a:bodyPr rtlCol="0" anchor="ctr"/>
-          <a:lstStyle/>
-          <a:p>
-            <a:pPr algn="ctr"/>
-            <a:r>
-              <a:rPr lang="en-US" dirty="0"/>
-              <a:t>B</a:t>
-            </a:r>
-          </a:p>
-          <a:p>
-            <a:pPr algn="ctr"/>
-            <a:r>
-              <a:rPr lang="en-US" dirty="0"/>
-              <a:t>R</a:t>
-            </a:r>
-            <a:br>
-              <a:rPr lang="en-US" dirty="0"/>
-            </a:br>
-            <a:r>
-              <a:rPr lang="en-US" dirty="0"/>
-              <a:t>O</a:t>
-            </a:r>
-          </a:p>
-          <a:p>
-            <a:pPr algn="ctr"/>
-            <a:r>
-              <a:rPr lang="en-US" dirty="0"/>
-              <a:t>K</a:t>
-            </a:r>
-          </a:p>
-          <a:p>
-            <a:pPr algn="ctr"/>
-            <a:r>
-              <a:rPr lang="en-US" dirty="0"/>
-              <a:t>E</a:t>
-            </a:r>
-          </a:p>
-          <a:p>
-            <a:pPr algn="ctr"/>
-            <a:r>
-              <a:rPr lang="en-US" dirty="0"/>
-              <a:t>R</a:t>
-            </a:r>
-          </a:p>
-        </p:txBody>
-      </p:sp>
-      <p:sp>
-        <p:nvSpPr>
-          <p:cNvPr id="40" name="Rectangle 39">
-            <a:extLst>
-              <a:ext uri="{FF2B5EF4-FFF2-40B4-BE49-F238E27FC236}">
-                <a16:creationId xmlns:a16="http://schemas.microsoft.com/office/drawing/2014/main" id="{9104EC30-632B-476D-9EA9-02F9A1739172}"/>
-              </a:ext>
-            </a:extLst>
-          </p:cNvPr>
-          <p:cNvSpPr/>
-          <p:nvPr/>
-        </p:nvSpPr>
-        <p:spPr>
-          <a:xfrm>
-            <a:off x="5232400" y="2087417"/>
-            <a:ext cx="1685636" cy="434109"/>
-          </a:xfrm>
-          <a:prstGeom prst="rect">
-            <a:avLst/>
-          </a:prstGeom>
-        </p:spPr>
-        <p:style>
-          <a:lnRef idx="2">
-            <a:schemeClr val="accent3">
-              <a:shade val="50000"/>
-            </a:schemeClr>
-          </a:lnRef>
-          <a:fillRef idx="1">
-            <a:schemeClr val="accent3"/>
-          </a:fillRef>
-          <a:effectRef idx="0">
-            <a:schemeClr val="accent3"/>
-          </a:effectRef>
-          <a:fontRef idx="minor">
-            <a:schemeClr val="lt1"/>
-          </a:fontRef>
-        </p:style>
-        <p:txBody>
-          <a:bodyPr rtlCol="0" anchor="ctr"/>
-          <a:lstStyle/>
-          <a:p>
-            <a:pPr algn="ctr"/>
-            <a:r>
-              <a:rPr lang="en-US" dirty="0"/>
-              <a:t>TOPIC</a:t>
+            <a:r>
+              <a:rPr lang="en-US" sz="1200" dirty="0"/>
+              <a:t>Terraform</a:t>
             </a:r>
           </a:p>
         </p:txBody>
       </p:sp>
       <p:cxnSp>
         <p:nvCxnSpPr>
-          <p:cNvPr id="42" name="Straight Arrow Connector 41">
-            <a:extLst>
-              <a:ext uri="{FF2B5EF4-FFF2-40B4-BE49-F238E27FC236}">
-                <a16:creationId xmlns:a16="http://schemas.microsoft.com/office/drawing/2014/main" id="{E0B9334E-639C-457C-88CB-B4E3C35161ED}"/>
+          <p:cNvPr id="46" name="Connector: Elbow 45">
+            <a:extLst>
+              <a:ext uri="{FF2B5EF4-FFF2-40B4-BE49-F238E27FC236}">
+                <a16:creationId xmlns:a16="http://schemas.microsoft.com/office/drawing/2014/main" id="{E083553D-C95D-4AC8-A8E4-C6782E748B3D}"/>
               </a:ext>
             </a:extLst>
           </p:cNvPr>
           <p:cNvCxnSpPr>
-            <a:stCxn id="8" idx="3"/>
-            <a:endCxn id="40" idx="1"/>
+            <a:stCxn id="41" idx="0"/>
+            <a:endCxn id="44" idx="2"/>
           </p:cNvCxnSpPr>
           <p:nvPr/>
         </p:nvCxnSpPr>
         <p:spPr>
-          <a:xfrm>
-            <a:off x="3140363" y="766618"/>
-            <a:ext cx="2092037" cy="1537854"/>
-          </a:xfrm>
-          <a:prstGeom prst="straightConnector1">
-            <a:avLst/>
+          <a:xfrm rot="10800000" flipH="1">
+            <a:off x="382731" y="2146872"/>
+            <a:ext cx="135084" cy="3990692"/>
+          </a:xfrm>
+          <a:prstGeom prst="bentConnector4">
+            <a:avLst>
+              <a:gd name="adj1" fmla="val -169228"/>
+              <a:gd name="adj2" fmla="val 55034"/>
+            </a:avLst>
           </a:prstGeom>
           <a:ln>
             <a:tailEnd type="triangle"/>
@@ -7460,25 +7972,348 @@
       </p:cxnSp>
       <p:cxnSp>
         <p:nvCxnSpPr>
-          <p:cNvPr id="44" name="Straight Arrow Connector 43">
-            <a:extLst>
-              <a:ext uri="{FF2B5EF4-FFF2-40B4-BE49-F238E27FC236}">
-                <a16:creationId xmlns:a16="http://schemas.microsoft.com/office/drawing/2014/main" id="{69D3D947-5283-444A-A396-2BE053403D28}"/>
+          <p:cNvPr id="48" name="Connector: Elbow 47">
+            <a:extLst>
+              <a:ext uri="{FF2B5EF4-FFF2-40B4-BE49-F238E27FC236}">
+                <a16:creationId xmlns:a16="http://schemas.microsoft.com/office/drawing/2014/main" id="{66F19E4C-FF94-4C37-96FD-D2F2C2478AE9}"/>
               </a:ext>
             </a:extLst>
           </p:cNvPr>
           <p:cNvCxnSpPr>
+            <a:cxnSpLocks/>
             <a:stCxn id="9" idx="1"/>
-            <a:endCxn id="40" idx="3"/>
+            <a:endCxn id="44" idx="0"/>
           </p:cNvCxnSpPr>
           <p:nvPr/>
         </p:nvCxnSpPr>
         <p:spPr>
-          <a:xfrm flipH="1">
-            <a:off x="6918036" y="729673"/>
-            <a:ext cx="2133601" cy="1574799"/>
-          </a:xfrm>
-          <a:prstGeom prst="straightConnector1">
+          <a:xfrm rot="10800000" flipV="1">
+            <a:off x="517815" y="880915"/>
+            <a:ext cx="1614626" cy="171447"/>
+          </a:xfrm>
+          <a:prstGeom prst="bentConnector2">
+            <a:avLst/>
+          </a:prstGeom>
+          <a:ln>
+            <a:tailEnd type="triangle"/>
+          </a:ln>
+        </p:spPr>
+        <p:style>
+          <a:lnRef idx="1">
+            <a:schemeClr val="accent1"/>
+          </a:lnRef>
+          <a:fillRef idx="0">
+            <a:schemeClr val="accent1"/>
+          </a:fillRef>
+          <a:effectRef idx="0">
+            <a:schemeClr val="accent1"/>
+          </a:effectRef>
+          <a:fontRef idx="minor">
+            <a:schemeClr val="tx1"/>
+          </a:fontRef>
+        </p:style>
+      </p:cxnSp>
+      <p:sp>
+        <p:nvSpPr>
+          <p:cNvPr id="54" name="TextBox 53">
+            <a:extLst>
+              <a:ext uri="{FF2B5EF4-FFF2-40B4-BE49-F238E27FC236}">
+                <a16:creationId xmlns:a16="http://schemas.microsoft.com/office/drawing/2014/main" id="{D00740C6-FFB9-4F69-9AF8-9711DD148986}"/>
+              </a:ext>
+            </a:extLst>
+          </p:cNvPr>
+          <p:cNvSpPr txBox="1"/>
+          <p:nvPr/>
+        </p:nvSpPr>
+        <p:spPr>
+          <a:xfrm>
+            <a:off x="1629923" y="4004025"/>
+            <a:ext cx="1641766" cy="369332"/>
+          </a:xfrm>
+          <a:prstGeom prst="rect">
+            <a:avLst/>
+          </a:prstGeom>
+          <a:noFill/>
+        </p:spPr>
+        <p:txBody>
+          <a:bodyPr wrap="square" rtlCol="0">
+            <a:spAutoFit/>
+          </a:bodyPr>
+          <a:lstStyle/>
+          <a:p>
+            <a:r>
+              <a:rPr lang="en-US" dirty="0"/>
+              <a:t>Terraform </a:t>
+            </a:r>
+            <a:r>
+              <a:rPr lang="en-US" dirty="0" err="1"/>
+              <a:t>init</a:t>
+            </a:r>
+            <a:endParaRPr lang="en-US" dirty="0"/>
+          </a:p>
+        </p:txBody>
+      </p:sp>
+      <p:cxnSp>
+        <p:nvCxnSpPr>
+          <p:cNvPr id="58" name="Connector: Elbow 57">
+            <a:extLst>
+              <a:ext uri="{FF2B5EF4-FFF2-40B4-BE49-F238E27FC236}">
+                <a16:creationId xmlns:a16="http://schemas.microsoft.com/office/drawing/2014/main" id="{2E256341-98DF-4061-BCCA-417AEFAF37BC}"/>
+              </a:ext>
+            </a:extLst>
+          </p:cNvPr>
+          <p:cNvCxnSpPr>
+            <a:cxnSpLocks/>
+            <a:stCxn id="9" idx="3"/>
+            <a:endCxn id="59" idx="0"/>
+          </p:cNvCxnSpPr>
+          <p:nvPr/>
+        </p:nvCxnSpPr>
+        <p:spPr>
+          <a:xfrm>
+            <a:off x="3326242" y="880916"/>
+            <a:ext cx="3865271" cy="1020618"/>
+          </a:xfrm>
+          <a:prstGeom prst="bentConnector2">
+            <a:avLst/>
+          </a:prstGeom>
+          <a:ln>
+            <a:tailEnd type="triangle"/>
+          </a:ln>
+        </p:spPr>
+        <p:style>
+          <a:lnRef idx="1">
+            <a:schemeClr val="accent1"/>
+          </a:lnRef>
+          <a:fillRef idx="0">
+            <a:schemeClr val="accent1"/>
+          </a:fillRef>
+          <a:effectRef idx="0">
+            <a:schemeClr val="accent1"/>
+          </a:effectRef>
+          <a:fontRef idx="minor">
+            <a:schemeClr val="tx1"/>
+          </a:fontRef>
+        </p:style>
+      </p:cxnSp>
+      <p:sp>
+        <p:nvSpPr>
+          <p:cNvPr id="59" name="Rectangle: Rounded Corners 58">
+            <a:extLst>
+              <a:ext uri="{FF2B5EF4-FFF2-40B4-BE49-F238E27FC236}">
+                <a16:creationId xmlns:a16="http://schemas.microsoft.com/office/drawing/2014/main" id="{CFE7A0D0-2944-408F-8BD4-4F9CD85A2772}"/>
+              </a:ext>
+            </a:extLst>
+          </p:cNvPr>
+          <p:cNvSpPr/>
+          <p:nvPr/>
+        </p:nvSpPr>
+        <p:spPr>
+          <a:xfrm>
+            <a:off x="6599231" y="1901534"/>
+            <a:ext cx="1184563" cy="490683"/>
+          </a:xfrm>
+          <a:prstGeom prst="roundRect">
+            <a:avLst/>
+          </a:prstGeom>
+        </p:spPr>
+        <p:style>
+          <a:lnRef idx="2">
+            <a:schemeClr val="accent1">
+              <a:shade val="50000"/>
+            </a:schemeClr>
+          </a:lnRef>
+          <a:fillRef idx="1">
+            <a:schemeClr val="accent1"/>
+          </a:fillRef>
+          <a:effectRef idx="0">
+            <a:schemeClr val="accent1"/>
+          </a:effectRef>
+          <a:fontRef idx="minor">
+            <a:schemeClr val="lt1"/>
+          </a:fontRef>
+        </p:style>
+        <p:txBody>
+          <a:bodyPr rtlCol="0" anchor="ctr"/>
+          <a:lstStyle/>
+          <a:p>
+            <a:pPr algn="ctr"/>
+            <a:r>
+              <a:rPr lang="en-US" dirty="0"/>
+              <a:t>plan</a:t>
+            </a:r>
+          </a:p>
+        </p:txBody>
+      </p:sp>
+      <p:sp>
+        <p:nvSpPr>
+          <p:cNvPr id="60" name="Rectangle: Rounded Corners 59">
+            <a:extLst>
+              <a:ext uri="{FF2B5EF4-FFF2-40B4-BE49-F238E27FC236}">
+                <a16:creationId xmlns:a16="http://schemas.microsoft.com/office/drawing/2014/main" id="{47E6E883-21F2-4C96-BB19-B2041E81F7B1}"/>
+              </a:ext>
+            </a:extLst>
+          </p:cNvPr>
+          <p:cNvSpPr/>
+          <p:nvPr/>
+        </p:nvSpPr>
+        <p:spPr>
+          <a:xfrm>
+            <a:off x="7952358" y="1901532"/>
+            <a:ext cx="998681" cy="490683"/>
+          </a:xfrm>
+          <a:prstGeom prst="roundRect">
+            <a:avLst/>
+          </a:prstGeom>
+        </p:spPr>
+        <p:style>
+          <a:lnRef idx="2">
+            <a:schemeClr val="accent1">
+              <a:shade val="50000"/>
+            </a:schemeClr>
+          </a:lnRef>
+          <a:fillRef idx="1">
+            <a:schemeClr val="accent1"/>
+          </a:fillRef>
+          <a:effectRef idx="0">
+            <a:schemeClr val="accent1"/>
+          </a:effectRef>
+          <a:fontRef idx="minor">
+            <a:schemeClr val="lt1"/>
+          </a:fontRef>
+        </p:style>
+        <p:txBody>
+          <a:bodyPr rtlCol="0" anchor="ctr"/>
+          <a:lstStyle/>
+          <a:p>
+            <a:pPr algn="ctr"/>
+            <a:r>
+              <a:rPr lang="en-US" dirty="0"/>
+              <a:t>apply</a:t>
+            </a:r>
+          </a:p>
+        </p:txBody>
+      </p:sp>
+      <p:sp>
+        <p:nvSpPr>
+          <p:cNvPr id="61" name="Rectangle: Rounded Corners 60">
+            <a:extLst>
+              <a:ext uri="{FF2B5EF4-FFF2-40B4-BE49-F238E27FC236}">
+                <a16:creationId xmlns:a16="http://schemas.microsoft.com/office/drawing/2014/main" id="{5AA28304-1BD7-4292-B05E-688BAD4C9539}"/>
+              </a:ext>
+            </a:extLst>
+          </p:cNvPr>
+          <p:cNvSpPr/>
+          <p:nvPr/>
+        </p:nvSpPr>
+        <p:spPr>
+          <a:xfrm>
+            <a:off x="9119603" y="1901531"/>
+            <a:ext cx="998681" cy="490683"/>
+          </a:xfrm>
+          <a:prstGeom prst="roundRect">
+            <a:avLst/>
+          </a:prstGeom>
+        </p:spPr>
+        <p:style>
+          <a:lnRef idx="2">
+            <a:schemeClr val="accent1">
+              <a:shade val="50000"/>
+            </a:schemeClr>
+          </a:lnRef>
+          <a:fillRef idx="1">
+            <a:schemeClr val="accent1"/>
+          </a:fillRef>
+          <a:effectRef idx="0">
+            <a:schemeClr val="accent1"/>
+          </a:effectRef>
+          <a:fontRef idx="minor">
+            <a:schemeClr val="lt1"/>
+          </a:fontRef>
+        </p:style>
+        <p:txBody>
+          <a:bodyPr rtlCol="0" anchor="ctr"/>
+          <a:lstStyle/>
+          <a:p>
+            <a:pPr algn="ctr"/>
+            <a:r>
+              <a:rPr lang="en-US" dirty="0"/>
+              <a:t>destroy</a:t>
+            </a:r>
+          </a:p>
+        </p:txBody>
+      </p:sp>
+      <p:sp>
+        <p:nvSpPr>
+          <p:cNvPr id="67" name="Rectangle: Rounded Corners 66">
+            <a:extLst>
+              <a:ext uri="{FF2B5EF4-FFF2-40B4-BE49-F238E27FC236}">
+                <a16:creationId xmlns:a16="http://schemas.microsoft.com/office/drawing/2014/main" id="{2EF525CC-6BF0-447C-A2C7-F87DA0537909}"/>
+              </a:ext>
+            </a:extLst>
+          </p:cNvPr>
+          <p:cNvSpPr/>
+          <p:nvPr/>
+        </p:nvSpPr>
+        <p:spPr>
+          <a:xfrm>
+            <a:off x="10286848" y="1921164"/>
+            <a:ext cx="998681" cy="490683"/>
+          </a:xfrm>
+          <a:prstGeom prst="roundRect">
+            <a:avLst/>
+          </a:prstGeom>
+        </p:spPr>
+        <p:style>
+          <a:lnRef idx="2">
+            <a:schemeClr val="accent1">
+              <a:shade val="50000"/>
+            </a:schemeClr>
+          </a:lnRef>
+          <a:fillRef idx="1">
+            <a:schemeClr val="accent1"/>
+          </a:fillRef>
+          <a:effectRef idx="0">
+            <a:schemeClr val="accent1"/>
+          </a:effectRef>
+          <a:fontRef idx="minor">
+            <a:schemeClr val="lt1"/>
+          </a:fontRef>
+        </p:style>
+        <p:txBody>
+          <a:bodyPr rtlCol="0" anchor="ctr"/>
+          <a:lstStyle/>
+          <a:p>
+            <a:pPr algn="ctr"/>
+            <a:r>
+              <a:rPr lang="en-US" dirty="0"/>
+              <a:t>import</a:t>
+            </a:r>
+          </a:p>
+        </p:txBody>
+      </p:sp>
+      <p:cxnSp>
+        <p:nvCxnSpPr>
+          <p:cNvPr id="69" name="Connector: Elbow 68">
+            <a:extLst>
+              <a:ext uri="{FF2B5EF4-FFF2-40B4-BE49-F238E27FC236}">
+                <a16:creationId xmlns:a16="http://schemas.microsoft.com/office/drawing/2014/main" id="{90A9E259-7903-4901-9CF8-F4329B8C638A}"/>
+              </a:ext>
+            </a:extLst>
+          </p:cNvPr>
+          <p:cNvCxnSpPr>
+            <a:cxnSpLocks/>
+            <a:stCxn id="9" idx="3"/>
+            <a:endCxn id="60" idx="0"/>
+          </p:cNvCxnSpPr>
+          <p:nvPr/>
+        </p:nvCxnSpPr>
+        <p:spPr>
+          <a:xfrm>
+            <a:off x="3326242" y="880916"/>
+            <a:ext cx="5125457" cy="1020616"/>
+          </a:xfrm>
+          <a:prstGeom prst="bentConnector2">
             <a:avLst/>
           </a:prstGeom>
           <a:ln>
@@ -7502,25 +8337,26 @@
       </p:cxnSp>
       <p:cxnSp>
         <p:nvCxnSpPr>
-          <p:cNvPr id="46" name="Straight Arrow Connector 45">
-            <a:extLst>
-              <a:ext uri="{FF2B5EF4-FFF2-40B4-BE49-F238E27FC236}">
-                <a16:creationId xmlns:a16="http://schemas.microsoft.com/office/drawing/2014/main" id="{34ABD8D5-8BB1-44B5-AADA-79F39D1249D1}"/>
+          <p:cNvPr id="71" name="Connector: Elbow 70">
+            <a:extLst>
+              <a:ext uri="{FF2B5EF4-FFF2-40B4-BE49-F238E27FC236}">
+                <a16:creationId xmlns:a16="http://schemas.microsoft.com/office/drawing/2014/main" id="{2BB49450-7686-4ACD-BB54-05447A8A5AF2}"/>
               </a:ext>
             </a:extLst>
           </p:cNvPr>
           <p:cNvCxnSpPr>
-            <a:stCxn id="5" idx="1"/>
-            <a:endCxn id="40" idx="3"/>
+            <a:cxnSpLocks/>
+            <a:stCxn id="9" idx="3"/>
+            <a:endCxn id="61" idx="0"/>
           </p:cNvCxnSpPr>
           <p:nvPr/>
         </p:nvCxnSpPr>
         <p:spPr>
-          <a:xfrm flipH="1" flipV="1">
-            <a:off x="6918036" y="2304472"/>
-            <a:ext cx="2262909" cy="124692"/>
-          </a:xfrm>
-          <a:prstGeom prst="straightConnector1">
+          <a:xfrm>
+            <a:off x="3326242" y="880916"/>
+            <a:ext cx="6292702" cy="1020615"/>
+          </a:xfrm>
+          <a:prstGeom prst="bentConnector2">
             <a:avLst/>
           </a:prstGeom>
           <a:ln>
@@ -7544,25 +8380,26 @@
       </p:cxnSp>
       <p:cxnSp>
         <p:nvCxnSpPr>
-          <p:cNvPr id="48" name="Straight Arrow Connector 47">
-            <a:extLst>
-              <a:ext uri="{FF2B5EF4-FFF2-40B4-BE49-F238E27FC236}">
-                <a16:creationId xmlns:a16="http://schemas.microsoft.com/office/drawing/2014/main" id="{BBB89E3E-1D58-4135-AC2E-E9946713D023}"/>
+          <p:cNvPr id="73" name="Connector: Elbow 72">
+            <a:extLst>
+              <a:ext uri="{FF2B5EF4-FFF2-40B4-BE49-F238E27FC236}">
+                <a16:creationId xmlns:a16="http://schemas.microsoft.com/office/drawing/2014/main" id="{FFF6C6A2-982D-4A13-8155-C6AD168E1BD5}"/>
               </a:ext>
             </a:extLst>
           </p:cNvPr>
           <p:cNvCxnSpPr>
-            <a:stCxn id="17" idx="1"/>
-            <a:endCxn id="40" idx="3"/>
+            <a:cxnSpLocks/>
+            <a:stCxn id="9" idx="3"/>
+            <a:endCxn id="67" idx="0"/>
           </p:cNvCxnSpPr>
           <p:nvPr/>
         </p:nvCxnSpPr>
         <p:spPr>
-          <a:xfrm flipH="1" flipV="1">
-            <a:off x="6918036" y="2304472"/>
-            <a:ext cx="2262909" cy="1644074"/>
-          </a:xfrm>
-          <a:prstGeom prst="straightConnector1">
+          <a:xfrm>
+            <a:off x="3326242" y="880916"/>
+            <a:ext cx="7459947" cy="1040248"/>
+          </a:xfrm>
+          <a:prstGeom prst="bentConnector2">
             <a:avLst/>
           </a:prstGeom>
           <a:ln>
@@ -7586,25 +8423,25 @@
       </p:cxnSp>
       <p:cxnSp>
         <p:nvCxnSpPr>
-          <p:cNvPr id="50" name="Straight Arrow Connector 49">
-            <a:extLst>
-              <a:ext uri="{FF2B5EF4-FFF2-40B4-BE49-F238E27FC236}">
-                <a16:creationId xmlns:a16="http://schemas.microsoft.com/office/drawing/2014/main" id="{5A91D659-54EA-49CE-A112-10CCA51CE62B}"/>
+          <p:cNvPr id="75" name="Connector: Elbow 74">
+            <a:extLst>
+              <a:ext uri="{FF2B5EF4-FFF2-40B4-BE49-F238E27FC236}">
+                <a16:creationId xmlns:a16="http://schemas.microsoft.com/office/drawing/2014/main" id="{CF956D9F-BFFE-4F78-B0E8-F96240F62276}"/>
               </a:ext>
             </a:extLst>
           </p:cNvPr>
           <p:cNvCxnSpPr>
-            <a:stCxn id="13" idx="1"/>
-            <a:endCxn id="40" idx="3"/>
+            <a:cxnSpLocks/>
+            <a:stCxn id="59" idx="2"/>
           </p:cNvCxnSpPr>
           <p:nvPr/>
         </p:nvCxnSpPr>
         <p:spPr>
-          <a:xfrm flipH="1" flipV="1">
-            <a:off x="6918036" y="2304472"/>
-            <a:ext cx="2336800" cy="3274291"/>
-          </a:xfrm>
-          <a:prstGeom prst="straightConnector1">
+          <a:xfrm rot="16200000" flipH="1">
+            <a:off x="6801420" y="2782309"/>
+            <a:ext cx="780187" cy="1"/>
+          </a:xfrm>
+          <a:prstGeom prst="bentConnector3">
             <a:avLst/>
           </a:prstGeom>
           <a:ln>
@@ -7628,25 +8465,166 @@
       </p:cxnSp>
       <p:cxnSp>
         <p:nvCxnSpPr>
-          <p:cNvPr id="57" name="Straight Arrow Connector 56">
-            <a:extLst>
-              <a:ext uri="{FF2B5EF4-FFF2-40B4-BE49-F238E27FC236}">
-                <a16:creationId xmlns:a16="http://schemas.microsoft.com/office/drawing/2014/main" id="{2F9190B3-9DDF-4857-826C-757737427EAB}"/>
+          <p:cNvPr id="136" name="Connector: Elbow 135">
+            <a:extLst>
+              <a:ext uri="{FF2B5EF4-FFF2-40B4-BE49-F238E27FC236}">
+                <a16:creationId xmlns:a16="http://schemas.microsoft.com/office/drawing/2014/main" id="{B16BB503-8BD6-429B-9883-94F77DA7E287}"/>
               </a:ext>
             </a:extLst>
           </p:cNvPr>
           <p:cNvCxnSpPr>
-            <a:stCxn id="4" idx="3"/>
-            <a:endCxn id="40" idx="1"/>
+            <a:cxnSpLocks/>
+            <a:stCxn id="10" idx="2"/>
+            <a:endCxn id="24" idx="0"/>
           </p:cNvCxnSpPr>
           <p:nvPr/>
         </p:nvCxnSpPr>
         <p:spPr>
-          <a:xfrm flipV="1">
-            <a:off x="3140364" y="2304472"/>
-            <a:ext cx="2092036" cy="124692"/>
-          </a:xfrm>
-          <a:prstGeom prst="straightConnector1">
+          <a:xfrm rot="5400000">
+            <a:off x="1240429" y="1937735"/>
+            <a:ext cx="546964" cy="379831"/>
+          </a:xfrm>
+          <a:prstGeom prst="bentConnector3">
+            <a:avLst/>
+          </a:prstGeom>
+          <a:ln>
+            <a:tailEnd type="triangle"/>
+          </a:ln>
+        </p:spPr>
+        <p:style>
+          <a:lnRef idx="1">
+            <a:schemeClr val="accent1"/>
+          </a:lnRef>
+          <a:fillRef idx="0">
+            <a:schemeClr val="accent1"/>
+          </a:fillRef>
+          <a:effectRef idx="0">
+            <a:schemeClr val="accent1"/>
+          </a:effectRef>
+          <a:fontRef idx="minor">
+            <a:schemeClr val="tx1"/>
+          </a:fontRef>
+        </p:style>
+      </p:cxnSp>
+      <p:sp>
+        <p:nvSpPr>
+          <p:cNvPr id="143" name="Rectangle 142">
+            <a:extLst>
+              <a:ext uri="{FF2B5EF4-FFF2-40B4-BE49-F238E27FC236}">
+                <a16:creationId xmlns:a16="http://schemas.microsoft.com/office/drawing/2014/main" id="{81F786B2-BEB2-4796-B382-8A6DC3F44210}"/>
+              </a:ext>
+            </a:extLst>
+          </p:cNvPr>
+          <p:cNvSpPr/>
+          <p:nvPr/>
+        </p:nvSpPr>
+        <p:spPr>
+          <a:xfrm>
+            <a:off x="2095522" y="2430019"/>
+            <a:ext cx="1322816" cy="260878"/>
+          </a:xfrm>
+          <a:prstGeom prst="rect">
+            <a:avLst/>
+          </a:prstGeom>
+        </p:spPr>
+        <p:style>
+          <a:lnRef idx="2">
+            <a:schemeClr val="accent6">
+              <a:shade val="50000"/>
+            </a:schemeClr>
+          </a:lnRef>
+          <a:fillRef idx="1">
+            <a:schemeClr val="accent6"/>
+          </a:fillRef>
+          <a:effectRef idx="0">
+            <a:schemeClr val="accent6"/>
+          </a:effectRef>
+          <a:fontRef idx="minor">
+            <a:schemeClr val="lt1"/>
+          </a:fontRef>
+        </p:style>
+        <p:txBody>
+          <a:bodyPr rtlCol="0" anchor="ctr"/>
+          <a:lstStyle/>
+          <a:p>
+            <a:pPr algn="ctr"/>
+            <a:r>
+              <a:rPr lang="en-US" sz="1600" dirty="0"/>
+              <a:t>Resources </a:t>
+            </a:r>
+          </a:p>
+        </p:txBody>
+      </p:sp>
+      <p:sp>
+        <p:nvSpPr>
+          <p:cNvPr id="150" name="Rectangle 149">
+            <a:extLst>
+              <a:ext uri="{FF2B5EF4-FFF2-40B4-BE49-F238E27FC236}">
+                <a16:creationId xmlns:a16="http://schemas.microsoft.com/office/drawing/2014/main" id="{4E5B322F-EFA9-43CD-925E-E66D75A1512D}"/>
+              </a:ext>
+            </a:extLst>
+          </p:cNvPr>
+          <p:cNvSpPr/>
+          <p:nvPr/>
+        </p:nvSpPr>
+        <p:spPr>
+          <a:xfrm>
+            <a:off x="3513873" y="2427369"/>
+            <a:ext cx="1322816" cy="260878"/>
+          </a:xfrm>
+          <a:prstGeom prst="rect">
+            <a:avLst/>
+          </a:prstGeom>
+        </p:spPr>
+        <p:style>
+          <a:lnRef idx="2">
+            <a:schemeClr val="accent6">
+              <a:shade val="50000"/>
+            </a:schemeClr>
+          </a:lnRef>
+          <a:fillRef idx="1">
+            <a:schemeClr val="accent6"/>
+          </a:fillRef>
+          <a:effectRef idx="0">
+            <a:schemeClr val="accent6"/>
+          </a:effectRef>
+          <a:fontRef idx="minor">
+            <a:schemeClr val="lt1"/>
+          </a:fontRef>
+        </p:style>
+        <p:txBody>
+          <a:bodyPr rtlCol="0" anchor="ctr"/>
+          <a:lstStyle/>
+          <a:p>
+            <a:pPr algn="ctr"/>
+            <a:r>
+              <a:rPr lang="en-US" sz="1600" dirty="0"/>
+              <a:t>Data </a:t>
+            </a:r>
+          </a:p>
+        </p:txBody>
+      </p:sp>
+      <p:cxnSp>
+        <p:nvCxnSpPr>
+          <p:cNvPr id="152" name="Connector: Elbow 151">
+            <a:extLst>
+              <a:ext uri="{FF2B5EF4-FFF2-40B4-BE49-F238E27FC236}">
+                <a16:creationId xmlns:a16="http://schemas.microsoft.com/office/drawing/2014/main" id="{188D3689-F868-4BBD-9EB2-29BE53AC2BF9}"/>
+              </a:ext>
+            </a:extLst>
+          </p:cNvPr>
+          <p:cNvCxnSpPr>
+            <a:stCxn id="10" idx="2"/>
+            <a:endCxn id="143" idx="0"/>
+          </p:cNvCxnSpPr>
+          <p:nvPr/>
+        </p:nvCxnSpPr>
+        <p:spPr>
+          <a:xfrm rot="16200000" flipH="1">
+            <a:off x="1942453" y="1615541"/>
+            <a:ext cx="575851" cy="1053104"/>
+          </a:xfrm>
+          <a:prstGeom prst="bentConnector3">
             <a:avLst/>
           </a:prstGeom>
           <a:ln>
@@ -7670,25 +8648,25 @@
       </p:cxnSp>
       <p:cxnSp>
         <p:nvCxnSpPr>
-          <p:cNvPr id="59" name="Straight Arrow Connector 58">
-            <a:extLst>
-              <a:ext uri="{FF2B5EF4-FFF2-40B4-BE49-F238E27FC236}">
-                <a16:creationId xmlns:a16="http://schemas.microsoft.com/office/drawing/2014/main" id="{8C6FCFB1-6C81-45AE-9C59-54184CBA9018}"/>
+          <p:cNvPr id="154" name="Connector: Elbow 153">
+            <a:extLst>
+              <a:ext uri="{FF2B5EF4-FFF2-40B4-BE49-F238E27FC236}">
+                <a16:creationId xmlns:a16="http://schemas.microsoft.com/office/drawing/2014/main" id="{3CC412B5-0AD0-41CA-A1EC-3C2E69AE8769}"/>
               </a:ext>
             </a:extLst>
           </p:cNvPr>
           <p:cNvCxnSpPr>
-            <a:stCxn id="6" idx="3"/>
-            <a:endCxn id="40" idx="1"/>
+            <a:stCxn id="10" idx="2"/>
+            <a:endCxn id="150" idx="0"/>
           </p:cNvCxnSpPr>
           <p:nvPr/>
         </p:nvCxnSpPr>
         <p:spPr>
-          <a:xfrm flipV="1">
-            <a:off x="3140364" y="2304472"/>
-            <a:ext cx="2092036" cy="1787238"/>
-          </a:xfrm>
-          <a:prstGeom prst="straightConnector1">
+          <a:xfrm rot="16200000" flipH="1">
+            <a:off x="2652953" y="905040"/>
+            <a:ext cx="573201" cy="2471455"/>
+          </a:xfrm>
+          <a:prstGeom prst="bentConnector3">
             <a:avLst/>
           </a:prstGeom>
           <a:ln>
@@ -7710,27 +8688,76 @@
           </a:fontRef>
         </p:style>
       </p:cxnSp>
+      <p:sp>
+        <p:nvSpPr>
+          <p:cNvPr id="165" name="Rectangle 164">
+            <a:extLst>
+              <a:ext uri="{FF2B5EF4-FFF2-40B4-BE49-F238E27FC236}">
+                <a16:creationId xmlns:a16="http://schemas.microsoft.com/office/drawing/2014/main" id="{8BC8CE72-EBFD-4795-A42B-A511A009120F}"/>
+              </a:ext>
+            </a:extLst>
+          </p:cNvPr>
+          <p:cNvSpPr/>
+          <p:nvPr/>
+        </p:nvSpPr>
+        <p:spPr>
+          <a:xfrm>
+            <a:off x="4949835" y="2440011"/>
+            <a:ext cx="1322816" cy="260878"/>
+          </a:xfrm>
+          <a:prstGeom prst="rect">
+            <a:avLst/>
+          </a:prstGeom>
+        </p:spPr>
+        <p:style>
+          <a:lnRef idx="2">
+            <a:schemeClr val="accent6">
+              <a:shade val="50000"/>
+            </a:schemeClr>
+          </a:lnRef>
+          <a:fillRef idx="1">
+            <a:schemeClr val="accent6"/>
+          </a:fillRef>
+          <a:effectRef idx="0">
+            <a:schemeClr val="accent6"/>
+          </a:effectRef>
+          <a:fontRef idx="minor">
+            <a:schemeClr val="lt1"/>
+          </a:fontRef>
+        </p:style>
+        <p:txBody>
+          <a:bodyPr rtlCol="0" anchor="ctr"/>
+          <a:lstStyle/>
+          <a:p>
+            <a:pPr algn="ctr"/>
+            <a:r>
+              <a:rPr lang="en-US" sz="1600" dirty="0"/>
+              <a:t>Variables </a:t>
+            </a:r>
+          </a:p>
+        </p:txBody>
+      </p:sp>
       <p:cxnSp>
         <p:nvCxnSpPr>
-          <p:cNvPr id="61" name="Straight Arrow Connector 60">
-            <a:extLst>
-              <a:ext uri="{FF2B5EF4-FFF2-40B4-BE49-F238E27FC236}">
-                <a16:creationId xmlns:a16="http://schemas.microsoft.com/office/drawing/2014/main" id="{42226737-E8DE-4009-A90A-56B6FAAA81A6}"/>
+          <p:cNvPr id="167" name="Connector: Elbow 166">
+            <a:extLst>
+              <a:ext uri="{FF2B5EF4-FFF2-40B4-BE49-F238E27FC236}">
+                <a16:creationId xmlns:a16="http://schemas.microsoft.com/office/drawing/2014/main" id="{0C937DFC-1B80-4F10-AB8A-D33F6A0E2D00}"/>
               </a:ext>
             </a:extLst>
           </p:cNvPr>
           <p:cNvCxnSpPr>
-            <a:stCxn id="7" idx="3"/>
-            <a:endCxn id="40" idx="1"/>
+            <a:stCxn id="10" idx="2"/>
+            <a:endCxn id="165" idx="0"/>
           </p:cNvCxnSpPr>
           <p:nvPr/>
         </p:nvCxnSpPr>
         <p:spPr>
-          <a:xfrm flipV="1">
-            <a:off x="3140363" y="2304472"/>
-            <a:ext cx="2092037" cy="3449784"/>
-          </a:xfrm>
-          <a:prstGeom prst="straightConnector1">
+          <a:xfrm rot="16200000" flipH="1">
+            <a:off x="3364613" y="193380"/>
+            <a:ext cx="585843" cy="3907417"/>
+          </a:xfrm>
+          <a:prstGeom prst="bentConnector3">
             <a:avLst/>
           </a:prstGeom>
           <a:ln>
@@ -7752,10 +8779,332 @@
           </a:fontRef>
         </p:style>
       </p:cxnSp>
+      <p:sp>
+        <p:nvSpPr>
+          <p:cNvPr id="169" name="Rectangle 168">
+            <a:extLst>
+              <a:ext uri="{FF2B5EF4-FFF2-40B4-BE49-F238E27FC236}">
+                <a16:creationId xmlns:a16="http://schemas.microsoft.com/office/drawing/2014/main" id="{B44D1659-E753-43BA-943C-276CFBF45022}"/>
+              </a:ext>
+            </a:extLst>
+          </p:cNvPr>
+          <p:cNvSpPr/>
+          <p:nvPr/>
+        </p:nvSpPr>
+        <p:spPr>
+          <a:xfrm>
+            <a:off x="1386926" y="2911526"/>
+            <a:ext cx="1322816" cy="260878"/>
+          </a:xfrm>
+          <a:prstGeom prst="rect">
+            <a:avLst/>
+          </a:prstGeom>
+        </p:spPr>
+        <p:style>
+          <a:lnRef idx="2">
+            <a:schemeClr val="accent6">
+              <a:shade val="50000"/>
+            </a:schemeClr>
+          </a:lnRef>
+          <a:fillRef idx="1">
+            <a:schemeClr val="accent6"/>
+          </a:fillRef>
+          <a:effectRef idx="0">
+            <a:schemeClr val="accent6"/>
+          </a:effectRef>
+          <a:fontRef idx="minor">
+            <a:schemeClr val="lt1"/>
+          </a:fontRef>
+        </p:style>
+        <p:txBody>
+          <a:bodyPr rtlCol="0" anchor="ctr"/>
+          <a:lstStyle/>
+          <a:p>
+            <a:pPr algn="ctr"/>
+            <a:r>
+              <a:rPr lang="en-US" sz="1600" dirty="0"/>
+              <a:t>Modules</a:t>
+            </a:r>
+          </a:p>
+        </p:txBody>
+      </p:sp>
+      <p:cxnSp>
+        <p:nvCxnSpPr>
+          <p:cNvPr id="171" name="Connector: Elbow 170">
+            <a:extLst>
+              <a:ext uri="{FF2B5EF4-FFF2-40B4-BE49-F238E27FC236}">
+                <a16:creationId xmlns:a16="http://schemas.microsoft.com/office/drawing/2014/main" id="{280EE0B8-6EC0-40D1-BC3D-AF1D33425EDB}"/>
+              </a:ext>
+            </a:extLst>
+          </p:cNvPr>
+          <p:cNvCxnSpPr>
+            <a:stCxn id="10" idx="2"/>
+            <a:endCxn id="169" idx="0"/>
+          </p:cNvCxnSpPr>
+          <p:nvPr/>
+        </p:nvCxnSpPr>
+        <p:spPr>
+          <a:xfrm rot="16200000" flipH="1">
+            <a:off x="1347401" y="2210593"/>
+            <a:ext cx="1057358" cy="344508"/>
+          </a:xfrm>
+          <a:prstGeom prst="bentConnector3">
+            <a:avLst/>
+          </a:prstGeom>
+          <a:ln>
+            <a:tailEnd type="triangle"/>
+          </a:ln>
+        </p:spPr>
+        <p:style>
+          <a:lnRef idx="1">
+            <a:schemeClr val="accent1"/>
+          </a:lnRef>
+          <a:fillRef idx="0">
+            <a:schemeClr val="accent1"/>
+          </a:fillRef>
+          <a:effectRef idx="0">
+            <a:schemeClr val="accent1"/>
+          </a:effectRef>
+          <a:fontRef idx="minor">
+            <a:schemeClr val="tx1"/>
+          </a:fontRef>
+        </p:style>
+      </p:cxnSp>
+      <p:sp>
+        <p:nvSpPr>
+          <p:cNvPr id="173" name="Rectangle 172">
+            <a:extLst>
+              <a:ext uri="{FF2B5EF4-FFF2-40B4-BE49-F238E27FC236}">
+                <a16:creationId xmlns:a16="http://schemas.microsoft.com/office/drawing/2014/main" id="{1BA32995-E247-4D27-A54A-6BDBFA189669}"/>
+              </a:ext>
+            </a:extLst>
+          </p:cNvPr>
+          <p:cNvSpPr/>
+          <p:nvPr/>
+        </p:nvSpPr>
+        <p:spPr>
+          <a:xfrm>
+            <a:off x="2808719" y="2923964"/>
+            <a:ext cx="1322816" cy="260878"/>
+          </a:xfrm>
+          <a:prstGeom prst="rect">
+            <a:avLst/>
+          </a:prstGeom>
+        </p:spPr>
+        <p:style>
+          <a:lnRef idx="2">
+            <a:schemeClr val="accent6">
+              <a:shade val="50000"/>
+            </a:schemeClr>
+          </a:lnRef>
+          <a:fillRef idx="1">
+            <a:schemeClr val="accent6"/>
+          </a:fillRef>
+          <a:effectRef idx="0">
+            <a:schemeClr val="accent6"/>
+          </a:effectRef>
+          <a:fontRef idx="minor">
+            <a:schemeClr val="lt1"/>
+          </a:fontRef>
+        </p:style>
+        <p:txBody>
+          <a:bodyPr rtlCol="0" anchor="ctr"/>
+          <a:lstStyle/>
+          <a:p>
+            <a:pPr algn="ctr"/>
+            <a:r>
+              <a:rPr lang="en-US" sz="1600" dirty="0"/>
+              <a:t>local</a:t>
+            </a:r>
+          </a:p>
+        </p:txBody>
+      </p:sp>
+      <p:cxnSp>
+        <p:nvCxnSpPr>
+          <p:cNvPr id="175" name="Connector: Elbow 174">
+            <a:extLst>
+              <a:ext uri="{FF2B5EF4-FFF2-40B4-BE49-F238E27FC236}">
+                <a16:creationId xmlns:a16="http://schemas.microsoft.com/office/drawing/2014/main" id="{E51E4B44-7B43-44DE-9ADD-AE4C370E8492}"/>
+              </a:ext>
+            </a:extLst>
+          </p:cNvPr>
+          <p:cNvCxnSpPr>
+            <a:stCxn id="10" idx="2"/>
+            <a:endCxn id="173" idx="0"/>
+          </p:cNvCxnSpPr>
+          <p:nvPr/>
+        </p:nvCxnSpPr>
+        <p:spPr>
+          <a:xfrm rot="16200000" flipH="1">
+            <a:off x="2052078" y="1505915"/>
+            <a:ext cx="1069796" cy="1766301"/>
+          </a:xfrm>
+          <a:prstGeom prst="bentConnector3">
+            <a:avLst/>
+          </a:prstGeom>
+          <a:ln>
+            <a:tailEnd type="triangle"/>
+          </a:ln>
+        </p:spPr>
+        <p:style>
+          <a:lnRef idx="1">
+            <a:schemeClr val="accent1"/>
+          </a:lnRef>
+          <a:fillRef idx="0">
+            <a:schemeClr val="accent1"/>
+          </a:fillRef>
+          <a:effectRef idx="0">
+            <a:schemeClr val="accent1"/>
+          </a:effectRef>
+          <a:fontRef idx="minor">
+            <a:schemeClr val="tx1"/>
+          </a:fontRef>
+        </p:style>
+      </p:cxnSp>
+      <p:sp>
+        <p:nvSpPr>
+          <p:cNvPr id="177" name="Rectangle: Rounded Corners 176">
+            <a:extLst>
+              <a:ext uri="{FF2B5EF4-FFF2-40B4-BE49-F238E27FC236}">
+                <a16:creationId xmlns:a16="http://schemas.microsoft.com/office/drawing/2014/main" id="{82809AF9-ED83-42FF-BD3C-B2103B5A48E3}"/>
+              </a:ext>
+            </a:extLst>
+          </p:cNvPr>
+          <p:cNvSpPr/>
+          <p:nvPr/>
+        </p:nvSpPr>
+        <p:spPr>
+          <a:xfrm>
+            <a:off x="4375440" y="3429001"/>
+            <a:ext cx="1897212" cy="385618"/>
+          </a:xfrm>
+          <a:prstGeom prst="roundRect">
+            <a:avLst/>
+          </a:prstGeom>
+        </p:spPr>
+        <p:style>
+          <a:lnRef idx="2">
+            <a:schemeClr val="accent1">
+              <a:shade val="50000"/>
+            </a:schemeClr>
+          </a:lnRef>
+          <a:fillRef idx="1">
+            <a:schemeClr val="accent1"/>
+          </a:fillRef>
+          <a:effectRef idx="0">
+            <a:schemeClr val="accent1"/>
+          </a:effectRef>
+          <a:fontRef idx="minor">
+            <a:schemeClr val="lt1"/>
+          </a:fontRef>
+        </p:style>
+        <p:txBody>
+          <a:bodyPr rtlCol="0" anchor="ctr"/>
+          <a:lstStyle/>
+          <a:p>
+            <a:pPr algn="ctr"/>
+            <a:r>
+              <a:rPr lang="en-US" dirty="0" err="1"/>
+              <a:t>tfstate</a:t>
+            </a:r>
+            <a:endParaRPr lang="en-US" dirty="0"/>
+          </a:p>
+        </p:txBody>
+      </p:sp>
+      <p:cxnSp>
+        <p:nvCxnSpPr>
+          <p:cNvPr id="179" name="Connector: Elbow 178">
+            <a:extLst>
+              <a:ext uri="{FF2B5EF4-FFF2-40B4-BE49-F238E27FC236}">
+                <a16:creationId xmlns:a16="http://schemas.microsoft.com/office/drawing/2014/main" id="{C4BEFD52-59D5-4F27-BAF9-6DF5A12CFF3D}"/>
+              </a:ext>
+            </a:extLst>
+          </p:cNvPr>
+          <p:cNvCxnSpPr>
+            <a:endCxn id="177" idx="3"/>
+          </p:cNvCxnSpPr>
+          <p:nvPr/>
+        </p:nvCxnSpPr>
+        <p:spPr>
+          <a:xfrm rot="10800000">
+            <a:off x="6272652" y="3621811"/>
+            <a:ext cx="543784" cy="8081"/>
+          </a:xfrm>
+          <a:prstGeom prst="bentConnector3">
+            <a:avLst/>
+          </a:prstGeom>
+          <a:ln>
+            <a:tailEnd type="triangle"/>
+          </a:ln>
+        </p:spPr>
+        <p:style>
+          <a:lnRef idx="1">
+            <a:schemeClr val="accent1"/>
+          </a:lnRef>
+          <a:fillRef idx="0">
+            <a:schemeClr val="accent1"/>
+          </a:fillRef>
+          <a:effectRef idx="0">
+            <a:schemeClr val="accent1"/>
+          </a:effectRef>
+          <a:fontRef idx="minor">
+            <a:schemeClr val="tx1"/>
+          </a:fontRef>
+        </p:style>
+      </p:cxnSp>
+      <p:sp>
+        <p:nvSpPr>
+          <p:cNvPr id="190" name="Rectangle 189">
+            <a:extLst>
+              <a:ext uri="{FF2B5EF4-FFF2-40B4-BE49-F238E27FC236}">
+                <a16:creationId xmlns:a16="http://schemas.microsoft.com/office/drawing/2014/main" id="{50161395-8F14-4CAE-B290-28FEF2B870B4}"/>
+              </a:ext>
+            </a:extLst>
+          </p:cNvPr>
+          <p:cNvSpPr/>
+          <p:nvPr/>
+        </p:nvSpPr>
+        <p:spPr>
+          <a:xfrm>
+            <a:off x="4248123" y="2934506"/>
+            <a:ext cx="1322816" cy="260878"/>
+          </a:xfrm>
+          <a:prstGeom prst="rect">
+            <a:avLst/>
+          </a:prstGeom>
+        </p:spPr>
+        <p:style>
+          <a:lnRef idx="2">
+            <a:schemeClr val="accent6">
+              <a:shade val="50000"/>
+            </a:schemeClr>
+          </a:lnRef>
+          <a:fillRef idx="1">
+            <a:schemeClr val="accent6"/>
+          </a:fillRef>
+          <a:effectRef idx="0">
+            <a:schemeClr val="accent6"/>
+          </a:effectRef>
+          <a:fontRef idx="minor">
+            <a:schemeClr val="lt1"/>
+          </a:fontRef>
+        </p:style>
+        <p:txBody>
+          <a:bodyPr rtlCol="0" anchor="ctr"/>
+          <a:lstStyle/>
+          <a:p>
+            <a:pPr algn="ctr"/>
+            <a:r>
+              <a:rPr lang="en-US" sz="1600" dirty="0"/>
+              <a:t>output</a:t>
+            </a:r>
+          </a:p>
+        </p:txBody>
+      </p:sp>
     </p:spTree>
     <p:extLst>
       <p:ext uri="{BB962C8B-B14F-4D97-AF65-F5344CB8AC3E}">
-        <p14:creationId xmlns:p14="http://schemas.microsoft.com/office/powerpoint/2010/main" val="1941979558"/>
+        <p14:creationId xmlns:p14="http://schemas.microsoft.com/office/powerpoint/2010/main" val="2196753009"/>
       </p:ext>
     </p:extLst>
   </p:cSld>
@@ -7787,6 +9136,965 @@
           <p:cNvPr id="4" name="Rectangle 3">
             <a:extLst>
               <a:ext uri="{FF2B5EF4-FFF2-40B4-BE49-F238E27FC236}">
+                <a16:creationId xmlns:a16="http://schemas.microsoft.com/office/drawing/2014/main" id="{E8EB2CF6-6744-4659-9A3D-E33889B64F05}"/>
+              </a:ext>
+            </a:extLst>
+          </p:cNvPr>
+          <p:cNvSpPr/>
+          <p:nvPr/>
+        </p:nvSpPr>
+        <p:spPr>
+          <a:xfrm>
+            <a:off x="1801091" y="1948873"/>
+            <a:ext cx="1339273" cy="960582"/>
+          </a:xfrm>
+          <a:prstGeom prst="rect">
+            <a:avLst/>
+          </a:prstGeom>
+        </p:spPr>
+        <p:style>
+          <a:lnRef idx="2">
+            <a:schemeClr val="accent1">
+              <a:shade val="50000"/>
+            </a:schemeClr>
+          </a:lnRef>
+          <a:fillRef idx="1">
+            <a:schemeClr val="accent1"/>
+          </a:fillRef>
+          <a:effectRef idx="0">
+            <a:schemeClr val="accent1"/>
+          </a:effectRef>
+          <a:fontRef idx="minor">
+            <a:schemeClr val="lt1"/>
+          </a:fontRef>
+        </p:style>
+        <p:txBody>
+          <a:bodyPr rtlCol="0" anchor="ctr"/>
+          <a:lstStyle/>
+          <a:p>
+            <a:pPr algn="ctr"/>
+            <a:endParaRPr lang="en-US"/>
+          </a:p>
+        </p:txBody>
+      </p:sp>
+      <p:sp>
+        <p:nvSpPr>
+          <p:cNvPr id="5" name="Rectangle 4">
+            <a:extLst>
+              <a:ext uri="{FF2B5EF4-FFF2-40B4-BE49-F238E27FC236}">
+                <a16:creationId xmlns:a16="http://schemas.microsoft.com/office/drawing/2014/main" id="{04C845CF-25FE-4A3E-8589-FDB0D68A6158}"/>
+              </a:ext>
+            </a:extLst>
+          </p:cNvPr>
+          <p:cNvSpPr/>
+          <p:nvPr/>
+        </p:nvSpPr>
+        <p:spPr>
+          <a:xfrm>
+            <a:off x="9180945" y="1948873"/>
+            <a:ext cx="1339273" cy="960582"/>
+          </a:xfrm>
+          <a:prstGeom prst="rect">
+            <a:avLst/>
+          </a:prstGeom>
+        </p:spPr>
+        <p:style>
+          <a:lnRef idx="2">
+            <a:schemeClr val="accent1">
+              <a:shade val="50000"/>
+            </a:schemeClr>
+          </a:lnRef>
+          <a:fillRef idx="1">
+            <a:schemeClr val="accent1"/>
+          </a:fillRef>
+          <a:effectRef idx="0">
+            <a:schemeClr val="accent1"/>
+          </a:effectRef>
+          <a:fontRef idx="minor">
+            <a:schemeClr val="lt1"/>
+          </a:fontRef>
+        </p:style>
+        <p:txBody>
+          <a:bodyPr rtlCol="0" anchor="ctr"/>
+          <a:lstStyle/>
+          <a:p>
+            <a:pPr algn="ctr"/>
+            <a:endParaRPr lang="en-US"/>
+          </a:p>
+        </p:txBody>
+      </p:sp>
+      <p:sp>
+        <p:nvSpPr>
+          <p:cNvPr id="6" name="Rectangle 5">
+            <a:extLst>
+              <a:ext uri="{FF2B5EF4-FFF2-40B4-BE49-F238E27FC236}">
+                <a16:creationId xmlns:a16="http://schemas.microsoft.com/office/drawing/2014/main" id="{8B2B6697-2311-4730-A6CC-2CAE89D08285}"/>
+              </a:ext>
+            </a:extLst>
+          </p:cNvPr>
+          <p:cNvSpPr/>
+          <p:nvPr/>
+        </p:nvSpPr>
+        <p:spPr>
+          <a:xfrm>
+            <a:off x="1801091" y="3611419"/>
+            <a:ext cx="1339273" cy="960582"/>
+          </a:xfrm>
+          <a:prstGeom prst="rect">
+            <a:avLst/>
+          </a:prstGeom>
+        </p:spPr>
+        <p:style>
+          <a:lnRef idx="2">
+            <a:schemeClr val="accent1">
+              <a:shade val="50000"/>
+            </a:schemeClr>
+          </a:lnRef>
+          <a:fillRef idx="1">
+            <a:schemeClr val="accent1"/>
+          </a:fillRef>
+          <a:effectRef idx="0">
+            <a:schemeClr val="accent1"/>
+          </a:effectRef>
+          <a:fontRef idx="minor">
+            <a:schemeClr val="lt1"/>
+          </a:fontRef>
+        </p:style>
+        <p:txBody>
+          <a:bodyPr rtlCol="0" anchor="ctr"/>
+          <a:lstStyle/>
+          <a:p>
+            <a:pPr algn="ctr"/>
+            <a:endParaRPr lang="en-US"/>
+          </a:p>
+        </p:txBody>
+      </p:sp>
+      <p:sp>
+        <p:nvSpPr>
+          <p:cNvPr id="7" name="Rectangle 6">
+            <a:extLst>
+              <a:ext uri="{FF2B5EF4-FFF2-40B4-BE49-F238E27FC236}">
+                <a16:creationId xmlns:a16="http://schemas.microsoft.com/office/drawing/2014/main" id="{3A3E4F28-FAF8-46DE-BF34-AB14706A1486}"/>
+              </a:ext>
+            </a:extLst>
+          </p:cNvPr>
+          <p:cNvSpPr/>
+          <p:nvPr/>
+        </p:nvSpPr>
+        <p:spPr>
+          <a:xfrm>
+            <a:off x="1801090" y="5273965"/>
+            <a:ext cx="1339273" cy="960582"/>
+          </a:xfrm>
+          <a:prstGeom prst="rect">
+            <a:avLst/>
+          </a:prstGeom>
+        </p:spPr>
+        <p:style>
+          <a:lnRef idx="2">
+            <a:schemeClr val="accent1">
+              <a:shade val="50000"/>
+            </a:schemeClr>
+          </a:lnRef>
+          <a:fillRef idx="1">
+            <a:schemeClr val="accent1"/>
+          </a:fillRef>
+          <a:effectRef idx="0">
+            <a:schemeClr val="accent1"/>
+          </a:effectRef>
+          <a:fontRef idx="minor">
+            <a:schemeClr val="lt1"/>
+          </a:fontRef>
+        </p:style>
+        <p:txBody>
+          <a:bodyPr rtlCol="0" anchor="ctr"/>
+          <a:lstStyle/>
+          <a:p>
+            <a:pPr algn="ctr"/>
+            <a:endParaRPr lang="en-US"/>
+          </a:p>
+        </p:txBody>
+      </p:sp>
+      <p:sp>
+        <p:nvSpPr>
+          <p:cNvPr id="8" name="Rectangle 7">
+            <a:extLst>
+              <a:ext uri="{FF2B5EF4-FFF2-40B4-BE49-F238E27FC236}">
+                <a16:creationId xmlns:a16="http://schemas.microsoft.com/office/drawing/2014/main" id="{B6176296-083E-4FE4-8957-1890223DA1FF}"/>
+              </a:ext>
+            </a:extLst>
+          </p:cNvPr>
+          <p:cNvSpPr/>
+          <p:nvPr/>
+        </p:nvSpPr>
+        <p:spPr>
+          <a:xfrm>
+            <a:off x="1801090" y="286327"/>
+            <a:ext cx="1339273" cy="960582"/>
+          </a:xfrm>
+          <a:prstGeom prst="rect">
+            <a:avLst/>
+          </a:prstGeom>
+        </p:spPr>
+        <p:style>
+          <a:lnRef idx="2">
+            <a:schemeClr val="accent1">
+              <a:shade val="50000"/>
+            </a:schemeClr>
+          </a:lnRef>
+          <a:fillRef idx="1">
+            <a:schemeClr val="accent1"/>
+          </a:fillRef>
+          <a:effectRef idx="0">
+            <a:schemeClr val="accent1"/>
+          </a:effectRef>
+          <a:fontRef idx="minor">
+            <a:schemeClr val="lt1"/>
+          </a:fontRef>
+        </p:style>
+        <p:txBody>
+          <a:bodyPr rtlCol="0" anchor="ctr"/>
+          <a:lstStyle/>
+          <a:p>
+            <a:pPr algn="ctr"/>
+            <a:endParaRPr lang="en-US"/>
+          </a:p>
+        </p:txBody>
+      </p:sp>
+      <p:sp>
+        <p:nvSpPr>
+          <p:cNvPr id="9" name="Rectangle 8">
+            <a:extLst>
+              <a:ext uri="{FF2B5EF4-FFF2-40B4-BE49-F238E27FC236}">
+                <a16:creationId xmlns:a16="http://schemas.microsoft.com/office/drawing/2014/main" id="{4CBE0B4F-0F7A-4847-9F18-4AA24FCC9914}"/>
+              </a:ext>
+            </a:extLst>
+          </p:cNvPr>
+          <p:cNvSpPr/>
+          <p:nvPr/>
+        </p:nvSpPr>
+        <p:spPr>
+          <a:xfrm>
+            <a:off x="9051637" y="249382"/>
+            <a:ext cx="1339273" cy="960582"/>
+          </a:xfrm>
+          <a:prstGeom prst="rect">
+            <a:avLst/>
+          </a:prstGeom>
+        </p:spPr>
+        <p:style>
+          <a:lnRef idx="2">
+            <a:schemeClr val="accent1">
+              <a:shade val="50000"/>
+            </a:schemeClr>
+          </a:lnRef>
+          <a:fillRef idx="1">
+            <a:schemeClr val="accent1"/>
+          </a:fillRef>
+          <a:effectRef idx="0">
+            <a:schemeClr val="accent1"/>
+          </a:effectRef>
+          <a:fontRef idx="minor">
+            <a:schemeClr val="lt1"/>
+          </a:fontRef>
+        </p:style>
+        <p:txBody>
+          <a:bodyPr rtlCol="0" anchor="ctr"/>
+          <a:lstStyle/>
+          <a:p>
+            <a:pPr algn="ctr"/>
+            <a:endParaRPr lang="en-US"/>
+          </a:p>
+        </p:txBody>
+      </p:sp>
+      <p:sp>
+        <p:nvSpPr>
+          <p:cNvPr id="10" name="Rectangle 9">
+            <a:extLst>
+              <a:ext uri="{FF2B5EF4-FFF2-40B4-BE49-F238E27FC236}">
+                <a16:creationId xmlns:a16="http://schemas.microsoft.com/office/drawing/2014/main" id="{0DC833A0-2CEF-4627-B2A6-B377D2138ACA}"/>
+              </a:ext>
+            </a:extLst>
+          </p:cNvPr>
+          <p:cNvSpPr/>
+          <p:nvPr/>
+        </p:nvSpPr>
+        <p:spPr>
+          <a:xfrm>
+            <a:off x="1671782" y="-1413164"/>
+            <a:ext cx="1339273" cy="960582"/>
+          </a:xfrm>
+          <a:prstGeom prst="rect">
+            <a:avLst/>
+          </a:prstGeom>
+        </p:spPr>
+        <p:style>
+          <a:lnRef idx="2">
+            <a:schemeClr val="accent1">
+              <a:shade val="50000"/>
+            </a:schemeClr>
+          </a:lnRef>
+          <a:fillRef idx="1">
+            <a:schemeClr val="accent1"/>
+          </a:fillRef>
+          <a:effectRef idx="0">
+            <a:schemeClr val="accent1"/>
+          </a:effectRef>
+          <a:fontRef idx="minor">
+            <a:schemeClr val="lt1"/>
+          </a:fontRef>
+        </p:style>
+        <p:txBody>
+          <a:bodyPr rtlCol="0" anchor="ctr"/>
+          <a:lstStyle/>
+          <a:p>
+            <a:pPr algn="ctr"/>
+            <a:endParaRPr lang="en-US"/>
+          </a:p>
+        </p:txBody>
+      </p:sp>
+      <p:sp>
+        <p:nvSpPr>
+          <p:cNvPr id="13" name="Rectangle 12">
+            <a:extLst>
+              <a:ext uri="{FF2B5EF4-FFF2-40B4-BE49-F238E27FC236}">
+                <a16:creationId xmlns:a16="http://schemas.microsoft.com/office/drawing/2014/main" id="{B036B0BA-20E3-4F1E-AAD2-4D737826707D}"/>
+              </a:ext>
+            </a:extLst>
+          </p:cNvPr>
+          <p:cNvSpPr/>
+          <p:nvPr/>
+        </p:nvSpPr>
+        <p:spPr>
+          <a:xfrm>
+            <a:off x="9254836" y="5098472"/>
+            <a:ext cx="1339273" cy="960582"/>
+          </a:xfrm>
+          <a:prstGeom prst="rect">
+            <a:avLst/>
+          </a:prstGeom>
+        </p:spPr>
+        <p:style>
+          <a:lnRef idx="2">
+            <a:schemeClr val="accent1">
+              <a:shade val="50000"/>
+            </a:schemeClr>
+          </a:lnRef>
+          <a:fillRef idx="1">
+            <a:schemeClr val="accent1"/>
+          </a:fillRef>
+          <a:effectRef idx="0">
+            <a:schemeClr val="accent1"/>
+          </a:effectRef>
+          <a:fontRef idx="minor">
+            <a:schemeClr val="lt1"/>
+          </a:fontRef>
+        </p:style>
+        <p:txBody>
+          <a:bodyPr rtlCol="0" anchor="ctr"/>
+          <a:lstStyle/>
+          <a:p>
+            <a:pPr algn="ctr"/>
+            <a:endParaRPr lang="en-US"/>
+          </a:p>
+        </p:txBody>
+      </p:sp>
+      <p:sp>
+        <p:nvSpPr>
+          <p:cNvPr id="14" name="Rectangle 13">
+            <a:extLst>
+              <a:ext uri="{FF2B5EF4-FFF2-40B4-BE49-F238E27FC236}">
+                <a16:creationId xmlns:a16="http://schemas.microsoft.com/office/drawing/2014/main" id="{4F867152-8A33-4F9D-8BB0-0A0CF6CE891A}"/>
+              </a:ext>
+            </a:extLst>
+          </p:cNvPr>
+          <p:cNvSpPr/>
+          <p:nvPr/>
+        </p:nvSpPr>
+        <p:spPr>
+          <a:xfrm>
+            <a:off x="1801090" y="-1376219"/>
+            <a:ext cx="1339273" cy="960582"/>
+          </a:xfrm>
+          <a:prstGeom prst="rect">
+            <a:avLst/>
+          </a:prstGeom>
+        </p:spPr>
+        <p:style>
+          <a:lnRef idx="2">
+            <a:schemeClr val="accent1">
+              <a:shade val="50000"/>
+            </a:schemeClr>
+          </a:lnRef>
+          <a:fillRef idx="1">
+            <a:schemeClr val="accent1"/>
+          </a:fillRef>
+          <a:effectRef idx="0">
+            <a:schemeClr val="accent1"/>
+          </a:effectRef>
+          <a:fontRef idx="minor">
+            <a:schemeClr val="lt1"/>
+          </a:fontRef>
+        </p:style>
+        <p:txBody>
+          <a:bodyPr rtlCol="0" anchor="ctr"/>
+          <a:lstStyle/>
+          <a:p>
+            <a:pPr algn="ctr"/>
+            <a:endParaRPr lang="en-US"/>
+          </a:p>
+        </p:txBody>
+      </p:sp>
+      <p:sp>
+        <p:nvSpPr>
+          <p:cNvPr id="17" name="Rectangle 16">
+            <a:extLst>
+              <a:ext uri="{FF2B5EF4-FFF2-40B4-BE49-F238E27FC236}">
+                <a16:creationId xmlns:a16="http://schemas.microsoft.com/office/drawing/2014/main" id="{A8AF25A8-82B6-4D9C-940B-D93A7D087106}"/>
+              </a:ext>
+            </a:extLst>
+          </p:cNvPr>
+          <p:cNvSpPr/>
+          <p:nvPr/>
+        </p:nvSpPr>
+        <p:spPr>
+          <a:xfrm>
+            <a:off x="9180945" y="3468255"/>
+            <a:ext cx="1339273" cy="960582"/>
+          </a:xfrm>
+          <a:prstGeom prst="rect">
+            <a:avLst/>
+          </a:prstGeom>
+        </p:spPr>
+        <p:style>
+          <a:lnRef idx="2">
+            <a:schemeClr val="accent1">
+              <a:shade val="50000"/>
+            </a:schemeClr>
+          </a:lnRef>
+          <a:fillRef idx="1">
+            <a:schemeClr val="accent1"/>
+          </a:fillRef>
+          <a:effectRef idx="0">
+            <a:schemeClr val="accent1"/>
+          </a:effectRef>
+          <a:fontRef idx="minor">
+            <a:schemeClr val="lt1"/>
+          </a:fontRef>
+        </p:style>
+        <p:txBody>
+          <a:bodyPr rtlCol="0" anchor="ctr"/>
+          <a:lstStyle/>
+          <a:p>
+            <a:pPr algn="ctr"/>
+            <a:endParaRPr lang="en-US"/>
+          </a:p>
+        </p:txBody>
+      </p:sp>
+      <p:sp>
+        <p:nvSpPr>
+          <p:cNvPr id="39" name="Rectangle 38">
+            <a:extLst>
+              <a:ext uri="{FF2B5EF4-FFF2-40B4-BE49-F238E27FC236}">
+                <a16:creationId xmlns:a16="http://schemas.microsoft.com/office/drawing/2014/main" id="{285BBFFD-D6C6-4932-A620-DD2148DDEF8A}"/>
+              </a:ext>
+            </a:extLst>
+          </p:cNvPr>
+          <p:cNvSpPr/>
+          <p:nvPr/>
+        </p:nvSpPr>
+        <p:spPr>
+          <a:xfrm>
+            <a:off x="5426363" y="1168399"/>
+            <a:ext cx="1339273" cy="4442691"/>
+          </a:xfrm>
+          <a:prstGeom prst="rect">
+            <a:avLst/>
+          </a:prstGeom>
+        </p:spPr>
+        <p:style>
+          <a:lnRef idx="2">
+            <a:schemeClr val="accent1">
+              <a:shade val="50000"/>
+            </a:schemeClr>
+          </a:lnRef>
+          <a:fillRef idx="1">
+            <a:schemeClr val="accent1"/>
+          </a:fillRef>
+          <a:effectRef idx="0">
+            <a:schemeClr val="accent1"/>
+          </a:effectRef>
+          <a:fontRef idx="minor">
+            <a:schemeClr val="lt1"/>
+          </a:fontRef>
+        </p:style>
+        <p:txBody>
+          <a:bodyPr rtlCol="0" anchor="ctr"/>
+          <a:lstStyle/>
+          <a:p>
+            <a:pPr algn="ctr"/>
+            <a:r>
+              <a:rPr lang="en-US" dirty="0"/>
+              <a:t>B</a:t>
+            </a:r>
+          </a:p>
+          <a:p>
+            <a:pPr algn="ctr"/>
+            <a:r>
+              <a:rPr lang="en-US" dirty="0"/>
+              <a:t>R</a:t>
+            </a:r>
+            <a:br>
+              <a:rPr lang="en-US" dirty="0"/>
+            </a:br>
+            <a:r>
+              <a:rPr lang="en-US" dirty="0"/>
+              <a:t>O</a:t>
+            </a:r>
+          </a:p>
+          <a:p>
+            <a:pPr algn="ctr"/>
+            <a:r>
+              <a:rPr lang="en-US" dirty="0"/>
+              <a:t>K</a:t>
+            </a:r>
+          </a:p>
+          <a:p>
+            <a:pPr algn="ctr"/>
+            <a:r>
+              <a:rPr lang="en-US" dirty="0"/>
+              <a:t>E</a:t>
+            </a:r>
+          </a:p>
+          <a:p>
+            <a:pPr algn="ctr"/>
+            <a:r>
+              <a:rPr lang="en-US" dirty="0"/>
+              <a:t>R</a:t>
+            </a:r>
+          </a:p>
+        </p:txBody>
+      </p:sp>
+      <p:sp>
+        <p:nvSpPr>
+          <p:cNvPr id="40" name="Rectangle 39">
+            <a:extLst>
+              <a:ext uri="{FF2B5EF4-FFF2-40B4-BE49-F238E27FC236}">
+                <a16:creationId xmlns:a16="http://schemas.microsoft.com/office/drawing/2014/main" id="{9104EC30-632B-476D-9EA9-02F9A1739172}"/>
+              </a:ext>
+            </a:extLst>
+          </p:cNvPr>
+          <p:cNvSpPr/>
+          <p:nvPr/>
+        </p:nvSpPr>
+        <p:spPr>
+          <a:xfrm>
+            <a:off x="5232400" y="2087417"/>
+            <a:ext cx="1685636" cy="434109"/>
+          </a:xfrm>
+          <a:prstGeom prst="rect">
+            <a:avLst/>
+          </a:prstGeom>
+        </p:spPr>
+        <p:style>
+          <a:lnRef idx="2">
+            <a:schemeClr val="accent3">
+              <a:shade val="50000"/>
+            </a:schemeClr>
+          </a:lnRef>
+          <a:fillRef idx="1">
+            <a:schemeClr val="accent3"/>
+          </a:fillRef>
+          <a:effectRef idx="0">
+            <a:schemeClr val="accent3"/>
+          </a:effectRef>
+          <a:fontRef idx="minor">
+            <a:schemeClr val="lt1"/>
+          </a:fontRef>
+        </p:style>
+        <p:txBody>
+          <a:bodyPr rtlCol="0" anchor="ctr"/>
+          <a:lstStyle/>
+          <a:p>
+            <a:pPr algn="ctr"/>
+            <a:r>
+              <a:rPr lang="en-US" dirty="0"/>
+              <a:t>TOPIC</a:t>
+            </a:r>
+          </a:p>
+        </p:txBody>
+      </p:sp>
+      <p:cxnSp>
+        <p:nvCxnSpPr>
+          <p:cNvPr id="42" name="Straight Arrow Connector 41">
+            <a:extLst>
+              <a:ext uri="{FF2B5EF4-FFF2-40B4-BE49-F238E27FC236}">
+                <a16:creationId xmlns:a16="http://schemas.microsoft.com/office/drawing/2014/main" id="{E0B9334E-639C-457C-88CB-B4E3C35161ED}"/>
+              </a:ext>
+            </a:extLst>
+          </p:cNvPr>
+          <p:cNvCxnSpPr>
+            <a:stCxn id="8" idx="3"/>
+            <a:endCxn id="40" idx="1"/>
+          </p:cNvCxnSpPr>
+          <p:nvPr/>
+        </p:nvCxnSpPr>
+        <p:spPr>
+          <a:xfrm>
+            <a:off x="3140363" y="766618"/>
+            <a:ext cx="2092037" cy="1537854"/>
+          </a:xfrm>
+          <a:prstGeom prst="straightConnector1">
+            <a:avLst/>
+          </a:prstGeom>
+          <a:ln>
+            <a:tailEnd type="triangle"/>
+          </a:ln>
+        </p:spPr>
+        <p:style>
+          <a:lnRef idx="1">
+            <a:schemeClr val="accent1"/>
+          </a:lnRef>
+          <a:fillRef idx="0">
+            <a:schemeClr val="accent1"/>
+          </a:fillRef>
+          <a:effectRef idx="0">
+            <a:schemeClr val="accent1"/>
+          </a:effectRef>
+          <a:fontRef idx="minor">
+            <a:schemeClr val="tx1"/>
+          </a:fontRef>
+        </p:style>
+      </p:cxnSp>
+      <p:cxnSp>
+        <p:nvCxnSpPr>
+          <p:cNvPr id="44" name="Straight Arrow Connector 43">
+            <a:extLst>
+              <a:ext uri="{FF2B5EF4-FFF2-40B4-BE49-F238E27FC236}">
+                <a16:creationId xmlns:a16="http://schemas.microsoft.com/office/drawing/2014/main" id="{69D3D947-5283-444A-A396-2BE053403D28}"/>
+              </a:ext>
+            </a:extLst>
+          </p:cNvPr>
+          <p:cNvCxnSpPr>
+            <a:stCxn id="9" idx="1"/>
+            <a:endCxn id="40" idx="3"/>
+          </p:cNvCxnSpPr>
+          <p:nvPr/>
+        </p:nvCxnSpPr>
+        <p:spPr>
+          <a:xfrm flipH="1">
+            <a:off x="6918036" y="729673"/>
+            <a:ext cx="2133601" cy="1574799"/>
+          </a:xfrm>
+          <a:prstGeom prst="straightConnector1">
+            <a:avLst/>
+          </a:prstGeom>
+          <a:ln>
+            <a:tailEnd type="triangle"/>
+          </a:ln>
+        </p:spPr>
+        <p:style>
+          <a:lnRef idx="1">
+            <a:schemeClr val="accent1"/>
+          </a:lnRef>
+          <a:fillRef idx="0">
+            <a:schemeClr val="accent1"/>
+          </a:fillRef>
+          <a:effectRef idx="0">
+            <a:schemeClr val="accent1"/>
+          </a:effectRef>
+          <a:fontRef idx="minor">
+            <a:schemeClr val="tx1"/>
+          </a:fontRef>
+        </p:style>
+      </p:cxnSp>
+      <p:cxnSp>
+        <p:nvCxnSpPr>
+          <p:cNvPr id="46" name="Straight Arrow Connector 45">
+            <a:extLst>
+              <a:ext uri="{FF2B5EF4-FFF2-40B4-BE49-F238E27FC236}">
+                <a16:creationId xmlns:a16="http://schemas.microsoft.com/office/drawing/2014/main" id="{34ABD8D5-8BB1-44B5-AADA-79F39D1249D1}"/>
+              </a:ext>
+            </a:extLst>
+          </p:cNvPr>
+          <p:cNvCxnSpPr>
+            <a:stCxn id="5" idx="1"/>
+            <a:endCxn id="40" idx="3"/>
+          </p:cNvCxnSpPr>
+          <p:nvPr/>
+        </p:nvCxnSpPr>
+        <p:spPr>
+          <a:xfrm flipH="1" flipV="1">
+            <a:off x="6918036" y="2304472"/>
+            <a:ext cx="2262909" cy="124692"/>
+          </a:xfrm>
+          <a:prstGeom prst="straightConnector1">
+            <a:avLst/>
+          </a:prstGeom>
+          <a:ln>
+            <a:tailEnd type="triangle"/>
+          </a:ln>
+        </p:spPr>
+        <p:style>
+          <a:lnRef idx="1">
+            <a:schemeClr val="accent1"/>
+          </a:lnRef>
+          <a:fillRef idx="0">
+            <a:schemeClr val="accent1"/>
+          </a:fillRef>
+          <a:effectRef idx="0">
+            <a:schemeClr val="accent1"/>
+          </a:effectRef>
+          <a:fontRef idx="minor">
+            <a:schemeClr val="tx1"/>
+          </a:fontRef>
+        </p:style>
+      </p:cxnSp>
+      <p:cxnSp>
+        <p:nvCxnSpPr>
+          <p:cNvPr id="48" name="Straight Arrow Connector 47">
+            <a:extLst>
+              <a:ext uri="{FF2B5EF4-FFF2-40B4-BE49-F238E27FC236}">
+                <a16:creationId xmlns:a16="http://schemas.microsoft.com/office/drawing/2014/main" id="{BBB89E3E-1D58-4135-AC2E-E9946713D023}"/>
+              </a:ext>
+            </a:extLst>
+          </p:cNvPr>
+          <p:cNvCxnSpPr>
+            <a:stCxn id="17" idx="1"/>
+            <a:endCxn id="40" idx="3"/>
+          </p:cNvCxnSpPr>
+          <p:nvPr/>
+        </p:nvCxnSpPr>
+        <p:spPr>
+          <a:xfrm flipH="1" flipV="1">
+            <a:off x="6918036" y="2304472"/>
+            <a:ext cx="2262909" cy="1644074"/>
+          </a:xfrm>
+          <a:prstGeom prst="straightConnector1">
+            <a:avLst/>
+          </a:prstGeom>
+          <a:ln>
+            <a:tailEnd type="triangle"/>
+          </a:ln>
+        </p:spPr>
+        <p:style>
+          <a:lnRef idx="1">
+            <a:schemeClr val="accent1"/>
+          </a:lnRef>
+          <a:fillRef idx="0">
+            <a:schemeClr val="accent1"/>
+          </a:fillRef>
+          <a:effectRef idx="0">
+            <a:schemeClr val="accent1"/>
+          </a:effectRef>
+          <a:fontRef idx="minor">
+            <a:schemeClr val="tx1"/>
+          </a:fontRef>
+        </p:style>
+      </p:cxnSp>
+      <p:cxnSp>
+        <p:nvCxnSpPr>
+          <p:cNvPr id="50" name="Straight Arrow Connector 49">
+            <a:extLst>
+              <a:ext uri="{FF2B5EF4-FFF2-40B4-BE49-F238E27FC236}">
+                <a16:creationId xmlns:a16="http://schemas.microsoft.com/office/drawing/2014/main" id="{5A91D659-54EA-49CE-A112-10CCA51CE62B}"/>
+              </a:ext>
+            </a:extLst>
+          </p:cNvPr>
+          <p:cNvCxnSpPr>
+            <a:stCxn id="13" idx="1"/>
+            <a:endCxn id="40" idx="3"/>
+          </p:cNvCxnSpPr>
+          <p:nvPr/>
+        </p:nvCxnSpPr>
+        <p:spPr>
+          <a:xfrm flipH="1" flipV="1">
+            <a:off x="6918036" y="2304472"/>
+            <a:ext cx="2336800" cy="3274291"/>
+          </a:xfrm>
+          <a:prstGeom prst="straightConnector1">
+            <a:avLst/>
+          </a:prstGeom>
+          <a:ln>
+            <a:tailEnd type="triangle"/>
+          </a:ln>
+        </p:spPr>
+        <p:style>
+          <a:lnRef idx="1">
+            <a:schemeClr val="accent1"/>
+          </a:lnRef>
+          <a:fillRef idx="0">
+            <a:schemeClr val="accent1"/>
+          </a:fillRef>
+          <a:effectRef idx="0">
+            <a:schemeClr val="accent1"/>
+          </a:effectRef>
+          <a:fontRef idx="minor">
+            <a:schemeClr val="tx1"/>
+          </a:fontRef>
+        </p:style>
+      </p:cxnSp>
+      <p:cxnSp>
+        <p:nvCxnSpPr>
+          <p:cNvPr id="57" name="Straight Arrow Connector 56">
+            <a:extLst>
+              <a:ext uri="{FF2B5EF4-FFF2-40B4-BE49-F238E27FC236}">
+                <a16:creationId xmlns:a16="http://schemas.microsoft.com/office/drawing/2014/main" id="{2F9190B3-9DDF-4857-826C-757737427EAB}"/>
+              </a:ext>
+            </a:extLst>
+          </p:cNvPr>
+          <p:cNvCxnSpPr>
+            <a:stCxn id="4" idx="3"/>
+            <a:endCxn id="40" idx="1"/>
+          </p:cNvCxnSpPr>
+          <p:nvPr/>
+        </p:nvCxnSpPr>
+        <p:spPr>
+          <a:xfrm flipV="1">
+            <a:off x="3140364" y="2304472"/>
+            <a:ext cx="2092036" cy="124692"/>
+          </a:xfrm>
+          <a:prstGeom prst="straightConnector1">
+            <a:avLst/>
+          </a:prstGeom>
+          <a:ln>
+            <a:tailEnd type="triangle"/>
+          </a:ln>
+        </p:spPr>
+        <p:style>
+          <a:lnRef idx="1">
+            <a:schemeClr val="accent1"/>
+          </a:lnRef>
+          <a:fillRef idx="0">
+            <a:schemeClr val="accent1"/>
+          </a:fillRef>
+          <a:effectRef idx="0">
+            <a:schemeClr val="accent1"/>
+          </a:effectRef>
+          <a:fontRef idx="minor">
+            <a:schemeClr val="tx1"/>
+          </a:fontRef>
+        </p:style>
+      </p:cxnSp>
+      <p:cxnSp>
+        <p:nvCxnSpPr>
+          <p:cNvPr id="59" name="Straight Arrow Connector 58">
+            <a:extLst>
+              <a:ext uri="{FF2B5EF4-FFF2-40B4-BE49-F238E27FC236}">
+                <a16:creationId xmlns:a16="http://schemas.microsoft.com/office/drawing/2014/main" id="{8C6FCFB1-6C81-45AE-9C59-54184CBA9018}"/>
+              </a:ext>
+            </a:extLst>
+          </p:cNvPr>
+          <p:cNvCxnSpPr>
+            <a:stCxn id="6" idx="3"/>
+            <a:endCxn id="40" idx="1"/>
+          </p:cNvCxnSpPr>
+          <p:nvPr/>
+        </p:nvCxnSpPr>
+        <p:spPr>
+          <a:xfrm flipV="1">
+            <a:off x="3140364" y="2304472"/>
+            <a:ext cx="2092036" cy="1787238"/>
+          </a:xfrm>
+          <a:prstGeom prst="straightConnector1">
+            <a:avLst/>
+          </a:prstGeom>
+          <a:ln>
+            <a:tailEnd type="triangle"/>
+          </a:ln>
+        </p:spPr>
+        <p:style>
+          <a:lnRef idx="1">
+            <a:schemeClr val="accent1"/>
+          </a:lnRef>
+          <a:fillRef idx="0">
+            <a:schemeClr val="accent1"/>
+          </a:fillRef>
+          <a:effectRef idx="0">
+            <a:schemeClr val="accent1"/>
+          </a:effectRef>
+          <a:fontRef idx="minor">
+            <a:schemeClr val="tx1"/>
+          </a:fontRef>
+        </p:style>
+      </p:cxnSp>
+      <p:cxnSp>
+        <p:nvCxnSpPr>
+          <p:cNvPr id="61" name="Straight Arrow Connector 60">
+            <a:extLst>
+              <a:ext uri="{FF2B5EF4-FFF2-40B4-BE49-F238E27FC236}">
+                <a16:creationId xmlns:a16="http://schemas.microsoft.com/office/drawing/2014/main" id="{42226737-E8DE-4009-A90A-56B6FAAA81A6}"/>
+              </a:ext>
+            </a:extLst>
+          </p:cNvPr>
+          <p:cNvCxnSpPr>
+            <a:stCxn id="7" idx="3"/>
+            <a:endCxn id="40" idx="1"/>
+          </p:cNvCxnSpPr>
+          <p:nvPr/>
+        </p:nvCxnSpPr>
+        <p:spPr>
+          <a:xfrm flipV="1">
+            <a:off x="3140363" y="2304472"/>
+            <a:ext cx="2092037" cy="3449784"/>
+          </a:xfrm>
+          <a:prstGeom prst="straightConnector1">
+            <a:avLst/>
+          </a:prstGeom>
+          <a:ln>
+            <a:tailEnd type="triangle"/>
+          </a:ln>
+        </p:spPr>
+        <p:style>
+          <a:lnRef idx="1">
+            <a:schemeClr val="accent1"/>
+          </a:lnRef>
+          <a:fillRef idx="0">
+            <a:schemeClr val="accent1"/>
+          </a:fillRef>
+          <a:effectRef idx="0">
+            <a:schemeClr val="accent1"/>
+          </a:effectRef>
+          <a:fontRef idx="minor">
+            <a:schemeClr val="tx1"/>
+          </a:fontRef>
+        </p:style>
+      </p:cxnSp>
+    </p:spTree>
+    <p:extLst>
+      <p:ext uri="{BB962C8B-B14F-4D97-AF65-F5344CB8AC3E}">
+        <p14:creationId xmlns:p14="http://schemas.microsoft.com/office/powerpoint/2010/main" val="1941979558"/>
+      </p:ext>
+    </p:extLst>
+  </p:cSld>
+  <p:clrMapOvr>
+    <a:masterClrMapping/>
+  </p:clrMapOvr>
+</p:sld>
+</file>
+
+<file path=ppt/slides/slide14.xml><?xml version="1.0" encoding="utf-8"?>
+<p:sld xmlns:a="http://schemas.openxmlformats.org/drawingml/2006/main" xmlns:r="http://schemas.openxmlformats.org/officeDocument/2006/relationships" xmlns:p="http://schemas.openxmlformats.org/presentationml/2006/main">
+  <p:cSld>
+    <p:spTree>
+      <p:nvGrpSpPr>
+        <p:cNvPr id="1" name=""/>
+        <p:cNvGrpSpPr/>
+        <p:nvPr/>
+      </p:nvGrpSpPr>
+      <p:grpSpPr>
+        <a:xfrm>
+          <a:off x="0" y="0"/>
+          <a:ext cx="0" cy="0"/>
+          <a:chOff x="0" y="0"/>
+          <a:chExt cx="0" cy="0"/>
+        </a:xfrm>
+      </p:grpSpPr>
+      <p:sp>
+        <p:nvSpPr>
+          <p:cNvPr id="4" name="Rectangle 3">
+            <a:extLst>
+              <a:ext uri="{FF2B5EF4-FFF2-40B4-BE49-F238E27FC236}">
                 <a16:creationId xmlns:a16="http://schemas.microsoft.com/office/drawing/2014/main" id="{351F27EC-2DB3-4B9B-9C66-DCCAF55CE8D4}"/>
               </a:ext>
             </a:extLst>
@@ -7891,7 +10199,7 @@
 </p:sld>
 </file>
 
-<file path=ppt/slides/slide14.xml><?xml version="1.0" encoding="utf-8"?>
+<file path=ppt/slides/slide15.xml><?xml version="1.0" encoding="utf-8"?>
 <p:sld xmlns:a="http://schemas.openxmlformats.org/drawingml/2006/main" xmlns:r="http://schemas.openxmlformats.org/officeDocument/2006/relationships" xmlns:p="http://schemas.openxmlformats.org/presentationml/2006/main">
   <p:cSld>
     <p:spTree>

--- a/AWSPresentation1.pptx
+++ b/AWSPresentation1.pptx
@@ -300,7 +300,7 @@
           <a:p>
             <a:fld id="{514B463D-3EF5-4A22-BC21-7B63AB95E5E7}" type="datetimeFigureOut">
               <a:rPr lang="en-US" smtClean="0"/>
-              <a:t>6/26/2020</a:t>
+              <a:t>6/27/2020</a:t>
             </a:fld>
             <a:endParaRPr lang="en-US"/>
           </a:p>
@@ -498,7 +498,7 @@
           <a:p>
             <a:fld id="{514B463D-3EF5-4A22-BC21-7B63AB95E5E7}" type="datetimeFigureOut">
               <a:rPr lang="en-US" smtClean="0"/>
-              <a:t>6/26/2020</a:t>
+              <a:t>6/27/2020</a:t>
             </a:fld>
             <a:endParaRPr lang="en-US"/>
           </a:p>
@@ -706,7 +706,7 @@
           <a:p>
             <a:fld id="{514B463D-3EF5-4A22-BC21-7B63AB95E5E7}" type="datetimeFigureOut">
               <a:rPr lang="en-US" smtClean="0"/>
-              <a:t>6/26/2020</a:t>
+              <a:t>6/27/2020</a:t>
             </a:fld>
             <a:endParaRPr lang="en-US"/>
           </a:p>
@@ -904,7 +904,7 @@
           <a:p>
             <a:fld id="{514B463D-3EF5-4A22-BC21-7B63AB95E5E7}" type="datetimeFigureOut">
               <a:rPr lang="en-US" smtClean="0"/>
-              <a:t>6/26/2020</a:t>
+              <a:t>6/27/2020</a:t>
             </a:fld>
             <a:endParaRPr lang="en-US"/>
           </a:p>
@@ -1179,7 +1179,7 @@
           <a:p>
             <a:fld id="{514B463D-3EF5-4A22-BC21-7B63AB95E5E7}" type="datetimeFigureOut">
               <a:rPr lang="en-US" smtClean="0"/>
-              <a:t>6/26/2020</a:t>
+              <a:t>6/27/2020</a:t>
             </a:fld>
             <a:endParaRPr lang="en-US"/>
           </a:p>
@@ -1444,7 +1444,7 @@
           <a:p>
             <a:fld id="{514B463D-3EF5-4A22-BC21-7B63AB95E5E7}" type="datetimeFigureOut">
               <a:rPr lang="en-US" smtClean="0"/>
-              <a:t>6/26/2020</a:t>
+              <a:t>6/27/2020</a:t>
             </a:fld>
             <a:endParaRPr lang="en-US"/>
           </a:p>
@@ -1856,7 +1856,7 @@
           <a:p>
             <a:fld id="{514B463D-3EF5-4A22-BC21-7B63AB95E5E7}" type="datetimeFigureOut">
               <a:rPr lang="en-US" smtClean="0"/>
-              <a:t>6/26/2020</a:t>
+              <a:t>6/27/2020</a:t>
             </a:fld>
             <a:endParaRPr lang="en-US"/>
           </a:p>
@@ -1997,7 +1997,7 @@
           <a:p>
             <a:fld id="{514B463D-3EF5-4A22-BC21-7B63AB95E5E7}" type="datetimeFigureOut">
               <a:rPr lang="en-US" smtClean="0"/>
-              <a:t>6/26/2020</a:t>
+              <a:t>6/27/2020</a:t>
             </a:fld>
             <a:endParaRPr lang="en-US"/>
           </a:p>
@@ -2110,7 +2110,7 @@
           <a:p>
             <a:fld id="{514B463D-3EF5-4A22-BC21-7B63AB95E5E7}" type="datetimeFigureOut">
               <a:rPr lang="en-US" smtClean="0"/>
-              <a:t>6/26/2020</a:t>
+              <a:t>6/27/2020</a:t>
             </a:fld>
             <a:endParaRPr lang="en-US"/>
           </a:p>
@@ -2421,7 +2421,7 @@
           <a:p>
             <a:fld id="{514B463D-3EF5-4A22-BC21-7B63AB95E5E7}" type="datetimeFigureOut">
               <a:rPr lang="en-US" smtClean="0"/>
-              <a:t>6/26/2020</a:t>
+              <a:t>6/27/2020</a:t>
             </a:fld>
             <a:endParaRPr lang="en-US"/>
           </a:p>
@@ -2709,7 +2709,7 @@
           <a:p>
             <a:fld id="{514B463D-3EF5-4A22-BC21-7B63AB95E5E7}" type="datetimeFigureOut">
               <a:rPr lang="en-US" smtClean="0"/>
-              <a:t>6/26/2020</a:t>
+              <a:t>6/27/2020</a:t>
             </a:fld>
             <a:endParaRPr lang="en-US"/>
           </a:p>
@@ -2950,7 +2950,7 @@
           <a:p>
             <a:fld id="{514B463D-3EF5-4A22-BC21-7B63AB95E5E7}" type="datetimeFigureOut">
               <a:rPr lang="en-US" smtClean="0"/>
-              <a:t>6/26/2020</a:t>
+              <a:t>6/27/2020</a:t>
             </a:fld>
             <a:endParaRPr lang="en-US"/>
           </a:p>
@@ -6318,7 +6318,7 @@
         </p:nvSpPr>
         <p:spPr>
           <a:xfrm>
-            <a:off x="-2552110" y="1868049"/>
+            <a:off x="-2682003" y="1828809"/>
             <a:ext cx="888999" cy="1233042"/>
           </a:xfrm>
           <a:prstGeom prst="roundRect">
@@ -6466,16 +6466,14 @@
           </a:prstGeom>
         </p:spPr>
         <p:style>
-          <a:lnRef idx="2">
-            <a:schemeClr val="accent1">
-              <a:shade val="50000"/>
-            </a:schemeClr>
+          <a:lnRef idx="3">
+            <a:schemeClr val="lt1"/>
           </a:lnRef>
           <a:fillRef idx="1">
-            <a:schemeClr val="accent1"/>
+            <a:schemeClr val="accent6"/>
           </a:fillRef>
-          <a:effectRef idx="0">
-            <a:schemeClr val="accent1"/>
+          <a:effectRef idx="1">
+            <a:schemeClr val="accent6"/>
           </a:effectRef>
           <a:fontRef idx="minor">
             <a:schemeClr val="lt1"/>
@@ -6705,7 +6703,7 @@
         </p:nvSpPr>
         <p:spPr>
           <a:xfrm>
-            <a:off x="-2632357" y="3784602"/>
+            <a:off x="-2791694" y="3764982"/>
             <a:ext cx="1067953" cy="780457"/>
           </a:xfrm>
           <a:prstGeom prst="rect">
@@ -6789,7 +6787,24 @@
           <a:lstStyle/>
           <a:p>
             <a:pPr algn="ctr"/>
-            <a:endParaRPr lang="en-US"/>
+            <a:r>
+              <a:rPr lang="en-US" dirty="0"/>
+              <a:t>W</a:t>
+            </a:r>
+          </a:p>
+          <a:p>
+            <a:pPr algn="ctr"/>
+            <a:r>
+              <a:rPr lang="en-US" dirty="0"/>
+              <a:t>A</a:t>
+            </a:r>
+          </a:p>
+          <a:p>
+            <a:pPr algn="ctr"/>
+            <a:r>
+              <a:rPr lang="en-US" dirty="0"/>
+              <a:t>F</a:t>
+            </a:r>
           </a:p>
         </p:txBody>
       </p:sp>
@@ -8423,48 +8438,6 @@
       </p:cxnSp>
       <p:cxnSp>
         <p:nvCxnSpPr>
-          <p:cNvPr id="75" name="Connector: Elbow 74">
-            <a:extLst>
-              <a:ext uri="{FF2B5EF4-FFF2-40B4-BE49-F238E27FC236}">
-                <a16:creationId xmlns:a16="http://schemas.microsoft.com/office/drawing/2014/main" id="{CF956D9F-BFFE-4F78-B0E8-F96240F62276}"/>
-              </a:ext>
-            </a:extLst>
-          </p:cNvPr>
-          <p:cNvCxnSpPr>
-            <a:cxnSpLocks/>
-            <a:stCxn id="59" idx="2"/>
-          </p:cNvCxnSpPr>
-          <p:nvPr/>
-        </p:nvCxnSpPr>
-        <p:spPr>
-          <a:xfrm rot="16200000" flipH="1">
-            <a:off x="6801420" y="2782309"/>
-            <a:ext cx="780187" cy="1"/>
-          </a:xfrm>
-          <a:prstGeom prst="bentConnector3">
-            <a:avLst/>
-          </a:prstGeom>
-          <a:ln>
-            <a:tailEnd type="triangle"/>
-          </a:ln>
-        </p:spPr>
-        <p:style>
-          <a:lnRef idx="1">
-            <a:schemeClr val="accent1"/>
-          </a:lnRef>
-          <a:fillRef idx="0">
-            <a:schemeClr val="accent1"/>
-          </a:fillRef>
-          <a:effectRef idx="0">
-            <a:schemeClr val="accent1"/>
-          </a:effectRef>
-          <a:fontRef idx="minor">
-            <a:schemeClr val="tx1"/>
-          </a:fontRef>
-        </p:style>
-      </p:cxnSp>
-      <p:cxnSp>
-        <p:nvCxnSpPr>
           <p:cNvPr id="136" name="Connector: Elbow 135">
             <a:extLst>
               <a:ext uri="{FF2B5EF4-FFF2-40B4-BE49-F238E27FC236}">
@@ -9097,6 +9070,152 @@
             <a:r>
               <a:rPr lang="en-US" sz="1600" dirty="0"/>
               <a:t>output</a:t>
+            </a:r>
+          </a:p>
+        </p:txBody>
+      </p:sp>
+      <p:sp>
+        <p:nvSpPr>
+          <p:cNvPr id="53" name="Rectangle: Rounded Corners 52">
+            <a:extLst>
+              <a:ext uri="{FF2B5EF4-FFF2-40B4-BE49-F238E27FC236}">
+                <a16:creationId xmlns:a16="http://schemas.microsoft.com/office/drawing/2014/main" id="{FBBBCD65-B060-4EFA-93D8-5CFC51ADFEAC}"/>
+              </a:ext>
+            </a:extLst>
+          </p:cNvPr>
+          <p:cNvSpPr/>
+          <p:nvPr/>
+        </p:nvSpPr>
+        <p:spPr>
+          <a:xfrm>
+            <a:off x="11547034" y="1910449"/>
+            <a:ext cx="998681" cy="490683"/>
+          </a:xfrm>
+          <a:prstGeom prst="roundRect">
+            <a:avLst/>
+          </a:prstGeom>
+        </p:spPr>
+        <p:style>
+          <a:lnRef idx="2">
+            <a:schemeClr val="accent1">
+              <a:shade val="50000"/>
+            </a:schemeClr>
+          </a:lnRef>
+          <a:fillRef idx="1">
+            <a:schemeClr val="accent1"/>
+          </a:fillRef>
+          <a:effectRef idx="0">
+            <a:schemeClr val="accent1"/>
+          </a:effectRef>
+          <a:fontRef idx="minor">
+            <a:schemeClr val="lt1"/>
+          </a:fontRef>
+        </p:style>
+        <p:txBody>
+          <a:bodyPr rtlCol="0" anchor="ctr"/>
+          <a:lstStyle/>
+          <a:p>
+            <a:pPr algn="ctr"/>
+            <a:r>
+              <a:rPr lang="en-US" dirty="0"/>
+              <a:t>state</a:t>
+            </a:r>
+          </a:p>
+        </p:txBody>
+      </p:sp>
+      <p:cxnSp>
+        <p:nvCxnSpPr>
+          <p:cNvPr id="4" name="Connector: Elbow 3">
+            <a:extLst>
+              <a:ext uri="{FF2B5EF4-FFF2-40B4-BE49-F238E27FC236}">
+                <a16:creationId xmlns:a16="http://schemas.microsoft.com/office/drawing/2014/main" id="{86CF72FC-A85B-4DB7-8F5B-433B80A85A50}"/>
+              </a:ext>
+            </a:extLst>
+          </p:cNvPr>
+          <p:cNvCxnSpPr>
+            <a:endCxn id="53" idx="0"/>
+          </p:cNvCxnSpPr>
+          <p:nvPr/>
+        </p:nvCxnSpPr>
+        <p:spPr>
+          <a:xfrm>
+            <a:off x="10786188" y="880915"/>
+            <a:ext cx="1260187" cy="1029534"/>
+          </a:xfrm>
+          <a:prstGeom prst="bentConnector2">
+            <a:avLst/>
+          </a:prstGeom>
+          <a:ln>
+            <a:tailEnd type="triangle"/>
+          </a:ln>
+        </p:spPr>
+        <p:style>
+          <a:lnRef idx="1">
+            <a:schemeClr val="accent1"/>
+          </a:lnRef>
+          <a:fillRef idx="0">
+            <a:schemeClr val="accent1"/>
+          </a:fillRef>
+          <a:effectRef idx="0">
+            <a:schemeClr val="accent1"/>
+          </a:effectRef>
+          <a:fontRef idx="minor">
+            <a:schemeClr val="tx1"/>
+          </a:fontRef>
+        </p:style>
+      </p:cxnSp>
+      <p:sp>
+        <p:nvSpPr>
+          <p:cNvPr id="5" name="Rectangle 4">
+            <a:extLst>
+              <a:ext uri="{FF2B5EF4-FFF2-40B4-BE49-F238E27FC236}">
+                <a16:creationId xmlns:a16="http://schemas.microsoft.com/office/drawing/2014/main" id="{8AD145D8-69DB-4B4B-ADB9-ED6C5D3EC661}"/>
+              </a:ext>
+            </a:extLst>
+          </p:cNvPr>
+          <p:cNvSpPr/>
+          <p:nvPr/>
+        </p:nvSpPr>
+        <p:spPr>
+          <a:xfrm>
+            <a:off x="7947021" y="4224290"/>
+            <a:ext cx="3422943" cy="2194983"/>
+          </a:xfrm>
+          <a:prstGeom prst="rect">
+            <a:avLst/>
+          </a:prstGeom>
+        </p:spPr>
+        <p:style>
+          <a:lnRef idx="2">
+            <a:schemeClr val="accent1">
+              <a:shade val="50000"/>
+            </a:schemeClr>
+          </a:lnRef>
+          <a:fillRef idx="1">
+            <a:schemeClr val="accent1"/>
+          </a:fillRef>
+          <a:effectRef idx="0">
+            <a:schemeClr val="accent1"/>
+          </a:effectRef>
+          <a:fontRef idx="minor">
+            <a:schemeClr val="lt1"/>
+          </a:fontRef>
+        </p:style>
+        <p:txBody>
+          <a:bodyPr rtlCol="0" anchor="ctr"/>
+          <a:lstStyle/>
+          <a:p>
+            <a:pPr algn="ctr"/>
+            <a:r>
+              <a:rPr lang="en-US" dirty="0"/>
+              <a:t>Terraform </a:t>
+            </a:r>
+          </a:p>
+          <a:p>
+            <a:pPr algn="ctr"/>
+            <a:r>
+              <a:rPr lang="en-US" dirty="0"/>
+              <a:t>Registry </a:t>
             </a:r>
           </a:p>
         </p:txBody>

--- a/AWSPresentation1.pptx
+++ b/AWSPresentation1.pptx
@@ -16,10 +16,12 @@
     <p:sldId id="263" r:id="rId10"/>
     <p:sldId id="264" r:id="rId11"/>
     <p:sldId id="266" r:id="rId12"/>
-    <p:sldId id="270" r:id="rId13"/>
-    <p:sldId id="269" r:id="rId14"/>
-    <p:sldId id="268" r:id="rId15"/>
-    <p:sldId id="267" r:id="rId16"/>
+    <p:sldId id="271" r:id="rId13"/>
+    <p:sldId id="272" r:id="rId14"/>
+    <p:sldId id="270" r:id="rId15"/>
+    <p:sldId id="269" r:id="rId16"/>
+    <p:sldId id="268" r:id="rId17"/>
+    <p:sldId id="267" r:id="rId18"/>
   </p:sldIdLst>
   <p:sldSz cx="12192000" cy="6858000"/>
   <p:notesSz cx="6858000" cy="9144000"/>
@@ -138,6 +140,8 @@
         <p14:section name="Untitled Section" id="{1A9EC3E1-90F5-4FD1-AB2E-DD4788508655}">
           <p14:sldIdLst>
             <p14:sldId id="266"/>
+            <p14:sldId id="271"/>
+            <p14:sldId id="272"/>
             <p14:sldId id="270"/>
             <p14:sldId id="269"/>
             <p14:sldId id="268"/>
@@ -300,7 +304,7 @@
           <a:p>
             <a:fld id="{514B463D-3EF5-4A22-BC21-7B63AB95E5E7}" type="datetimeFigureOut">
               <a:rPr lang="en-US" smtClean="0"/>
-              <a:t>6/27/2020</a:t>
+              <a:t>6/29/2020</a:t>
             </a:fld>
             <a:endParaRPr lang="en-US"/>
           </a:p>
@@ -498,7 +502,7 @@
           <a:p>
             <a:fld id="{514B463D-3EF5-4A22-BC21-7B63AB95E5E7}" type="datetimeFigureOut">
               <a:rPr lang="en-US" smtClean="0"/>
-              <a:t>6/27/2020</a:t>
+              <a:t>6/29/2020</a:t>
             </a:fld>
             <a:endParaRPr lang="en-US"/>
           </a:p>
@@ -706,7 +710,7 @@
           <a:p>
             <a:fld id="{514B463D-3EF5-4A22-BC21-7B63AB95E5E7}" type="datetimeFigureOut">
               <a:rPr lang="en-US" smtClean="0"/>
-              <a:t>6/27/2020</a:t>
+              <a:t>6/29/2020</a:t>
             </a:fld>
             <a:endParaRPr lang="en-US"/>
           </a:p>
@@ -904,7 +908,7 @@
           <a:p>
             <a:fld id="{514B463D-3EF5-4A22-BC21-7B63AB95E5E7}" type="datetimeFigureOut">
               <a:rPr lang="en-US" smtClean="0"/>
-              <a:t>6/27/2020</a:t>
+              <a:t>6/29/2020</a:t>
             </a:fld>
             <a:endParaRPr lang="en-US"/>
           </a:p>
@@ -1179,7 +1183,7 @@
           <a:p>
             <a:fld id="{514B463D-3EF5-4A22-BC21-7B63AB95E5E7}" type="datetimeFigureOut">
               <a:rPr lang="en-US" smtClean="0"/>
-              <a:t>6/27/2020</a:t>
+              <a:t>6/29/2020</a:t>
             </a:fld>
             <a:endParaRPr lang="en-US"/>
           </a:p>
@@ -1444,7 +1448,7 @@
           <a:p>
             <a:fld id="{514B463D-3EF5-4A22-BC21-7B63AB95E5E7}" type="datetimeFigureOut">
               <a:rPr lang="en-US" smtClean="0"/>
-              <a:t>6/27/2020</a:t>
+              <a:t>6/29/2020</a:t>
             </a:fld>
             <a:endParaRPr lang="en-US"/>
           </a:p>
@@ -1856,7 +1860,7 @@
           <a:p>
             <a:fld id="{514B463D-3EF5-4A22-BC21-7B63AB95E5E7}" type="datetimeFigureOut">
               <a:rPr lang="en-US" smtClean="0"/>
-              <a:t>6/27/2020</a:t>
+              <a:t>6/29/2020</a:t>
             </a:fld>
             <a:endParaRPr lang="en-US"/>
           </a:p>
@@ -1997,7 +2001,7 @@
           <a:p>
             <a:fld id="{514B463D-3EF5-4A22-BC21-7B63AB95E5E7}" type="datetimeFigureOut">
               <a:rPr lang="en-US" smtClean="0"/>
-              <a:t>6/27/2020</a:t>
+              <a:t>6/29/2020</a:t>
             </a:fld>
             <a:endParaRPr lang="en-US"/>
           </a:p>
@@ -2110,7 +2114,7 @@
           <a:p>
             <a:fld id="{514B463D-3EF5-4A22-BC21-7B63AB95E5E7}" type="datetimeFigureOut">
               <a:rPr lang="en-US" smtClean="0"/>
-              <a:t>6/27/2020</a:t>
+              <a:t>6/29/2020</a:t>
             </a:fld>
             <a:endParaRPr lang="en-US"/>
           </a:p>
@@ -2421,7 +2425,7 @@
           <a:p>
             <a:fld id="{514B463D-3EF5-4A22-BC21-7B63AB95E5E7}" type="datetimeFigureOut">
               <a:rPr lang="en-US" smtClean="0"/>
-              <a:t>6/27/2020</a:t>
+              <a:t>6/29/2020</a:t>
             </a:fld>
             <a:endParaRPr lang="en-US"/>
           </a:p>
@@ -2709,7 +2713,7 @@
           <a:p>
             <a:fld id="{514B463D-3EF5-4A22-BC21-7B63AB95E5E7}" type="datetimeFigureOut">
               <a:rPr lang="en-US" smtClean="0"/>
-              <a:t>6/27/2020</a:t>
+              <a:t>6/29/2020</a:t>
             </a:fld>
             <a:endParaRPr lang="en-US"/>
           </a:p>
@@ -2950,7 +2954,7 @@
           <a:p>
             <a:fld id="{514B463D-3EF5-4A22-BC21-7B63AB95E5E7}" type="datetimeFigureOut">
               <a:rPr lang="en-US" smtClean="0"/>
-              <a:t>6/27/2020</a:t>
+              <a:t>6/29/2020</a:t>
             </a:fld>
             <a:endParaRPr lang="en-US"/>
           </a:p>
@@ -4013,7 +4017,7 @@
               <a:pPr algn="ctr"/>
               <a:r>
                 <a:rPr lang="en-US" sz="1100" b="1" dirty="0"/>
-                <a:t>EC2 (IaaS)</a:t>
+                <a:t>EinC2 (IaaS)</a:t>
               </a:r>
             </a:p>
             <a:p>
@@ -6840,6 +6844,996 @@
       </p:grpSpPr>
       <p:sp>
         <p:nvSpPr>
+          <p:cNvPr id="4" name="Rectangle 3">
+            <a:extLst>
+              <a:ext uri="{FF2B5EF4-FFF2-40B4-BE49-F238E27FC236}">
+                <a16:creationId xmlns:a16="http://schemas.microsoft.com/office/drawing/2014/main" id="{98E7FC4A-BC32-437C-974D-78CDDCFDC5DF}"/>
+              </a:ext>
+            </a:extLst>
+          </p:cNvPr>
+          <p:cNvSpPr/>
+          <p:nvPr/>
+        </p:nvSpPr>
+        <p:spPr>
+          <a:xfrm>
+            <a:off x="5809674" y="1392380"/>
+            <a:ext cx="2032000" cy="674255"/>
+          </a:xfrm>
+          <a:prstGeom prst="rect">
+            <a:avLst/>
+          </a:prstGeom>
+        </p:spPr>
+        <p:style>
+          <a:lnRef idx="2">
+            <a:schemeClr val="accent1">
+              <a:shade val="50000"/>
+            </a:schemeClr>
+          </a:lnRef>
+          <a:fillRef idx="1">
+            <a:schemeClr val="accent1"/>
+          </a:fillRef>
+          <a:effectRef idx="0">
+            <a:schemeClr val="accent1"/>
+          </a:effectRef>
+          <a:fontRef idx="minor">
+            <a:schemeClr val="lt1"/>
+          </a:fontRef>
+        </p:style>
+        <p:txBody>
+          <a:bodyPr rtlCol="0" anchor="ctr"/>
+          <a:lstStyle/>
+          <a:p>
+            <a:pPr algn="ctr"/>
+            <a:r>
+              <a:rPr lang="en-US" dirty="0"/>
+              <a:t>Lambda</a:t>
+            </a:r>
+          </a:p>
+        </p:txBody>
+      </p:sp>
+      <p:sp>
+        <p:nvSpPr>
+          <p:cNvPr id="5" name="Rectangle 4">
+            <a:extLst>
+              <a:ext uri="{FF2B5EF4-FFF2-40B4-BE49-F238E27FC236}">
+                <a16:creationId xmlns:a16="http://schemas.microsoft.com/office/drawing/2014/main" id="{44AAC47F-2194-45F0-871F-F47D24699D0C}"/>
+              </a:ext>
+            </a:extLst>
+          </p:cNvPr>
+          <p:cNvSpPr/>
+          <p:nvPr/>
+        </p:nvSpPr>
+        <p:spPr>
+          <a:xfrm>
+            <a:off x="5781965" y="2519217"/>
+            <a:ext cx="2032000" cy="674255"/>
+          </a:xfrm>
+          <a:prstGeom prst="rect">
+            <a:avLst/>
+          </a:prstGeom>
+        </p:spPr>
+        <p:style>
+          <a:lnRef idx="2">
+            <a:schemeClr val="accent1">
+              <a:shade val="50000"/>
+            </a:schemeClr>
+          </a:lnRef>
+          <a:fillRef idx="1">
+            <a:schemeClr val="accent1"/>
+          </a:fillRef>
+          <a:effectRef idx="0">
+            <a:schemeClr val="accent1"/>
+          </a:effectRef>
+          <a:fontRef idx="minor">
+            <a:schemeClr val="lt1"/>
+          </a:fontRef>
+        </p:style>
+        <p:txBody>
+          <a:bodyPr rtlCol="0" anchor="ctr"/>
+          <a:lstStyle/>
+          <a:p>
+            <a:pPr algn="ctr"/>
+            <a:r>
+              <a:rPr lang="en-US" dirty="0" err="1"/>
+              <a:t>BeanStalk</a:t>
+            </a:r>
+            <a:endParaRPr lang="en-US" dirty="0"/>
+          </a:p>
+        </p:txBody>
+      </p:sp>
+      <p:sp>
+        <p:nvSpPr>
+          <p:cNvPr id="6" name="Rectangle 5">
+            <a:extLst>
+              <a:ext uri="{FF2B5EF4-FFF2-40B4-BE49-F238E27FC236}">
+                <a16:creationId xmlns:a16="http://schemas.microsoft.com/office/drawing/2014/main" id="{84F884D7-8F4A-4AA5-9F81-31B574E9CF14}"/>
+              </a:ext>
+            </a:extLst>
+          </p:cNvPr>
+          <p:cNvSpPr/>
+          <p:nvPr/>
+        </p:nvSpPr>
+        <p:spPr>
+          <a:xfrm>
+            <a:off x="5772729" y="3646054"/>
+            <a:ext cx="2032000" cy="674255"/>
+          </a:xfrm>
+          <a:prstGeom prst="rect">
+            <a:avLst/>
+          </a:prstGeom>
+        </p:spPr>
+        <p:style>
+          <a:lnRef idx="2">
+            <a:schemeClr val="accent1">
+              <a:shade val="50000"/>
+            </a:schemeClr>
+          </a:lnRef>
+          <a:fillRef idx="1">
+            <a:schemeClr val="accent1"/>
+          </a:fillRef>
+          <a:effectRef idx="0">
+            <a:schemeClr val="accent1"/>
+          </a:effectRef>
+          <a:fontRef idx="minor">
+            <a:schemeClr val="lt1"/>
+          </a:fontRef>
+        </p:style>
+        <p:txBody>
+          <a:bodyPr rtlCol="0" anchor="ctr"/>
+          <a:lstStyle/>
+          <a:p>
+            <a:pPr algn="ctr"/>
+            <a:r>
+              <a:rPr lang="en-US" dirty="0"/>
+              <a:t>ECS</a:t>
+            </a:r>
+          </a:p>
+        </p:txBody>
+      </p:sp>
+      <p:sp>
+        <p:nvSpPr>
+          <p:cNvPr id="7" name="Rectangle 6">
+            <a:extLst>
+              <a:ext uri="{FF2B5EF4-FFF2-40B4-BE49-F238E27FC236}">
+                <a16:creationId xmlns:a16="http://schemas.microsoft.com/office/drawing/2014/main" id="{880E55E7-5994-4A52-B76F-2B4C64C90533}"/>
+              </a:ext>
+            </a:extLst>
+          </p:cNvPr>
+          <p:cNvSpPr/>
+          <p:nvPr/>
+        </p:nvSpPr>
+        <p:spPr>
+          <a:xfrm>
+            <a:off x="5818910" y="4814455"/>
+            <a:ext cx="2032000" cy="674255"/>
+          </a:xfrm>
+          <a:prstGeom prst="rect">
+            <a:avLst/>
+          </a:prstGeom>
+        </p:spPr>
+        <p:style>
+          <a:lnRef idx="2">
+            <a:schemeClr val="accent1">
+              <a:shade val="50000"/>
+            </a:schemeClr>
+          </a:lnRef>
+          <a:fillRef idx="1">
+            <a:schemeClr val="accent1"/>
+          </a:fillRef>
+          <a:effectRef idx="0">
+            <a:schemeClr val="accent1"/>
+          </a:effectRef>
+          <a:fontRef idx="minor">
+            <a:schemeClr val="lt1"/>
+          </a:fontRef>
+        </p:style>
+        <p:txBody>
+          <a:bodyPr rtlCol="0" anchor="ctr"/>
+          <a:lstStyle/>
+          <a:p>
+            <a:pPr algn="ctr"/>
+            <a:r>
+              <a:rPr lang="en-US" dirty="0"/>
+              <a:t>EKS</a:t>
+            </a:r>
+          </a:p>
+        </p:txBody>
+      </p:sp>
+      <p:sp>
+        <p:nvSpPr>
+          <p:cNvPr id="8" name="Rectangle 7">
+            <a:extLst>
+              <a:ext uri="{FF2B5EF4-FFF2-40B4-BE49-F238E27FC236}">
+                <a16:creationId xmlns:a16="http://schemas.microsoft.com/office/drawing/2014/main" id="{CA035216-B5FA-4ED5-8517-133963730630}"/>
+              </a:ext>
+            </a:extLst>
+          </p:cNvPr>
+          <p:cNvSpPr/>
+          <p:nvPr/>
+        </p:nvSpPr>
+        <p:spPr>
+          <a:xfrm>
+            <a:off x="5772729" y="376380"/>
+            <a:ext cx="2032000" cy="674255"/>
+          </a:xfrm>
+          <a:prstGeom prst="rect">
+            <a:avLst/>
+          </a:prstGeom>
+        </p:spPr>
+        <p:style>
+          <a:lnRef idx="2">
+            <a:schemeClr val="accent1">
+              <a:shade val="50000"/>
+            </a:schemeClr>
+          </a:lnRef>
+          <a:fillRef idx="1">
+            <a:schemeClr val="accent1"/>
+          </a:fillRef>
+          <a:effectRef idx="0">
+            <a:schemeClr val="accent1"/>
+          </a:effectRef>
+          <a:fontRef idx="minor">
+            <a:schemeClr val="lt1"/>
+          </a:fontRef>
+        </p:style>
+        <p:txBody>
+          <a:bodyPr rtlCol="0" anchor="ctr"/>
+          <a:lstStyle/>
+          <a:p>
+            <a:pPr algn="ctr"/>
+            <a:r>
+              <a:rPr lang="en-US" dirty="0"/>
+              <a:t>EC2</a:t>
+            </a:r>
+          </a:p>
+        </p:txBody>
+      </p:sp>
+      <p:sp>
+        <p:nvSpPr>
+          <p:cNvPr id="9" name="Rectangle 8">
+            <a:extLst>
+              <a:ext uri="{FF2B5EF4-FFF2-40B4-BE49-F238E27FC236}">
+                <a16:creationId xmlns:a16="http://schemas.microsoft.com/office/drawing/2014/main" id="{519E3375-4CC2-4936-86AB-1DE5D27B9E3C}"/>
+              </a:ext>
+            </a:extLst>
+          </p:cNvPr>
+          <p:cNvSpPr/>
+          <p:nvPr/>
+        </p:nvSpPr>
+        <p:spPr>
+          <a:xfrm>
+            <a:off x="822035" y="2327562"/>
+            <a:ext cx="1653310" cy="1547092"/>
+          </a:xfrm>
+          <a:prstGeom prst="rect">
+            <a:avLst/>
+          </a:prstGeom>
+        </p:spPr>
+        <p:style>
+          <a:lnRef idx="2">
+            <a:schemeClr val="accent1">
+              <a:shade val="50000"/>
+            </a:schemeClr>
+          </a:lnRef>
+          <a:fillRef idx="1">
+            <a:schemeClr val="accent1"/>
+          </a:fillRef>
+          <a:effectRef idx="0">
+            <a:schemeClr val="accent1"/>
+          </a:effectRef>
+          <a:fontRef idx="minor">
+            <a:schemeClr val="lt1"/>
+          </a:fontRef>
+        </p:style>
+        <p:txBody>
+          <a:bodyPr rtlCol="0" anchor="ctr"/>
+          <a:lstStyle/>
+          <a:p>
+            <a:pPr algn="ctr"/>
+            <a:r>
+              <a:rPr lang="en-US" dirty="0"/>
+              <a:t>LB</a:t>
+            </a:r>
+          </a:p>
+        </p:txBody>
+      </p:sp>
+      <p:sp>
+        <p:nvSpPr>
+          <p:cNvPr id="10" name="Rectangle 9">
+            <a:extLst>
+              <a:ext uri="{FF2B5EF4-FFF2-40B4-BE49-F238E27FC236}">
+                <a16:creationId xmlns:a16="http://schemas.microsoft.com/office/drawing/2014/main" id="{D33C12CE-34E6-40D7-96A7-33AA9D8A3BD9}"/>
+              </a:ext>
+            </a:extLst>
+          </p:cNvPr>
+          <p:cNvSpPr/>
+          <p:nvPr/>
+        </p:nvSpPr>
+        <p:spPr>
+          <a:xfrm>
+            <a:off x="3121892" y="1050635"/>
+            <a:ext cx="1413166" cy="4082473"/>
+          </a:xfrm>
+          <a:prstGeom prst="rect">
+            <a:avLst/>
+          </a:prstGeom>
+        </p:spPr>
+        <p:style>
+          <a:lnRef idx="2">
+            <a:schemeClr val="accent1">
+              <a:shade val="50000"/>
+            </a:schemeClr>
+          </a:lnRef>
+          <a:fillRef idx="1">
+            <a:schemeClr val="accent1"/>
+          </a:fillRef>
+          <a:effectRef idx="0">
+            <a:schemeClr val="accent1"/>
+          </a:effectRef>
+          <a:fontRef idx="minor">
+            <a:schemeClr val="lt1"/>
+          </a:fontRef>
+        </p:style>
+        <p:txBody>
+          <a:bodyPr rtlCol="0" anchor="ctr"/>
+          <a:lstStyle/>
+          <a:p>
+            <a:pPr algn="ctr"/>
+            <a:r>
+              <a:rPr lang="en-US" dirty="0"/>
+              <a:t>ASG</a:t>
+            </a:r>
+          </a:p>
+        </p:txBody>
+      </p:sp>
+      <p:cxnSp>
+        <p:nvCxnSpPr>
+          <p:cNvPr id="12" name="Connector: Elbow 11">
+            <a:extLst>
+              <a:ext uri="{FF2B5EF4-FFF2-40B4-BE49-F238E27FC236}">
+                <a16:creationId xmlns:a16="http://schemas.microsoft.com/office/drawing/2014/main" id="{6AEF1FAA-E1BD-4C01-8545-F35B8328A607}"/>
+              </a:ext>
+            </a:extLst>
+          </p:cNvPr>
+          <p:cNvCxnSpPr>
+            <a:cxnSpLocks/>
+            <a:stCxn id="9" idx="3"/>
+            <a:endCxn id="10" idx="1"/>
+          </p:cNvCxnSpPr>
+          <p:nvPr/>
+        </p:nvCxnSpPr>
+        <p:spPr>
+          <a:xfrm flipV="1">
+            <a:off x="2475345" y="3091872"/>
+            <a:ext cx="646547" cy="9236"/>
+          </a:xfrm>
+          <a:prstGeom prst="bentConnector3">
+            <a:avLst/>
+          </a:prstGeom>
+          <a:ln>
+            <a:tailEnd type="triangle"/>
+          </a:ln>
+        </p:spPr>
+        <p:style>
+          <a:lnRef idx="1">
+            <a:schemeClr val="accent1"/>
+          </a:lnRef>
+          <a:fillRef idx="0">
+            <a:schemeClr val="accent1"/>
+          </a:fillRef>
+          <a:effectRef idx="0">
+            <a:schemeClr val="accent1"/>
+          </a:effectRef>
+          <a:fontRef idx="minor">
+            <a:schemeClr val="tx1"/>
+          </a:fontRef>
+        </p:style>
+      </p:cxnSp>
+      <p:cxnSp>
+        <p:nvCxnSpPr>
+          <p:cNvPr id="15" name="Connector: Elbow 14">
+            <a:extLst>
+              <a:ext uri="{FF2B5EF4-FFF2-40B4-BE49-F238E27FC236}">
+                <a16:creationId xmlns:a16="http://schemas.microsoft.com/office/drawing/2014/main" id="{10F4EA84-E330-483A-B1FF-76E05BE9790B}"/>
+              </a:ext>
+            </a:extLst>
+          </p:cNvPr>
+          <p:cNvCxnSpPr>
+            <a:cxnSpLocks/>
+            <a:stCxn id="10" idx="3"/>
+            <a:endCxn id="8" idx="1"/>
+          </p:cNvCxnSpPr>
+          <p:nvPr/>
+        </p:nvCxnSpPr>
+        <p:spPr>
+          <a:xfrm flipV="1">
+            <a:off x="4535058" y="713508"/>
+            <a:ext cx="1237671" cy="2378364"/>
+          </a:xfrm>
+          <a:prstGeom prst="bentConnector3">
+            <a:avLst/>
+          </a:prstGeom>
+          <a:ln>
+            <a:tailEnd type="triangle"/>
+          </a:ln>
+        </p:spPr>
+        <p:style>
+          <a:lnRef idx="1">
+            <a:schemeClr val="accent1"/>
+          </a:lnRef>
+          <a:fillRef idx="0">
+            <a:schemeClr val="accent1"/>
+          </a:fillRef>
+          <a:effectRef idx="0">
+            <a:schemeClr val="accent1"/>
+          </a:effectRef>
+          <a:fontRef idx="minor">
+            <a:schemeClr val="tx1"/>
+          </a:fontRef>
+        </p:style>
+      </p:cxnSp>
+      <p:cxnSp>
+        <p:nvCxnSpPr>
+          <p:cNvPr id="17" name="Connector: Elbow 16">
+            <a:extLst>
+              <a:ext uri="{FF2B5EF4-FFF2-40B4-BE49-F238E27FC236}">
+                <a16:creationId xmlns:a16="http://schemas.microsoft.com/office/drawing/2014/main" id="{7EC9E5F7-56EB-438A-8D84-C1491C070D84}"/>
+              </a:ext>
+            </a:extLst>
+          </p:cNvPr>
+          <p:cNvCxnSpPr>
+            <a:cxnSpLocks/>
+            <a:stCxn id="9" idx="3"/>
+            <a:endCxn id="4" idx="1"/>
+          </p:cNvCxnSpPr>
+          <p:nvPr/>
+        </p:nvCxnSpPr>
+        <p:spPr>
+          <a:xfrm flipV="1">
+            <a:off x="2475345" y="1729508"/>
+            <a:ext cx="3334329" cy="1371600"/>
+          </a:xfrm>
+          <a:prstGeom prst="bentConnector3">
+            <a:avLst/>
+          </a:prstGeom>
+          <a:ln>
+            <a:tailEnd type="triangle"/>
+          </a:ln>
+        </p:spPr>
+        <p:style>
+          <a:lnRef idx="1">
+            <a:schemeClr val="accent1"/>
+          </a:lnRef>
+          <a:fillRef idx="0">
+            <a:schemeClr val="accent1"/>
+          </a:fillRef>
+          <a:effectRef idx="0">
+            <a:schemeClr val="accent1"/>
+          </a:effectRef>
+          <a:fontRef idx="minor">
+            <a:schemeClr val="tx1"/>
+          </a:fontRef>
+        </p:style>
+      </p:cxnSp>
+      <p:cxnSp>
+        <p:nvCxnSpPr>
+          <p:cNvPr id="19" name="Connector: Elbow 18">
+            <a:extLst>
+              <a:ext uri="{FF2B5EF4-FFF2-40B4-BE49-F238E27FC236}">
+                <a16:creationId xmlns:a16="http://schemas.microsoft.com/office/drawing/2014/main" id="{6E210AAD-AB2F-4B22-AB6D-64912F50F7CC}"/>
+              </a:ext>
+            </a:extLst>
+          </p:cNvPr>
+          <p:cNvCxnSpPr>
+            <a:cxnSpLocks/>
+            <a:stCxn id="10" idx="3"/>
+            <a:endCxn id="5" idx="1"/>
+          </p:cNvCxnSpPr>
+          <p:nvPr/>
+        </p:nvCxnSpPr>
+        <p:spPr>
+          <a:xfrm flipV="1">
+            <a:off x="4535058" y="2856345"/>
+            <a:ext cx="1246907" cy="235527"/>
+          </a:xfrm>
+          <a:prstGeom prst="bentConnector3">
+            <a:avLst/>
+          </a:prstGeom>
+          <a:ln>
+            <a:tailEnd type="triangle"/>
+          </a:ln>
+        </p:spPr>
+        <p:style>
+          <a:lnRef idx="1">
+            <a:schemeClr val="accent1"/>
+          </a:lnRef>
+          <a:fillRef idx="0">
+            <a:schemeClr val="accent1"/>
+          </a:fillRef>
+          <a:effectRef idx="0">
+            <a:schemeClr val="accent1"/>
+          </a:effectRef>
+          <a:fontRef idx="minor">
+            <a:schemeClr val="tx1"/>
+          </a:fontRef>
+        </p:style>
+      </p:cxnSp>
+      <p:cxnSp>
+        <p:nvCxnSpPr>
+          <p:cNvPr id="21" name="Connector: Elbow 20">
+            <a:extLst>
+              <a:ext uri="{FF2B5EF4-FFF2-40B4-BE49-F238E27FC236}">
+                <a16:creationId xmlns:a16="http://schemas.microsoft.com/office/drawing/2014/main" id="{EBA9A271-2D40-40A7-9E7F-2C71ECFFF393}"/>
+              </a:ext>
+            </a:extLst>
+          </p:cNvPr>
+          <p:cNvCxnSpPr>
+            <a:cxnSpLocks/>
+            <a:stCxn id="10" idx="3"/>
+            <a:endCxn id="6" idx="1"/>
+          </p:cNvCxnSpPr>
+          <p:nvPr/>
+        </p:nvCxnSpPr>
+        <p:spPr>
+          <a:xfrm>
+            <a:off x="4535058" y="3091872"/>
+            <a:ext cx="1237671" cy="891310"/>
+          </a:xfrm>
+          <a:prstGeom prst="bentConnector3">
+            <a:avLst/>
+          </a:prstGeom>
+          <a:ln>
+            <a:tailEnd type="triangle"/>
+          </a:ln>
+        </p:spPr>
+        <p:style>
+          <a:lnRef idx="1">
+            <a:schemeClr val="accent1"/>
+          </a:lnRef>
+          <a:fillRef idx="0">
+            <a:schemeClr val="accent1"/>
+          </a:fillRef>
+          <a:effectRef idx="0">
+            <a:schemeClr val="accent1"/>
+          </a:effectRef>
+          <a:fontRef idx="minor">
+            <a:schemeClr val="tx1"/>
+          </a:fontRef>
+        </p:style>
+      </p:cxnSp>
+      <p:cxnSp>
+        <p:nvCxnSpPr>
+          <p:cNvPr id="30" name="Connector: Elbow 29">
+            <a:extLst>
+              <a:ext uri="{FF2B5EF4-FFF2-40B4-BE49-F238E27FC236}">
+                <a16:creationId xmlns:a16="http://schemas.microsoft.com/office/drawing/2014/main" id="{442A4966-D530-40D3-A48F-96905A96DC73}"/>
+              </a:ext>
+            </a:extLst>
+          </p:cNvPr>
+          <p:cNvCxnSpPr>
+            <a:cxnSpLocks/>
+            <a:stCxn id="10" idx="3"/>
+            <a:endCxn id="7" idx="1"/>
+          </p:cNvCxnSpPr>
+          <p:nvPr/>
+        </p:nvCxnSpPr>
+        <p:spPr>
+          <a:xfrm>
+            <a:off x="4535058" y="3091872"/>
+            <a:ext cx="1283852" cy="2059711"/>
+          </a:xfrm>
+          <a:prstGeom prst="bentConnector3">
+            <a:avLst/>
+          </a:prstGeom>
+          <a:ln>
+            <a:tailEnd type="triangle"/>
+          </a:ln>
+        </p:spPr>
+        <p:style>
+          <a:lnRef idx="1">
+            <a:schemeClr val="accent1"/>
+          </a:lnRef>
+          <a:fillRef idx="0">
+            <a:schemeClr val="accent1"/>
+          </a:fillRef>
+          <a:effectRef idx="0">
+            <a:schemeClr val="accent1"/>
+          </a:effectRef>
+          <a:fontRef idx="minor">
+            <a:schemeClr val="tx1"/>
+          </a:fontRef>
+        </p:style>
+      </p:cxnSp>
+      <p:sp>
+        <p:nvSpPr>
+          <p:cNvPr id="31" name="Arrow: Down 30">
+            <a:extLst>
+              <a:ext uri="{FF2B5EF4-FFF2-40B4-BE49-F238E27FC236}">
+                <a16:creationId xmlns:a16="http://schemas.microsoft.com/office/drawing/2014/main" id="{2EBB6B01-9CB1-42EA-BFFA-EE9CA83F72CA}"/>
+              </a:ext>
+            </a:extLst>
+          </p:cNvPr>
+          <p:cNvSpPr/>
+          <p:nvPr/>
+        </p:nvSpPr>
+        <p:spPr>
+          <a:xfrm>
+            <a:off x="8986981" y="1482435"/>
+            <a:ext cx="1117600" cy="1690254"/>
+          </a:xfrm>
+          <a:prstGeom prst="downArrow">
+            <a:avLst/>
+          </a:prstGeom>
+        </p:spPr>
+        <p:style>
+          <a:lnRef idx="2">
+            <a:schemeClr val="accent1">
+              <a:shade val="50000"/>
+            </a:schemeClr>
+          </a:lnRef>
+          <a:fillRef idx="1">
+            <a:schemeClr val="accent1"/>
+          </a:fillRef>
+          <a:effectRef idx="0">
+            <a:schemeClr val="accent1"/>
+          </a:effectRef>
+          <a:fontRef idx="minor">
+            <a:schemeClr val="lt1"/>
+          </a:fontRef>
+        </p:style>
+        <p:txBody>
+          <a:bodyPr rtlCol="0" anchor="ctr"/>
+          <a:lstStyle/>
+          <a:p>
+            <a:pPr algn="ctr"/>
+            <a:endParaRPr lang="en-US"/>
+          </a:p>
+        </p:txBody>
+      </p:sp>
+      <p:sp>
+        <p:nvSpPr>
+          <p:cNvPr id="32" name="Arrow: Down 31">
+            <a:extLst>
+              <a:ext uri="{FF2B5EF4-FFF2-40B4-BE49-F238E27FC236}">
+                <a16:creationId xmlns:a16="http://schemas.microsoft.com/office/drawing/2014/main" id="{AFEA5250-7E79-4A80-8478-B2BACF32CEB5}"/>
+              </a:ext>
+            </a:extLst>
+          </p:cNvPr>
+          <p:cNvSpPr/>
+          <p:nvPr/>
+        </p:nvSpPr>
+        <p:spPr>
+          <a:xfrm rot="10800000">
+            <a:off x="8100290" y="1907311"/>
+            <a:ext cx="1117600" cy="1690254"/>
+          </a:xfrm>
+          <a:prstGeom prst="downArrow">
+            <a:avLst/>
+          </a:prstGeom>
+        </p:spPr>
+        <p:style>
+          <a:lnRef idx="2">
+            <a:schemeClr val="accent1">
+              <a:shade val="50000"/>
+            </a:schemeClr>
+          </a:lnRef>
+          <a:fillRef idx="1">
+            <a:schemeClr val="accent1"/>
+          </a:fillRef>
+          <a:effectRef idx="0">
+            <a:schemeClr val="accent1"/>
+          </a:effectRef>
+          <a:fontRef idx="minor">
+            <a:schemeClr val="lt1"/>
+          </a:fontRef>
+        </p:style>
+        <p:txBody>
+          <a:bodyPr rtlCol="0" anchor="ctr"/>
+          <a:lstStyle/>
+          <a:p>
+            <a:pPr algn="ctr"/>
+            <a:endParaRPr lang="en-US"/>
+          </a:p>
+        </p:txBody>
+      </p:sp>
+      <p:sp>
+        <p:nvSpPr>
+          <p:cNvPr id="38" name="Rectangle 37">
+            <a:extLst>
+              <a:ext uri="{FF2B5EF4-FFF2-40B4-BE49-F238E27FC236}">
+                <a16:creationId xmlns:a16="http://schemas.microsoft.com/office/drawing/2014/main" id="{55F87451-A7FB-4EFA-941E-EBECDC811AA2}"/>
+              </a:ext>
+            </a:extLst>
+          </p:cNvPr>
+          <p:cNvSpPr/>
+          <p:nvPr/>
+        </p:nvSpPr>
+        <p:spPr>
+          <a:xfrm>
+            <a:off x="1311564" y="140853"/>
+            <a:ext cx="997990" cy="471054"/>
+          </a:xfrm>
+          <a:prstGeom prst="rect">
+            <a:avLst/>
+          </a:prstGeom>
+        </p:spPr>
+        <p:style>
+          <a:lnRef idx="2">
+            <a:schemeClr val="accent1">
+              <a:shade val="50000"/>
+            </a:schemeClr>
+          </a:lnRef>
+          <a:fillRef idx="1">
+            <a:schemeClr val="accent1"/>
+          </a:fillRef>
+          <a:effectRef idx="0">
+            <a:schemeClr val="accent1"/>
+          </a:effectRef>
+          <a:fontRef idx="minor">
+            <a:schemeClr val="lt1"/>
+          </a:fontRef>
+        </p:style>
+        <p:txBody>
+          <a:bodyPr rtlCol="0" anchor="ctr"/>
+          <a:lstStyle/>
+          <a:p>
+            <a:pPr algn="ctr"/>
+            <a:r>
+              <a:rPr lang="en-US" dirty="0"/>
+              <a:t>Disk/</a:t>
+            </a:r>
+            <a:r>
+              <a:rPr lang="en-US" dirty="0" err="1"/>
+              <a:t>cpu</a:t>
+            </a:r>
+            <a:endParaRPr lang="en-US" dirty="0"/>
+          </a:p>
+        </p:txBody>
+      </p:sp>
+      <p:sp>
+        <p:nvSpPr>
+          <p:cNvPr id="39" name="Rectangle 38">
+            <a:extLst>
+              <a:ext uri="{FF2B5EF4-FFF2-40B4-BE49-F238E27FC236}">
+                <a16:creationId xmlns:a16="http://schemas.microsoft.com/office/drawing/2014/main" id="{AB5B6760-3427-4D97-9CE9-F3A5593FF1C9}"/>
+              </a:ext>
+            </a:extLst>
+          </p:cNvPr>
+          <p:cNvSpPr/>
+          <p:nvPr/>
+        </p:nvSpPr>
+        <p:spPr>
+          <a:xfrm>
+            <a:off x="2401454" y="145470"/>
+            <a:ext cx="997990" cy="471054"/>
+          </a:xfrm>
+          <a:prstGeom prst="rect">
+            <a:avLst/>
+          </a:prstGeom>
+        </p:spPr>
+        <p:style>
+          <a:lnRef idx="2">
+            <a:schemeClr val="accent1">
+              <a:shade val="50000"/>
+            </a:schemeClr>
+          </a:lnRef>
+          <a:fillRef idx="1">
+            <a:schemeClr val="accent1"/>
+          </a:fillRef>
+          <a:effectRef idx="0">
+            <a:schemeClr val="accent1"/>
+          </a:effectRef>
+          <a:fontRef idx="minor">
+            <a:schemeClr val="lt1"/>
+          </a:fontRef>
+        </p:style>
+        <p:txBody>
+          <a:bodyPr rtlCol="0" anchor="ctr"/>
+          <a:lstStyle/>
+          <a:p>
+            <a:pPr algn="ctr"/>
+            <a:r>
+              <a:rPr lang="en-US" dirty="0" err="1"/>
+              <a:t>Nrequest</a:t>
+            </a:r>
+            <a:endParaRPr lang="en-US" dirty="0"/>
+          </a:p>
+        </p:txBody>
+      </p:sp>
+      <p:sp>
+        <p:nvSpPr>
+          <p:cNvPr id="40" name="Rectangle 39">
+            <a:extLst>
+              <a:ext uri="{FF2B5EF4-FFF2-40B4-BE49-F238E27FC236}">
+                <a16:creationId xmlns:a16="http://schemas.microsoft.com/office/drawing/2014/main" id="{478884BA-9F33-4770-9CB0-986B90595A25}"/>
+              </a:ext>
+            </a:extLst>
+          </p:cNvPr>
+          <p:cNvSpPr/>
+          <p:nvPr/>
+        </p:nvSpPr>
+        <p:spPr>
+          <a:xfrm>
+            <a:off x="3491344" y="140851"/>
+            <a:ext cx="997990" cy="471054"/>
+          </a:xfrm>
+          <a:prstGeom prst="rect">
+            <a:avLst/>
+          </a:prstGeom>
+        </p:spPr>
+        <p:style>
+          <a:lnRef idx="2">
+            <a:schemeClr val="accent1">
+              <a:shade val="50000"/>
+            </a:schemeClr>
+          </a:lnRef>
+          <a:fillRef idx="1">
+            <a:schemeClr val="accent1"/>
+          </a:fillRef>
+          <a:effectRef idx="0">
+            <a:schemeClr val="accent1"/>
+          </a:effectRef>
+          <a:fontRef idx="minor">
+            <a:schemeClr val="lt1"/>
+          </a:fontRef>
+        </p:style>
+        <p:txBody>
+          <a:bodyPr rtlCol="0" anchor="ctr"/>
+          <a:lstStyle/>
+          <a:p>
+            <a:pPr algn="ctr"/>
+            <a:r>
+              <a:rPr lang="en-US" dirty="0"/>
+              <a:t>Network</a:t>
+            </a:r>
+          </a:p>
+        </p:txBody>
+      </p:sp>
+    </p:spTree>
+    <p:extLst>
+      <p:ext uri="{BB962C8B-B14F-4D97-AF65-F5344CB8AC3E}">
+        <p14:creationId xmlns:p14="http://schemas.microsoft.com/office/powerpoint/2010/main" val="3132667564"/>
+      </p:ext>
+    </p:extLst>
+  </p:cSld>
+  <p:clrMapOvr>
+    <a:masterClrMapping/>
+  </p:clrMapOvr>
+</p:sld>
+</file>
+
+<file path=ppt/slides/slide13.xml><?xml version="1.0" encoding="utf-8"?>
+<p:sld xmlns:a="http://schemas.openxmlformats.org/drawingml/2006/main" xmlns:r="http://schemas.openxmlformats.org/officeDocument/2006/relationships" xmlns:p="http://schemas.openxmlformats.org/presentationml/2006/main">
+  <p:cSld>
+    <p:spTree>
+      <p:nvGrpSpPr>
+        <p:cNvPr id="1" name=""/>
+        <p:cNvGrpSpPr/>
+        <p:nvPr/>
+      </p:nvGrpSpPr>
+      <p:grpSpPr>
+        <a:xfrm>
+          <a:off x="0" y="0"/>
+          <a:ext cx="0" cy="0"/>
+          <a:chOff x="0" y="0"/>
+          <a:chExt cx="0" cy="0"/>
+        </a:xfrm>
+      </p:grpSpPr>
+      <p:sp>
+        <p:nvSpPr>
+          <p:cNvPr id="2" name="Title 1">
+            <a:extLst>
+              <a:ext uri="{FF2B5EF4-FFF2-40B4-BE49-F238E27FC236}">
+                <a16:creationId xmlns:a16="http://schemas.microsoft.com/office/drawing/2014/main" id="{BA8F29AE-F517-4BF8-B839-B9FA21871426}"/>
+              </a:ext>
+            </a:extLst>
+          </p:cNvPr>
+          <p:cNvSpPr>
+            <a:spLocks noGrp="1"/>
+          </p:cNvSpPr>
+          <p:nvPr>
+            <p:ph type="title"/>
+          </p:nvPr>
+        </p:nvSpPr>
+        <p:spPr/>
+        <p:txBody>
+          <a:bodyPr/>
+          <a:lstStyle/>
+          <a:p>
+            <a:r>
+              <a:rPr lang="en-US" dirty="0"/>
+              <a:t>Kubernetes with AWS </a:t>
+            </a:r>
+          </a:p>
+        </p:txBody>
+      </p:sp>
+      <p:sp>
+        <p:nvSpPr>
+          <p:cNvPr id="3" name="Content Placeholder 2">
+            <a:extLst>
+              <a:ext uri="{FF2B5EF4-FFF2-40B4-BE49-F238E27FC236}">
+                <a16:creationId xmlns:a16="http://schemas.microsoft.com/office/drawing/2014/main" id="{F7875C9C-9F80-4D98-9AB4-27D00E4832F3}"/>
+              </a:ext>
+            </a:extLst>
+          </p:cNvPr>
+          <p:cNvSpPr>
+            <a:spLocks noGrp="1"/>
+          </p:cNvSpPr>
+          <p:nvPr>
+            <p:ph idx="1"/>
+          </p:nvPr>
+        </p:nvSpPr>
+        <p:spPr/>
+        <p:txBody>
+          <a:bodyPr/>
+          <a:lstStyle/>
+          <a:p>
+            <a:r>
+              <a:rPr lang="en-US" dirty="0" err="1"/>
+              <a:t>aws</a:t>
+            </a:r>
+            <a:r>
+              <a:rPr lang="en-US" dirty="0"/>
+              <a:t> cli </a:t>
+            </a:r>
+          </a:p>
+          <a:p>
+            <a:r>
+              <a:rPr lang="en-US" dirty="0" err="1"/>
+              <a:t>kubectl</a:t>
+            </a:r>
+            <a:endParaRPr lang="en-US" dirty="0"/>
+          </a:p>
+          <a:p>
+            <a:r>
+              <a:rPr lang="en-US" dirty="0" err="1"/>
+              <a:t>Api</a:t>
+            </a:r>
+            <a:r>
+              <a:rPr lang="en-US" dirty="0"/>
+              <a:t>-keys</a:t>
+            </a:r>
+          </a:p>
+          <a:p>
+            <a:endParaRPr lang="en-US" dirty="0"/>
+          </a:p>
+          <a:p>
+            <a:endParaRPr lang="en-US" dirty="0"/>
+          </a:p>
+        </p:txBody>
+      </p:sp>
+    </p:spTree>
+    <p:extLst>
+      <p:ext uri="{BB962C8B-B14F-4D97-AF65-F5344CB8AC3E}">
+        <p14:creationId xmlns:p14="http://schemas.microsoft.com/office/powerpoint/2010/main" val="2188030901"/>
+      </p:ext>
+    </p:extLst>
+  </p:cSld>
+  <p:clrMapOvr>
+    <a:masterClrMapping/>
+  </p:clrMapOvr>
+</p:sld>
+</file>
+
+<file path=ppt/slides/slide14.xml><?xml version="1.0" encoding="utf-8"?>
+<p:sld xmlns:a="http://schemas.openxmlformats.org/drawingml/2006/main" xmlns:r="http://schemas.openxmlformats.org/officeDocument/2006/relationships" xmlns:p="http://schemas.openxmlformats.org/presentationml/2006/main">
+  <p:cSld>
+    <p:spTree>
+      <p:nvGrpSpPr>
+        <p:cNvPr id="1" name=""/>
+        <p:cNvGrpSpPr/>
+        <p:nvPr/>
+      </p:nvGrpSpPr>
+      <p:grpSpPr>
+        <a:xfrm>
+          <a:off x="0" y="0"/>
+          <a:ext cx="0" cy="0"/>
+          <a:chOff x="0" y="0"/>
+          <a:chExt cx="0" cy="0"/>
+        </a:xfrm>
+      </p:grpSpPr>
+      <p:sp>
+        <p:nvSpPr>
           <p:cNvPr id="9" name="Rectangle 8">
             <a:extLst>
               <a:ext uri="{FF2B5EF4-FFF2-40B4-BE49-F238E27FC236}">
@@ -8994,14 +9988,15 @@
             </a:extLst>
           </p:cNvPr>
           <p:cNvCxnSpPr>
-            <a:endCxn id="177" idx="3"/>
+            <a:cxnSpLocks/>
+            <a:endCxn id="9" idx="3"/>
           </p:cNvCxnSpPr>
           <p:nvPr/>
         </p:nvCxnSpPr>
         <p:spPr>
           <a:xfrm rot="10800000">
-            <a:off x="6272652" y="3621811"/>
-            <a:ext cx="543784" cy="8081"/>
+            <a:off x="3326242" y="880917"/>
+            <a:ext cx="3660328" cy="2740901"/>
           </a:xfrm>
           <a:prstGeom prst="bentConnector3">
             <a:avLst/>
@@ -9178,8 +10173,8 @@
         </p:nvSpPr>
         <p:spPr>
           <a:xfrm>
-            <a:off x="7947021" y="4224290"/>
-            <a:ext cx="3422943" cy="2194983"/>
+            <a:off x="9554610" y="4197927"/>
+            <a:ext cx="2400280" cy="2194983"/>
           </a:xfrm>
           <a:prstGeom prst="rect">
             <a:avLst/>
@@ -9220,42 +10215,12 @@
           </a:p>
         </p:txBody>
       </p:sp>
-    </p:spTree>
-    <p:extLst>
-      <p:ext uri="{BB962C8B-B14F-4D97-AF65-F5344CB8AC3E}">
-        <p14:creationId xmlns:p14="http://schemas.microsoft.com/office/powerpoint/2010/main" val="2196753009"/>
-      </p:ext>
-    </p:extLst>
-  </p:cSld>
-  <p:clrMapOvr>
-    <a:masterClrMapping/>
-  </p:clrMapOvr>
-</p:sld>
-</file>
-
-<file path=ppt/slides/slide13.xml><?xml version="1.0" encoding="utf-8"?>
-<p:sld xmlns:a="http://schemas.openxmlformats.org/drawingml/2006/main" xmlns:r="http://schemas.openxmlformats.org/officeDocument/2006/relationships" xmlns:p="http://schemas.openxmlformats.org/presentationml/2006/main">
-  <p:cSld>
-    <p:spTree>
-      <p:nvGrpSpPr>
-        <p:cNvPr id="1" name=""/>
-        <p:cNvGrpSpPr/>
-        <p:nvPr/>
-      </p:nvGrpSpPr>
-      <p:grpSpPr>
-        <a:xfrm>
-          <a:off x="0" y="0"/>
-          <a:ext cx="0" cy="0"/>
-          <a:chOff x="0" y="0"/>
-          <a:chExt cx="0" cy="0"/>
-        </a:xfrm>
-      </p:grpSpPr>
-      <p:sp>
-        <p:nvSpPr>
-          <p:cNvPr id="4" name="Rectangle 3">
-            <a:extLst>
-              <a:ext uri="{FF2B5EF4-FFF2-40B4-BE49-F238E27FC236}">
-                <a16:creationId xmlns:a16="http://schemas.microsoft.com/office/drawing/2014/main" id="{E8EB2CF6-6744-4659-9A3D-E33889B64F05}"/>
+      <p:sp>
+        <p:nvSpPr>
+          <p:cNvPr id="2" name="Rectangle 1">
+            <a:extLst>
+              <a:ext uri="{FF2B5EF4-FFF2-40B4-BE49-F238E27FC236}">
+                <a16:creationId xmlns:a16="http://schemas.microsoft.com/office/drawing/2014/main" id="{0BC49310-CBFD-4016-A902-8DE24F81F39E}"/>
               </a:ext>
             </a:extLst>
           </p:cNvPr>
@@ -9264,8 +10229,8 @@
         </p:nvSpPr>
         <p:spPr>
           <a:xfrm>
-            <a:off x="1801091" y="1948873"/>
-            <a:ext cx="1339273" cy="960582"/>
+            <a:off x="7121236" y="2873079"/>
+            <a:ext cx="1525003" cy="1203046"/>
           </a:xfrm>
           <a:prstGeom prst="rect">
             <a:avLst/>
@@ -9292,16 +10257,33 @@
           <a:lstStyle/>
           <a:p>
             <a:pPr algn="ctr"/>
-            <a:endParaRPr lang="en-US"/>
-          </a:p>
-        </p:txBody>
-      </p:sp>
-      <p:sp>
-        <p:nvSpPr>
-          <p:cNvPr id="5" name="Rectangle 4">
-            <a:extLst>
-              <a:ext uri="{FF2B5EF4-FFF2-40B4-BE49-F238E27FC236}">
-                <a16:creationId xmlns:a16="http://schemas.microsoft.com/office/drawing/2014/main" id="{04C845CF-25FE-4A3E-8589-FDB0D68A6158}"/>
+            <a:r>
+              <a:rPr lang="en-US" dirty="0"/>
+              <a:t>Local </a:t>
+            </a:r>
+            <a:br>
+              <a:rPr lang="en-US" dirty="0"/>
+            </a:br>
+            <a:r>
+              <a:rPr lang="en-US" dirty="0"/>
+              <a:t>Modules</a:t>
+            </a:r>
+          </a:p>
+          <a:p>
+            <a:pPr algn="ctr"/>
+            <a:r>
+              <a:rPr lang="en-US" dirty="0"/>
+              <a:t>.</a:t>
+            </a:r>
+          </a:p>
+        </p:txBody>
+      </p:sp>
+      <p:sp>
+        <p:nvSpPr>
+          <p:cNvPr id="55" name="Rectangle 54">
+            <a:extLst>
+              <a:ext uri="{FF2B5EF4-FFF2-40B4-BE49-F238E27FC236}">
+                <a16:creationId xmlns:a16="http://schemas.microsoft.com/office/drawing/2014/main" id="{75ADD581-5B58-4A37-9D5E-FC685C1D209F}"/>
               </a:ext>
             </a:extLst>
           </p:cNvPr>
@@ -9310,8 +10292,8 @@
         </p:nvSpPr>
         <p:spPr>
           <a:xfrm>
-            <a:off x="9180945" y="1948873"/>
-            <a:ext cx="1339273" cy="960582"/>
+            <a:off x="7154331" y="4556987"/>
+            <a:ext cx="1525003" cy="1203046"/>
           </a:xfrm>
           <a:prstGeom prst="rect">
             <a:avLst/>
@@ -9338,977 +10320,17 @@
           <a:lstStyle/>
           <a:p>
             <a:pPr algn="ctr"/>
-            <a:endParaRPr lang="en-US"/>
-          </a:p>
-        </p:txBody>
-      </p:sp>
-      <p:sp>
-        <p:nvSpPr>
-          <p:cNvPr id="6" name="Rectangle 5">
-            <a:extLst>
-              <a:ext uri="{FF2B5EF4-FFF2-40B4-BE49-F238E27FC236}">
-                <a16:creationId xmlns:a16="http://schemas.microsoft.com/office/drawing/2014/main" id="{8B2B6697-2311-4730-A6CC-2CAE89D08285}"/>
-              </a:ext>
-            </a:extLst>
-          </p:cNvPr>
-          <p:cNvSpPr/>
-          <p:nvPr/>
-        </p:nvSpPr>
-        <p:spPr>
-          <a:xfrm>
-            <a:off x="1801091" y="3611419"/>
-            <a:ext cx="1339273" cy="960582"/>
-          </a:xfrm>
-          <a:prstGeom prst="rect">
-            <a:avLst/>
-          </a:prstGeom>
-        </p:spPr>
-        <p:style>
-          <a:lnRef idx="2">
-            <a:schemeClr val="accent1">
-              <a:shade val="50000"/>
-            </a:schemeClr>
-          </a:lnRef>
-          <a:fillRef idx="1">
-            <a:schemeClr val="accent1"/>
-          </a:fillRef>
-          <a:effectRef idx="0">
-            <a:schemeClr val="accent1"/>
-          </a:effectRef>
-          <a:fontRef idx="minor">
-            <a:schemeClr val="lt1"/>
-          </a:fontRef>
-        </p:style>
-        <p:txBody>
-          <a:bodyPr rtlCol="0" anchor="ctr"/>
-          <a:lstStyle/>
-          <a:p>
-            <a:pPr algn="ctr"/>
-            <a:endParaRPr lang="en-US"/>
-          </a:p>
-        </p:txBody>
-      </p:sp>
-      <p:sp>
-        <p:nvSpPr>
-          <p:cNvPr id="7" name="Rectangle 6">
-            <a:extLst>
-              <a:ext uri="{FF2B5EF4-FFF2-40B4-BE49-F238E27FC236}">
-                <a16:creationId xmlns:a16="http://schemas.microsoft.com/office/drawing/2014/main" id="{3A3E4F28-FAF8-46DE-BF34-AB14706A1486}"/>
-              </a:ext>
-            </a:extLst>
-          </p:cNvPr>
-          <p:cNvSpPr/>
-          <p:nvPr/>
-        </p:nvSpPr>
-        <p:spPr>
-          <a:xfrm>
-            <a:off x="1801090" y="5273965"/>
-            <a:ext cx="1339273" cy="960582"/>
-          </a:xfrm>
-          <a:prstGeom prst="rect">
-            <a:avLst/>
-          </a:prstGeom>
-        </p:spPr>
-        <p:style>
-          <a:lnRef idx="2">
-            <a:schemeClr val="accent1">
-              <a:shade val="50000"/>
-            </a:schemeClr>
-          </a:lnRef>
-          <a:fillRef idx="1">
-            <a:schemeClr val="accent1"/>
-          </a:fillRef>
-          <a:effectRef idx="0">
-            <a:schemeClr val="accent1"/>
-          </a:effectRef>
-          <a:fontRef idx="minor">
-            <a:schemeClr val="lt1"/>
-          </a:fontRef>
-        </p:style>
-        <p:txBody>
-          <a:bodyPr rtlCol="0" anchor="ctr"/>
-          <a:lstStyle/>
-          <a:p>
-            <a:pPr algn="ctr"/>
-            <a:endParaRPr lang="en-US"/>
-          </a:p>
-        </p:txBody>
-      </p:sp>
-      <p:sp>
-        <p:nvSpPr>
-          <p:cNvPr id="8" name="Rectangle 7">
-            <a:extLst>
-              <a:ext uri="{FF2B5EF4-FFF2-40B4-BE49-F238E27FC236}">
-                <a16:creationId xmlns:a16="http://schemas.microsoft.com/office/drawing/2014/main" id="{B6176296-083E-4FE4-8957-1890223DA1FF}"/>
-              </a:ext>
-            </a:extLst>
-          </p:cNvPr>
-          <p:cNvSpPr/>
-          <p:nvPr/>
-        </p:nvSpPr>
-        <p:spPr>
-          <a:xfrm>
-            <a:off x="1801090" y="286327"/>
-            <a:ext cx="1339273" cy="960582"/>
-          </a:xfrm>
-          <a:prstGeom prst="rect">
-            <a:avLst/>
-          </a:prstGeom>
-        </p:spPr>
-        <p:style>
-          <a:lnRef idx="2">
-            <a:schemeClr val="accent1">
-              <a:shade val="50000"/>
-            </a:schemeClr>
-          </a:lnRef>
-          <a:fillRef idx="1">
-            <a:schemeClr val="accent1"/>
-          </a:fillRef>
-          <a:effectRef idx="0">
-            <a:schemeClr val="accent1"/>
-          </a:effectRef>
-          <a:fontRef idx="minor">
-            <a:schemeClr val="lt1"/>
-          </a:fontRef>
-        </p:style>
-        <p:txBody>
-          <a:bodyPr rtlCol="0" anchor="ctr"/>
-          <a:lstStyle/>
-          <a:p>
-            <a:pPr algn="ctr"/>
-            <a:endParaRPr lang="en-US"/>
-          </a:p>
-        </p:txBody>
-      </p:sp>
-      <p:sp>
-        <p:nvSpPr>
-          <p:cNvPr id="9" name="Rectangle 8">
-            <a:extLst>
-              <a:ext uri="{FF2B5EF4-FFF2-40B4-BE49-F238E27FC236}">
-                <a16:creationId xmlns:a16="http://schemas.microsoft.com/office/drawing/2014/main" id="{4CBE0B4F-0F7A-4847-9F18-4AA24FCC9914}"/>
-              </a:ext>
-            </a:extLst>
-          </p:cNvPr>
-          <p:cNvSpPr/>
-          <p:nvPr/>
-        </p:nvSpPr>
-        <p:spPr>
-          <a:xfrm>
-            <a:off x="9051637" y="249382"/>
-            <a:ext cx="1339273" cy="960582"/>
-          </a:xfrm>
-          <a:prstGeom prst="rect">
-            <a:avLst/>
-          </a:prstGeom>
-        </p:spPr>
-        <p:style>
-          <a:lnRef idx="2">
-            <a:schemeClr val="accent1">
-              <a:shade val="50000"/>
-            </a:schemeClr>
-          </a:lnRef>
-          <a:fillRef idx="1">
-            <a:schemeClr val="accent1"/>
-          </a:fillRef>
-          <a:effectRef idx="0">
-            <a:schemeClr val="accent1"/>
-          </a:effectRef>
-          <a:fontRef idx="minor">
-            <a:schemeClr val="lt1"/>
-          </a:fontRef>
-        </p:style>
-        <p:txBody>
-          <a:bodyPr rtlCol="0" anchor="ctr"/>
-          <a:lstStyle/>
-          <a:p>
-            <a:pPr algn="ctr"/>
-            <a:endParaRPr lang="en-US"/>
-          </a:p>
-        </p:txBody>
-      </p:sp>
-      <p:sp>
-        <p:nvSpPr>
-          <p:cNvPr id="10" name="Rectangle 9">
-            <a:extLst>
-              <a:ext uri="{FF2B5EF4-FFF2-40B4-BE49-F238E27FC236}">
-                <a16:creationId xmlns:a16="http://schemas.microsoft.com/office/drawing/2014/main" id="{0DC833A0-2CEF-4627-B2A6-B377D2138ACA}"/>
-              </a:ext>
-            </a:extLst>
-          </p:cNvPr>
-          <p:cNvSpPr/>
-          <p:nvPr/>
-        </p:nvSpPr>
-        <p:spPr>
-          <a:xfrm>
-            <a:off x="1671782" y="-1413164"/>
-            <a:ext cx="1339273" cy="960582"/>
-          </a:xfrm>
-          <a:prstGeom prst="rect">
-            <a:avLst/>
-          </a:prstGeom>
-        </p:spPr>
-        <p:style>
-          <a:lnRef idx="2">
-            <a:schemeClr val="accent1">
-              <a:shade val="50000"/>
-            </a:schemeClr>
-          </a:lnRef>
-          <a:fillRef idx="1">
-            <a:schemeClr val="accent1"/>
-          </a:fillRef>
-          <a:effectRef idx="0">
-            <a:schemeClr val="accent1"/>
-          </a:effectRef>
-          <a:fontRef idx="minor">
-            <a:schemeClr val="lt1"/>
-          </a:fontRef>
-        </p:style>
-        <p:txBody>
-          <a:bodyPr rtlCol="0" anchor="ctr"/>
-          <a:lstStyle/>
-          <a:p>
-            <a:pPr algn="ctr"/>
-            <a:endParaRPr lang="en-US"/>
-          </a:p>
-        </p:txBody>
-      </p:sp>
-      <p:sp>
-        <p:nvSpPr>
-          <p:cNvPr id="13" name="Rectangle 12">
-            <a:extLst>
-              <a:ext uri="{FF2B5EF4-FFF2-40B4-BE49-F238E27FC236}">
-                <a16:creationId xmlns:a16="http://schemas.microsoft.com/office/drawing/2014/main" id="{B036B0BA-20E3-4F1E-AAD2-4D737826707D}"/>
-              </a:ext>
-            </a:extLst>
-          </p:cNvPr>
-          <p:cNvSpPr/>
-          <p:nvPr/>
-        </p:nvSpPr>
-        <p:spPr>
-          <a:xfrm>
-            <a:off x="9254836" y="5098472"/>
-            <a:ext cx="1339273" cy="960582"/>
-          </a:xfrm>
-          <a:prstGeom prst="rect">
-            <a:avLst/>
-          </a:prstGeom>
-        </p:spPr>
-        <p:style>
-          <a:lnRef idx="2">
-            <a:schemeClr val="accent1">
-              <a:shade val="50000"/>
-            </a:schemeClr>
-          </a:lnRef>
-          <a:fillRef idx="1">
-            <a:schemeClr val="accent1"/>
-          </a:fillRef>
-          <a:effectRef idx="0">
-            <a:schemeClr val="accent1"/>
-          </a:effectRef>
-          <a:fontRef idx="minor">
-            <a:schemeClr val="lt1"/>
-          </a:fontRef>
-        </p:style>
-        <p:txBody>
-          <a:bodyPr rtlCol="0" anchor="ctr"/>
-          <a:lstStyle/>
-          <a:p>
-            <a:pPr algn="ctr"/>
-            <a:endParaRPr lang="en-US"/>
-          </a:p>
-        </p:txBody>
-      </p:sp>
-      <p:sp>
-        <p:nvSpPr>
-          <p:cNvPr id="14" name="Rectangle 13">
-            <a:extLst>
-              <a:ext uri="{FF2B5EF4-FFF2-40B4-BE49-F238E27FC236}">
-                <a16:creationId xmlns:a16="http://schemas.microsoft.com/office/drawing/2014/main" id="{4F867152-8A33-4F9D-8BB0-0A0CF6CE891A}"/>
-              </a:ext>
-            </a:extLst>
-          </p:cNvPr>
-          <p:cNvSpPr/>
-          <p:nvPr/>
-        </p:nvSpPr>
-        <p:spPr>
-          <a:xfrm>
-            <a:off x="1801090" y="-1376219"/>
-            <a:ext cx="1339273" cy="960582"/>
-          </a:xfrm>
-          <a:prstGeom prst="rect">
-            <a:avLst/>
-          </a:prstGeom>
-        </p:spPr>
-        <p:style>
-          <a:lnRef idx="2">
-            <a:schemeClr val="accent1">
-              <a:shade val="50000"/>
-            </a:schemeClr>
-          </a:lnRef>
-          <a:fillRef idx="1">
-            <a:schemeClr val="accent1"/>
-          </a:fillRef>
-          <a:effectRef idx="0">
-            <a:schemeClr val="accent1"/>
-          </a:effectRef>
-          <a:fontRef idx="minor">
-            <a:schemeClr val="lt1"/>
-          </a:fontRef>
-        </p:style>
-        <p:txBody>
-          <a:bodyPr rtlCol="0" anchor="ctr"/>
-          <a:lstStyle/>
-          <a:p>
-            <a:pPr algn="ctr"/>
-            <a:endParaRPr lang="en-US"/>
-          </a:p>
-        </p:txBody>
-      </p:sp>
-      <p:sp>
-        <p:nvSpPr>
-          <p:cNvPr id="17" name="Rectangle 16">
-            <a:extLst>
-              <a:ext uri="{FF2B5EF4-FFF2-40B4-BE49-F238E27FC236}">
-                <a16:creationId xmlns:a16="http://schemas.microsoft.com/office/drawing/2014/main" id="{A8AF25A8-82B6-4D9C-940B-D93A7D087106}"/>
-              </a:ext>
-            </a:extLst>
-          </p:cNvPr>
-          <p:cNvSpPr/>
-          <p:nvPr/>
-        </p:nvSpPr>
-        <p:spPr>
-          <a:xfrm>
-            <a:off x="9180945" y="3468255"/>
-            <a:ext cx="1339273" cy="960582"/>
-          </a:xfrm>
-          <a:prstGeom prst="rect">
-            <a:avLst/>
-          </a:prstGeom>
-        </p:spPr>
-        <p:style>
-          <a:lnRef idx="2">
-            <a:schemeClr val="accent1">
-              <a:shade val="50000"/>
-            </a:schemeClr>
-          </a:lnRef>
-          <a:fillRef idx="1">
-            <a:schemeClr val="accent1"/>
-          </a:fillRef>
-          <a:effectRef idx="0">
-            <a:schemeClr val="accent1"/>
-          </a:effectRef>
-          <a:fontRef idx="minor">
-            <a:schemeClr val="lt1"/>
-          </a:fontRef>
-        </p:style>
-        <p:txBody>
-          <a:bodyPr rtlCol="0" anchor="ctr"/>
-          <a:lstStyle/>
-          <a:p>
-            <a:pPr algn="ctr"/>
-            <a:endParaRPr lang="en-US"/>
-          </a:p>
-        </p:txBody>
-      </p:sp>
-      <p:sp>
-        <p:nvSpPr>
-          <p:cNvPr id="39" name="Rectangle 38">
-            <a:extLst>
-              <a:ext uri="{FF2B5EF4-FFF2-40B4-BE49-F238E27FC236}">
-                <a16:creationId xmlns:a16="http://schemas.microsoft.com/office/drawing/2014/main" id="{285BBFFD-D6C6-4932-A620-DD2148DDEF8A}"/>
-              </a:ext>
-            </a:extLst>
-          </p:cNvPr>
-          <p:cNvSpPr/>
-          <p:nvPr/>
-        </p:nvSpPr>
-        <p:spPr>
-          <a:xfrm>
-            <a:off x="5426363" y="1168399"/>
-            <a:ext cx="1339273" cy="4442691"/>
-          </a:xfrm>
-          <a:prstGeom prst="rect">
-            <a:avLst/>
-          </a:prstGeom>
-        </p:spPr>
-        <p:style>
-          <a:lnRef idx="2">
-            <a:schemeClr val="accent1">
-              <a:shade val="50000"/>
-            </a:schemeClr>
-          </a:lnRef>
-          <a:fillRef idx="1">
-            <a:schemeClr val="accent1"/>
-          </a:fillRef>
-          <a:effectRef idx="0">
-            <a:schemeClr val="accent1"/>
-          </a:effectRef>
-          <a:fontRef idx="minor">
-            <a:schemeClr val="lt1"/>
-          </a:fontRef>
-        </p:style>
-        <p:txBody>
-          <a:bodyPr rtlCol="0" anchor="ctr"/>
-          <a:lstStyle/>
-          <a:p>
-            <a:pPr algn="ctr"/>
             <a:r>
               <a:rPr lang="en-US" dirty="0"/>
-              <a:t>B</a:t>
-            </a:r>
-          </a:p>
-          <a:p>
-            <a:pPr algn="ctr"/>
-            <a:r>
-              <a:rPr lang="en-US" dirty="0"/>
-              <a:t>R</a:t>
-            </a:r>
-            <a:br>
-              <a:rPr lang="en-US" dirty="0"/>
-            </a:br>
-            <a:r>
-              <a:rPr lang="en-US" dirty="0"/>
-              <a:t>O</a:t>
-            </a:r>
-          </a:p>
-          <a:p>
-            <a:pPr algn="ctr"/>
-            <a:r>
-              <a:rPr lang="en-US" dirty="0"/>
-              <a:t>K</a:t>
-            </a:r>
-          </a:p>
-          <a:p>
-            <a:pPr algn="ctr"/>
-            <a:r>
-              <a:rPr lang="en-US" dirty="0"/>
-              <a:t>E</a:t>
-            </a:r>
-          </a:p>
-          <a:p>
-            <a:pPr algn="ctr"/>
-            <a:r>
-              <a:rPr lang="en-US" dirty="0"/>
-              <a:t>R</a:t>
-            </a:r>
-          </a:p>
-        </p:txBody>
-      </p:sp>
-      <p:sp>
-        <p:nvSpPr>
-          <p:cNvPr id="40" name="Rectangle 39">
-            <a:extLst>
-              <a:ext uri="{FF2B5EF4-FFF2-40B4-BE49-F238E27FC236}">
-                <a16:creationId xmlns:a16="http://schemas.microsoft.com/office/drawing/2014/main" id="{9104EC30-632B-476D-9EA9-02F9A1739172}"/>
-              </a:ext>
-            </a:extLst>
-          </p:cNvPr>
-          <p:cNvSpPr/>
-          <p:nvPr/>
-        </p:nvSpPr>
-        <p:spPr>
-          <a:xfrm>
-            <a:off x="5232400" y="2087417"/>
-            <a:ext cx="1685636" cy="434109"/>
-          </a:xfrm>
-          <a:prstGeom prst="rect">
-            <a:avLst/>
-          </a:prstGeom>
-        </p:spPr>
-        <p:style>
-          <a:lnRef idx="2">
-            <a:schemeClr val="accent3">
-              <a:shade val="50000"/>
-            </a:schemeClr>
-          </a:lnRef>
-          <a:fillRef idx="1">
-            <a:schemeClr val="accent3"/>
-          </a:fillRef>
-          <a:effectRef idx="0">
-            <a:schemeClr val="accent3"/>
-          </a:effectRef>
-          <a:fontRef idx="minor">
-            <a:schemeClr val="lt1"/>
-          </a:fontRef>
-        </p:style>
-        <p:txBody>
-          <a:bodyPr rtlCol="0" anchor="ctr"/>
-          <a:lstStyle/>
-          <a:p>
-            <a:pPr algn="ctr"/>
-            <a:r>
-              <a:rPr lang="en-US" dirty="0"/>
-              <a:t>TOPIC</a:t>
-            </a:r>
-          </a:p>
-        </p:txBody>
-      </p:sp>
-      <p:cxnSp>
-        <p:nvCxnSpPr>
-          <p:cNvPr id="42" name="Straight Arrow Connector 41">
-            <a:extLst>
-              <a:ext uri="{FF2B5EF4-FFF2-40B4-BE49-F238E27FC236}">
-                <a16:creationId xmlns:a16="http://schemas.microsoft.com/office/drawing/2014/main" id="{E0B9334E-639C-457C-88CB-B4E3C35161ED}"/>
-              </a:ext>
-            </a:extLst>
-          </p:cNvPr>
-          <p:cNvCxnSpPr>
-            <a:stCxn id="8" idx="3"/>
-            <a:endCxn id="40" idx="1"/>
-          </p:cNvCxnSpPr>
-          <p:nvPr/>
-        </p:nvCxnSpPr>
-        <p:spPr>
-          <a:xfrm>
-            <a:off x="3140363" y="766618"/>
-            <a:ext cx="2092037" cy="1537854"/>
-          </a:xfrm>
-          <a:prstGeom prst="straightConnector1">
-            <a:avLst/>
-          </a:prstGeom>
-          <a:ln>
-            <a:tailEnd type="triangle"/>
-          </a:ln>
-        </p:spPr>
-        <p:style>
-          <a:lnRef idx="1">
-            <a:schemeClr val="accent1"/>
-          </a:lnRef>
-          <a:fillRef idx="0">
-            <a:schemeClr val="accent1"/>
-          </a:fillRef>
-          <a:effectRef idx="0">
-            <a:schemeClr val="accent1"/>
-          </a:effectRef>
-          <a:fontRef idx="minor">
-            <a:schemeClr val="tx1"/>
-          </a:fontRef>
-        </p:style>
-      </p:cxnSp>
-      <p:cxnSp>
-        <p:nvCxnSpPr>
-          <p:cNvPr id="44" name="Straight Arrow Connector 43">
-            <a:extLst>
-              <a:ext uri="{FF2B5EF4-FFF2-40B4-BE49-F238E27FC236}">
-                <a16:creationId xmlns:a16="http://schemas.microsoft.com/office/drawing/2014/main" id="{69D3D947-5283-444A-A396-2BE053403D28}"/>
-              </a:ext>
-            </a:extLst>
-          </p:cNvPr>
-          <p:cNvCxnSpPr>
-            <a:stCxn id="9" idx="1"/>
-            <a:endCxn id="40" idx="3"/>
-          </p:cNvCxnSpPr>
-          <p:nvPr/>
-        </p:nvCxnSpPr>
-        <p:spPr>
-          <a:xfrm flipH="1">
-            <a:off x="6918036" y="729673"/>
-            <a:ext cx="2133601" cy="1574799"/>
-          </a:xfrm>
-          <a:prstGeom prst="straightConnector1">
-            <a:avLst/>
-          </a:prstGeom>
-          <a:ln>
-            <a:tailEnd type="triangle"/>
-          </a:ln>
-        </p:spPr>
-        <p:style>
-          <a:lnRef idx="1">
-            <a:schemeClr val="accent1"/>
-          </a:lnRef>
-          <a:fillRef idx="0">
-            <a:schemeClr val="accent1"/>
-          </a:fillRef>
-          <a:effectRef idx="0">
-            <a:schemeClr val="accent1"/>
-          </a:effectRef>
-          <a:fontRef idx="minor">
-            <a:schemeClr val="tx1"/>
-          </a:fontRef>
-        </p:style>
-      </p:cxnSp>
-      <p:cxnSp>
-        <p:nvCxnSpPr>
-          <p:cNvPr id="46" name="Straight Arrow Connector 45">
-            <a:extLst>
-              <a:ext uri="{FF2B5EF4-FFF2-40B4-BE49-F238E27FC236}">
-                <a16:creationId xmlns:a16="http://schemas.microsoft.com/office/drawing/2014/main" id="{34ABD8D5-8BB1-44B5-AADA-79F39D1249D1}"/>
-              </a:ext>
-            </a:extLst>
-          </p:cNvPr>
-          <p:cNvCxnSpPr>
-            <a:stCxn id="5" idx="1"/>
-            <a:endCxn id="40" idx="3"/>
-          </p:cNvCxnSpPr>
-          <p:nvPr/>
-        </p:nvCxnSpPr>
-        <p:spPr>
-          <a:xfrm flipH="1" flipV="1">
-            <a:off x="6918036" y="2304472"/>
-            <a:ext cx="2262909" cy="124692"/>
-          </a:xfrm>
-          <a:prstGeom prst="straightConnector1">
-            <a:avLst/>
-          </a:prstGeom>
-          <a:ln>
-            <a:tailEnd type="triangle"/>
-          </a:ln>
-        </p:spPr>
-        <p:style>
-          <a:lnRef idx="1">
-            <a:schemeClr val="accent1"/>
-          </a:lnRef>
-          <a:fillRef idx="0">
-            <a:schemeClr val="accent1"/>
-          </a:fillRef>
-          <a:effectRef idx="0">
-            <a:schemeClr val="accent1"/>
-          </a:effectRef>
-          <a:fontRef idx="minor">
-            <a:schemeClr val="tx1"/>
-          </a:fontRef>
-        </p:style>
-      </p:cxnSp>
-      <p:cxnSp>
-        <p:nvCxnSpPr>
-          <p:cNvPr id="48" name="Straight Arrow Connector 47">
-            <a:extLst>
-              <a:ext uri="{FF2B5EF4-FFF2-40B4-BE49-F238E27FC236}">
-                <a16:creationId xmlns:a16="http://schemas.microsoft.com/office/drawing/2014/main" id="{BBB89E3E-1D58-4135-AC2E-E9946713D023}"/>
-              </a:ext>
-            </a:extLst>
-          </p:cNvPr>
-          <p:cNvCxnSpPr>
-            <a:stCxn id="17" idx="1"/>
-            <a:endCxn id="40" idx="3"/>
-          </p:cNvCxnSpPr>
-          <p:nvPr/>
-        </p:nvCxnSpPr>
-        <p:spPr>
-          <a:xfrm flipH="1" flipV="1">
-            <a:off x="6918036" y="2304472"/>
-            <a:ext cx="2262909" cy="1644074"/>
-          </a:xfrm>
-          <a:prstGeom prst="straightConnector1">
-            <a:avLst/>
-          </a:prstGeom>
-          <a:ln>
-            <a:tailEnd type="triangle"/>
-          </a:ln>
-        </p:spPr>
-        <p:style>
-          <a:lnRef idx="1">
-            <a:schemeClr val="accent1"/>
-          </a:lnRef>
-          <a:fillRef idx="0">
-            <a:schemeClr val="accent1"/>
-          </a:fillRef>
-          <a:effectRef idx="0">
-            <a:schemeClr val="accent1"/>
-          </a:effectRef>
-          <a:fontRef idx="minor">
-            <a:schemeClr val="tx1"/>
-          </a:fontRef>
-        </p:style>
-      </p:cxnSp>
-      <p:cxnSp>
-        <p:nvCxnSpPr>
-          <p:cNvPr id="50" name="Straight Arrow Connector 49">
-            <a:extLst>
-              <a:ext uri="{FF2B5EF4-FFF2-40B4-BE49-F238E27FC236}">
-                <a16:creationId xmlns:a16="http://schemas.microsoft.com/office/drawing/2014/main" id="{5A91D659-54EA-49CE-A112-10CCA51CE62B}"/>
-              </a:ext>
-            </a:extLst>
-          </p:cNvPr>
-          <p:cNvCxnSpPr>
-            <a:stCxn id="13" idx="1"/>
-            <a:endCxn id="40" idx="3"/>
-          </p:cNvCxnSpPr>
-          <p:nvPr/>
-        </p:nvCxnSpPr>
-        <p:spPr>
-          <a:xfrm flipH="1" flipV="1">
-            <a:off x="6918036" y="2304472"/>
-            <a:ext cx="2336800" cy="3274291"/>
-          </a:xfrm>
-          <a:prstGeom prst="straightConnector1">
-            <a:avLst/>
-          </a:prstGeom>
-          <a:ln>
-            <a:tailEnd type="triangle"/>
-          </a:ln>
-        </p:spPr>
-        <p:style>
-          <a:lnRef idx="1">
-            <a:schemeClr val="accent1"/>
-          </a:lnRef>
-          <a:fillRef idx="0">
-            <a:schemeClr val="accent1"/>
-          </a:fillRef>
-          <a:effectRef idx="0">
-            <a:schemeClr val="accent1"/>
-          </a:effectRef>
-          <a:fontRef idx="minor">
-            <a:schemeClr val="tx1"/>
-          </a:fontRef>
-        </p:style>
-      </p:cxnSp>
-      <p:cxnSp>
-        <p:nvCxnSpPr>
-          <p:cNvPr id="57" name="Straight Arrow Connector 56">
-            <a:extLst>
-              <a:ext uri="{FF2B5EF4-FFF2-40B4-BE49-F238E27FC236}">
-                <a16:creationId xmlns:a16="http://schemas.microsoft.com/office/drawing/2014/main" id="{2F9190B3-9DDF-4857-826C-757737427EAB}"/>
-              </a:ext>
-            </a:extLst>
-          </p:cNvPr>
-          <p:cNvCxnSpPr>
-            <a:stCxn id="4" idx="3"/>
-            <a:endCxn id="40" idx="1"/>
-          </p:cNvCxnSpPr>
-          <p:nvPr/>
-        </p:nvCxnSpPr>
-        <p:spPr>
-          <a:xfrm flipV="1">
-            <a:off x="3140364" y="2304472"/>
-            <a:ext cx="2092036" cy="124692"/>
-          </a:xfrm>
-          <a:prstGeom prst="straightConnector1">
-            <a:avLst/>
-          </a:prstGeom>
-          <a:ln>
-            <a:tailEnd type="triangle"/>
-          </a:ln>
-        </p:spPr>
-        <p:style>
-          <a:lnRef idx="1">
-            <a:schemeClr val="accent1"/>
-          </a:lnRef>
-          <a:fillRef idx="0">
-            <a:schemeClr val="accent1"/>
-          </a:fillRef>
-          <a:effectRef idx="0">
-            <a:schemeClr val="accent1"/>
-          </a:effectRef>
-          <a:fontRef idx="minor">
-            <a:schemeClr val="tx1"/>
-          </a:fontRef>
-        </p:style>
-      </p:cxnSp>
-      <p:cxnSp>
-        <p:nvCxnSpPr>
-          <p:cNvPr id="59" name="Straight Arrow Connector 58">
-            <a:extLst>
-              <a:ext uri="{FF2B5EF4-FFF2-40B4-BE49-F238E27FC236}">
-                <a16:creationId xmlns:a16="http://schemas.microsoft.com/office/drawing/2014/main" id="{8C6FCFB1-6C81-45AE-9C59-54184CBA9018}"/>
-              </a:ext>
-            </a:extLst>
-          </p:cNvPr>
-          <p:cNvCxnSpPr>
-            <a:stCxn id="6" idx="3"/>
-            <a:endCxn id="40" idx="1"/>
-          </p:cNvCxnSpPr>
-          <p:nvPr/>
-        </p:nvCxnSpPr>
-        <p:spPr>
-          <a:xfrm flipV="1">
-            <a:off x="3140364" y="2304472"/>
-            <a:ext cx="2092036" cy="1787238"/>
-          </a:xfrm>
-          <a:prstGeom prst="straightConnector1">
-            <a:avLst/>
-          </a:prstGeom>
-          <a:ln>
-            <a:tailEnd type="triangle"/>
-          </a:ln>
-        </p:spPr>
-        <p:style>
-          <a:lnRef idx="1">
-            <a:schemeClr val="accent1"/>
-          </a:lnRef>
-          <a:fillRef idx="0">
-            <a:schemeClr val="accent1"/>
-          </a:fillRef>
-          <a:effectRef idx="0">
-            <a:schemeClr val="accent1"/>
-          </a:effectRef>
-          <a:fontRef idx="minor">
-            <a:schemeClr val="tx1"/>
-          </a:fontRef>
-        </p:style>
-      </p:cxnSp>
-      <p:cxnSp>
-        <p:nvCxnSpPr>
-          <p:cNvPr id="61" name="Straight Arrow Connector 60">
-            <a:extLst>
-              <a:ext uri="{FF2B5EF4-FFF2-40B4-BE49-F238E27FC236}">
-                <a16:creationId xmlns:a16="http://schemas.microsoft.com/office/drawing/2014/main" id="{42226737-E8DE-4009-A90A-56B6FAAA81A6}"/>
-              </a:ext>
-            </a:extLst>
-          </p:cNvPr>
-          <p:cNvCxnSpPr>
-            <a:stCxn id="7" idx="3"/>
-            <a:endCxn id="40" idx="1"/>
-          </p:cNvCxnSpPr>
-          <p:nvPr/>
-        </p:nvCxnSpPr>
-        <p:spPr>
-          <a:xfrm flipV="1">
-            <a:off x="3140363" y="2304472"/>
-            <a:ext cx="2092037" cy="3449784"/>
-          </a:xfrm>
-          <a:prstGeom prst="straightConnector1">
-            <a:avLst/>
-          </a:prstGeom>
-          <a:ln>
-            <a:tailEnd type="triangle"/>
-          </a:ln>
-        </p:spPr>
-        <p:style>
-          <a:lnRef idx="1">
-            <a:schemeClr val="accent1"/>
-          </a:lnRef>
-          <a:fillRef idx="0">
-            <a:schemeClr val="accent1"/>
-          </a:fillRef>
-          <a:effectRef idx="0">
-            <a:schemeClr val="accent1"/>
-          </a:effectRef>
-          <a:fontRef idx="minor">
-            <a:schemeClr val="tx1"/>
-          </a:fontRef>
-        </p:style>
-      </p:cxnSp>
+              <a:t>xxx</a:t>
+            </a:r>
+          </a:p>
+        </p:txBody>
+      </p:sp>
     </p:spTree>
     <p:extLst>
       <p:ext uri="{BB962C8B-B14F-4D97-AF65-F5344CB8AC3E}">
-        <p14:creationId xmlns:p14="http://schemas.microsoft.com/office/powerpoint/2010/main" val="1941979558"/>
-      </p:ext>
-    </p:extLst>
-  </p:cSld>
-  <p:clrMapOvr>
-    <a:masterClrMapping/>
-  </p:clrMapOvr>
-</p:sld>
-</file>
-
-<file path=ppt/slides/slide14.xml><?xml version="1.0" encoding="utf-8"?>
-<p:sld xmlns:a="http://schemas.openxmlformats.org/drawingml/2006/main" xmlns:r="http://schemas.openxmlformats.org/officeDocument/2006/relationships" xmlns:p="http://schemas.openxmlformats.org/presentationml/2006/main">
-  <p:cSld>
-    <p:spTree>
-      <p:nvGrpSpPr>
-        <p:cNvPr id="1" name=""/>
-        <p:cNvGrpSpPr/>
-        <p:nvPr/>
-      </p:nvGrpSpPr>
-      <p:grpSpPr>
-        <a:xfrm>
-          <a:off x="0" y="0"/>
-          <a:ext cx="0" cy="0"/>
-          <a:chOff x="0" y="0"/>
-          <a:chExt cx="0" cy="0"/>
-        </a:xfrm>
-      </p:grpSpPr>
-      <p:sp>
-        <p:nvSpPr>
-          <p:cNvPr id="4" name="Rectangle 3">
-            <a:extLst>
-              <a:ext uri="{FF2B5EF4-FFF2-40B4-BE49-F238E27FC236}">
-                <a16:creationId xmlns:a16="http://schemas.microsoft.com/office/drawing/2014/main" id="{351F27EC-2DB3-4B9B-9C66-DCCAF55CE8D4}"/>
-              </a:ext>
-            </a:extLst>
-          </p:cNvPr>
-          <p:cNvSpPr/>
-          <p:nvPr/>
-        </p:nvSpPr>
-        <p:spPr>
-          <a:xfrm>
-            <a:off x="4313382" y="2096655"/>
-            <a:ext cx="2927927" cy="1209963"/>
-          </a:xfrm>
-          <a:prstGeom prst="rect">
-            <a:avLst/>
-          </a:prstGeom>
-        </p:spPr>
-        <p:style>
-          <a:lnRef idx="2">
-            <a:schemeClr val="accent1">
-              <a:shade val="50000"/>
-            </a:schemeClr>
-          </a:lnRef>
-          <a:fillRef idx="1">
-            <a:schemeClr val="accent1"/>
-          </a:fillRef>
-          <a:effectRef idx="0">
-            <a:schemeClr val="accent1"/>
-          </a:effectRef>
-          <a:fontRef idx="minor">
-            <a:schemeClr val="lt1"/>
-          </a:fontRef>
-        </p:style>
-        <p:txBody>
-          <a:bodyPr rtlCol="0" anchor="ctr"/>
-          <a:lstStyle/>
-          <a:p>
-            <a:pPr algn="ctr"/>
-            <a:endParaRPr lang="en-US"/>
-          </a:p>
-        </p:txBody>
-      </p:sp>
-      <p:sp>
-        <p:nvSpPr>
-          <p:cNvPr id="5" name="Rectangle 4">
-            <a:extLst>
-              <a:ext uri="{FF2B5EF4-FFF2-40B4-BE49-F238E27FC236}">
-                <a16:creationId xmlns:a16="http://schemas.microsoft.com/office/drawing/2014/main" id="{DACE17DD-508C-4BF1-B57D-74D48DE13845}"/>
-              </a:ext>
-            </a:extLst>
-          </p:cNvPr>
-          <p:cNvSpPr/>
-          <p:nvPr/>
-        </p:nvSpPr>
-        <p:spPr>
-          <a:xfrm>
-            <a:off x="4313381" y="3429001"/>
-            <a:ext cx="2927927" cy="477982"/>
-          </a:xfrm>
-          <a:prstGeom prst="rect">
-            <a:avLst/>
-          </a:prstGeom>
-        </p:spPr>
-        <p:style>
-          <a:lnRef idx="2">
-            <a:schemeClr val="accent1">
-              <a:shade val="50000"/>
-            </a:schemeClr>
-          </a:lnRef>
-          <a:fillRef idx="1">
-            <a:schemeClr val="accent1"/>
-          </a:fillRef>
-          <a:effectRef idx="0">
-            <a:schemeClr val="accent1"/>
-          </a:effectRef>
-          <a:fontRef idx="minor">
-            <a:schemeClr val="lt1"/>
-          </a:fontRef>
-        </p:style>
-        <p:txBody>
-          <a:bodyPr rtlCol="0" anchor="ctr"/>
-          <a:lstStyle/>
-          <a:p>
-            <a:pPr algn="ctr"/>
-            <a:r>
-              <a:rPr lang="en-IN" dirty="0"/>
-              <a:t>Library</a:t>
-            </a:r>
-            <a:endParaRPr lang="en-US" dirty="0"/>
-          </a:p>
-        </p:txBody>
-      </p:sp>
-    </p:spTree>
-    <p:extLst>
-      <p:ext uri="{BB962C8B-B14F-4D97-AF65-F5344CB8AC3E}">
-        <p14:creationId xmlns:p14="http://schemas.microsoft.com/office/powerpoint/2010/main" val="141393587"/>
+        <p14:creationId xmlns:p14="http://schemas.microsoft.com/office/powerpoint/2010/main" val="2196753009"/>
       </p:ext>
     </p:extLst>
   </p:cSld>
@@ -10337,50 +10359,1804 @@
       </p:grpSpPr>
       <p:sp>
         <p:nvSpPr>
-          <p:cNvPr id="2" name="Title 1">
-            <a:extLst>
-              <a:ext uri="{FF2B5EF4-FFF2-40B4-BE49-F238E27FC236}">
-                <a16:creationId xmlns:a16="http://schemas.microsoft.com/office/drawing/2014/main" id="{31D44928-DCB0-4EC6-9A48-508E01454C70}"/>
-              </a:ext>
-            </a:extLst>
-          </p:cNvPr>
-          <p:cNvSpPr>
-            <a:spLocks noGrp="1"/>
-          </p:cNvSpPr>
-          <p:nvPr>
-            <p:ph type="title"/>
-          </p:nvPr>
-        </p:nvSpPr>
-        <p:spPr/>
-        <p:txBody>
-          <a:bodyPr/>
-          <a:lstStyle/>
-          <a:p>
+          <p:cNvPr id="4" name="Rectangle 3">
+            <a:extLst>
+              <a:ext uri="{FF2B5EF4-FFF2-40B4-BE49-F238E27FC236}">
+                <a16:creationId xmlns:a16="http://schemas.microsoft.com/office/drawing/2014/main" id="{E8EB2CF6-6744-4659-9A3D-E33889B64F05}"/>
+              </a:ext>
+            </a:extLst>
+          </p:cNvPr>
+          <p:cNvSpPr/>
+          <p:nvPr/>
+        </p:nvSpPr>
+        <p:spPr>
+          <a:xfrm>
+            <a:off x="1801091" y="1948873"/>
+            <a:ext cx="1339273" cy="960582"/>
+          </a:xfrm>
+          <a:prstGeom prst="rect">
+            <a:avLst/>
+          </a:prstGeom>
+        </p:spPr>
+        <p:style>
+          <a:lnRef idx="2">
+            <a:schemeClr val="accent1">
+              <a:shade val="50000"/>
+            </a:schemeClr>
+          </a:lnRef>
+          <a:fillRef idx="1">
+            <a:schemeClr val="accent1"/>
+          </a:fillRef>
+          <a:effectRef idx="0">
+            <a:schemeClr val="accent1"/>
+          </a:effectRef>
+          <a:fontRef idx="minor">
+            <a:schemeClr val="lt1"/>
+          </a:fontRef>
+        </p:style>
+        <p:txBody>
+          <a:bodyPr rtlCol="0" anchor="ctr"/>
+          <a:lstStyle/>
+          <a:p>
+            <a:pPr algn="ctr"/>
             <a:endParaRPr lang="en-US"/>
           </a:p>
         </p:txBody>
       </p:sp>
       <p:sp>
         <p:nvSpPr>
-          <p:cNvPr id="3" name="Content Placeholder 2">
-            <a:extLst>
-              <a:ext uri="{FF2B5EF4-FFF2-40B4-BE49-F238E27FC236}">
-                <a16:creationId xmlns:a16="http://schemas.microsoft.com/office/drawing/2014/main" id="{FD1FA29C-63AF-4F13-899D-C3FB39933758}"/>
-              </a:ext>
-            </a:extLst>
-          </p:cNvPr>
-          <p:cNvSpPr>
-            <a:spLocks noGrp="1"/>
-          </p:cNvSpPr>
-          <p:nvPr>
-            <p:ph idx="1"/>
-          </p:nvPr>
-        </p:nvSpPr>
-        <p:spPr/>
-        <p:txBody>
-          <a:bodyPr/>
-          <a:lstStyle/>
-          <a:p>
+          <p:cNvPr id="5" name="Rectangle 4">
+            <a:extLst>
+              <a:ext uri="{FF2B5EF4-FFF2-40B4-BE49-F238E27FC236}">
+                <a16:creationId xmlns:a16="http://schemas.microsoft.com/office/drawing/2014/main" id="{04C845CF-25FE-4A3E-8589-FDB0D68A6158}"/>
+              </a:ext>
+            </a:extLst>
+          </p:cNvPr>
+          <p:cNvSpPr/>
+          <p:nvPr/>
+        </p:nvSpPr>
+        <p:spPr>
+          <a:xfrm>
+            <a:off x="9180945" y="1948873"/>
+            <a:ext cx="1339273" cy="960582"/>
+          </a:xfrm>
+          <a:prstGeom prst="rect">
+            <a:avLst/>
+          </a:prstGeom>
+        </p:spPr>
+        <p:style>
+          <a:lnRef idx="2">
+            <a:schemeClr val="accent1">
+              <a:shade val="50000"/>
+            </a:schemeClr>
+          </a:lnRef>
+          <a:fillRef idx="1">
+            <a:schemeClr val="accent1"/>
+          </a:fillRef>
+          <a:effectRef idx="0">
+            <a:schemeClr val="accent1"/>
+          </a:effectRef>
+          <a:fontRef idx="minor">
+            <a:schemeClr val="lt1"/>
+          </a:fontRef>
+        </p:style>
+        <p:txBody>
+          <a:bodyPr rtlCol="0" anchor="ctr"/>
+          <a:lstStyle/>
+          <a:p>
+            <a:pPr algn="ctr"/>
+            <a:endParaRPr lang="en-US"/>
+          </a:p>
+        </p:txBody>
+      </p:sp>
+      <p:sp>
+        <p:nvSpPr>
+          <p:cNvPr id="6" name="Rectangle 5">
+            <a:extLst>
+              <a:ext uri="{FF2B5EF4-FFF2-40B4-BE49-F238E27FC236}">
+                <a16:creationId xmlns:a16="http://schemas.microsoft.com/office/drawing/2014/main" id="{8B2B6697-2311-4730-A6CC-2CAE89D08285}"/>
+              </a:ext>
+            </a:extLst>
+          </p:cNvPr>
+          <p:cNvSpPr/>
+          <p:nvPr/>
+        </p:nvSpPr>
+        <p:spPr>
+          <a:xfrm>
+            <a:off x="1801091" y="3611419"/>
+            <a:ext cx="1339273" cy="960582"/>
+          </a:xfrm>
+          <a:prstGeom prst="rect">
+            <a:avLst/>
+          </a:prstGeom>
+        </p:spPr>
+        <p:style>
+          <a:lnRef idx="2">
+            <a:schemeClr val="accent1">
+              <a:shade val="50000"/>
+            </a:schemeClr>
+          </a:lnRef>
+          <a:fillRef idx="1">
+            <a:schemeClr val="accent1"/>
+          </a:fillRef>
+          <a:effectRef idx="0">
+            <a:schemeClr val="accent1"/>
+          </a:effectRef>
+          <a:fontRef idx="minor">
+            <a:schemeClr val="lt1"/>
+          </a:fontRef>
+        </p:style>
+        <p:txBody>
+          <a:bodyPr rtlCol="0" anchor="ctr"/>
+          <a:lstStyle/>
+          <a:p>
+            <a:pPr algn="ctr"/>
+            <a:endParaRPr lang="en-US"/>
+          </a:p>
+        </p:txBody>
+      </p:sp>
+      <p:sp>
+        <p:nvSpPr>
+          <p:cNvPr id="7" name="Rectangle 6">
+            <a:extLst>
+              <a:ext uri="{FF2B5EF4-FFF2-40B4-BE49-F238E27FC236}">
+                <a16:creationId xmlns:a16="http://schemas.microsoft.com/office/drawing/2014/main" id="{3A3E4F28-FAF8-46DE-BF34-AB14706A1486}"/>
+              </a:ext>
+            </a:extLst>
+          </p:cNvPr>
+          <p:cNvSpPr/>
+          <p:nvPr/>
+        </p:nvSpPr>
+        <p:spPr>
+          <a:xfrm>
+            <a:off x="1801090" y="5273965"/>
+            <a:ext cx="1339273" cy="960582"/>
+          </a:xfrm>
+          <a:prstGeom prst="rect">
+            <a:avLst/>
+          </a:prstGeom>
+        </p:spPr>
+        <p:style>
+          <a:lnRef idx="2">
+            <a:schemeClr val="accent1">
+              <a:shade val="50000"/>
+            </a:schemeClr>
+          </a:lnRef>
+          <a:fillRef idx="1">
+            <a:schemeClr val="accent1"/>
+          </a:fillRef>
+          <a:effectRef idx="0">
+            <a:schemeClr val="accent1"/>
+          </a:effectRef>
+          <a:fontRef idx="minor">
+            <a:schemeClr val="lt1"/>
+          </a:fontRef>
+        </p:style>
+        <p:txBody>
+          <a:bodyPr rtlCol="0" anchor="ctr"/>
+          <a:lstStyle/>
+          <a:p>
+            <a:pPr algn="ctr"/>
+            <a:endParaRPr lang="en-US"/>
+          </a:p>
+        </p:txBody>
+      </p:sp>
+      <p:sp>
+        <p:nvSpPr>
+          <p:cNvPr id="8" name="Rectangle 7">
+            <a:extLst>
+              <a:ext uri="{FF2B5EF4-FFF2-40B4-BE49-F238E27FC236}">
+                <a16:creationId xmlns:a16="http://schemas.microsoft.com/office/drawing/2014/main" id="{B6176296-083E-4FE4-8957-1890223DA1FF}"/>
+              </a:ext>
+            </a:extLst>
+          </p:cNvPr>
+          <p:cNvSpPr/>
+          <p:nvPr/>
+        </p:nvSpPr>
+        <p:spPr>
+          <a:xfrm>
+            <a:off x="1801090" y="286327"/>
+            <a:ext cx="1339273" cy="960582"/>
+          </a:xfrm>
+          <a:prstGeom prst="rect">
+            <a:avLst/>
+          </a:prstGeom>
+        </p:spPr>
+        <p:style>
+          <a:lnRef idx="2">
+            <a:schemeClr val="accent1">
+              <a:shade val="50000"/>
+            </a:schemeClr>
+          </a:lnRef>
+          <a:fillRef idx="1">
+            <a:schemeClr val="accent1"/>
+          </a:fillRef>
+          <a:effectRef idx="0">
+            <a:schemeClr val="accent1"/>
+          </a:effectRef>
+          <a:fontRef idx="minor">
+            <a:schemeClr val="lt1"/>
+          </a:fontRef>
+        </p:style>
+        <p:txBody>
+          <a:bodyPr rtlCol="0" anchor="ctr"/>
+          <a:lstStyle/>
+          <a:p>
+            <a:pPr algn="ctr"/>
+            <a:endParaRPr lang="en-US"/>
+          </a:p>
+        </p:txBody>
+      </p:sp>
+      <p:sp>
+        <p:nvSpPr>
+          <p:cNvPr id="9" name="Rectangle 8">
+            <a:extLst>
+              <a:ext uri="{FF2B5EF4-FFF2-40B4-BE49-F238E27FC236}">
+                <a16:creationId xmlns:a16="http://schemas.microsoft.com/office/drawing/2014/main" id="{4CBE0B4F-0F7A-4847-9F18-4AA24FCC9914}"/>
+              </a:ext>
+            </a:extLst>
+          </p:cNvPr>
+          <p:cNvSpPr/>
+          <p:nvPr/>
+        </p:nvSpPr>
+        <p:spPr>
+          <a:xfrm>
+            <a:off x="9051637" y="249382"/>
+            <a:ext cx="1339273" cy="960582"/>
+          </a:xfrm>
+          <a:prstGeom prst="rect">
+            <a:avLst/>
+          </a:prstGeom>
+        </p:spPr>
+        <p:style>
+          <a:lnRef idx="2">
+            <a:schemeClr val="accent1">
+              <a:shade val="50000"/>
+            </a:schemeClr>
+          </a:lnRef>
+          <a:fillRef idx="1">
+            <a:schemeClr val="accent1"/>
+          </a:fillRef>
+          <a:effectRef idx="0">
+            <a:schemeClr val="accent1"/>
+          </a:effectRef>
+          <a:fontRef idx="minor">
+            <a:schemeClr val="lt1"/>
+          </a:fontRef>
+        </p:style>
+        <p:txBody>
+          <a:bodyPr rtlCol="0" anchor="ctr"/>
+          <a:lstStyle/>
+          <a:p>
+            <a:pPr algn="ctr"/>
+            <a:endParaRPr lang="en-US"/>
+          </a:p>
+        </p:txBody>
+      </p:sp>
+      <p:sp>
+        <p:nvSpPr>
+          <p:cNvPr id="10" name="Rectangle 9">
+            <a:extLst>
+              <a:ext uri="{FF2B5EF4-FFF2-40B4-BE49-F238E27FC236}">
+                <a16:creationId xmlns:a16="http://schemas.microsoft.com/office/drawing/2014/main" id="{0DC833A0-2CEF-4627-B2A6-B377D2138ACA}"/>
+              </a:ext>
+            </a:extLst>
+          </p:cNvPr>
+          <p:cNvSpPr/>
+          <p:nvPr/>
+        </p:nvSpPr>
+        <p:spPr>
+          <a:xfrm>
+            <a:off x="1671782" y="-1413164"/>
+            <a:ext cx="1339273" cy="960582"/>
+          </a:xfrm>
+          <a:prstGeom prst="rect">
+            <a:avLst/>
+          </a:prstGeom>
+        </p:spPr>
+        <p:style>
+          <a:lnRef idx="2">
+            <a:schemeClr val="accent1">
+              <a:shade val="50000"/>
+            </a:schemeClr>
+          </a:lnRef>
+          <a:fillRef idx="1">
+            <a:schemeClr val="accent1"/>
+          </a:fillRef>
+          <a:effectRef idx="0">
+            <a:schemeClr val="accent1"/>
+          </a:effectRef>
+          <a:fontRef idx="minor">
+            <a:schemeClr val="lt1"/>
+          </a:fontRef>
+        </p:style>
+        <p:txBody>
+          <a:bodyPr rtlCol="0" anchor="ctr"/>
+          <a:lstStyle/>
+          <a:p>
+            <a:pPr algn="ctr"/>
+            <a:endParaRPr lang="en-US"/>
+          </a:p>
+        </p:txBody>
+      </p:sp>
+      <p:sp>
+        <p:nvSpPr>
+          <p:cNvPr id="13" name="Rectangle 12">
+            <a:extLst>
+              <a:ext uri="{FF2B5EF4-FFF2-40B4-BE49-F238E27FC236}">
+                <a16:creationId xmlns:a16="http://schemas.microsoft.com/office/drawing/2014/main" id="{B036B0BA-20E3-4F1E-AAD2-4D737826707D}"/>
+              </a:ext>
+            </a:extLst>
+          </p:cNvPr>
+          <p:cNvSpPr/>
+          <p:nvPr/>
+        </p:nvSpPr>
+        <p:spPr>
+          <a:xfrm>
+            <a:off x="9254836" y="5098472"/>
+            <a:ext cx="1339273" cy="960582"/>
+          </a:xfrm>
+          <a:prstGeom prst="rect">
+            <a:avLst/>
+          </a:prstGeom>
+        </p:spPr>
+        <p:style>
+          <a:lnRef idx="2">
+            <a:schemeClr val="accent1">
+              <a:shade val="50000"/>
+            </a:schemeClr>
+          </a:lnRef>
+          <a:fillRef idx="1">
+            <a:schemeClr val="accent1"/>
+          </a:fillRef>
+          <a:effectRef idx="0">
+            <a:schemeClr val="accent1"/>
+          </a:effectRef>
+          <a:fontRef idx="minor">
+            <a:schemeClr val="lt1"/>
+          </a:fontRef>
+        </p:style>
+        <p:txBody>
+          <a:bodyPr rtlCol="0" anchor="ctr"/>
+          <a:lstStyle/>
+          <a:p>
+            <a:pPr algn="ctr"/>
+            <a:endParaRPr lang="en-US"/>
+          </a:p>
+        </p:txBody>
+      </p:sp>
+      <p:sp>
+        <p:nvSpPr>
+          <p:cNvPr id="14" name="Rectangle 13">
+            <a:extLst>
+              <a:ext uri="{FF2B5EF4-FFF2-40B4-BE49-F238E27FC236}">
+                <a16:creationId xmlns:a16="http://schemas.microsoft.com/office/drawing/2014/main" id="{4F867152-8A33-4F9D-8BB0-0A0CF6CE891A}"/>
+              </a:ext>
+            </a:extLst>
+          </p:cNvPr>
+          <p:cNvSpPr/>
+          <p:nvPr/>
+        </p:nvSpPr>
+        <p:spPr>
+          <a:xfrm>
+            <a:off x="1801090" y="-1376219"/>
+            <a:ext cx="1339273" cy="960582"/>
+          </a:xfrm>
+          <a:prstGeom prst="rect">
+            <a:avLst/>
+          </a:prstGeom>
+        </p:spPr>
+        <p:style>
+          <a:lnRef idx="2">
+            <a:schemeClr val="accent1">
+              <a:shade val="50000"/>
+            </a:schemeClr>
+          </a:lnRef>
+          <a:fillRef idx="1">
+            <a:schemeClr val="accent1"/>
+          </a:fillRef>
+          <a:effectRef idx="0">
+            <a:schemeClr val="accent1"/>
+          </a:effectRef>
+          <a:fontRef idx="minor">
+            <a:schemeClr val="lt1"/>
+          </a:fontRef>
+        </p:style>
+        <p:txBody>
+          <a:bodyPr rtlCol="0" anchor="ctr"/>
+          <a:lstStyle/>
+          <a:p>
+            <a:pPr algn="ctr"/>
+            <a:endParaRPr lang="en-US"/>
+          </a:p>
+        </p:txBody>
+      </p:sp>
+      <p:sp>
+        <p:nvSpPr>
+          <p:cNvPr id="17" name="Rectangle 16">
+            <a:extLst>
+              <a:ext uri="{FF2B5EF4-FFF2-40B4-BE49-F238E27FC236}">
+                <a16:creationId xmlns:a16="http://schemas.microsoft.com/office/drawing/2014/main" id="{A8AF25A8-82B6-4D9C-940B-D93A7D087106}"/>
+              </a:ext>
+            </a:extLst>
+          </p:cNvPr>
+          <p:cNvSpPr/>
+          <p:nvPr/>
+        </p:nvSpPr>
+        <p:spPr>
+          <a:xfrm>
+            <a:off x="9180945" y="3468255"/>
+            <a:ext cx="1339273" cy="960582"/>
+          </a:xfrm>
+          <a:prstGeom prst="rect">
+            <a:avLst/>
+          </a:prstGeom>
+        </p:spPr>
+        <p:style>
+          <a:lnRef idx="2">
+            <a:schemeClr val="accent1">
+              <a:shade val="50000"/>
+            </a:schemeClr>
+          </a:lnRef>
+          <a:fillRef idx="1">
+            <a:schemeClr val="accent1"/>
+          </a:fillRef>
+          <a:effectRef idx="0">
+            <a:schemeClr val="accent1"/>
+          </a:effectRef>
+          <a:fontRef idx="minor">
+            <a:schemeClr val="lt1"/>
+          </a:fontRef>
+        </p:style>
+        <p:txBody>
+          <a:bodyPr rtlCol="0" anchor="ctr"/>
+          <a:lstStyle/>
+          <a:p>
+            <a:pPr algn="ctr"/>
+            <a:endParaRPr lang="en-US"/>
+          </a:p>
+        </p:txBody>
+      </p:sp>
+      <p:sp>
+        <p:nvSpPr>
+          <p:cNvPr id="39" name="Rectangle 38">
+            <a:extLst>
+              <a:ext uri="{FF2B5EF4-FFF2-40B4-BE49-F238E27FC236}">
+                <a16:creationId xmlns:a16="http://schemas.microsoft.com/office/drawing/2014/main" id="{285BBFFD-D6C6-4932-A620-DD2148DDEF8A}"/>
+              </a:ext>
+            </a:extLst>
+          </p:cNvPr>
+          <p:cNvSpPr/>
+          <p:nvPr/>
+        </p:nvSpPr>
+        <p:spPr>
+          <a:xfrm>
+            <a:off x="5426363" y="1168399"/>
+            <a:ext cx="1339273" cy="4442691"/>
+          </a:xfrm>
+          <a:prstGeom prst="rect">
+            <a:avLst/>
+          </a:prstGeom>
+        </p:spPr>
+        <p:style>
+          <a:lnRef idx="2">
+            <a:schemeClr val="accent1">
+              <a:shade val="50000"/>
+            </a:schemeClr>
+          </a:lnRef>
+          <a:fillRef idx="1">
+            <a:schemeClr val="accent1"/>
+          </a:fillRef>
+          <a:effectRef idx="0">
+            <a:schemeClr val="accent1"/>
+          </a:effectRef>
+          <a:fontRef idx="minor">
+            <a:schemeClr val="lt1"/>
+          </a:fontRef>
+        </p:style>
+        <p:txBody>
+          <a:bodyPr rtlCol="0" anchor="ctr"/>
+          <a:lstStyle/>
+          <a:p>
+            <a:pPr algn="ctr"/>
+            <a:r>
+              <a:rPr lang="en-US" dirty="0"/>
+              <a:t>B</a:t>
+            </a:r>
+          </a:p>
+          <a:p>
+            <a:pPr algn="ctr"/>
+            <a:r>
+              <a:rPr lang="en-US" dirty="0"/>
+              <a:t>R</a:t>
+            </a:r>
+            <a:br>
+              <a:rPr lang="en-US" dirty="0"/>
+            </a:br>
+            <a:r>
+              <a:rPr lang="en-US" dirty="0"/>
+              <a:t>O</a:t>
+            </a:r>
+          </a:p>
+          <a:p>
+            <a:pPr algn="ctr"/>
+            <a:r>
+              <a:rPr lang="en-US" dirty="0"/>
+              <a:t>K</a:t>
+            </a:r>
+          </a:p>
+          <a:p>
+            <a:pPr algn="ctr"/>
+            <a:r>
+              <a:rPr lang="en-US" dirty="0"/>
+              <a:t>E</a:t>
+            </a:r>
+          </a:p>
+          <a:p>
+            <a:pPr algn="ctr"/>
+            <a:r>
+              <a:rPr lang="en-US" dirty="0"/>
+              <a:t>R</a:t>
+            </a:r>
+          </a:p>
+        </p:txBody>
+      </p:sp>
+      <p:sp>
+        <p:nvSpPr>
+          <p:cNvPr id="40" name="Rectangle 39">
+            <a:extLst>
+              <a:ext uri="{FF2B5EF4-FFF2-40B4-BE49-F238E27FC236}">
+                <a16:creationId xmlns:a16="http://schemas.microsoft.com/office/drawing/2014/main" id="{9104EC30-632B-476D-9EA9-02F9A1739172}"/>
+              </a:ext>
+            </a:extLst>
+          </p:cNvPr>
+          <p:cNvSpPr/>
+          <p:nvPr/>
+        </p:nvSpPr>
+        <p:spPr>
+          <a:xfrm>
+            <a:off x="5232400" y="2087417"/>
+            <a:ext cx="1685636" cy="434109"/>
+          </a:xfrm>
+          <a:prstGeom prst="rect">
+            <a:avLst/>
+          </a:prstGeom>
+        </p:spPr>
+        <p:style>
+          <a:lnRef idx="2">
+            <a:schemeClr val="accent3">
+              <a:shade val="50000"/>
+            </a:schemeClr>
+          </a:lnRef>
+          <a:fillRef idx="1">
+            <a:schemeClr val="accent3"/>
+          </a:fillRef>
+          <a:effectRef idx="0">
+            <a:schemeClr val="accent3"/>
+          </a:effectRef>
+          <a:fontRef idx="minor">
+            <a:schemeClr val="lt1"/>
+          </a:fontRef>
+        </p:style>
+        <p:txBody>
+          <a:bodyPr rtlCol="0" anchor="ctr"/>
+          <a:lstStyle/>
+          <a:p>
+            <a:pPr algn="ctr"/>
+            <a:r>
+              <a:rPr lang="en-US" dirty="0"/>
+              <a:t>TOPIC</a:t>
+            </a:r>
+          </a:p>
+        </p:txBody>
+      </p:sp>
+      <p:cxnSp>
+        <p:nvCxnSpPr>
+          <p:cNvPr id="42" name="Straight Arrow Connector 41">
+            <a:extLst>
+              <a:ext uri="{FF2B5EF4-FFF2-40B4-BE49-F238E27FC236}">
+                <a16:creationId xmlns:a16="http://schemas.microsoft.com/office/drawing/2014/main" id="{E0B9334E-639C-457C-88CB-B4E3C35161ED}"/>
+              </a:ext>
+            </a:extLst>
+          </p:cNvPr>
+          <p:cNvCxnSpPr>
+            <a:stCxn id="8" idx="3"/>
+            <a:endCxn id="40" idx="1"/>
+          </p:cNvCxnSpPr>
+          <p:nvPr/>
+        </p:nvCxnSpPr>
+        <p:spPr>
+          <a:xfrm>
+            <a:off x="3140363" y="766618"/>
+            <a:ext cx="2092037" cy="1537854"/>
+          </a:xfrm>
+          <a:prstGeom prst="straightConnector1">
+            <a:avLst/>
+          </a:prstGeom>
+          <a:ln>
+            <a:tailEnd type="triangle"/>
+          </a:ln>
+        </p:spPr>
+        <p:style>
+          <a:lnRef idx="1">
+            <a:schemeClr val="accent1"/>
+          </a:lnRef>
+          <a:fillRef idx="0">
+            <a:schemeClr val="accent1"/>
+          </a:fillRef>
+          <a:effectRef idx="0">
+            <a:schemeClr val="accent1"/>
+          </a:effectRef>
+          <a:fontRef idx="minor">
+            <a:schemeClr val="tx1"/>
+          </a:fontRef>
+        </p:style>
+      </p:cxnSp>
+      <p:cxnSp>
+        <p:nvCxnSpPr>
+          <p:cNvPr id="44" name="Straight Arrow Connector 43">
+            <a:extLst>
+              <a:ext uri="{FF2B5EF4-FFF2-40B4-BE49-F238E27FC236}">
+                <a16:creationId xmlns:a16="http://schemas.microsoft.com/office/drawing/2014/main" id="{69D3D947-5283-444A-A396-2BE053403D28}"/>
+              </a:ext>
+            </a:extLst>
+          </p:cNvPr>
+          <p:cNvCxnSpPr>
+            <a:stCxn id="9" idx="1"/>
+            <a:endCxn id="40" idx="3"/>
+          </p:cNvCxnSpPr>
+          <p:nvPr/>
+        </p:nvCxnSpPr>
+        <p:spPr>
+          <a:xfrm flipH="1">
+            <a:off x="6918036" y="729673"/>
+            <a:ext cx="2133601" cy="1574799"/>
+          </a:xfrm>
+          <a:prstGeom prst="straightConnector1">
+            <a:avLst/>
+          </a:prstGeom>
+          <a:ln>
+            <a:tailEnd type="triangle"/>
+          </a:ln>
+        </p:spPr>
+        <p:style>
+          <a:lnRef idx="1">
+            <a:schemeClr val="accent1"/>
+          </a:lnRef>
+          <a:fillRef idx="0">
+            <a:schemeClr val="accent1"/>
+          </a:fillRef>
+          <a:effectRef idx="0">
+            <a:schemeClr val="accent1"/>
+          </a:effectRef>
+          <a:fontRef idx="minor">
+            <a:schemeClr val="tx1"/>
+          </a:fontRef>
+        </p:style>
+      </p:cxnSp>
+      <p:cxnSp>
+        <p:nvCxnSpPr>
+          <p:cNvPr id="46" name="Straight Arrow Connector 45">
+            <a:extLst>
+              <a:ext uri="{FF2B5EF4-FFF2-40B4-BE49-F238E27FC236}">
+                <a16:creationId xmlns:a16="http://schemas.microsoft.com/office/drawing/2014/main" id="{34ABD8D5-8BB1-44B5-AADA-79F39D1249D1}"/>
+              </a:ext>
+            </a:extLst>
+          </p:cNvPr>
+          <p:cNvCxnSpPr>
+            <a:stCxn id="5" idx="1"/>
+            <a:endCxn id="40" idx="3"/>
+          </p:cNvCxnSpPr>
+          <p:nvPr/>
+        </p:nvCxnSpPr>
+        <p:spPr>
+          <a:xfrm flipH="1" flipV="1">
+            <a:off x="6918036" y="2304472"/>
+            <a:ext cx="2262909" cy="124692"/>
+          </a:xfrm>
+          <a:prstGeom prst="straightConnector1">
+            <a:avLst/>
+          </a:prstGeom>
+          <a:ln>
+            <a:tailEnd type="triangle"/>
+          </a:ln>
+        </p:spPr>
+        <p:style>
+          <a:lnRef idx="1">
+            <a:schemeClr val="accent1"/>
+          </a:lnRef>
+          <a:fillRef idx="0">
+            <a:schemeClr val="accent1"/>
+          </a:fillRef>
+          <a:effectRef idx="0">
+            <a:schemeClr val="accent1"/>
+          </a:effectRef>
+          <a:fontRef idx="minor">
+            <a:schemeClr val="tx1"/>
+          </a:fontRef>
+        </p:style>
+      </p:cxnSp>
+      <p:cxnSp>
+        <p:nvCxnSpPr>
+          <p:cNvPr id="48" name="Straight Arrow Connector 47">
+            <a:extLst>
+              <a:ext uri="{FF2B5EF4-FFF2-40B4-BE49-F238E27FC236}">
+                <a16:creationId xmlns:a16="http://schemas.microsoft.com/office/drawing/2014/main" id="{BBB89E3E-1D58-4135-AC2E-E9946713D023}"/>
+              </a:ext>
+            </a:extLst>
+          </p:cNvPr>
+          <p:cNvCxnSpPr>
+            <a:stCxn id="17" idx="1"/>
+            <a:endCxn id="40" idx="3"/>
+          </p:cNvCxnSpPr>
+          <p:nvPr/>
+        </p:nvCxnSpPr>
+        <p:spPr>
+          <a:xfrm flipH="1" flipV="1">
+            <a:off x="6918036" y="2304472"/>
+            <a:ext cx="2262909" cy="1644074"/>
+          </a:xfrm>
+          <a:prstGeom prst="straightConnector1">
+            <a:avLst/>
+          </a:prstGeom>
+          <a:ln>
+            <a:tailEnd type="triangle"/>
+          </a:ln>
+        </p:spPr>
+        <p:style>
+          <a:lnRef idx="1">
+            <a:schemeClr val="accent1"/>
+          </a:lnRef>
+          <a:fillRef idx="0">
+            <a:schemeClr val="accent1"/>
+          </a:fillRef>
+          <a:effectRef idx="0">
+            <a:schemeClr val="accent1"/>
+          </a:effectRef>
+          <a:fontRef idx="minor">
+            <a:schemeClr val="tx1"/>
+          </a:fontRef>
+        </p:style>
+      </p:cxnSp>
+      <p:cxnSp>
+        <p:nvCxnSpPr>
+          <p:cNvPr id="50" name="Straight Arrow Connector 49">
+            <a:extLst>
+              <a:ext uri="{FF2B5EF4-FFF2-40B4-BE49-F238E27FC236}">
+                <a16:creationId xmlns:a16="http://schemas.microsoft.com/office/drawing/2014/main" id="{5A91D659-54EA-49CE-A112-10CCA51CE62B}"/>
+              </a:ext>
+            </a:extLst>
+          </p:cNvPr>
+          <p:cNvCxnSpPr>
+            <a:stCxn id="13" idx="1"/>
+            <a:endCxn id="40" idx="3"/>
+          </p:cNvCxnSpPr>
+          <p:nvPr/>
+        </p:nvCxnSpPr>
+        <p:spPr>
+          <a:xfrm flipH="1" flipV="1">
+            <a:off x="6918036" y="2304472"/>
+            <a:ext cx="2336800" cy="3274291"/>
+          </a:xfrm>
+          <a:prstGeom prst="straightConnector1">
+            <a:avLst/>
+          </a:prstGeom>
+          <a:ln>
+            <a:tailEnd type="triangle"/>
+          </a:ln>
+        </p:spPr>
+        <p:style>
+          <a:lnRef idx="1">
+            <a:schemeClr val="accent1"/>
+          </a:lnRef>
+          <a:fillRef idx="0">
+            <a:schemeClr val="accent1"/>
+          </a:fillRef>
+          <a:effectRef idx="0">
+            <a:schemeClr val="accent1"/>
+          </a:effectRef>
+          <a:fontRef idx="minor">
+            <a:schemeClr val="tx1"/>
+          </a:fontRef>
+        </p:style>
+      </p:cxnSp>
+      <p:cxnSp>
+        <p:nvCxnSpPr>
+          <p:cNvPr id="57" name="Straight Arrow Connector 56">
+            <a:extLst>
+              <a:ext uri="{FF2B5EF4-FFF2-40B4-BE49-F238E27FC236}">
+                <a16:creationId xmlns:a16="http://schemas.microsoft.com/office/drawing/2014/main" id="{2F9190B3-9DDF-4857-826C-757737427EAB}"/>
+              </a:ext>
+            </a:extLst>
+          </p:cNvPr>
+          <p:cNvCxnSpPr>
+            <a:stCxn id="4" idx="3"/>
+            <a:endCxn id="40" idx="1"/>
+          </p:cNvCxnSpPr>
+          <p:nvPr/>
+        </p:nvCxnSpPr>
+        <p:spPr>
+          <a:xfrm flipV="1">
+            <a:off x="3140364" y="2304472"/>
+            <a:ext cx="2092036" cy="124692"/>
+          </a:xfrm>
+          <a:prstGeom prst="straightConnector1">
+            <a:avLst/>
+          </a:prstGeom>
+          <a:ln>
+            <a:tailEnd type="triangle"/>
+          </a:ln>
+        </p:spPr>
+        <p:style>
+          <a:lnRef idx="1">
+            <a:schemeClr val="accent1"/>
+          </a:lnRef>
+          <a:fillRef idx="0">
+            <a:schemeClr val="accent1"/>
+          </a:fillRef>
+          <a:effectRef idx="0">
+            <a:schemeClr val="accent1"/>
+          </a:effectRef>
+          <a:fontRef idx="minor">
+            <a:schemeClr val="tx1"/>
+          </a:fontRef>
+        </p:style>
+      </p:cxnSp>
+      <p:cxnSp>
+        <p:nvCxnSpPr>
+          <p:cNvPr id="59" name="Straight Arrow Connector 58">
+            <a:extLst>
+              <a:ext uri="{FF2B5EF4-FFF2-40B4-BE49-F238E27FC236}">
+                <a16:creationId xmlns:a16="http://schemas.microsoft.com/office/drawing/2014/main" id="{8C6FCFB1-6C81-45AE-9C59-54184CBA9018}"/>
+              </a:ext>
+            </a:extLst>
+          </p:cNvPr>
+          <p:cNvCxnSpPr>
+            <a:stCxn id="6" idx="3"/>
+            <a:endCxn id="40" idx="1"/>
+          </p:cNvCxnSpPr>
+          <p:nvPr/>
+        </p:nvCxnSpPr>
+        <p:spPr>
+          <a:xfrm flipV="1">
+            <a:off x="3140364" y="2304472"/>
+            <a:ext cx="2092036" cy="1787238"/>
+          </a:xfrm>
+          <a:prstGeom prst="straightConnector1">
+            <a:avLst/>
+          </a:prstGeom>
+          <a:ln>
+            <a:tailEnd type="triangle"/>
+          </a:ln>
+        </p:spPr>
+        <p:style>
+          <a:lnRef idx="1">
+            <a:schemeClr val="accent1"/>
+          </a:lnRef>
+          <a:fillRef idx="0">
+            <a:schemeClr val="accent1"/>
+          </a:fillRef>
+          <a:effectRef idx="0">
+            <a:schemeClr val="accent1"/>
+          </a:effectRef>
+          <a:fontRef idx="minor">
+            <a:schemeClr val="tx1"/>
+          </a:fontRef>
+        </p:style>
+      </p:cxnSp>
+      <p:cxnSp>
+        <p:nvCxnSpPr>
+          <p:cNvPr id="61" name="Straight Arrow Connector 60">
+            <a:extLst>
+              <a:ext uri="{FF2B5EF4-FFF2-40B4-BE49-F238E27FC236}">
+                <a16:creationId xmlns:a16="http://schemas.microsoft.com/office/drawing/2014/main" id="{42226737-E8DE-4009-A90A-56B6FAAA81A6}"/>
+              </a:ext>
+            </a:extLst>
+          </p:cNvPr>
+          <p:cNvCxnSpPr>
+            <a:stCxn id="7" idx="3"/>
+            <a:endCxn id="40" idx="1"/>
+          </p:cNvCxnSpPr>
+          <p:nvPr/>
+        </p:nvCxnSpPr>
+        <p:spPr>
+          <a:xfrm flipV="1">
+            <a:off x="3140363" y="2304472"/>
+            <a:ext cx="2092037" cy="3449784"/>
+          </a:xfrm>
+          <a:prstGeom prst="straightConnector1">
+            <a:avLst/>
+          </a:prstGeom>
+          <a:ln>
+            <a:tailEnd type="triangle"/>
+          </a:ln>
+        </p:spPr>
+        <p:style>
+          <a:lnRef idx="1">
+            <a:schemeClr val="accent1"/>
+          </a:lnRef>
+          <a:fillRef idx="0">
+            <a:schemeClr val="accent1"/>
+          </a:fillRef>
+          <a:effectRef idx="0">
+            <a:schemeClr val="accent1"/>
+          </a:effectRef>
+          <a:fontRef idx="minor">
+            <a:schemeClr val="tx1"/>
+          </a:fontRef>
+        </p:style>
+      </p:cxnSp>
+    </p:spTree>
+    <p:extLst>
+      <p:ext uri="{BB962C8B-B14F-4D97-AF65-F5344CB8AC3E}">
+        <p14:creationId xmlns:p14="http://schemas.microsoft.com/office/powerpoint/2010/main" val="1941979558"/>
+      </p:ext>
+    </p:extLst>
+  </p:cSld>
+  <p:clrMapOvr>
+    <a:masterClrMapping/>
+  </p:clrMapOvr>
+</p:sld>
+</file>
+
+<file path=ppt/slides/slide16.xml><?xml version="1.0" encoding="utf-8"?>
+<p:sld xmlns:a="http://schemas.openxmlformats.org/drawingml/2006/main" xmlns:r="http://schemas.openxmlformats.org/officeDocument/2006/relationships" xmlns:p="http://schemas.openxmlformats.org/presentationml/2006/main">
+  <p:cSld>
+    <p:spTree>
+      <p:nvGrpSpPr>
+        <p:cNvPr id="1" name=""/>
+        <p:cNvGrpSpPr/>
+        <p:nvPr/>
+      </p:nvGrpSpPr>
+      <p:grpSpPr>
+        <a:xfrm>
+          <a:off x="0" y="0"/>
+          <a:ext cx="0" cy="0"/>
+          <a:chOff x="0" y="0"/>
+          <a:chExt cx="0" cy="0"/>
+        </a:xfrm>
+      </p:grpSpPr>
+      <p:sp>
+        <p:nvSpPr>
+          <p:cNvPr id="4" name="Rectangle 3">
+            <a:extLst>
+              <a:ext uri="{FF2B5EF4-FFF2-40B4-BE49-F238E27FC236}">
+                <a16:creationId xmlns:a16="http://schemas.microsoft.com/office/drawing/2014/main" id="{351F27EC-2DB3-4B9B-9C66-DCCAF55CE8D4}"/>
+              </a:ext>
+            </a:extLst>
+          </p:cNvPr>
+          <p:cNvSpPr/>
+          <p:nvPr/>
+        </p:nvSpPr>
+        <p:spPr>
+          <a:xfrm>
+            <a:off x="4313382" y="2096655"/>
+            <a:ext cx="2927927" cy="1209963"/>
+          </a:xfrm>
+          <a:prstGeom prst="rect">
+            <a:avLst/>
+          </a:prstGeom>
+        </p:spPr>
+        <p:style>
+          <a:lnRef idx="2">
+            <a:schemeClr val="accent1">
+              <a:shade val="50000"/>
+            </a:schemeClr>
+          </a:lnRef>
+          <a:fillRef idx="1">
+            <a:schemeClr val="accent1"/>
+          </a:fillRef>
+          <a:effectRef idx="0">
+            <a:schemeClr val="accent1"/>
+          </a:effectRef>
+          <a:fontRef idx="minor">
+            <a:schemeClr val="lt1"/>
+          </a:fontRef>
+        </p:style>
+        <p:txBody>
+          <a:bodyPr rtlCol="0" anchor="ctr"/>
+          <a:lstStyle/>
+          <a:p>
+            <a:pPr algn="ctr"/>
+            <a:endParaRPr lang="en-US"/>
+          </a:p>
+        </p:txBody>
+      </p:sp>
+      <p:sp>
+        <p:nvSpPr>
+          <p:cNvPr id="5" name="Rectangle 4">
+            <a:extLst>
+              <a:ext uri="{FF2B5EF4-FFF2-40B4-BE49-F238E27FC236}">
+                <a16:creationId xmlns:a16="http://schemas.microsoft.com/office/drawing/2014/main" id="{DACE17DD-508C-4BF1-B57D-74D48DE13845}"/>
+              </a:ext>
+            </a:extLst>
+          </p:cNvPr>
+          <p:cNvSpPr/>
+          <p:nvPr/>
+        </p:nvSpPr>
+        <p:spPr>
+          <a:xfrm>
+            <a:off x="4313381" y="3429001"/>
+            <a:ext cx="2927927" cy="477982"/>
+          </a:xfrm>
+          <a:prstGeom prst="rect">
+            <a:avLst/>
+          </a:prstGeom>
+        </p:spPr>
+        <p:style>
+          <a:lnRef idx="2">
+            <a:schemeClr val="accent1">
+              <a:shade val="50000"/>
+            </a:schemeClr>
+          </a:lnRef>
+          <a:fillRef idx="1">
+            <a:schemeClr val="accent1"/>
+          </a:fillRef>
+          <a:effectRef idx="0">
+            <a:schemeClr val="accent1"/>
+          </a:effectRef>
+          <a:fontRef idx="minor">
+            <a:schemeClr val="lt1"/>
+          </a:fontRef>
+        </p:style>
+        <p:txBody>
+          <a:bodyPr rtlCol="0" anchor="ctr"/>
+          <a:lstStyle/>
+          <a:p>
+            <a:pPr algn="ctr"/>
+            <a:r>
+              <a:rPr lang="en-IN" dirty="0"/>
+              <a:t>Library</a:t>
+            </a:r>
+            <a:endParaRPr lang="en-US" dirty="0"/>
+          </a:p>
+        </p:txBody>
+      </p:sp>
+    </p:spTree>
+    <p:extLst>
+      <p:ext uri="{BB962C8B-B14F-4D97-AF65-F5344CB8AC3E}">
+        <p14:creationId xmlns:p14="http://schemas.microsoft.com/office/powerpoint/2010/main" val="141393587"/>
+      </p:ext>
+    </p:extLst>
+  </p:cSld>
+  <p:clrMapOvr>
+    <a:masterClrMapping/>
+  </p:clrMapOvr>
+</p:sld>
+</file>
+
+<file path=ppt/slides/slide17.xml><?xml version="1.0" encoding="utf-8"?>
+<p:sld xmlns:a="http://schemas.openxmlformats.org/drawingml/2006/main" xmlns:r="http://schemas.openxmlformats.org/officeDocument/2006/relationships" xmlns:p="http://schemas.openxmlformats.org/presentationml/2006/main">
+  <p:cSld>
+    <p:spTree>
+      <p:nvGrpSpPr>
+        <p:cNvPr id="1" name=""/>
+        <p:cNvGrpSpPr/>
+        <p:nvPr/>
+      </p:nvGrpSpPr>
+      <p:grpSpPr>
+        <a:xfrm>
+          <a:off x="0" y="0"/>
+          <a:ext cx="0" cy="0"/>
+          <a:chOff x="0" y="0"/>
+          <a:chExt cx="0" cy="0"/>
+        </a:xfrm>
+      </p:grpSpPr>
+      <p:sp>
+        <p:nvSpPr>
+          <p:cNvPr id="24" name="Rectangle 23">
+            <a:extLst>
+              <a:ext uri="{FF2B5EF4-FFF2-40B4-BE49-F238E27FC236}">
+                <a16:creationId xmlns:a16="http://schemas.microsoft.com/office/drawing/2014/main" id="{1768E340-0BFA-49F8-B3BE-82E114E1C2A2}"/>
+              </a:ext>
+            </a:extLst>
+          </p:cNvPr>
+          <p:cNvSpPr/>
+          <p:nvPr/>
+        </p:nvSpPr>
+        <p:spPr>
+          <a:xfrm>
+            <a:off x="9624291" y="4221018"/>
+            <a:ext cx="2484581" cy="2521527"/>
+          </a:xfrm>
+          <a:prstGeom prst="rect">
+            <a:avLst/>
+          </a:prstGeom>
+        </p:spPr>
+        <p:style>
+          <a:lnRef idx="2">
+            <a:schemeClr val="accent1">
+              <a:shade val="50000"/>
+            </a:schemeClr>
+          </a:lnRef>
+          <a:fillRef idx="1">
+            <a:schemeClr val="accent1"/>
+          </a:fillRef>
+          <a:effectRef idx="0">
+            <a:schemeClr val="accent1"/>
+          </a:effectRef>
+          <a:fontRef idx="minor">
+            <a:schemeClr val="lt1"/>
+          </a:fontRef>
+        </p:style>
+        <p:txBody>
+          <a:bodyPr rtlCol="0" anchor="ctr"/>
+          <a:lstStyle/>
+          <a:p>
+            <a:pPr algn="ctr"/>
+            <a:endParaRPr lang="en-US"/>
+          </a:p>
+        </p:txBody>
+      </p:sp>
+      <p:sp>
+        <p:nvSpPr>
+          <p:cNvPr id="23" name="Rectangle 22">
+            <a:extLst>
+              <a:ext uri="{FF2B5EF4-FFF2-40B4-BE49-F238E27FC236}">
+                <a16:creationId xmlns:a16="http://schemas.microsoft.com/office/drawing/2014/main" id="{12C3CBAB-D567-4A0B-8717-B93737E2072D}"/>
+              </a:ext>
+            </a:extLst>
+          </p:cNvPr>
+          <p:cNvSpPr/>
+          <p:nvPr/>
+        </p:nvSpPr>
+        <p:spPr>
+          <a:xfrm>
+            <a:off x="7102764" y="4221018"/>
+            <a:ext cx="2484581" cy="2521527"/>
+          </a:xfrm>
+          <a:prstGeom prst="rect">
+            <a:avLst/>
+          </a:prstGeom>
+        </p:spPr>
+        <p:style>
+          <a:lnRef idx="2">
+            <a:schemeClr val="accent1">
+              <a:shade val="50000"/>
+            </a:schemeClr>
+          </a:lnRef>
+          <a:fillRef idx="1">
+            <a:schemeClr val="accent1"/>
+          </a:fillRef>
+          <a:effectRef idx="0">
+            <a:schemeClr val="accent1"/>
+          </a:effectRef>
+          <a:fontRef idx="minor">
+            <a:schemeClr val="lt1"/>
+          </a:fontRef>
+        </p:style>
+        <p:txBody>
+          <a:bodyPr rtlCol="0" anchor="ctr"/>
+          <a:lstStyle/>
+          <a:p>
+            <a:pPr algn="ctr"/>
+            <a:endParaRPr lang="en-US"/>
+          </a:p>
+        </p:txBody>
+      </p:sp>
+      <p:sp>
+        <p:nvSpPr>
+          <p:cNvPr id="4" name="Rectangle 3">
+            <a:extLst>
+              <a:ext uri="{FF2B5EF4-FFF2-40B4-BE49-F238E27FC236}">
+                <a16:creationId xmlns:a16="http://schemas.microsoft.com/office/drawing/2014/main" id="{7CD371BB-BA00-4FEC-95F2-118722845A2B}"/>
+              </a:ext>
+            </a:extLst>
+          </p:cNvPr>
+          <p:cNvSpPr/>
+          <p:nvPr/>
+        </p:nvSpPr>
+        <p:spPr>
+          <a:xfrm>
+            <a:off x="415636" y="609600"/>
+            <a:ext cx="2272146" cy="304800"/>
+          </a:xfrm>
+          <a:prstGeom prst="rect">
+            <a:avLst/>
+          </a:prstGeom>
+        </p:spPr>
+        <p:style>
+          <a:lnRef idx="2">
+            <a:schemeClr val="accent1">
+              <a:shade val="50000"/>
+            </a:schemeClr>
+          </a:lnRef>
+          <a:fillRef idx="1">
+            <a:schemeClr val="accent1"/>
+          </a:fillRef>
+          <a:effectRef idx="0">
+            <a:schemeClr val="accent1"/>
+          </a:effectRef>
+          <a:fontRef idx="minor">
+            <a:schemeClr val="lt1"/>
+          </a:fontRef>
+        </p:style>
+        <p:txBody>
+          <a:bodyPr rtlCol="0" anchor="ctr"/>
+          <a:lstStyle/>
+          <a:p>
+            <a:pPr algn="ctr"/>
+            <a:r>
+              <a:rPr lang="en-US" dirty="0" err="1"/>
+              <a:t>kubectl</a:t>
+            </a:r>
+            <a:endParaRPr lang="en-US" dirty="0"/>
+          </a:p>
+        </p:txBody>
+      </p:sp>
+      <p:cxnSp>
+        <p:nvCxnSpPr>
+          <p:cNvPr id="6" name="Connector: Elbow 5">
+            <a:extLst>
+              <a:ext uri="{FF2B5EF4-FFF2-40B4-BE49-F238E27FC236}">
+                <a16:creationId xmlns:a16="http://schemas.microsoft.com/office/drawing/2014/main" id="{41243961-A152-4A5E-A3E4-2104A2A95282}"/>
+              </a:ext>
+            </a:extLst>
+          </p:cNvPr>
+          <p:cNvCxnSpPr>
+            <a:cxnSpLocks/>
+            <a:stCxn id="4" idx="3"/>
+            <a:endCxn id="7" idx="1"/>
+          </p:cNvCxnSpPr>
+          <p:nvPr/>
+        </p:nvCxnSpPr>
+        <p:spPr>
+          <a:xfrm>
+            <a:off x="2687782" y="762000"/>
+            <a:ext cx="5384800" cy="457200"/>
+          </a:xfrm>
+          <a:prstGeom prst="bentConnector3">
+            <a:avLst/>
+          </a:prstGeom>
+          <a:ln>
+            <a:tailEnd type="triangle"/>
+          </a:ln>
+        </p:spPr>
+        <p:style>
+          <a:lnRef idx="1">
+            <a:schemeClr val="accent1"/>
+          </a:lnRef>
+          <a:fillRef idx="0">
+            <a:schemeClr val="accent1"/>
+          </a:fillRef>
+          <a:effectRef idx="0">
+            <a:schemeClr val="accent1"/>
+          </a:effectRef>
+          <a:fontRef idx="minor">
+            <a:schemeClr val="tx1"/>
+          </a:fontRef>
+        </p:style>
+      </p:cxnSp>
+      <p:cxnSp>
+        <p:nvCxnSpPr>
+          <p:cNvPr id="10" name="Straight Arrow Connector 9">
+            <a:extLst>
+              <a:ext uri="{FF2B5EF4-FFF2-40B4-BE49-F238E27FC236}">
+                <a16:creationId xmlns:a16="http://schemas.microsoft.com/office/drawing/2014/main" id="{05622C3D-4A47-4764-B826-A6CFFB583BD1}"/>
+              </a:ext>
+            </a:extLst>
+          </p:cNvPr>
+          <p:cNvCxnSpPr>
+            <a:stCxn id="4" idx="2"/>
+          </p:cNvCxnSpPr>
+          <p:nvPr/>
+        </p:nvCxnSpPr>
+        <p:spPr>
+          <a:xfrm>
+            <a:off x="1551709" y="914400"/>
+            <a:ext cx="0" cy="572655"/>
+          </a:xfrm>
+          <a:prstGeom prst="straightConnector1">
+            <a:avLst/>
+          </a:prstGeom>
+          <a:ln>
+            <a:tailEnd type="triangle"/>
+          </a:ln>
+        </p:spPr>
+        <p:style>
+          <a:lnRef idx="1">
+            <a:schemeClr val="accent1"/>
+          </a:lnRef>
+          <a:fillRef idx="0">
+            <a:schemeClr val="accent1"/>
+          </a:fillRef>
+          <a:effectRef idx="0">
+            <a:schemeClr val="accent1"/>
+          </a:effectRef>
+          <a:fontRef idx="minor">
+            <a:schemeClr val="tx1"/>
+          </a:fontRef>
+        </p:style>
+      </p:cxnSp>
+      <p:sp>
+        <p:nvSpPr>
+          <p:cNvPr id="11" name="Rectangle 10">
+            <a:extLst>
+              <a:ext uri="{FF2B5EF4-FFF2-40B4-BE49-F238E27FC236}">
+                <a16:creationId xmlns:a16="http://schemas.microsoft.com/office/drawing/2014/main" id="{1C60D8B3-A105-428F-A311-FBAC202681FE}"/>
+              </a:ext>
+            </a:extLst>
+          </p:cNvPr>
+          <p:cNvSpPr/>
+          <p:nvPr/>
+        </p:nvSpPr>
+        <p:spPr>
+          <a:xfrm>
+            <a:off x="609600" y="1487055"/>
+            <a:ext cx="2336798" cy="517236"/>
+          </a:xfrm>
+          <a:prstGeom prst="rect">
+            <a:avLst/>
+          </a:prstGeom>
+        </p:spPr>
+        <p:style>
+          <a:lnRef idx="2">
+            <a:schemeClr val="accent1">
+              <a:shade val="50000"/>
+            </a:schemeClr>
+          </a:lnRef>
+          <a:fillRef idx="1">
+            <a:schemeClr val="accent1"/>
+          </a:fillRef>
+          <a:effectRef idx="0">
+            <a:schemeClr val="accent1"/>
+          </a:effectRef>
+          <a:fontRef idx="minor">
+            <a:schemeClr val="lt1"/>
+          </a:fontRef>
+        </p:style>
+        <p:txBody>
+          <a:bodyPr rtlCol="0" anchor="ctr"/>
+          <a:lstStyle/>
+          <a:p>
+            <a:pPr algn="ctr"/>
+            <a:r>
+              <a:rPr lang="en-US" dirty="0"/>
+              <a:t>Using config file</a:t>
+            </a:r>
+          </a:p>
+        </p:txBody>
+      </p:sp>
+      <p:grpSp>
+        <p:nvGrpSpPr>
+          <p:cNvPr id="18" name="Group 17">
+            <a:extLst>
+              <a:ext uri="{FF2B5EF4-FFF2-40B4-BE49-F238E27FC236}">
+                <a16:creationId xmlns:a16="http://schemas.microsoft.com/office/drawing/2014/main" id="{16C83B3E-A4AF-4ADE-B6FC-70EF6E8AB34E}"/>
+              </a:ext>
+            </a:extLst>
+          </p:cNvPr>
+          <p:cNvGrpSpPr/>
+          <p:nvPr/>
+        </p:nvGrpSpPr>
+        <p:grpSpPr>
+          <a:xfrm>
+            <a:off x="7259781" y="517235"/>
+            <a:ext cx="4599709" cy="3551383"/>
+            <a:chOff x="6761018" y="1302326"/>
+            <a:chExt cx="4599709" cy="3551383"/>
+          </a:xfrm>
+        </p:grpSpPr>
+        <p:sp>
+          <p:nvSpPr>
+            <p:cNvPr id="14" name="Rectangle 13">
+              <a:extLst>
+                <a:ext uri="{FF2B5EF4-FFF2-40B4-BE49-F238E27FC236}">
+                  <a16:creationId xmlns:a16="http://schemas.microsoft.com/office/drawing/2014/main" id="{227BA8E8-7D5E-4CCE-9209-703E17BE6EC4}"/>
+                </a:ext>
+              </a:extLst>
+            </p:cNvPr>
+            <p:cNvSpPr/>
+            <p:nvPr/>
+          </p:nvSpPr>
+          <p:spPr>
+            <a:xfrm>
+              <a:off x="6761018" y="1302326"/>
+              <a:ext cx="4599709" cy="3551383"/>
+            </a:xfrm>
+            <a:prstGeom prst="rect">
+              <a:avLst/>
+            </a:prstGeom>
+          </p:spPr>
+          <p:style>
+            <a:lnRef idx="2">
+              <a:schemeClr val="accent1">
+                <a:shade val="50000"/>
+              </a:schemeClr>
+            </a:lnRef>
+            <a:fillRef idx="1">
+              <a:schemeClr val="accent1"/>
+            </a:fillRef>
+            <a:effectRef idx="0">
+              <a:schemeClr val="accent1"/>
+            </a:effectRef>
+            <a:fontRef idx="minor">
+              <a:schemeClr val="lt1"/>
+            </a:fontRef>
+          </p:style>
+          <p:txBody>
+            <a:bodyPr rtlCol="0" anchor="ctr"/>
+            <a:lstStyle/>
+            <a:p>
+              <a:pPr algn="ctr"/>
+              <a:endParaRPr lang="en-US" dirty="0"/>
+            </a:p>
+          </p:txBody>
+        </p:sp>
+        <p:sp>
+          <p:nvSpPr>
+            <p:cNvPr id="7" name="Rectangle 6">
+              <a:extLst>
+                <a:ext uri="{FF2B5EF4-FFF2-40B4-BE49-F238E27FC236}">
+                  <a16:creationId xmlns:a16="http://schemas.microsoft.com/office/drawing/2014/main" id="{4F757AA7-E0FE-428F-97D3-1EF8B66796A6}"/>
+                </a:ext>
+              </a:extLst>
+            </p:cNvPr>
+            <p:cNvSpPr/>
+            <p:nvPr/>
+          </p:nvSpPr>
+          <p:spPr>
+            <a:xfrm>
+              <a:off x="7573819" y="1681018"/>
+              <a:ext cx="3103418" cy="646545"/>
+            </a:xfrm>
+            <a:prstGeom prst="rect">
+              <a:avLst/>
+            </a:prstGeom>
+          </p:spPr>
+          <p:style>
+            <a:lnRef idx="2">
+              <a:schemeClr val="accent1">
+                <a:shade val="50000"/>
+              </a:schemeClr>
+            </a:lnRef>
+            <a:fillRef idx="1">
+              <a:schemeClr val="accent1"/>
+            </a:fillRef>
+            <a:effectRef idx="0">
+              <a:schemeClr val="accent1"/>
+            </a:effectRef>
+            <a:fontRef idx="minor">
+              <a:schemeClr val="lt1"/>
+            </a:fontRef>
+          </p:style>
+          <p:txBody>
+            <a:bodyPr rtlCol="0" anchor="ctr"/>
+            <a:lstStyle/>
+            <a:p>
+              <a:pPr algn="ctr"/>
+              <a:r>
+                <a:rPr lang="en-US" dirty="0"/>
+                <a:t>API-SERVER</a:t>
+              </a:r>
+            </a:p>
+          </p:txBody>
+        </p:sp>
+        <p:sp>
+          <p:nvSpPr>
+            <p:cNvPr id="12" name="Rectangle 11">
+              <a:extLst>
+                <a:ext uri="{FF2B5EF4-FFF2-40B4-BE49-F238E27FC236}">
+                  <a16:creationId xmlns:a16="http://schemas.microsoft.com/office/drawing/2014/main" id="{8AE2156A-986E-4104-9787-6A6219DE5F38}"/>
+                </a:ext>
+              </a:extLst>
+            </p:cNvPr>
+            <p:cNvSpPr/>
+            <p:nvPr/>
+          </p:nvSpPr>
+          <p:spPr>
+            <a:xfrm>
+              <a:off x="7573819" y="2503055"/>
+              <a:ext cx="3103418" cy="925945"/>
+            </a:xfrm>
+            <a:prstGeom prst="rect">
+              <a:avLst/>
+            </a:prstGeom>
+          </p:spPr>
+          <p:style>
+            <a:lnRef idx="2">
+              <a:schemeClr val="accent1">
+                <a:shade val="50000"/>
+              </a:schemeClr>
+            </a:lnRef>
+            <a:fillRef idx="1">
+              <a:schemeClr val="accent1"/>
+            </a:fillRef>
+            <a:effectRef idx="0">
+              <a:schemeClr val="accent1"/>
+            </a:effectRef>
+            <a:fontRef idx="minor">
+              <a:schemeClr val="lt1"/>
+            </a:fontRef>
+          </p:style>
+          <p:txBody>
+            <a:bodyPr rtlCol="0" anchor="ctr"/>
+            <a:lstStyle/>
+            <a:p>
+              <a:pPr algn="ctr"/>
+              <a:r>
+                <a:rPr lang="en-US" dirty="0"/>
+                <a:t>Scheduler Server</a:t>
+              </a:r>
+            </a:p>
+          </p:txBody>
+        </p:sp>
+        <p:sp>
+          <p:nvSpPr>
+            <p:cNvPr id="13" name="Rectangle 12">
+              <a:extLst>
+                <a:ext uri="{FF2B5EF4-FFF2-40B4-BE49-F238E27FC236}">
+                  <a16:creationId xmlns:a16="http://schemas.microsoft.com/office/drawing/2014/main" id="{E208D9FD-ACE3-4A31-82D7-2F612A080948}"/>
+                </a:ext>
+              </a:extLst>
+            </p:cNvPr>
+            <p:cNvSpPr/>
+            <p:nvPr/>
+          </p:nvSpPr>
+          <p:spPr>
+            <a:xfrm>
+              <a:off x="7573819" y="3604492"/>
+              <a:ext cx="3103418" cy="925945"/>
+            </a:xfrm>
+            <a:prstGeom prst="rect">
+              <a:avLst/>
+            </a:prstGeom>
+          </p:spPr>
+          <p:style>
+            <a:lnRef idx="2">
+              <a:schemeClr val="accent1">
+                <a:shade val="50000"/>
+              </a:schemeClr>
+            </a:lnRef>
+            <a:fillRef idx="1">
+              <a:schemeClr val="accent1"/>
+            </a:fillRef>
+            <a:effectRef idx="0">
+              <a:schemeClr val="accent1"/>
+            </a:effectRef>
+            <a:fontRef idx="minor">
+              <a:schemeClr val="lt1"/>
+            </a:fontRef>
+          </p:style>
+          <p:txBody>
+            <a:bodyPr rtlCol="0" anchor="ctr"/>
+            <a:lstStyle/>
+            <a:p>
+              <a:pPr algn="ctr"/>
+              <a:r>
+                <a:rPr lang="en-US" dirty="0"/>
+                <a:t>Control Server</a:t>
+              </a:r>
+            </a:p>
+          </p:txBody>
+        </p:sp>
+      </p:grpSp>
+      <p:sp>
+        <p:nvSpPr>
+          <p:cNvPr id="21" name="Rectangle 20">
+            <a:extLst>
+              <a:ext uri="{FF2B5EF4-FFF2-40B4-BE49-F238E27FC236}">
+                <a16:creationId xmlns:a16="http://schemas.microsoft.com/office/drawing/2014/main" id="{6B777EE4-5229-42AA-9E95-DF98E5E46A63}"/>
+              </a:ext>
+            </a:extLst>
+          </p:cNvPr>
+          <p:cNvSpPr/>
+          <p:nvPr/>
+        </p:nvSpPr>
+        <p:spPr>
+          <a:xfrm>
+            <a:off x="9753600" y="4410364"/>
+            <a:ext cx="1043709" cy="914400"/>
+          </a:xfrm>
+          <a:prstGeom prst="rect">
+            <a:avLst/>
+          </a:prstGeom>
+        </p:spPr>
+        <p:style>
+          <a:lnRef idx="2">
+            <a:schemeClr val="accent4">
+              <a:shade val="50000"/>
+            </a:schemeClr>
+          </a:lnRef>
+          <a:fillRef idx="1">
+            <a:schemeClr val="accent4"/>
+          </a:fillRef>
+          <a:effectRef idx="0">
+            <a:schemeClr val="accent4"/>
+          </a:effectRef>
+          <a:fontRef idx="minor">
+            <a:schemeClr val="lt1"/>
+          </a:fontRef>
+        </p:style>
+        <p:txBody>
+          <a:bodyPr rtlCol="0" anchor="ctr"/>
+          <a:lstStyle/>
+          <a:p>
+            <a:pPr algn="ctr"/>
+            <a:endParaRPr lang="en-US"/>
+          </a:p>
+        </p:txBody>
+      </p:sp>
+      <p:sp>
+        <p:nvSpPr>
+          <p:cNvPr id="22" name="Rectangle 21">
+            <a:extLst>
+              <a:ext uri="{FF2B5EF4-FFF2-40B4-BE49-F238E27FC236}">
+                <a16:creationId xmlns:a16="http://schemas.microsoft.com/office/drawing/2014/main" id="{22B37DCA-EE16-4F1E-828D-8490DF9D7637}"/>
+              </a:ext>
+            </a:extLst>
+          </p:cNvPr>
+          <p:cNvSpPr/>
+          <p:nvPr/>
+        </p:nvSpPr>
+        <p:spPr>
+          <a:xfrm>
+            <a:off x="10889673" y="4405745"/>
+            <a:ext cx="1043709" cy="914400"/>
+          </a:xfrm>
+          <a:prstGeom prst="rect">
+            <a:avLst/>
+          </a:prstGeom>
+        </p:spPr>
+        <p:style>
+          <a:lnRef idx="2">
+            <a:schemeClr val="accent4">
+              <a:shade val="50000"/>
+            </a:schemeClr>
+          </a:lnRef>
+          <a:fillRef idx="1">
+            <a:schemeClr val="accent4"/>
+          </a:fillRef>
+          <a:effectRef idx="0">
+            <a:schemeClr val="accent4"/>
+          </a:effectRef>
+          <a:fontRef idx="minor">
+            <a:schemeClr val="lt1"/>
+          </a:fontRef>
+        </p:style>
+        <p:txBody>
+          <a:bodyPr rtlCol="0" anchor="ctr"/>
+          <a:lstStyle/>
+          <a:p>
+            <a:pPr algn="ctr"/>
+            <a:endParaRPr lang="en-US"/>
+          </a:p>
+        </p:txBody>
+      </p:sp>
+      <p:sp>
+        <p:nvSpPr>
+          <p:cNvPr id="25" name="Rectangle 24">
+            <a:extLst>
+              <a:ext uri="{FF2B5EF4-FFF2-40B4-BE49-F238E27FC236}">
+                <a16:creationId xmlns:a16="http://schemas.microsoft.com/office/drawing/2014/main" id="{4ABE5095-0BB2-4293-BCB1-C03A07B0A4DB}"/>
+              </a:ext>
+            </a:extLst>
+          </p:cNvPr>
+          <p:cNvSpPr/>
+          <p:nvPr/>
+        </p:nvSpPr>
+        <p:spPr>
+          <a:xfrm>
+            <a:off x="7130473" y="4371108"/>
+            <a:ext cx="2429163" cy="1346201"/>
+          </a:xfrm>
+          <a:prstGeom prst="rect">
+            <a:avLst/>
+          </a:prstGeom>
+        </p:spPr>
+        <p:style>
+          <a:lnRef idx="2">
+            <a:schemeClr val="accent6">
+              <a:shade val="50000"/>
+            </a:schemeClr>
+          </a:lnRef>
+          <a:fillRef idx="1">
+            <a:schemeClr val="accent6"/>
+          </a:fillRef>
+          <a:effectRef idx="0">
+            <a:schemeClr val="accent6"/>
+          </a:effectRef>
+          <a:fontRef idx="minor">
+            <a:schemeClr val="lt1"/>
+          </a:fontRef>
+        </p:style>
+        <p:txBody>
+          <a:bodyPr rtlCol="0" anchor="ctr"/>
+          <a:lstStyle/>
+          <a:p>
+            <a:pPr algn="ctr"/>
+            <a:endParaRPr lang="en-US"/>
+          </a:p>
+        </p:txBody>
+      </p:sp>
+      <p:sp>
+        <p:nvSpPr>
+          <p:cNvPr id="19" name="Rectangle 18">
+            <a:extLst>
+              <a:ext uri="{FF2B5EF4-FFF2-40B4-BE49-F238E27FC236}">
+                <a16:creationId xmlns:a16="http://schemas.microsoft.com/office/drawing/2014/main" id="{2C39E524-ABDA-41B8-A61E-A6F8D5D5E543}"/>
+              </a:ext>
+            </a:extLst>
+          </p:cNvPr>
+          <p:cNvSpPr/>
+          <p:nvPr/>
+        </p:nvSpPr>
+        <p:spPr>
+          <a:xfrm>
+            <a:off x="7255163" y="4565072"/>
+            <a:ext cx="1043709" cy="914400"/>
+          </a:xfrm>
+          <a:prstGeom prst="rect">
+            <a:avLst/>
+          </a:prstGeom>
+        </p:spPr>
+        <p:style>
+          <a:lnRef idx="2">
+            <a:schemeClr val="accent4">
+              <a:shade val="50000"/>
+            </a:schemeClr>
+          </a:lnRef>
+          <a:fillRef idx="1">
+            <a:schemeClr val="accent4"/>
+          </a:fillRef>
+          <a:effectRef idx="0">
+            <a:schemeClr val="accent4"/>
+          </a:effectRef>
+          <a:fontRef idx="minor">
+            <a:schemeClr val="lt1"/>
+          </a:fontRef>
+        </p:style>
+        <p:txBody>
+          <a:bodyPr rtlCol="0" anchor="ctr"/>
+          <a:lstStyle/>
+          <a:p>
+            <a:pPr algn="ctr"/>
+            <a:endParaRPr lang="en-US"/>
+          </a:p>
+        </p:txBody>
+      </p:sp>
+      <p:sp>
+        <p:nvSpPr>
+          <p:cNvPr id="20" name="Rectangle 19">
+            <a:extLst>
+              <a:ext uri="{FF2B5EF4-FFF2-40B4-BE49-F238E27FC236}">
+                <a16:creationId xmlns:a16="http://schemas.microsoft.com/office/drawing/2014/main" id="{BB16DEE3-D2E6-4C05-BCDE-B375A610CDB2}"/>
+              </a:ext>
+            </a:extLst>
+          </p:cNvPr>
+          <p:cNvSpPr/>
+          <p:nvPr/>
+        </p:nvSpPr>
+        <p:spPr>
+          <a:xfrm>
+            <a:off x="8423562" y="4551218"/>
+            <a:ext cx="1043709" cy="914400"/>
+          </a:xfrm>
+          <a:prstGeom prst="rect">
+            <a:avLst/>
+          </a:prstGeom>
+        </p:spPr>
+        <p:style>
+          <a:lnRef idx="2">
+            <a:schemeClr val="accent4">
+              <a:shade val="50000"/>
+            </a:schemeClr>
+          </a:lnRef>
+          <a:fillRef idx="1">
+            <a:schemeClr val="accent4"/>
+          </a:fillRef>
+          <a:effectRef idx="0">
+            <a:schemeClr val="accent4"/>
+          </a:effectRef>
+          <a:fontRef idx="minor">
+            <a:schemeClr val="lt1"/>
+          </a:fontRef>
+        </p:style>
+        <p:txBody>
+          <a:bodyPr rtlCol="0" anchor="ctr"/>
+          <a:lstStyle/>
+          <a:p>
+            <a:pPr algn="ctr"/>
             <a:endParaRPr lang="en-US"/>
           </a:p>
         </p:txBody>

--- a/AWSPresentation1.pptx
+++ b/AWSPresentation1.pptx
@@ -304,7 +304,7 @@
           <a:p>
             <a:fld id="{514B463D-3EF5-4A22-BC21-7B63AB95E5E7}" type="datetimeFigureOut">
               <a:rPr lang="en-US" smtClean="0"/>
-              <a:t>6/29/2020</a:t>
+              <a:t>6/30/2020</a:t>
             </a:fld>
             <a:endParaRPr lang="en-US"/>
           </a:p>
@@ -502,7 +502,7 @@
           <a:p>
             <a:fld id="{514B463D-3EF5-4A22-BC21-7B63AB95E5E7}" type="datetimeFigureOut">
               <a:rPr lang="en-US" smtClean="0"/>
-              <a:t>6/29/2020</a:t>
+              <a:t>6/30/2020</a:t>
             </a:fld>
             <a:endParaRPr lang="en-US"/>
           </a:p>
@@ -710,7 +710,7 @@
           <a:p>
             <a:fld id="{514B463D-3EF5-4A22-BC21-7B63AB95E5E7}" type="datetimeFigureOut">
               <a:rPr lang="en-US" smtClean="0"/>
-              <a:t>6/29/2020</a:t>
+              <a:t>6/30/2020</a:t>
             </a:fld>
             <a:endParaRPr lang="en-US"/>
           </a:p>
@@ -908,7 +908,7 @@
           <a:p>
             <a:fld id="{514B463D-3EF5-4A22-BC21-7B63AB95E5E7}" type="datetimeFigureOut">
               <a:rPr lang="en-US" smtClean="0"/>
-              <a:t>6/29/2020</a:t>
+              <a:t>6/30/2020</a:t>
             </a:fld>
             <a:endParaRPr lang="en-US"/>
           </a:p>
@@ -1183,7 +1183,7 @@
           <a:p>
             <a:fld id="{514B463D-3EF5-4A22-BC21-7B63AB95E5E7}" type="datetimeFigureOut">
               <a:rPr lang="en-US" smtClean="0"/>
-              <a:t>6/29/2020</a:t>
+              <a:t>6/30/2020</a:t>
             </a:fld>
             <a:endParaRPr lang="en-US"/>
           </a:p>
@@ -1448,7 +1448,7 @@
           <a:p>
             <a:fld id="{514B463D-3EF5-4A22-BC21-7B63AB95E5E7}" type="datetimeFigureOut">
               <a:rPr lang="en-US" smtClean="0"/>
-              <a:t>6/29/2020</a:t>
+              <a:t>6/30/2020</a:t>
             </a:fld>
             <a:endParaRPr lang="en-US"/>
           </a:p>
@@ -1860,7 +1860,7 @@
           <a:p>
             <a:fld id="{514B463D-3EF5-4A22-BC21-7B63AB95E5E7}" type="datetimeFigureOut">
               <a:rPr lang="en-US" smtClean="0"/>
-              <a:t>6/29/2020</a:t>
+              <a:t>6/30/2020</a:t>
             </a:fld>
             <a:endParaRPr lang="en-US"/>
           </a:p>
@@ -2001,7 +2001,7 @@
           <a:p>
             <a:fld id="{514B463D-3EF5-4A22-BC21-7B63AB95E5E7}" type="datetimeFigureOut">
               <a:rPr lang="en-US" smtClean="0"/>
-              <a:t>6/29/2020</a:t>
+              <a:t>6/30/2020</a:t>
             </a:fld>
             <a:endParaRPr lang="en-US"/>
           </a:p>
@@ -2114,7 +2114,7 @@
           <a:p>
             <a:fld id="{514B463D-3EF5-4A22-BC21-7B63AB95E5E7}" type="datetimeFigureOut">
               <a:rPr lang="en-US" smtClean="0"/>
-              <a:t>6/29/2020</a:t>
+              <a:t>6/30/2020</a:t>
             </a:fld>
             <a:endParaRPr lang="en-US"/>
           </a:p>
@@ -2425,7 +2425,7 @@
           <a:p>
             <a:fld id="{514B463D-3EF5-4A22-BC21-7B63AB95E5E7}" type="datetimeFigureOut">
               <a:rPr lang="en-US" smtClean="0"/>
-              <a:t>6/29/2020</a:t>
+              <a:t>6/30/2020</a:t>
             </a:fld>
             <a:endParaRPr lang="en-US"/>
           </a:p>
@@ -2713,7 +2713,7 @@
           <a:p>
             <a:fld id="{514B463D-3EF5-4A22-BC21-7B63AB95E5E7}" type="datetimeFigureOut">
               <a:rPr lang="en-US" smtClean="0"/>
-              <a:t>6/29/2020</a:t>
+              <a:t>6/30/2020</a:t>
             </a:fld>
             <a:endParaRPr lang="en-US"/>
           </a:p>
@@ -2954,7 +2954,7 @@
           <a:p>
             <a:fld id="{514B463D-3EF5-4A22-BC21-7B63AB95E5E7}" type="datetimeFigureOut">
               <a:rPr lang="en-US" smtClean="0"/>
-              <a:t>6/29/2020</a:t>
+              <a:t>6/30/2020</a:t>
             </a:fld>
             <a:endParaRPr lang="en-US"/>
           </a:p>
@@ -3997,17 +3997,19 @@
             </a:prstGeom>
           </p:spPr>
           <p:style>
-            <a:lnRef idx="1">
-              <a:schemeClr val="accent6"/>
+            <a:lnRef idx="2">
+              <a:schemeClr val="accent6">
+                <a:shade val="50000"/>
+              </a:schemeClr>
             </a:lnRef>
-            <a:fillRef idx="2">
+            <a:fillRef idx="1">
               <a:schemeClr val="accent6"/>
             </a:fillRef>
-            <a:effectRef idx="1">
+            <a:effectRef idx="0">
               <a:schemeClr val="accent6"/>
             </a:effectRef>
             <a:fontRef idx="minor">
-              <a:schemeClr val="dk1"/>
+              <a:schemeClr val="lt1"/>
             </a:fontRef>
           </p:style>
           <p:txBody>
@@ -4212,16 +4214,14 @@
             </a:prstGeom>
           </p:spPr>
           <p:style>
-            <a:lnRef idx="2">
-              <a:schemeClr val="accent1">
-                <a:shade val="50000"/>
-              </a:schemeClr>
+            <a:lnRef idx="3">
+              <a:schemeClr val="lt1"/>
             </a:lnRef>
             <a:fillRef idx="1">
-              <a:schemeClr val="accent1"/>
+              <a:schemeClr val="accent6"/>
             </a:fillRef>
-            <a:effectRef idx="0">
-              <a:schemeClr val="accent1"/>
+            <a:effectRef idx="1">
+              <a:schemeClr val="accent6"/>
             </a:effectRef>
             <a:fontRef idx="minor">
               <a:schemeClr val="lt1"/>
@@ -5412,6 +5412,20 @@
               <a:t>EMR</a:t>
             </a:r>
           </a:p>
+          <a:p>
+            <a:pPr algn="ctr"/>
+            <a:r>
+              <a:rPr lang="en-US" dirty="0"/>
+              <a:t>Spark</a:t>
+            </a:r>
+          </a:p>
+          <a:p>
+            <a:pPr algn="ctr"/>
+            <a:r>
+              <a:rPr lang="en-US" dirty="0"/>
+              <a:t>Cluster</a:t>
+            </a:r>
+          </a:p>
         </p:txBody>
       </p:sp>
       <p:cxnSp>
@@ -6351,7 +6365,14 @@
           <a:p>
             <a:pPr algn="ctr"/>
             <a:r>
-              <a:rPr lang="en-US" dirty="0"/>
+              <a:rPr lang="en-US" sz="1600" dirty="0"/>
+              <a:t>CDN</a:t>
+            </a:r>
+          </a:p>
+          <a:p>
+            <a:pPr algn="ctr"/>
+            <a:r>
+              <a:rPr lang="en-US" sz="1600" dirty="0"/>
               <a:t>CloudFront</a:t>
             </a:r>
           </a:p>
@@ -6715,16 +6736,14 @@
           </a:prstGeom>
         </p:spPr>
         <p:style>
-          <a:lnRef idx="2">
-            <a:schemeClr val="accent1">
-              <a:shade val="50000"/>
-            </a:schemeClr>
+          <a:lnRef idx="1">
+            <a:schemeClr val="accent6"/>
           </a:lnRef>
-          <a:fillRef idx="1">
-            <a:schemeClr val="accent1"/>
+          <a:fillRef idx="3">
+            <a:schemeClr val="accent6"/>
           </a:fillRef>
-          <a:effectRef idx="0">
-            <a:schemeClr val="accent1"/>
+          <a:effectRef idx="2">
+            <a:schemeClr val="accent6"/>
           </a:effectRef>
           <a:fontRef idx="minor">
             <a:schemeClr val="lt1"/>
@@ -11444,10 +11463,10 @@
       </p:grpSpPr>
       <p:sp>
         <p:nvSpPr>
-          <p:cNvPr id="24" name="Rectangle 23">
-            <a:extLst>
-              <a:ext uri="{FF2B5EF4-FFF2-40B4-BE49-F238E27FC236}">
-                <a16:creationId xmlns:a16="http://schemas.microsoft.com/office/drawing/2014/main" id="{1768E340-0BFA-49F8-B3BE-82E114E1C2A2}"/>
+          <p:cNvPr id="4" name="Rectangle 3">
+            <a:extLst>
+              <a:ext uri="{FF2B5EF4-FFF2-40B4-BE49-F238E27FC236}">
+                <a16:creationId xmlns:a16="http://schemas.microsoft.com/office/drawing/2014/main" id="{7CD371BB-BA00-4FEC-95F2-118722845A2B}"/>
               </a:ext>
             </a:extLst>
           </p:cNvPr>
@@ -11456,8 +11475,8 @@
         </p:nvSpPr>
         <p:spPr>
           <a:xfrm>
-            <a:off x="9624291" y="4221018"/>
-            <a:ext cx="2484581" cy="2521527"/>
+            <a:off x="415636" y="609600"/>
+            <a:ext cx="2272146" cy="304800"/>
           </a:xfrm>
           <a:prstGeom prst="rect">
             <a:avLst/>
@@ -11484,98 +11503,6 @@
           <a:lstStyle/>
           <a:p>
             <a:pPr algn="ctr"/>
-            <a:endParaRPr lang="en-US"/>
-          </a:p>
-        </p:txBody>
-      </p:sp>
-      <p:sp>
-        <p:nvSpPr>
-          <p:cNvPr id="23" name="Rectangle 22">
-            <a:extLst>
-              <a:ext uri="{FF2B5EF4-FFF2-40B4-BE49-F238E27FC236}">
-                <a16:creationId xmlns:a16="http://schemas.microsoft.com/office/drawing/2014/main" id="{12C3CBAB-D567-4A0B-8717-B93737E2072D}"/>
-              </a:ext>
-            </a:extLst>
-          </p:cNvPr>
-          <p:cNvSpPr/>
-          <p:nvPr/>
-        </p:nvSpPr>
-        <p:spPr>
-          <a:xfrm>
-            <a:off x="7102764" y="4221018"/>
-            <a:ext cx="2484581" cy="2521527"/>
-          </a:xfrm>
-          <a:prstGeom prst="rect">
-            <a:avLst/>
-          </a:prstGeom>
-        </p:spPr>
-        <p:style>
-          <a:lnRef idx="2">
-            <a:schemeClr val="accent1">
-              <a:shade val="50000"/>
-            </a:schemeClr>
-          </a:lnRef>
-          <a:fillRef idx="1">
-            <a:schemeClr val="accent1"/>
-          </a:fillRef>
-          <a:effectRef idx="0">
-            <a:schemeClr val="accent1"/>
-          </a:effectRef>
-          <a:fontRef idx="minor">
-            <a:schemeClr val="lt1"/>
-          </a:fontRef>
-        </p:style>
-        <p:txBody>
-          <a:bodyPr rtlCol="0" anchor="ctr"/>
-          <a:lstStyle/>
-          <a:p>
-            <a:pPr algn="ctr"/>
-            <a:endParaRPr lang="en-US"/>
-          </a:p>
-        </p:txBody>
-      </p:sp>
-      <p:sp>
-        <p:nvSpPr>
-          <p:cNvPr id="4" name="Rectangle 3">
-            <a:extLst>
-              <a:ext uri="{FF2B5EF4-FFF2-40B4-BE49-F238E27FC236}">
-                <a16:creationId xmlns:a16="http://schemas.microsoft.com/office/drawing/2014/main" id="{7CD371BB-BA00-4FEC-95F2-118722845A2B}"/>
-              </a:ext>
-            </a:extLst>
-          </p:cNvPr>
-          <p:cNvSpPr/>
-          <p:nvPr/>
-        </p:nvSpPr>
-        <p:spPr>
-          <a:xfrm>
-            <a:off x="415636" y="609600"/>
-            <a:ext cx="2272146" cy="304800"/>
-          </a:xfrm>
-          <a:prstGeom prst="rect">
-            <a:avLst/>
-          </a:prstGeom>
-        </p:spPr>
-        <p:style>
-          <a:lnRef idx="2">
-            <a:schemeClr val="accent1">
-              <a:shade val="50000"/>
-            </a:schemeClr>
-          </a:lnRef>
-          <a:fillRef idx="1">
-            <a:schemeClr val="accent1"/>
-          </a:fillRef>
-          <a:effectRef idx="0">
-            <a:schemeClr val="accent1"/>
-          </a:effectRef>
-          <a:fontRef idx="minor">
-            <a:schemeClr val="lt1"/>
-          </a:fontRef>
-        </p:style>
-        <p:txBody>
-          <a:bodyPr rtlCol="0" anchor="ctr"/>
-          <a:lstStyle/>
-          <a:p>
-            <a:pPr algn="ctr"/>
             <a:r>
               <a:rPr lang="en-US" dirty="0" err="1"/>
               <a:t>kubectl</a:t>
@@ -11603,7 +11530,7 @@
         <p:spPr>
           <a:xfrm>
             <a:off x="2687782" y="762000"/>
-            <a:ext cx="5384800" cy="457200"/>
+            <a:ext cx="5421746" cy="263236"/>
           </a:xfrm>
           <a:prstGeom prst="bentConnector3">
             <a:avLst/>
@@ -11731,7 +11658,7 @@
         </p:nvGrpSpPr>
         <p:grpSpPr>
           <a:xfrm>
-            <a:off x="7259781" y="517235"/>
+            <a:off x="7296727" y="323271"/>
             <a:ext cx="4599709" cy="3551383"/>
             <a:chOff x="6761018" y="1302326"/>
             <a:chExt cx="4599709" cy="3551383"/>
@@ -11931,12 +11858,417 @@
           </p:txBody>
         </p:sp>
       </p:grpSp>
-      <p:sp>
-        <p:nvSpPr>
-          <p:cNvPr id="21" name="Rectangle 20">
-            <a:extLst>
-              <a:ext uri="{FF2B5EF4-FFF2-40B4-BE49-F238E27FC236}">
-                <a16:creationId xmlns:a16="http://schemas.microsoft.com/office/drawing/2014/main" id="{6B777EE4-5229-42AA-9E95-DF98E5E46A63}"/>
+      <p:grpSp>
+        <p:nvGrpSpPr>
+          <p:cNvPr id="8" name="Group 7">
+            <a:extLst>
+              <a:ext uri="{FF2B5EF4-FFF2-40B4-BE49-F238E27FC236}">
+                <a16:creationId xmlns:a16="http://schemas.microsoft.com/office/drawing/2014/main" id="{54517CC5-31C1-47A1-974D-6CCA5667E69B}"/>
+              </a:ext>
+            </a:extLst>
+          </p:cNvPr>
+          <p:cNvGrpSpPr/>
+          <p:nvPr/>
+        </p:nvGrpSpPr>
+        <p:grpSpPr>
+          <a:xfrm>
+            <a:off x="7176655" y="4232563"/>
+            <a:ext cx="2484581" cy="2521527"/>
+            <a:chOff x="7176655" y="4232563"/>
+            <a:chExt cx="2484581" cy="2521527"/>
+          </a:xfrm>
+        </p:grpSpPr>
+        <p:sp>
+          <p:nvSpPr>
+            <p:cNvPr id="24" name="Rectangle 23">
+              <a:extLst>
+                <a:ext uri="{FF2B5EF4-FFF2-40B4-BE49-F238E27FC236}">
+                  <a16:creationId xmlns:a16="http://schemas.microsoft.com/office/drawing/2014/main" id="{1768E340-0BFA-49F8-B3BE-82E114E1C2A2}"/>
+                </a:ext>
+              </a:extLst>
+            </p:cNvPr>
+            <p:cNvSpPr/>
+            <p:nvPr/>
+          </p:nvSpPr>
+          <p:spPr>
+            <a:xfrm>
+              <a:off x="7176655" y="4232563"/>
+              <a:ext cx="2484581" cy="2521527"/>
+            </a:xfrm>
+            <a:prstGeom prst="rect">
+              <a:avLst/>
+            </a:prstGeom>
+          </p:spPr>
+          <p:style>
+            <a:lnRef idx="2">
+              <a:schemeClr val="accent1">
+                <a:shade val="50000"/>
+              </a:schemeClr>
+            </a:lnRef>
+            <a:fillRef idx="1">
+              <a:schemeClr val="accent1"/>
+            </a:fillRef>
+            <a:effectRef idx="0">
+              <a:schemeClr val="accent1"/>
+            </a:effectRef>
+            <a:fontRef idx="minor">
+              <a:schemeClr val="lt1"/>
+            </a:fontRef>
+          </p:style>
+          <p:txBody>
+            <a:bodyPr rtlCol="0" anchor="ctr"/>
+            <a:lstStyle/>
+            <a:p>
+              <a:pPr algn="ctr"/>
+              <a:endParaRPr lang="en-US"/>
+            </a:p>
+          </p:txBody>
+        </p:sp>
+        <p:sp>
+          <p:nvSpPr>
+            <p:cNvPr id="21" name="Rectangle 20">
+              <a:extLst>
+                <a:ext uri="{FF2B5EF4-FFF2-40B4-BE49-F238E27FC236}">
+                  <a16:creationId xmlns:a16="http://schemas.microsoft.com/office/drawing/2014/main" id="{6B777EE4-5229-42AA-9E95-DF98E5E46A63}"/>
+                </a:ext>
+              </a:extLst>
+            </p:cNvPr>
+            <p:cNvSpPr/>
+            <p:nvPr/>
+          </p:nvSpPr>
+          <p:spPr>
+            <a:xfrm>
+              <a:off x="7305964" y="4421909"/>
+              <a:ext cx="1043709" cy="914400"/>
+            </a:xfrm>
+            <a:prstGeom prst="rect">
+              <a:avLst/>
+            </a:prstGeom>
+          </p:spPr>
+          <p:style>
+            <a:lnRef idx="2">
+              <a:schemeClr val="accent4">
+                <a:shade val="50000"/>
+              </a:schemeClr>
+            </a:lnRef>
+            <a:fillRef idx="1">
+              <a:schemeClr val="accent4"/>
+            </a:fillRef>
+            <a:effectRef idx="0">
+              <a:schemeClr val="accent4"/>
+            </a:effectRef>
+            <a:fontRef idx="minor">
+              <a:schemeClr val="lt1"/>
+            </a:fontRef>
+          </p:style>
+          <p:txBody>
+            <a:bodyPr rtlCol="0" anchor="ctr"/>
+            <a:lstStyle/>
+            <a:p>
+              <a:pPr algn="ctr"/>
+              <a:endParaRPr lang="en-US"/>
+            </a:p>
+          </p:txBody>
+        </p:sp>
+        <p:sp>
+          <p:nvSpPr>
+            <p:cNvPr id="22" name="Rectangle 21">
+              <a:extLst>
+                <a:ext uri="{FF2B5EF4-FFF2-40B4-BE49-F238E27FC236}">
+                  <a16:creationId xmlns:a16="http://schemas.microsoft.com/office/drawing/2014/main" id="{22B37DCA-EE16-4F1E-828D-8490DF9D7637}"/>
+                </a:ext>
+              </a:extLst>
+            </p:cNvPr>
+            <p:cNvSpPr/>
+            <p:nvPr/>
+          </p:nvSpPr>
+          <p:spPr>
+            <a:xfrm>
+              <a:off x="8442037" y="4417290"/>
+              <a:ext cx="1043709" cy="914400"/>
+            </a:xfrm>
+            <a:prstGeom prst="rect">
+              <a:avLst/>
+            </a:prstGeom>
+          </p:spPr>
+          <p:style>
+            <a:lnRef idx="2">
+              <a:schemeClr val="accent4">
+                <a:shade val="50000"/>
+              </a:schemeClr>
+            </a:lnRef>
+            <a:fillRef idx="1">
+              <a:schemeClr val="accent4"/>
+            </a:fillRef>
+            <a:effectRef idx="0">
+              <a:schemeClr val="accent4"/>
+            </a:effectRef>
+            <a:fontRef idx="minor">
+              <a:schemeClr val="lt1"/>
+            </a:fontRef>
+          </p:style>
+          <p:txBody>
+            <a:bodyPr rtlCol="0" anchor="ctr"/>
+            <a:lstStyle/>
+            <a:p>
+              <a:pPr algn="ctr"/>
+              <a:endParaRPr lang="en-US"/>
+            </a:p>
+          </p:txBody>
+        </p:sp>
+      </p:grpSp>
+      <p:grpSp>
+        <p:nvGrpSpPr>
+          <p:cNvPr id="9" name="Group 8">
+            <a:extLst>
+              <a:ext uri="{FF2B5EF4-FFF2-40B4-BE49-F238E27FC236}">
+                <a16:creationId xmlns:a16="http://schemas.microsoft.com/office/drawing/2014/main" id="{8EDDE38E-3FBA-457D-8A4A-6E6F6F3F1BB2}"/>
+              </a:ext>
+            </a:extLst>
+          </p:cNvPr>
+          <p:cNvGrpSpPr/>
+          <p:nvPr/>
+        </p:nvGrpSpPr>
+        <p:grpSpPr>
+          <a:xfrm>
+            <a:off x="4170220" y="4232563"/>
+            <a:ext cx="2484581" cy="2521527"/>
+            <a:chOff x="4202547" y="4257963"/>
+            <a:chExt cx="2484581" cy="2521527"/>
+          </a:xfrm>
+        </p:grpSpPr>
+        <p:sp>
+          <p:nvSpPr>
+            <p:cNvPr id="23" name="Rectangle 22">
+              <a:extLst>
+                <a:ext uri="{FF2B5EF4-FFF2-40B4-BE49-F238E27FC236}">
+                  <a16:creationId xmlns:a16="http://schemas.microsoft.com/office/drawing/2014/main" id="{12C3CBAB-D567-4A0B-8717-B93737E2072D}"/>
+                </a:ext>
+              </a:extLst>
+            </p:cNvPr>
+            <p:cNvSpPr/>
+            <p:nvPr/>
+          </p:nvSpPr>
+          <p:spPr>
+            <a:xfrm>
+              <a:off x="4202547" y="4257963"/>
+              <a:ext cx="2484581" cy="2521527"/>
+            </a:xfrm>
+            <a:prstGeom prst="rect">
+              <a:avLst/>
+            </a:prstGeom>
+          </p:spPr>
+          <p:style>
+            <a:lnRef idx="2">
+              <a:schemeClr val="accent1">
+                <a:shade val="50000"/>
+              </a:schemeClr>
+            </a:lnRef>
+            <a:fillRef idx="1">
+              <a:schemeClr val="accent1"/>
+            </a:fillRef>
+            <a:effectRef idx="0">
+              <a:schemeClr val="accent1"/>
+            </a:effectRef>
+            <a:fontRef idx="minor">
+              <a:schemeClr val="lt1"/>
+            </a:fontRef>
+          </p:style>
+          <p:txBody>
+            <a:bodyPr rtlCol="0" anchor="ctr"/>
+            <a:lstStyle/>
+            <a:p>
+              <a:pPr algn="ctr"/>
+              <a:endParaRPr lang="en-US"/>
+            </a:p>
+          </p:txBody>
+        </p:sp>
+        <p:sp>
+          <p:nvSpPr>
+            <p:cNvPr id="25" name="Rectangle 24">
+              <a:extLst>
+                <a:ext uri="{FF2B5EF4-FFF2-40B4-BE49-F238E27FC236}">
+                  <a16:creationId xmlns:a16="http://schemas.microsoft.com/office/drawing/2014/main" id="{4ABE5095-0BB2-4293-BCB1-C03A07B0A4DB}"/>
+                </a:ext>
+              </a:extLst>
+            </p:cNvPr>
+            <p:cNvSpPr/>
+            <p:nvPr/>
+          </p:nvSpPr>
+          <p:spPr>
+            <a:xfrm>
+              <a:off x="4230256" y="4408053"/>
+              <a:ext cx="2429163" cy="1346201"/>
+            </a:xfrm>
+            <a:prstGeom prst="rect">
+              <a:avLst/>
+            </a:prstGeom>
+          </p:spPr>
+          <p:style>
+            <a:lnRef idx="2">
+              <a:schemeClr val="accent6">
+                <a:shade val="50000"/>
+              </a:schemeClr>
+            </a:lnRef>
+            <a:fillRef idx="1">
+              <a:schemeClr val="accent6"/>
+            </a:fillRef>
+            <a:effectRef idx="0">
+              <a:schemeClr val="accent6"/>
+            </a:effectRef>
+            <a:fontRef idx="minor">
+              <a:schemeClr val="lt1"/>
+            </a:fontRef>
+          </p:style>
+          <p:txBody>
+            <a:bodyPr rtlCol="0" anchor="ctr"/>
+            <a:lstStyle/>
+            <a:p>
+              <a:pPr algn="ctr"/>
+              <a:endParaRPr lang="en-US"/>
+            </a:p>
+          </p:txBody>
+        </p:sp>
+        <p:sp>
+          <p:nvSpPr>
+            <p:cNvPr id="19" name="Rectangle 18">
+              <a:extLst>
+                <a:ext uri="{FF2B5EF4-FFF2-40B4-BE49-F238E27FC236}">
+                  <a16:creationId xmlns:a16="http://schemas.microsoft.com/office/drawing/2014/main" id="{2C39E524-ABDA-41B8-A61E-A6F8D5D5E543}"/>
+                </a:ext>
+              </a:extLst>
+            </p:cNvPr>
+            <p:cNvSpPr/>
+            <p:nvPr/>
+          </p:nvSpPr>
+          <p:spPr>
+            <a:xfrm>
+              <a:off x="4354946" y="4602017"/>
+              <a:ext cx="1043709" cy="914400"/>
+            </a:xfrm>
+            <a:prstGeom prst="rect">
+              <a:avLst/>
+            </a:prstGeom>
+          </p:spPr>
+          <p:style>
+            <a:lnRef idx="2">
+              <a:schemeClr val="accent4">
+                <a:shade val="50000"/>
+              </a:schemeClr>
+            </a:lnRef>
+            <a:fillRef idx="1">
+              <a:schemeClr val="accent4"/>
+            </a:fillRef>
+            <a:effectRef idx="0">
+              <a:schemeClr val="accent4"/>
+            </a:effectRef>
+            <a:fontRef idx="minor">
+              <a:schemeClr val="lt1"/>
+            </a:fontRef>
+          </p:style>
+          <p:txBody>
+            <a:bodyPr rtlCol="0" anchor="ctr"/>
+            <a:lstStyle/>
+            <a:p>
+              <a:pPr algn="ctr"/>
+              <a:endParaRPr lang="en-US"/>
+            </a:p>
+          </p:txBody>
+        </p:sp>
+        <p:sp>
+          <p:nvSpPr>
+            <p:cNvPr id="20" name="Rectangle 19">
+              <a:extLst>
+                <a:ext uri="{FF2B5EF4-FFF2-40B4-BE49-F238E27FC236}">
+                  <a16:creationId xmlns:a16="http://schemas.microsoft.com/office/drawing/2014/main" id="{BB16DEE3-D2E6-4C05-BCDE-B375A610CDB2}"/>
+                </a:ext>
+              </a:extLst>
+            </p:cNvPr>
+            <p:cNvSpPr/>
+            <p:nvPr/>
+          </p:nvSpPr>
+          <p:spPr>
+            <a:xfrm>
+              <a:off x="5523345" y="4588163"/>
+              <a:ext cx="1043709" cy="914400"/>
+            </a:xfrm>
+            <a:prstGeom prst="rect">
+              <a:avLst/>
+            </a:prstGeom>
+          </p:spPr>
+          <p:style>
+            <a:lnRef idx="2">
+              <a:schemeClr val="accent4">
+                <a:shade val="50000"/>
+              </a:schemeClr>
+            </a:lnRef>
+            <a:fillRef idx="1">
+              <a:schemeClr val="accent4"/>
+            </a:fillRef>
+            <a:effectRef idx="0">
+              <a:schemeClr val="accent4"/>
+            </a:effectRef>
+            <a:fontRef idx="minor">
+              <a:schemeClr val="lt1"/>
+            </a:fontRef>
+          </p:style>
+          <p:txBody>
+            <a:bodyPr rtlCol="0" anchor="ctr"/>
+            <a:lstStyle/>
+            <a:p>
+              <a:pPr algn="ctr"/>
+              <a:endParaRPr lang="en-US"/>
+            </a:p>
+          </p:txBody>
+        </p:sp>
+      </p:grpSp>
+      <p:cxnSp>
+        <p:nvCxnSpPr>
+          <p:cNvPr id="3" name="Connector: Elbow 2">
+            <a:extLst>
+              <a:ext uri="{FF2B5EF4-FFF2-40B4-BE49-F238E27FC236}">
+                <a16:creationId xmlns:a16="http://schemas.microsoft.com/office/drawing/2014/main" id="{AF5BCA5F-A1A4-4520-B79B-F8C1340C89D4}"/>
+              </a:ext>
+            </a:extLst>
+          </p:cNvPr>
+          <p:cNvCxnSpPr>
+            <a:endCxn id="23" idx="1"/>
+          </p:cNvCxnSpPr>
+          <p:nvPr/>
+        </p:nvCxnSpPr>
+        <p:spPr>
+          <a:xfrm>
+            <a:off x="180111" y="5477163"/>
+            <a:ext cx="3990109" cy="16164"/>
+          </a:xfrm>
+          <a:prstGeom prst="bentConnector3">
+            <a:avLst/>
+          </a:prstGeom>
+          <a:ln>
+            <a:tailEnd type="triangle"/>
+          </a:ln>
+        </p:spPr>
+        <p:style>
+          <a:lnRef idx="1">
+            <a:schemeClr val="accent1"/>
+          </a:lnRef>
+          <a:fillRef idx="0">
+            <a:schemeClr val="accent1"/>
+          </a:fillRef>
+          <a:effectRef idx="0">
+            <a:schemeClr val="accent1"/>
+          </a:effectRef>
+          <a:fontRef idx="minor">
+            <a:schemeClr val="tx1"/>
+          </a:fontRef>
+        </p:style>
+      </p:cxnSp>
+      <p:sp>
+        <p:nvSpPr>
+          <p:cNvPr id="5" name="Rectangle 4">
+            <a:extLst>
+              <a:ext uri="{FF2B5EF4-FFF2-40B4-BE49-F238E27FC236}">
+                <a16:creationId xmlns:a16="http://schemas.microsoft.com/office/drawing/2014/main" id="{515F0664-2FFD-40FE-B1F6-34227D71D9C6}"/>
               </a:ext>
             </a:extLst>
           </p:cNvPr>
@@ -11945,8 +12277,8 @@
         </p:nvSpPr>
         <p:spPr>
           <a:xfrm>
-            <a:off x="9753600" y="4410364"/>
-            <a:ext cx="1043709" cy="914400"/>
+            <a:off x="840509" y="4655127"/>
+            <a:ext cx="2272146" cy="1514764"/>
           </a:xfrm>
           <a:prstGeom prst="rect">
             <a:avLst/>
@@ -11954,15 +12286,15 @@
         </p:spPr>
         <p:style>
           <a:lnRef idx="2">
-            <a:schemeClr val="accent4">
+            <a:schemeClr val="accent1">
               <a:shade val="50000"/>
             </a:schemeClr>
           </a:lnRef>
           <a:fillRef idx="1">
-            <a:schemeClr val="accent4"/>
+            <a:schemeClr val="accent1"/>
           </a:fillRef>
           <a:effectRef idx="0">
-            <a:schemeClr val="accent4"/>
+            <a:schemeClr val="accent1"/>
           </a:effectRef>
           <a:fontRef idx="minor">
             <a:schemeClr val="lt1"/>
@@ -11973,194 +12305,173 @@
           <a:lstStyle/>
           <a:p>
             <a:pPr algn="ctr"/>
-            <a:endParaRPr lang="en-US"/>
-          </a:p>
-        </p:txBody>
-      </p:sp>
-      <p:sp>
-        <p:nvSpPr>
-          <p:cNvPr id="22" name="Rectangle 21">
-            <a:extLst>
-              <a:ext uri="{FF2B5EF4-FFF2-40B4-BE49-F238E27FC236}">
-                <a16:creationId xmlns:a16="http://schemas.microsoft.com/office/drawing/2014/main" id="{22B37DCA-EE16-4F1E-828D-8490DF9D7637}"/>
-              </a:ext>
-            </a:extLst>
-          </p:cNvPr>
-          <p:cNvSpPr/>
-          <p:nvPr/>
-        </p:nvSpPr>
-        <p:spPr>
-          <a:xfrm>
-            <a:off x="10889673" y="4405745"/>
-            <a:ext cx="1043709" cy="914400"/>
-          </a:xfrm>
-          <a:prstGeom prst="rect">
-            <a:avLst/>
-          </a:prstGeom>
-        </p:spPr>
-        <p:style>
-          <a:lnRef idx="2">
-            <a:schemeClr val="accent4">
-              <a:shade val="50000"/>
-            </a:schemeClr>
-          </a:lnRef>
-          <a:fillRef idx="1">
-            <a:schemeClr val="accent4"/>
-          </a:fillRef>
-          <a:effectRef idx="0">
-            <a:schemeClr val="accent4"/>
-          </a:effectRef>
-          <a:fontRef idx="minor">
-            <a:schemeClr val="lt1"/>
-          </a:fontRef>
-        </p:style>
-        <p:txBody>
-          <a:bodyPr rtlCol="0" anchor="ctr"/>
-          <a:lstStyle/>
-          <a:p>
-            <a:pPr algn="ctr"/>
-            <a:endParaRPr lang="en-US"/>
-          </a:p>
-        </p:txBody>
-      </p:sp>
-      <p:sp>
-        <p:nvSpPr>
-          <p:cNvPr id="25" name="Rectangle 24">
-            <a:extLst>
-              <a:ext uri="{FF2B5EF4-FFF2-40B4-BE49-F238E27FC236}">
-                <a16:creationId xmlns:a16="http://schemas.microsoft.com/office/drawing/2014/main" id="{4ABE5095-0BB2-4293-BCB1-C03A07B0A4DB}"/>
-              </a:ext>
-            </a:extLst>
-          </p:cNvPr>
-          <p:cNvSpPr/>
-          <p:nvPr/>
-        </p:nvSpPr>
-        <p:spPr>
-          <a:xfrm>
-            <a:off x="7130473" y="4371108"/>
-            <a:ext cx="2429163" cy="1346201"/>
-          </a:xfrm>
-          <a:prstGeom prst="rect">
-            <a:avLst/>
-          </a:prstGeom>
-        </p:spPr>
-        <p:style>
-          <a:lnRef idx="2">
-            <a:schemeClr val="accent6">
-              <a:shade val="50000"/>
-            </a:schemeClr>
-          </a:lnRef>
-          <a:fillRef idx="1">
-            <a:schemeClr val="accent6"/>
-          </a:fillRef>
-          <a:effectRef idx="0">
-            <a:schemeClr val="accent6"/>
-          </a:effectRef>
-          <a:fontRef idx="minor">
-            <a:schemeClr val="lt1"/>
-          </a:fontRef>
-        </p:style>
-        <p:txBody>
-          <a:bodyPr rtlCol="0" anchor="ctr"/>
-          <a:lstStyle/>
-          <a:p>
-            <a:pPr algn="ctr"/>
-            <a:endParaRPr lang="en-US"/>
-          </a:p>
-        </p:txBody>
-      </p:sp>
-      <p:sp>
-        <p:nvSpPr>
-          <p:cNvPr id="19" name="Rectangle 18">
-            <a:extLst>
-              <a:ext uri="{FF2B5EF4-FFF2-40B4-BE49-F238E27FC236}">
-                <a16:creationId xmlns:a16="http://schemas.microsoft.com/office/drawing/2014/main" id="{2C39E524-ABDA-41B8-A61E-A6F8D5D5E543}"/>
-              </a:ext>
-            </a:extLst>
-          </p:cNvPr>
-          <p:cNvSpPr/>
-          <p:nvPr/>
-        </p:nvSpPr>
-        <p:spPr>
-          <a:xfrm>
-            <a:off x="7255163" y="4565072"/>
-            <a:ext cx="1043709" cy="914400"/>
-          </a:xfrm>
-          <a:prstGeom prst="rect">
-            <a:avLst/>
-          </a:prstGeom>
-        </p:spPr>
-        <p:style>
-          <a:lnRef idx="2">
-            <a:schemeClr val="accent4">
-              <a:shade val="50000"/>
-            </a:schemeClr>
-          </a:lnRef>
-          <a:fillRef idx="1">
-            <a:schemeClr val="accent4"/>
-          </a:fillRef>
-          <a:effectRef idx="0">
-            <a:schemeClr val="accent4"/>
-          </a:effectRef>
-          <a:fontRef idx="minor">
-            <a:schemeClr val="lt1"/>
-          </a:fontRef>
-        </p:style>
-        <p:txBody>
-          <a:bodyPr rtlCol="0" anchor="ctr"/>
-          <a:lstStyle/>
-          <a:p>
-            <a:pPr algn="ctr"/>
-            <a:endParaRPr lang="en-US"/>
-          </a:p>
-        </p:txBody>
-      </p:sp>
-      <p:sp>
-        <p:nvSpPr>
-          <p:cNvPr id="20" name="Rectangle 19">
-            <a:extLst>
-              <a:ext uri="{FF2B5EF4-FFF2-40B4-BE49-F238E27FC236}">
-                <a16:creationId xmlns:a16="http://schemas.microsoft.com/office/drawing/2014/main" id="{BB16DEE3-D2E6-4C05-BCDE-B375A610CDB2}"/>
-              </a:ext>
-            </a:extLst>
-          </p:cNvPr>
-          <p:cNvSpPr/>
-          <p:nvPr/>
-        </p:nvSpPr>
-        <p:spPr>
-          <a:xfrm>
-            <a:off x="8423562" y="4551218"/>
-            <a:ext cx="1043709" cy="914400"/>
-          </a:xfrm>
-          <a:prstGeom prst="rect">
-            <a:avLst/>
-          </a:prstGeom>
-        </p:spPr>
-        <p:style>
-          <a:lnRef idx="2">
-            <a:schemeClr val="accent4">
-              <a:shade val="50000"/>
-            </a:schemeClr>
-          </a:lnRef>
-          <a:fillRef idx="1">
-            <a:schemeClr val="accent4"/>
-          </a:fillRef>
-          <a:effectRef idx="0">
-            <a:schemeClr val="accent4"/>
-          </a:effectRef>
-          <a:fontRef idx="minor">
-            <a:schemeClr val="lt1"/>
-          </a:fontRef>
-        </p:style>
-        <p:txBody>
-          <a:bodyPr rtlCol="0" anchor="ctr"/>
-          <a:lstStyle/>
-          <a:p>
-            <a:pPr algn="ctr"/>
-            <a:endParaRPr lang="en-US"/>
-          </a:p>
-        </p:txBody>
-      </p:sp>
+            <a:r>
+              <a:rPr lang="en-US" dirty="0" err="1"/>
+              <a:t>Puttt</a:t>
+            </a:r>
+            <a:endParaRPr lang="en-US" dirty="0"/>
+          </a:p>
+        </p:txBody>
+      </p:sp>
+      <p:grpSp>
+        <p:nvGrpSpPr>
+          <p:cNvPr id="26" name="Group 25">
+            <a:extLst>
+              <a:ext uri="{FF2B5EF4-FFF2-40B4-BE49-F238E27FC236}">
+                <a16:creationId xmlns:a16="http://schemas.microsoft.com/office/drawing/2014/main" id="{5C1C3D09-1172-45A7-B4BE-C777BD1547FE}"/>
+              </a:ext>
+            </a:extLst>
+          </p:cNvPr>
+          <p:cNvGrpSpPr/>
+          <p:nvPr/>
+        </p:nvGrpSpPr>
+        <p:grpSpPr>
+          <a:xfrm>
+            <a:off x="10109200" y="4274128"/>
+            <a:ext cx="2484581" cy="2521527"/>
+            <a:chOff x="7176655" y="4232563"/>
+            <a:chExt cx="2484581" cy="2521527"/>
+          </a:xfrm>
+        </p:grpSpPr>
+        <p:sp>
+          <p:nvSpPr>
+            <p:cNvPr id="27" name="Rectangle 26">
+              <a:extLst>
+                <a:ext uri="{FF2B5EF4-FFF2-40B4-BE49-F238E27FC236}">
+                  <a16:creationId xmlns:a16="http://schemas.microsoft.com/office/drawing/2014/main" id="{862D270C-4530-417C-B9CD-E8072A071BA7}"/>
+                </a:ext>
+              </a:extLst>
+            </p:cNvPr>
+            <p:cNvSpPr/>
+            <p:nvPr/>
+          </p:nvSpPr>
+          <p:spPr>
+            <a:xfrm>
+              <a:off x="7176655" y="4232563"/>
+              <a:ext cx="2484581" cy="2521527"/>
+            </a:xfrm>
+            <a:prstGeom prst="rect">
+              <a:avLst/>
+            </a:prstGeom>
+          </p:spPr>
+          <p:style>
+            <a:lnRef idx="2">
+              <a:schemeClr val="accent1">
+                <a:shade val="50000"/>
+              </a:schemeClr>
+            </a:lnRef>
+            <a:fillRef idx="1">
+              <a:schemeClr val="accent1"/>
+            </a:fillRef>
+            <a:effectRef idx="0">
+              <a:schemeClr val="accent1"/>
+            </a:effectRef>
+            <a:fontRef idx="minor">
+              <a:schemeClr val="lt1"/>
+            </a:fontRef>
+          </p:style>
+          <p:txBody>
+            <a:bodyPr rtlCol="0" anchor="ctr"/>
+            <a:lstStyle/>
+            <a:p>
+              <a:pPr algn="ctr"/>
+              <a:endParaRPr lang="en-US"/>
+            </a:p>
+          </p:txBody>
+        </p:sp>
+        <p:sp>
+          <p:nvSpPr>
+            <p:cNvPr id="28" name="Rectangle 27">
+              <a:extLst>
+                <a:ext uri="{FF2B5EF4-FFF2-40B4-BE49-F238E27FC236}">
+                  <a16:creationId xmlns:a16="http://schemas.microsoft.com/office/drawing/2014/main" id="{6C5A4892-A9E5-4E82-AFE9-C5BE90AF3638}"/>
+                </a:ext>
+              </a:extLst>
+            </p:cNvPr>
+            <p:cNvSpPr/>
+            <p:nvPr/>
+          </p:nvSpPr>
+          <p:spPr>
+            <a:xfrm>
+              <a:off x="7305964" y="4421909"/>
+              <a:ext cx="1043709" cy="914400"/>
+            </a:xfrm>
+            <a:prstGeom prst="rect">
+              <a:avLst/>
+            </a:prstGeom>
+          </p:spPr>
+          <p:style>
+            <a:lnRef idx="2">
+              <a:schemeClr val="accent4">
+                <a:shade val="50000"/>
+              </a:schemeClr>
+            </a:lnRef>
+            <a:fillRef idx="1">
+              <a:schemeClr val="accent4"/>
+            </a:fillRef>
+            <a:effectRef idx="0">
+              <a:schemeClr val="accent4"/>
+            </a:effectRef>
+            <a:fontRef idx="minor">
+              <a:schemeClr val="lt1"/>
+            </a:fontRef>
+          </p:style>
+          <p:txBody>
+            <a:bodyPr rtlCol="0" anchor="ctr"/>
+            <a:lstStyle/>
+            <a:p>
+              <a:pPr algn="ctr"/>
+              <a:endParaRPr lang="en-US"/>
+            </a:p>
+          </p:txBody>
+        </p:sp>
+        <p:sp>
+          <p:nvSpPr>
+            <p:cNvPr id="29" name="Rectangle 28">
+              <a:extLst>
+                <a:ext uri="{FF2B5EF4-FFF2-40B4-BE49-F238E27FC236}">
+                  <a16:creationId xmlns:a16="http://schemas.microsoft.com/office/drawing/2014/main" id="{CF0F085E-018F-4605-8AA1-4C8A135C266F}"/>
+                </a:ext>
+              </a:extLst>
+            </p:cNvPr>
+            <p:cNvSpPr/>
+            <p:nvPr/>
+          </p:nvSpPr>
+          <p:spPr>
+            <a:xfrm>
+              <a:off x="8442037" y="4417290"/>
+              <a:ext cx="1043709" cy="914400"/>
+            </a:xfrm>
+            <a:prstGeom prst="rect">
+              <a:avLst/>
+            </a:prstGeom>
+          </p:spPr>
+          <p:style>
+            <a:lnRef idx="2">
+              <a:schemeClr val="accent4">
+                <a:shade val="50000"/>
+              </a:schemeClr>
+            </a:lnRef>
+            <a:fillRef idx="1">
+              <a:schemeClr val="accent4"/>
+            </a:fillRef>
+            <a:effectRef idx="0">
+              <a:schemeClr val="accent4"/>
+            </a:effectRef>
+            <a:fontRef idx="minor">
+              <a:schemeClr val="lt1"/>
+            </a:fontRef>
+          </p:style>
+          <p:txBody>
+            <a:bodyPr rtlCol="0" anchor="ctr"/>
+            <a:lstStyle/>
+            <a:p>
+              <a:pPr algn="ctr"/>
+              <a:endParaRPr lang="en-US"/>
+            </a:p>
+          </p:txBody>
+        </p:sp>
+      </p:grpSp>
     </p:spTree>
     <p:extLst>
       <p:ext uri="{BB962C8B-B14F-4D97-AF65-F5344CB8AC3E}">

--- a/AWSPresentation1.pptx
+++ b/AWSPresentation1.pptx
@@ -22,6 +22,7 @@
     <p:sldId id="269" r:id="rId16"/>
     <p:sldId id="268" r:id="rId17"/>
     <p:sldId id="267" r:id="rId18"/>
+    <p:sldId id="273" r:id="rId19"/>
   </p:sldIdLst>
   <p:sldSz cx="12192000" cy="6858000"/>
   <p:notesSz cx="6858000" cy="9144000"/>
@@ -146,6 +147,7 @@
             <p14:sldId id="269"/>
             <p14:sldId id="268"/>
             <p14:sldId id="267"/>
+            <p14:sldId id="273"/>
           </p14:sldIdLst>
         </p14:section>
       </p14:sectionLst>
@@ -304,7 +306,7 @@
           <a:p>
             <a:fld id="{514B463D-3EF5-4A22-BC21-7B63AB95E5E7}" type="datetimeFigureOut">
               <a:rPr lang="en-US" smtClean="0"/>
-              <a:t>6/30/2020</a:t>
+              <a:t>7/1/2020</a:t>
             </a:fld>
             <a:endParaRPr lang="en-US"/>
           </a:p>
@@ -502,7 +504,7 @@
           <a:p>
             <a:fld id="{514B463D-3EF5-4A22-BC21-7B63AB95E5E7}" type="datetimeFigureOut">
               <a:rPr lang="en-US" smtClean="0"/>
-              <a:t>6/30/2020</a:t>
+              <a:t>7/1/2020</a:t>
             </a:fld>
             <a:endParaRPr lang="en-US"/>
           </a:p>
@@ -710,7 +712,7 @@
           <a:p>
             <a:fld id="{514B463D-3EF5-4A22-BC21-7B63AB95E5E7}" type="datetimeFigureOut">
               <a:rPr lang="en-US" smtClean="0"/>
-              <a:t>6/30/2020</a:t>
+              <a:t>7/1/2020</a:t>
             </a:fld>
             <a:endParaRPr lang="en-US"/>
           </a:p>
@@ -908,7 +910,7 @@
           <a:p>
             <a:fld id="{514B463D-3EF5-4A22-BC21-7B63AB95E5E7}" type="datetimeFigureOut">
               <a:rPr lang="en-US" smtClean="0"/>
-              <a:t>6/30/2020</a:t>
+              <a:t>7/1/2020</a:t>
             </a:fld>
             <a:endParaRPr lang="en-US"/>
           </a:p>
@@ -1183,7 +1185,7 @@
           <a:p>
             <a:fld id="{514B463D-3EF5-4A22-BC21-7B63AB95E5E7}" type="datetimeFigureOut">
               <a:rPr lang="en-US" smtClean="0"/>
-              <a:t>6/30/2020</a:t>
+              <a:t>7/1/2020</a:t>
             </a:fld>
             <a:endParaRPr lang="en-US"/>
           </a:p>
@@ -1448,7 +1450,7 @@
           <a:p>
             <a:fld id="{514B463D-3EF5-4A22-BC21-7B63AB95E5E7}" type="datetimeFigureOut">
               <a:rPr lang="en-US" smtClean="0"/>
-              <a:t>6/30/2020</a:t>
+              <a:t>7/1/2020</a:t>
             </a:fld>
             <a:endParaRPr lang="en-US"/>
           </a:p>
@@ -1860,7 +1862,7 @@
           <a:p>
             <a:fld id="{514B463D-3EF5-4A22-BC21-7B63AB95E5E7}" type="datetimeFigureOut">
               <a:rPr lang="en-US" smtClean="0"/>
-              <a:t>6/30/2020</a:t>
+              <a:t>7/1/2020</a:t>
             </a:fld>
             <a:endParaRPr lang="en-US"/>
           </a:p>
@@ -2001,7 +2003,7 @@
           <a:p>
             <a:fld id="{514B463D-3EF5-4A22-BC21-7B63AB95E5E7}" type="datetimeFigureOut">
               <a:rPr lang="en-US" smtClean="0"/>
-              <a:t>6/30/2020</a:t>
+              <a:t>7/1/2020</a:t>
             </a:fld>
             <a:endParaRPr lang="en-US"/>
           </a:p>
@@ -2114,7 +2116,7 @@
           <a:p>
             <a:fld id="{514B463D-3EF5-4A22-BC21-7B63AB95E5E7}" type="datetimeFigureOut">
               <a:rPr lang="en-US" smtClean="0"/>
-              <a:t>6/30/2020</a:t>
+              <a:t>7/1/2020</a:t>
             </a:fld>
             <a:endParaRPr lang="en-US"/>
           </a:p>
@@ -2425,7 +2427,7 @@
           <a:p>
             <a:fld id="{514B463D-3EF5-4A22-BC21-7B63AB95E5E7}" type="datetimeFigureOut">
               <a:rPr lang="en-US" smtClean="0"/>
-              <a:t>6/30/2020</a:t>
+              <a:t>7/1/2020</a:t>
             </a:fld>
             <a:endParaRPr lang="en-US"/>
           </a:p>
@@ -2713,7 +2715,7 @@
           <a:p>
             <a:fld id="{514B463D-3EF5-4A22-BC21-7B63AB95E5E7}" type="datetimeFigureOut">
               <a:rPr lang="en-US" smtClean="0"/>
-              <a:t>6/30/2020</a:t>
+              <a:t>7/1/2020</a:t>
             </a:fld>
             <a:endParaRPr lang="en-US"/>
           </a:p>
@@ -2954,7 +2956,7 @@
           <a:p>
             <a:fld id="{514B463D-3EF5-4A22-BC21-7B63AB95E5E7}" type="datetimeFigureOut">
               <a:rPr lang="en-US" smtClean="0"/>
-              <a:t>6/30/2020</a:t>
+              <a:t>7/1/2020</a:t>
             </a:fld>
             <a:endParaRPr lang="en-US"/>
           </a:p>
@@ -11872,7 +11874,7 @@
         </p:nvGrpSpPr>
         <p:grpSpPr>
           <a:xfrm>
-            <a:off x="7176655" y="4232563"/>
+            <a:off x="6867237" y="4253346"/>
             <a:ext cx="2484581" cy="2521527"/>
             <a:chOff x="7176655" y="4232563"/>
             <a:chExt cx="2484581" cy="2521527"/>
@@ -12019,302 +12021,6 @@
       </p:grpSp>
       <p:grpSp>
         <p:nvGrpSpPr>
-          <p:cNvPr id="9" name="Group 8">
-            <a:extLst>
-              <a:ext uri="{FF2B5EF4-FFF2-40B4-BE49-F238E27FC236}">
-                <a16:creationId xmlns:a16="http://schemas.microsoft.com/office/drawing/2014/main" id="{8EDDE38E-3FBA-457D-8A4A-6E6F6F3F1BB2}"/>
-              </a:ext>
-            </a:extLst>
-          </p:cNvPr>
-          <p:cNvGrpSpPr/>
-          <p:nvPr/>
-        </p:nvGrpSpPr>
-        <p:grpSpPr>
-          <a:xfrm>
-            <a:off x="4170220" y="4232563"/>
-            <a:ext cx="2484581" cy="2521527"/>
-            <a:chOff x="4202547" y="4257963"/>
-            <a:chExt cx="2484581" cy="2521527"/>
-          </a:xfrm>
-        </p:grpSpPr>
-        <p:sp>
-          <p:nvSpPr>
-            <p:cNvPr id="23" name="Rectangle 22">
-              <a:extLst>
-                <a:ext uri="{FF2B5EF4-FFF2-40B4-BE49-F238E27FC236}">
-                  <a16:creationId xmlns:a16="http://schemas.microsoft.com/office/drawing/2014/main" id="{12C3CBAB-D567-4A0B-8717-B93737E2072D}"/>
-                </a:ext>
-              </a:extLst>
-            </p:cNvPr>
-            <p:cNvSpPr/>
-            <p:nvPr/>
-          </p:nvSpPr>
-          <p:spPr>
-            <a:xfrm>
-              <a:off x="4202547" y="4257963"/>
-              <a:ext cx="2484581" cy="2521527"/>
-            </a:xfrm>
-            <a:prstGeom prst="rect">
-              <a:avLst/>
-            </a:prstGeom>
-          </p:spPr>
-          <p:style>
-            <a:lnRef idx="2">
-              <a:schemeClr val="accent1">
-                <a:shade val="50000"/>
-              </a:schemeClr>
-            </a:lnRef>
-            <a:fillRef idx="1">
-              <a:schemeClr val="accent1"/>
-            </a:fillRef>
-            <a:effectRef idx="0">
-              <a:schemeClr val="accent1"/>
-            </a:effectRef>
-            <a:fontRef idx="minor">
-              <a:schemeClr val="lt1"/>
-            </a:fontRef>
-          </p:style>
-          <p:txBody>
-            <a:bodyPr rtlCol="0" anchor="ctr"/>
-            <a:lstStyle/>
-            <a:p>
-              <a:pPr algn="ctr"/>
-              <a:endParaRPr lang="en-US"/>
-            </a:p>
-          </p:txBody>
-        </p:sp>
-        <p:sp>
-          <p:nvSpPr>
-            <p:cNvPr id="25" name="Rectangle 24">
-              <a:extLst>
-                <a:ext uri="{FF2B5EF4-FFF2-40B4-BE49-F238E27FC236}">
-                  <a16:creationId xmlns:a16="http://schemas.microsoft.com/office/drawing/2014/main" id="{4ABE5095-0BB2-4293-BCB1-C03A07B0A4DB}"/>
-                </a:ext>
-              </a:extLst>
-            </p:cNvPr>
-            <p:cNvSpPr/>
-            <p:nvPr/>
-          </p:nvSpPr>
-          <p:spPr>
-            <a:xfrm>
-              <a:off x="4230256" y="4408053"/>
-              <a:ext cx="2429163" cy="1346201"/>
-            </a:xfrm>
-            <a:prstGeom prst="rect">
-              <a:avLst/>
-            </a:prstGeom>
-          </p:spPr>
-          <p:style>
-            <a:lnRef idx="2">
-              <a:schemeClr val="accent6">
-                <a:shade val="50000"/>
-              </a:schemeClr>
-            </a:lnRef>
-            <a:fillRef idx="1">
-              <a:schemeClr val="accent6"/>
-            </a:fillRef>
-            <a:effectRef idx="0">
-              <a:schemeClr val="accent6"/>
-            </a:effectRef>
-            <a:fontRef idx="minor">
-              <a:schemeClr val="lt1"/>
-            </a:fontRef>
-          </p:style>
-          <p:txBody>
-            <a:bodyPr rtlCol="0" anchor="ctr"/>
-            <a:lstStyle/>
-            <a:p>
-              <a:pPr algn="ctr"/>
-              <a:endParaRPr lang="en-US"/>
-            </a:p>
-          </p:txBody>
-        </p:sp>
-        <p:sp>
-          <p:nvSpPr>
-            <p:cNvPr id="19" name="Rectangle 18">
-              <a:extLst>
-                <a:ext uri="{FF2B5EF4-FFF2-40B4-BE49-F238E27FC236}">
-                  <a16:creationId xmlns:a16="http://schemas.microsoft.com/office/drawing/2014/main" id="{2C39E524-ABDA-41B8-A61E-A6F8D5D5E543}"/>
-                </a:ext>
-              </a:extLst>
-            </p:cNvPr>
-            <p:cNvSpPr/>
-            <p:nvPr/>
-          </p:nvSpPr>
-          <p:spPr>
-            <a:xfrm>
-              <a:off x="4354946" y="4602017"/>
-              <a:ext cx="1043709" cy="914400"/>
-            </a:xfrm>
-            <a:prstGeom prst="rect">
-              <a:avLst/>
-            </a:prstGeom>
-          </p:spPr>
-          <p:style>
-            <a:lnRef idx="2">
-              <a:schemeClr val="accent4">
-                <a:shade val="50000"/>
-              </a:schemeClr>
-            </a:lnRef>
-            <a:fillRef idx="1">
-              <a:schemeClr val="accent4"/>
-            </a:fillRef>
-            <a:effectRef idx="0">
-              <a:schemeClr val="accent4"/>
-            </a:effectRef>
-            <a:fontRef idx="minor">
-              <a:schemeClr val="lt1"/>
-            </a:fontRef>
-          </p:style>
-          <p:txBody>
-            <a:bodyPr rtlCol="0" anchor="ctr"/>
-            <a:lstStyle/>
-            <a:p>
-              <a:pPr algn="ctr"/>
-              <a:endParaRPr lang="en-US"/>
-            </a:p>
-          </p:txBody>
-        </p:sp>
-        <p:sp>
-          <p:nvSpPr>
-            <p:cNvPr id="20" name="Rectangle 19">
-              <a:extLst>
-                <a:ext uri="{FF2B5EF4-FFF2-40B4-BE49-F238E27FC236}">
-                  <a16:creationId xmlns:a16="http://schemas.microsoft.com/office/drawing/2014/main" id="{BB16DEE3-D2E6-4C05-BCDE-B375A610CDB2}"/>
-                </a:ext>
-              </a:extLst>
-            </p:cNvPr>
-            <p:cNvSpPr/>
-            <p:nvPr/>
-          </p:nvSpPr>
-          <p:spPr>
-            <a:xfrm>
-              <a:off x="5523345" y="4588163"/>
-              <a:ext cx="1043709" cy="914400"/>
-            </a:xfrm>
-            <a:prstGeom prst="rect">
-              <a:avLst/>
-            </a:prstGeom>
-          </p:spPr>
-          <p:style>
-            <a:lnRef idx="2">
-              <a:schemeClr val="accent4">
-                <a:shade val="50000"/>
-              </a:schemeClr>
-            </a:lnRef>
-            <a:fillRef idx="1">
-              <a:schemeClr val="accent4"/>
-            </a:fillRef>
-            <a:effectRef idx="0">
-              <a:schemeClr val="accent4"/>
-            </a:effectRef>
-            <a:fontRef idx="minor">
-              <a:schemeClr val="lt1"/>
-            </a:fontRef>
-          </p:style>
-          <p:txBody>
-            <a:bodyPr rtlCol="0" anchor="ctr"/>
-            <a:lstStyle/>
-            <a:p>
-              <a:pPr algn="ctr"/>
-              <a:endParaRPr lang="en-US"/>
-            </a:p>
-          </p:txBody>
-        </p:sp>
-      </p:grpSp>
-      <p:cxnSp>
-        <p:nvCxnSpPr>
-          <p:cNvPr id="3" name="Connector: Elbow 2">
-            <a:extLst>
-              <a:ext uri="{FF2B5EF4-FFF2-40B4-BE49-F238E27FC236}">
-                <a16:creationId xmlns:a16="http://schemas.microsoft.com/office/drawing/2014/main" id="{AF5BCA5F-A1A4-4520-B79B-F8C1340C89D4}"/>
-              </a:ext>
-            </a:extLst>
-          </p:cNvPr>
-          <p:cNvCxnSpPr>
-            <a:endCxn id="23" idx="1"/>
-          </p:cNvCxnSpPr>
-          <p:nvPr/>
-        </p:nvCxnSpPr>
-        <p:spPr>
-          <a:xfrm>
-            <a:off x="180111" y="5477163"/>
-            <a:ext cx="3990109" cy="16164"/>
-          </a:xfrm>
-          <a:prstGeom prst="bentConnector3">
-            <a:avLst/>
-          </a:prstGeom>
-          <a:ln>
-            <a:tailEnd type="triangle"/>
-          </a:ln>
-        </p:spPr>
-        <p:style>
-          <a:lnRef idx="1">
-            <a:schemeClr val="accent1"/>
-          </a:lnRef>
-          <a:fillRef idx="0">
-            <a:schemeClr val="accent1"/>
-          </a:fillRef>
-          <a:effectRef idx="0">
-            <a:schemeClr val="accent1"/>
-          </a:effectRef>
-          <a:fontRef idx="minor">
-            <a:schemeClr val="tx1"/>
-          </a:fontRef>
-        </p:style>
-      </p:cxnSp>
-      <p:sp>
-        <p:nvSpPr>
-          <p:cNvPr id="5" name="Rectangle 4">
-            <a:extLst>
-              <a:ext uri="{FF2B5EF4-FFF2-40B4-BE49-F238E27FC236}">
-                <a16:creationId xmlns:a16="http://schemas.microsoft.com/office/drawing/2014/main" id="{515F0664-2FFD-40FE-B1F6-34227D71D9C6}"/>
-              </a:ext>
-            </a:extLst>
-          </p:cNvPr>
-          <p:cNvSpPr/>
-          <p:nvPr/>
-        </p:nvSpPr>
-        <p:spPr>
-          <a:xfrm>
-            <a:off x="840509" y="4655127"/>
-            <a:ext cx="2272146" cy="1514764"/>
-          </a:xfrm>
-          <a:prstGeom prst="rect">
-            <a:avLst/>
-          </a:prstGeom>
-        </p:spPr>
-        <p:style>
-          <a:lnRef idx="2">
-            <a:schemeClr val="accent1">
-              <a:shade val="50000"/>
-            </a:schemeClr>
-          </a:lnRef>
-          <a:fillRef idx="1">
-            <a:schemeClr val="accent1"/>
-          </a:fillRef>
-          <a:effectRef idx="0">
-            <a:schemeClr val="accent1"/>
-          </a:effectRef>
-          <a:fontRef idx="minor">
-            <a:schemeClr val="lt1"/>
-          </a:fontRef>
-        </p:style>
-        <p:txBody>
-          <a:bodyPr rtlCol="0" anchor="ctr"/>
-          <a:lstStyle/>
-          <a:p>
-            <a:pPr algn="ctr"/>
-            <a:r>
-              <a:rPr lang="en-US" dirty="0" err="1"/>
-              <a:t>Puttt</a:t>
-            </a:r>
-            <a:endParaRPr lang="en-US" dirty="0"/>
-          </a:p>
-        </p:txBody>
-      </p:sp>
-      <p:grpSp>
-        <p:nvGrpSpPr>
           <p:cNvPr id="26" name="Group 25">
             <a:extLst>
               <a:ext uri="{FF2B5EF4-FFF2-40B4-BE49-F238E27FC236}">
@@ -12472,10 +12178,1453 @@
           </p:txBody>
         </p:sp>
       </p:grpSp>
+      <p:sp>
+        <p:nvSpPr>
+          <p:cNvPr id="2" name="Rectangle 1">
+            <a:extLst>
+              <a:ext uri="{FF2B5EF4-FFF2-40B4-BE49-F238E27FC236}">
+                <a16:creationId xmlns:a16="http://schemas.microsoft.com/office/drawing/2014/main" id="{287EB7D7-81CE-49A5-9619-4C2727A5F49F}"/>
+              </a:ext>
+            </a:extLst>
+          </p:cNvPr>
+          <p:cNvSpPr/>
+          <p:nvPr/>
+        </p:nvSpPr>
+        <p:spPr>
+          <a:xfrm>
+            <a:off x="2761673" y="4849554"/>
+            <a:ext cx="4304145" cy="45719"/>
+          </a:xfrm>
+          <a:prstGeom prst="rect">
+            <a:avLst/>
+          </a:prstGeom>
+        </p:spPr>
+        <p:style>
+          <a:lnRef idx="2">
+            <a:schemeClr val="accent1">
+              <a:shade val="50000"/>
+            </a:schemeClr>
+          </a:lnRef>
+          <a:fillRef idx="1">
+            <a:schemeClr val="accent1"/>
+          </a:fillRef>
+          <a:effectRef idx="0">
+            <a:schemeClr val="accent1"/>
+          </a:effectRef>
+          <a:fontRef idx="minor">
+            <a:schemeClr val="lt1"/>
+          </a:fontRef>
+        </p:style>
+        <p:txBody>
+          <a:bodyPr rtlCol="0" anchor="ctr"/>
+          <a:lstStyle/>
+          <a:p>
+            <a:pPr algn="ctr"/>
+            <a:endParaRPr lang="en-US"/>
+          </a:p>
+        </p:txBody>
+      </p:sp>
+      <p:sp>
+        <p:nvSpPr>
+          <p:cNvPr id="15" name="Rectangle 14">
+            <a:extLst>
+              <a:ext uri="{FF2B5EF4-FFF2-40B4-BE49-F238E27FC236}">
+                <a16:creationId xmlns:a16="http://schemas.microsoft.com/office/drawing/2014/main" id="{968A01C2-F2A4-4CCF-A2FC-E4011D6CC182}"/>
+              </a:ext>
+            </a:extLst>
+          </p:cNvPr>
+          <p:cNvSpPr/>
+          <p:nvPr/>
+        </p:nvSpPr>
+        <p:spPr>
+          <a:xfrm>
+            <a:off x="2512291" y="4274128"/>
+            <a:ext cx="434107" cy="1424708"/>
+          </a:xfrm>
+          <a:prstGeom prst="rect">
+            <a:avLst/>
+          </a:prstGeom>
+        </p:spPr>
+        <p:style>
+          <a:lnRef idx="2">
+            <a:schemeClr val="accent1">
+              <a:shade val="50000"/>
+            </a:schemeClr>
+          </a:lnRef>
+          <a:fillRef idx="1">
+            <a:schemeClr val="accent1"/>
+          </a:fillRef>
+          <a:effectRef idx="0">
+            <a:schemeClr val="accent1"/>
+          </a:effectRef>
+          <a:fontRef idx="minor">
+            <a:schemeClr val="lt1"/>
+          </a:fontRef>
+        </p:style>
+        <p:txBody>
+          <a:bodyPr rtlCol="0" anchor="ctr"/>
+          <a:lstStyle/>
+          <a:p>
+            <a:pPr algn="ctr"/>
+            <a:endParaRPr lang="en-US"/>
+          </a:p>
+        </p:txBody>
+      </p:sp>
+      <p:cxnSp>
+        <p:nvCxnSpPr>
+          <p:cNvPr id="30" name="Straight Arrow Connector 29">
+            <a:extLst>
+              <a:ext uri="{FF2B5EF4-FFF2-40B4-BE49-F238E27FC236}">
+                <a16:creationId xmlns:a16="http://schemas.microsoft.com/office/drawing/2014/main" id="{5251C05D-3196-485D-90CC-95845CD269BA}"/>
+              </a:ext>
+            </a:extLst>
+          </p:cNvPr>
+          <p:cNvCxnSpPr/>
+          <p:nvPr/>
+        </p:nvCxnSpPr>
+        <p:spPr>
+          <a:xfrm>
+            <a:off x="609600" y="5025045"/>
+            <a:ext cx="1985818" cy="0"/>
+          </a:xfrm>
+          <a:prstGeom prst="straightConnector1">
+            <a:avLst/>
+          </a:prstGeom>
+          <a:ln>
+            <a:tailEnd type="triangle"/>
+          </a:ln>
+        </p:spPr>
+        <p:style>
+          <a:lnRef idx="1">
+            <a:schemeClr val="accent1"/>
+          </a:lnRef>
+          <a:fillRef idx="0">
+            <a:schemeClr val="accent1"/>
+          </a:fillRef>
+          <a:effectRef idx="0">
+            <a:schemeClr val="accent1"/>
+          </a:effectRef>
+          <a:fontRef idx="minor">
+            <a:schemeClr val="tx1"/>
+          </a:fontRef>
+        </p:style>
+      </p:cxnSp>
     </p:spTree>
     <p:extLst>
       <p:ext uri="{BB962C8B-B14F-4D97-AF65-F5344CB8AC3E}">
         <p14:creationId xmlns:p14="http://schemas.microsoft.com/office/powerpoint/2010/main" val="1149983128"/>
+      </p:ext>
+    </p:extLst>
+  </p:cSld>
+  <p:clrMapOvr>
+    <a:masterClrMapping/>
+  </p:clrMapOvr>
+</p:sld>
+</file>
+
+<file path=ppt/slides/slide18.xml><?xml version="1.0" encoding="utf-8"?>
+<p:sld xmlns:a="http://schemas.openxmlformats.org/drawingml/2006/main" xmlns:r="http://schemas.openxmlformats.org/officeDocument/2006/relationships" xmlns:p="http://schemas.openxmlformats.org/presentationml/2006/main">
+  <p:cSld>
+    <p:spTree>
+      <p:nvGrpSpPr>
+        <p:cNvPr id="1" name=""/>
+        <p:cNvGrpSpPr/>
+        <p:nvPr/>
+      </p:nvGrpSpPr>
+      <p:grpSpPr>
+        <a:xfrm>
+          <a:off x="0" y="0"/>
+          <a:ext cx="0" cy="0"/>
+          <a:chOff x="0" y="0"/>
+          <a:chExt cx="0" cy="0"/>
+        </a:xfrm>
+      </p:grpSpPr>
+      <p:sp>
+        <p:nvSpPr>
+          <p:cNvPr id="4" name="Rectangle 3">
+            <a:extLst>
+              <a:ext uri="{FF2B5EF4-FFF2-40B4-BE49-F238E27FC236}">
+                <a16:creationId xmlns:a16="http://schemas.microsoft.com/office/drawing/2014/main" id="{A035D121-71A0-4615-A334-5E42FDB90715}"/>
+              </a:ext>
+            </a:extLst>
+          </p:cNvPr>
+          <p:cNvSpPr/>
+          <p:nvPr/>
+        </p:nvSpPr>
+        <p:spPr>
+          <a:xfrm>
+            <a:off x="7758545" y="387927"/>
+            <a:ext cx="3953164" cy="1431637"/>
+          </a:xfrm>
+          <a:prstGeom prst="rect">
+            <a:avLst/>
+          </a:prstGeom>
+        </p:spPr>
+        <p:style>
+          <a:lnRef idx="2">
+            <a:schemeClr val="accent1">
+              <a:shade val="50000"/>
+            </a:schemeClr>
+          </a:lnRef>
+          <a:fillRef idx="1">
+            <a:schemeClr val="accent1"/>
+          </a:fillRef>
+          <a:effectRef idx="0">
+            <a:schemeClr val="accent1"/>
+          </a:effectRef>
+          <a:fontRef idx="minor">
+            <a:schemeClr val="lt1"/>
+          </a:fontRef>
+        </p:style>
+        <p:txBody>
+          <a:bodyPr rtlCol="0" anchor="ctr"/>
+          <a:lstStyle/>
+          <a:p>
+            <a:pPr algn="ctr"/>
+            <a:r>
+              <a:rPr lang="en-US" sz="1600" dirty="0"/>
+              <a:t>Master</a:t>
+            </a:r>
+          </a:p>
+        </p:txBody>
+      </p:sp>
+      <p:sp>
+        <p:nvSpPr>
+          <p:cNvPr id="5" name="Rectangle 4">
+            <a:extLst>
+              <a:ext uri="{FF2B5EF4-FFF2-40B4-BE49-F238E27FC236}">
+                <a16:creationId xmlns:a16="http://schemas.microsoft.com/office/drawing/2014/main" id="{7A361F59-83A6-4D2F-86C6-8C54AD4182CD}"/>
+              </a:ext>
+            </a:extLst>
+          </p:cNvPr>
+          <p:cNvSpPr/>
+          <p:nvPr/>
+        </p:nvSpPr>
+        <p:spPr>
+          <a:xfrm>
+            <a:off x="7758545" y="2419927"/>
+            <a:ext cx="1727200" cy="1431637"/>
+          </a:xfrm>
+          <a:prstGeom prst="rect">
+            <a:avLst/>
+          </a:prstGeom>
+        </p:spPr>
+        <p:style>
+          <a:lnRef idx="2">
+            <a:schemeClr val="accent1">
+              <a:shade val="50000"/>
+            </a:schemeClr>
+          </a:lnRef>
+          <a:fillRef idx="1">
+            <a:schemeClr val="accent1"/>
+          </a:fillRef>
+          <a:effectRef idx="0">
+            <a:schemeClr val="accent1"/>
+          </a:effectRef>
+          <a:fontRef idx="minor">
+            <a:schemeClr val="lt1"/>
+          </a:fontRef>
+        </p:style>
+        <p:txBody>
+          <a:bodyPr rtlCol="0" anchor="ctr"/>
+          <a:lstStyle/>
+          <a:p>
+            <a:pPr algn="ctr"/>
+            <a:r>
+              <a:rPr lang="en-US" sz="1600" dirty="0"/>
+              <a:t>Node01</a:t>
+            </a:r>
+          </a:p>
+        </p:txBody>
+      </p:sp>
+      <p:sp>
+        <p:nvSpPr>
+          <p:cNvPr id="6" name="Rectangle 5">
+            <a:extLst>
+              <a:ext uri="{FF2B5EF4-FFF2-40B4-BE49-F238E27FC236}">
+                <a16:creationId xmlns:a16="http://schemas.microsoft.com/office/drawing/2014/main" id="{A9A2846A-80C8-4FDF-8B35-0733B470CA81}"/>
+              </a:ext>
+            </a:extLst>
+          </p:cNvPr>
+          <p:cNvSpPr/>
+          <p:nvPr/>
+        </p:nvSpPr>
+        <p:spPr>
+          <a:xfrm>
+            <a:off x="9984509" y="2419926"/>
+            <a:ext cx="1727200" cy="1431637"/>
+          </a:xfrm>
+          <a:prstGeom prst="rect">
+            <a:avLst/>
+          </a:prstGeom>
+        </p:spPr>
+        <p:style>
+          <a:lnRef idx="2">
+            <a:schemeClr val="accent1">
+              <a:shade val="50000"/>
+            </a:schemeClr>
+          </a:lnRef>
+          <a:fillRef idx="1">
+            <a:schemeClr val="accent1"/>
+          </a:fillRef>
+          <a:effectRef idx="0">
+            <a:schemeClr val="accent1"/>
+          </a:effectRef>
+          <a:fontRef idx="minor">
+            <a:schemeClr val="lt1"/>
+          </a:fontRef>
+        </p:style>
+        <p:txBody>
+          <a:bodyPr rtlCol="0" anchor="ctr"/>
+          <a:lstStyle/>
+          <a:p>
+            <a:pPr algn="ctr"/>
+            <a:r>
+              <a:rPr lang="en-US" sz="1600" dirty="0"/>
+              <a:t>Node2</a:t>
+            </a:r>
+          </a:p>
+        </p:txBody>
+      </p:sp>
+      <p:cxnSp>
+        <p:nvCxnSpPr>
+          <p:cNvPr id="8" name="Connector: Elbow 7">
+            <a:extLst>
+              <a:ext uri="{FF2B5EF4-FFF2-40B4-BE49-F238E27FC236}">
+                <a16:creationId xmlns:a16="http://schemas.microsoft.com/office/drawing/2014/main" id="{03794F53-31DD-4147-9B64-21A23C1CCC7D}"/>
+              </a:ext>
+            </a:extLst>
+          </p:cNvPr>
+          <p:cNvCxnSpPr>
+            <a:stCxn id="4" idx="2"/>
+            <a:endCxn id="5" idx="0"/>
+          </p:cNvCxnSpPr>
+          <p:nvPr/>
+        </p:nvCxnSpPr>
+        <p:spPr>
+          <a:xfrm rot="5400000">
+            <a:off x="8878455" y="1563254"/>
+            <a:ext cx="600363" cy="1112982"/>
+          </a:xfrm>
+          <a:prstGeom prst="bentConnector3">
+            <a:avLst/>
+          </a:prstGeom>
+          <a:ln>
+            <a:tailEnd type="triangle"/>
+          </a:ln>
+        </p:spPr>
+        <p:style>
+          <a:lnRef idx="1">
+            <a:schemeClr val="accent1"/>
+          </a:lnRef>
+          <a:fillRef idx="0">
+            <a:schemeClr val="accent1"/>
+          </a:fillRef>
+          <a:effectRef idx="0">
+            <a:schemeClr val="accent1"/>
+          </a:effectRef>
+          <a:fontRef idx="minor">
+            <a:schemeClr val="tx1"/>
+          </a:fontRef>
+        </p:style>
+      </p:cxnSp>
+      <p:cxnSp>
+        <p:nvCxnSpPr>
+          <p:cNvPr id="10" name="Connector: Elbow 9">
+            <a:extLst>
+              <a:ext uri="{FF2B5EF4-FFF2-40B4-BE49-F238E27FC236}">
+                <a16:creationId xmlns:a16="http://schemas.microsoft.com/office/drawing/2014/main" id="{8E3CF102-08A3-4DCB-9AE9-970406D4E0B0}"/>
+              </a:ext>
+            </a:extLst>
+          </p:cNvPr>
+          <p:cNvCxnSpPr>
+            <a:stCxn id="4" idx="2"/>
+            <a:endCxn id="6" idx="0"/>
+          </p:cNvCxnSpPr>
+          <p:nvPr/>
+        </p:nvCxnSpPr>
+        <p:spPr>
+          <a:xfrm rot="16200000" flipH="1">
+            <a:off x="9991437" y="1563254"/>
+            <a:ext cx="600362" cy="1112982"/>
+          </a:xfrm>
+          <a:prstGeom prst="bentConnector3">
+            <a:avLst/>
+          </a:prstGeom>
+          <a:ln>
+            <a:tailEnd type="triangle"/>
+          </a:ln>
+        </p:spPr>
+        <p:style>
+          <a:lnRef idx="1">
+            <a:schemeClr val="accent1"/>
+          </a:lnRef>
+          <a:fillRef idx="0">
+            <a:schemeClr val="accent1"/>
+          </a:fillRef>
+          <a:effectRef idx="0">
+            <a:schemeClr val="accent1"/>
+          </a:effectRef>
+          <a:fontRef idx="minor">
+            <a:schemeClr val="tx1"/>
+          </a:fontRef>
+        </p:style>
+      </p:cxnSp>
+      <p:sp>
+        <p:nvSpPr>
+          <p:cNvPr id="11" name="Rectangle 10">
+            <a:extLst>
+              <a:ext uri="{FF2B5EF4-FFF2-40B4-BE49-F238E27FC236}">
+                <a16:creationId xmlns:a16="http://schemas.microsoft.com/office/drawing/2014/main" id="{63B690C4-66D6-40A1-8B31-CF0DC701323C}"/>
+              </a:ext>
+            </a:extLst>
+          </p:cNvPr>
+          <p:cNvSpPr/>
+          <p:nvPr/>
+        </p:nvSpPr>
+        <p:spPr>
+          <a:xfrm>
+            <a:off x="7758545" y="3909291"/>
+            <a:ext cx="1727200" cy="163945"/>
+          </a:xfrm>
+          <a:prstGeom prst="rect">
+            <a:avLst/>
+          </a:prstGeom>
+        </p:spPr>
+        <p:style>
+          <a:lnRef idx="2">
+            <a:schemeClr val="accent6">
+              <a:shade val="50000"/>
+            </a:schemeClr>
+          </a:lnRef>
+          <a:fillRef idx="1">
+            <a:schemeClr val="accent6"/>
+          </a:fillRef>
+          <a:effectRef idx="0">
+            <a:schemeClr val="accent6"/>
+          </a:effectRef>
+          <a:fontRef idx="minor">
+            <a:schemeClr val="lt1"/>
+          </a:fontRef>
+        </p:style>
+        <p:txBody>
+          <a:bodyPr rtlCol="0" anchor="ctr"/>
+          <a:lstStyle/>
+          <a:p>
+            <a:pPr algn="ctr"/>
+            <a:endParaRPr lang="en-US" sz="1600"/>
+          </a:p>
+        </p:txBody>
+      </p:sp>
+      <p:sp>
+        <p:nvSpPr>
+          <p:cNvPr id="12" name="Rectangle 11">
+            <a:extLst>
+              <a:ext uri="{FF2B5EF4-FFF2-40B4-BE49-F238E27FC236}">
+                <a16:creationId xmlns:a16="http://schemas.microsoft.com/office/drawing/2014/main" id="{20BC9E8B-8678-449C-8C84-640EA45C5D21}"/>
+              </a:ext>
+            </a:extLst>
+          </p:cNvPr>
+          <p:cNvSpPr/>
+          <p:nvPr/>
+        </p:nvSpPr>
+        <p:spPr>
+          <a:xfrm>
+            <a:off x="8880763" y="4434614"/>
+            <a:ext cx="1727200" cy="163945"/>
+          </a:xfrm>
+          <a:prstGeom prst="rect">
+            <a:avLst/>
+          </a:prstGeom>
+        </p:spPr>
+        <p:style>
+          <a:lnRef idx="2">
+            <a:schemeClr val="accent6">
+              <a:shade val="50000"/>
+            </a:schemeClr>
+          </a:lnRef>
+          <a:fillRef idx="1">
+            <a:schemeClr val="accent6"/>
+          </a:fillRef>
+          <a:effectRef idx="0">
+            <a:schemeClr val="accent6"/>
+          </a:effectRef>
+          <a:fontRef idx="minor">
+            <a:schemeClr val="lt1"/>
+          </a:fontRef>
+        </p:style>
+        <p:txBody>
+          <a:bodyPr rtlCol="0" anchor="ctr"/>
+          <a:lstStyle/>
+          <a:p>
+            <a:pPr algn="ctr"/>
+            <a:endParaRPr lang="en-US" sz="1600"/>
+          </a:p>
+        </p:txBody>
+      </p:sp>
+      <p:sp>
+        <p:nvSpPr>
+          <p:cNvPr id="14" name="Rectangle 13">
+            <a:extLst>
+              <a:ext uri="{FF2B5EF4-FFF2-40B4-BE49-F238E27FC236}">
+                <a16:creationId xmlns:a16="http://schemas.microsoft.com/office/drawing/2014/main" id="{6C6E85AF-10E8-4D0B-A071-53D60B717290}"/>
+              </a:ext>
+            </a:extLst>
+          </p:cNvPr>
+          <p:cNvSpPr/>
+          <p:nvPr/>
+        </p:nvSpPr>
+        <p:spPr>
+          <a:xfrm>
+            <a:off x="7758544" y="166255"/>
+            <a:ext cx="3953163" cy="163944"/>
+          </a:xfrm>
+          <a:prstGeom prst="rect">
+            <a:avLst/>
+          </a:prstGeom>
+        </p:spPr>
+        <p:style>
+          <a:lnRef idx="2">
+            <a:schemeClr val="accent6">
+              <a:shade val="50000"/>
+            </a:schemeClr>
+          </a:lnRef>
+          <a:fillRef idx="1">
+            <a:schemeClr val="accent6"/>
+          </a:fillRef>
+          <a:effectRef idx="0">
+            <a:schemeClr val="accent6"/>
+          </a:effectRef>
+          <a:fontRef idx="minor">
+            <a:schemeClr val="lt1"/>
+          </a:fontRef>
+        </p:style>
+        <p:txBody>
+          <a:bodyPr rtlCol="0" anchor="ctr"/>
+          <a:lstStyle/>
+          <a:p>
+            <a:pPr algn="ctr"/>
+            <a:endParaRPr lang="en-US" sz="1600"/>
+          </a:p>
+        </p:txBody>
+      </p:sp>
+      <p:sp>
+        <p:nvSpPr>
+          <p:cNvPr id="17" name="TextBox 16">
+            <a:extLst>
+              <a:ext uri="{FF2B5EF4-FFF2-40B4-BE49-F238E27FC236}">
+                <a16:creationId xmlns:a16="http://schemas.microsoft.com/office/drawing/2014/main" id="{90F73247-5588-49EF-B4B1-D9E2237A59DB}"/>
+              </a:ext>
+            </a:extLst>
+          </p:cNvPr>
+          <p:cNvSpPr txBox="1"/>
+          <p:nvPr/>
+        </p:nvSpPr>
+        <p:spPr>
+          <a:xfrm>
+            <a:off x="212436" y="387927"/>
+            <a:ext cx="2272146" cy="338554"/>
+          </a:xfrm>
+          <a:prstGeom prst="rect">
+            <a:avLst/>
+          </a:prstGeom>
+          <a:noFill/>
+        </p:spPr>
+        <p:txBody>
+          <a:bodyPr wrap="square" rtlCol="0">
+            <a:spAutoFit/>
+          </a:bodyPr>
+          <a:lstStyle/>
+          <a:p>
+            <a:r>
+              <a:rPr lang="en-US" sz="1600" dirty="0" err="1"/>
+              <a:t>kubectl</a:t>
+            </a:r>
+            <a:endParaRPr lang="en-US" sz="1600" dirty="0"/>
+          </a:p>
+        </p:txBody>
+      </p:sp>
+      <p:cxnSp>
+        <p:nvCxnSpPr>
+          <p:cNvPr id="19" name="Connector: Elbow 18">
+            <a:extLst>
+              <a:ext uri="{FF2B5EF4-FFF2-40B4-BE49-F238E27FC236}">
+                <a16:creationId xmlns:a16="http://schemas.microsoft.com/office/drawing/2014/main" id="{6B24C455-E635-4363-A0BA-70A19A51EC15}"/>
+              </a:ext>
+            </a:extLst>
+          </p:cNvPr>
+          <p:cNvCxnSpPr>
+            <a:endCxn id="14" idx="1"/>
+          </p:cNvCxnSpPr>
+          <p:nvPr/>
+        </p:nvCxnSpPr>
+        <p:spPr>
+          <a:xfrm flipV="1">
+            <a:off x="997527" y="248227"/>
+            <a:ext cx="6761017" cy="287482"/>
+          </a:xfrm>
+          <a:prstGeom prst="bentConnector3">
+            <a:avLst/>
+          </a:prstGeom>
+          <a:ln>
+            <a:tailEnd type="triangle"/>
+          </a:ln>
+        </p:spPr>
+        <p:style>
+          <a:lnRef idx="1">
+            <a:schemeClr val="accent1"/>
+          </a:lnRef>
+          <a:fillRef idx="0">
+            <a:schemeClr val="accent1"/>
+          </a:fillRef>
+          <a:effectRef idx="0">
+            <a:schemeClr val="accent1"/>
+          </a:effectRef>
+          <a:fontRef idx="minor">
+            <a:schemeClr val="tx1"/>
+          </a:fontRef>
+        </p:style>
+      </p:cxnSp>
+      <p:sp>
+        <p:nvSpPr>
+          <p:cNvPr id="20" name="Rectangle: Rounded Corners 19">
+            <a:extLst>
+              <a:ext uri="{FF2B5EF4-FFF2-40B4-BE49-F238E27FC236}">
+                <a16:creationId xmlns:a16="http://schemas.microsoft.com/office/drawing/2014/main" id="{3F2DB8AF-9569-46A2-8B19-8B8F72900581}"/>
+              </a:ext>
+            </a:extLst>
+          </p:cNvPr>
+          <p:cNvSpPr/>
+          <p:nvPr/>
+        </p:nvSpPr>
+        <p:spPr>
+          <a:xfrm>
+            <a:off x="8446654" y="1729508"/>
+            <a:ext cx="2595418" cy="780474"/>
+          </a:xfrm>
+          <a:prstGeom prst="roundRect">
+            <a:avLst/>
+          </a:prstGeom>
+        </p:spPr>
+        <p:style>
+          <a:lnRef idx="2">
+            <a:schemeClr val="accent4">
+              <a:shade val="50000"/>
+            </a:schemeClr>
+          </a:lnRef>
+          <a:fillRef idx="1">
+            <a:schemeClr val="accent4"/>
+          </a:fillRef>
+          <a:effectRef idx="0">
+            <a:schemeClr val="accent4"/>
+          </a:effectRef>
+          <a:fontRef idx="minor">
+            <a:schemeClr val="lt1"/>
+          </a:fontRef>
+        </p:style>
+        <p:txBody>
+          <a:bodyPr rtlCol="0" anchor="ctr"/>
+          <a:lstStyle/>
+          <a:p>
+            <a:pPr algn="ctr"/>
+            <a:r>
+              <a:rPr lang="en-US" sz="1600" dirty="0"/>
+              <a:t>CNI (</a:t>
+            </a:r>
+            <a:r>
+              <a:rPr lang="en-US" sz="1600" dirty="0" err="1"/>
+              <a:t>Clusterip</a:t>
+            </a:r>
+            <a:r>
+              <a:rPr lang="en-US" sz="1600" dirty="0"/>
+              <a:t>)</a:t>
+            </a:r>
+          </a:p>
+        </p:txBody>
+      </p:sp>
+      <p:sp>
+        <p:nvSpPr>
+          <p:cNvPr id="21" name="Rectangle 20">
+            <a:extLst>
+              <a:ext uri="{FF2B5EF4-FFF2-40B4-BE49-F238E27FC236}">
+                <a16:creationId xmlns:a16="http://schemas.microsoft.com/office/drawing/2014/main" id="{14907A98-9E58-480E-B77F-4AD017B0D3C5}"/>
+              </a:ext>
+            </a:extLst>
+          </p:cNvPr>
+          <p:cNvSpPr/>
+          <p:nvPr/>
+        </p:nvSpPr>
+        <p:spPr>
+          <a:xfrm>
+            <a:off x="7906327" y="3409374"/>
+            <a:ext cx="1330037" cy="314036"/>
+          </a:xfrm>
+          <a:prstGeom prst="rect">
+            <a:avLst/>
+          </a:prstGeom>
+        </p:spPr>
+        <p:style>
+          <a:lnRef idx="2">
+            <a:schemeClr val="accent1">
+              <a:shade val="50000"/>
+            </a:schemeClr>
+          </a:lnRef>
+          <a:fillRef idx="1">
+            <a:schemeClr val="accent1"/>
+          </a:fillRef>
+          <a:effectRef idx="0">
+            <a:schemeClr val="accent1"/>
+          </a:effectRef>
+          <a:fontRef idx="minor">
+            <a:schemeClr val="lt1"/>
+          </a:fontRef>
+        </p:style>
+        <p:txBody>
+          <a:bodyPr rtlCol="0" anchor="ctr"/>
+          <a:lstStyle/>
+          <a:p>
+            <a:pPr algn="ctr"/>
+            <a:r>
+              <a:rPr lang="en-US" sz="1200" b="1" dirty="0"/>
+              <a:t>192.168.59.10</a:t>
+            </a:r>
+            <a:endParaRPr lang="en-US" sz="1600" b="1" dirty="0"/>
+          </a:p>
+        </p:txBody>
+      </p:sp>
+      <p:sp>
+        <p:nvSpPr>
+          <p:cNvPr id="22" name="Rectangle 21">
+            <a:extLst>
+              <a:ext uri="{FF2B5EF4-FFF2-40B4-BE49-F238E27FC236}">
+                <a16:creationId xmlns:a16="http://schemas.microsoft.com/office/drawing/2014/main" id="{D5556EF6-92F9-43E1-BFC5-667780439D58}"/>
+              </a:ext>
+            </a:extLst>
+          </p:cNvPr>
+          <p:cNvSpPr/>
+          <p:nvPr/>
+        </p:nvSpPr>
+        <p:spPr>
+          <a:xfrm>
+            <a:off x="10123054" y="3378202"/>
+            <a:ext cx="1450110" cy="314036"/>
+          </a:xfrm>
+          <a:prstGeom prst="rect">
+            <a:avLst/>
+          </a:prstGeom>
+        </p:spPr>
+        <p:style>
+          <a:lnRef idx="2">
+            <a:schemeClr val="accent1">
+              <a:shade val="50000"/>
+            </a:schemeClr>
+          </a:lnRef>
+          <a:fillRef idx="1">
+            <a:schemeClr val="accent1"/>
+          </a:fillRef>
+          <a:effectRef idx="0">
+            <a:schemeClr val="accent1"/>
+          </a:effectRef>
+          <a:fontRef idx="minor">
+            <a:schemeClr val="lt1"/>
+          </a:fontRef>
+        </p:style>
+        <p:txBody>
+          <a:bodyPr rtlCol="0" anchor="ctr"/>
+          <a:lstStyle/>
+          <a:p>
+            <a:pPr algn="ctr"/>
+            <a:r>
+              <a:rPr lang="en-US" sz="1200" b="1" dirty="0"/>
+              <a:t>192.168.63.8</a:t>
+            </a:r>
+          </a:p>
+        </p:txBody>
+      </p:sp>
+      <p:sp>
+        <p:nvSpPr>
+          <p:cNvPr id="23" name="Rectangle: Rounded Corners 22">
+            <a:extLst>
+              <a:ext uri="{FF2B5EF4-FFF2-40B4-BE49-F238E27FC236}">
+                <a16:creationId xmlns:a16="http://schemas.microsoft.com/office/drawing/2014/main" id="{27B3938C-AC6A-4A5C-B8EC-387F3F6C78BD}"/>
+              </a:ext>
+            </a:extLst>
+          </p:cNvPr>
+          <p:cNvSpPr/>
+          <p:nvPr/>
+        </p:nvSpPr>
+        <p:spPr>
+          <a:xfrm>
+            <a:off x="314036" y="1468582"/>
+            <a:ext cx="1422400" cy="1431637"/>
+          </a:xfrm>
+          <a:prstGeom prst="roundRect">
+            <a:avLst/>
+          </a:prstGeom>
+        </p:spPr>
+        <p:style>
+          <a:lnRef idx="2">
+            <a:schemeClr val="accent5">
+              <a:shade val="50000"/>
+            </a:schemeClr>
+          </a:lnRef>
+          <a:fillRef idx="1">
+            <a:schemeClr val="accent5"/>
+          </a:fillRef>
+          <a:effectRef idx="0">
+            <a:schemeClr val="accent5"/>
+          </a:effectRef>
+          <a:fontRef idx="minor">
+            <a:schemeClr val="lt1"/>
+          </a:fontRef>
+        </p:style>
+        <p:txBody>
+          <a:bodyPr rtlCol="0" anchor="ctr"/>
+          <a:lstStyle/>
+          <a:p>
+            <a:pPr algn="ctr"/>
+            <a:r>
+              <a:rPr lang="en-IN" sz="1600" dirty="0"/>
+              <a:t>Internet</a:t>
+            </a:r>
+            <a:endParaRPr lang="en-US" sz="1600" dirty="0"/>
+          </a:p>
+        </p:txBody>
+      </p:sp>
+      <p:sp>
+        <p:nvSpPr>
+          <p:cNvPr id="29" name="Rectangle 28">
+            <a:extLst>
+              <a:ext uri="{FF2B5EF4-FFF2-40B4-BE49-F238E27FC236}">
+                <a16:creationId xmlns:a16="http://schemas.microsoft.com/office/drawing/2014/main" id="{1D12CB39-952A-4BA4-9477-EE38B3E32395}"/>
+              </a:ext>
+            </a:extLst>
+          </p:cNvPr>
+          <p:cNvSpPr/>
+          <p:nvPr/>
+        </p:nvSpPr>
+        <p:spPr>
+          <a:xfrm>
+            <a:off x="7139708" y="2687780"/>
+            <a:ext cx="969819" cy="260929"/>
+          </a:xfrm>
+          <a:prstGeom prst="rect">
+            <a:avLst/>
+          </a:prstGeom>
+        </p:spPr>
+        <p:style>
+          <a:lnRef idx="2">
+            <a:schemeClr val="accent1">
+              <a:shade val="50000"/>
+            </a:schemeClr>
+          </a:lnRef>
+          <a:fillRef idx="1">
+            <a:schemeClr val="accent1"/>
+          </a:fillRef>
+          <a:effectRef idx="0">
+            <a:schemeClr val="accent1"/>
+          </a:effectRef>
+          <a:fontRef idx="minor">
+            <a:schemeClr val="lt1"/>
+          </a:fontRef>
+        </p:style>
+        <p:txBody>
+          <a:bodyPr rtlCol="0" anchor="ctr"/>
+          <a:lstStyle/>
+          <a:p>
+            <a:pPr algn="ctr"/>
+            <a:r>
+              <a:rPr lang="en-US" sz="900" b="1" dirty="0"/>
+              <a:t>13.235.48.150</a:t>
+            </a:r>
+          </a:p>
+        </p:txBody>
+      </p:sp>
+      <p:sp>
+        <p:nvSpPr>
+          <p:cNvPr id="30" name="Rectangle 29">
+            <a:extLst>
+              <a:ext uri="{FF2B5EF4-FFF2-40B4-BE49-F238E27FC236}">
+                <a16:creationId xmlns:a16="http://schemas.microsoft.com/office/drawing/2014/main" id="{30CBA9F8-ECE7-4D71-BAC0-2B5580BB1104}"/>
+              </a:ext>
+            </a:extLst>
+          </p:cNvPr>
+          <p:cNvSpPr/>
+          <p:nvPr/>
+        </p:nvSpPr>
+        <p:spPr>
+          <a:xfrm>
+            <a:off x="9864436" y="2687780"/>
+            <a:ext cx="901700" cy="260929"/>
+          </a:xfrm>
+          <a:prstGeom prst="rect">
+            <a:avLst/>
+          </a:prstGeom>
+        </p:spPr>
+        <p:style>
+          <a:lnRef idx="2">
+            <a:schemeClr val="accent1">
+              <a:shade val="50000"/>
+            </a:schemeClr>
+          </a:lnRef>
+          <a:fillRef idx="1">
+            <a:schemeClr val="accent1"/>
+          </a:fillRef>
+          <a:effectRef idx="0">
+            <a:schemeClr val="accent1"/>
+          </a:effectRef>
+          <a:fontRef idx="minor">
+            <a:schemeClr val="lt1"/>
+          </a:fontRef>
+        </p:style>
+        <p:txBody>
+          <a:bodyPr rtlCol="0" anchor="ctr"/>
+          <a:lstStyle/>
+          <a:p>
+            <a:pPr algn="ctr"/>
+            <a:r>
+              <a:rPr lang="en-US" sz="900" b="1" dirty="0"/>
+              <a:t>52.66.210.37</a:t>
+            </a:r>
+          </a:p>
+        </p:txBody>
+      </p:sp>
+      <p:sp>
+        <p:nvSpPr>
+          <p:cNvPr id="31" name="Rectangle 30">
+            <a:extLst>
+              <a:ext uri="{FF2B5EF4-FFF2-40B4-BE49-F238E27FC236}">
+                <a16:creationId xmlns:a16="http://schemas.microsoft.com/office/drawing/2014/main" id="{DA9C241F-80AA-47AF-837D-9D374DB68109}"/>
+              </a:ext>
+            </a:extLst>
+          </p:cNvPr>
+          <p:cNvSpPr/>
+          <p:nvPr/>
+        </p:nvSpPr>
+        <p:spPr>
+          <a:xfrm>
+            <a:off x="4299526" y="2827484"/>
+            <a:ext cx="1727200" cy="600363"/>
+          </a:xfrm>
+          <a:prstGeom prst="rect">
+            <a:avLst/>
+          </a:prstGeom>
+        </p:spPr>
+        <p:style>
+          <a:lnRef idx="2">
+            <a:schemeClr val="accent1">
+              <a:shade val="50000"/>
+            </a:schemeClr>
+          </a:lnRef>
+          <a:fillRef idx="1">
+            <a:schemeClr val="accent1"/>
+          </a:fillRef>
+          <a:effectRef idx="0">
+            <a:schemeClr val="accent1"/>
+          </a:effectRef>
+          <a:fontRef idx="minor">
+            <a:schemeClr val="lt1"/>
+          </a:fontRef>
+        </p:style>
+        <p:txBody>
+          <a:bodyPr rtlCol="0" anchor="ctr"/>
+          <a:lstStyle/>
+          <a:p>
+            <a:pPr algn="ctr"/>
+            <a:r>
+              <a:rPr lang="en-US" sz="1600"/>
+              <a:t>15.206.43.182</a:t>
+            </a:r>
+          </a:p>
+        </p:txBody>
+      </p:sp>
+      <p:cxnSp>
+        <p:nvCxnSpPr>
+          <p:cNvPr id="33" name="Connector: Elbow 32">
+            <a:extLst>
+              <a:ext uri="{FF2B5EF4-FFF2-40B4-BE49-F238E27FC236}">
+                <a16:creationId xmlns:a16="http://schemas.microsoft.com/office/drawing/2014/main" id="{4E076FFE-B0E1-4D86-9410-D57EECBC31BF}"/>
+              </a:ext>
+            </a:extLst>
+          </p:cNvPr>
+          <p:cNvCxnSpPr>
+            <a:cxnSpLocks/>
+            <a:stCxn id="23" idx="3"/>
+            <a:endCxn id="31" idx="1"/>
+          </p:cNvCxnSpPr>
+          <p:nvPr/>
+        </p:nvCxnSpPr>
+        <p:spPr>
+          <a:xfrm>
+            <a:off x="1736436" y="2184401"/>
+            <a:ext cx="2563090" cy="943265"/>
+          </a:xfrm>
+          <a:prstGeom prst="bentConnector3">
+            <a:avLst/>
+          </a:prstGeom>
+          <a:ln>
+            <a:tailEnd type="triangle"/>
+          </a:ln>
+        </p:spPr>
+        <p:style>
+          <a:lnRef idx="1">
+            <a:schemeClr val="accent1"/>
+          </a:lnRef>
+          <a:fillRef idx="0">
+            <a:schemeClr val="accent1"/>
+          </a:fillRef>
+          <a:effectRef idx="0">
+            <a:schemeClr val="accent1"/>
+          </a:effectRef>
+          <a:fontRef idx="minor">
+            <a:schemeClr val="tx1"/>
+          </a:fontRef>
+        </p:style>
+      </p:cxnSp>
+      <p:cxnSp>
+        <p:nvCxnSpPr>
+          <p:cNvPr id="36" name="Connector: Elbow 35">
+            <a:extLst>
+              <a:ext uri="{FF2B5EF4-FFF2-40B4-BE49-F238E27FC236}">
+                <a16:creationId xmlns:a16="http://schemas.microsoft.com/office/drawing/2014/main" id="{F73A0F92-F943-49B3-854C-59AEDF6716DF}"/>
+              </a:ext>
+            </a:extLst>
+          </p:cNvPr>
+          <p:cNvCxnSpPr>
+            <a:cxnSpLocks/>
+            <a:stCxn id="31" idx="3"/>
+            <a:endCxn id="29" idx="1"/>
+          </p:cNvCxnSpPr>
+          <p:nvPr/>
+        </p:nvCxnSpPr>
+        <p:spPr>
+          <a:xfrm flipV="1">
+            <a:off x="6026726" y="2818245"/>
+            <a:ext cx="1112982" cy="309421"/>
+          </a:xfrm>
+          <a:prstGeom prst="bentConnector3">
+            <a:avLst>
+              <a:gd name="adj1" fmla="val 50000"/>
+            </a:avLst>
+          </a:prstGeom>
+          <a:ln>
+            <a:tailEnd type="triangle"/>
+          </a:ln>
+        </p:spPr>
+        <p:style>
+          <a:lnRef idx="1">
+            <a:schemeClr val="accent1"/>
+          </a:lnRef>
+          <a:fillRef idx="0">
+            <a:schemeClr val="accent1"/>
+          </a:fillRef>
+          <a:effectRef idx="0">
+            <a:schemeClr val="accent1"/>
+          </a:effectRef>
+          <a:fontRef idx="minor">
+            <a:schemeClr val="tx1"/>
+          </a:fontRef>
+        </p:style>
+      </p:cxnSp>
+      <p:cxnSp>
+        <p:nvCxnSpPr>
+          <p:cNvPr id="38" name="Connector: Elbow 37">
+            <a:extLst>
+              <a:ext uri="{FF2B5EF4-FFF2-40B4-BE49-F238E27FC236}">
+                <a16:creationId xmlns:a16="http://schemas.microsoft.com/office/drawing/2014/main" id="{3BD3E800-B5BC-4757-81D5-C3F389CD4E71}"/>
+              </a:ext>
+            </a:extLst>
+          </p:cNvPr>
+          <p:cNvCxnSpPr>
+            <a:cxnSpLocks/>
+            <a:stCxn id="31" idx="3"/>
+            <a:endCxn id="30" idx="1"/>
+          </p:cNvCxnSpPr>
+          <p:nvPr/>
+        </p:nvCxnSpPr>
+        <p:spPr>
+          <a:xfrm flipV="1">
+            <a:off x="6026726" y="2818245"/>
+            <a:ext cx="3837710" cy="309421"/>
+          </a:xfrm>
+          <a:prstGeom prst="bentConnector3">
+            <a:avLst/>
+          </a:prstGeom>
+          <a:ln>
+            <a:tailEnd type="triangle"/>
+          </a:ln>
+        </p:spPr>
+        <p:style>
+          <a:lnRef idx="1">
+            <a:schemeClr val="accent1"/>
+          </a:lnRef>
+          <a:fillRef idx="0">
+            <a:schemeClr val="accent1"/>
+          </a:fillRef>
+          <a:effectRef idx="0">
+            <a:schemeClr val="accent1"/>
+          </a:effectRef>
+          <a:fontRef idx="minor">
+            <a:schemeClr val="tx1"/>
+          </a:fontRef>
+        </p:style>
+      </p:cxnSp>
+      <p:sp>
+        <p:nvSpPr>
+          <p:cNvPr id="40" name="Rectangle 39">
+            <a:extLst>
+              <a:ext uri="{FF2B5EF4-FFF2-40B4-BE49-F238E27FC236}">
+                <a16:creationId xmlns:a16="http://schemas.microsoft.com/office/drawing/2014/main" id="{701D9778-7B9A-46C7-B1D9-A555B058DF8B}"/>
+              </a:ext>
+            </a:extLst>
+          </p:cNvPr>
+          <p:cNvSpPr/>
+          <p:nvPr/>
+        </p:nvSpPr>
+        <p:spPr>
+          <a:xfrm>
+            <a:off x="8880763" y="4656287"/>
+            <a:ext cx="1727200" cy="1431637"/>
+          </a:xfrm>
+          <a:prstGeom prst="rect">
+            <a:avLst/>
+          </a:prstGeom>
+        </p:spPr>
+        <p:style>
+          <a:lnRef idx="2">
+            <a:schemeClr val="accent1">
+              <a:shade val="50000"/>
+            </a:schemeClr>
+          </a:lnRef>
+          <a:fillRef idx="1">
+            <a:schemeClr val="accent1"/>
+          </a:fillRef>
+          <a:effectRef idx="0">
+            <a:schemeClr val="accent1"/>
+          </a:effectRef>
+          <a:fontRef idx="minor">
+            <a:schemeClr val="lt1"/>
+          </a:fontRef>
+        </p:style>
+        <p:txBody>
+          <a:bodyPr rtlCol="0" anchor="ctr"/>
+          <a:lstStyle/>
+          <a:p>
+            <a:pPr algn="ctr"/>
+            <a:r>
+              <a:rPr lang="en-US" sz="1600" dirty="0"/>
+              <a:t>Node2</a:t>
+            </a:r>
+          </a:p>
+        </p:txBody>
+      </p:sp>
+      <p:cxnSp>
+        <p:nvCxnSpPr>
+          <p:cNvPr id="45" name="Connector: Elbow 44">
+            <a:extLst>
+              <a:ext uri="{FF2B5EF4-FFF2-40B4-BE49-F238E27FC236}">
+                <a16:creationId xmlns:a16="http://schemas.microsoft.com/office/drawing/2014/main" id="{06BEFDEC-8403-493E-A24E-08B4891E0FC0}"/>
+              </a:ext>
+            </a:extLst>
+          </p:cNvPr>
+          <p:cNvCxnSpPr>
+            <a:stCxn id="20" idx="2"/>
+            <a:endCxn id="12" idx="0"/>
+          </p:cNvCxnSpPr>
+          <p:nvPr/>
+        </p:nvCxnSpPr>
+        <p:spPr>
+          <a:xfrm rot="5400000">
+            <a:off x="8782047" y="3472298"/>
+            <a:ext cx="1924632" cy="12700"/>
+          </a:xfrm>
+          <a:prstGeom prst="bentConnector3">
+            <a:avLst/>
+          </a:prstGeom>
+          <a:ln>
+            <a:tailEnd type="triangle"/>
+          </a:ln>
+        </p:spPr>
+        <p:style>
+          <a:lnRef idx="1">
+            <a:schemeClr val="accent1"/>
+          </a:lnRef>
+          <a:fillRef idx="0">
+            <a:schemeClr val="accent1"/>
+          </a:fillRef>
+          <a:effectRef idx="0">
+            <a:schemeClr val="accent1"/>
+          </a:effectRef>
+          <a:fontRef idx="minor">
+            <a:schemeClr val="tx1"/>
+          </a:fontRef>
+        </p:style>
+      </p:cxnSp>
+      <p:cxnSp>
+        <p:nvCxnSpPr>
+          <p:cNvPr id="58" name="Connector: Elbow 57">
+            <a:extLst>
+              <a:ext uri="{FF2B5EF4-FFF2-40B4-BE49-F238E27FC236}">
+                <a16:creationId xmlns:a16="http://schemas.microsoft.com/office/drawing/2014/main" id="{21FDC3D7-46A3-4182-AE82-0BE54780EADC}"/>
+              </a:ext>
+            </a:extLst>
+          </p:cNvPr>
+          <p:cNvCxnSpPr>
+            <a:endCxn id="29" idx="3"/>
+          </p:cNvCxnSpPr>
+          <p:nvPr/>
+        </p:nvCxnSpPr>
+        <p:spPr>
+          <a:xfrm rot="5400000">
+            <a:off x="8109527" y="2818244"/>
+            <a:ext cx="1" cy="12700"/>
+          </a:xfrm>
+          <a:prstGeom prst="bentConnector4">
+            <a:avLst>
+              <a:gd name="adj1" fmla="val 35906500000"/>
+              <a:gd name="adj2" fmla="val 1800000"/>
+            </a:avLst>
+          </a:prstGeom>
+          <a:ln>
+            <a:tailEnd type="triangle"/>
+          </a:ln>
+        </p:spPr>
+        <p:style>
+          <a:lnRef idx="1">
+            <a:schemeClr val="accent1"/>
+          </a:lnRef>
+          <a:fillRef idx="0">
+            <a:schemeClr val="accent1"/>
+          </a:fillRef>
+          <a:effectRef idx="0">
+            <a:schemeClr val="accent1"/>
+          </a:effectRef>
+          <a:fontRef idx="minor">
+            <a:schemeClr val="tx1"/>
+          </a:fontRef>
+        </p:style>
+      </p:cxnSp>
+      <p:cxnSp>
+        <p:nvCxnSpPr>
+          <p:cNvPr id="60" name="Connector: Elbow 59">
+            <a:extLst>
+              <a:ext uri="{FF2B5EF4-FFF2-40B4-BE49-F238E27FC236}">
+                <a16:creationId xmlns:a16="http://schemas.microsoft.com/office/drawing/2014/main" id="{52F1A2E7-1CA6-43D0-B6D9-A5AA2619D592}"/>
+              </a:ext>
+            </a:extLst>
+          </p:cNvPr>
+          <p:cNvCxnSpPr>
+            <a:cxnSpLocks/>
+            <a:stCxn id="29" idx="3"/>
+            <a:endCxn id="21" idx="0"/>
+          </p:cNvCxnSpPr>
+          <p:nvPr/>
+        </p:nvCxnSpPr>
+        <p:spPr>
+          <a:xfrm>
+            <a:off x="8109527" y="2818245"/>
+            <a:ext cx="461819" cy="591129"/>
+          </a:xfrm>
+          <a:prstGeom prst="bentConnector2">
+            <a:avLst/>
+          </a:prstGeom>
+          <a:ln>
+            <a:tailEnd type="triangle"/>
+          </a:ln>
+        </p:spPr>
+        <p:style>
+          <a:lnRef idx="1">
+            <a:schemeClr val="accent2"/>
+          </a:lnRef>
+          <a:fillRef idx="0">
+            <a:schemeClr val="accent2"/>
+          </a:fillRef>
+          <a:effectRef idx="0">
+            <a:schemeClr val="accent2"/>
+          </a:effectRef>
+          <a:fontRef idx="minor">
+            <a:schemeClr val="tx1"/>
+          </a:fontRef>
+        </p:style>
+      </p:cxnSp>
+      <p:cxnSp>
+        <p:nvCxnSpPr>
+          <p:cNvPr id="63" name="Connector: Elbow 62">
+            <a:extLst>
+              <a:ext uri="{FF2B5EF4-FFF2-40B4-BE49-F238E27FC236}">
+                <a16:creationId xmlns:a16="http://schemas.microsoft.com/office/drawing/2014/main" id="{432C34AE-0D30-47F8-9F1F-FB2817F8E77D}"/>
+              </a:ext>
+            </a:extLst>
+          </p:cNvPr>
+          <p:cNvCxnSpPr>
+            <a:stCxn id="29" idx="3"/>
+            <a:endCxn id="22" idx="0"/>
+          </p:cNvCxnSpPr>
+          <p:nvPr/>
+        </p:nvCxnSpPr>
+        <p:spPr>
+          <a:xfrm>
+            <a:off x="8109527" y="2818245"/>
+            <a:ext cx="2738582" cy="559957"/>
+          </a:xfrm>
+          <a:prstGeom prst="bentConnector2">
+            <a:avLst/>
+          </a:prstGeom>
+          <a:ln>
+            <a:tailEnd type="triangle"/>
+          </a:ln>
+        </p:spPr>
+        <p:style>
+          <a:lnRef idx="1">
+            <a:schemeClr val="accent2"/>
+          </a:lnRef>
+          <a:fillRef idx="0">
+            <a:schemeClr val="accent2"/>
+          </a:fillRef>
+          <a:effectRef idx="0">
+            <a:schemeClr val="accent2"/>
+          </a:effectRef>
+          <a:fontRef idx="minor">
+            <a:schemeClr val="tx1"/>
+          </a:fontRef>
+        </p:style>
+      </p:cxnSp>
+      <p:sp>
+        <p:nvSpPr>
+          <p:cNvPr id="64" name="Rectangle 63">
+            <a:extLst>
+              <a:ext uri="{FF2B5EF4-FFF2-40B4-BE49-F238E27FC236}">
+                <a16:creationId xmlns:a16="http://schemas.microsoft.com/office/drawing/2014/main" id="{A459F7B8-8361-443A-8016-2FBEAC78AFC9}"/>
+              </a:ext>
+            </a:extLst>
+          </p:cNvPr>
+          <p:cNvSpPr/>
+          <p:nvPr/>
+        </p:nvSpPr>
+        <p:spPr>
+          <a:xfrm>
+            <a:off x="1043709" y="5389418"/>
+            <a:ext cx="1801091" cy="352142"/>
+          </a:xfrm>
+          <a:prstGeom prst="rect">
+            <a:avLst/>
+          </a:prstGeom>
+        </p:spPr>
+        <p:style>
+          <a:lnRef idx="2">
+            <a:schemeClr val="accent1">
+              <a:shade val="50000"/>
+            </a:schemeClr>
+          </a:lnRef>
+          <a:fillRef idx="1">
+            <a:schemeClr val="accent1"/>
+          </a:fillRef>
+          <a:effectRef idx="0">
+            <a:schemeClr val="accent1"/>
+          </a:effectRef>
+          <a:fontRef idx="minor">
+            <a:schemeClr val="lt1"/>
+          </a:fontRef>
+        </p:style>
+        <p:txBody>
+          <a:bodyPr rtlCol="0" anchor="ctr"/>
+          <a:lstStyle/>
+          <a:p>
+            <a:pPr algn="ctr"/>
+            <a:r>
+              <a:rPr lang="en-IN" dirty="0"/>
+              <a:t>Route53</a:t>
+            </a:r>
+            <a:endParaRPr lang="en-US" dirty="0"/>
+          </a:p>
+        </p:txBody>
+      </p:sp>
+      <p:cxnSp>
+        <p:nvCxnSpPr>
+          <p:cNvPr id="66" name="Connector: Elbow 65">
+            <a:extLst>
+              <a:ext uri="{FF2B5EF4-FFF2-40B4-BE49-F238E27FC236}">
+                <a16:creationId xmlns:a16="http://schemas.microsoft.com/office/drawing/2014/main" id="{6536CF9A-BE66-4CDF-9A92-28E08E909E0B}"/>
+              </a:ext>
+            </a:extLst>
+          </p:cNvPr>
+          <p:cNvCxnSpPr>
+            <a:endCxn id="64" idx="0"/>
+          </p:cNvCxnSpPr>
+          <p:nvPr/>
+        </p:nvCxnSpPr>
+        <p:spPr>
+          <a:xfrm rot="16200000" flipH="1">
+            <a:off x="262660" y="3707822"/>
+            <a:ext cx="2416463" cy="946728"/>
+          </a:xfrm>
+          <a:prstGeom prst="bentConnector3">
+            <a:avLst/>
+          </a:prstGeom>
+          <a:ln>
+            <a:tailEnd type="triangle"/>
+          </a:ln>
+        </p:spPr>
+        <p:style>
+          <a:lnRef idx="1">
+            <a:schemeClr val="accent1"/>
+          </a:lnRef>
+          <a:fillRef idx="0">
+            <a:schemeClr val="accent1"/>
+          </a:fillRef>
+          <a:effectRef idx="0">
+            <a:schemeClr val="accent1"/>
+          </a:effectRef>
+          <a:fontRef idx="minor">
+            <a:schemeClr val="tx1"/>
+          </a:fontRef>
+        </p:style>
+      </p:cxnSp>
+      <p:cxnSp>
+        <p:nvCxnSpPr>
+          <p:cNvPr id="68" name="Connector: Elbow 67">
+            <a:extLst>
+              <a:ext uri="{FF2B5EF4-FFF2-40B4-BE49-F238E27FC236}">
+                <a16:creationId xmlns:a16="http://schemas.microsoft.com/office/drawing/2014/main" id="{60A236FA-230B-4688-B2E0-14FACB7E9CB7}"/>
+              </a:ext>
+            </a:extLst>
+          </p:cNvPr>
+          <p:cNvCxnSpPr>
+            <a:stCxn id="64" idx="0"/>
+          </p:cNvCxnSpPr>
+          <p:nvPr/>
+        </p:nvCxnSpPr>
+        <p:spPr>
+          <a:xfrm rot="16200000" flipV="1">
+            <a:off x="364259" y="3809422"/>
+            <a:ext cx="2416464" cy="743528"/>
+          </a:xfrm>
+          <a:prstGeom prst="bentConnector3">
+            <a:avLst/>
+          </a:prstGeom>
+          <a:ln>
+            <a:tailEnd type="triangle"/>
+          </a:ln>
+        </p:spPr>
+        <p:style>
+          <a:lnRef idx="1">
+            <a:schemeClr val="accent1"/>
+          </a:lnRef>
+          <a:fillRef idx="0">
+            <a:schemeClr val="accent1"/>
+          </a:fillRef>
+          <a:effectRef idx="0">
+            <a:schemeClr val="accent1"/>
+          </a:effectRef>
+          <a:fontRef idx="minor">
+            <a:schemeClr val="tx1"/>
+          </a:fontRef>
+        </p:style>
+      </p:cxnSp>
+    </p:spTree>
+    <p:extLst>
+      <p:ext uri="{BB962C8B-B14F-4D97-AF65-F5344CB8AC3E}">
+        <p14:creationId xmlns:p14="http://schemas.microsoft.com/office/powerpoint/2010/main" val="3177118191"/>
       </p:ext>
     </p:extLst>
   </p:cSld>

--- a/AWSPresentation1.pptx
+++ b/AWSPresentation1.pptx
@@ -16,13 +16,16 @@
     <p:sldId id="263" r:id="rId10"/>
     <p:sldId id="264" r:id="rId11"/>
     <p:sldId id="266" r:id="rId12"/>
-    <p:sldId id="271" r:id="rId13"/>
-    <p:sldId id="272" r:id="rId14"/>
-    <p:sldId id="270" r:id="rId15"/>
-    <p:sldId id="269" r:id="rId16"/>
-    <p:sldId id="268" r:id="rId17"/>
-    <p:sldId id="267" r:id="rId18"/>
-    <p:sldId id="273" r:id="rId19"/>
+    <p:sldId id="276" r:id="rId13"/>
+    <p:sldId id="271" r:id="rId14"/>
+    <p:sldId id="272" r:id="rId15"/>
+    <p:sldId id="270" r:id="rId16"/>
+    <p:sldId id="269" r:id="rId17"/>
+    <p:sldId id="268" r:id="rId18"/>
+    <p:sldId id="267" r:id="rId19"/>
+    <p:sldId id="273" r:id="rId20"/>
+    <p:sldId id="274" r:id="rId21"/>
+    <p:sldId id="275" r:id="rId22"/>
   </p:sldIdLst>
   <p:sldSz cx="12192000" cy="6858000"/>
   <p:notesSz cx="6858000" cy="9144000"/>
@@ -141,6 +144,7 @@
         <p14:section name="Untitled Section" id="{1A9EC3E1-90F5-4FD1-AB2E-DD4788508655}">
           <p14:sldIdLst>
             <p14:sldId id="266"/>
+            <p14:sldId id="276"/>
             <p14:sldId id="271"/>
             <p14:sldId id="272"/>
             <p14:sldId id="270"/>
@@ -148,6 +152,8 @@
             <p14:sldId id="268"/>
             <p14:sldId id="267"/>
             <p14:sldId id="273"/>
+            <p14:sldId id="274"/>
+            <p14:sldId id="275"/>
           </p14:sldIdLst>
         </p14:section>
       </p14:sectionLst>
@@ -3809,7 +3815,7 @@
         </p:nvGrpSpPr>
         <p:grpSpPr>
           <a:xfrm>
-            <a:off x="-1874981" y="152405"/>
+            <a:off x="-1081812" y="-40920"/>
             <a:ext cx="10972801" cy="6486228"/>
             <a:chOff x="1182253" y="200894"/>
             <a:chExt cx="10972801" cy="6486228"/>
@@ -4393,17 +4399,19 @@
             </a:prstGeom>
           </p:spPr>
           <p:style>
-            <a:lnRef idx="1">
-              <a:schemeClr val="accent6"/>
+            <a:lnRef idx="2">
+              <a:schemeClr val="accent6">
+                <a:shade val="50000"/>
+              </a:schemeClr>
             </a:lnRef>
-            <a:fillRef idx="2">
+            <a:fillRef idx="1">
               <a:schemeClr val="accent6"/>
             </a:fillRef>
-            <a:effectRef idx="1">
+            <a:effectRef idx="0">
               <a:schemeClr val="accent6"/>
             </a:effectRef>
             <a:fontRef idx="minor">
-              <a:schemeClr val="dk1"/>
+              <a:schemeClr val="lt1"/>
             </a:fontRef>
           </p:style>
           <p:txBody>
@@ -4440,17 +4448,19 @@
             </a:prstGeom>
           </p:spPr>
           <p:style>
-            <a:lnRef idx="1">
-              <a:schemeClr val="accent6"/>
+            <a:lnRef idx="2">
+              <a:schemeClr val="accent6">
+                <a:shade val="50000"/>
+              </a:schemeClr>
             </a:lnRef>
-            <a:fillRef idx="2">
+            <a:fillRef idx="1">
               <a:schemeClr val="accent6"/>
             </a:fillRef>
-            <a:effectRef idx="1">
+            <a:effectRef idx="0">
               <a:schemeClr val="accent6"/>
             </a:effectRef>
             <a:fontRef idx="minor">
-              <a:schemeClr val="dk1"/>
+              <a:schemeClr val="lt1"/>
             </a:fontRef>
           </p:style>
           <p:txBody>
@@ -4487,16 +4497,14 @@
             </a:prstGeom>
           </p:spPr>
           <p:style>
-            <a:lnRef idx="2">
-              <a:schemeClr val="accent1">
-                <a:shade val="50000"/>
-              </a:schemeClr>
+            <a:lnRef idx="3">
+              <a:schemeClr val="lt1"/>
             </a:lnRef>
             <a:fillRef idx="1">
-              <a:schemeClr val="accent1"/>
+              <a:schemeClr val="accent6"/>
             </a:fillRef>
-            <a:effectRef idx="0">
-              <a:schemeClr val="accent1"/>
+            <a:effectRef idx="1">
+              <a:schemeClr val="accent6"/>
             </a:effectRef>
             <a:fontRef idx="minor">
               <a:schemeClr val="lt1"/>
@@ -4795,16 +4803,14 @@
             </a:prstGeom>
           </p:spPr>
           <p:style>
-            <a:lnRef idx="2">
-              <a:schemeClr val="accent1">
-                <a:shade val="50000"/>
-              </a:schemeClr>
+            <a:lnRef idx="3">
+              <a:schemeClr val="lt1"/>
             </a:lnRef>
             <a:fillRef idx="1">
-              <a:schemeClr val="accent1"/>
+              <a:schemeClr val="accent6"/>
             </a:fillRef>
-            <a:effectRef idx="0">
-              <a:schemeClr val="accent1"/>
+            <a:effectRef idx="1">
+              <a:schemeClr val="accent6"/>
             </a:effectRef>
             <a:fontRef idx="minor">
               <a:schemeClr val="lt1"/>
@@ -5381,7 +5387,7 @@
         </p:nvSpPr>
         <p:spPr>
           <a:xfrm>
-            <a:off x="9388768" y="488377"/>
+            <a:off x="9683172" y="501073"/>
             <a:ext cx="1034470" cy="1657927"/>
           </a:xfrm>
           <a:prstGeom prst="rect">
@@ -5390,15 +5396,15 @@
         </p:spPr>
         <p:style>
           <a:lnRef idx="2">
-            <a:schemeClr val="accent1">
+            <a:schemeClr val="accent6">
               <a:shade val="50000"/>
             </a:schemeClr>
           </a:lnRef>
           <a:fillRef idx="1">
-            <a:schemeClr val="accent1"/>
-          </a:fillRef>
-          <a:effectRef idx="0">
-            <a:schemeClr val="accent1"/>
+            <a:schemeClr val="accent6"/>
+          </a:fillRef>
+          <a:effectRef idx="0">
+            <a:schemeClr val="accent6"/>
           </a:effectRef>
           <a:fontRef idx="minor">
             <a:schemeClr val="lt1"/>
@@ -5448,11 +5454,13 @@
         </p:nvCxnSpPr>
         <p:spPr>
           <a:xfrm>
-            <a:off x="8672948" y="768930"/>
-            <a:ext cx="715820" cy="548411"/>
+            <a:off x="9466117" y="575605"/>
+            <a:ext cx="217055" cy="754432"/>
           </a:xfrm>
           <a:prstGeom prst="bentConnector3">
-            <a:avLst/>
+            <a:avLst>
+              <a:gd name="adj1" fmla="val 50000"/>
+            </a:avLst>
           </a:prstGeom>
           <a:ln>
             <a:tailEnd type="triangle"/>
@@ -5491,11 +5499,13 @@
         </p:nvCxnSpPr>
         <p:spPr>
           <a:xfrm flipV="1">
-            <a:off x="8672948" y="1317341"/>
-            <a:ext cx="715820" cy="777007"/>
+            <a:off x="9466117" y="1330037"/>
+            <a:ext cx="217055" cy="570986"/>
           </a:xfrm>
           <a:prstGeom prst="bentConnector3">
-            <a:avLst/>
+            <a:avLst>
+              <a:gd name="adj1" fmla="val 50000"/>
+            </a:avLst>
           </a:prstGeom>
           <a:ln>
             <a:tailEnd type="triangle"/>
@@ -5534,11 +5544,13 @@
         </p:nvCxnSpPr>
         <p:spPr>
           <a:xfrm flipV="1">
-            <a:off x="8728947" y="1317341"/>
-            <a:ext cx="659821" cy="1935739"/>
+            <a:off x="9522116" y="1330037"/>
+            <a:ext cx="161056" cy="1729718"/>
           </a:xfrm>
           <a:prstGeom prst="bentConnector3">
-            <a:avLst/>
+            <a:avLst>
+              <a:gd name="adj1" fmla="val 50000"/>
+            </a:avLst>
           </a:prstGeom>
           <a:ln>
             <a:tailEnd type="triangle"/>
@@ -6062,8 +6074,8 @@
         </p:nvCxnSpPr>
         <p:spPr>
           <a:xfrm>
-            <a:off x="6168736" y="2675084"/>
-            <a:ext cx="3571013" cy="1649121"/>
+            <a:off x="6961905" y="2481759"/>
+            <a:ext cx="2777844" cy="1842446"/>
           </a:xfrm>
           <a:prstGeom prst="bentConnector3">
             <a:avLst/>
@@ -6109,16 +6121,14 @@
           </a:prstGeom>
         </p:spPr>
         <p:style>
-          <a:lnRef idx="2">
-            <a:schemeClr val="accent1">
-              <a:shade val="50000"/>
-            </a:schemeClr>
+          <a:lnRef idx="3">
+            <a:schemeClr val="lt1"/>
           </a:lnRef>
           <a:fillRef idx="1">
-            <a:schemeClr val="accent1"/>
-          </a:fillRef>
-          <a:effectRef idx="0">
-            <a:schemeClr val="accent1"/>
+            <a:schemeClr val="accent6"/>
+          </a:fillRef>
+          <a:effectRef idx="1">
+            <a:schemeClr val="accent6"/>
           </a:effectRef>
           <a:fontRef idx="minor">
             <a:schemeClr val="lt1"/>
@@ -6160,8 +6170,8 @@
         </p:nvCxnSpPr>
         <p:spPr>
           <a:xfrm rot="5400000">
-            <a:off x="-828962" y="3978568"/>
-            <a:ext cx="1600203" cy="214744"/>
+            <a:off x="-529040" y="3485322"/>
+            <a:ext cx="1793528" cy="1007913"/>
           </a:xfrm>
           <a:prstGeom prst="bentConnector3">
             <a:avLst/>
@@ -6347,15 +6357,15 @@
         </p:spPr>
         <p:style>
           <a:lnRef idx="2">
-            <a:schemeClr val="accent1">
+            <a:schemeClr val="accent6">
               <a:shade val="50000"/>
             </a:schemeClr>
           </a:lnRef>
           <a:fillRef idx="1">
-            <a:schemeClr val="accent1"/>
-          </a:fillRef>
-          <a:effectRef idx="0">
-            <a:schemeClr val="accent1"/>
+            <a:schemeClr val="accent6"/>
+          </a:fillRef>
+          <a:effectRef idx="0">
+            <a:schemeClr val="accent6"/>
           </a:effectRef>
           <a:fontRef idx="minor">
             <a:schemeClr val="lt1"/>
@@ -6436,7 +6446,7 @@
         </p:nvSpPr>
         <p:spPr>
           <a:xfrm>
-            <a:off x="9306787" y="2382259"/>
+            <a:off x="9380676" y="2382259"/>
             <a:ext cx="1318490" cy="529646"/>
           </a:xfrm>
           <a:prstGeom prst="roundRect">
@@ -6445,15 +6455,15 @@
         </p:spPr>
         <p:style>
           <a:lnRef idx="2">
-            <a:schemeClr val="accent1">
+            <a:schemeClr val="accent6">
               <a:shade val="50000"/>
             </a:schemeClr>
           </a:lnRef>
           <a:fillRef idx="1">
-            <a:schemeClr val="accent1"/>
-          </a:fillRef>
-          <a:effectRef idx="0">
-            <a:schemeClr val="accent1"/>
+            <a:schemeClr val="accent6"/>
+          </a:fillRef>
+          <a:effectRef idx="0">
+            <a:schemeClr val="accent6"/>
           </a:effectRef>
           <a:fontRef idx="minor">
             <a:schemeClr val="lt1"/>
@@ -6648,12 +6658,12 @@
         </p:nvCxnSpPr>
         <p:spPr>
           <a:xfrm rot="5400000">
-            <a:off x="5711975" y="1980476"/>
-            <a:ext cx="2049605" cy="7266709"/>
+            <a:off x="6205221" y="2280398"/>
+            <a:ext cx="1856280" cy="6473540"/>
           </a:xfrm>
           <a:prstGeom prst="bentConnector3">
             <a:avLst>
-              <a:gd name="adj1" fmla="val 107548"/>
+              <a:gd name="adj1" fmla="val 112315"/>
             </a:avLst>
           </a:prstGeom>
           <a:ln>
@@ -6691,7 +6701,7 @@
         </p:nvCxnSpPr>
         <p:spPr>
           <a:xfrm rot="10800000" flipV="1">
-            <a:off x="-1604811" y="2675084"/>
+            <a:off x="-811642" y="2481759"/>
             <a:ext cx="6395023" cy="1469804"/>
           </a:xfrm>
           <a:prstGeom prst="bentConnector3">
@@ -6784,7 +6794,7 @@
         </p:nvSpPr>
         <p:spPr>
           <a:xfrm>
-            <a:off x="-1519382" y="-42126"/>
+            <a:off x="-1416623" y="-40920"/>
             <a:ext cx="337127" cy="6776004"/>
           </a:xfrm>
           <a:prstGeom prst="rect">
@@ -6793,15 +6803,15 @@
         </p:spPr>
         <p:style>
           <a:lnRef idx="2">
-            <a:schemeClr val="accent1">
+            <a:schemeClr val="accent6">
               <a:shade val="50000"/>
             </a:schemeClr>
           </a:lnRef>
           <a:fillRef idx="1">
-            <a:schemeClr val="accent1"/>
-          </a:fillRef>
-          <a:effectRef idx="0">
-            <a:schemeClr val="accent1"/>
+            <a:schemeClr val="accent6"/>
+          </a:fillRef>
+          <a:effectRef idx="0">
+            <a:schemeClr val="accent6"/>
           </a:effectRef>
           <a:fontRef idx="minor">
             <a:schemeClr val="lt1"/>
@@ -6833,6 +6843,45 @@
           </a:p>
         </p:txBody>
       </p:sp>
+      <p:cxnSp>
+        <p:nvCxnSpPr>
+          <p:cNvPr id="5" name="Straight Arrow Connector 4">
+            <a:extLst>
+              <a:ext uri="{FF2B5EF4-FFF2-40B4-BE49-F238E27FC236}">
+                <a16:creationId xmlns:a16="http://schemas.microsoft.com/office/drawing/2014/main" id="{95943C45-9A9B-4B25-B0A5-2553945B859B}"/>
+              </a:ext>
+            </a:extLst>
+          </p:cNvPr>
+          <p:cNvCxnSpPr/>
+          <p:nvPr/>
+        </p:nvCxnSpPr>
+        <p:spPr>
+          <a:xfrm>
+            <a:off x="-2835552" y="501073"/>
+            <a:ext cx="1274598" cy="496454"/>
+          </a:xfrm>
+          <a:prstGeom prst="straightConnector1">
+            <a:avLst/>
+          </a:prstGeom>
+          <a:ln>
+            <a:tailEnd type="triangle"/>
+          </a:ln>
+        </p:spPr>
+        <p:style>
+          <a:lnRef idx="1">
+            <a:schemeClr val="accent1"/>
+          </a:lnRef>
+          <a:fillRef idx="0">
+            <a:schemeClr val="accent1"/>
+          </a:fillRef>
+          <a:effectRef idx="0">
+            <a:schemeClr val="accent1"/>
+          </a:effectRef>
+          <a:fontRef idx="minor">
+            <a:schemeClr val="tx1"/>
+          </a:fontRef>
+        </p:style>
+      </p:cxnSp>
     </p:spTree>
     <p:extLst>
       <p:ext uri="{BB962C8B-B14F-4D97-AF65-F5344CB8AC3E}">
@@ -6868,7 +6917,7 @@
           <p:cNvPr id="4" name="Rectangle 3">
             <a:extLst>
               <a:ext uri="{FF2B5EF4-FFF2-40B4-BE49-F238E27FC236}">
-                <a16:creationId xmlns:a16="http://schemas.microsoft.com/office/drawing/2014/main" id="{98E7FC4A-BC32-437C-974D-78CDDCFDC5DF}"/>
+                <a16:creationId xmlns:a16="http://schemas.microsoft.com/office/drawing/2014/main" id="{F553FE4E-5CDE-4B31-AA17-33A3CB160F62}"/>
               </a:ext>
             </a:extLst>
           </p:cNvPr>
@@ -6877,8 +6926,8 @@
         </p:nvSpPr>
         <p:spPr>
           <a:xfrm>
-            <a:off x="5809674" y="1392380"/>
-            <a:ext cx="2032000" cy="674255"/>
+            <a:off x="1154545" y="2244436"/>
+            <a:ext cx="1939636" cy="849746"/>
           </a:xfrm>
           <a:prstGeom prst="rect">
             <a:avLst/>
@@ -6906,8 +6955,8 @@
           <a:p>
             <a:pPr algn="ctr"/>
             <a:r>
-              <a:rPr lang="en-US" dirty="0"/>
-              <a:t>Lambda</a:t>
+              <a:rPr lang="en-US" sz="1600" dirty="0"/>
+              <a:t>ECS/EKS/EC2/Beanstalk</a:t>
             </a:r>
           </a:p>
         </p:txBody>
@@ -6917,7 +6966,7 @@
           <p:cNvPr id="5" name="Rectangle 4">
             <a:extLst>
               <a:ext uri="{FF2B5EF4-FFF2-40B4-BE49-F238E27FC236}">
-                <a16:creationId xmlns:a16="http://schemas.microsoft.com/office/drawing/2014/main" id="{44AAC47F-2194-45F0-871F-F47D24699D0C}"/>
+                <a16:creationId xmlns:a16="http://schemas.microsoft.com/office/drawing/2014/main" id="{F8F60D47-AE34-4197-B222-97D20FC9C23F}"/>
               </a:ext>
             </a:extLst>
           </p:cNvPr>
@@ -6926,8 +6975,8 @@
         </p:nvSpPr>
         <p:spPr>
           <a:xfrm>
-            <a:off x="5781965" y="2519217"/>
-            <a:ext cx="2032000" cy="674255"/>
+            <a:off x="3445163" y="2244436"/>
+            <a:ext cx="1939636" cy="849746"/>
           </a:xfrm>
           <a:prstGeom prst="rect">
             <a:avLst/>
@@ -6955,9 +7004,12 @@
           <a:p>
             <a:pPr algn="ctr"/>
             <a:r>
-              <a:rPr lang="en-US" dirty="0" err="1"/>
-              <a:t>BeanStalk</a:t>
-            </a:r>
+              <a:rPr lang="en-US" dirty="0"/>
+              <a:t>ECS/EKS/EC2/Beanstalk</a:t>
+            </a:r>
+          </a:p>
+          <a:p>
+            <a:pPr algn="ctr"/>
             <a:endParaRPr lang="en-US" dirty="0"/>
           </a:p>
         </p:txBody>
@@ -6967,7 +7019,7 @@
           <p:cNvPr id="6" name="Rectangle 5">
             <a:extLst>
               <a:ext uri="{FF2B5EF4-FFF2-40B4-BE49-F238E27FC236}">
-                <a16:creationId xmlns:a16="http://schemas.microsoft.com/office/drawing/2014/main" id="{84F884D7-8F4A-4AA5-9F81-31B574E9CF14}"/>
+                <a16:creationId xmlns:a16="http://schemas.microsoft.com/office/drawing/2014/main" id="{F8ACD1A1-22A9-453D-8315-CB5B87CAA239}"/>
               </a:ext>
             </a:extLst>
           </p:cNvPr>
@@ -6976,8 +7028,8 @@
         </p:nvSpPr>
         <p:spPr>
           <a:xfrm>
-            <a:off x="5772729" y="3646054"/>
-            <a:ext cx="2032000" cy="674255"/>
+            <a:off x="5735781" y="2244436"/>
+            <a:ext cx="1939636" cy="849746"/>
           </a:xfrm>
           <a:prstGeom prst="rect">
             <a:avLst/>
@@ -7005,9 +7057,10 @@
           <a:p>
             <a:pPr algn="ctr"/>
             <a:r>
-              <a:rPr lang="en-US" dirty="0"/>
-              <a:t>ECS</a:t>
-            </a:r>
+              <a:rPr lang="en-US"/>
+              <a:t>ECS/EKS/EC2/Beanstalk</a:t>
+            </a:r>
+            <a:endParaRPr lang="en-US" dirty="0"/>
           </a:p>
         </p:txBody>
       </p:sp>
@@ -7016,7 +7069,7 @@
           <p:cNvPr id="7" name="Rectangle 6">
             <a:extLst>
               <a:ext uri="{FF2B5EF4-FFF2-40B4-BE49-F238E27FC236}">
-                <a16:creationId xmlns:a16="http://schemas.microsoft.com/office/drawing/2014/main" id="{880E55E7-5994-4A52-B76F-2B4C64C90533}"/>
+                <a16:creationId xmlns:a16="http://schemas.microsoft.com/office/drawing/2014/main" id="{EABA998D-771B-414C-BC03-3DCC0D5D81CC}"/>
               </a:ext>
             </a:extLst>
           </p:cNvPr>
@@ -7025,8 +7078,8 @@
         </p:nvSpPr>
         <p:spPr>
           <a:xfrm>
-            <a:off x="5818910" y="4814455"/>
-            <a:ext cx="2032000" cy="674255"/>
+            <a:off x="8155708" y="2244436"/>
+            <a:ext cx="1939636" cy="849746"/>
           </a:xfrm>
           <a:prstGeom prst="rect">
             <a:avLst/>
@@ -7054,9 +7107,10 @@
           <a:p>
             <a:pPr algn="ctr"/>
             <a:r>
-              <a:rPr lang="en-US" dirty="0"/>
-              <a:t>EKS</a:t>
-            </a:r>
+              <a:rPr lang="en-US"/>
+              <a:t>ECS/EKS/EC2/Beanstalk</a:t>
+            </a:r>
+            <a:endParaRPr lang="en-US" dirty="0"/>
           </a:p>
         </p:txBody>
       </p:sp>
@@ -7065,7 +7119,7 @@
           <p:cNvPr id="8" name="Rectangle 7">
             <a:extLst>
               <a:ext uri="{FF2B5EF4-FFF2-40B4-BE49-F238E27FC236}">
-                <a16:creationId xmlns:a16="http://schemas.microsoft.com/office/drawing/2014/main" id="{CA035216-B5FA-4ED5-8517-133963730630}"/>
+                <a16:creationId xmlns:a16="http://schemas.microsoft.com/office/drawing/2014/main" id="{E7E464B5-EE5D-4A12-B95A-F66742FE2652}"/>
               </a:ext>
             </a:extLst>
           </p:cNvPr>
@@ -7074,8 +7128,8 @@
         </p:nvSpPr>
         <p:spPr>
           <a:xfrm>
-            <a:off x="5772729" y="376380"/>
-            <a:ext cx="2032000" cy="674255"/>
+            <a:off x="2687781" y="1136073"/>
+            <a:ext cx="6096000" cy="461818"/>
           </a:xfrm>
           <a:prstGeom prst="rect">
             <a:avLst/>
@@ -7104,17 +7158,184 @@
             <a:pPr algn="ctr"/>
             <a:r>
               <a:rPr lang="en-US" dirty="0"/>
-              <a:t>EC2</a:t>
-            </a:r>
-          </a:p>
-        </p:txBody>
-      </p:sp>
-      <p:sp>
-        <p:nvSpPr>
-          <p:cNvPr id="9" name="Rectangle 8">
-            <a:extLst>
-              <a:ext uri="{FF2B5EF4-FFF2-40B4-BE49-F238E27FC236}">
-                <a16:creationId xmlns:a16="http://schemas.microsoft.com/office/drawing/2014/main" id="{519E3375-4CC2-4936-86AB-1DE5D27B9E3C}"/>
+              <a:t>ELB</a:t>
+            </a:r>
+          </a:p>
+        </p:txBody>
+      </p:sp>
+      <p:cxnSp>
+        <p:nvCxnSpPr>
+          <p:cNvPr id="10" name="Connector: Elbow 9">
+            <a:extLst>
+              <a:ext uri="{FF2B5EF4-FFF2-40B4-BE49-F238E27FC236}">
+                <a16:creationId xmlns:a16="http://schemas.microsoft.com/office/drawing/2014/main" id="{36D727D2-8B87-4619-B742-BEA64D417CA8}"/>
+              </a:ext>
+            </a:extLst>
+          </p:cNvPr>
+          <p:cNvCxnSpPr>
+            <a:endCxn id="8" idx="0"/>
+          </p:cNvCxnSpPr>
+          <p:nvPr/>
+        </p:nvCxnSpPr>
+        <p:spPr>
+          <a:xfrm rot="16200000" flipH="1">
+            <a:off x="5186218" y="586509"/>
+            <a:ext cx="979055" cy="120072"/>
+          </a:xfrm>
+          <a:prstGeom prst="bentConnector3">
+            <a:avLst/>
+          </a:prstGeom>
+          <a:ln>
+            <a:tailEnd type="triangle"/>
+          </a:ln>
+        </p:spPr>
+        <p:style>
+          <a:lnRef idx="1">
+            <a:schemeClr val="accent1"/>
+          </a:lnRef>
+          <a:fillRef idx="0">
+            <a:schemeClr val="accent1"/>
+          </a:fillRef>
+          <a:effectRef idx="0">
+            <a:schemeClr val="accent1"/>
+          </a:effectRef>
+          <a:fontRef idx="minor">
+            <a:schemeClr val="tx1"/>
+          </a:fontRef>
+        </p:style>
+      </p:cxnSp>
+      <p:cxnSp>
+        <p:nvCxnSpPr>
+          <p:cNvPr id="12" name="Connector: Elbow 11">
+            <a:extLst>
+              <a:ext uri="{FF2B5EF4-FFF2-40B4-BE49-F238E27FC236}">
+                <a16:creationId xmlns:a16="http://schemas.microsoft.com/office/drawing/2014/main" id="{1D5C81A1-1068-4448-99E0-385F3494AFC4}"/>
+              </a:ext>
+            </a:extLst>
+          </p:cNvPr>
+          <p:cNvCxnSpPr>
+            <a:stCxn id="8" idx="2"/>
+            <a:endCxn id="4" idx="0"/>
+          </p:cNvCxnSpPr>
+          <p:nvPr/>
+        </p:nvCxnSpPr>
+        <p:spPr>
+          <a:xfrm rot="5400000">
+            <a:off x="3606800" y="115454"/>
+            <a:ext cx="646545" cy="3611418"/>
+          </a:xfrm>
+          <a:prstGeom prst="bentConnector3">
+            <a:avLst/>
+          </a:prstGeom>
+          <a:ln>
+            <a:tailEnd type="triangle"/>
+          </a:ln>
+        </p:spPr>
+        <p:style>
+          <a:lnRef idx="1">
+            <a:schemeClr val="accent1"/>
+          </a:lnRef>
+          <a:fillRef idx="0">
+            <a:schemeClr val="accent1"/>
+          </a:fillRef>
+          <a:effectRef idx="0">
+            <a:schemeClr val="accent1"/>
+          </a:effectRef>
+          <a:fontRef idx="minor">
+            <a:schemeClr val="tx1"/>
+          </a:fontRef>
+        </p:style>
+      </p:cxnSp>
+      <p:cxnSp>
+        <p:nvCxnSpPr>
+          <p:cNvPr id="16" name="Connector: Elbow 15">
+            <a:extLst>
+              <a:ext uri="{FF2B5EF4-FFF2-40B4-BE49-F238E27FC236}">
+                <a16:creationId xmlns:a16="http://schemas.microsoft.com/office/drawing/2014/main" id="{FDA13B10-B967-4553-961A-87B7ADF25DEC}"/>
+              </a:ext>
+            </a:extLst>
+          </p:cNvPr>
+          <p:cNvCxnSpPr>
+            <a:stCxn id="8" idx="2"/>
+            <a:endCxn id="6" idx="0"/>
+          </p:cNvCxnSpPr>
+          <p:nvPr/>
+        </p:nvCxnSpPr>
+        <p:spPr>
+          <a:xfrm rot="16200000" flipH="1">
+            <a:off x="5897418" y="1436254"/>
+            <a:ext cx="646545" cy="969818"/>
+          </a:xfrm>
+          <a:prstGeom prst="bentConnector3">
+            <a:avLst/>
+          </a:prstGeom>
+          <a:ln>
+            <a:tailEnd type="triangle"/>
+          </a:ln>
+        </p:spPr>
+        <p:style>
+          <a:lnRef idx="1">
+            <a:schemeClr val="accent1"/>
+          </a:lnRef>
+          <a:fillRef idx="0">
+            <a:schemeClr val="accent1"/>
+          </a:fillRef>
+          <a:effectRef idx="0">
+            <a:schemeClr val="accent1"/>
+          </a:effectRef>
+          <a:fontRef idx="minor">
+            <a:schemeClr val="tx1"/>
+          </a:fontRef>
+        </p:style>
+      </p:cxnSp>
+      <p:cxnSp>
+        <p:nvCxnSpPr>
+          <p:cNvPr id="18" name="Connector: Elbow 17">
+            <a:extLst>
+              <a:ext uri="{FF2B5EF4-FFF2-40B4-BE49-F238E27FC236}">
+                <a16:creationId xmlns:a16="http://schemas.microsoft.com/office/drawing/2014/main" id="{20D92193-DB48-4360-8A8E-CD4FA59E2B38}"/>
+              </a:ext>
+            </a:extLst>
+          </p:cNvPr>
+          <p:cNvCxnSpPr>
+            <a:stCxn id="8" idx="2"/>
+            <a:endCxn id="7" idx="0"/>
+          </p:cNvCxnSpPr>
+          <p:nvPr/>
+        </p:nvCxnSpPr>
+        <p:spPr>
+          <a:xfrm rot="16200000" flipH="1">
+            <a:off x="7107381" y="226290"/>
+            <a:ext cx="646545" cy="3389745"/>
+          </a:xfrm>
+          <a:prstGeom prst="bentConnector3">
+            <a:avLst/>
+          </a:prstGeom>
+          <a:ln>
+            <a:tailEnd type="triangle"/>
+          </a:ln>
+        </p:spPr>
+        <p:style>
+          <a:lnRef idx="1">
+            <a:schemeClr val="accent1"/>
+          </a:lnRef>
+          <a:fillRef idx="0">
+            <a:schemeClr val="accent1"/>
+          </a:fillRef>
+          <a:effectRef idx="0">
+            <a:schemeClr val="accent1"/>
+          </a:effectRef>
+          <a:fontRef idx="minor">
+            <a:schemeClr val="tx1"/>
+          </a:fontRef>
+        </p:style>
+      </p:cxnSp>
+      <p:sp>
+        <p:nvSpPr>
+          <p:cNvPr id="19" name="Rectangle 18">
+            <a:extLst>
+              <a:ext uri="{FF2B5EF4-FFF2-40B4-BE49-F238E27FC236}">
+                <a16:creationId xmlns:a16="http://schemas.microsoft.com/office/drawing/2014/main" id="{1DB65842-3052-4258-85ED-4C34E376A9B8}"/>
               </a:ext>
             </a:extLst>
           </p:cNvPr>
@@ -7123,8 +7344,8 @@
         </p:nvSpPr>
         <p:spPr>
           <a:xfrm>
-            <a:off x="822035" y="2327562"/>
-            <a:ext cx="1653310" cy="1547092"/>
+            <a:off x="1847273" y="4068618"/>
+            <a:ext cx="7352146" cy="544947"/>
           </a:xfrm>
           <a:prstGeom prst="rect">
             <a:avLst/>
@@ -7153,17 +7374,188 @@
             <a:pPr algn="ctr"/>
             <a:r>
               <a:rPr lang="en-US" dirty="0"/>
-              <a:t>LB</a:t>
-            </a:r>
-          </a:p>
-        </p:txBody>
-      </p:sp>
-      <p:sp>
-        <p:nvSpPr>
-          <p:cNvPr id="10" name="Rectangle 9">
-            <a:extLst>
-              <a:ext uri="{FF2B5EF4-FFF2-40B4-BE49-F238E27FC236}">
-                <a16:creationId xmlns:a16="http://schemas.microsoft.com/office/drawing/2014/main" id="{D33C12CE-34E6-40D7-96A7-33AA9D8A3BD9}"/>
+              <a:t>Elastic Cache</a:t>
+            </a:r>
+          </a:p>
+        </p:txBody>
+      </p:sp>
+      <p:cxnSp>
+        <p:nvCxnSpPr>
+          <p:cNvPr id="22" name="Connector: Elbow 21">
+            <a:extLst>
+              <a:ext uri="{FF2B5EF4-FFF2-40B4-BE49-F238E27FC236}">
+                <a16:creationId xmlns:a16="http://schemas.microsoft.com/office/drawing/2014/main" id="{41689CFD-464D-47BC-8FE9-1A6515EE30C1}"/>
+              </a:ext>
+            </a:extLst>
+          </p:cNvPr>
+          <p:cNvCxnSpPr>
+            <a:stCxn id="4" idx="2"/>
+            <a:endCxn id="19" idx="0"/>
+          </p:cNvCxnSpPr>
+          <p:nvPr/>
+        </p:nvCxnSpPr>
+        <p:spPr>
+          <a:xfrm rot="16200000" flipH="1">
+            <a:off x="3336636" y="1881908"/>
+            <a:ext cx="974436" cy="3398983"/>
+          </a:xfrm>
+          <a:prstGeom prst="bentConnector3">
+            <a:avLst/>
+          </a:prstGeom>
+          <a:ln>
+            <a:tailEnd type="triangle"/>
+          </a:ln>
+        </p:spPr>
+        <p:style>
+          <a:lnRef idx="1">
+            <a:schemeClr val="accent1"/>
+          </a:lnRef>
+          <a:fillRef idx="0">
+            <a:schemeClr val="accent1"/>
+          </a:fillRef>
+          <a:effectRef idx="0">
+            <a:schemeClr val="accent1"/>
+          </a:effectRef>
+          <a:fontRef idx="minor">
+            <a:schemeClr val="tx1"/>
+          </a:fontRef>
+        </p:style>
+      </p:cxnSp>
+      <p:cxnSp>
+        <p:nvCxnSpPr>
+          <p:cNvPr id="24" name="Connector: Elbow 23">
+            <a:extLst>
+              <a:ext uri="{FF2B5EF4-FFF2-40B4-BE49-F238E27FC236}">
+                <a16:creationId xmlns:a16="http://schemas.microsoft.com/office/drawing/2014/main" id="{1DC7CBC4-CF36-4B6F-BAA9-309E12028300}"/>
+              </a:ext>
+            </a:extLst>
+          </p:cNvPr>
+          <p:cNvCxnSpPr>
+            <a:stCxn id="5" idx="2"/>
+            <a:endCxn id="19" idx="0"/>
+          </p:cNvCxnSpPr>
+          <p:nvPr/>
+        </p:nvCxnSpPr>
+        <p:spPr>
+          <a:xfrm rot="16200000" flipH="1">
+            <a:off x="4481945" y="3027217"/>
+            <a:ext cx="974436" cy="1108365"/>
+          </a:xfrm>
+          <a:prstGeom prst="bentConnector3">
+            <a:avLst/>
+          </a:prstGeom>
+          <a:ln>
+            <a:tailEnd type="triangle"/>
+          </a:ln>
+        </p:spPr>
+        <p:style>
+          <a:lnRef idx="1">
+            <a:schemeClr val="accent1"/>
+          </a:lnRef>
+          <a:fillRef idx="0">
+            <a:schemeClr val="accent1"/>
+          </a:fillRef>
+          <a:effectRef idx="0">
+            <a:schemeClr val="accent1"/>
+          </a:effectRef>
+          <a:fontRef idx="minor">
+            <a:schemeClr val="tx1"/>
+          </a:fontRef>
+        </p:style>
+      </p:cxnSp>
+      <p:cxnSp>
+        <p:nvCxnSpPr>
+          <p:cNvPr id="26" name="Connector: Elbow 25">
+            <a:extLst>
+              <a:ext uri="{FF2B5EF4-FFF2-40B4-BE49-F238E27FC236}">
+                <a16:creationId xmlns:a16="http://schemas.microsoft.com/office/drawing/2014/main" id="{7046EF31-1EC6-4FDE-82D7-0E67E6F95D5E}"/>
+              </a:ext>
+            </a:extLst>
+          </p:cNvPr>
+          <p:cNvCxnSpPr>
+            <a:cxnSpLocks/>
+            <a:stCxn id="6" idx="2"/>
+            <a:endCxn id="19" idx="0"/>
+          </p:cNvCxnSpPr>
+          <p:nvPr/>
+        </p:nvCxnSpPr>
+        <p:spPr>
+          <a:xfrm rot="5400000">
+            <a:off x="5627255" y="2990274"/>
+            <a:ext cx="974436" cy="1182253"/>
+          </a:xfrm>
+          <a:prstGeom prst="bentConnector3">
+            <a:avLst>
+              <a:gd name="adj1" fmla="val 50000"/>
+            </a:avLst>
+          </a:prstGeom>
+          <a:ln>
+            <a:tailEnd type="triangle"/>
+          </a:ln>
+        </p:spPr>
+        <p:style>
+          <a:lnRef idx="1">
+            <a:schemeClr val="accent1"/>
+          </a:lnRef>
+          <a:fillRef idx="0">
+            <a:schemeClr val="accent1"/>
+          </a:fillRef>
+          <a:effectRef idx="0">
+            <a:schemeClr val="accent1"/>
+          </a:effectRef>
+          <a:fontRef idx="minor">
+            <a:schemeClr val="tx1"/>
+          </a:fontRef>
+        </p:style>
+      </p:cxnSp>
+      <p:cxnSp>
+        <p:nvCxnSpPr>
+          <p:cNvPr id="29" name="Connector: Elbow 28">
+            <a:extLst>
+              <a:ext uri="{FF2B5EF4-FFF2-40B4-BE49-F238E27FC236}">
+                <a16:creationId xmlns:a16="http://schemas.microsoft.com/office/drawing/2014/main" id="{16C541E1-C122-437C-B409-9F4237477112}"/>
+              </a:ext>
+            </a:extLst>
+          </p:cNvPr>
+          <p:cNvCxnSpPr>
+            <a:stCxn id="7" idx="2"/>
+            <a:endCxn id="19" idx="0"/>
+          </p:cNvCxnSpPr>
+          <p:nvPr/>
+        </p:nvCxnSpPr>
+        <p:spPr>
+          <a:xfrm rot="5400000">
+            <a:off x="6837218" y="1780310"/>
+            <a:ext cx="974436" cy="3602180"/>
+          </a:xfrm>
+          <a:prstGeom prst="bentConnector3">
+            <a:avLst/>
+          </a:prstGeom>
+          <a:ln>
+            <a:tailEnd type="triangle"/>
+          </a:ln>
+        </p:spPr>
+        <p:style>
+          <a:lnRef idx="1">
+            <a:schemeClr val="accent1"/>
+          </a:lnRef>
+          <a:fillRef idx="0">
+            <a:schemeClr val="accent1"/>
+          </a:fillRef>
+          <a:effectRef idx="0">
+            <a:schemeClr val="accent1"/>
+          </a:effectRef>
+          <a:fontRef idx="minor">
+            <a:schemeClr val="tx1"/>
+          </a:fontRef>
+        </p:style>
+      </p:cxnSp>
+      <p:sp>
+        <p:nvSpPr>
+          <p:cNvPr id="32" name="Rectangle 31">
+            <a:extLst>
+              <a:ext uri="{FF2B5EF4-FFF2-40B4-BE49-F238E27FC236}">
+                <a16:creationId xmlns:a16="http://schemas.microsoft.com/office/drawing/2014/main" id="{518FB00F-CD70-49A1-8824-515797C99053}"/>
               </a:ext>
             </a:extLst>
           </p:cNvPr>
@@ -7172,8 +7564,8 @@
         </p:nvSpPr>
         <p:spPr>
           <a:xfrm>
-            <a:off x="3121892" y="1050635"/>
-            <a:ext cx="1413166" cy="4082473"/>
+            <a:off x="4733635" y="5514111"/>
+            <a:ext cx="1634837" cy="1080654"/>
           </a:xfrm>
           <a:prstGeom prst="rect">
             <a:avLst/>
@@ -7200,520 +7592,14 @@
           <a:lstStyle/>
           <a:p>
             <a:pPr algn="ctr"/>
-            <a:r>
-              <a:rPr lang="en-US" dirty="0"/>
-              <a:t>ASG</a:t>
-            </a:r>
-          </a:p>
-        </p:txBody>
-      </p:sp>
-      <p:cxnSp>
-        <p:nvCxnSpPr>
-          <p:cNvPr id="12" name="Connector: Elbow 11">
-            <a:extLst>
-              <a:ext uri="{FF2B5EF4-FFF2-40B4-BE49-F238E27FC236}">
-                <a16:creationId xmlns:a16="http://schemas.microsoft.com/office/drawing/2014/main" id="{6AEF1FAA-E1BD-4C01-8545-F35B8328A607}"/>
-              </a:ext>
-            </a:extLst>
-          </p:cNvPr>
-          <p:cNvCxnSpPr>
-            <a:cxnSpLocks/>
-            <a:stCxn id="9" idx="3"/>
-            <a:endCxn id="10" idx="1"/>
-          </p:cNvCxnSpPr>
-          <p:nvPr/>
-        </p:nvCxnSpPr>
-        <p:spPr>
-          <a:xfrm flipV="1">
-            <a:off x="2475345" y="3091872"/>
-            <a:ext cx="646547" cy="9236"/>
-          </a:xfrm>
-          <a:prstGeom prst="bentConnector3">
-            <a:avLst/>
-          </a:prstGeom>
-          <a:ln>
-            <a:tailEnd type="triangle"/>
-          </a:ln>
-        </p:spPr>
-        <p:style>
-          <a:lnRef idx="1">
-            <a:schemeClr val="accent1"/>
-          </a:lnRef>
-          <a:fillRef idx="0">
-            <a:schemeClr val="accent1"/>
-          </a:fillRef>
-          <a:effectRef idx="0">
-            <a:schemeClr val="accent1"/>
-          </a:effectRef>
-          <a:fontRef idx="minor">
-            <a:schemeClr val="tx1"/>
-          </a:fontRef>
-        </p:style>
-      </p:cxnSp>
-      <p:cxnSp>
-        <p:nvCxnSpPr>
-          <p:cNvPr id="15" name="Connector: Elbow 14">
-            <a:extLst>
-              <a:ext uri="{FF2B5EF4-FFF2-40B4-BE49-F238E27FC236}">
-                <a16:creationId xmlns:a16="http://schemas.microsoft.com/office/drawing/2014/main" id="{10F4EA84-E330-483A-B1FF-76E05BE9790B}"/>
-              </a:ext>
-            </a:extLst>
-          </p:cNvPr>
-          <p:cNvCxnSpPr>
-            <a:cxnSpLocks/>
-            <a:stCxn id="10" idx="3"/>
-            <a:endCxn id="8" idx="1"/>
-          </p:cNvCxnSpPr>
-          <p:nvPr/>
-        </p:nvCxnSpPr>
-        <p:spPr>
-          <a:xfrm flipV="1">
-            <a:off x="4535058" y="713508"/>
-            <a:ext cx="1237671" cy="2378364"/>
-          </a:xfrm>
-          <a:prstGeom prst="bentConnector3">
-            <a:avLst/>
-          </a:prstGeom>
-          <a:ln>
-            <a:tailEnd type="triangle"/>
-          </a:ln>
-        </p:spPr>
-        <p:style>
-          <a:lnRef idx="1">
-            <a:schemeClr val="accent1"/>
-          </a:lnRef>
-          <a:fillRef idx="0">
-            <a:schemeClr val="accent1"/>
-          </a:fillRef>
-          <a:effectRef idx="0">
-            <a:schemeClr val="accent1"/>
-          </a:effectRef>
-          <a:fontRef idx="minor">
-            <a:schemeClr val="tx1"/>
-          </a:fontRef>
-        </p:style>
-      </p:cxnSp>
-      <p:cxnSp>
-        <p:nvCxnSpPr>
-          <p:cNvPr id="17" name="Connector: Elbow 16">
-            <a:extLst>
-              <a:ext uri="{FF2B5EF4-FFF2-40B4-BE49-F238E27FC236}">
-                <a16:creationId xmlns:a16="http://schemas.microsoft.com/office/drawing/2014/main" id="{7EC9E5F7-56EB-438A-8D84-C1491C070D84}"/>
-              </a:ext>
-            </a:extLst>
-          </p:cNvPr>
-          <p:cNvCxnSpPr>
-            <a:cxnSpLocks/>
-            <a:stCxn id="9" idx="3"/>
-            <a:endCxn id="4" idx="1"/>
-          </p:cNvCxnSpPr>
-          <p:nvPr/>
-        </p:nvCxnSpPr>
-        <p:spPr>
-          <a:xfrm flipV="1">
-            <a:off x="2475345" y="1729508"/>
-            <a:ext cx="3334329" cy="1371600"/>
-          </a:xfrm>
-          <a:prstGeom prst="bentConnector3">
-            <a:avLst/>
-          </a:prstGeom>
-          <a:ln>
-            <a:tailEnd type="triangle"/>
-          </a:ln>
-        </p:spPr>
-        <p:style>
-          <a:lnRef idx="1">
-            <a:schemeClr val="accent1"/>
-          </a:lnRef>
-          <a:fillRef idx="0">
-            <a:schemeClr val="accent1"/>
-          </a:fillRef>
-          <a:effectRef idx="0">
-            <a:schemeClr val="accent1"/>
-          </a:effectRef>
-          <a:fontRef idx="minor">
-            <a:schemeClr val="tx1"/>
-          </a:fontRef>
-        </p:style>
-      </p:cxnSp>
-      <p:cxnSp>
-        <p:nvCxnSpPr>
-          <p:cNvPr id="19" name="Connector: Elbow 18">
-            <a:extLst>
-              <a:ext uri="{FF2B5EF4-FFF2-40B4-BE49-F238E27FC236}">
-                <a16:creationId xmlns:a16="http://schemas.microsoft.com/office/drawing/2014/main" id="{6E210AAD-AB2F-4B22-AB6D-64912F50F7CC}"/>
-              </a:ext>
-            </a:extLst>
-          </p:cNvPr>
-          <p:cNvCxnSpPr>
-            <a:cxnSpLocks/>
-            <a:stCxn id="10" idx="3"/>
-            <a:endCxn id="5" idx="1"/>
-          </p:cNvCxnSpPr>
-          <p:nvPr/>
-        </p:nvCxnSpPr>
-        <p:spPr>
-          <a:xfrm flipV="1">
-            <a:off x="4535058" y="2856345"/>
-            <a:ext cx="1246907" cy="235527"/>
-          </a:xfrm>
-          <a:prstGeom prst="bentConnector3">
-            <a:avLst/>
-          </a:prstGeom>
-          <a:ln>
-            <a:tailEnd type="triangle"/>
-          </a:ln>
-        </p:spPr>
-        <p:style>
-          <a:lnRef idx="1">
-            <a:schemeClr val="accent1"/>
-          </a:lnRef>
-          <a:fillRef idx="0">
-            <a:schemeClr val="accent1"/>
-          </a:fillRef>
-          <a:effectRef idx="0">
-            <a:schemeClr val="accent1"/>
-          </a:effectRef>
-          <a:fontRef idx="minor">
-            <a:schemeClr val="tx1"/>
-          </a:fontRef>
-        </p:style>
-      </p:cxnSp>
-      <p:cxnSp>
-        <p:nvCxnSpPr>
-          <p:cNvPr id="21" name="Connector: Elbow 20">
-            <a:extLst>
-              <a:ext uri="{FF2B5EF4-FFF2-40B4-BE49-F238E27FC236}">
-                <a16:creationId xmlns:a16="http://schemas.microsoft.com/office/drawing/2014/main" id="{EBA9A271-2D40-40A7-9E7F-2C71ECFFF393}"/>
-              </a:ext>
-            </a:extLst>
-          </p:cNvPr>
-          <p:cNvCxnSpPr>
-            <a:cxnSpLocks/>
-            <a:stCxn id="10" idx="3"/>
-            <a:endCxn id="6" idx="1"/>
-          </p:cNvCxnSpPr>
-          <p:nvPr/>
-        </p:nvCxnSpPr>
-        <p:spPr>
-          <a:xfrm>
-            <a:off x="4535058" y="3091872"/>
-            <a:ext cx="1237671" cy="891310"/>
-          </a:xfrm>
-          <a:prstGeom prst="bentConnector3">
-            <a:avLst/>
-          </a:prstGeom>
-          <a:ln>
-            <a:tailEnd type="triangle"/>
-          </a:ln>
-        </p:spPr>
-        <p:style>
-          <a:lnRef idx="1">
-            <a:schemeClr val="accent1"/>
-          </a:lnRef>
-          <a:fillRef idx="0">
-            <a:schemeClr val="accent1"/>
-          </a:fillRef>
-          <a:effectRef idx="0">
-            <a:schemeClr val="accent1"/>
-          </a:effectRef>
-          <a:fontRef idx="minor">
-            <a:schemeClr val="tx1"/>
-          </a:fontRef>
-        </p:style>
-      </p:cxnSp>
-      <p:cxnSp>
-        <p:nvCxnSpPr>
-          <p:cNvPr id="30" name="Connector: Elbow 29">
-            <a:extLst>
-              <a:ext uri="{FF2B5EF4-FFF2-40B4-BE49-F238E27FC236}">
-                <a16:creationId xmlns:a16="http://schemas.microsoft.com/office/drawing/2014/main" id="{442A4966-D530-40D3-A48F-96905A96DC73}"/>
-              </a:ext>
-            </a:extLst>
-          </p:cNvPr>
-          <p:cNvCxnSpPr>
-            <a:cxnSpLocks/>
-            <a:stCxn id="10" idx="3"/>
-            <a:endCxn id="7" idx="1"/>
-          </p:cNvCxnSpPr>
-          <p:nvPr/>
-        </p:nvCxnSpPr>
-        <p:spPr>
-          <a:xfrm>
-            <a:off x="4535058" y="3091872"/>
-            <a:ext cx="1283852" cy="2059711"/>
-          </a:xfrm>
-          <a:prstGeom prst="bentConnector3">
-            <a:avLst/>
-          </a:prstGeom>
-          <a:ln>
-            <a:tailEnd type="triangle"/>
-          </a:ln>
-        </p:spPr>
-        <p:style>
-          <a:lnRef idx="1">
-            <a:schemeClr val="accent1"/>
-          </a:lnRef>
-          <a:fillRef idx="0">
-            <a:schemeClr val="accent1"/>
-          </a:fillRef>
-          <a:effectRef idx="0">
-            <a:schemeClr val="accent1"/>
-          </a:effectRef>
-          <a:fontRef idx="minor">
-            <a:schemeClr val="tx1"/>
-          </a:fontRef>
-        </p:style>
-      </p:cxnSp>
-      <p:sp>
-        <p:nvSpPr>
-          <p:cNvPr id="31" name="Arrow: Down 30">
-            <a:extLst>
-              <a:ext uri="{FF2B5EF4-FFF2-40B4-BE49-F238E27FC236}">
-                <a16:creationId xmlns:a16="http://schemas.microsoft.com/office/drawing/2014/main" id="{2EBB6B01-9CB1-42EA-BFFA-EE9CA83F72CA}"/>
-              </a:ext>
-            </a:extLst>
-          </p:cNvPr>
-          <p:cNvSpPr/>
-          <p:nvPr/>
-        </p:nvSpPr>
-        <p:spPr>
-          <a:xfrm>
-            <a:off x="8986981" y="1482435"/>
-            <a:ext cx="1117600" cy="1690254"/>
-          </a:xfrm>
-          <a:prstGeom prst="downArrow">
-            <a:avLst/>
-          </a:prstGeom>
-        </p:spPr>
-        <p:style>
-          <a:lnRef idx="2">
-            <a:schemeClr val="accent1">
-              <a:shade val="50000"/>
-            </a:schemeClr>
-          </a:lnRef>
-          <a:fillRef idx="1">
-            <a:schemeClr val="accent1"/>
-          </a:fillRef>
-          <a:effectRef idx="0">
-            <a:schemeClr val="accent1"/>
-          </a:effectRef>
-          <a:fontRef idx="minor">
-            <a:schemeClr val="lt1"/>
-          </a:fontRef>
-        </p:style>
-        <p:txBody>
-          <a:bodyPr rtlCol="0" anchor="ctr"/>
-          <a:lstStyle/>
-          <a:p>
-            <a:pPr algn="ctr"/>
             <a:endParaRPr lang="en-US"/>
-          </a:p>
-        </p:txBody>
-      </p:sp>
-      <p:sp>
-        <p:nvSpPr>
-          <p:cNvPr id="32" name="Arrow: Down 31">
-            <a:extLst>
-              <a:ext uri="{FF2B5EF4-FFF2-40B4-BE49-F238E27FC236}">
-                <a16:creationId xmlns:a16="http://schemas.microsoft.com/office/drawing/2014/main" id="{AFEA5250-7E79-4A80-8478-B2BACF32CEB5}"/>
-              </a:ext>
-            </a:extLst>
-          </p:cNvPr>
-          <p:cNvSpPr/>
-          <p:nvPr/>
-        </p:nvSpPr>
-        <p:spPr>
-          <a:xfrm rot="10800000">
-            <a:off x="8100290" y="1907311"/>
-            <a:ext cx="1117600" cy="1690254"/>
-          </a:xfrm>
-          <a:prstGeom prst="downArrow">
-            <a:avLst/>
-          </a:prstGeom>
-        </p:spPr>
-        <p:style>
-          <a:lnRef idx="2">
-            <a:schemeClr val="accent1">
-              <a:shade val="50000"/>
-            </a:schemeClr>
-          </a:lnRef>
-          <a:fillRef idx="1">
-            <a:schemeClr val="accent1"/>
-          </a:fillRef>
-          <a:effectRef idx="0">
-            <a:schemeClr val="accent1"/>
-          </a:effectRef>
-          <a:fontRef idx="minor">
-            <a:schemeClr val="lt1"/>
-          </a:fontRef>
-        </p:style>
-        <p:txBody>
-          <a:bodyPr rtlCol="0" anchor="ctr"/>
-          <a:lstStyle/>
-          <a:p>
-            <a:pPr algn="ctr"/>
-            <a:endParaRPr lang="en-US"/>
-          </a:p>
-        </p:txBody>
-      </p:sp>
-      <p:sp>
-        <p:nvSpPr>
-          <p:cNvPr id="38" name="Rectangle 37">
-            <a:extLst>
-              <a:ext uri="{FF2B5EF4-FFF2-40B4-BE49-F238E27FC236}">
-                <a16:creationId xmlns:a16="http://schemas.microsoft.com/office/drawing/2014/main" id="{55F87451-A7FB-4EFA-941E-EBECDC811AA2}"/>
-              </a:ext>
-            </a:extLst>
-          </p:cNvPr>
-          <p:cNvSpPr/>
-          <p:nvPr/>
-        </p:nvSpPr>
-        <p:spPr>
-          <a:xfrm>
-            <a:off x="1311564" y="140853"/>
-            <a:ext cx="997990" cy="471054"/>
-          </a:xfrm>
-          <a:prstGeom prst="rect">
-            <a:avLst/>
-          </a:prstGeom>
-        </p:spPr>
-        <p:style>
-          <a:lnRef idx="2">
-            <a:schemeClr val="accent1">
-              <a:shade val="50000"/>
-            </a:schemeClr>
-          </a:lnRef>
-          <a:fillRef idx="1">
-            <a:schemeClr val="accent1"/>
-          </a:fillRef>
-          <a:effectRef idx="0">
-            <a:schemeClr val="accent1"/>
-          </a:effectRef>
-          <a:fontRef idx="minor">
-            <a:schemeClr val="lt1"/>
-          </a:fontRef>
-        </p:style>
-        <p:txBody>
-          <a:bodyPr rtlCol="0" anchor="ctr"/>
-          <a:lstStyle/>
-          <a:p>
-            <a:pPr algn="ctr"/>
-            <a:r>
-              <a:rPr lang="en-US" dirty="0"/>
-              <a:t>Disk/</a:t>
-            </a:r>
-            <a:r>
-              <a:rPr lang="en-US" dirty="0" err="1"/>
-              <a:t>cpu</a:t>
-            </a:r>
-            <a:endParaRPr lang="en-US" dirty="0"/>
-          </a:p>
-        </p:txBody>
-      </p:sp>
-      <p:sp>
-        <p:nvSpPr>
-          <p:cNvPr id="39" name="Rectangle 38">
-            <a:extLst>
-              <a:ext uri="{FF2B5EF4-FFF2-40B4-BE49-F238E27FC236}">
-                <a16:creationId xmlns:a16="http://schemas.microsoft.com/office/drawing/2014/main" id="{AB5B6760-3427-4D97-9CE9-F3A5593FF1C9}"/>
-              </a:ext>
-            </a:extLst>
-          </p:cNvPr>
-          <p:cNvSpPr/>
-          <p:nvPr/>
-        </p:nvSpPr>
-        <p:spPr>
-          <a:xfrm>
-            <a:off x="2401454" y="145470"/>
-            <a:ext cx="997990" cy="471054"/>
-          </a:xfrm>
-          <a:prstGeom prst="rect">
-            <a:avLst/>
-          </a:prstGeom>
-        </p:spPr>
-        <p:style>
-          <a:lnRef idx="2">
-            <a:schemeClr val="accent1">
-              <a:shade val="50000"/>
-            </a:schemeClr>
-          </a:lnRef>
-          <a:fillRef idx="1">
-            <a:schemeClr val="accent1"/>
-          </a:fillRef>
-          <a:effectRef idx="0">
-            <a:schemeClr val="accent1"/>
-          </a:effectRef>
-          <a:fontRef idx="minor">
-            <a:schemeClr val="lt1"/>
-          </a:fontRef>
-        </p:style>
-        <p:txBody>
-          <a:bodyPr rtlCol="0" anchor="ctr"/>
-          <a:lstStyle/>
-          <a:p>
-            <a:pPr algn="ctr"/>
-            <a:r>
-              <a:rPr lang="en-US" dirty="0" err="1"/>
-              <a:t>Nrequest</a:t>
-            </a:r>
-            <a:endParaRPr lang="en-US" dirty="0"/>
-          </a:p>
-        </p:txBody>
-      </p:sp>
-      <p:sp>
-        <p:nvSpPr>
-          <p:cNvPr id="40" name="Rectangle 39">
-            <a:extLst>
-              <a:ext uri="{FF2B5EF4-FFF2-40B4-BE49-F238E27FC236}">
-                <a16:creationId xmlns:a16="http://schemas.microsoft.com/office/drawing/2014/main" id="{478884BA-9F33-4770-9CB0-986B90595A25}"/>
-              </a:ext>
-            </a:extLst>
-          </p:cNvPr>
-          <p:cNvSpPr/>
-          <p:nvPr/>
-        </p:nvSpPr>
-        <p:spPr>
-          <a:xfrm>
-            <a:off x="3491344" y="140851"/>
-            <a:ext cx="997990" cy="471054"/>
-          </a:xfrm>
-          <a:prstGeom prst="rect">
-            <a:avLst/>
-          </a:prstGeom>
-        </p:spPr>
-        <p:style>
-          <a:lnRef idx="2">
-            <a:schemeClr val="accent1">
-              <a:shade val="50000"/>
-            </a:schemeClr>
-          </a:lnRef>
-          <a:fillRef idx="1">
-            <a:schemeClr val="accent1"/>
-          </a:fillRef>
-          <a:effectRef idx="0">
-            <a:schemeClr val="accent1"/>
-          </a:effectRef>
-          <a:fontRef idx="minor">
-            <a:schemeClr val="lt1"/>
-          </a:fontRef>
-        </p:style>
-        <p:txBody>
-          <a:bodyPr rtlCol="0" anchor="ctr"/>
-          <a:lstStyle/>
-          <a:p>
-            <a:pPr algn="ctr"/>
-            <a:r>
-              <a:rPr lang="en-US" dirty="0"/>
-              <a:t>Network</a:t>
-            </a:r>
           </a:p>
         </p:txBody>
       </p:sp>
     </p:spTree>
     <p:extLst>
       <p:ext uri="{BB962C8B-B14F-4D97-AF65-F5344CB8AC3E}">
-        <p14:creationId xmlns:p14="http://schemas.microsoft.com/office/powerpoint/2010/main" val="3132667564"/>
+        <p14:creationId xmlns:p14="http://schemas.microsoft.com/office/powerpoint/2010/main" val="1092387015"/>
       </p:ext>
     </p:extLst>
   </p:cSld>
@@ -7742,6 +7628,883 @@
       </p:grpSpPr>
       <p:sp>
         <p:nvSpPr>
+          <p:cNvPr id="4" name="Rectangle 3">
+            <a:extLst>
+              <a:ext uri="{FF2B5EF4-FFF2-40B4-BE49-F238E27FC236}">
+                <a16:creationId xmlns:a16="http://schemas.microsoft.com/office/drawing/2014/main" id="{98E7FC4A-BC32-437C-974D-78CDDCFDC5DF}"/>
+              </a:ext>
+            </a:extLst>
+          </p:cNvPr>
+          <p:cNvSpPr/>
+          <p:nvPr/>
+        </p:nvSpPr>
+        <p:spPr>
+          <a:xfrm>
+            <a:off x="5809674" y="1392380"/>
+            <a:ext cx="2032000" cy="674255"/>
+          </a:xfrm>
+          <a:prstGeom prst="rect">
+            <a:avLst/>
+          </a:prstGeom>
+        </p:spPr>
+        <p:style>
+          <a:lnRef idx="2">
+            <a:schemeClr val="accent1">
+              <a:shade val="50000"/>
+            </a:schemeClr>
+          </a:lnRef>
+          <a:fillRef idx="1">
+            <a:schemeClr val="accent1"/>
+          </a:fillRef>
+          <a:effectRef idx="0">
+            <a:schemeClr val="accent1"/>
+          </a:effectRef>
+          <a:fontRef idx="minor">
+            <a:schemeClr val="lt1"/>
+          </a:fontRef>
+        </p:style>
+        <p:txBody>
+          <a:bodyPr rtlCol="0" anchor="ctr"/>
+          <a:lstStyle/>
+          <a:p>
+            <a:pPr algn="ctr"/>
+            <a:r>
+              <a:rPr lang="en-US" dirty="0"/>
+              <a:t>Lambda</a:t>
+            </a:r>
+          </a:p>
+        </p:txBody>
+      </p:sp>
+      <p:sp>
+        <p:nvSpPr>
+          <p:cNvPr id="5" name="Rectangle 4">
+            <a:extLst>
+              <a:ext uri="{FF2B5EF4-FFF2-40B4-BE49-F238E27FC236}">
+                <a16:creationId xmlns:a16="http://schemas.microsoft.com/office/drawing/2014/main" id="{44AAC47F-2194-45F0-871F-F47D24699D0C}"/>
+              </a:ext>
+            </a:extLst>
+          </p:cNvPr>
+          <p:cNvSpPr/>
+          <p:nvPr/>
+        </p:nvSpPr>
+        <p:spPr>
+          <a:xfrm>
+            <a:off x="5781965" y="2519217"/>
+            <a:ext cx="2032000" cy="674255"/>
+          </a:xfrm>
+          <a:prstGeom prst="rect">
+            <a:avLst/>
+          </a:prstGeom>
+        </p:spPr>
+        <p:style>
+          <a:lnRef idx="2">
+            <a:schemeClr val="accent1">
+              <a:shade val="50000"/>
+            </a:schemeClr>
+          </a:lnRef>
+          <a:fillRef idx="1">
+            <a:schemeClr val="accent1"/>
+          </a:fillRef>
+          <a:effectRef idx="0">
+            <a:schemeClr val="accent1"/>
+          </a:effectRef>
+          <a:fontRef idx="minor">
+            <a:schemeClr val="lt1"/>
+          </a:fontRef>
+        </p:style>
+        <p:txBody>
+          <a:bodyPr rtlCol="0" anchor="ctr"/>
+          <a:lstStyle/>
+          <a:p>
+            <a:pPr algn="ctr"/>
+            <a:r>
+              <a:rPr lang="en-US" dirty="0" err="1"/>
+              <a:t>BeanStalk</a:t>
+            </a:r>
+            <a:endParaRPr lang="en-US" dirty="0"/>
+          </a:p>
+        </p:txBody>
+      </p:sp>
+      <p:sp>
+        <p:nvSpPr>
+          <p:cNvPr id="6" name="Rectangle 5">
+            <a:extLst>
+              <a:ext uri="{FF2B5EF4-FFF2-40B4-BE49-F238E27FC236}">
+                <a16:creationId xmlns:a16="http://schemas.microsoft.com/office/drawing/2014/main" id="{84F884D7-8F4A-4AA5-9F81-31B574E9CF14}"/>
+              </a:ext>
+            </a:extLst>
+          </p:cNvPr>
+          <p:cNvSpPr/>
+          <p:nvPr/>
+        </p:nvSpPr>
+        <p:spPr>
+          <a:xfrm>
+            <a:off x="5772729" y="3646054"/>
+            <a:ext cx="2032000" cy="674255"/>
+          </a:xfrm>
+          <a:prstGeom prst="rect">
+            <a:avLst/>
+          </a:prstGeom>
+        </p:spPr>
+        <p:style>
+          <a:lnRef idx="2">
+            <a:schemeClr val="accent1">
+              <a:shade val="50000"/>
+            </a:schemeClr>
+          </a:lnRef>
+          <a:fillRef idx="1">
+            <a:schemeClr val="accent1"/>
+          </a:fillRef>
+          <a:effectRef idx="0">
+            <a:schemeClr val="accent1"/>
+          </a:effectRef>
+          <a:fontRef idx="minor">
+            <a:schemeClr val="lt1"/>
+          </a:fontRef>
+        </p:style>
+        <p:txBody>
+          <a:bodyPr rtlCol="0" anchor="ctr"/>
+          <a:lstStyle/>
+          <a:p>
+            <a:pPr algn="ctr"/>
+            <a:r>
+              <a:rPr lang="en-US" dirty="0"/>
+              <a:t>ECS</a:t>
+            </a:r>
+          </a:p>
+        </p:txBody>
+      </p:sp>
+      <p:sp>
+        <p:nvSpPr>
+          <p:cNvPr id="7" name="Rectangle 6">
+            <a:extLst>
+              <a:ext uri="{FF2B5EF4-FFF2-40B4-BE49-F238E27FC236}">
+                <a16:creationId xmlns:a16="http://schemas.microsoft.com/office/drawing/2014/main" id="{880E55E7-5994-4A52-B76F-2B4C64C90533}"/>
+              </a:ext>
+            </a:extLst>
+          </p:cNvPr>
+          <p:cNvSpPr/>
+          <p:nvPr/>
+        </p:nvSpPr>
+        <p:spPr>
+          <a:xfrm>
+            <a:off x="5818910" y="4814455"/>
+            <a:ext cx="2032000" cy="674255"/>
+          </a:xfrm>
+          <a:prstGeom prst="rect">
+            <a:avLst/>
+          </a:prstGeom>
+        </p:spPr>
+        <p:style>
+          <a:lnRef idx="2">
+            <a:schemeClr val="accent1">
+              <a:shade val="50000"/>
+            </a:schemeClr>
+          </a:lnRef>
+          <a:fillRef idx="1">
+            <a:schemeClr val="accent1"/>
+          </a:fillRef>
+          <a:effectRef idx="0">
+            <a:schemeClr val="accent1"/>
+          </a:effectRef>
+          <a:fontRef idx="minor">
+            <a:schemeClr val="lt1"/>
+          </a:fontRef>
+        </p:style>
+        <p:txBody>
+          <a:bodyPr rtlCol="0" anchor="ctr"/>
+          <a:lstStyle/>
+          <a:p>
+            <a:pPr algn="ctr"/>
+            <a:r>
+              <a:rPr lang="en-US" dirty="0"/>
+              <a:t>EKS</a:t>
+            </a:r>
+          </a:p>
+        </p:txBody>
+      </p:sp>
+      <p:sp>
+        <p:nvSpPr>
+          <p:cNvPr id="8" name="Rectangle 7">
+            <a:extLst>
+              <a:ext uri="{FF2B5EF4-FFF2-40B4-BE49-F238E27FC236}">
+                <a16:creationId xmlns:a16="http://schemas.microsoft.com/office/drawing/2014/main" id="{CA035216-B5FA-4ED5-8517-133963730630}"/>
+              </a:ext>
+            </a:extLst>
+          </p:cNvPr>
+          <p:cNvSpPr/>
+          <p:nvPr/>
+        </p:nvSpPr>
+        <p:spPr>
+          <a:xfrm>
+            <a:off x="5772729" y="376380"/>
+            <a:ext cx="2032000" cy="674255"/>
+          </a:xfrm>
+          <a:prstGeom prst="rect">
+            <a:avLst/>
+          </a:prstGeom>
+        </p:spPr>
+        <p:style>
+          <a:lnRef idx="2">
+            <a:schemeClr val="accent1">
+              <a:shade val="50000"/>
+            </a:schemeClr>
+          </a:lnRef>
+          <a:fillRef idx="1">
+            <a:schemeClr val="accent1"/>
+          </a:fillRef>
+          <a:effectRef idx="0">
+            <a:schemeClr val="accent1"/>
+          </a:effectRef>
+          <a:fontRef idx="minor">
+            <a:schemeClr val="lt1"/>
+          </a:fontRef>
+        </p:style>
+        <p:txBody>
+          <a:bodyPr rtlCol="0" anchor="ctr"/>
+          <a:lstStyle/>
+          <a:p>
+            <a:pPr algn="ctr"/>
+            <a:r>
+              <a:rPr lang="en-US" dirty="0"/>
+              <a:t>EC2</a:t>
+            </a:r>
+          </a:p>
+        </p:txBody>
+      </p:sp>
+      <p:sp>
+        <p:nvSpPr>
+          <p:cNvPr id="9" name="Rectangle 8">
+            <a:extLst>
+              <a:ext uri="{FF2B5EF4-FFF2-40B4-BE49-F238E27FC236}">
+                <a16:creationId xmlns:a16="http://schemas.microsoft.com/office/drawing/2014/main" id="{519E3375-4CC2-4936-86AB-1DE5D27B9E3C}"/>
+              </a:ext>
+            </a:extLst>
+          </p:cNvPr>
+          <p:cNvSpPr/>
+          <p:nvPr/>
+        </p:nvSpPr>
+        <p:spPr>
+          <a:xfrm>
+            <a:off x="822035" y="2327562"/>
+            <a:ext cx="1653310" cy="1547092"/>
+          </a:xfrm>
+          <a:prstGeom prst="rect">
+            <a:avLst/>
+          </a:prstGeom>
+        </p:spPr>
+        <p:style>
+          <a:lnRef idx="2">
+            <a:schemeClr val="accent1">
+              <a:shade val="50000"/>
+            </a:schemeClr>
+          </a:lnRef>
+          <a:fillRef idx="1">
+            <a:schemeClr val="accent1"/>
+          </a:fillRef>
+          <a:effectRef idx="0">
+            <a:schemeClr val="accent1"/>
+          </a:effectRef>
+          <a:fontRef idx="minor">
+            <a:schemeClr val="lt1"/>
+          </a:fontRef>
+        </p:style>
+        <p:txBody>
+          <a:bodyPr rtlCol="0" anchor="ctr"/>
+          <a:lstStyle/>
+          <a:p>
+            <a:pPr algn="ctr"/>
+            <a:r>
+              <a:rPr lang="en-US" dirty="0"/>
+              <a:t>LB</a:t>
+            </a:r>
+          </a:p>
+        </p:txBody>
+      </p:sp>
+      <p:sp>
+        <p:nvSpPr>
+          <p:cNvPr id="10" name="Rectangle 9">
+            <a:extLst>
+              <a:ext uri="{FF2B5EF4-FFF2-40B4-BE49-F238E27FC236}">
+                <a16:creationId xmlns:a16="http://schemas.microsoft.com/office/drawing/2014/main" id="{D33C12CE-34E6-40D7-96A7-33AA9D8A3BD9}"/>
+              </a:ext>
+            </a:extLst>
+          </p:cNvPr>
+          <p:cNvSpPr/>
+          <p:nvPr/>
+        </p:nvSpPr>
+        <p:spPr>
+          <a:xfrm>
+            <a:off x="3121892" y="1050635"/>
+            <a:ext cx="1413166" cy="4082473"/>
+          </a:xfrm>
+          <a:prstGeom prst="rect">
+            <a:avLst/>
+          </a:prstGeom>
+        </p:spPr>
+        <p:style>
+          <a:lnRef idx="2">
+            <a:schemeClr val="accent1">
+              <a:shade val="50000"/>
+            </a:schemeClr>
+          </a:lnRef>
+          <a:fillRef idx="1">
+            <a:schemeClr val="accent1"/>
+          </a:fillRef>
+          <a:effectRef idx="0">
+            <a:schemeClr val="accent1"/>
+          </a:effectRef>
+          <a:fontRef idx="minor">
+            <a:schemeClr val="lt1"/>
+          </a:fontRef>
+        </p:style>
+        <p:txBody>
+          <a:bodyPr rtlCol="0" anchor="ctr"/>
+          <a:lstStyle/>
+          <a:p>
+            <a:pPr algn="ctr"/>
+            <a:r>
+              <a:rPr lang="en-US" dirty="0"/>
+              <a:t>ASG</a:t>
+            </a:r>
+          </a:p>
+        </p:txBody>
+      </p:sp>
+      <p:cxnSp>
+        <p:nvCxnSpPr>
+          <p:cNvPr id="12" name="Connector: Elbow 11">
+            <a:extLst>
+              <a:ext uri="{FF2B5EF4-FFF2-40B4-BE49-F238E27FC236}">
+                <a16:creationId xmlns:a16="http://schemas.microsoft.com/office/drawing/2014/main" id="{6AEF1FAA-E1BD-4C01-8545-F35B8328A607}"/>
+              </a:ext>
+            </a:extLst>
+          </p:cNvPr>
+          <p:cNvCxnSpPr>
+            <a:cxnSpLocks/>
+            <a:stCxn id="9" idx="3"/>
+            <a:endCxn id="10" idx="1"/>
+          </p:cNvCxnSpPr>
+          <p:nvPr/>
+        </p:nvCxnSpPr>
+        <p:spPr>
+          <a:xfrm flipV="1">
+            <a:off x="2475345" y="3091872"/>
+            <a:ext cx="646547" cy="9236"/>
+          </a:xfrm>
+          <a:prstGeom prst="bentConnector3">
+            <a:avLst/>
+          </a:prstGeom>
+          <a:ln>
+            <a:tailEnd type="triangle"/>
+          </a:ln>
+        </p:spPr>
+        <p:style>
+          <a:lnRef idx="1">
+            <a:schemeClr val="accent1"/>
+          </a:lnRef>
+          <a:fillRef idx="0">
+            <a:schemeClr val="accent1"/>
+          </a:fillRef>
+          <a:effectRef idx="0">
+            <a:schemeClr val="accent1"/>
+          </a:effectRef>
+          <a:fontRef idx="minor">
+            <a:schemeClr val="tx1"/>
+          </a:fontRef>
+        </p:style>
+      </p:cxnSp>
+      <p:cxnSp>
+        <p:nvCxnSpPr>
+          <p:cNvPr id="15" name="Connector: Elbow 14">
+            <a:extLst>
+              <a:ext uri="{FF2B5EF4-FFF2-40B4-BE49-F238E27FC236}">
+                <a16:creationId xmlns:a16="http://schemas.microsoft.com/office/drawing/2014/main" id="{10F4EA84-E330-483A-B1FF-76E05BE9790B}"/>
+              </a:ext>
+            </a:extLst>
+          </p:cNvPr>
+          <p:cNvCxnSpPr>
+            <a:cxnSpLocks/>
+            <a:stCxn id="10" idx="3"/>
+            <a:endCxn id="8" idx="1"/>
+          </p:cNvCxnSpPr>
+          <p:nvPr/>
+        </p:nvCxnSpPr>
+        <p:spPr>
+          <a:xfrm flipV="1">
+            <a:off x="4535058" y="713508"/>
+            <a:ext cx="1237671" cy="2378364"/>
+          </a:xfrm>
+          <a:prstGeom prst="bentConnector3">
+            <a:avLst/>
+          </a:prstGeom>
+          <a:ln>
+            <a:tailEnd type="triangle"/>
+          </a:ln>
+        </p:spPr>
+        <p:style>
+          <a:lnRef idx="1">
+            <a:schemeClr val="accent1"/>
+          </a:lnRef>
+          <a:fillRef idx="0">
+            <a:schemeClr val="accent1"/>
+          </a:fillRef>
+          <a:effectRef idx="0">
+            <a:schemeClr val="accent1"/>
+          </a:effectRef>
+          <a:fontRef idx="minor">
+            <a:schemeClr val="tx1"/>
+          </a:fontRef>
+        </p:style>
+      </p:cxnSp>
+      <p:cxnSp>
+        <p:nvCxnSpPr>
+          <p:cNvPr id="17" name="Connector: Elbow 16">
+            <a:extLst>
+              <a:ext uri="{FF2B5EF4-FFF2-40B4-BE49-F238E27FC236}">
+                <a16:creationId xmlns:a16="http://schemas.microsoft.com/office/drawing/2014/main" id="{7EC9E5F7-56EB-438A-8D84-C1491C070D84}"/>
+              </a:ext>
+            </a:extLst>
+          </p:cNvPr>
+          <p:cNvCxnSpPr>
+            <a:cxnSpLocks/>
+            <a:stCxn id="9" idx="3"/>
+            <a:endCxn id="4" idx="1"/>
+          </p:cNvCxnSpPr>
+          <p:nvPr/>
+        </p:nvCxnSpPr>
+        <p:spPr>
+          <a:xfrm flipV="1">
+            <a:off x="2475345" y="1729508"/>
+            <a:ext cx="3334329" cy="1371600"/>
+          </a:xfrm>
+          <a:prstGeom prst="bentConnector3">
+            <a:avLst/>
+          </a:prstGeom>
+          <a:ln>
+            <a:tailEnd type="triangle"/>
+          </a:ln>
+        </p:spPr>
+        <p:style>
+          <a:lnRef idx="1">
+            <a:schemeClr val="accent1"/>
+          </a:lnRef>
+          <a:fillRef idx="0">
+            <a:schemeClr val="accent1"/>
+          </a:fillRef>
+          <a:effectRef idx="0">
+            <a:schemeClr val="accent1"/>
+          </a:effectRef>
+          <a:fontRef idx="minor">
+            <a:schemeClr val="tx1"/>
+          </a:fontRef>
+        </p:style>
+      </p:cxnSp>
+      <p:cxnSp>
+        <p:nvCxnSpPr>
+          <p:cNvPr id="19" name="Connector: Elbow 18">
+            <a:extLst>
+              <a:ext uri="{FF2B5EF4-FFF2-40B4-BE49-F238E27FC236}">
+                <a16:creationId xmlns:a16="http://schemas.microsoft.com/office/drawing/2014/main" id="{6E210AAD-AB2F-4B22-AB6D-64912F50F7CC}"/>
+              </a:ext>
+            </a:extLst>
+          </p:cNvPr>
+          <p:cNvCxnSpPr>
+            <a:cxnSpLocks/>
+            <a:stCxn id="10" idx="3"/>
+            <a:endCxn id="5" idx="1"/>
+          </p:cNvCxnSpPr>
+          <p:nvPr/>
+        </p:nvCxnSpPr>
+        <p:spPr>
+          <a:xfrm flipV="1">
+            <a:off x="4535058" y="2856345"/>
+            <a:ext cx="1246907" cy="235527"/>
+          </a:xfrm>
+          <a:prstGeom prst="bentConnector3">
+            <a:avLst/>
+          </a:prstGeom>
+          <a:ln>
+            <a:tailEnd type="triangle"/>
+          </a:ln>
+        </p:spPr>
+        <p:style>
+          <a:lnRef idx="1">
+            <a:schemeClr val="accent1"/>
+          </a:lnRef>
+          <a:fillRef idx="0">
+            <a:schemeClr val="accent1"/>
+          </a:fillRef>
+          <a:effectRef idx="0">
+            <a:schemeClr val="accent1"/>
+          </a:effectRef>
+          <a:fontRef idx="minor">
+            <a:schemeClr val="tx1"/>
+          </a:fontRef>
+        </p:style>
+      </p:cxnSp>
+      <p:cxnSp>
+        <p:nvCxnSpPr>
+          <p:cNvPr id="21" name="Connector: Elbow 20">
+            <a:extLst>
+              <a:ext uri="{FF2B5EF4-FFF2-40B4-BE49-F238E27FC236}">
+                <a16:creationId xmlns:a16="http://schemas.microsoft.com/office/drawing/2014/main" id="{EBA9A271-2D40-40A7-9E7F-2C71ECFFF393}"/>
+              </a:ext>
+            </a:extLst>
+          </p:cNvPr>
+          <p:cNvCxnSpPr>
+            <a:cxnSpLocks/>
+            <a:stCxn id="10" idx="3"/>
+            <a:endCxn id="6" idx="1"/>
+          </p:cNvCxnSpPr>
+          <p:nvPr/>
+        </p:nvCxnSpPr>
+        <p:spPr>
+          <a:xfrm>
+            <a:off x="4535058" y="3091872"/>
+            <a:ext cx="1237671" cy="891310"/>
+          </a:xfrm>
+          <a:prstGeom prst="bentConnector3">
+            <a:avLst/>
+          </a:prstGeom>
+          <a:ln>
+            <a:tailEnd type="triangle"/>
+          </a:ln>
+        </p:spPr>
+        <p:style>
+          <a:lnRef idx="1">
+            <a:schemeClr val="accent1"/>
+          </a:lnRef>
+          <a:fillRef idx="0">
+            <a:schemeClr val="accent1"/>
+          </a:fillRef>
+          <a:effectRef idx="0">
+            <a:schemeClr val="accent1"/>
+          </a:effectRef>
+          <a:fontRef idx="minor">
+            <a:schemeClr val="tx1"/>
+          </a:fontRef>
+        </p:style>
+      </p:cxnSp>
+      <p:cxnSp>
+        <p:nvCxnSpPr>
+          <p:cNvPr id="30" name="Connector: Elbow 29">
+            <a:extLst>
+              <a:ext uri="{FF2B5EF4-FFF2-40B4-BE49-F238E27FC236}">
+                <a16:creationId xmlns:a16="http://schemas.microsoft.com/office/drawing/2014/main" id="{442A4966-D530-40D3-A48F-96905A96DC73}"/>
+              </a:ext>
+            </a:extLst>
+          </p:cNvPr>
+          <p:cNvCxnSpPr>
+            <a:cxnSpLocks/>
+            <a:stCxn id="10" idx="3"/>
+            <a:endCxn id="7" idx="1"/>
+          </p:cNvCxnSpPr>
+          <p:nvPr/>
+        </p:nvCxnSpPr>
+        <p:spPr>
+          <a:xfrm>
+            <a:off x="4535058" y="3091872"/>
+            <a:ext cx="1283852" cy="2059711"/>
+          </a:xfrm>
+          <a:prstGeom prst="bentConnector3">
+            <a:avLst/>
+          </a:prstGeom>
+          <a:ln>
+            <a:tailEnd type="triangle"/>
+          </a:ln>
+        </p:spPr>
+        <p:style>
+          <a:lnRef idx="1">
+            <a:schemeClr val="accent1"/>
+          </a:lnRef>
+          <a:fillRef idx="0">
+            <a:schemeClr val="accent1"/>
+          </a:fillRef>
+          <a:effectRef idx="0">
+            <a:schemeClr val="accent1"/>
+          </a:effectRef>
+          <a:fontRef idx="minor">
+            <a:schemeClr val="tx1"/>
+          </a:fontRef>
+        </p:style>
+      </p:cxnSp>
+      <p:sp>
+        <p:nvSpPr>
+          <p:cNvPr id="31" name="Arrow: Down 30">
+            <a:extLst>
+              <a:ext uri="{FF2B5EF4-FFF2-40B4-BE49-F238E27FC236}">
+                <a16:creationId xmlns:a16="http://schemas.microsoft.com/office/drawing/2014/main" id="{2EBB6B01-9CB1-42EA-BFFA-EE9CA83F72CA}"/>
+              </a:ext>
+            </a:extLst>
+          </p:cNvPr>
+          <p:cNvSpPr/>
+          <p:nvPr/>
+        </p:nvSpPr>
+        <p:spPr>
+          <a:xfrm>
+            <a:off x="8986981" y="1482435"/>
+            <a:ext cx="1117600" cy="1690254"/>
+          </a:xfrm>
+          <a:prstGeom prst="downArrow">
+            <a:avLst/>
+          </a:prstGeom>
+        </p:spPr>
+        <p:style>
+          <a:lnRef idx="2">
+            <a:schemeClr val="accent1">
+              <a:shade val="50000"/>
+            </a:schemeClr>
+          </a:lnRef>
+          <a:fillRef idx="1">
+            <a:schemeClr val="accent1"/>
+          </a:fillRef>
+          <a:effectRef idx="0">
+            <a:schemeClr val="accent1"/>
+          </a:effectRef>
+          <a:fontRef idx="minor">
+            <a:schemeClr val="lt1"/>
+          </a:fontRef>
+        </p:style>
+        <p:txBody>
+          <a:bodyPr rtlCol="0" anchor="ctr"/>
+          <a:lstStyle/>
+          <a:p>
+            <a:pPr algn="ctr"/>
+            <a:endParaRPr lang="en-US"/>
+          </a:p>
+        </p:txBody>
+      </p:sp>
+      <p:sp>
+        <p:nvSpPr>
+          <p:cNvPr id="32" name="Arrow: Down 31">
+            <a:extLst>
+              <a:ext uri="{FF2B5EF4-FFF2-40B4-BE49-F238E27FC236}">
+                <a16:creationId xmlns:a16="http://schemas.microsoft.com/office/drawing/2014/main" id="{AFEA5250-7E79-4A80-8478-B2BACF32CEB5}"/>
+              </a:ext>
+            </a:extLst>
+          </p:cNvPr>
+          <p:cNvSpPr/>
+          <p:nvPr/>
+        </p:nvSpPr>
+        <p:spPr>
+          <a:xfrm rot="10800000">
+            <a:off x="8100290" y="1907311"/>
+            <a:ext cx="1117600" cy="1690254"/>
+          </a:xfrm>
+          <a:prstGeom prst="downArrow">
+            <a:avLst/>
+          </a:prstGeom>
+        </p:spPr>
+        <p:style>
+          <a:lnRef idx="2">
+            <a:schemeClr val="accent1">
+              <a:shade val="50000"/>
+            </a:schemeClr>
+          </a:lnRef>
+          <a:fillRef idx="1">
+            <a:schemeClr val="accent1"/>
+          </a:fillRef>
+          <a:effectRef idx="0">
+            <a:schemeClr val="accent1"/>
+          </a:effectRef>
+          <a:fontRef idx="minor">
+            <a:schemeClr val="lt1"/>
+          </a:fontRef>
+        </p:style>
+        <p:txBody>
+          <a:bodyPr rtlCol="0" anchor="ctr"/>
+          <a:lstStyle/>
+          <a:p>
+            <a:pPr algn="ctr"/>
+            <a:endParaRPr lang="en-US"/>
+          </a:p>
+        </p:txBody>
+      </p:sp>
+      <p:sp>
+        <p:nvSpPr>
+          <p:cNvPr id="38" name="Rectangle 37">
+            <a:extLst>
+              <a:ext uri="{FF2B5EF4-FFF2-40B4-BE49-F238E27FC236}">
+                <a16:creationId xmlns:a16="http://schemas.microsoft.com/office/drawing/2014/main" id="{55F87451-A7FB-4EFA-941E-EBECDC811AA2}"/>
+              </a:ext>
+            </a:extLst>
+          </p:cNvPr>
+          <p:cNvSpPr/>
+          <p:nvPr/>
+        </p:nvSpPr>
+        <p:spPr>
+          <a:xfrm>
+            <a:off x="1311564" y="140853"/>
+            <a:ext cx="997990" cy="471054"/>
+          </a:xfrm>
+          <a:prstGeom prst="rect">
+            <a:avLst/>
+          </a:prstGeom>
+        </p:spPr>
+        <p:style>
+          <a:lnRef idx="2">
+            <a:schemeClr val="accent1">
+              <a:shade val="50000"/>
+            </a:schemeClr>
+          </a:lnRef>
+          <a:fillRef idx="1">
+            <a:schemeClr val="accent1"/>
+          </a:fillRef>
+          <a:effectRef idx="0">
+            <a:schemeClr val="accent1"/>
+          </a:effectRef>
+          <a:fontRef idx="minor">
+            <a:schemeClr val="lt1"/>
+          </a:fontRef>
+        </p:style>
+        <p:txBody>
+          <a:bodyPr rtlCol="0" anchor="ctr"/>
+          <a:lstStyle/>
+          <a:p>
+            <a:pPr algn="ctr"/>
+            <a:r>
+              <a:rPr lang="en-US" dirty="0"/>
+              <a:t>Disk/</a:t>
+            </a:r>
+            <a:r>
+              <a:rPr lang="en-US" dirty="0" err="1"/>
+              <a:t>cpu</a:t>
+            </a:r>
+            <a:endParaRPr lang="en-US" dirty="0"/>
+          </a:p>
+        </p:txBody>
+      </p:sp>
+      <p:sp>
+        <p:nvSpPr>
+          <p:cNvPr id="39" name="Rectangle 38">
+            <a:extLst>
+              <a:ext uri="{FF2B5EF4-FFF2-40B4-BE49-F238E27FC236}">
+                <a16:creationId xmlns:a16="http://schemas.microsoft.com/office/drawing/2014/main" id="{AB5B6760-3427-4D97-9CE9-F3A5593FF1C9}"/>
+              </a:ext>
+            </a:extLst>
+          </p:cNvPr>
+          <p:cNvSpPr/>
+          <p:nvPr/>
+        </p:nvSpPr>
+        <p:spPr>
+          <a:xfrm>
+            <a:off x="2401454" y="145470"/>
+            <a:ext cx="997990" cy="471054"/>
+          </a:xfrm>
+          <a:prstGeom prst="rect">
+            <a:avLst/>
+          </a:prstGeom>
+        </p:spPr>
+        <p:style>
+          <a:lnRef idx="2">
+            <a:schemeClr val="accent1">
+              <a:shade val="50000"/>
+            </a:schemeClr>
+          </a:lnRef>
+          <a:fillRef idx="1">
+            <a:schemeClr val="accent1"/>
+          </a:fillRef>
+          <a:effectRef idx="0">
+            <a:schemeClr val="accent1"/>
+          </a:effectRef>
+          <a:fontRef idx="minor">
+            <a:schemeClr val="lt1"/>
+          </a:fontRef>
+        </p:style>
+        <p:txBody>
+          <a:bodyPr rtlCol="0" anchor="ctr"/>
+          <a:lstStyle/>
+          <a:p>
+            <a:pPr algn="ctr"/>
+            <a:r>
+              <a:rPr lang="en-US" dirty="0" err="1"/>
+              <a:t>Nrequest</a:t>
+            </a:r>
+            <a:endParaRPr lang="en-US" dirty="0"/>
+          </a:p>
+        </p:txBody>
+      </p:sp>
+      <p:sp>
+        <p:nvSpPr>
+          <p:cNvPr id="40" name="Rectangle 39">
+            <a:extLst>
+              <a:ext uri="{FF2B5EF4-FFF2-40B4-BE49-F238E27FC236}">
+                <a16:creationId xmlns:a16="http://schemas.microsoft.com/office/drawing/2014/main" id="{478884BA-9F33-4770-9CB0-986B90595A25}"/>
+              </a:ext>
+            </a:extLst>
+          </p:cNvPr>
+          <p:cNvSpPr/>
+          <p:nvPr/>
+        </p:nvSpPr>
+        <p:spPr>
+          <a:xfrm>
+            <a:off x="3491344" y="140851"/>
+            <a:ext cx="997990" cy="471054"/>
+          </a:xfrm>
+          <a:prstGeom prst="rect">
+            <a:avLst/>
+          </a:prstGeom>
+        </p:spPr>
+        <p:style>
+          <a:lnRef idx="2">
+            <a:schemeClr val="accent1">
+              <a:shade val="50000"/>
+            </a:schemeClr>
+          </a:lnRef>
+          <a:fillRef idx="1">
+            <a:schemeClr val="accent1"/>
+          </a:fillRef>
+          <a:effectRef idx="0">
+            <a:schemeClr val="accent1"/>
+          </a:effectRef>
+          <a:fontRef idx="minor">
+            <a:schemeClr val="lt1"/>
+          </a:fontRef>
+        </p:style>
+        <p:txBody>
+          <a:bodyPr rtlCol="0" anchor="ctr"/>
+          <a:lstStyle/>
+          <a:p>
+            <a:pPr algn="ctr"/>
+            <a:r>
+              <a:rPr lang="en-US" dirty="0"/>
+              <a:t>Network</a:t>
+            </a:r>
+          </a:p>
+        </p:txBody>
+      </p:sp>
+    </p:spTree>
+    <p:extLst>
+      <p:ext uri="{BB962C8B-B14F-4D97-AF65-F5344CB8AC3E}">
+        <p14:creationId xmlns:p14="http://schemas.microsoft.com/office/powerpoint/2010/main" val="3132667564"/>
+      </p:ext>
+    </p:extLst>
+  </p:cSld>
+  <p:clrMapOvr>
+    <a:masterClrMapping/>
+  </p:clrMapOvr>
+</p:sld>
+</file>
+
+<file path=ppt/slides/slide14.xml><?xml version="1.0" encoding="utf-8"?>
+<p:sld xmlns:a="http://schemas.openxmlformats.org/drawingml/2006/main" xmlns:r="http://schemas.openxmlformats.org/officeDocument/2006/relationships" xmlns:p="http://schemas.openxmlformats.org/presentationml/2006/main">
+  <p:cSld>
+    <p:spTree>
+      <p:nvGrpSpPr>
+        <p:cNvPr id="1" name=""/>
+        <p:cNvGrpSpPr/>
+        <p:nvPr/>
+      </p:nvGrpSpPr>
+      <p:grpSpPr>
+        <a:xfrm>
+          <a:off x="0" y="0"/>
+          <a:ext cx="0" cy="0"/>
+          <a:chOff x="0" y="0"/>
+          <a:chExt cx="0" cy="0"/>
+        </a:xfrm>
+      </p:grpSpPr>
+      <p:sp>
+        <p:nvSpPr>
           <p:cNvPr id="2" name="Title 1">
             <a:extLst>
               <a:ext uri="{FF2B5EF4-FFF2-40B4-BE49-F238E27FC236}">
@@ -7836,7 +8599,7 @@
 </p:sld>
 </file>
 
-<file path=ppt/slides/slide14.xml><?xml version="1.0" encoding="utf-8"?>
+<file path=ppt/slides/slide15.xml><?xml version="1.0" encoding="utf-8"?>
 <p:sld xmlns:a="http://schemas.openxmlformats.org/drawingml/2006/main" xmlns:r="http://schemas.openxmlformats.org/officeDocument/2006/relationships" xmlns:p="http://schemas.openxmlformats.org/presentationml/2006/main">
   <p:cSld>
     <p:spTree>
@@ -10361,965 +11124,6 @@
 </p:sld>
 </file>
 
-<file path=ppt/slides/slide15.xml><?xml version="1.0" encoding="utf-8"?>
-<p:sld xmlns:a="http://schemas.openxmlformats.org/drawingml/2006/main" xmlns:r="http://schemas.openxmlformats.org/officeDocument/2006/relationships" xmlns:p="http://schemas.openxmlformats.org/presentationml/2006/main">
-  <p:cSld>
-    <p:spTree>
-      <p:nvGrpSpPr>
-        <p:cNvPr id="1" name=""/>
-        <p:cNvGrpSpPr/>
-        <p:nvPr/>
-      </p:nvGrpSpPr>
-      <p:grpSpPr>
-        <a:xfrm>
-          <a:off x="0" y="0"/>
-          <a:ext cx="0" cy="0"/>
-          <a:chOff x="0" y="0"/>
-          <a:chExt cx="0" cy="0"/>
-        </a:xfrm>
-      </p:grpSpPr>
-      <p:sp>
-        <p:nvSpPr>
-          <p:cNvPr id="4" name="Rectangle 3">
-            <a:extLst>
-              <a:ext uri="{FF2B5EF4-FFF2-40B4-BE49-F238E27FC236}">
-                <a16:creationId xmlns:a16="http://schemas.microsoft.com/office/drawing/2014/main" id="{E8EB2CF6-6744-4659-9A3D-E33889B64F05}"/>
-              </a:ext>
-            </a:extLst>
-          </p:cNvPr>
-          <p:cNvSpPr/>
-          <p:nvPr/>
-        </p:nvSpPr>
-        <p:spPr>
-          <a:xfrm>
-            <a:off x="1801091" y="1948873"/>
-            <a:ext cx="1339273" cy="960582"/>
-          </a:xfrm>
-          <a:prstGeom prst="rect">
-            <a:avLst/>
-          </a:prstGeom>
-        </p:spPr>
-        <p:style>
-          <a:lnRef idx="2">
-            <a:schemeClr val="accent1">
-              <a:shade val="50000"/>
-            </a:schemeClr>
-          </a:lnRef>
-          <a:fillRef idx="1">
-            <a:schemeClr val="accent1"/>
-          </a:fillRef>
-          <a:effectRef idx="0">
-            <a:schemeClr val="accent1"/>
-          </a:effectRef>
-          <a:fontRef idx="minor">
-            <a:schemeClr val="lt1"/>
-          </a:fontRef>
-        </p:style>
-        <p:txBody>
-          <a:bodyPr rtlCol="0" anchor="ctr"/>
-          <a:lstStyle/>
-          <a:p>
-            <a:pPr algn="ctr"/>
-            <a:endParaRPr lang="en-US"/>
-          </a:p>
-        </p:txBody>
-      </p:sp>
-      <p:sp>
-        <p:nvSpPr>
-          <p:cNvPr id="5" name="Rectangle 4">
-            <a:extLst>
-              <a:ext uri="{FF2B5EF4-FFF2-40B4-BE49-F238E27FC236}">
-                <a16:creationId xmlns:a16="http://schemas.microsoft.com/office/drawing/2014/main" id="{04C845CF-25FE-4A3E-8589-FDB0D68A6158}"/>
-              </a:ext>
-            </a:extLst>
-          </p:cNvPr>
-          <p:cNvSpPr/>
-          <p:nvPr/>
-        </p:nvSpPr>
-        <p:spPr>
-          <a:xfrm>
-            <a:off x="9180945" y="1948873"/>
-            <a:ext cx="1339273" cy="960582"/>
-          </a:xfrm>
-          <a:prstGeom prst="rect">
-            <a:avLst/>
-          </a:prstGeom>
-        </p:spPr>
-        <p:style>
-          <a:lnRef idx="2">
-            <a:schemeClr val="accent1">
-              <a:shade val="50000"/>
-            </a:schemeClr>
-          </a:lnRef>
-          <a:fillRef idx="1">
-            <a:schemeClr val="accent1"/>
-          </a:fillRef>
-          <a:effectRef idx="0">
-            <a:schemeClr val="accent1"/>
-          </a:effectRef>
-          <a:fontRef idx="minor">
-            <a:schemeClr val="lt1"/>
-          </a:fontRef>
-        </p:style>
-        <p:txBody>
-          <a:bodyPr rtlCol="0" anchor="ctr"/>
-          <a:lstStyle/>
-          <a:p>
-            <a:pPr algn="ctr"/>
-            <a:endParaRPr lang="en-US"/>
-          </a:p>
-        </p:txBody>
-      </p:sp>
-      <p:sp>
-        <p:nvSpPr>
-          <p:cNvPr id="6" name="Rectangle 5">
-            <a:extLst>
-              <a:ext uri="{FF2B5EF4-FFF2-40B4-BE49-F238E27FC236}">
-                <a16:creationId xmlns:a16="http://schemas.microsoft.com/office/drawing/2014/main" id="{8B2B6697-2311-4730-A6CC-2CAE89D08285}"/>
-              </a:ext>
-            </a:extLst>
-          </p:cNvPr>
-          <p:cNvSpPr/>
-          <p:nvPr/>
-        </p:nvSpPr>
-        <p:spPr>
-          <a:xfrm>
-            <a:off x="1801091" y="3611419"/>
-            <a:ext cx="1339273" cy="960582"/>
-          </a:xfrm>
-          <a:prstGeom prst="rect">
-            <a:avLst/>
-          </a:prstGeom>
-        </p:spPr>
-        <p:style>
-          <a:lnRef idx="2">
-            <a:schemeClr val="accent1">
-              <a:shade val="50000"/>
-            </a:schemeClr>
-          </a:lnRef>
-          <a:fillRef idx="1">
-            <a:schemeClr val="accent1"/>
-          </a:fillRef>
-          <a:effectRef idx="0">
-            <a:schemeClr val="accent1"/>
-          </a:effectRef>
-          <a:fontRef idx="minor">
-            <a:schemeClr val="lt1"/>
-          </a:fontRef>
-        </p:style>
-        <p:txBody>
-          <a:bodyPr rtlCol="0" anchor="ctr"/>
-          <a:lstStyle/>
-          <a:p>
-            <a:pPr algn="ctr"/>
-            <a:endParaRPr lang="en-US"/>
-          </a:p>
-        </p:txBody>
-      </p:sp>
-      <p:sp>
-        <p:nvSpPr>
-          <p:cNvPr id="7" name="Rectangle 6">
-            <a:extLst>
-              <a:ext uri="{FF2B5EF4-FFF2-40B4-BE49-F238E27FC236}">
-                <a16:creationId xmlns:a16="http://schemas.microsoft.com/office/drawing/2014/main" id="{3A3E4F28-FAF8-46DE-BF34-AB14706A1486}"/>
-              </a:ext>
-            </a:extLst>
-          </p:cNvPr>
-          <p:cNvSpPr/>
-          <p:nvPr/>
-        </p:nvSpPr>
-        <p:spPr>
-          <a:xfrm>
-            <a:off x="1801090" y="5273965"/>
-            <a:ext cx="1339273" cy="960582"/>
-          </a:xfrm>
-          <a:prstGeom prst="rect">
-            <a:avLst/>
-          </a:prstGeom>
-        </p:spPr>
-        <p:style>
-          <a:lnRef idx="2">
-            <a:schemeClr val="accent1">
-              <a:shade val="50000"/>
-            </a:schemeClr>
-          </a:lnRef>
-          <a:fillRef idx="1">
-            <a:schemeClr val="accent1"/>
-          </a:fillRef>
-          <a:effectRef idx="0">
-            <a:schemeClr val="accent1"/>
-          </a:effectRef>
-          <a:fontRef idx="minor">
-            <a:schemeClr val="lt1"/>
-          </a:fontRef>
-        </p:style>
-        <p:txBody>
-          <a:bodyPr rtlCol="0" anchor="ctr"/>
-          <a:lstStyle/>
-          <a:p>
-            <a:pPr algn="ctr"/>
-            <a:endParaRPr lang="en-US"/>
-          </a:p>
-        </p:txBody>
-      </p:sp>
-      <p:sp>
-        <p:nvSpPr>
-          <p:cNvPr id="8" name="Rectangle 7">
-            <a:extLst>
-              <a:ext uri="{FF2B5EF4-FFF2-40B4-BE49-F238E27FC236}">
-                <a16:creationId xmlns:a16="http://schemas.microsoft.com/office/drawing/2014/main" id="{B6176296-083E-4FE4-8957-1890223DA1FF}"/>
-              </a:ext>
-            </a:extLst>
-          </p:cNvPr>
-          <p:cNvSpPr/>
-          <p:nvPr/>
-        </p:nvSpPr>
-        <p:spPr>
-          <a:xfrm>
-            <a:off x="1801090" y="286327"/>
-            <a:ext cx="1339273" cy="960582"/>
-          </a:xfrm>
-          <a:prstGeom prst="rect">
-            <a:avLst/>
-          </a:prstGeom>
-        </p:spPr>
-        <p:style>
-          <a:lnRef idx="2">
-            <a:schemeClr val="accent1">
-              <a:shade val="50000"/>
-            </a:schemeClr>
-          </a:lnRef>
-          <a:fillRef idx="1">
-            <a:schemeClr val="accent1"/>
-          </a:fillRef>
-          <a:effectRef idx="0">
-            <a:schemeClr val="accent1"/>
-          </a:effectRef>
-          <a:fontRef idx="minor">
-            <a:schemeClr val="lt1"/>
-          </a:fontRef>
-        </p:style>
-        <p:txBody>
-          <a:bodyPr rtlCol="0" anchor="ctr"/>
-          <a:lstStyle/>
-          <a:p>
-            <a:pPr algn="ctr"/>
-            <a:endParaRPr lang="en-US"/>
-          </a:p>
-        </p:txBody>
-      </p:sp>
-      <p:sp>
-        <p:nvSpPr>
-          <p:cNvPr id="9" name="Rectangle 8">
-            <a:extLst>
-              <a:ext uri="{FF2B5EF4-FFF2-40B4-BE49-F238E27FC236}">
-                <a16:creationId xmlns:a16="http://schemas.microsoft.com/office/drawing/2014/main" id="{4CBE0B4F-0F7A-4847-9F18-4AA24FCC9914}"/>
-              </a:ext>
-            </a:extLst>
-          </p:cNvPr>
-          <p:cNvSpPr/>
-          <p:nvPr/>
-        </p:nvSpPr>
-        <p:spPr>
-          <a:xfrm>
-            <a:off x="9051637" y="249382"/>
-            <a:ext cx="1339273" cy="960582"/>
-          </a:xfrm>
-          <a:prstGeom prst="rect">
-            <a:avLst/>
-          </a:prstGeom>
-        </p:spPr>
-        <p:style>
-          <a:lnRef idx="2">
-            <a:schemeClr val="accent1">
-              <a:shade val="50000"/>
-            </a:schemeClr>
-          </a:lnRef>
-          <a:fillRef idx="1">
-            <a:schemeClr val="accent1"/>
-          </a:fillRef>
-          <a:effectRef idx="0">
-            <a:schemeClr val="accent1"/>
-          </a:effectRef>
-          <a:fontRef idx="minor">
-            <a:schemeClr val="lt1"/>
-          </a:fontRef>
-        </p:style>
-        <p:txBody>
-          <a:bodyPr rtlCol="0" anchor="ctr"/>
-          <a:lstStyle/>
-          <a:p>
-            <a:pPr algn="ctr"/>
-            <a:endParaRPr lang="en-US"/>
-          </a:p>
-        </p:txBody>
-      </p:sp>
-      <p:sp>
-        <p:nvSpPr>
-          <p:cNvPr id="10" name="Rectangle 9">
-            <a:extLst>
-              <a:ext uri="{FF2B5EF4-FFF2-40B4-BE49-F238E27FC236}">
-                <a16:creationId xmlns:a16="http://schemas.microsoft.com/office/drawing/2014/main" id="{0DC833A0-2CEF-4627-B2A6-B377D2138ACA}"/>
-              </a:ext>
-            </a:extLst>
-          </p:cNvPr>
-          <p:cNvSpPr/>
-          <p:nvPr/>
-        </p:nvSpPr>
-        <p:spPr>
-          <a:xfrm>
-            <a:off x="1671782" y="-1413164"/>
-            <a:ext cx="1339273" cy="960582"/>
-          </a:xfrm>
-          <a:prstGeom prst="rect">
-            <a:avLst/>
-          </a:prstGeom>
-        </p:spPr>
-        <p:style>
-          <a:lnRef idx="2">
-            <a:schemeClr val="accent1">
-              <a:shade val="50000"/>
-            </a:schemeClr>
-          </a:lnRef>
-          <a:fillRef idx="1">
-            <a:schemeClr val="accent1"/>
-          </a:fillRef>
-          <a:effectRef idx="0">
-            <a:schemeClr val="accent1"/>
-          </a:effectRef>
-          <a:fontRef idx="minor">
-            <a:schemeClr val="lt1"/>
-          </a:fontRef>
-        </p:style>
-        <p:txBody>
-          <a:bodyPr rtlCol="0" anchor="ctr"/>
-          <a:lstStyle/>
-          <a:p>
-            <a:pPr algn="ctr"/>
-            <a:endParaRPr lang="en-US"/>
-          </a:p>
-        </p:txBody>
-      </p:sp>
-      <p:sp>
-        <p:nvSpPr>
-          <p:cNvPr id="13" name="Rectangle 12">
-            <a:extLst>
-              <a:ext uri="{FF2B5EF4-FFF2-40B4-BE49-F238E27FC236}">
-                <a16:creationId xmlns:a16="http://schemas.microsoft.com/office/drawing/2014/main" id="{B036B0BA-20E3-4F1E-AAD2-4D737826707D}"/>
-              </a:ext>
-            </a:extLst>
-          </p:cNvPr>
-          <p:cNvSpPr/>
-          <p:nvPr/>
-        </p:nvSpPr>
-        <p:spPr>
-          <a:xfrm>
-            <a:off x="9254836" y="5098472"/>
-            <a:ext cx="1339273" cy="960582"/>
-          </a:xfrm>
-          <a:prstGeom prst="rect">
-            <a:avLst/>
-          </a:prstGeom>
-        </p:spPr>
-        <p:style>
-          <a:lnRef idx="2">
-            <a:schemeClr val="accent1">
-              <a:shade val="50000"/>
-            </a:schemeClr>
-          </a:lnRef>
-          <a:fillRef idx="1">
-            <a:schemeClr val="accent1"/>
-          </a:fillRef>
-          <a:effectRef idx="0">
-            <a:schemeClr val="accent1"/>
-          </a:effectRef>
-          <a:fontRef idx="minor">
-            <a:schemeClr val="lt1"/>
-          </a:fontRef>
-        </p:style>
-        <p:txBody>
-          <a:bodyPr rtlCol="0" anchor="ctr"/>
-          <a:lstStyle/>
-          <a:p>
-            <a:pPr algn="ctr"/>
-            <a:endParaRPr lang="en-US"/>
-          </a:p>
-        </p:txBody>
-      </p:sp>
-      <p:sp>
-        <p:nvSpPr>
-          <p:cNvPr id="14" name="Rectangle 13">
-            <a:extLst>
-              <a:ext uri="{FF2B5EF4-FFF2-40B4-BE49-F238E27FC236}">
-                <a16:creationId xmlns:a16="http://schemas.microsoft.com/office/drawing/2014/main" id="{4F867152-8A33-4F9D-8BB0-0A0CF6CE891A}"/>
-              </a:ext>
-            </a:extLst>
-          </p:cNvPr>
-          <p:cNvSpPr/>
-          <p:nvPr/>
-        </p:nvSpPr>
-        <p:spPr>
-          <a:xfrm>
-            <a:off x="1801090" y="-1376219"/>
-            <a:ext cx="1339273" cy="960582"/>
-          </a:xfrm>
-          <a:prstGeom prst="rect">
-            <a:avLst/>
-          </a:prstGeom>
-        </p:spPr>
-        <p:style>
-          <a:lnRef idx="2">
-            <a:schemeClr val="accent1">
-              <a:shade val="50000"/>
-            </a:schemeClr>
-          </a:lnRef>
-          <a:fillRef idx="1">
-            <a:schemeClr val="accent1"/>
-          </a:fillRef>
-          <a:effectRef idx="0">
-            <a:schemeClr val="accent1"/>
-          </a:effectRef>
-          <a:fontRef idx="minor">
-            <a:schemeClr val="lt1"/>
-          </a:fontRef>
-        </p:style>
-        <p:txBody>
-          <a:bodyPr rtlCol="0" anchor="ctr"/>
-          <a:lstStyle/>
-          <a:p>
-            <a:pPr algn="ctr"/>
-            <a:endParaRPr lang="en-US"/>
-          </a:p>
-        </p:txBody>
-      </p:sp>
-      <p:sp>
-        <p:nvSpPr>
-          <p:cNvPr id="17" name="Rectangle 16">
-            <a:extLst>
-              <a:ext uri="{FF2B5EF4-FFF2-40B4-BE49-F238E27FC236}">
-                <a16:creationId xmlns:a16="http://schemas.microsoft.com/office/drawing/2014/main" id="{A8AF25A8-82B6-4D9C-940B-D93A7D087106}"/>
-              </a:ext>
-            </a:extLst>
-          </p:cNvPr>
-          <p:cNvSpPr/>
-          <p:nvPr/>
-        </p:nvSpPr>
-        <p:spPr>
-          <a:xfrm>
-            <a:off x="9180945" y="3468255"/>
-            <a:ext cx="1339273" cy="960582"/>
-          </a:xfrm>
-          <a:prstGeom prst="rect">
-            <a:avLst/>
-          </a:prstGeom>
-        </p:spPr>
-        <p:style>
-          <a:lnRef idx="2">
-            <a:schemeClr val="accent1">
-              <a:shade val="50000"/>
-            </a:schemeClr>
-          </a:lnRef>
-          <a:fillRef idx="1">
-            <a:schemeClr val="accent1"/>
-          </a:fillRef>
-          <a:effectRef idx="0">
-            <a:schemeClr val="accent1"/>
-          </a:effectRef>
-          <a:fontRef idx="minor">
-            <a:schemeClr val="lt1"/>
-          </a:fontRef>
-        </p:style>
-        <p:txBody>
-          <a:bodyPr rtlCol="0" anchor="ctr"/>
-          <a:lstStyle/>
-          <a:p>
-            <a:pPr algn="ctr"/>
-            <a:endParaRPr lang="en-US"/>
-          </a:p>
-        </p:txBody>
-      </p:sp>
-      <p:sp>
-        <p:nvSpPr>
-          <p:cNvPr id="39" name="Rectangle 38">
-            <a:extLst>
-              <a:ext uri="{FF2B5EF4-FFF2-40B4-BE49-F238E27FC236}">
-                <a16:creationId xmlns:a16="http://schemas.microsoft.com/office/drawing/2014/main" id="{285BBFFD-D6C6-4932-A620-DD2148DDEF8A}"/>
-              </a:ext>
-            </a:extLst>
-          </p:cNvPr>
-          <p:cNvSpPr/>
-          <p:nvPr/>
-        </p:nvSpPr>
-        <p:spPr>
-          <a:xfrm>
-            <a:off x="5426363" y="1168399"/>
-            <a:ext cx="1339273" cy="4442691"/>
-          </a:xfrm>
-          <a:prstGeom prst="rect">
-            <a:avLst/>
-          </a:prstGeom>
-        </p:spPr>
-        <p:style>
-          <a:lnRef idx="2">
-            <a:schemeClr val="accent1">
-              <a:shade val="50000"/>
-            </a:schemeClr>
-          </a:lnRef>
-          <a:fillRef idx="1">
-            <a:schemeClr val="accent1"/>
-          </a:fillRef>
-          <a:effectRef idx="0">
-            <a:schemeClr val="accent1"/>
-          </a:effectRef>
-          <a:fontRef idx="minor">
-            <a:schemeClr val="lt1"/>
-          </a:fontRef>
-        </p:style>
-        <p:txBody>
-          <a:bodyPr rtlCol="0" anchor="ctr"/>
-          <a:lstStyle/>
-          <a:p>
-            <a:pPr algn="ctr"/>
-            <a:r>
-              <a:rPr lang="en-US" dirty="0"/>
-              <a:t>B</a:t>
-            </a:r>
-          </a:p>
-          <a:p>
-            <a:pPr algn="ctr"/>
-            <a:r>
-              <a:rPr lang="en-US" dirty="0"/>
-              <a:t>R</a:t>
-            </a:r>
-            <a:br>
-              <a:rPr lang="en-US" dirty="0"/>
-            </a:br>
-            <a:r>
-              <a:rPr lang="en-US" dirty="0"/>
-              <a:t>O</a:t>
-            </a:r>
-          </a:p>
-          <a:p>
-            <a:pPr algn="ctr"/>
-            <a:r>
-              <a:rPr lang="en-US" dirty="0"/>
-              <a:t>K</a:t>
-            </a:r>
-          </a:p>
-          <a:p>
-            <a:pPr algn="ctr"/>
-            <a:r>
-              <a:rPr lang="en-US" dirty="0"/>
-              <a:t>E</a:t>
-            </a:r>
-          </a:p>
-          <a:p>
-            <a:pPr algn="ctr"/>
-            <a:r>
-              <a:rPr lang="en-US" dirty="0"/>
-              <a:t>R</a:t>
-            </a:r>
-          </a:p>
-        </p:txBody>
-      </p:sp>
-      <p:sp>
-        <p:nvSpPr>
-          <p:cNvPr id="40" name="Rectangle 39">
-            <a:extLst>
-              <a:ext uri="{FF2B5EF4-FFF2-40B4-BE49-F238E27FC236}">
-                <a16:creationId xmlns:a16="http://schemas.microsoft.com/office/drawing/2014/main" id="{9104EC30-632B-476D-9EA9-02F9A1739172}"/>
-              </a:ext>
-            </a:extLst>
-          </p:cNvPr>
-          <p:cNvSpPr/>
-          <p:nvPr/>
-        </p:nvSpPr>
-        <p:spPr>
-          <a:xfrm>
-            <a:off x="5232400" y="2087417"/>
-            <a:ext cx="1685636" cy="434109"/>
-          </a:xfrm>
-          <a:prstGeom prst="rect">
-            <a:avLst/>
-          </a:prstGeom>
-        </p:spPr>
-        <p:style>
-          <a:lnRef idx="2">
-            <a:schemeClr val="accent3">
-              <a:shade val="50000"/>
-            </a:schemeClr>
-          </a:lnRef>
-          <a:fillRef idx="1">
-            <a:schemeClr val="accent3"/>
-          </a:fillRef>
-          <a:effectRef idx="0">
-            <a:schemeClr val="accent3"/>
-          </a:effectRef>
-          <a:fontRef idx="minor">
-            <a:schemeClr val="lt1"/>
-          </a:fontRef>
-        </p:style>
-        <p:txBody>
-          <a:bodyPr rtlCol="0" anchor="ctr"/>
-          <a:lstStyle/>
-          <a:p>
-            <a:pPr algn="ctr"/>
-            <a:r>
-              <a:rPr lang="en-US" dirty="0"/>
-              <a:t>TOPIC</a:t>
-            </a:r>
-          </a:p>
-        </p:txBody>
-      </p:sp>
-      <p:cxnSp>
-        <p:nvCxnSpPr>
-          <p:cNvPr id="42" name="Straight Arrow Connector 41">
-            <a:extLst>
-              <a:ext uri="{FF2B5EF4-FFF2-40B4-BE49-F238E27FC236}">
-                <a16:creationId xmlns:a16="http://schemas.microsoft.com/office/drawing/2014/main" id="{E0B9334E-639C-457C-88CB-B4E3C35161ED}"/>
-              </a:ext>
-            </a:extLst>
-          </p:cNvPr>
-          <p:cNvCxnSpPr>
-            <a:stCxn id="8" idx="3"/>
-            <a:endCxn id="40" idx="1"/>
-          </p:cNvCxnSpPr>
-          <p:nvPr/>
-        </p:nvCxnSpPr>
-        <p:spPr>
-          <a:xfrm>
-            <a:off x="3140363" y="766618"/>
-            <a:ext cx="2092037" cy="1537854"/>
-          </a:xfrm>
-          <a:prstGeom prst="straightConnector1">
-            <a:avLst/>
-          </a:prstGeom>
-          <a:ln>
-            <a:tailEnd type="triangle"/>
-          </a:ln>
-        </p:spPr>
-        <p:style>
-          <a:lnRef idx="1">
-            <a:schemeClr val="accent1"/>
-          </a:lnRef>
-          <a:fillRef idx="0">
-            <a:schemeClr val="accent1"/>
-          </a:fillRef>
-          <a:effectRef idx="0">
-            <a:schemeClr val="accent1"/>
-          </a:effectRef>
-          <a:fontRef idx="minor">
-            <a:schemeClr val="tx1"/>
-          </a:fontRef>
-        </p:style>
-      </p:cxnSp>
-      <p:cxnSp>
-        <p:nvCxnSpPr>
-          <p:cNvPr id="44" name="Straight Arrow Connector 43">
-            <a:extLst>
-              <a:ext uri="{FF2B5EF4-FFF2-40B4-BE49-F238E27FC236}">
-                <a16:creationId xmlns:a16="http://schemas.microsoft.com/office/drawing/2014/main" id="{69D3D947-5283-444A-A396-2BE053403D28}"/>
-              </a:ext>
-            </a:extLst>
-          </p:cNvPr>
-          <p:cNvCxnSpPr>
-            <a:stCxn id="9" idx="1"/>
-            <a:endCxn id="40" idx="3"/>
-          </p:cNvCxnSpPr>
-          <p:nvPr/>
-        </p:nvCxnSpPr>
-        <p:spPr>
-          <a:xfrm flipH="1">
-            <a:off x="6918036" y="729673"/>
-            <a:ext cx="2133601" cy="1574799"/>
-          </a:xfrm>
-          <a:prstGeom prst="straightConnector1">
-            <a:avLst/>
-          </a:prstGeom>
-          <a:ln>
-            <a:tailEnd type="triangle"/>
-          </a:ln>
-        </p:spPr>
-        <p:style>
-          <a:lnRef idx="1">
-            <a:schemeClr val="accent1"/>
-          </a:lnRef>
-          <a:fillRef idx="0">
-            <a:schemeClr val="accent1"/>
-          </a:fillRef>
-          <a:effectRef idx="0">
-            <a:schemeClr val="accent1"/>
-          </a:effectRef>
-          <a:fontRef idx="minor">
-            <a:schemeClr val="tx1"/>
-          </a:fontRef>
-        </p:style>
-      </p:cxnSp>
-      <p:cxnSp>
-        <p:nvCxnSpPr>
-          <p:cNvPr id="46" name="Straight Arrow Connector 45">
-            <a:extLst>
-              <a:ext uri="{FF2B5EF4-FFF2-40B4-BE49-F238E27FC236}">
-                <a16:creationId xmlns:a16="http://schemas.microsoft.com/office/drawing/2014/main" id="{34ABD8D5-8BB1-44B5-AADA-79F39D1249D1}"/>
-              </a:ext>
-            </a:extLst>
-          </p:cNvPr>
-          <p:cNvCxnSpPr>
-            <a:stCxn id="5" idx="1"/>
-            <a:endCxn id="40" idx="3"/>
-          </p:cNvCxnSpPr>
-          <p:nvPr/>
-        </p:nvCxnSpPr>
-        <p:spPr>
-          <a:xfrm flipH="1" flipV="1">
-            <a:off x="6918036" y="2304472"/>
-            <a:ext cx="2262909" cy="124692"/>
-          </a:xfrm>
-          <a:prstGeom prst="straightConnector1">
-            <a:avLst/>
-          </a:prstGeom>
-          <a:ln>
-            <a:tailEnd type="triangle"/>
-          </a:ln>
-        </p:spPr>
-        <p:style>
-          <a:lnRef idx="1">
-            <a:schemeClr val="accent1"/>
-          </a:lnRef>
-          <a:fillRef idx="0">
-            <a:schemeClr val="accent1"/>
-          </a:fillRef>
-          <a:effectRef idx="0">
-            <a:schemeClr val="accent1"/>
-          </a:effectRef>
-          <a:fontRef idx="minor">
-            <a:schemeClr val="tx1"/>
-          </a:fontRef>
-        </p:style>
-      </p:cxnSp>
-      <p:cxnSp>
-        <p:nvCxnSpPr>
-          <p:cNvPr id="48" name="Straight Arrow Connector 47">
-            <a:extLst>
-              <a:ext uri="{FF2B5EF4-FFF2-40B4-BE49-F238E27FC236}">
-                <a16:creationId xmlns:a16="http://schemas.microsoft.com/office/drawing/2014/main" id="{BBB89E3E-1D58-4135-AC2E-E9946713D023}"/>
-              </a:ext>
-            </a:extLst>
-          </p:cNvPr>
-          <p:cNvCxnSpPr>
-            <a:stCxn id="17" idx="1"/>
-            <a:endCxn id="40" idx="3"/>
-          </p:cNvCxnSpPr>
-          <p:nvPr/>
-        </p:nvCxnSpPr>
-        <p:spPr>
-          <a:xfrm flipH="1" flipV="1">
-            <a:off x="6918036" y="2304472"/>
-            <a:ext cx="2262909" cy="1644074"/>
-          </a:xfrm>
-          <a:prstGeom prst="straightConnector1">
-            <a:avLst/>
-          </a:prstGeom>
-          <a:ln>
-            <a:tailEnd type="triangle"/>
-          </a:ln>
-        </p:spPr>
-        <p:style>
-          <a:lnRef idx="1">
-            <a:schemeClr val="accent1"/>
-          </a:lnRef>
-          <a:fillRef idx="0">
-            <a:schemeClr val="accent1"/>
-          </a:fillRef>
-          <a:effectRef idx="0">
-            <a:schemeClr val="accent1"/>
-          </a:effectRef>
-          <a:fontRef idx="minor">
-            <a:schemeClr val="tx1"/>
-          </a:fontRef>
-        </p:style>
-      </p:cxnSp>
-      <p:cxnSp>
-        <p:nvCxnSpPr>
-          <p:cNvPr id="50" name="Straight Arrow Connector 49">
-            <a:extLst>
-              <a:ext uri="{FF2B5EF4-FFF2-40B4-BE49-F238E27FC236}">
-                <a16:creationId xmlns:a16="http://schemas.microsoft.com/office/drawing/2014/main" id="{5A91D659-54EA-49CE-A112-10CCA51CE62B}"/>
-              </a:ext>
-            </a:extLst>
-          </p:cNvPr>
-          <p:cNvCxnSpPr>
-            <a:stCxn id="13" idx="1"/>
-            <a:endCxn id="40" idx="3"/>
-          </p:cNvCxnSpPr>
-          <p:nvPr/>
-        </p:nvCxnSpPr>
-        <p:spPr>
-          <a:xfrm flipH="1" flipV="1">
-            <a:off x="6918036" y="2304472"/>
-            <a:ext cx="2336800" cy="3274291"/>
-          </a:xfrm>
-          <a:prstGeom prst="straightConnector1">
-            <a:avLst/>
-          </a:prstGeom>
-          <a:ln>
-            <a:tailEnd type="triangle"/>
-          </a:ln>
-        </p:spPr>
-        <p:style>
-          <a:lnRef idx="1">
-            <a:schemeClr val="accent1"/>
-          </a:lnRef>
-          <a:fillRef idx="0">
-            <a:schemeClr val="accent1"/>
-          </a:fillRef>
-          <a:effectRef idx="0">
-            <a:schemeClr val="accent1"/>
-          </a:effectRef>
-          <a:fontRef idx="minor">
-            <a:schemeClr val="tx1"/>
-          </a:fontRef>
-        </p:style>
-      </p:cxnSp>
-      <p:cxnSp>
-        <p:nvCxnSpPr>
-          <p:cNvPr id="57" name="Straight Arrow Connector 56">
-            <a:extLst>
-              <a:ext uri="{FF2B5EF4-FFF2-40B4-BE49-F238E27FC236}">
-                <a16:creationId xmlns:a16="http://schemas.microsoft.com/office/drawing/2014/main" id="{2F9190B3-9DDF-4857-826C-757737427EAB}"/>
-              </a:ext>
-            </a:extLst>
-          </p:cNvPr>
-          <p:cNvCxnSpPr>
-            <a:stCxn id="4" idx="3"/>
-            <a:endCxn id="40" idx="1"/>
-          </p:cNvCxnSpPr>
-          <p:nvPr/>
-        </p:nvCxnSpPr>
-        <p:spPr>
-          <a:xfrm flipV="1">
-            <a:off x="3140364" y="2304472"/>
-            <a:ext cx="2092036" cy="124692"/>
-          </a:xfrm>
-          <a:prstGeom prst="straightConnector1">
-            <a:avLst/>
-          </a:prstGeom>
-          <a:ln>
-            <a:tailEnd type="triangle"/>
-          </a:ln>
-        </p:spPr>
-        <p:style>
-          <a:lnRef idx="1">
-            <a:schemeClr val="accent1"/>
-          </a:lnRef>
-          <a:fillRef idx="0">
-            <a:schemeClr val="accent1"/>
-          </a:fillRef>
-          <a:effectRef idx="0">
-            <a:schemeClr val="accent1"/>
-          </a:effectRef>
-          <a:fontRef idx="minor">
-            <a:schemeClr val="tx1"/>
-          </a:fontRef>
-        </p:style>
-      </p:cxnSp>
-      <p:cxnSp>
-        <p:nvCxnSpPr>
-          <p:cNvPr id="59" name="Straight Arrow Connector 58">
-            <a:extLst>
-              <a:ext uri="{FF2B5EF4-FFF2-40B4-BE49-F238E27FC236}">
-                <a16:creationId xmlns:a16="http://schemas.microsoft.com/office/drawing/2014/main" id="{8C6FCFB1-6C81-45AE-9C59-54184CBA9018}"/>
-              </a:ext>
-            </a:extLst>
-          </p:cNvPr>
-          <p:cNvCxnSpPr>
-            <a:stCxn id="6" idx="3"/>
-            <a:endCxn id="40" idx="1"/>
-          </p:cNvCxnSpPr>
-          <p:nvPr/>
-        </p:nvCxnSpPr>
-        <p:spPr>
-          <a:xfrm flipV="1">
-            <a:off x="3140364" y="2304472"/>
-            <a:ext cx="2092036" cy="1787238"/>
-          </a:xfrm>
-          <a:prstGeom prst="straightConnector1">
-            <a:avLst/>
-          </a:prstGeom>
-          <a:ln>
-            <a:tailEnd type="triangle"/>
-          </a:ln>
-        </p:spPr>
-        <p:style>
-          <a:lnRef idx="1">
-            <a:schemeClr val="accent1"/>
-          </a:lnRef>
-          <a:fillRef idx="0">
-            <a:schemeClr val="accent1"/>
-          </a:fillRef>
-          <a:effectRef idx="0">
-            <a:schemeClr val="accent1"/>
-          </a:effectRef>
-          <a:fontRef idx="minor">
-            <a:schemeClr val="tx1"/>
-          </a:fontRef>
-        </p:style>
-      </p:cxnSp>
-      <p:cxnSp>
-        <p:nvCxnSpPr>
-          <p:cNvPr id="61" name="Straight Arrow Connector 60">
-            <a:extLst>
-              <a:ext uri="{FF2B5EF4-FFF2-40B4-BE49-F238E27FC236}">
-                <a16:creationId xmlns:a16="http://schemas.microsoft.com/office/drawing/2014/main" id="{42226737-E8DE-4009-A90A-56B6FAAA81A6}"/>
-              </a:ext>
-            </a:extLst>
-          </p:cNvPr>
-          <p:cNvCxnSpPr>
-            <a:stCxn id="7" idx="3"/>
-            <a:endCxn id="40" idx="1"/>
-          </p:cNvCxnSpPr>
-          <p:nvPr/>
-        </p:nvCxnSpPr>
-        <p:spPr>
-          <a:xfrm flipV="1">
-            <a:off x="3140363" y="2304472"/>
-            <a:ext cx="2092037" cy="3449784"/>
-          </a:xfrm>
-          <a:prstGeom prst="straightConnector1">
-            <a:avLst/>
-          </a:prstGeom>
-          <a:ln>
-            <a:tailEnd type="triangle"/>
-          </a:ln>
-        </p:spPr>
-        <p:style>
-          <a:lnRef idx="1">
-            <a:schemeClr val="accent1"/>
-          </a:lnRef>
-          <a:fillRef idx="0">
-            <a:schemeClr val="accent1"/>
-          </a:fillRef>
-          <a:effectRef idx="0">
-            <a:schemeClr val="accent1"/>
-          </a:effectRef>
-          <a:fontRef idx="minor">
-            <a:schemeClr val="tx1"/>
-          </a:fontRef>
-        </p:style>
-      </p:cxnSp>
-    </p:spTree>
-    <p:extLst>
-      <p:ext uri="{BB962C8B-B14F-4D97-AF65-F5344CB8AC3E}">
-        <p14:creationId xmlns:p14="http://schemas.microsoft.com/office/powerpoint/2010/main" val="1941979558"/>
-      </p:ext>
-    </p:extLst>
-  </p:cSld>
-  <p:clrMapOvr>
-    <a:masterClrMapping/>
-  </p:clrMapOvr>
-</p:sld>
-</file>
-
 <file path=ppt/slides/slide16.xml><?xml version="1.0" encoding="utf-8"?>
 <p:sld xmlns:a="http://schemas.openxmlformats.org/drawingml/2006/main" xmlns:r="http://schemas.openxmlformats.org/officeDocument/2006/relationships" xmlns:p="http://schemas.openxmlformats.org/presentationml/2006/main">
   <p:cSld>
@@ -11342,6 +11146,965 @@
           <p:cNvPr id="4" name="Rectangle 3">
             <a:extLst>
               <a:ext uri="{FF2B5EF4-FFF2-40B4-BE49-F238E27FC236}">
+                <a16:creationId xmlns:a16="http://schemas.microsoft.com/office/drawing/2014/main" id="{E8EB2CF6-6744-4659-9A3D-E33889B64F05}"/>
+              </a:ext>
+            </a:extLst>
+          </p:cNvPr>
+          <p:cNvSpPr/>
+          <p:nvPr/>
+        </p:nvSpPr>
+        <p:spPr>
+          <a:xfrm>
+            <a:off x="1801091" y="1948873"/>
+            <a:ext cx="1339273" cy="960582"/>
+          </a:xfrm>
+          <a:prstGeom prst="rect">
+            <a:avLst/>
+          </a:prstGeom>
+        </p:spPr>
+        <p:style>
+          <a:lnRef idx="2">
+            <a:schemeClr val="accent1">
+              <a:shade val="50000"/>
+            </a:schemeClr>
+          </a:lnRef>
+          <a:fillRef idx="1">
+            <a:schemeClr val="accent1"/>
+          </a:fillRef>
+          <a:effectRef idx="0">
+            <a:schemeClr val="accent1"/>
+          </a:effectRef>
+          <a:fontRef idx="minor">
+            <a:schemeClr val="lt1"/>
+          </a:fontRef>
+        </p:style>
+        <p:txBody>
+          <a:bodyPr rtlCol="0" anchor="ctr"/>
+          <a:lstStyle/>
+          <a:p>
+            <a:pPr algn="ctr"/>
+            <a:endParaRPr lang="en-US"/>
+          </a:p>
+        </p:txBody>
+      </p:sp>
+      <p:sp>
+        <p:nvSpPr>
+          <p:cNvPr id="5" name="Rectangle 4">
+            <a:extLst>
+              <a:ext uri="{FF2B5EF4-FFF2-40B4-BE49-F238E27FC236}">
+                <a16:creationId xmlns:a16="http://schemas.microsoft.com/office/drawing/2014/main" id="{04C845CF-25FE-4A3E-8589-FDB0D68A6158}"/>
+              </a:ext>
+            </a:extLst>
+          </p:cNvPr>
+          <p:cNvSpPr/>
+          <p:nvPr/>
+        </p:nvSpPr>
+        <p:spPr>
+          <a:xfrm>
+            <a:off x="9180945" y="1948873"/>
+            <a:ext cx="1339273" cy="960582"/>
+          </a:xfrm>
+          <a:prstGeom prst="rect">
+            <a:avLst/>
+          </a:prstGeom>
+        </p:spPr>
+        <p:style>
+          <a:lnRef idx="2">
+            <a:schemeClr val="accent1">
+              <a:shade val="50000"/>
+            </a:schemeClr>
+          </a:lnRef>
+          <a:fillRef idx="1">
+            <a:schemeClr val="accent1"/>
+          </a:fillRef>
+          <a:effectRef idx="0">
+            <a:schemeClr val="accent1"/>
+          </a:effectRef>
+          <a:fontRef idx="minor">
+            <a:schemeClr val="lt1"/>
+          </a:fontRef>
+        </p:style>
+        <p:txBody>
+          <a:bodyPr rtlCol="0" anchor="ctr"/>
+          <a:lstStyle/>
+          <a:p>
+            <a:pPr algn="ctr"/>
+            <a:endParaRPr lang="en-US"/>
+          </a:p>
+        </p:txBody>
+      </p:sp>
+      <p:sp>
+        <p:nvSpPr>
+          <p:cNvPr id="6" name="Rectangle 5">
+            <a:extLst>
+              <a:ext uri="{FF2B5EF4-FFF2-40B4-BE49-F238E27FC236}">
+                <a16:creationId xmlns:a16="http://schemas.microsoft.com/office/drawing/2014/main" id="{8B2B6697-2311-4730-A6CC-2CAE89D08285}"/>
+              </a:ext>
+            </a:extLst>
+          </p:cNvPr>
+          <p:cNvSpPr/>
+          <p:nvPr/>
+        </p:nvSpPr>
+        <p:spPr>
+          <a:xfrm>
+            <a:off x="1801091" y="3611419"/>
+            <a:ext cx="1339273" cy="960582"/>
+          </a:xfrm>
+          <a:prstGeom prst="rect">
+            <a:avLst/>
+          </a:prstGeom>
+        </p:spPr>
+        <p:style>
+          <a:lnRef idx="2">
+            <a:schemeClr val="accent1">
+              <a:shade val="50000"/>
+            </a:schemeClr>
+          </a:lnRef>
+          <a:fillRef idx="1">
+            <a:schemeClr val="accent1"/>
+          </a:fillRef>
+          <a:effectRef idx="0">
+            <a:schemeClr val="accent1"/>
+          </a:effectRef>
+          <a:fontRef idx="minor">
+            <a:schemeClr val="lt1"/>
+          </a:fontRef>
+        </p:style>
+        <p:txBody>
+          <a:bodyPr rtlCol="0" anchor="ctr"/>
+          <a:lstStyle/>
+          <a:p>
+            <a:pPr algn="ctr"/>
+            <a:endParaRPr lang="en-US"/>
+          </a:p>
+        </p:txBody>
+      </p:sp>
+      <p:sp>
+        <p:nvSpPr>
+          <p:cNvPr id="7" name="Rectangle 6">
+            <a:extLst>
+              <a:ext uri="{FF2B5EF4-FFF2-40B4-BE49-F238E27FC236}">
+                <a16:creationId xmlns:a16="http://schemas.microsoft.com/office/drawing/2014/main" id="{3A3E4F28-FAF8-46DE-BF34-AB14706A1486}"/>
+              </a:ext>
+            </a:extLst>
+          </p:cNvPr>
+          <p:cNvSpPr/>
+          <p:nvPr/>
+        </p:nvSpPr>
+        <p:spPr>
+          <a:xfrm>
+            <a:off x="1801090" y="5273965"/>
+            <a:ext cx="1339273" cy="960582"/>
+          </a:xfrm>
+          <a:prstGeom prst="rect">
+            <a:avLst/>
+          </a:prstGeom>
+        </p:spPr>
+        <p:style>
+          <a:lnRef idx="2">
+            <a:schemeClr val="accent1">
+              <a:shade val="50000"/>
+            </a:schemeClr>
+          </a:lnRef>
+          <a:fillRef idx="1">
+            <a:schemeClr val="accent1"/>
+          </a:fillRef>
+          <a:effectRef idx="0">
+            <a:schemeClr val="accent1"/>
+          </a:effectRef>
+          <a:fontRef idx="minor">
+            <a:schemeClr val="lt1"/>
+          </a:fontRef>
+        </p:style>
+        <p:txBody>
+          <a:bodyPr rtlCol="0" anchor="ctr"/>
+          <a:lstStyle/>
+          <a:p>
+            <a:pPr algn="ctr"/>
+            <a:endParaRPr lang="en-US"/>
+          </a:p>
+        </p:txBody>
+      </p:sp>
+      <p:sp>
+        <p:nvSpPr>
+          <p:cNvPr id="8" name="Rectangle 7">
+            <a:extLst>
+              <a:ext uri="{FF2B5EF4-FFF2-40B4-BE49-F238E27FC236}">
+                <a16:creationId xmlns:a16="http://schemas.microsoft.com/office/drawing/2014/main" id="{B6176296-083E-4FE4-8957-1890223DA1FF}"/>
+              </a:ext>
+            </a:extLst>
+          </p:cNvPr>
+          <p:cNvSpPr/>
+          <p:nvPr/>
+        </p:nvSpPr>
+        <p:spPr>
+          <a:xfrm>
+            <a:off x="1801090" y="286327"/>
+            <a:ext cx="1339273" cy="960582"/>
+          </a:xfrm>
+          <a:prstGeom prst="rect">
+            <a:avLst/>
+          </a:prstGeom>
+        </p:spPr>
+        <p:style>
+          <a:lnRef idx="2">
+            <a:schemeClr val="accent1">
+              <a:shade val="50000"/>
+            </a:schemeClr>
+          </a:lnRef>
+          <a:fillRef idx="1">
+            <a:schemeClr val="accent1"/>
+          </a:fillRef>
+          <a:effectRef idx="0">
+            <a:schemeClr val="accent1"/>
+          </a:effectRef>
+          <a:fontRef idx="minor">
+            <a:schemeClr val="lt1"/>
+          </a:fontRef>
+        </p:style>
+        <p:txBody>
+          <a:bodyPr rtlCol="0" anchor="ctr"/>
+          <a:lstStyle/>
+          <a:p>
+            <a:pPr algn="ctr"/>
+            <a:endParaRPr lang="en-US"/>
+          </a:p>
+        </p:txBody>
+      </p:sp>
+      <p:sp>
+        <p:nvSpPr>
+          <p:cNvPr id="9" name="Rectangle 8">
+            <a:extLst>
+              <a:ext uri="{FF2B5EF4-FFF2-40B4-BE49-F238E27FC236}">
+                <a16:creationId xmlns:a16="http://schemas.microsoft.com/office/drawing/2014/main" id="{4CBE0B4F-0F7A-4847-9F18-4AA24FCC9914}"/>
+              </a:ext>
+            </a:extLst>
+          </p:cNvPr>
+          <p:cNvSpPr/>
+          <p:nvPr/>
+        </p:nvSpPr>
+        <p:spPr>
+          <a:xfrm>
+            <a:off x="9051637" y="249382"/>
+            <a:ext cx="1339273" cy="960582"/>
+          </a:xfrm>
+          <a:prstGeom prst="rect">
+            <a:avLst/>
+          </a:prstGeom>
+        </p:spPr>
+        <p:style>
+          <a:lnRef idx="2">
+            <a:schemeClr val="accent1">
+              <a:shade val="50000"/>
+            </a:schemeClr>
+          </a:lnRef>
+          <a:fillRef idx="1">
+            <a:schemeClr val="accent1"/>
+          </a:fillRef>
+          <a:effectRef idx="0">
+            <a:schemeClr val="accent1"/>
+          </a:effectRef>
+          <a:fontRef idx="minor">
+            <a:schemeClr val="lt1"/>
+          </a:fontRef>
+        </p:style>
+        <p:txBody>
+          <a:bodyPr rtlCol="0" anchor="ctr"/>
+          <a:lstStyle/>
+          <a:p>
+            <a:pPr algn="ctr"/>
+            <a:endParaRPr lang="en-US"/>
+          </a:p>
+        </p:txBody>
+      </p:sp>
+      <p:sp>
+        <p:nvSpPr>
+          <p:cNvPr id="10" name="Rectangle 9">
+            <a:extLst>
+              <a:ext uri="{FF2B5EF4-FFF2-40B4-BE49-F238E27FC236}">
+                <a16:creationId xmlns:a16="http://schemas.microsoft.com/office/drawing/2014/main" id="{0DC833A0-2CEF-4627-B2A6-B377D2138ACA}"/>
+              </a:ext>
+            </a:extLst>
+          </p:cNvPr>
+          <p:cNvSpPr/>
+          <p:nvPr/>
+        </p:nvSpPr>
+        <p:spPr>
+          <a:xfrm>
+            <a:off x="1671782" y="-1413164"/>
+            <a:ext cx="1339273" cy="960582"/>
+          </a:xfrm>
+          <a:prstGeom prst="rect">
+            <a:avLst/>
+          </a:prstGeom>
+        </p:spPr>
+        <p:style>
+          <a:lnRef idx="2">
+            <a:schemeClr val="accent1">
+              <a:shade val="50000"/>
+            </a:schemeClr>
+          </a:lnRef>
+          <a:fillRef idx="1">
+            <a:schemeClr val="accent1"/>
+          </a:fillRef>
+          <a:effectRef idx="0">
+            <a:schemeClr val="accent1"/>
+          </a:effectRef>
+          <a:fontRef idx="minor">
+            <a:schemeClr val="lt1"/>
+          </a:fontRef>
+        </p:style>
+        <p:txBody>
+          <a:bodyPr rtlCol="0" anchor="ctr"/>
+          <a:lstStyle/>
+          <a:p>
+            <a:pPr algn="ctr"/>
+            <a:endParaRPr lang="en-US"/>
+          </a:p>
+        </p:txBody>
+      </p:sp>
+      <p:sp>
+        <p:nvSpPr>
+          <p:cNvPr id="13" name="Rectangle 12">
+            <a:extLst>
+              <a:ext uri="{FF2B5EF4-FFF2-40B4-BE49-F238E27FC236}">
+                <a16:creationId xmlns:a16="http://schemas.microsoft.com/office/drawing/2014/main" id="{B036B0BA-20E3-4F1E-AAD2-4D737826707D}"/>
+              </a:ext>
+            </a:extLst>
+          </p:cNvPr>
+          <p:cNvSpPr/>
+          <p:nvPr/>
+        </p:nvSpPr>
+        <p:spPr>
+          <a:xfrm>
+            <a:off x="9254836" y="5098472"/>
+            <a:ext cx="1339273" cy="960582"/>
+          </a:xfrm>
+          <a:prstGeom prst="rect">
+            <a:avLst/>
+          </a:prstGeom>
+        </p:spPr>
+        <p:style>
+          <a:lnRef idx="2">
+            <a:schemeClr val="accent1">
+              <a:shade val="50000"/>
+            </a:schemeClr>
+          </a:lnRef>
+          <a:fillRef idx="1">
+            <a:schemeClr val="accent1"/>
+          </a:fillRef>
+          <a:effectRef idx="0">
+            <a:schemeClr val="accent1"/>
+          </a:effectRef>
+          <a:fontRef idx="minor">
+            <a:schemeClr val="lt1"/>
+          </a:fontRef>
+        </p:style>
+        <p:txBody>
+          <a:bodyPr rtlCol="0" anchor="ctr"/>
+          <a:lstStyle/>
+          <a:p>
+            <a:pPr algn="ctr"/>
+            <a:endParaRPr lang="en-US"/>
+          </a:p>
+        </p:txBody>
+      </p:sp>
+      <p:sp>
+        <p:nvSpPr>
+          <p:cNvPr id="14" name="Rectangle 13">
+            <a:extLst>
+              <a:ext uri="{FF2B5EF4-FFF2-40B4-BE49-F238E27FC236}">
+                <a16:creationId xmlns:a16="http://schemas.microsoft.com/office/drawing/2014/main" id="{4F867152-8A33-4F9D-8BB0-0A0CF6CE891A}"/>
+              </a:ext>
+            </a:extLst>
+          </p:cNvPr>
+          <p:cNvSpPr/>
+          <p:nvPr/>
+        </p:nvSpPr>
+        <p:spPr>
+          <a:xfrm>
+            <a:off x="1801090" y="-1376219"/>
+            <a:ext cx="1339273" cy="960582"/>
+          </a:xfrm>
+          <a:prstGeom prst="rect">
+            <a:avLst/>
+          </a:prstGeom>
+        </p:spPr>
+        <p:style>
+          <a:lnRef idx="2">
+            <a:schemeClr val="accent1">
+              <a:shade val="50000"/>
+            </a:schemeClr>
+          </a:lnRef>
+          <a:fillRef idx="1">
+            <a:schemeClr val="accent1"/>
+          </a:fillRef>
+          <a:effectRef idx="0">
+            <a:schemeClr val="accent1"/>
+          </a:effectRef>
+          <a:fontRef idx="minor">
+            <a:schemeClr val="lt1"/>
+          </a:fontRef>
+        </p:style>
+        <p:txBody>
+          <a:bodyPr rtlCol="0" anchor="ctr"/>
+          <a:lstStyle/>
+          <a:p>
+            <a:pPr algn="ctr"/>
+            <a:endParaRPr lang="en-US"/>
+          </a:p>
+        </p:txBody>
+      </p:sp>
+      <p:sp>
+        <p:nvSpPr>
+          <p:cNvPr id="17" name="Rectangle 16">
+            <a:extLst>
+              <a:ext uri="{FF2B5EF4-FFF2-40B4-BE49-F238E27FC236}">
+                <a16:creationId xmlns:a16="http://schemas.microsoft.com/office/drawing/2014/main" id="{A8AF25A8-82B6-4D9C-940B-D93A7D087106}"/>
+              </a:ext>
+            </a:extLst>
+          </p:cNvPr>
+          <p:cNvSpPr/>
+          <p:nvPr/>
+        </p:nvSpPr>
+        <p:spPr>
+          <a:xfrm>
+            <a:off x="9180945" y="3468255"/>
+            <a:ext cx="1339273" cy="960582"/>
+          </a:xfrm>
+          <a:prstGeom prst="rect">
+            <a:avLst/>
+          </a:prstGeom>
+        </p:spPr>
+        <p:style>
+          <a:lnRef idx="2">
+            <a:schemeClr val="accent1">
+              <a:shade val="50000"/>
+            </a:schemeClr>
+          </a:lnRef>
+          <a:fillRef idx="1">
+            <a:schemeClr val="accent1"/>
+          </a:fillRef>
+          <a:effectRef idx="0">
+            <a:schemeClr val="accent1"/>
+          </a:effectRef>
+          <a:fontRef idx="minor">
+            <a:schemeClr val="lt1"/>
+          </a:fontRef>
+        </p:style>
+        <p:txBody>
+          <a:bodyPr rtlCol="0" anchor="ctr"/>
+          <a:lstStyle/>
+          <a:p>
+            <a:pPr algn="ctr"/>
+            <a:endParaRPr lang="en-US"/>
+          </a:p>
+        </p:txBody>
+      </p:sp>
+      <p:sp>
+        <p:nvSpPr>
+          <p:cNvPr id="39" name="Rectangle 38">
+            <a:extLst>
+              <a:ext uri="{FF2B5EF4-FFF2-40B4-BE49-F238E27FC236}">
+                <a16:creationId xmlns:a16="http://schemas.microsoft.com/office/drawing/2014/main" id="{285BBFFD-D6C6-4932-A620-DD2148DDEF8A}"/>
+              </a:ext>
+            </a:extLst>
+          </p:cNvPr>
+          <p:cNvSpPr/>
+          <p:nvPr/>
+        </p:nvSpPr>
+        <p:spPr>
+          <a:xfrm>
+            <a:off x="5426363" y="1168399"/>
+            <a:ext cx="1339273" cy="4442691"/>
+          </a:xfrm>
+          <a:prstGeom prst="rect">
+            <a:avLst/>
+          </a:prstGeom>
+        </p:spPr>
+        <p:style>
+          <a:lnRef idx="2">
+            <a:schemeClr val="accent1">
+              <a:shade val="50000"/>
+            </a:schemeClr>
+          </a:lnRef>
+          <a:fillRef idx="1">
+            <a:schemeClr val="accent1"/>
+          </a:fillRef>
+          <a:effectRef idx="0">
+            <a:schemeClr val="accent1"/>
+          </a:effectRef>
+          <a:fontRef idx="minor">
+            <a:schemeClr val="lt1"/>
+          </a:fontRef>
+        </p:style>
+        <p:txBody>
+          <a:bodyPr rtlCol="0" anchor="ctr"/>
+          <a:lstStyle/>
+          <a:p>
+            <a:pPr algn="ctr"/>
+            <a:r>
+              <a:rPr lang="en-US" dirty="0"/>
+              <a:t>B</a:t>
+            </a:r>
+          </a:p>
+          <a:p>
+            <a:pPr algn="ctr"/>
+            <a:r>
+              <a:rPr lang="en-US" dirty="0"/>
+              <a:t>R</a:t>
+            </a:r>
+            <a:br>
+              <a:rPr lang="en-US" dirty="0"/>
+            </a:br>
+            <a:r>
+              <a:rPr lang="en-US" dirty="0"/>
+              <a:t>O</a:t>
+            </a:r>
+          </a:p>
+          <a:p>
+            <a:pPr algn="ctr"/>
+            <a:r>
+              <a:rPr lang="en-US" dirty="0"/>
+              <a:t>K</a:t>
+            </a:r>
+          </a:p>
+          <a:p>
+            <a:pPr algn="ctr"/>
+            <a:r>
+              <a:rPr lang="en-US" dirty="0"/>
+              <a:t>E</a:t>
+            </a:r>
+          </a:p>
+          <a:p>
+            <a:pPr algn="ctr"/>
+            <a:r>
+              <a:rPr lang="en-US" dirty="0"/>
+              <a:t>R</a:t>
+            </a:r>
+          </a:p>
+        </p:txBody>
+      </p:sp>
+      <p:sp>
+        <p:nvSpPr>
+          <p:cNvPr id="40" name="Rectangle 39">
+            <a:extLst>
+              <a:ext uri="{FF2B5EF4-FFF2-40B4-BE49-F238E27FC236}">
+                <a16:creationId xmlns:a16="http://schemas.microsoft.com/office/drawing/2014/main" id="{9104EC30-632B-476D-9EA9-02F9A1739172}"/>
+              </a:ext>
+            </a:extLst>
+          </p:cNvPr>
+          <p:cNvSpPr/>
+          <p:nvPr/>
+        </p:nvSpPr>
+        <p:spPr>
+          <a:xfrm>
+            <a:off x="5232400" y="2087417"/>
+            <a:ext cx="1685636" cy="434109"/>
+          </a:xfrm>
+          <a:prstGeom prst="rect">
+            <a:avLst/>
+          </a:prstGeom>
+        </p:spPr>
+        <p:style>
+          <a:lnRef idx="2">
+            <a:schemeClr val="accent3">
+              <a:shade val="50000"/>
+            </a:schemeClr>
+          </a:lnRef>
+          <a:fillRef idx="1">
+            <a:schemeClr val="accent3"/>
+          </a:fillRef>
+          <a:effectRef idx="0">
+            <a:schemeClr val="accent3"/>
+          </a:effectRef>
+          <a:fontRef idx="minor">
+            <a:schemeClr val="lt1"/>
+          </a:fontRef>
+        </p:style>
+        <p:txBody>
+          <a:bodyPr rtlCol="0" anchor="ctr"/>
+          <a:lstStyle/>
+          <a:p>
+            <a:pPr algn="ctr"/>
+            <a:r>
+              <a:rPr lang="en-US" dirty="0"/>
+              <a:t>TOPIC</a:t>
+            </a:r>
+          </a:p>
+        </p:txBody>
+      </p:sp>
+      <p:cxnSp>
+        <p:nvCxnSpPr>
+          <p:cNvPr id="42" name="Straight Arrow Connector 41">
+            <a:extLst>
+              <a:ext uri="{FF2B5EF4-FFF2-40B4-BE49-F238E27FC236}">
+                <a16:creationId xmlns:a16="http://schemas.microsoft.com/office/drawing/2014/main" id="{E0B9334E-639C-457C-88CB-B4E3C35161ED}"/>
+              </a:ext>
+            </a:extLst>
+          </p:cNvPr>
+          <p:cNvCxnSpPr>
+            <a:stCxn id="8" idx="3"/>
+            <a:endCxn id="40" idx="1"/>
+          </p:cNvCxnSpPr>
+          <p:nvPr/>
+        </p:nvCxnSpPr>
+        <p:spPr>
+          <a:xfrm>
+            <a:off x="3140363" y="766618"/>
+            <a:ext cx="2092037" cy="1537854"/>
+          </a:xfrm>
+          <a:prstGeom prst="straightConnector1">
+            <a:avLst/>
+          </a:prstGeom>
+          <a:ln>
+            <a:tailEnd type="triangle"/>
+          </a:ln>
+        </p:spPr>
+        <p:style>
+          <a:lnRef idx="1">
+            <a:schemeClr val="accent1"/>
+          </a:lnRef>
+          <a:fillRef idx="0">
+            <a:schemeClr val="accent1"/>
+          </a:fillRef>
+          <a:effectRef idx="0">
+            <a:schemeClr val="accent1"/>
+          </a:effectRef>
+          <a:fontRef idx="minor">
+            <a:schemeClr val="tx1"/>
+          </a:fontRef>
+        </p:style>
+      </p:cxnSp>
+      <p:cxnSp>
+        <p:nvCxnSpPr>
+          <p:cNvPr id="44" name="Straight Arrow Connector 43">
+            <a:extLst>
+              <a:ext uri="{FF2B5EF4-FFF2-40B4-BE49-F238E27FC236}">
+                <a16:creationId xmlns:a16="http://schemas.microsoft.com/office/drawing/2014/main" id="{69D3D947-5283-444A-A396-2BE053403D28}"/>
+              </a:ext>
+            </a:extLst>
+          </p:cNvPr>
+          <p:cNvCxnSpPr>
+            <a:stCxn id="9" idx="1"/>
+            <a:endCxn id="40" idx="3"/>
+          </p:cNvCxnSpPr>
+          <p:nvPr/>
+        </p:nvCxnSpPr>
+        <p:spPr>
+          <a:xfrm flipH="1">
+            <a:off x="6918036" y="729673"/>
+            <a:ext cx="2133601" cy="1574799"/>
+          </a:xfrm>
+          <a:prstGeom prst="straightConnector1">
+            <a:avLst/>
+          </a:prstGeom>
+          <a:ln>
+            <a:tailEnd type="triangle"/>
+          </a:ln>
+        </p:spPr>
+        <p:style>
+          <a:lnRef idx="1">
+            <a:schemeClr val="accent1"/>
+          </a:lnRef>
+          <a:fillRef idx="0">
+            <a:schemeClr val="accent1"/>
+          </a:fillRef>
+          <a:effectRef idx="0">
+            <a:schemeClr val="accent1"/>
+          </a:effectRef>
+          <a:fontRef idx="minor">
+            <a:schemeClr val="tx1"/>
+          </a:fontRef>
+        </p:style>
+      </p:cxnSp>
+      <p:cxnSp>
+        <p:nvCxnSpPr>
+          <p:cNvPr id="46" name="Straight Arrow Connector 45">
+            <a:extLst>
+              <a:ext uri="{FF2B5EF4-FFF2-40B4-BE49-F238E27FC236}">
+                <a16:creationId xmlns:a16="http://schemas.microsoft.com/office/drawing/2014/main" id="{34ABD8D5-8BB1-44B5-AADA-79F39D1249D1}"/>
+              </a:ext>
+            </a:extLst>
+          </p:cNvPr>
+          <p:cNvCxnSpPr>
+            <a:stCxn id="5" idx="1"/>
+            <a:endCxn id="40" idx="3"/>
+          </p:cNvCxnSpPr>
+          <p:nvPr/>
+        </p:nvCxnSpPr>
+        <p:spPr>
+          <a:xfrm flipH="1" flipV="1">
+            <a:off x="6918036" y="2304472"/>
+            <a:ext cx="2262909" cy="124692"/>
+          </a:xfrm>
+          <a:prstGeom prst="straightConnector1">
+            <a:avLst/>
+          </a:prstGeom>
+          <a:ln>
+            <a:tailEnd type="triangle"/>
+          </a:ln>
+        </p:spPr>
+        <p:style>
+          <a:lnRef idx="1">
+            <a:schemeClr val="accent1"/>
+          </a:lnRef>
+          <a:fillRef idx="0">
+            <a:schemeClr val="accent1"/>
+          </a:fillRef>
+          <a:effectRef idx="0">
+            <a:schemeClr val="accent1"/>
+          </a:effectRef>
+          <a:fontRef idx="minor">
+            <a:schemeClr val="tx1"/>
+          </a:fontRef>
+        </p:style>
+      </p:cxnSp>
+      <p:cxnSp>
+        <p:nvCxnSpPr>
+          <p:cNvPr id="48" name="Straight Arrow Connector 47">
+            <a:extLst>
+              <a:ext uri="{FF2B5EF4-FFF2-40B4-BE49-F238E27FC236}">
+                <a16:creationId xmlns:a16="http://schemas.microsoft.com/office/drawing/2014/main" id="{BBB89E3E-1D58-4135-AC2E-E9946713D023}"/>
+              </a:ext>
+            </a:extLst>
+          </p:cNvPr>
+          <p:cNvCxnSpPr>
+            <a:stCxn id="17" idx="1"/>
+            <a:endCxn id="40" idx="3"/>
+          </p:cNvCxnSpPr>
+          <p:nvPr/>
+        </p:nvCxnSpPr>
+        <p:spPr>
+          <a:xfrm flipH="1" flipV="1">
+            <a:off x="6918036" y="2304472"/>
+            <a:ext cx="2262909" cy="1644074"/>
+          </a:xfrm>
+          <a:prstGeom prst="straightConnector1">
+            <a:avLst/>
+          </a:prstGeom>
+          <a:ln>
+            <a:tailEnd type="triangle"/>
+          </a:ln>
+        </p:spPr>
+        <p:style>
+          <a:lnRef idx="1">
+            <a:schemeClr val="accent1"/>
+          </a:lnRef>
+          <a:fillRef idx="0">
+            <a:schemeClr val="accent1"/>
+          </a:fillRef>
+          <a:effectRef idx="0">
+            <a:schemeClr val="accent1"/>
+          </a:effectRef>
+          <a:fontRef idx="minor">
+            <a:schemeClr val="tx1"/>
+          </a:fontRef>
+        </p:style>
+      </p:cxnSp>
+      <p:cxnSp>
+        <p:nvCxnSpPr>
+          <p:cNvPr id="50" name="Straight Arrow Connector 49">
+            <a:extLst>
+              <a:ext uri="{FF2B5EF4-FFF2-40B4-BE49-F238E27FC236}">
+                <a16:creationId xmlns:a16="http://schemas.microsoft.com/office/drawing/2014/main" id="{5A91D659-54EA-49CE-A112-10CCA51CE62B}"/>
+              </a:ext>
+            </a:extLst>
+          </p:cNvPr>
+          <p:cNvCxnSpPr>
+            <a:stCxn id="13" idx="1"/>
+            <a:endCxn id="40" idx="3"/>
+          </p:cNvCxnSpPr>
+          <p:nvPr/>
+        </p:nvCxnSpPr>
+        <p:spPr>
+          <a:xfrm flipH="1" flipV="1">
+            <a:off x="6918036" y="2304472"/>
+            <a:ext cx="2336800" cy="3274291"/>
+          </a:xfrm>
+          <a:prstGeom prst="straightConnector1">
+            <a:avLst/>
+          </a:prstGeom>
+          <a:ln>
+            <a:tailEnd type="triangle"/>
+          </a:ln>
+        </p:spPr>
+        <p:style>
+          <a:lnRef idx="1">
+            <a:schemeClr val="accent1"/>
+          </a:lnRef>
+          <a:fillRef idx="0">
+            <a:schemeClr val="accent1"/>
+          </a:fillRef>
+          <a:effectRef idx="0">
+            <a:schemeClr val="accent1"/>
+          </a:effectRef>
+          <a:fontRef idx="minor">
+            <a:schemeClr val="tx1"/>
+          </a:fontRef>
+        </p:style>
+      </p:cxnSp>
+      <p:cxnSp>
+        <p:nvCxnSpPr>
+          <p:cNvPr id="57" name="Straight Arrow Connector 56">
+            <a:extLst>
+              <a:ext uri="{FF2B5EF4-FFF2-40B4-BE49-F238E27FC236}">
+                <a16:creationId xmlns:a16="http://schemas.microsoft.com/office/drawing/2014/main" id="{2F9190B3-9DDF-4857-826C-757737427EAB}"/>
+              </a:ext>
+            </a:extLst>
+          </p:cNvPr>
+          <p:cNvCxnSpPr>
+            <a:stCxn id="4" idx="3"/>
+            <a:endCxn id="40" idx="1"/>
+          </p:cNvCxnSpPr>
+          <p:nvPr/>
+        </p:nvCxnSpPr>
+        <p:spPr>
+          <a:xfrm flipV="1">
+            <a:off x="3140364" y="2304472"/>
+            <a:ext cx="2092036" cy="124692"/>
+          </a:xfrm>
+          <a:prstGeom prst="straightConnector1">
+            <a:avLst/>
+          </a:prstGeom>
+          <a:ln>
+            <a:tailEnd type="triangle"/>
+          </a:ln>
+        </p:spPr>
+        <p:style>
+          <a:lnRef idx="1">
+            <a:schemeClr val="accent1"/>
+          </a:lnRef>
+          <a:fillRef idx="0">
+            <a:schemeClr val="accent1"/>
+          </a:fillRef>
+          <a:effectRef idx="0">
+            <a:schemeClr val="accent1"/>
+          </a:effectRef>
+          <a:fontRef idx="minor">
+            <a:schemeClr val="tx1"/>
+          </a:fontRef>
+        </p:style>
+      </p:cxnSp>
+      <p:cxnSp>
+        <p:nvCxnSpPr>
+          <p:cNvPr id="59" name="Straight Arrow Connector 58">
+            <a:extLst>
+              <a:ext uri="{FF2B5EF4-FFF2-40B4-BE49-F238E27FC236}">
+                <a16:creationId xmlns:a16="http://schemas.microsoft.com/office/drawing/2014/main" id="{8C6FCFB1-6C81-45AE-9C59-54184CBA9018}"/>
+              </a:ext>
+            </a:extLst>
+          </p:cNvPr>
+          <p:cNvCxnSpPr>
+            <a:stCxn id="6" idx="3"/>
+            <a:endCxn id="40" idx="1"/>
+          </p:cNvCxnSpPr>
+          <p:nvPr/>
+        </p:nvCxnSpPr>
+        <p:spPr>
+          <a:xfrm flipV="1">
+            <a:off x="3140364" y="2304472"/>
+            <a:ext cx="2092036" cy="1787238"/>
+          </a:xfrm>
+          <a:prstGeom prst="straightConnector1">
+            <a:avLst/>
+          </a:prstGeom>
+          <a:ln>
+            <a:tailEnd type="triangle"/>
+          </a:ln>
+        </p:spPr>
+        <p:style>
+          <a:lnRef idx="1">
+            <a:schemeClr val="accent1"/>
+          </a:lnRef>
+          <a:fillRef idx="0">
+            <a:schemeClr val="accent1"/>
+          </a:fillRef>
+          <a:effectRef idx="0">
+            <a:schemeClr val="accent1"/>
+          </a:effectRef>
+          <a:fontRef idx="minor">
+            <a:schemeClr val="tx1"/>
+          </a:fontRef>
+        </p:style>
+      </p:cxnSp>
+      <p:cxnSp>
+        <p:nvCxnSpPr>
+          <p:cNvPr id="61" name="Straight Arrow Connector 60">
+            <a:extLst>
+              <a:ext uri="{FF2B5EF4-FFF2-40B4-BE49-F238E27FC236}">
+                <a16:creationId xmlns:a16="http://schemas.microsoft.com/office/drawing/2014/main" id="{42226737-E8DE-4009-A90A-56B6FAAA81A6}"/>
+              </a:ext>
+            </a:extLst>
+          </p:cNvPr>
+          <p:cNvCxnSpPr>
+            <a:stCxn id="7" idx="3"/>
+            <a:endCxn id="40" idx="1"/>
+          </p:cNvCxnSpPr>
+          <p:nvPr/>
+        </p:nvCxnSpPr>
+        <p:spPr>
+          <a:xfrm flipV="1">
+            <a:off x="3140363" y="2304472"/>
+            <a:ext cx="2092037" cy="3449784"/>
+          </a:xfrm>
+          <a:prstGeom prst="straightConnector1">
+            <a:avLst/>
+          </a:prstGeom>
+          <a:ln>
+            <a:tailEnd type="triangle"/>
+          </a:ln>
+        </p:spPr>
+        <p:style>
+          <a:lnRef idx="1">
+            <a:schemeClr val="accent1"/>
+          </a:lnRef>
+          <a:fillRef idx="0">
+            <a:schemeClr val="accent1"/>
+          </a:fillRef>
+          <a:effectRef idx="0">
+            <a:schemeClr val="accent1"/>
+          </a:effectRef>
+          <a:fontRef idx="minor">
+            <a:schemeClr val="tx1"/>
+          </a:fontRef>
+        </p:style>
+      </p:cxnSp>
+    </p:spTree>
+    <p:extLst>
+      <p:ext uri="{BB962C8B-B14F-4D97-AF65-F5344CB8AC3E}">
+        <p14:creationId xmlns:p14="http://schemas.microsoft.com/office/powerpoint/2010/main" val="1941979558"/>
+      </p:ext>
+    </p:extLst>
+  </p:cSld>
+  <p:clrMapOvr>
+    <a:masterClrMapping/>
+  </p:clrMapOvr>
+</p:sld>
+</file>
+
+<file path=ppt/slides/slide17.xml><?xml version="1.0" encoding="utf-8"?>
+<p:sld xmlns:a="http://schemas.openxmlformats.org/drawingml/2006/main" xmlns:r="http://schemas.openxmlformats.org/officeDocument/2006/relationships" xmlns:p="http://schemas.openxmlformats.org/presentationml/2006/main">
+  <p:cSld>
+    <p:spTree>
+      <p:nvGrpSpPr>
+        <p:cNvPr id="1" name=""/>
+        <p:cNvGrpSpPr/>
+        <p:nvPr/>
+      </p:nvGrpSpPr>
+      <p:grpSpPr>
+        <a:xfrm>
+          <a:off x="0" y="0"/>
+          <a:ext cx="0" cy="0"/>
+          <a:chOff x="0" y="0"/>
+          <a:chExt cx="0" cy="0"/>
+        </a:xfrm>
+      </p:grpSpPr>
+      <p:sp>
+        <p:nvSpPr>
+          <p:cNvPr id="4" name="Rectangle 3">
+            <a:extLst>
+              <a:ext uri="{FF2B5EF4-FFF2-40B4-BE49-F238E27FC236}">
                 <a16:creationId xmlns:a16="http://schemas.microsoft.com/office/drawing/2014/main" id="{351F27EC-2DB3-4B9B-9C66-DCCAF55CE8D4}"/>
               </a:ext>
             </a:extLst>
@@ -11446,7 +12209,7 @@
 </p:sld>
 </file>
 
-<file path=ppt/slides/slide17.xml><?xml version="1.0" encoding="utf-8"?>
+<file path=ppt/slides/slide18.xml><?xml version="1.0" encoding="utf-8"?>
 <p:sld xmlns:a="http://schemas.openxmlformats.org/drawingml/2006/main" xmlns:r="http://schemas.openxmlformats.org/officeDocument/2006/relationships" xmlns:p="http://schemas.openxmlformats.org/presentationml/2006/main">
   <p:cSld>
     <p:spTree>
@@ -12322,7 +13085,7 @@
 </p:sld>
 </file>
 
-<file path=ppt/slides/slide18.xml><?xml version="1.0" encoding="utf-8"?>
+<file path=ppt/slides/slide19.xml><?xml version="1.0" encoding="utf-8"?>
 <p:sld xmlns:a="http://schemas.openxmlformats.org/drawingml/2006/main" xmlns:r="http://schemas.openxmlformats.org/officeDocument/2006/relationships" xmlns:p="http://schemas.openxmlformats.org/presentationml/2006/main">
   <p:cSld>
     <p:spTree>
@@ -14363,6 +15126,1654 @@
     <p:extLst>
       <p:ext uri="{BB962C8B-B14F-4D97-AF65-F5344CB8AC3E}">
         <p14:creationId xmlns:p14="http://schemas.microsoft.com/office/powerpoint/2010/main" val="3503912053"/>
+      </p:ext>
+    </p:extLst>
+  </p:cSld>
+  <p:clrMapOvr>
+    <a:masterClrMapping/>
+  </p:clrMapOvr>
+</p:sld>
+</file>
+
+<file path=ppt/slides/slide20.xml><?xml version="1.0" encoding="utf-8"?>
+<p:sld xmlns:a="http://schemas.openxmlformats.org/drawingml/2006/main" xmlns:r="http://schemas.openxmlformats.org/officeDocument/2006/relationships" xmlns:p="http://schemas.openxmlformats.org/presentationml/2006/main">
+  <p:cSld>
+    <p:spTree>
+      <p:nvGrpSpPr>
+        <p:cNvPr id="1" name=""/>
+        <p:cNvGrpSpPr/>
+        <p:nvPr/>
+      </p:nvGrpSpPr>
+      <p:grpSpPr>
+        <a:xfrm>
+          <a:off x="0" y="0"/>
+          <a:ext cx="0" cy="0"/>
+          <a:chOff x="0" y="0"/>
+          <a:chExt cx="0" cy="0"/>
+        </a:xfrm>
+      </p:grpSpPr>
+      <p:grpSp>
+        <p:nvGrpSpPr>
+          <p:cNvPr id="47" name="Group 46">
+            <a:extLst>
+              <a:ext uri="{FF2B5EF4-FFF2-40B4-BE49-F238E27FC236}">
+                <a16:creationId xmlns:a16="http://schemas.microsoft.com/office/drawing/2014/main" id="{A34E0735-615B-4033-A51D-9BFD5778A06C}"/>
+              </a:ext>
+            </a:extLst>
+          </p:cNvPr>
+          <p:cNvGrpSpPr/>
+          <p:nvPr/>
+        </p:nvGrpSpPr>
+        <p:grpSpPr>
+          <a:xfrm>
+            <a:off x="1729509" y="203200"/>
+            <a:ext cx="8732982" cy="3371273"/>
+            <a:chOff x="858981" y="544945"/>
+            <a:chExt cx="8732982" cy="3371273"/>
+          </a:xfrm>
+        </p:grpSpPr>
+        <p:sp>
+          <p:nvSpPr>
+            <p:cNvPr id="19" name="Rectangle 18">
+              <a:extLst>
+                <a:ext uri="{FF2B5EF4-FFF2-40B4-BE49-F238E27FC236}">
+                  <a16:creationId xmlns:a16="http://schemas.microsoft.com/office/drawing/2014/main" id="{8ADBA669-FF61-4E06-AEA2-6614C3068D3B}"/>
+                </a:ext>
+              </a:extLst>
+            </p:cNvPr>
+            <p:cNvSpPr/>
+            <p:nvPr/>
+          </p:nvSpPr>
+          <p:spPr>
+            <a:xfrm>
+              <a:off x="858981" y="544945"/>
+              <a:ext cx="8732982" cy="480291"/>
+            </a:xfrm>
+            <a:prstGeom prst="rect">
+              <a:avLst/>
+            </a:prstGeom>
+          </p:spPr>
+          <p:style>
+            <a:lnRef idx="2">
+              <a:schemeClr val="accent1">
+                <a:shade val="50000"/>
+              </a:schemeClr>
+            </a:lnRef>
+            <a:fillRef idx="1">
+              <a:schemeClr val="accent1"/>
+            </a:fillRef>
+            <a:effectRef idx="0">
+              <a:schemeClr val="accent1"/>
+            </a:effectRef>
+            <a:fontRef idx="minor">
+              <a:schemeClr val="lt1"/>
+            </a:fontRef>
+          </p:style>
+          <p:txBody>
+            <a:bodyPr rtlCol="0" anchor="ctr"/>
+            <a:lstStyle/>
+            <a:p>
+              <a:pPr algn="ctr"/>
+              <a:r>
+                <a:rPr lang="en-US" dirty="0" err="1"/>
+                <a:t>hdfs</a:t>
+              </a:r>
+              <a:endParaRPr lang="en-US" dirty="0"/>
+            </a:p>
+          </p:txBody>
+        </p:sp>
+        <p:sp>
+          <p:nvSpPr>
+            <p:cNvPr id="20" name="Rectangle 19">
+              <a:extLst>
+                <a:ext uri="{FF2B5EF4-FFF2-40B4-BE49-F238E27FC236}">
+                  <a16:creationId xmlns:a16="http://schemas.microsoft.com/office/drawing/2014/main" id="{862FC3DC-7E0E-4E4B-9C1C-D19EA1770635}"/>
+                </a:ext>
+              </a:extLst>
+            </p:cNvPr>
+            <p:cNvSpPr/>
+            <p:nvPr/>
+          </p:nvSpPr>
+          <p:spPr>
+            <a:xfrm>
+              <a:off x="858981" y="2410691"/>
+              <a:ext cx="932873" cy="1505527"/>
+            </a:xfrm>
+            <a:prstGeom prst="rect">
+              <a:avLst/>
+            </a:prstGeom>
+          </p:spPr>
+          <p:style>
+            <a:lnRef idx="2">
+              <a:schemeClr val="accent1">
+                <a:shade val="50000"/>
+              </a:schemeClr>
+            </a:lnRef>
+            <a:fillRef idx="1">
+              <a:schemeClr val="accent1"/>
+            </a:fillRef>
+            <a:effectRef idx="0">
+              <a:schemeClr val="accent1"/>
+            </a:effectRef>
+            <a:fontRef idx="minor">
+              <a:schemeClr val="lt1"/>
+            </a:fontRef>
+          </p:style>
+          <p:txBody>
+            <a:bodyPr rtlCol="0" anchor="ctr"/>
+            <a:lstStyle/>
+            <a:p>
+              <a:pPr algn="ctr"/>
+              <a:endParaRPr lang="en-US"/>
+            </a:p>
+          </p:txBody>
+        </p:sp>
+        <p:sp>
+          <p:nvSpPr>
+            <p:cNvPr id="21" name="Rectangle 20">
+              <a:extLst>
+                <a:ext uri="{FF2B5EF4-FFF2-40B4-BE49-F238E27FC236}">
+                  <a16:creationId xmlns:a16="http://schemas.microsoft.com/office/drawing/2014/main" id="{8BCD62AB-8424-4AC8-8BF5-F4068CDE4424}"/>
+                </a:ext>
+              </a:extLst>
+            </p:cNvPr>
+            <p:cNvSpPr/>
+            <p:nvPr/>
+          </p:nvSpPr>
+          <p:spPr>
+            <a:xfrm>
+              <a:off x="1976581" y="2410690"/>
+              <a:ext cx="932873" cy="1505527"/>
+            </a:xfrm>
+            <a:prstGeom prst="rect">
+              <a:avLst/>
+            </a:prstGeom>
+          </p:spPr>
+          <p:style>
+            <a:lnRef idx="2">
+              <a:schemeClr val="accent1">
+                <a:shade val="50000"/>
+              </a:schemeClr>
+            </a:lnRef>
+            <a:fillRef idx="1">
+              <a:schemeClr val="accent1"/>
+            </a:fillRef>
+            <a:effectRef idx="0">
+              <a:schemeClr val="accent1"/>
+            </a:effectRef>
+            <a:fontRef idx="minor">
+              <a:schemeClr val="lt1"/>
+            </a:fontRef>
+          </p:style>
+          <p:txBody>
+            <a:bodyPr rtlCol="0" anchor="ctr"/>
+            <a:lstStyle/>
+            <a:p>
+              <a:pPr algn="ctr"/>
+              <a:endParaRPr lang="en-US"/>
+            </a:p>
+          </p:txBody>
+        </p:sp>
+        <p:sp>
+          <p:nvSpPr>
+            <p:cNvPr id="22" name="Rectangle 21">
+              <a:extLst>
+                <a:ext uri="{FF2B5EF4-FFF2-40B4-BE49-F238E27FC236}">
+                  <a16:creationId xmlns:a16="http://schemas.microsoft.com/office/drawing/2014/main" id="{1523ADEC-FA74-4B11-813A-5726A0A31646}"/>
+                </a:ext>
+              </a:extLst>
+            </p:cNvPr>
+            <p:cNvSpPr/>
+            <p:nvPr/>
+          </p:nvSpPr>
+          <p:spPr>
+            <a:xfrm>
+              <a:off x="3094181" y="2410690"/>
+              <a:ext cx="932873" cy="1505527"/>
+            </a:xfrm>
+            <a:prstGeom prst="rect">
+              <a:avLst/>
+            </a:prstGeom>
+          </p:spPr>
+          <p:style>
+            <a:lnRef idx="2">
+              <a:schemeClr val="accent1">
+                <a:shade val="50000"/>
+              </a:schemeClr>
+            </a:lnRef>
+            <a:fillRef idx="1">
+              <a:schemeClr val="accent1"/>
+            </a:fillRef>
+            <a:effectRef idx="0">
+              <a:schemeClr val="accent1"/>
+            </a:effectRef>
+            <a:fontRef idx="minor">
+              <a:schemeClr val="lt1"/>
+            </a:fontRef>
+          </p:style>
+          <p:txBody>
+            <a:bodyPr rtlCol="0" anchor="ctr"/>
+            <a:lstStyle/>
+            <a:p>
+              <a:pPr algn="ctr"/>
+              <a:endParaRPr lang="en-US"/>
+            </a:p>
+          </p:txBody>
+        </p:sp>
+        <p:sp>
+          <p:nvSpPr>
+            <p:cNvPr id="23" name="Rectangle 22">
+              <a:extLst>
+                <a:ext uri="{FF2B5EF4-FFF2-40B4-BE49-F238E27FC236}">
+                  <a16:creationId xmlns:a16="http://schemas.microsoft.com/office/drawing/2014/main" id="{295D14F7-07E9-4ED7-8DC5-FEBE9F612A47}"/>
+                </a:ext>
+              </a:extLst>
+            </p:cNvPr>
+            <p:cNvSpPr/>
+            <p:nvPr/>
+          </p:nvSpPr>
+          <p:spPr>
+            <a:xfrm>
+              <a:off x="4211781" y="2410690"/>
+              <a:ext cx="932873" cy="1505527"/>
+            </a:xfrm>
+            <a:prstGeom prst="rect">
+              <a:avLst/>
+            </a:prstGeom>
+          </p:spPr>
+          <p:style>
+            <a:lnRef idx="2">
+              <a:schemeClr val="accent1">
+                <a:shade val="50000"/>
+              </a:schemeClr>
+            </a:lnRef>
+            <a:fillRef idx="1">
+              <a:schemeClr val="accent1"/>
+            </a:fillRef>
+            <a:effectRef idx="0">
+              <a:schemeClr val="accent1"/>
+            </a:effectRef>
+            <a:fontRef idx="minor">
+              <a:schemeClr val="lt1"/>
+            </a:fontRef>
+          </p:style>
+          <p:txBody>
+            <a:bodyPr rtlCol="0" anchor="ctr"/>
+            <a:lstStyle/>
+            <a:p>
+              <a:pPr algn="ctr"/>
+              <a:endParaRPr lang="en-US"/>
+            </a:p>
+          </p:txBody>
+        </p:sp>
+        <p:sp>
+          <p:nvSpPr>
+            <p:cNvPr id="24" name="Rectangle 23">
+              <a:extLst>
+                <a:ext uri="{FF2B5EF4-FFF2-40B4-BE49-F238E27FC236}">
+                  <a16:creationId xmlns:a16="http://schemas.microsoft.com/office/drawing/2014/main" id="{A3B328BE-60CA-46DA-95D0-1B505944EB33}"/>
+                </a:ext>
+              </a:extLst>
+            </p:cNvPr>
+            <p:cNvSpPr/>
+            <p:nvPr/>
+          </p:nvSpPr>
+          <p:spPr>
+            <a:xfrm>
+              <a:off x="5269344" y="2410690"/>
+              <a:ext cx="932873" cy="1505527"/>
+            </a:xfrm>
+            <a:prstGeom prst="rect">
+              <a:avLst/>
+            </a:prstGeom>
+          </p:spPr>
+          <p:style>
+            <a:lnRef idx="2">
+              <a:schemeClr val="accent1">
+                <a:shade val="50000"/>
+              </a:schemeClr>
+            </a:lnRef>
+            <a:fillRef idx="1">
+              <a:schemeClr val="accent1"/>
+            </a:fillRef>
+            <a:effectRef idx="0">
+              <a:schemeClr val="accent1"/>
+            </a:effectRef>
+            <a:fontRef idx="minor">
+              <a:schemeClr val="lt1"/>
+            </a:fontRef>
+          </p:style>
+          <p:txBody>
+            <a:bodyPr rtlCol="0" anchor="ctr"/>
+            <a:lstStyle/>
+            <a:p>
+              <a:pPr algn="ctr"/>
+              <a:endParaRPr lang="en-US"/>
+            </a:p>
+          </p:txBody>
+        </p:sp>
+        <p:sp>
+          <p:nvSpPr>
+            <p:cNvPr id="25" name="Rectangle 24">
+              <a:extLst>
+                <a:ext uri="{FF2B5EF4-FFF2-40B4-BE49-F238E27FC236}">
+                  <a16:creationId xmlns:a16="http://schemas.microsoft.com/office/drawing/2014/main" id="{21F9BC79-71B5-4ECF-A7F8-CA71939AA54C}"/>
+                </a:ext>
+              </a:extLst>
+            </p:cNvPr>
+            <p:cNvSpPr/>
+            <p:nvPr/>
+          </p:nvSpPr>
+          <p:spPr>
+            <a:xfrm>
+              <a:off x="6423889" y="2410690"/>
+              <a:ext cx="932873" cy="1505527"/>
+            </a:xfrm>
+            <a:prstGeom prst="rect">
+              <a:avLst/>
+            </a:prstGeom>
+          </p:spPr>
+          <p:style>
+            <a:lnRef idx="2">
+              <a:schemeClr val="accent1">
+                <a:shade val="50000"/>
+              </a:schemeClr>
+            </a:lnRef>
+            <a:fillRef idx="1">
+              <a:schemeClr val="accent1"/>
+            </a:fillRef>
+            <a:effectRef idx="0">
+              <a:schemeClr val="accent1"/>
+            </a:effectRef>
+            <a:fontRef idx="minor">
+              <a:schemeClr val="lt1"/>
+            </a:fontRef>
+          </p:style>
+          <p:txBody>
+            <a:bodyPr rtlCol="0" anchor="ctr"/>
+            <a:lstStyle/>
+            <a:p>
+              <a:pPr algn="ctr"/>
+              <a:endParaRPr lang="en-US"/>
+            </a:p>
+          </p:txBody>
+        </p:sp>
+        <p:sp>
+          <p:nvSpPr>
+            <p:cNvPr id="26" name="Rectangle 25">
+              <a:extLst>
+                <a:ext uri="{FF2B5EF4-FFF2-40B4-BE49-F238E27FC236}">
+                  <a16:creationId xmlns:a16="http://schemas.microsoft.com/office/drawing/2014/main" id="{438226F2-FFE4-4781-B6AE-97D69A9D716C}"/>
+                </a:ext>
+              </a:extLst>
+            </p:cNvPr>
+            <p:cNvSpPr/>
+            <p:nvPr/>
+          </p:nvSpPr>
+          <p:spPr>
+            <a:xfrm>
+              <a:off x="7578434" y="2410690"/>
+              <a:ext cx="932873" cy="1505527"/>
+            </a:xfrm>
+            <a:prstGeom prst="rect">
+              <a:avLst/>
+            </a:prstGeom>
+          </p:spPr>
+          <p:style>
+            <a:lnRef idx="2">
+              <a:schemeClr val="accent1">
+                <a:shade val="50000"/>
+              </a:schemeClr>
+            </a:lnRef>
+            <a:fillRef idx="1">
+              <a:schemeClr val="accent1"/>
+            </a:fillRef>
+            <a:effectRef idx="0">
+              <a:schemeClr val="accent1"/>
+            </a:effectRef>
+            <a:fontRef idx="minor">
+              <a:schemeClr val="lt1"/>
+            </a:fontRef>
+          </p:style>
+          <p:txBody>
+            <a:bodyPr rtlCol="0" anchor="ctr"/>
+            <a:lstStyle/>
+            <a:p>
+              <a:pPr algn="ctr"/>
+              <a:endParaRPr lang="en-US"/>
+            </a:p>
+          </p:txBody>
+        </p:sp>
+        <p:sp>
+          <p:nvSpPr>
+            <p:cNvPr id="27" name="Rectangle 26">
+              <a:extLst>
+                <a:ext uri="{FF2B5EF4-FFF2-40B4-BE49-F238E27FC236}">
+                  <a16:creationId xmlns:a16="http://schemas.microsoft.com/office/drawing/2014/main" id="{9689C659-A02F-4098-A302-66170685B58E}"/>
+                </a:ext>
+              </a:extLst>
+            </p:cNvPr>
+            <p:cNvSpPr/>
+            <p:nvPr/>
+          </p:nvSpPr>
+          <p:spPr>
+            <a:xfrm>
+              <a:off x="8659089" y="2410690"/>
+              <a:ext cx="932873" cy="1505527"/>
+            </a:xfrm>
+            <a:prstGeom prst="rect">
+              <a:avLst/>
+            </a:prstGeom>
+          </p:spPr>
+          <p:style>
+            <a:lnRef idx="2">
+              <a:schemeClr val="accent1">
+                <a:shade val="50000"/>
+              </a:schemeClr>
+            </a:lnRef>
+            <a:fillRef idx="1">
+              <a:schemeClr val="accent1"/>
+            </a:fillRef>
+            <a:effectRef idx="0">
+              <a:schemeClr val="accent1"/>
+            </a:effectRef>
+            <a:fontRef idx="minor">
+              <a:schemeClr val="lt1"/>
+            </a:fontRef>
+          </p:style>
+          <p:txBody>
+            <a:bodyPr rtlCol="0" anchor="ctr"/>
+            <a:lstStyle/>
+            <a:p>
+              <a:pPr algn="ctr"/>
+              <a:endParaRPr lang="en-US"/>
+            </a:p>
+          </p:txBody>
+        </p:sp>
+        <p:sp>
+          <p:nvSpPr>
+            <p:cNvPr id="28" name="Rectangle 27">
+              <a:extLst>
+                <a:ext uri="{FF2B5EF4-FFF2-40B4-BE49-F238E27FC236}">
+                  <a16:creationId xmlns:a16="http://schemas.microsoft.com/office/drawing/2014/main" id="{09F8BF31-19D3-44DF-8118-0E6DEBFA0872}"/>
+                </a:ext>
+              </a:extLst>
+            </p:cNvPr>
+            <p:cNvSpPr/>
+            <p:nvPr/>
+          </p:nvSpPr>
+          <p:spPr>
+            <a:xfrm>
+              <a:off x="3223491" y="1468582"/>
+              <a:ext cx="1708727" cy="480291"/>
+            </a:xfrm>
+            <a:prstGeom prst="rect">
+              <a:avLst/>
+            </a:prstGeom>
+          </p:spPr>
+          <p:style>
+            <a:lnRef idx="2">
+              <a:schemeClr val="accent1">
+                <a:shade val="50000"/>
+              </a:schemeClr>
+            </a:lnRef>
+            <a:fillRef idx="1">
+              <a:schemeClr val="accent1"/>
+            </a:fillRef>
+            <a:effectRef idx="0">
+              <a:schemeClr val="accent1"/>
+            </a:effectRef>
+            <a:fontRef idx="minor">
+              <a:schemeClr val="lt1"/>
+            </a:fontRef>
+          </p:style>
+          <p:txBody>
+            <a:bodyPr rtlCol="0" anchor="ctr"/>
+            <a:lstStyle/>
+            <a:p>
+              <a:pPr algn="ctr"/>
+              <a:endParaRPr lang="en-US"/>
+            </a:p>
+          </p:txBody>
+        </p:sp>
+        <p:sp>
+          <p:nvSpPr>
+            <p:cNvPr id="29" name="Rectangle 28">
+              <a:extLst>
+                <a:ext uri="{FF2B5EF4-FFF2-40B4-BE49-F238E27FC236}">
+                  <a16:creationId xmlns:a16="http://schemas.microsoft.com/office/drawing/2014/main" id="{4A5D77D9-E6D1-4E8E-93B7-6AB5EA46100D}"/>
+                </a:ext>
+              </a:extLst>
+            </p:cNvPr>
+            <p:cNvSpPr/>
+            <p:nvPr/>
+          </p:nvSpPr>
+          <p:spPr>
+            <a:xfrm>
+              <a:off x="5551057" y="1477817"/>
+              <a:ext cx="1708727" cy="480291"/>
+            </a:xfrm>
+            <a:prstGeom prst="rect">
+              <a:avLst/>
+            </a:prstGeom>
+          </p:spPr>
+          <p:style>
+            <a:lnRef idx="2">
+              <a:schemeClr val="accent1">
+                <a:shade val="50000"/>
+              </a:schemeClr>
+            </a:lnRef>
+            <a:fillRef idx="1">
+              <a:schemeClr val="accent1"/>
+            </a:fillRef>
+            <a:effectRef idx="0">
+              <a:schemeClr val="accent1"/>
+            </a:effectRef>
+            <a:fontRef idx="minor">
+              <a:schemeClr val="lt1"/>
+            </a:fontRef>
+          </p:style>
+          <p:txBody>
+            <a:bodyPr rtlCol="0" anchor="ctr"/>
+            <a:lstStyle/>
+            <a:p>
+              <a:pPr algn="ctr"/>
+              <a:endParaRPr lang="en-US"/>
+            </a:p>
+          </p:txBody>
+        </p:sp>
+        <p:cxnSp>
+          <p:nvCxnSpPr>
+            <p:cNvPr id="31" name="Connector: Elbow 30">
+              <a:extLst>
+                <a:ext uri="{FF2B5EF4-FFF2-40B4-BE49-F238E27FC236}">
+                  <a16:creationId xmlns:a16="http://schemas.microsoft.com/office/drawing/2014/main" id="{374B9F48-EAC7-4ABA-8A60-049D772D7282}"/>
+                </a:ext>
+              </a:extLst>
+            </p:cNvPr>
+            <p:cNvCxnSpPr>
+              <a:stCxn id="19" idx="2"/>
+              <a:endCxn id="28" idx="0"/>
+            </p:cNvCxnSpPr>
+            <p:nvPr/>
+          </p:nvCxnSpPr>
+          <p:spPr>
+            <a:xfrm rot="5400000">
+              <a:off x="4429991" y="673101"/>
+              <a:ext cx="443346" cy="1147617"/>
+            </a:xfrm>
+            <a:prstGeom prst="bentConnector3">
+              <a:avLst/>
+            </a:prstGeom>
+            <a:ln>
+              <a:tailEnd type="triangle"/>
+            </a:ln>
+          </p:spPr>
+          <p:style>
+            <a:lnRef idx="1">
+              <a:schemeClr val="accent1"/>
+            </a:lnRef>
+            <a:fillRef idx="0">
+              <a:schemeClr val="accent1"/>
+            </a:fillRef>
+            <a:effectRef idx="0">
+              <a:schemeClr val="accent1"/>
+            </a:effectRef>
+            <a:fontRef idx="minor">
+              <a:schemeClr val="tx1"/>
+            </a:fontRef>
+          </p:style>
+        </p:cxnSp>
+        <p:cxnSp>
+          <p:nvCxnSpPr>
+            <p:cNvPr id="35" name="Connector: Elbow 34">
+              <a:extLst>
+                <a:ext uri="{FF2B5EF4-FFF2-40B4-BE49-F238E27FC236}">
+                  <a16:creationId xmlns:a16="http://schemas.microsoft.com/office/drawing/2014/main" id="{18FB27D4-EFA5-41CA-80C1-967321796D8A}"/>
+                </a:ext>
+              </a:extLst>
+            </p:cNvPr>
+            <p:cNvCxnSpPr>
+              <a:stCxn id="19" idx="2"/>
+              <a:endCxn id="29" idx="0"/>
+            </p:cNvCxnSpPr>
+            <p:nvPr/>
+          </p:nvCxnSpPr>
+          <p:spPr>
+            <a:xfrm rot="16200000" flipH="1">
+              <a:off x="5589156" y="661551"/>
+              <a:ext cx="452581" cy="1179949"/>
+            </a:xfrm>
+            <a:prstGeom prst="bentConnector3">
+              <a:avLst/>
+            </a:prstGeom>
+            <a:ln>
+              <a:tailEnd type="triangle"/>
+            </a:ln>
+          </p:spPr>
+          <p:style>
+            <a:lnRef idx="1">
+              <a:schemeClr val="accent1"/>
+            </a:lnRef>
+            <a:fillRef idx="0">
+              <a:schemeClr val="accent1"/>
+            </a:fillRef>
+            <a:effectRef idx="0">
+              <a:schemeClr val="accent1"/>
+            </a:effectRef>
+            <a:fontRef idx="minor">
+              <a:schemeClr val="tx1"/>
+            </a:fontRef>
+          </p:style>
+        </p:cxnSp>
+        <p:cxnSp>
+          <p:nvCxnSpPr>
+            <p:cNvPr id="37" name="Connector: Elbow 36">
+              <a:extLst>
+                <a:ext uri="{FF2B5EF4-FFF2-40B4-BE49-F238E27FC236}">
+                  <a16:creationId xmlns:a16="http://schemas.microsoft.com/office/drawing/2014/main" id="{5381A39E-BDD1-43FB-BCC0-1E646479CB47}"/>
+                </a:ext>
+              </a:extLst>
+            </p:cNvPr>
+            <p:cNvCxnSpPr>
+              <a:stCxn id="28" idx="2"/>
+              <a:endCxn id="20" idx="0"/>
+            </p:cNvCxnSpPr>
+            <p:nvPr/>
+          </p:nvCxnSpPr>
+          <p:spPr>
+            <a:xfrm rot="5400000">
+              <a:off x="2470728" y="803564"/>
+              <a:ext cx="461818" cy="2752437"/>
+            </a:xfrm>
+            <a:prstGeom prst="bentConnector3">
+              <a:avLst/>
+            </a:prstGeom>
+            <a:ln>
+              <a:tailEnd type="triangle"/>
+            </a:ln>
+          </p:spPr>
+          <p:style>
+            <a:lnRef idx="1">
+              <a:schemeClr val="accent1"/>
+            </a:lnRef>
+            <a:fillRef idx="0">
+              <a:schemeClr val="accent1"/>
+            </a:fillRef>
+            <a:effectRef idx="0">
+              <a:schemeClr val="accent1"/>
+            </a:effectRef>
+            <a:fontRef idx="minor">
+              <a:schemeClr val="tx1"/>
+            </a:fontRef>
+          </p:style>
+        </p:cxnSp>
+        <p:cxnSp>
+          <p:nvCxnSpPr>
+            <p:cNvPr id="39" name="Connector: Elbow 38">
+              <a:extLst>
+                <a:ext uri="{FF2B5EF4-FFF2-40B4-BE49-F238E27FC236}">
+                  <a16:creationId xmlns:a16="http://schemas.microsoft.com/office/drawing/2014/main" id="{F3043F9F-B494-4EA2-9AFA-34E42B93CF24}"/>
+                </a:ext>
+              </a:extLst>
+            </p:cNvPr>
+            <p:cNvCxnSpPr>
+              <a:stCxn id="28" idx="2"/>
+              <a:endCxn id="21" idx="0"/>
+            </p:cNvCxnSpPr>
+            <p:nvPr/>
+          </p:nvCxnSpPr>
+          <p:spPr>
+            <a:xfrm rot="5400000">
+              <a:off x="3029529" y="1362363"/>
+              <a:ext cx="461817" cy="1634837"/>
+            </a:xfrm>
+            <a:prstGeom prst="bentConnector3">
+              <a:avLst/>
+            </a:prstGeom>
+            <a:ln>
+              <a:tailEnd type="triangle"/>
+            </a:ln>
+          </p:spPr>
+          <p:style>
+            <a:lnRef idx="1">
+              <a:schemeClr val="accent1"/>
+            </a:lnRef>
+            <a:fillRef idx="0">
+              <a:schemeClr val="accent1"/>
+            </a:fillRef>
+            <a:effectRef idx="0">
+              <a:schemeClr val="accent1"/>
+            </a:effectRef>
+            <a:fontRef idx="minor">
+              <a:schemeClr val="tx1"/>
+            </a:fontRef>
+          </p:style>
+        </p:cxnSp>
+        <p:cxnSp>
+          <p:nvCxnSpPr>
+            <p:cNvPr id="41" name="Connector: Elbow 40">
+              <a:extLst>
+                <a:ext uri="{FF2B5EF4-FFF2-40B4-BE49-F238E27FC236}">
+                  <a16:creationId xmlns:a16="http://schemas.microsoft.com/office/drawing/2014/main" id="{60AC9FE3-A8AB-4320-951C-CD01AC22EA28}"/>
+                </a:ext>
+              </a:extLst>
+            </p:cNvPr>
+            <p:cNvCxnSpPr>
+              <a:stCxn id="28" idx="2"/>
+              <a:endCxn id="22" idx="0"/>
+            </p:cNvCxnSpPr>
+            <p:nvPr/>
+          </p:nvCxnSpPr>
+          <p:spPr>
+            <a:xfrm rot="5400000">
+              <a:off x="3588329" y="1921163"/>
+              <a:ext cx="461817" cy="517237"/>
+            </a:xfrm>
+            <a:prstGeom prst="bentConnector3">
+              <a:avLst/>
+            </a:prstGeom>
+            <a:ln>
+              <a:tailEnd type="triangle"/>
+            </a:ln>
+          </p:spPr>
+          <p:style>
+            <a:lnRef idx="1">
+              <a:schemeClr val="accent1"/>
+            </a:lnRef>
+            <a:fillRef idx="0">
+              <a:schemeClr val="accent1"/>
+            </a:fillRef>
+            <a:effectRef idx="0">
+              <a:schemeClr val="accent1"/>
+            </a:effectRef>
+            <a:fontRef idx="minor">
+              <a:schemeClr val="tx1"/>
+            </a:fontRef>
+          </p:style>
+        </p:cxnSp>
+        <p:cxnSp>
+          <p:nvCxnSpPr>
+            <p:cNvPr id="43" name="Connector: Elbow 42">
+              <a:extLst>
+                <a:ext uri="{FF2B5EF4-FFF2-40B4-BE49-F238E27FC236}">
+                  <a16:creationId xmlns:a16="http://schemas.microsoft.com/office/drawing/2014/main" id="{2760CF01-139D-4AF2-A865-D889B96F48DF}"/>
+                </a:ext>
+              </a:extLst>
+            </p:cNvPr>
+            <p:cNvCxnSpPr>
+              <a:stCxn id="28" idx="2"/>
+              <a:endCxn id="23" idx="0"/>
+            </p:cNvCxnSpPr>
+            <p:nvPr/>
+          </p:nvCxnSpPr>
+          <p:spPr>
+            <a:xfrm rot="16200000" flipH="1">
+              <a:off x="4147128" y="1879599"/>
+              <a:ext cx="461817" cy="600363"/>
+            </a:xfrm>
+            <a:prstGeom prst="bentConnector3">
+              <a:avLst/>
+            </a:prstGeom>
+            <a:ln>
+              <a:tailEnd type="triangle"/>
+            </a:ln>
+          </p:spPr>
+          <p:style>
+            <a:lnRef idx="1">
+              <a:schemeClr val="accent1"/>
+            </a:lnRef>
+            <a:fillRef idx="0">
+              <a:schemeClr val="accent1"/>
+            </a:fillRef>
+            <a:effectRef idx="0">
+              <a:schemeClr val="accent1"/>
+            </a:effectRef>
+            <a:fontRef idx="minor">
+              <a:schemeClr val="tx1"/>
+            </a:fontRef>
+          </p:style>
+        </p:cxnSp>
+        <p:cxnSp>
+          <p:nvCxnSpPr>
+            <p:cNvPr id="45" name="Connector: Elbow 44">
+              <a:extLst>
+                <a:ext uri="{FF2B5EF4-FFF2-40B4-BE49-F238E27FC236}">
+                  <a16:creationId xmlns:a16="http://schemas.microsoft.com/office/drawing/2014/main" id="{BC765DAD-89B5-46B4-9E8D-29E494474543}"/>
+                </a:ext>
+              </a:extLst>
+            </p:cNvPr>
+            <p:cNvCxnSpPr>
+              <a:cxnSpLocks/>
+              <a:stCxn id="28" idx="2"/>
+              <a:endCxn id="26" idx="0"/>
+            </p:cNvCxnSpPr>
+            <p:nvPr/>
+          </p:nvCxnSpPr>
+          <p:spPr>
+            <a:xfrm rot="16200000" flipH="1">
+              <a:off x="5830455" y="196273"/>
+              <a:ext cx="461817" cy="3967016"/>
+            </a:xfrm>
+            <a:prstGeom prst="bentConnector3">
+              <a:avLst>
+                <a:gd name="adj1" fmla="val 50000"/>
+              </a:avLst>
+            </a:prstGeom>
+            <a:ln>
+              <a:tailEnd type="triangle"/>
+            </a:ln>
+          </p:spPr>
+          <p:style>
+            <a:lnRef idx="1">
+              <a:schemeClr val="accent1"/>
+            </a:lnRef>
+            <a:fillRef idx="0">
+              <a:schemeClr val="accent1"/>
+            </a:fillRef>
+            <a:effectRef idx="0">
+              <a:schemeClr val="accent1"/>
+            </a:effectRef>
+            <a:fontRef idx="minor">
+              <a:schemeClr val="tx1"/>
+            </a:fontRef>
+          </p:style>
+        </p:cxnSp>
+      </p:grpSp>
+      <p:sp>
+        <p:nvSpPr>
+          <p:cNvPr id="48" name="Rectangle 47">
+            <a:extLst>
+              <a:ext uri="{FF2B5EF4-FFF2-40B4-BE49-F238E27FC236}">
+                <a16:creationId xmlns:a16="http://schemas.microsoft.com/office/drawing/2014/main" id="{AD47114D-9AB8-4C70-927E-CADE8556252C}"/>
+              </a:ext>
+            </a:extLst>
+          </p:cNvPr>
+          <p:cNvSpPr/>
+          <p:nvPr/>
+        </p:nvSpPr>
+        <p:spPr>
+          <a:xfrm>
+            <a:off x="1729509" y="4899891"/>
+            <a:ext cx="1327727" cy="1754909"/>
+          </a:xfrm>
+          <a:prstGeom prst="rect">
+            <a:avLst/>
+          </a:prstGeom>
+        </p:spPr>
+        <p:style>
+          <a:lnRef idx="2">
+            <a:schemeClr val="accent1">
+              <a:shade val="50000"/>
+            </a:schemeClr>
+          </a:lnRef>
+          <a:fillRef idx="1">
+            <a:schemeClr val="accent1"/>
+          </a:fillRef>
+          <a:effectRef idx="0">
+            <a:schemeClr val="accent1"/>
+          </a:effectRef>
+          <a:fontRef idx="minor">
+            <a:schemeClr val="lt1"/>
+          </a:fontRef>
+        </p:style>
+        <p:txBody>
+          <a:bodyPr rtlCol="0" anchor="ctr"/>
+          <a:lstStyle/>
+          <a:p>
+            <a:pPr algn="ctr"/>
+            <a:endParaRPr lang="en-US"/>
+          </a:p>
+        </p:txBody>
+      </p:sp>
+      <p:sp>
+        <p:nvSpPr>
+          <p:cNvPr id="49" name="Rectangle 48">
+            <a:extLst>
+              <a:ext uri="{FF2B5EF4-FFF2-40B4-BE49-F238E27FC236}">
+                <a16:creationId xmlns:a16="http://schemas.microsoft.com/office/drawing/2014/main" id="{31491643-2F03-472D-A2AC-73B75E36EB5A}"/>
+              </a:ext>
+            </a:extLst>
+          </p:cNvPr>
+          <p:cNvSpPr/>
+          <p:nvPr/>
+        </p:nvSpPr>
+        <p:spPr>
+          <a:xfrm>
+            <a:off x="3572165" y="4899890"/>
+            <a:ext cx="1327727" cy="1754909"/>
+          </a:xfrm>
+          <a:prstGeom prst="rect">
+            <a:avLst/>
+          </a:prstGeom>
+        </p:spPr>
+        <p:style>
+          <a:lnRef idx="2">
+            <a:schemeClr val="accent1">
+              <a:shade val="50000"/>
+            </a:schemeClr>
+          </a:lnRef>
+          <a:fillRef idx="1">
+            <a:schemeClr val="accent1"/>
+          </a:fillRef>
+          <a:effectRef idx="0">
+            <a:schemeClr val="accent1"/>
+          </a:effectRef>
+          <a:fontRef idx="minor">
+            <a:schemeClr val="lt1"/>
+          </a:fontRef>
+        </p:style>
+        <p:txBody>
+          <a:bodyPr rtlCol="0" anchor="ctr"/>
+          <a:lstStyle/>
+          <a:p>
+            <a:pPr algn="ctr"/>
+            <a:endParaRPr lang="en-US"/>
+          </a:p>
+        </p:txBody>
+      </p:sp>
+      <p:sp>
+        <p:nvSpPr>
+          <p:cNvPr id="50" name="Rectangle 49">
+            <a:extLst>
+              <a:ext uri="{FF2B5EF4-FFF2-40B4-BE49-F238E27FC236}">
+                <a16:creationId xmlns:a16="http://schemas.microsoft.com/office/drawing/2014/main" id="{030377FF-70F0-4E1E-84DA-810443DA7CC8}"/>
+              </a:ext>
+            </a:extLst>
+          </p:cNvPr>
+          <p:cNvSpPr/>
+          <p:nvPr/>
+        </p:nvSpPr>
+        <p:spPr>
+          <a:xfrm>
+            <a:off x="5432136" y="4950689"/>
+            <a:ext cx="1327727" cy="1754909"/>
+          </a:xfrm>
+          <a:prstGeom prst="rect">
+            <a:avLst/>
+          </a:prstGeom>
+        </p:spPr>
+        <p:style>
+          <a:lnRef idx="2">
+            <a:schemeClr val="accent1">
+              <a:shade val="50000"/>
+            </a:schemeClr>
+          </a:lnRef>
+          <a:fillRef idx="1">
+            <a:schemeClr val="accent1"/>
+          </a:fillRef>
+          <a:effectRef idx="0">
+            <a:schemeClr val="accent1"/>
+          </a:effectRef>
+          <a:fontRef idx="minor">
+            <a:schemeClr val="lt1"/>
+          </a:fontRef>
+        </p:style>
+        <p:txBody>
+          <a:bodyPr rtlCol="0" anchor="ctr"/>
+          <a:lstStyle/>
+          <a:p>
+            <a:pPr algn="ctr"/>
+            <a:endParaRPr lang="en-US"/>
+          </a:p>
+        </p:txBody>
+      </p:sp>
+      <p:sp>
+        <p:nvSpPr>
+          <p:cNvPr id="51" name="Rectangle 50">
+            <a:extLst>
+              <a:ext uri="{FF2B5EF4-FFF2-40B4-BE49-F238E27FC236}">
+                <a16:creationId xmlns:a16="http://schemas.microsoft.com/office/drawing/2014/main" id="{F6A88D72-3A4C-4C60-AE99-5AEAB579F8B9}"/>
+              </a:ext>
+            </a:extLst>
+          </p:cNvPr>
+          <p:cNvSpPr/>
+          <p:nvPr/>
+        </p:nvSpPr>
+        <p:spPr>
+          <a:xfrm>
+            <a:off x="7205518" y="4959928"/>
+            <a:ext cx="1327727" cy="1754909"/>
+          </a:xfrm>
+          <a:prstGeom prst="rect">
+            <a:avLst/>
+          </a:prstGeom>
+        </p:spPr>
+        <p:style>
+          <a:lnRef idx="2">
+            <a:schemeClr val="accent1">
+              <a:shade val="50000"/>
+            </a:schemeClr>
+          </a:lnRef>
+          <a:fillRef idx="1">
+            <a:schemeClr val="accent1"/>
+          </a:fillRef>
+          <a:effectRef idx="0">
+            <a:schemeClr val="accent1"/>
+          </a:effectRef>
+          <a:fontRef idx="minor">
+            <a:schemeClr val="lt1"/>
+          </a:fontRef>
+        </p:style>
+        <p:txBody>
+          <a:bodyPr rtlCol="0" anchor="ctr"/>
+          <a:lstStyle/>
+          <a:p>
+            <a:pPr algn="ctr"/>
+            <a:endParaRPr lang="en-US"/>
+          </a:p>
+        </p:txBody>
+      </p:sp>
+      <p:sp>
+        <p:nvSpPr>
+          <p:cNvPr id="52" name="Rectangle 51">
+            <a:extLst>
+              <a:ext uri="{FF2B5EF4-FFF2-40B4-BE49-F238E27FC236}">
+                <a16:creationId xmlns:a16="http://schemas.microsoft.com/office/drawing/2014/main" id="{4772DECD-3B58-4A6C-A656-729648BDEED6}"/>
+              </a:ext>
+            </a:extLst>
+          </p:cNvPr>
+          <p:cNvSpPr/>
+          <p:nvPr/>
+        </p:nvSpPr>
+        <p:spPr>
+          <a:xfrm>
+            <a:off x="9097817" y="4950689"/>
+            <a:ext cx="1327727" cy="1754909"/>
+          </a:xfrm>
+          <a:prstGeom prst="rect">
+            <a:avLst/>
+          </a:prstGeom>
+        </p:spPr>
+        <p:style>
+          <a:lnRef idx="2">
+            <a:schemeClr val="accent1">
+              <a:shade val="50000"/>
+            </a:schemeClr>
+          </a:lnRef>
+          <a:fillRef idx="1">
+            <a:schemeClr val="accent1"/>
+          </a:fillRef>
+          <a:effectRef idx="0">
+            <a:schemeClr val="accent1"/>
+          </a:effectRef>
+          <a:fontRef idx="minor">
+            <a:schemeClr val="lt1"/>
+          </a:fontRef>
+        </p:style>
+        <p:txBody>
+          <a:bodyPr rtlCol="0" anchor="ctr"/>
+          <a:lstStyle/>
+          <a:p>
+            <a:pPr algn="ctr"/>
+            <a:endParaRPr lang="en-US"/>
+          </a:p>
+        </p:txBody>
+      </p:sp>
+      <p:sp>
+        <p:nvSpPr>
+          <p:cNvPr id="53" name="Rectangle 52">
+            <a:extLst>
+              <a:ext uri="{FF2B5EF4-FFF2-40B4-BE49-F238E27FC236}">
+                <a16:creationId xmlns:a16="http://schemas.microsoft.com/office/drawing/2014/main" id="{3B4145D3-FD89-48B7-9D69-83A76359A05E}"/>
+              </a:ext>
+            </a:extLst>
+          </p:cNvPr>
+          <p:cNvSpPr/>
+          <p:nvPr/>
+        </p:nvSpPr>
+        <p:spPr>
+          <a:xfrm>
+            <a:off x="2386445" y="4285673"/>
+            <a:ext cx="7361381" cy="360218"/>
+          </a:xfrm>
+          <a:prstGeom prst="rect">
+            <a:avLst/>
+          </a:prstGeom>
+        </p:spPr>
+        <p:style>
+          <a:lnRef idx="2">
+            <a:schemeClr val="accent1">
+              <a:shade val="50000"/>
+            </a:schemeClr>
+          </a:lnRef>
+          <a:fillRef idx="1">
+            <a:schemeClr val="accent1"/>
+          </a:fillRef>
+          <a:effectRef idx="0">
+            <a:schemeClr val="accent1"/>
+          </a:effectRef>
+          <a:fontRef idx="minor">
+            <a:schemeClr val="lt1"/>
+          </a:fontRef>
+        </p:style>
+        <p:txBody>
+          <a:bodyPr rtlCol="0" anchor="ctr"/>
+          <a:lstStyle/>
+          <a:p>
+            <a:pPr algn="ctr"/>
+            <a:endParaRPr lang="en-US"/>
+          </a:p>
+        </p:txBody>
+      </p:sp>
+      <p:sp>
+        <p:nvSpPr>
+          <p:cNvPr id="54" name="Rectangle 53">
+            <a:extLst>
+              <a:ext uri="{FF2B5EF4-FFF2-40B4-BE49-F238E27FC236}">
+                <a16:creationId xmlns:a16="http://schemas.microsoft.com/office/drawing/2014/main" id="{DBFB10AE-0E8E-40DC-996D-CE5E4F68E0CC}"/>
+              </a:ext>
+            </a:extLst>
+          </p:cNvPr>
+          <p:cNvSpPr/>
+          <p:nvPr/>
+        </p:nvSpPr>
+        <p:spPr>
+          <a:xfrm>
+            <a:off x="1828800" y="5310909"/>
+            <a:ext cx="8257309" cy="544946"/>
+          </a:xfrm>
+          <a:prstGeom prst="rect">
+            <a:avLst/>
+          </a:prstGeom>
+        </p:spPr>
+        <p:style>
+          <a:lnRef idx="2">
+            <a:schemeClr val="accent6">
+              <a:shade val="50000"/>
+            </a:schemeClr>
+          </a:lnRef>
+          <a:fillRef idx="1">
+            <a:schemeClr val="accent6"/>
+          </a:fillRef>
+          <a:effectRef idx="0">
+            <a:schemeClr val="accent6"/>
+          </a:effectRef>
+          <a:fontRef idx="minor">
+            <a:schemeClr val="lt1"/>
+          </a:fontRef>
+        </p:style>
+        <p:txBody>
+          <a:bodyPr rtlCol="0" anchor="ctr"/>
+          <a:lstStyle/>
+          <a:p>
+            <a:pPr algn="ctr"/>
+            <a:endParaRPr lang="en-US"/>
+          </a:p>
+        </p:txBody>
+      </p:sp>
+    </p:spTree>
+    <p:extLst>
+      <p:ext uri="{BB962C8B-B14F-4D97-AF65-F5344CB8AC3E}">
+        <p14:creationId xmlns:p14="http://schemas.microsoft.com/office/powerpoint/2010/main" val="2380583501"/>
+      </p:ext>
+    </p:extLst>
+  </p:cSld>
+  <p:clrMapOvr>
+    <a:masterClrMapping/>
+  </p:clrMapOvr>
+</p:sld>
+</file>
+
+<file path=ppt/slides/slide21.xml><?xml version="1.0" encoding="utf-8"?>
+<p:sld xmlns:a="http://schemas.openxmlformats.org/drawingml/2006/main" xmlns:r="http://schemas.openxmlformats.org/officeDocument/2006/relationships" xmlns:p="http://schemas.openxmlformats.org/presentationml/2006/main">
+  <p:cSld>
+    <p:spTree>
+      <p:nvGrpSpPr>
+        <p:cNvPr id="1" name=""/>
+        <p:cNvGrpSpPr/>
+        <p:nvPr/>
+      </p:nvGrpSpPr>
+      <p:grpSpPr>
+        <a:xfrm>
+          <a:off x="0" y="0"/>
+          <a:ext cx="0" cy="0"/>
+          <a:chOff x="0" y="0"/>
+          <a:chExt cx="0" cy="0"/>
+        </a:xfrm>
+      </p:grpSpPr>
+      <p:sp>
+        <p:nvSpPr>
+          <p:cNvPr id="4" name="Rectangle 3">
+            <a:extLst>
+              <a:ext uri="{FF2B5EF4-FFF2-40B4-BE49-F238E27FC236}">
+                <a16:creationId xmlns:a16="http://schemas.microsoft.com/office/drawing/2014/main" id="{B600D2A6-1867-4410-9822-831AB6F79F45}"/>
+              </a:ext>
+            </a:extLst>
+          </p:cNvPr>
+          <p:cNvSpPr/>
+          <p:nvPr/>
+        </p:nvSpPr>
+        <p:spPr>
+          <a:xfrm>
+            <a:off x="10012218" y="2576946"/>
+            <a:ext cx="951345" cy="1246909"/>
+          </a:xfrm>
+          <a:prstGeom prst="rect">
+            <a:avLst/>
+          </a:prstGeom>
+        </p:spPr>
+        <p:style>
+          <a:lnRef idx="2">
+            <a:schemeClr val="accent1">
+              <a:shade val="50000"/>
+            </a:schemeClr>
+          </a:lnRef>
+          <a:fillRef idx="1">
+            <a:schemeClr val="accent1"/>
+          </a:fillRef>
+          <a:effectRef idx="0">
+            <a:schemeClr val="accent1"/>
+          </a:effectRef>
+          <a:fontRef idx="minor">
+            <a:schemeClr val="lt1"/>
+          </a:fontRef>
+        </p:style>
+        <p:txBody>
+          <a:bodyPr rtlCol="0" anchor="ctr"/>
+          <a:lstStyle/>
+          <a:p>
+            <a:pPr algn="ctr"/>
+            <a:endParaRPr lang="en-US"/>
+          </a:p>
+        </p:txBody>
+      </p:sp>
+      <p:sp>
+        <p:nvSpPr>
+          <p:cNvPr id="5" name="Rectangle 4">
+            <a:extLst>
+              <a:ext uri="{FF2B5EF4-FFF2-40B4-BE49-F238E27FC236}">
+                <a16:creationId xmlns:a16="http://schemas.microsoft.com/office/drawing/2014/main" id="{A11153C6-9B27-4682-8984-DF40A59CD954}"/>
+              </a:ext>
+            </a:extLst>
+          </p:cNvPr>
+          <p:cNvSpPr/>
+          <p:nvPr/>
+        </p:nvSpPr>
+        <p:spPr>
+          <a:xfrm>
+            <a:off x="2710873" y="1977735"/>
+            <a:ext cx="1080655" cy="923637"/>
+          </a:xfrm>
+          <a:prstGeom prst="rect">
+            <a:avLst/>
+          </a:prstGeom>
+        </p:spPr>
+        <p:style>
+          <a:lnRef idx="2">
+            <a:schemeClr val="accent1">
+              <a:shade val="50000"/>
+            </a:schemeClr>
+          </a:lnRef>
+          <a:fillRef idx="1">
+            <a:schemeClr val="accent1"/>
+          </a:fillRef>
+          <a:effectRef idx="0">
+            <a:schemeClr val="accent1"/>
+          </a:effectRef>
+          <a:fontRef idx="minor">
+            <a:schemeClr val="lt1"/>
+          </a:fontRef>
+        </p:style>
+        <p:txBody>
+          <a:bodyPr rtlCol="0" anchor="ctr"/>
+          <a:lstStyle/>
+          <a:p>
+            <a:pPr algn="ctr"/>
+            <a:endParaRPr lang="en-US"/>
+          </a:p>
+        </p:txBody>
+      </p:sp>
+      <p:cxnSp>
+        <p:nvCxnSpPr>
+          <p:cNvPr id="7" name="Straight Arrow Connector 6">
+            <a:extLst>
+              <a:ext uri="{FF2B5EF4-FFF2-40B4-BE49-F238E27FC236}">
+                <a16:creationId xmlns:a16="http://schemas.microsoft.com/office/drawing/2014/main" id="{4A8921AA-0138-47D5-B1A9-C71B9E8FBAEA}"/>
+              </a:ext>
+            </a:extLst>
+          </p:cNvPr>
+          <p:cNvCxnSpPr>
+            <a:cxnSpLocks/>
+            <a:endCxn id="5" idx="1"/>
+          </p:cNvCxnSpPr>
+          <p:nvPr/>
+        </p:nvCxnSpPr>
+        <p:spPr>
+          <a:xfrm flipV="1">
+            <a:off x="817419" y="2439554"/>
+            <a:ext cx="1893454" cy="175492"/>
+          </a:xfrm>
+          <a:prstGeom prst="straightConnector1">
+            <a:avLst/>
+          </a:prstGeom>
+          <a:ln>
+            <a:tailEnd type="triangle"/>
+          </a:ln>
+        </p:spPr>
+        <p:style>
+          <a:lnRef idx="1">
+            <a:schemeClr val="accent1"/>
+          </a:lnRef>
+          <a:fillRef idx="0">
+            <a:schemeClr val="accent1"/>
+          </a:fillRef>
+          <a:effectRef idx="0">
+            <a:schemeClr val="accent1"/>
+          </a:effectRef>
+          <a:fontRef idx="minor">
+            <a:schemeClr val="tx1"/>
+          </a:fontRef>
+        </p:style>
+      </p:cxnSp>
+      <p:cxnSp>
+        <p:nvCxnSpPr>
+          <p:cNvPr id="10" name="Straight Arrow Connector 9">
+            <a:extLst>
+              <a:ext uri="{FF2B5EF4-FFF2-40B4-BE49-F238E27FC236}">
+                <a16:creationId xmlns:a16="http://schemas.microsoft.com/office/drawing/2014/main" id="{4A00B907-2952-4E3F-96A0-D10DC7D3BD2B}"/>
+              </a:ext>
+            </a:extLst>
+          </p:cNvPr>
+          <p:cNvCxnSpPr>
+            <a:stCxn id="5" idx="1"/>
+          </p:cNvCxnSpPr>
+          <p:nvPr/>
+        </p:nvCxnSpPr>
+        <p:spPr>
+          <a:xfrm flipH="1">
+            <a:off x="715819" y="2439554"/>
+            <a:ext cx="1995054" cy="1163781"/>
+          </a:xfrm>
+          <a:prstGeom prst="straightConnector1">
+            <a:avLst/>
+          </a:prstGeom>
+          <a:ln>
+            <a:tailEnd type="triangle"/>
+          </a:ln>
+        </p:spPr>
+        <p:style>
+          <a:lnRef idx="1">
+            <a:schemeClr val="accent1"/>
+          </a:lnRef>
+          <a:fillRef idx="0">
+            <a:schemeClr val="accent1"/>
+          </a:fillRef>
+          <a:effectRef idx="0">
+            <a:schemeClr val="accent1"/>
+          </a:effectRef>
+          <a:fontRef idx="minor">
+            <a:schemeClr val="tx1"/>
+          </a:fontRef>
+        </p:style>
+      </p:cxnSp>
+      <p:cxnSp>
+        <p:nvCxnSpPr>
+          <p:cNvPr id="12" name="Straight Arrow Connector 11">
+            <a:extLst>
+              <a:ext uri="{FF2B5EF4-FFF2-40B4-BE49-F238E27FC236}">
+                <a16:creationId xmlns:a16="http://schemas.microsoft.com/office/drawing/2014/main" id="{73D80A7B-4E35-4169-8F76-AAE61B1E3968}"/>
+              </a:ext>
+            </a:extLst>
+          </p:cNvPr>
+          <p:cNvCxnSpPr>
+            <a:stCxn id="5" idx="3"/>
+            <a:endCxn id="4" idx="1"/>
+          </p:cNvCxnSpPr>
+          <p:nvPr/>
+        </p:nvCxnSpPr>
+        <p:spPr>
+          <a:xfrm>
+            <a:off x="3791528" y="2439554"/>
+            <a:ext cx="6220690" cy="760847"/>
+          </a:xfrm>
+          <a:prstGeom prst="straightConnector1">
+            <a:avLst/>
+          </a:prstGeom>
+          <a:ln>
+            <a:tailEnd type="triangle"/>
+          </a:ln>
+        </p:spPr>
+        <p:style>
+          <a:lnRef idx="1">
+            <a:schemeClr val="accent1"/>
+          </a:lnRef>
+          <a:fillRef idx="0">
+            <a:schemeClr val="accent1"/>
+          </a:fillRef>
+          <a:effectRef idx="0">
+            <a:schemeClr val="accent1"/>
+          </a:effectRef>
+          <a:fontRef idx="minor">
+            <a:schemeClr val="tx1"/>
+          </a:fontRef>
+        </p:style>
+      </p:cxnSp>
+      <p:sp>
+        <p:nvSpPr>
+          <p:cNvPr id="13" name="Rectangle 12">
+            <a:extLst>
+              <a:ext uri="{FF2B5EF4-FFF2-40B4-BE49-F238E27FC236}">
+                <a16:creationId xmlns:a16="http://schemas.microsoft.com/office/drawing/2014/main" id="{4C93F83D-7FE4-4CA1-87BE-9458ECD0B718}"/>
+              </a:ext>
+            </a:extLst>
+          </p:cNvPr>
+          <p:cNvSpPr/>
+          <p:nvPr/>
+        </p:nvSpPr>
+        <p:spPr>
+          <a:xfrm>
+            <a:off x="4941455" y="3429000"/>
+            <a:ext cx="1459345" cy="1055256"/>
+          </a:xfrm>
+          <a:prstGeom prst="rect">
+            <a:avLst/>
+          </a:prstGeom>
+        </p:spPr>
+        <p:style>
+          <a:lnRef idx="2">
+            <a:schemeClr val="accent1">
+              <a:shade val="50000"/>
+            </a:schemeClr>
+          </a:lnRef>
+          <a:fillRef idx="1">
+            <a:schemeClr val="accent1"/>
+          </a:fillRef>
+          <a:effectRef idx="0">
+            <a:schemeClr val="accent1"/>
+          </a:effectRef>
+          <a:fontRef idx="minor">
+            <a:schemeClr val="lt1"/>
+          </a:fontRef>
+        </p:style>
+        <p:txBody>
+          <a:bodyPr rtlCol="0" anchor="ctr"/>
+          <a:lstStyle/>
+          <a:p>
+            <a:pPr algn="ctr"/>
+            <a:endParaRPr lang="en-US"/>
+          </a:p>
+        </p:txBody>
+      </p:sp>
+      <p:cxnSp>
+        <p:nvCxnSpPr>
+          <p:cNvPr id="15" name="Straight Arrow Connector 14">
+            <a:extLst>
+              <a:ext uri="{FF2B5EF4-FFF2-40B4-BE49-F238E27FC236}">
+                <a16:creationId xmlns:a16="http://schemas.microsoft.com/office/drawing/2014/main" id="{0AD2DFB9-790A-40CE-B2B2-03FA97A4E63C}"/>
+              </a:ext>
+            </a:extLst>
+          </p:cNvPr>
+          <p:cNvCxnSpPr>
+            <a:endCxn id="13" idx="1"/>
+          </p:cNvCxnSpPr>
+          <p:nvPr/>
+        </p:nvCxnSpPr>
+        <p:spPr>
+          <a:xfrm flipV="1">
+            <a:off x="2807855" y="3956628"/>
+            <a:ext cx="2133600" cy="218208"/>
+          </a:xfrm>
+          <a:prstGeom prst="straightConnector1">
+            <a:avLst/>
+          </a:prstGeom>
+          <a:ln>
+            <a:tailEnd type="triangle"/>
+          </a:ln>
+        </p:spPr>
+        <p:style>
+          <a:lnRef idx="1">
+            <a:schemeClr val="accent1"/>
+          </a:lnRef>
+          <a:fillRef idx="0">
+            <a:schemeClr val="accent1"/>
+          </a:fillRef>
+          <a:effectRef idx="0">
+            <a:schemeClr val="accent1"/>
+          </a:effectRef>
+          <a:fontRef idx="minor">
+            <a:schemeClr val="tx1"/>
+          </a:fontRef>
+        </p:style>
+      </p:cxnSp>
+      <p:cxnSp>
+        <p:nvCxnSpPr>
+          <p:cNvPr id="17" name="Straight Arrow Connector 16">
+            <a:extLst>
+              <a:ext uri="{FF2B5EF4-FFF2-40B4-BE49-F238E27FC236}">
+                <a16:creationId xmlns:a16="http://schemas.microsoft.com/office/drawing/2014/main" id="{5FFEF348-204B-4A55-BBC6-73501E73CBD8}"/>
+              </a:ext>
+            </a:extLst>
+          </p:cNvPr>
+          <p:cNvCxnSpPr>
+            <a:stCxn id="13" idx="3"/>
+            <a:endCxn id="4" idx="1"/>
+          </p:cNvCxnSpPr>
+          <p:nvPr/>
+        </p:nvCxnSpPr>
+        <p:spPr>
+          <a:xfrm flipV="1">
+            <a:off x="6400800" y="3200401"/>
+            <a:ext cx="3611418" cy="756227"/>
+          </a:xfrm>
+          <a:prstGeom prst="straightConnector1">
+            <a:avLst/>
+          </a:prstGeom>
+          <a:ln>
+            <a:tailEnd type="triangle"/>
+          </a:ln>
+        </p:spPr>
+        <p:style>
+          <a:lnRef idx="1">
+            <a:schemeClr val="accent1"/>
+          </a:lnRef>
+          <a:fillRef idx="0">
+            <a:schemeClr val="accent1"/>
+          </a:fillRef>
+          <a:effectRef idx="0">
+            <a:schemeClr val="accent1"/>
+          </a:effectRef>
+          <a:fontRef idx="minor">
+            <a:schemeClr val="tx1"/>
+          </a:fontRef>
+        </p:style>
+      </p:cxnSp>
+      <p:sp>
+        <p:nvSpPr>
+          <p:cNvPr id="19" name="Rectangle 18">
+            <a:extLst>
+              <a:ext uri="{FF2B5EF4-FFF2-40B4-BE49-F238E27FC236}">
+                <a16:creationId xmlns:a16="http://schemas.microsoft.com/office/drawing/2014/main" id="{7F024874-1609-49CA-A03C-3A9D21646B78}"/>
+              </a:ext>
+            </a:extLst>
+          </p:cNvPr>
+          <p:cNvSpPr/>
+          <p:nvPr/>
+        </p:nvSpPr>
+        <p:spPr>
+          <a:xfrm>
+            <a:off x="332509" y="360218"/>
+            <a:ext cx="988291" cy="443346"/>
+          </a:xfrm>
+          <a:prstGeom prst="rect">
+            <a:avLst/>
+          </a:prstGeom>
+        </p:spPr>
+        <p:style>
+          <a:lnRef idx="2">
+            <a:schemeClr val="accent1">
+              <a:shade val="50000"/>
+            </a:schemeClr>
+          </a:lnRef>
+          <a:fillRef idx="1">
+            <a:schemeClr val="accent1"/>
+          </a:fillRef>
+          <a:effectRef idx="0">
+            <a:schemeClr val="accent1"/>
+          </a:effectRef>
+          <a:fontRef idx="minor">
+            <a:schemeClr val="lt1"/>
+          </a:fontRef>
+        </p:style>
+        <p:txBody>
+          <a:bodyPr rtlCol="0" anchor="ctr"/>
+          <a:lstStyle/>
+          <a:p>
+            <a:pPr algn="ctr"/>
+            <a:endParaRPr lang="en-US"/>
+          </a:p>
+        </p:txBody>
+      </p:sp>
+      <p:sp>
+        <p:nvSpPr>
+          <p:cNvPr id="20" name="Rectangle 19">
+            <a:extLst>
+              <a:ext uri="{FF2B5EF4-FFF2-40B4-BE49-F238E27FC236}">
+                <a16:creationId xmlns:a16="http://schemas.microsoft.com/office/drawing/2014/main" id="{CAFCB884-310F-4EAE-8E9F-9EDD097FECF7}"/>
+              </a:ext>
+            </a:extLst>
+          </p:cNvPr>
+          <p:cNvSpPr/>
+          <p:nvPr/>
+        </p:nvSpPr>
+        <p:spPr>
+          <a:xfrm>
+            <a:off x="1948872" y="700806"/>
+            <a:ext cx="988291" cy="443346"/>
+          </a:xfrm>
+          <a:prstGeom prst="rect">
+            <a:avLst/>
+          </a:prstGeom>
+        </p:spPr>
+        <p:style>
+          <a:lnRef idx="2">
+            <a:schemeClr val="accent1">
+              <a:shade val="50000"/>
+            </a:schemeClr>
+          </a:lnRef>
+          <a:fillRef idx="1">
+            <a:schemeClr val="accent1"/>
+          </a:fillRef>
+          <a:effectRef idx="0">
+            <a:schemeClr val="accent1"/>
+          </a:effectRef>
+          <a:fontRef idx="minor">
+            <a:schemeClr val="lt1"/>
+          </a:fontRef>
+        </p:style>
+        <p:txBody>
+          <a:bodyPr rtlCol="0" anchor="ctr"/>
+          <a:lstStyle/>
+          <a:p>
+            <a:pPr algn="ctr"/>
+            <a:endParaRPr lang="en-US"/>
+          </a:p>
+        </p:txBody>
+      </p:sp>
+    </p:spTree>
+    <p:extLst>
+      <p:ext uri="{BB962C8B-B14F-4D97-AF65-F5344CB8AC3E}">
+        <p14:creationId xmlns:p14="http://schemas.microsoft.com/office/powerpoint/2010/main" val="1793304677"/>
       </p:ext>
     </p:extLst>
   </p:cSld>
